--- a/PracticeModule_Presentation.pptx
+++ b/PracticeModule_Presentation.pptx
@@ -5,10 +5,10 @@
     <p:sldMasterId id="2147483684" r:id="rId1"/>
   </p:sldMasterIdLst>
   <p:notesMasterIdLst>
-    <p:notesMasterId r:id="rId28"/>
+    <p:notesMasterId r:id="rId32"/>
   </p:notesMasterIdLst>
   <p:handoutMasterIdLst>
-    <p:handoutMasterId r:id="rId29"/>
+    <p:handoutMasterId r:id="rId33"/>
   </p:handoutMasterIdLst>
   <p:sldIdLst>
     <p:sldId id="281" r:id="rId2"/>
@@ -36,12 +36,16 @@
     <p:sldId id="513" r:id="rId24"/>
     <p:sldId id="507" r:id="rId25"/>
     <p:sldId id="508" r:id="rId26"/>
-    <p:sldId id="370" r:id="rId27"/>
+    <p:sldId id="515" r:id="rId27"/>
+    <p:sldId id="516" r:id="rId28"/>
+    <p:sldId id="517" r:id="rId29"/>
+    <p:sldId id="518" r:id="rId30"/>
+    <p:sldId id="370" r:id="rId31"/>
   </p:sldIdLst>
   <p:sldSz cx="9144000" cy="6858000" type="screen4x3"/>
   <p:notesSz cx="7099300" cy="10234613"/>
   <p:custDataLst>
-    <p:tags r:id="rId30"/>
+    <p:tags r:id="rId34"/>
   </p:custDataLst>
   <p:defaultTextStyle>
     <a:defPPr>
@@ -2576,14 +2580,35 @@
         </dgm:presLayoutVars>
       </dgm:prSet>
       <dgm:spPr/>
+      <dgm:t>
+        <a:bodyPr/>
+        <a:lstStyle/>
+        <a:p>
+          <a:endParaRPr lang="en-US"/>
+        </a:p>
+      </dgm:t>
     </dgm:pt>
     <dgm:pt modelId="{4B5D39CA-8147-4B81-8770-5E31FC6D1CFB}" type="pres">
       <dgm:prSet presAssocID="{91D0FCC9-0385-42AC-A8E5-78283D5D669C}" presName="sibTrans" presStyleLbl="sibTrans2D1" presStyleIdx="0" presStyleCnt="3"/>
       <dgm:spPr/>
+      <dgm:t>
+        <a:bodyPr/>
+        <a:lstStyle/>
+        <a:p>
+          <a:endParaRPr lang="en-US"/>
+        </a:p>
+      </dgm:t>
     </dgm:pt>
     <dgm:pt modelId="{41341A21-0806-411D-A443-625FA97E4491}" type="pres">
       <dgm:prSet presAssocID="{91D0FCC9-0385-42AC-A8E5-78283D5D669C}" presName="connectorText" presStyleLbl="sibTrans2D1" presStyleIdx="0" presStyleCnt="3"/>
       <dgm:spPr/>
+      <dgm:t>
+        <a:bodyPr/>
+        <a:lstStyle/>
+        <a:p>
+          <a:endParaRPr lang="en-US"/>
+        </a:p>
+      </dgm:t>
     </dgm:pt>
     <dgm:pt modelId="{EA5BC1ED-EB03-45BA-BC56-621EEE9BEBD1}" type="pres">
       <dgm:prSet presAssocID="{92249E20-58D4-4E75-BB12-FE5FBD54F135}" presName="node" presStyleLbl="node1" presStyleIdx="1" presStyleCnt="4">
@@ -2592,14 +2617,35 @@
         </dgm:presLayoutVars>
       </dgm:prSet>
       <dgm:spPr/>
+      <dgm:t>
+        <a:bodyPr/>
+        <a:lstStyle/>
+        <a:p>
+          <a:endParaRPr lang="en-US"/>
+        </a:p>
+      </dgm:t>
     </dgm:pt>
     <dgm:pt modelId="{95B3EF49-35D3-4519-9F1F-B39D5A0566E4}" type="pres">
       <dgm:prSet presAssocID="{0B72DC99-4E95-4ADB-960C-E769354E6A5D}" presName="sibTrans" presStyleLbl="sibTrans2D1" presStyleIdx="1" presStyleCnt="3"/>
       <dgm:spPr/>
+      <dgm:t>
+        <a:bodyPr/>
+        <a:lstStyle/>
+        <a:p>
+          <a:endParaRPr lang="en-US"/>
+        </a:p>
+      </dgm:t>
     </dgm:pt>
     <dgm:pt modelId="{9B203DD1-3145-4590-8ACC-2517ACFE25A8}" type="pres">
       <dgm:prSet presAssocID="{0B72DC99-4E95-4ADB-960C-E769354E6A5D}" presName="connectorText" presStyleLbl="sibTrans2D1" presStyleIdx="1" presStyleCnt="3"/>
       <dgm:spPr/>
+      <dgm:t>
+        <a:bodyPr/>
+        <a:lstStyle/>
+        <a:p>
+          <a:endParaRPr lang="en-US"/>
+        </a:p>
+      </dgm:t>
     </dgm:pt>
     <dgm:pt modelId="{A37733E1-C31E-4430-AEEA-7CC4BDFAF84B}" type="pres">
       <dgm:prSet presAssocID="{38DD500D-6BEB-44F1-A480-39EBC85B7D1B}" presName="node" presStyleLbl="node1" presStyleIdx="2" presStyleCnt="4">
@@ -2608,14 +2654,35 @@
         </dgm:presLayoutVars>
       </dgm:prSet>
       <dgm:spPr/>
+      <dgm:t>
+        <a:bodyPr/>
+        <a:lstStyle/>
+        <a:p>
+          <a:endParaRPr lang="en-US"/>
+        </a:p>
+      </dgm:t>
     </dgm:pt>
     <dgm:pt modelId="{7300E7F4-ED3F-436A-A1F0-90BEABB46E71}" type="pres">
       <dgm:prSet presAssocID="{6D1E928F-781F-462C-A8AC-2A960BFDA67A}" presName="sibTrans" presStyleLbl="sibTrans2D1" presStyleIdx="2" presStyleCnt="3"/>
       <dgm:spPr/>
+      <dgm:t>
+        <a:bodyPr/>
+        <a:lstStyle/>
+        <a:p>
+          <a:endParaRPr lang="en-US"/>
+        </a:p>
+      </dgm:t>
     </dgm:pt>
     <dgm:pt modelId="{D7B13FD1-4A98-4993-ACFA-933B70FB5D81}" type="pres">
       <dgm:prSet presAssocID="{6D1E928F-781F-462C-A8AC-2A960BFDA67A}" presName="connectorText" presStyleLbl="sibTrans2D1" presStyleIdx="2" presStyleCnt="3"/>
       <dgm:spPr/>
+      <dgm:t>
+        <a:bodyPr/>
+        <a:lstStyle/>
+        <a:p>
+          <a:endParaRPr lang="en-US"/>
+        </a:p>
+      </dgm:t>
     </dgm:pt>
     <dgm:pt modelId="{F65F4BF1-A7B9-4C27-8B28-16C04C25982E}" type="pres">
       <dgm:prSet presAssocID="{764C4D4F-B7F7-4995-9F46-8E01C62C581B}" presName="node" presStyleLbl="node1" presStyleIdx="3" presStyleCnt="4">
@@ -2624,23 +2691,30 @@
         </dgm:presLayoutVars>
       </dgm:prSet>
       <dgm:spPr/>
+      <dgm:t>
+        <a:bodyPr/>
+        <a:lstStyle/>
+        <a:p>
+          <a:endParaRPr lang="en-US"/>
+        </a:p>
+      </dgm:t>
     </dgm:pt>
   </dgm:ptLst>
   <dgm:cxnLst>
+    <dgm:cxn modelId="{3EBFAACE-A4CF-4057-9EC8-3A59330D069F}" type="presOf" srcId="{69C95212-ACBD-498E-A011-59076A4285CB}" destId="{4D4E5D9B-DE30-46F3-864F-B20CBCB47B81}" srcOrd="0" destOrd="0" presId="urn:microsoft.com/office/officeart/2005/8/layout/process1"/>
+    <dgm:cxn modelId="{2D076695-4491-4B11-95EC-7786C59603C3}" type="presOf" srcId="{0B72DC99-4E95-4ADB-960C-E769354E6A5D}" destId="{95B3EF49-35D3-4519-9F1F-B39D5A0566E4}" srcOrd="0" destOrd="0" presId="urn:microsoft.com/office/officeart/2005/8/layout/process1"/>
+    <dgm:cxn modelId="{05EBE6A4-21D9-4E6D-96DC-9D3E50C88595}" type="presOf" srcId="{38DD500D-6BEB-44F1-A480-39EBC85B7D1B}" destId="{A37733E1-C31E-4430-AEEA-7CC4BDFAF84B}" srcOrd="0" destOrd="0" presId="urn:microsoft.com/office/officeart/2005/8/layout/process1"/>
+    <dgm:cxn modelId="{B7AF3A68-AEB3-4860-978B-B262BEBB9ECB}" type="presOf" srcId="{6D1E928F-781F-462C-A8AC-2A960BFDA67A}" destId="{7300E7F4-ED3F-436A-A1F0-90BEABB46E71}" srcOrd="0" destOrd="0" presId="urn:microsoft.com/office/officeart/2005/8/layout/process1"/>
+    <dgm:cxn modelId="{31005A28-3819-43FC-A794-27C122A41925}" srcId="{9496E0A2-784B-483A-9A32-E68AF617843D}" destId="{38DD500D-6BEB-44F1-A480-39EBC85B7D1B}" srcOrd="2" destOrd="0" parTransId="{3CE2BC79-A484-4240-A2CB-1BC232A1E53F}" sibTransId="{6D1E928F-781F-462C-A8AC-2A960BFDA67A}"/>
+    <dgm:cxn modelId="{01F09420-6EB0-4A7F-B4CE-2315FD06751C}" type="presOf" srcId="{6D1E928F-781F-462C-A8AC-2A960BFDA67A}" destId="{D7B13FD1-4A98-4993-ACFA-933B70FB5D81}" srcOrd="1" destOrd="0" presId="urn:microsoft.com/office/officeart/2005/8/layout/process1"/>
+    <dgm:cxn modelId="{1530AF90-D573-4EFA-A3BC-840C3370D71B}" srcId="{9496E0A2-784B-483A-9A32-E68AF617843D}" destId="{764C4D4F-B7F7-4995-9F46-8E01C62C581B}" srcOrd="3" destOrd="0" parTransId="{A6A82594-4016-4707-8656-642BA426B3D4}" sibTransId="{356D9044-9DCA-4929-92DF-A2BDE3B61A47}"/>
+    <dgm:cxn modelId="{D1CF8BBB-F3E6-4482-8B69-D1BE9774788E}" type="presOf" srcId="{91D0FCC9-0385-42AC-A8E5-78283D5D669C}" destId="{4B5D39CA-8147-4B81-8770-5E31FC6D1CFB}" srcOrd="0" destOrd="0" presId="urn:microsoft.com/office/officeart/2005/8/layout/process1"/>
+    <dgm:cxn modelId="{5E0FD1A2-149D-4CF9-AEE7-688223EDC542}" type="presOf" srcId="{764C4D4F-B7F7-4995-9F46-8E01C62C581B}" destId="{F65F4BF1-A7B9-4C27-8B28-16C04C25982E}" srcOrd="0" destOrd="0" presId="urn:microsoft.com/office/officeart/2005/8/layout/process1"/>
+    <dgm:cxn modelId="{79D506E8-F752-4BA4-B280-EF0BEBC86F63}" srcId="{9496E0A2-784B-483A-9A32-E68AF617843D}" destId="{92249E20-58D4-4E75-BB12-FE5FBD54F135}" srcOrd="1" destOrd="0" parTransId="{105B3AA3-CBE4-4ECA-BC44-B6DCA5E7A036}" sibTransId="{0B72DC99-4E95-4ADB-960C-E769354E6A5D}"/>
     <dgm:cxn modelId="{23BC981F-CC7C-4D5F-91BD-DE6EC72DB040}" srcId="{9496E0A2-784B-483A-9A32-E68AF617843D}" destId="{69C95212-ACBD-498E-A011-59076A4285CB}" srcOrd="0" destOrd="0" parTransId="{BF3D5BE3-835C-4027-9271-54CEA95A0702}" sibTransId="{91D0FCC9-0385-42AC-A8E5-78283D5D669C}"/>
-    <dgm:cxn modelId="{01F09420-6EB0-4A7F-B4CE-2315FD06751C}" type="presOf" srcId="{6D1E928F-781F-462C-A8AC-2A960BFDA67A}" destId="{D7B13FD1-4A98-4993-ACFA-933B70FB5D81}" srcOrd="1" destOrd="0" presId="urn:microsoft.com/office/officeart/2005/8/layout/process1"/>
-    <dgm:cxn modelId="{31005A28-3819-43FC-A794-27C122A41925}" srcId="{9496E0A2-784B-483A-9A32-E68AF617843D}" destId="{38DD500D-6BEB-44F1-A480-39EBC85B7D1B}" srcOrd="2" destOrd="0" parTransId="{3CE2BC79-A484-4240-A2CB-1BC232A1E53F}" sibTransId="{6D1E928F-781F-462C-A8AC-2A960BFDA67A}"/>
-    <dgm:cxn modelId="{B7AF3A68-AEB3-4860-978B-B262BEBB9ECB}" type="presOf" srcId="{6D1E928F-781F-462C-A8AC-2A960BFDA67A}" destId="{7300E7F4-ED3F-436A-A1F0-90BEABB46E71}" srcOrd="0" destOrd="0" presId="urn:microsoft.com/office/officeart/2005/8/layout/process1"/>
     <dgm:cxn modelId="{F4BB5269-9705-4D80-8BF8-3B73A8F8EE8D}" type="presOf" srcId="{91D0FCC9-0385-42AC-A8E5-78283D5D669C}" destId="{41341A21-0806-411D-A443-625FA97E4491}" srcOrd="1" destOrd="0" presId="urn:microsoft.com/office/officeart/2005/8/layout/process1"/>
     <dgm:cxn modelId="{FEAE6454-4E5D-4190-8A76-D27FC4FC4790}" type="presOf" srcId="{9496E0A2-784B-483A-9A32-E68AF617843D}" destId="{9EA8A120-7984-4A2B-9532-24393BA5D7A2}" srcOrd="0" destOrd="0" presId="urn:microsoft.com/office/officeart/2005/8/layout/process1"/>
     <dgm:cxn modelId="{F8BD9F76-8AA1-4A33-B686-C2C5DEA97305}" type="presOf" srcId="{0B72DC99-4E95-4ADB-960C-E769354E6A5D}" destId="{9B203DD1-3145-4590-8ACC-2517ACFE25A8}" srcOrd="1" destOrd="0" presId="urn:microsoft.com/office/officeart/2005/8/layout/process1"/>
-    <dgm:cxn modelId="{1530AF90-D573-4EFA-A3BC-840C3370D71B}" srcId="{9496E0A2-784B-483A-9A32-E68AF617843D}" destId="{764C4D4F-B7F7-4995-9F46-8E01C62C581B}" srcOrd="3" destOrd="0" parTransId="{A6A82594-4016-4707-8656-642BA426B3D4}" sibTransId="{356D9044-9DCA-4929-92DF-A2BDE3B61A47}"/>
-    <dgm:cxn modelId="{2D076695-4491-4B11-95EC-7786C59603C3}" type="presOf" srcId="{0B72DC99-4E95-4ADB-960C-E769354E6A5D}" destId="{95B3EF49-35D3-4519-9F1F-B39D5A0566E4}" srcOrd="0" destOrd="0" presId="urn:microsoft.com/office/officeart/2005/8/layout/process1"/>
-    <dgm:cxn modelId="{5E0FD1A2-149D-4CF9-AEE7-688223EDC542}" type="presOf" srcId="{764C4D4F-B7F7-4995-9F46-8E01C62C581B}" destId="{F65F4BF1-A7B9-4C27-8B28-16C04C25982E}" srcOrd="0" destOrd="0" presId="urn:microsoft.com/office/officeart/2005/8/layout/process1"/>
-    <dgm:cxn modelId="{05EBE6A4-21D9-4E6D-96DC-9D3E50C88595}" type="presOf" srcId="{38DD500D-6BEB-44F1-A480-39EBC85B7D1B}" destId="{A37733E1-C31E-4430-AEEA-7CC4BDFAF84B}" srcOrd="0" destOrd="0" presId="urn:microsoft.com/office/officeart/2005/8/layout/process1"/>
-    <dgm:cxn modelId="{D1CF8BBB-F3E6-4482-8B69-D1BE9774788E}" type="presOf" srcId="{91D0FCC9-0385-42AC-A8E5-78283D5D669C}" destId="{4B5D39CA-8147-4B81-8770-5E31FC6D1CFB}" srcOrd="0" destOrd="0" presId="urn:microsoft.com/office/officeart/2005/8/layout/process1"/>
-    <dgm:cxn modelId="{3EBFAACE-A4CF-4057-9EC8-3A59330D069F}" type="presOf" srcId="{69C95212-ACBD-498E-A011-59076A4285CB}" destId="{4D4E5D9B-DE30-46F3-864F-B20CBCB47B81}" srcOrd="0" destOrd="0" presId="urn:microsoft.com/office/officeart/2005/8/layout/process1"/>
-    <dgm:cxn modelId="{79D506E8-F752-4BA4-B280-EF0BEBC86F63}" srcId="{9496E0A2-784B-483A-9A32-E68AF617843D}" destId="{92249E20-58D4-4E75-BB12-FE5FBD54F135}" srcOrd="1" destOrd="0" parTransId="{105B3AA3-CBE4-4ECA-BC44-B6DCA5E7A036}" sibTransId="{0B72DC99-4E95-4ADB-960C-E769354E6A5D}"/>
     <dgm:cxn modelId="{099D99FB-52B2-434C-BA10-1675505A420B}" type="presOf" srcId="{92249E20-58D4-4E75-BB12-FE5FBD54F135}" destId="{EA5BC1ED-EB03-45BA-BC56-621EEE9BEBD1}" srcOrd="0" destOrd="0" presId="urn:microsoft.com/office/officeart/2005/8/layout/process1"/>
     <dgm:cxn modelId="{DA8115C2-D2F4-4CCB-9D90-0A509018B8F1}" type="presParOf" srcId="{9EA8A120-7984-4A2B-9532-24393BA5D7A2}" destId="{4D4E5D9B-DE30-46F3-864F-B20CBCB47B81}" srcOrd="0" destOrd="0" presId="urn:microsoft.com/office/officeart/2005/8/layout/process1"/>
     <dgm:cxn modelId="{0C3F32CC-6A85-4291-B66A-941971627454}" type="presParOf" srcId="{9EA8A120-7984-4A2B-9532-24393BA5D7A2}" destId="{4B5D39CA-8147-4B81-8770-5E31FC6D1CFB}" srcOrd="1" destOrd="0" presId="urn:microsoft.com/office/officeart/2005/8/layout/process1"/>
@@ -3032,6 +3106,13 @@
         </dgm:presLayoutVars>
       </dgm:prSet>
       <dgm:spPr/>
+      <dgm:t>
+        <a:bodyPr/>
+        <a:lstStyle/>
+        <a:p>
+          <a:endParaRPr lang="en-US"/>
+        </a:p>
+      </dgm:t>
     </dgm:pt>
     <dgm:pt modelId="{189D6A4B-21E2-4FCD-A1A9-B0A37070679D}" type="pres">
       <dgm:prSet presAssocID="{6909E702-DF4A-4621-83E4-C7AE51A47D48}" presName="node" presStyleLbl="node1" presStyleIdx="0" presStyleCnt="8">
@@ -3040,14 +3121,35 @@
         </dgm:presLayoutVars>
       </dgm:prSet>
       <dgm:spPr/>
+      <dgm:t>
+        <a:bodyPr/>
+        <a:lstStyle/>
+        <a:p>
+          <a:endParaRPr lang="en-US"/>
+        </a:p>
+      </dgm:t>
     </dgm:pt>
     <dgm:pt modelId="{E5D9E9D1-B554-4B69-88C2-23DB15039166}" type="pres">
       <dgm:prSet presAssocID="{76AC9EB8-B499-4014-9C2D-CF84A71AB784}" presName="sibTrans" presStyleLbl="sibTrans2D1" presStyleIdx="0" presStyleCnt="7"/>
       <dgm:spPr/>
+      <dgm:t>
+        <a:bodyPr/>
+        <a:lstStyle/>
+        <a:p>
+          <a:endParaRPr lang="en-US"/>
+        </a:p>
+      </dgm:t>
     </dgm:pt>
     <dgm:pt modelId="{7BEE8685-09E9-4964-906A-51AD9B41B2B2}" type="pres">
       <dgm:prSet presAssocID="{76AC9EB8-B499-4014-9C2D-CF84A71AB784}" presName="connectorText" presStyleLbl="sibTrans2D1" presStyleIdx="0" presStyleCnt="7"/>
       <dgm:spPr/>
+      <dgm:t>
+        <a:bodyPr/>
+        <a:lstStyle/>
+        <a:p>
+          <a:endParaRPr lang="en-US"/>
+        </a:p>
+      </dgm:t>
     </dgm:pt>
     <dgm:pt modelId="{D5C5BD5A-4727-46B4-AED3-2156E2F1911C}" type="pres">
       <dgm:prSet presAssocID="{16DB864F-1D40-4E34-8BD9-F1C660CD2CFB}" presName="node" presStyleLbl="node1" presStyleIdx="1" presStyleCnt="8" custScaleX="177674">
@@ -3056,14 +3158,35 @@
         </dgm:presLayoutVars>
       </dgm:prSet>
       <dgm:spPr/>
+      <dgm:t>
+        <a:bodyPr/>
+        <a:lstStyle/>
+        <a:p>
+          <a:endParaRPr lang="en-US"/>
+        </a:p>
+      </dgm:t>
     </dgm:pt>
     <dgm:pt modelId="{70E8EFBD-24AF-49C1-AB74-E0E433B72786}" type="pres">
       <dgm:prSet presAssocID="{0CC9A380-740E-4425-AC43-31F4F13B3004}" presName="sibTrans" presStyleLbl="sibTrans2D1" presStyleIdx="1" presStyleCnt="7"/>
       <dgm:spPr/>
+      <dgm:t>
+        <a:bodyPr/>
+        <a:lstStyle/>
+        <a:p>
+          <a:endParaRPr lang="en-US"/>
+        </a:p>
+      </dgm:t>
     </dgm:pt>
     <dgm:pt modelId="{6C363702-4613-491B-B93A-F5677269E603}" type="pres">
       <dgm:prSet presAssocID="{0CC9A380-740E-4425-AC43-31F4F13B3004}" presName="connectorText" presStyleLbl="sibTrans2D1" presStyleIdx="1" presStyleCnt="7"/>
       <dgm:spPr/>
+      <dgm:t>
+        <a:bodyPr/>
+        <a:lstStyle/>
+        <a:p>
+          <a:endParaRPr lang="en-US"/>
+        </a:p>
+      </dgm:t>
     </dgm:pt>
     <dgm:pt modelId="{5E07831F-96AB-45D4-BDD8-76735DEC4F3D}" type="pres">
       <dgm:prSet presAssocID="{B0120D59-46F5-4609-8A90-D19147655A7C}" presName="node" presStyleLbl="node1" presStyleIdx="2" presStyleCnt="8" custScaleX="178712">
@@ -3072,14 +3195,35 @@
         </dgm:presLayoutVars>
       </dgm:prSet>
       <dgm:spPr/>
+      <dgm:t>
+        <a:bodyPr/>
+        <a:lstStyle/>
+        <a:p>
+          <a:endParaRPr lang="en-US"/>
+        </a:p>
+      </dgm:t>
     </dgm:pt>
     <dgm:pt modelId="{C3ADE6CA-9FE3-4A69-9EF9-3DEB92BC6215}" type="pres">
       <dgm:prSet presAssocID="{05504F13-8F6D-4A96-A060-7C7C04BCCDC5}" presName="sibTrans" presStyleLbl="sibTrans2D1" presStyleIdx="2" presStyleCnt="7"/>
       <dgm:spPr/>
+      <dgm:t>
+        <a:bodyPr/>
+        <a:lstStyle/>
+        <a:p>
+          <a:endParaRPr lang="en-US"/>
+        </a:p>
+      </dgm:t>
     </dgm:pt>
     <dgm:pt modelId="{FC02DA56-149D-4855-9DCF-0DD82448A01C}" type="pres">
       <dgm:prSet presAssocID="{05504F13-8F6D-4A96-A060-7C7C04BCCDC5}" presName="connectorText" presStyleLbl="sibTrans2D1" presStyleIdx="2" presStyleCnt="7"/>
       <dgm:spPr/>
+      <dgm:t>
+        <a:bodyPr/>
+        <a:lstStyle/>
+        <a:p>
+          <a:endParaRPr lang="en-US"/>
+        </a:p>
+      </dgm:t>
     </dgm:pt>
     <dgm:pt modelId="{015423F5-9245-4C68-91D2-E0D99B323ECB}" type="pres">
       <dgm:prSet presAssocID="{4E8DDCF5-1131-4B7B-8DC9-CA1D909DEB4C}" presName="node" presStyleLbl="node1" presStyleIdx="3" presStyleCnt="8" custScaleX="181548">
@@ -3088,14 +3232,35 @@
         </dgm:presLayoutVars>
       </dgm:prSet>
       <dgm:spPr/>
+      <dgm:t>
+        <a:bodyPr/>
+        <a:lstStyle/>
+        <a:p>
+          <a:endParaRPr lang="en-US"/>
+        </a:p>
+      </dgm:t>
     </dgm:pt>
     <dgm:pt modelId="{BB051662-59CA-41A7-A56A-FFBA00380174}" type="pres">
       <dgm:prSet presAssocID="{1E64BDA1-8C1C-4293-9ECF-B16190F3555C}" presName="sibTrans" presStyleLbl="sibTrans2D1" presStyleIdx="3" presStyleCnt="7"/>
       <dgm:spPr/>
+      <dgm:t>
+        <a:bodyPr/>
+        <a:lstStyle/>
+        <a:p>
+          <a:endParaRPr lang="en-US"/>
+        </a:p>
+      </dgm:t>
     </dgm:pt>
     <dgm:pt modelId="{85ACBFE3-ED12-472D-9155-8AECC46A625D}" type="pres">
       <dgm:prSet presAssocID="{1E64BDA1-8C1C-4293-9ECF-B16190F3555C}" presName="connectorText" presStyleLbl="sibTrans2D1" presStyleIdx="3" presStyleCnt="7"/>
       <dgm:spPr/>
+      <dgm:t>
+        <a:bodyPr/>
+        <a:lstStyle/>
+        <a:p>
+          <a:endParaRPr lang="en-US"/>
+        </a:p>
+      </dgm:t>
     </dgm:pt>
     <dgm:pt modelId="{DE8A9ADE-4EA7-4E5F-9B22-8F0A88EF3F94}" type="pres">
       <dgm:prSet presAssocID="{6BB4A08D-9009-408D-A672-847AAAD9D481}" presName="node" presStyleLbl="node1" presStyleIdx="4" presStyleCnt="8" custScaleX="184493">
@@ -3104,14 +3269,35 @@
         </dgm:presLayoutVars>
       </dgm:prSet>
       <dgm:spPr/>
+      <dgm:t>
+        <a:bodyPr/>
+        <a:lstStyle/>
+        <a:p>
+          <a:endParaRPr lang="en-US"/>
+        </a:p>
+      </dgm:t>
     </dgm:pt>
     <dgm:pt modelId="{99F1D40A-DB5B-4C5D-98D8-82EDE31912FE}" type="pres">
       <dgm:prSet presAssocID="{F27D3CED-FAAD-45A0-B25C-96C0B097E61C}" presName="sibTrans" presStyleLbl="sibTrans2D1" presStyleIdx="4" presStyleCnt="7"/>
       <dgm:spPr/>
+      <dgm:t>
+        <a:bodyPr/>
+        <a:lstStyle/>
+        <a:p>
+          <a:endParaRPr lang="en-US"/>
+        </a:p>
+      </dgm:t>
     </dgm:pt>
     <dgm:pt modelId="{228957F4-EE3C-408A-83BB-E73D4ED2802F}" type="pres">
       <dgm:prSet presAssocID="{F27D3CED-FAAD-45A0-B25C-96C0B097E61C}" presName="connectorText" presStyleLbl="sibTrans2D1" presStyleIdx="4" presStyleCnt="7"/>
       <dgm:spPr/>
+      <dgm:t>
+        <a:bodyPr/>
+        <a:lstStyle/>
+        <a:p>
+          <a:endParaRPr lang="en-US"/>
+        </a:p>
+      </dgm:t>
     </dgm:pt>
     <dgm:pt modelId="{52BF1B02-38BA-490D-B49F-F7F428D4159F}" type="pres">
       <dgm:prSet presAssocID="{F77B9BF5-4593-4B18-BA5C-8BE2B8071A44}" presName="node" presStyleLbl="node1" presStyleIdx="5" presStyleCnt="8" custScaleX="183378">
@@ -3120,14 +3306,35 @@
         </dgm:presLayoutVars>
       </dgm:prSet>
       <dgm:spPr/>
+      <dgm:t>
+        <a:bodyPr/>
+        <a:lstStyle/>
+        <a:p>
+          <a:endParaRPr lang="en-US"/>
+        </a:p>
+      </dgm:t>
     </dgm:pt>
     <dgm:pt modelId="{FFAB1546-EE89-4905-B200-014D9D15DEB5}" type="pres">
       <dgm:prSet presAssocID="{B8A5FD80-BDA8-4DB0-BAA6-7D996DB83F32}" presName="sibTrans" presStyleLbl="sibTrans2D1" presStyleIdx="5" presStyleCnt="7"/>
       <dgm:spPr/>
+      <dgm:t>
+        <a:bodyPr/>
+        <a:lstStyle/>
+        <a:p>
+          <a:endParaRPr lang="en-US"/>
+        </a:p>
+      </dgm:t>
     </dgm:pt>
     <dgm:pt modelId="{F99DF6A8-FCCC-45FE-984E-74BB5D13A325}" type="pres">
       <dgm:prSet presAssocID="{B8A5FD80-BDA8-4DB0-BAA6-7D996DB83F32}" presName="connectorText" presStyleLbl="sibTrans2D1" presStyleIdx="5" presStyleCnt="7"/>
       <dgm:spPr/>
+      <dgm:t>
+        <a:bodyPr/>
+        <a:lstStyle/>
+        <a:p>
+          <a:endParaRPr lang="en-US"/>
+        </a:p>
+      </dgm:t>
     </dgm:pt>
     <dgm:pt modelId="{CFBA9DB8-BD38-47A9-83E9-C039D73A7363}" type="pres">
       <dgm:prSet presAssocID="{44D9E930-28F8-42A2-AEDE-C2AF9832F680}" presName="node" presStyleLbl="node1" presStyleIdx="6" presStyleCnt="8" custScaleX="187609">
@@ -3136,14 +3343,35 @@
         </dgm:presLayoutVars>
       </dgm:prSet>
       <dgm:spPr/>
+      <dgm:t>
+        <a:bodyPr/>
+        <a:lstStyle/>
+        <a:p>
+          <a:endParaRPr lang="en-US"/>
+        </a:p>
+      </dgm:t>
     </dgm:pt>
     <dgm:pt modelId="{AA747EB2-8553-4BFB-A459-0AE4760BF603}" type="pres">
       <dgm:prSet presAssocID="{BEF039B9-78B3-44AC-BCD2-D5D97EFF241A}" presName="sibTrans" presStyleLbl="sibTrans2D1" presStyleIdx="6" presStyleCnt="7"/>
       <dgm:spPr/>
+      <dgm:t>
+        <a:bodyPr/>
+        <a:lstStyle/>
+        <a:p>
+          <a:endParaRPr lang="en-US"/>
+        </a:p>
+      </dgm:t>
     </dgm:pt>
     <dgm:pt modelId="{6B4A65B5-2DFC-4228-9C5F-110DC47622B7}" type="pres">
       <dgm:prSet presAssocID="{BEF039B9-78B3-44AC-BCD2-D5D97EFF241A}" presName="connectorText" presStyleLbl="sibTrans2D1" presStyleIdx="6" presStyleCnt="7"/>
       <dgm:spPr/>
+      <dgm:t>
+        <a:bodyPr/>
+        <a:lstStyle/>
+        <a:p>
+          <a:endParaRPr lang="en-US"/>
+        </a:p>
+      </dgm:t>
     </dgm:pt>
     <dgm:pt modelId="{C66BF0E9-CB5D-486D-B436-1555A05A59F0}" type="pres">
       <dgm:prSet presAssocID="{9A14F079-F04B-4CC9-9700-618484CACBA1}" presName="node" presStyleLbl="node1" presStyleIdx="7" presStyleCnt="8">
@@ -3152,39 +3380,46 @@
         </dgm:presLayoutVars>
       </dgm:prSet>
       <dgm:spPr/>
+      <dgm:t>
+        <a:bodyPr/>
+        <a:lstStyle/>
+        <a:p>
+          <a:endParaRPr lang="en-US"/>
+        </a:p>
+      </dgm:t>
     </dgm:pt>
   </dgm:ptLst>
   <dgm:cxnLst>
+    <dgm:cxn modelId="{CA6ECBB7-3C85-4C7D-B933-A652218F8480}" type="presOf" srcId="{76AC9EB8-B499-4014-9C2D-CF84A71AB784}" destId="{E5D9E9D1-B554-4B69-88C2-23DB15039166}" srcOrd="0" destOrd="0" presId="urn:microsoft.com/office/officeart/2005/8/layout/process2"/>
+    <dgm:cxn modelId="{B1AAA544-2A7A-462B-8263-6FCDC6C98228}" type="presOf" srcId="{0CC9A380-740E-4425-AC43-31F4F13B3004}" destId="{6C363702-4613-491B-B93A-F5677269E603}" srcOrd="1" destOrd="0" presId="urn:microsoft.com/office/officeart/2005/8/layout/process2"/>
+    <dgm:cxn modelId="{97036991-5E3A-46EC-8150-B28E18F668ED}" type="presOf" srcId="{1E64BDA1-8C1C-4293-9ECF-B16190F3555C}" destId="{BB051662-59CA-41A7-A56A-FFBA00380174}" srcOrd="0" destOrd="0" presId="urn:microsoft.com/office/officeart/2005/8/layout/process2"/>
+    <dgm:cxn modelId="{62E71CF5-02C6-426F-B29D-352D349A767B}" type="presOf" srcId="{831248B5-42BE-41CC-B00B-93FDF821FE9F}" destId="{D7B6869B-4E62-4ED6-98D4-117812227983}" srcOrd="0" destOrd="0" presId="urn:microsoft.com/office/officeart/2005/8/layout/process2"/>
+    <dgm:cxn modelId="{C1508D8D-DC9F-4A4C-B426-EDCB0C2D4635}" type="presOf" srcId="{BEF039B9-78B3-44AC-BCD2-D5D97EFF241A}" destId="{AA747EB2-8553-4BFB-A459-0AE4760BF603}" srcOrd="0" destOrd="0" presId="urn:microsoft.com/office/officeart/2005/8/layout/process2"/>
+    <dgm:cxn modelId="{9E8B0EC8-CDD5-4D01-BB78-42B94FC3B680}" srcId="{831248B5-42BE-41CC-B00B-93FDF821FE9F}" destId="{44D9E930-28F8-42A2-AEDE-C2AF9832F680}" srcOrd="6" destOrd="0" parTransId="{F461D74D-E1BE-4262-9A51-8AF93A2A9DAE}" sibTransId="{BEF039B9-78B3-44AC-BCD2-D5D97EFF241A}"/>
+    <dgm:cxn modelId="{AFB1F2F6-1307-4941-86BA-4A12F4B9B558}" type="presOf" srcId="{05504F13-8F6D-4A96-A060-7C7C04BCCDC5}" destId="{C3ADE6CA-9FE3-4A69-9EF9-3DEB92BC6215}" srcOrd="0" destOrd="0" presId="urn:microsoft.com/office/officeart/2005/8/layout/process2"/>
+    <dgm:cxn modelId="{417CA51D-93DA-40F2-8DB1-5C199B54D276}" type="presOf" srcId="{6909E702-DF4A-4621-83E4-C7AE51A47D48}" destId="{189D6A4B-21E2-4FCD-A1A9-B0A37070679D}" srcOrd="0" destOrd="0" presId="urn:microsoft.com/office/officeart/2005/8/layout/process2"/>
+    <dgm:cxn modelId="{D724B969-C453-40A9-A4DD-724E37D812DE}" type="presOf" srcId="{16DB864F-1D40-4E34-8BD9-F1C660CD2CFB}" destId="{D5C5BD5A-4727-46B4-AED3-2156E2F1911C}" srcOrd="0" destOrd="0" presId="urn:microsoft.com/office/officeart/2005/8/layout/process2"/>
     <dgm:cxn modelId="{1B41AA09-DD62-4EB7-9BBC-88AFF9167CB2}" type="presOf" srcId="{BEF039B9-78B3-44AC-BCD2-D5D97EFF241A}" destId="{6B4A65B5-2DFC-4228-9C5F-110DC47622B7}" srcOrd="1" destOrd="0" presId="urn:microsoft.com/office/officeart/2005/8/layout/process2"/>
-    <dgm:cxn modelId="{CCBB2E18-AEAA-4DC0-9E3C-F88CDCA45059}" type="presOf" srcId="{F27D3CED-FAAD-45A0-B25C-96C0B097E61C}" destId="{228957F4-EE3C-408A-83BB-E73D4ED2802F}" srcOrd="1" destOrd="0" presId="urn:microsoft.com/office/officeart/2005/8/layout/process2"/>
     <dgm:cxn modelId="{F848FD1B-9938-40DA-B871-80D23B94C0A1}" srcId="{831248B5-42BE-41CC-B00B-93FDF821FE9F}" destId="{6BB4A08D-9009-408D-A672-847AAAD9D481}" srcOrd="4" destOrd="0" parTransId="{41DA4F41-3DCF-4131-AA4C-8DFB2599D393}" sibTransId="{F27D3CED-FAAD-45A0-B25C-96C0B097E61C}"/>
-    <dgm:cxn modelId="{417CA51D-93DA-40F2-8DB1-5C199B54D276}" type="presOf" srcId="{6909E702-DF4A-4621-83E4-C7AE51A47D48}" destId="{189D6A4B-21E2-4FCD-A1A9-B0A37070679D}" srcOrd="0" destOrd="0" presId="urn:microsoft.com/office/officeart/2005/8/layout/process2"/>
-    <dgm:cxn modelId="{D497E32E-9E75-4ED1-AB75-FDC6416370FF}" type="presOf" srcId="{1E64BDA1-8C1C-4293-9ECF-B16190F3555C}" destId="{85ACBFE3-ED12-472D-9155-8AECC46A625D}" srcOrd="1" destOrd="0" presId="urn:microsoft.com/office/officeart/2005/8/layout/process2"/>
-    <dgm:cxn modelId="{6B5C7332-53C1-44A1-987C-DD115C27287D}" type="presOf" srcId="{B0120D59-46F5-4609-8A90-D19147655A7C}" destId="{5E07831F-96AB-45D4-BDD8-76735DEC4F3D}" srcOrd="0" destOrd="0" presId="urn:microsoft.com/office/officeart/2005/8/layout/process2"/>
+    <dgm:cxn modelId="{74E0374E-C34F-4DBF-9C88-16D4690BFED2}" type="presOf" srcId="{F27D3CED-FAAD-45A0-B25C-96C0B097E61C}" destId="{99F1D40A-DB5B-4C5D-98D8-82EDE31912FE}" srcOrd="0" destOrd="0" presId="urn:microsoft.com/office/officeart/2005/8/layout/process2"/>
+    <dgm:cxn modelId="{E273DFAF-B31F-4432-9592-248697CD484E}" type="presOf" srcId="{0CC9A380-740E-4425-AC43-31F4F13B3004}" destId="{70E8EFBD-24AF-49C1-AB74-E0E433B72786}" srcOrd="0" destOrd="0" presId="urn:microsoft.com/office/officeart/2005/8/layout/process2"/>
     <dgm:cxn modelId="{94C5DB3A-31F4-43ED-AF25-F5889F60EB0E}" type="presOf" srcId="{4E8DDCF5-1131-4B7B-8DC9-CA1D909DEB4C}" destId="{015423F5-9245-4C68-91D2-E0D99B323ECB}" srcOrd="0" destOrd="0" presId="urn:microsoft.com/office/officeart/2005/8/layout/process2"/>
-    <dgm:cxn modelId="{67A6795E-B981-4D59-8045-63955DC05E94}" type="presOf" srcId="{B8A5FD80-BDA8-4DB0-BAA6-7D996DB83F32}" destId="{F99DF6A8-FCCC-45FE-984E-74BB5D13A325}" srcOrd="1" destOrd="0" presId="urn:microsoft.com/office/officeart/2005/8/layout/process2"/>
-    <dgm:cxn modelId="{B1AAA544-2A7A-462B-8263-6FCDC6C98228}" type="presOf" srcId="{0CC9A380-740E-4425-AC43-31F4F13B3004}" destId="{6C363702-4613-491B-B93A-F5677269E603}" srcOrd="1" destOrd="0" presId="urn:microsoft.com/office/officeart/2005/8/layout/process2"/>
     <dgm:cxn modelId="{3C976765-D4C8-4738-B7C4-C1318D78CD1F}" srcId="{831248B5-42BE-41CC-B00B-93FDF821FE9F}" destId="{6909E702-DF4A-4621-83E4-C7AE51A47D48}" srcOrd="0" destOrd="0" parTransId="{1DE2D664-EDBC-46EB-96F3-DDBF3F502ACD}" sibTransId="{76AC9EB8-B499-4014-9C2D-CF84A71AB784}"/>
     <dgm:cxn modelId="{F15E6F49-4000-47CC-8885-1783141097E5}" srcId="{831248B5-42BE-41CC-B00B-93FDF821FE9F}" destId="{9A14F079-F04B-4CC9-9700-618484CACBA1}" srcOrd="7" destOrd="0" parTransId="{6B6E3BE4-034D-49F9-B705-99516622DF0B}" sibTransId="{E9A69AA7-B434-477C-A848-F3319E85C266}"/>
-    <dgm:cxn modelId="{D724B969-C453-40A9-A4DD-724E37D812DE}" type="presOf" srcId="{16DB864F-1D40-4E34-8BD9-F1C660CD2CFB}" destId="{D5C5BD5A-4727-46B4-AED3-2156E2F1911C}" srcOrd="0" destOrd="0" presId="urn:microsoft.com/office/officeart/2005/8/layout/process2"/>
-    <dgm:cxn modelId="{70AE856C-5F5E-4DEC-B46B-465564D97C8A}" type="presOf" srcId="{05504F13-8F6D-4A96-A060-7C7C04BCCDC5}" destId="{FC02DA56-149D-4855-9DCF-0DD82448A01C}" srcOrd="1" destOrd="0" presId="urn:microsoft.com/office/officeart/2005/8/layout/process2"/>
-    <dgm:cxn modelId="{74E0374E-C34F-4DBF-9C88-16D4690BFED2}" type="presOf" srcId="{F27D3CED-FAAD-45A0-B25C-96C0B097E61C}" destId="{99F1D40A-DB5B-4C5D-98D8-82EDE31912FE}" srcOrd="0" destOrd="0" presId="urn:microsoft.com/office/officeart/2005/8/layout/process2"/>
-    <dgm:cxn modelId="{C1508D8D-DC9F-4A4C-B426-EDCB0C2D4635}" type="presOf" srcId="{BEF039B9-78B3-44AC-BCD2-D5D97EFF241A}" destId="{AA747EB2-8553-4BFB-A459-0AE4760BF603}" srcOrd="0" destOrd="0" presId="urn:microsoft.com/office/officeart/2005/8/layout/process2"/>
-    <dgm:cxn modelId="{97036991-5E3A-46EC-8150-B28E18F668ED}" type="presOf" srcId="{1E64BDA1-8C1C-4293-9ECF-B16190F3555C}" destId="{BB051662-59CA-41A7-A56A-FFBA00380174}" srcOrd="0" destOrd="0" presId="urn:microsoft.com/office/officeart/2005/8/layout/process2"/>
-    <dgm:cxn modelId="{1FAAEAA8-DA69-4D24-A321-784C7150EC4E}" srcId="{831248B5-42BE-41CC-B00B-93FDF821FE9F}" destId="{16DB864F-1D40-4E34-8BD9-F1C660CD2CFB}" srcOrd="1" destOrd="0" parTransId="{93C0F5D2-7285-4DBC-9CFC-540D03F09FCC}" sibTransId="{0CC9A380-740E-4425-AC43-31F4F13B3004}"/>
-    <dgm:cxn modelId="{E273DFAF-B31F-4432-9592-248697CD484E}" type="presOf" srcId="{0CC9A380-740E-4425-AC43-31F4F13B3004}" destId="{70E8EFBD-24AF-49C1-AB74-E0E433B72786}" srcOrd="0" destOrd="0" presId="urn:microsoft.com/office/officeart/2005/8/layout/process2"/>
-    <dgm:cxn modelId="{2BFA0FB1-DBF7-4A7A-A74C-9B7753CD19FE}" type="presOf" srcId="{F77B9BF5-4593-4B18-BA5C-8BE2B8071A44}" destId="{52BF1B02-38BA-490D-B49F-F7F428D4159F}" srcOrd="0" destOrd="0" presId="urn:microsoft.com/office/officeart/2005/8/layout/process2"/>
-    <dgm:cxn modelId="{CA6ECBB7-3C85-4C7D-B933-A652218F8480}" type="presOf" srcId="{76AC9EB8-B499-4014-9C2D-CF84A71AB784}" destId="{E5D9E9D1-B554-4B69-88C2-23DB15039166}" srcOrd="0" destOrd="0" presId="urn:microsoft.com/office/officeart/2005/8/layout/process2"/>
+    <dgm:cxn modelId="{902323CF-0A5E-4ECB-AB85-D3ACCE8529C8}" type="presOf" srcId="{76AC9EB8-B499-4014-9C2D-CF84A71AB784}" destId="{7BEE8685-09E9-4964-906A-51AD9B41B2B2}" srcOrd="1" destOrd="0" presId="urn:microsoft.com/office/officeart/2005/8/layout/process2"/>
     <dgm:cxn modelId="{2D6458B8-D429-4A32-8FAC-D38FBB9C07AF}" type="presOf" srcId="{9A14F079-F04B-4CC9-9700-618484CACBA1}" destId="{C66BF0E9-CB5D-486D-B436-1555A05A59F0}" srcOrd="0" destOrd="0" presId="urn:microsoft.com/office/officeart/2005/8/layout/process2"/>
     <dgm:cxn modelId="{BE13A2BF-22E0-4EFB-A743-7E04366FF557}" type="presOf" srcId="{44D9E930-28F8-42A2-AEDE-C2AF9832F680}" destId="{CFBA9DB8-BD38-47A9-83E9-C039D73A7363}" srcOrd="0" destOrd="0" presId="urn:microsoft.com/office/officeart/2005/8/layout/process2"/>
-    <dgm:cxn modelId="{9E8B0EC8-CDD5-4D01-BB78-42B94FC3B680}" srcId="{831248B5-42BE-41CC-B00B-93FDF821FE9F}" destId="{44D9E930-28F8-42A2-AEDE-C2AF9832F680}" srcOrd="6" destOrd="0" parTransId="{F461D74D-E1BE-4262-9A51-8AF93A2A9DAE}" sibTransId="{BEF039B9-78B3-44AC-BCD2-D5D97EFF241A}"/>
+    <dgm:cxn modelId="{67A6795E-B981-4D59-8045-63955DC05E94}" type="presOf" srcId="{B8A5FD80-BDA8-4DB0-BAA6-7D996DB83F32}" destId="{F99DF6A8-FCCC-45FE-984E-74BB5D13A325}" srcOrd="1" destOrd="0" presId="urn:microsoft.com/office/officeart/2005/8/layout/process2"/>
+    <dgm:cxn modelId="{D497E32E-9E75-4ED1-AB75-FDC6416370FF}" type="presOf" srcId="{1E64BDA1-8C1C-4293-9ECF-B16190F3555C}" destId="{85ACBFE3-ED12-472D-9155-8AECC46A625D}" srcOrd="1" destOrd="0" presId="urn:microsoft.com/office/officeart/2005/8/layout/process2"/>
+    <dgm:cxn modelId="{70AE856C-5F5E-4DEC-B46B-465564D97C8A}" type="presOf" srcId="{05504F13-8F6D-4A96-A060-7C7C04BCCDC5}" destId="{FC02DA56-149D-4855-9DCF-0DD82448A01C}" srcOrd="1" destOrd="0" presId="urn:microsoft.com/office/officeart/2005/8/layout/process2"/>
+    <dgm:cxn modelId="{2BFA0FB1-DBF7-4A7A-A74C-9B7753CD19FE}" type="presOf" srcId="{F77B9BF5-4593-4B18-BA5C-8BE2B8071A44}" destId="{52BF1B02-38BA-490D-B49F-F7F428D4159F}" srcOrd="0" destOrd="0" presId="urn:microsoft.com/office/officeart/2005/8/layout/process2"/>
     <dgm:cxn modelId="{2F596BCC-CA9C-4A5D-9021-F5F196D3E80D}" srcId="{831248B5-42BE-41CC-B00B-93FDF821FE9F}" destId="{4E8DDCF5-1131-4B7B-8DC9-CA1D909DEB4C}" srcOrd="3" destOrd="0" parTransId="{5D085E46-E5F5-4C17-A2B4-EEDB4B73AAFC}" sibTransId="{1E64BDA1-8C1C-4293-9ECF-B16190F3555C}"/>
-    <dgm:cxn modelId="{902323CF-0A5E-4ECB-AB85-D3ACCE8529C8}" type="presOf" srcId="{76AC9EB8-B499-4014-9C2D-CF84A71AB784}" destId="{7BEE8685-09E9-4964-906A-51AD9B41B2B2}" srcOrd="1" destOrd="0" presId="urn:microsoft.com/office/officeart/2005/8/layout/process2"/>
+    <dgm:cxn modelId="{17625CDE-390A-4A16-A1DA-1A2728D2592E}" srcId="{831248B5-42BE-41CC-B00B-93FDF821FE9F}" destId="{B0120D59-46F5-4609-8A90-D19147655A7C}" srcOrd="2" destOrd="0" parTransId="{8B65003E-F843-4BAC-92BF-31469B2EB546}" sibTransId="{05504F13-8F6D-4A96-A060-7C7C04BCCDC5}"/>
+    <dgm:cxn modelId="{6B5C7332-53C1-44A1-987C-DD115C27287D}" type="presOf" srcId="{B0120D59-46F5-4609-8A90-D19147655A7C}" destId="{5E07831F-96AB-45D4-BDD8-76735DEC4F3D}" srcOrd="0" destOrd="0" presId="urn:microsoft.com/office/officeart/2005/8/layout/process2"/>
+    <dgm:cxn modelId="{CCBB2E18-AEAA-4DC0-9E3C-F88CDCA45059}" type="presOf" srcId="{F27D3CED-FAAD-45A0-B25C-96C0B097E61C}" destId="{228957F4-EE3C-408A-83BB-E73D4ED2802F}" srcOrd="1" destOrd="0" presId="urn:microsoft.com/office/officeart/2005/8/layout/process2"/>
+    <dgm:cxn modelId="{1FAAEAA8-DA69-4D24-A321-784C7150EC4E}" srcId="{831248B5-42BE-41CC-B00B-93FDF821FE9F}" destId="{16DB864F-1D40-4E34-8BD9-F1C660CD2CFB}" srcOrd="1" destOrd="0" parTransId="{93C0F5D2-7285-4DBC-9CFC-540D03F09FCC}" sibTransId="{0CC9A380-740E-4425-AC43-31F4F13B3004}"/>
     <dgm:cxn modelId="{96CE0AD5-C6CE-45A8-A85E-9565EFC97971}" type="presOf" srcId="{B8A5FD80-BDA8-4DB0-BAA6-7D996DB83F32}" destId="{FFAB1546-EE89-4905-B200-014D9D15DEB5}" srcOrd="0" destOrd="0" presId="urn:microsoft.com/office/officeart/2005/8/layout/process2"/>
-    <dgm:cxn modelId="{17625CDE-390A-4A16-A1DA-1A2728D2592E}" srcId="{831248B5-42BE-41CC-B00B-93FDF821FE9F}" destId="{B0120D59-46F5-4609-8A90-D19147655A7C}" srcOrd="2" destOrd="0" parTransId="{8B65003E-F843-4BAC-92BF-31469B2EB546}" sibTransId="{05504F13-8F6D-4A96-A060-7C7C04BCCDC5}"/>
     <dgm:cxn modelId="{88F421F2-D2A7-469A-8DCA-2378615C3DC3}" type="presOf" srcId="{6BB4A08D-9009-408D-A672-847AAAD9D481}" destId="{DE8A9ADE-4EA7-4E5F-9B22-8F0A88EF3F94}" srcOrd="0" destOrd="0" presId="urn:microsoft.com/office/officeart/2005/8/layout/process2"/>
-    <dgm:cxn modelId="{62E71CF5-02C6-426F-B29D-352D349A767B}" type="presOf" srcId="{831248B5-42BE-41CC-B00B-93FDF821FE9F}" destId="{D7B6869B-4E62-4ED6-98D4-117812227983}" srcOrd="0" destOrd="0" presId="urn:microsoft.com/office/officeart/2005/8/layout/process2"/>
-    <dgm:cxn modelId="{AFB1F2F6-1307-4941-86BA-4A12F4B9B558}" type="presOf" srcId="{05504F13-8F6D-4A96-A060-7C7C04BCCDC5}" destId="{C3ADE6CA-9FE3-4A69-9EF9-3DEB92BC6215}" srcOrd="0" destOrd="0" presId="urn:microsoft.com/office/officeart/2005/8/layout/process2"/>
     <dgm:cxn modelId="{7951D0FC-694C-465C-9AEF-49EFD7FC6F31}" srcId="{831248B5-42BE-41CC-B00B-93FDF821FE9F}" destId="{F77B9BF5-4593-4B18-BA5C-8BE2B8071A44}" srcOrd="5" destOrd="0" parTransId="{AB9DBF93-67DD-431C-9F2B-6F4233019072}" sibTransId="{B8A5FD80-BDA8-4DB0-BAA6-7D996DB83F32}"/>
     <dgm:cxn modelId="{E5C19EE4-CFFB-483E-A68C-7DCC76A5FFC6}" type="presParOf" srcId="{D7B6869B-4E62-4ED6-98D4-117812227983}" destId="{189D6A4B-21E2-4FCD-A1A9-B0A37070679D}" srcOrd="0" destOrd="0" presId="urn:microsoft.com/office/officeart/2005/8/layout/process2"/>
     <dgm:cxn modelId="{5BF10D62-1437-4C72-9C38-50537DECC45B}" type="presParOf" srcId="{D7B6869B-4E62-4ED6-98D4-117812227983}" destId="{E5D9E9D1-B554-4B69-88C2-23DB15039166}" srcOrd="1" destOrd="0" presId="urn:microsoft.com/office/officeart/2005/8/layout/process2"/>
@@ -3457,6 +3692,13 @@
         </dgm:presLayoutVars>
       </dgm:prSet>
       <dgm:spPr/>
+      <dgm:t>
+        <a:bodyPr/>
+        <a:lstStyle/>
+        <a:p>
+          <a:endParaRPr lang="en-US"/>
+        </a:p>
+      </dgm:t>
     </dgm:pt>
     <dgm:pt modelId="{BE10170A-FDA7-46C6-8080-0CD272A11F79}" type="pres">
       <dgm:prSet presAssocID="{A50D5CE9-E57C-47DB-BC25-0E5B3A25D369}" presName="node" presStyleLbl="node1" presStyleIdx="0" presStyleCnt="6">
@@ -3465,14 +3707,35 @@
         </dgm:presLayoutVars>
       </dgm:prSet>
       <dgm:spPr/>
+      <dgm:t>
+        <a:bodyPr/>
+        <a:lstStyle/>
+        <a:p>
+          <a:endParaRPr lang="en-US"/>
+        </a:p>
+      </dgm:t>
     </dgm:pt>
     <dgm:pt modelId="{9CB5DCF6-A9AB-46CF-8F54-44562297832B}" type="pres">
       <dgm:prSet presAssocID="{6BB16651-A2C7-44E6-8B71-595F1464C6E6}" presName="sibTrans" presStyleLbl="sibTrans2D1" presStyleIdx="0" presStyleCnt="6"/>
       <dgm:spPr/>
+      <dgm:t>
+        <a:bodyPr/>
+        <a:lstStyle/>
+        <a:p>
+          <a:endParaRPr lang="en-US"/>
+        </a:p>
+      </dgm:t>
     </dgm:pt>
     <dgm:pt modelId="{532A4D80-CC45-47DE-9B33-C25D9F0311CD}" type="pres">
       <dgm:prSet presAssocID="{6BB16651-A2C7-44E6-8B71-595F1464C6E6}" presName="connectorText" presStyleLbl="sibTrans2D1" presStyleIdx="0" presStyleCnt="6"/>
       <dgm:spPr/>
+      <dgm:t>
+        <a:bodyPr/>
+        <a:lstStyle/>
+        <a:p>
+          <a:endParaRPr lang="en-US"/>
+        </a:p>
+      </dgm:t>
     </dgm:pt>
     <dgm:pt modelId="{10C40DD1-8F53-4982-AE25-5D301BBB4035}" type="pres">
       <dgm:prSet presAssocID="{48370AF3-FC86-4D8C-8C54-83EAC2041CE6}" presName="node" presStyleLbl="node1" presStyleIdx="1" presStyleCnt="6">
@@ -3481,14 +3744,35 @@
         </dgm:presLayoutVars>
       </dgm:prSet>
       <dgm:spPr/>
+      <dgm:t>
+        <a:bodyPr/>
+        <a:lstStyle/>
+        <a:p>
+          <a:endParaRPr lang="en-US"/>
+        </a:p>
+      </dgm:t>
     </dgm:pt>
     <dgm:pt modelId="{AF055774-033E-4FAB-99C5-EF82DA73AF6B}" type="pres">
       <dgm:prSet presAssocID="{F7548831-CA11-41DD-8ECC-17CA536DA611}" presName="sibTrans" presStyleLbl="sibTrans2D1" presStyleIdx="1" presStyleCnt="6"/>
       <dgm:spPr/>
+      <dgm:t>
+        <a:bodyPr/>
+        <a:lstStyle/>
+        <a:p>
+          <a:endParaRPr lang="en-US"/>
+        </a:p>
+      </dgm:t>
     </dgm:pt>
     <dgm:pt modelId="{4E111617-F5D3-4634-A4E7-55A35BA10C3B}" type="pres">
       <dgm:prSet presAssocID="{F7548831-CA11-41DD-8ECC-17CA536DA611}" presName="connectorText" presStyleLbl="sibTrans2D1" presStyleIdx="1" presStyleCnt="6"/>
       <dgm:spPr/>
+      <dgm:t>
+        <a:bodyPr/>
+        <a:lstStyle/>
+        <a:p>
+          <a:endParaRPr lang="en-US"/>
+        </a:p>
+      </dgm:t>
     </dgm:pt>
     <dgm:pt modelId="{6B2B7F8F-AC97-4494-991D-C5A102C5BF61}" type="pres">
       <dgm:prSet presAssocID="{1DF69D38-253C-4136-A31C-13D074756DBD}" presName="node" presStyleLbl="node1" presStyleIdx="2" presStyleCnt="6">
@@ -3497,14 +3781,35 @@
         </dgm:presLayoutVars>
       </dgm:prSet>
       <dgm:spPr/>
+      <dgm:t>
+        <a:bodyPr/>
+        <a:lstStyle/>
+        <a:p>
+          <a:endParaRPr lang="en-US"/>
+        </a:p>
+      </dgm:t>
     </dgm:pt>
     <dgm:pt modelId="{8B3EA9F3-EF7C-4031-8349-AFC02CD2E8E9}" type="pres">
       <dgm:prSet presAssocID="{18589C4B-236C-4770-ACA6-5F2BC1925825}" presName="sibTrans" presStyleLbl="sibTrans2D1" presStyleIdx="2" presStyleCnt="6"/>
       <dgm:spPr/>
+      <dgm:t>
+        <a:bodyPr/>
+        <a:lstStyle/>
+        <a:p>
+          <a:endParaRPr lang="en-US"/>
+        </a:p>
+      </dgm:t>
     </dgm:pt>
     <dgm:pt modelId="{76D2A737-E894-45DA-A9E2-0913B236F12E}" type="pres">
       <dgm:prSet presAssocID="{18589C4B-236C-4770-ACA6-5F2BC1925825}" presName="connectorText" presStyleLbl="sibTrans2D1" presStyleIdx="2" presStyleCnt="6"/>
       <dgm:spPr/>
+      <dgm:t>
+        <a:bodyPr/>
+        <a:lstStyle/>
+        <a:p>
+          <a:endParaRPr lang="en-US"/>
+        </a:p>
+      </dgm:t>
     </dgm:pt>
     <dgm:pt modelId="{B38A756C-2FBC-4753-8A72-C64909D7B55D}" type="pres">
       <dgm:prSet presAssocID="{82D99C4C-3601-4F2B-B062-F76B7FA58351}" presName="node" presStyleLbl="node1" presStyleIdx="3" presStyleCnt="6">
@@ -3513,14 +3818,35 @@
         </dgm:presLayoutVars>
       </dgm:prSet>
       <dgm:spPr/>
+      <dgm:t>
+        <a:bodyPr/>
+        <a:lstStyle/>
+        <a:p>
+          <a:endParaRPr lang="en-US"/>
+        </a:p>
+      </dgm:t>
     </dgm:pt>
     <dgm:pt modelId="{C0492A94-958F-4DF2-8E31-D0E5D431B110}" type="pres">
       <dgm:prSet presAssocID="{2CEB24EB-0E4B-4978-B141-AD1017CE08DB}" presName="sibTrans" presStyleLbl="sibTrans2D1" presStyleIdx="3" presStyleCnt="6"/>
       <dgm:spPr/>
+      <dgm:t>
+        <a:bodyPr/>
+        <a:lstStyle/>
+        <a:p>
+          <a:endParaRPr lang="en-US"/>
+        </a:p>
+      </dgm:t>
     </dgm:pt>
     <dgm:pt modelId="{5BD3947E-EAF4-4999-8F41-16C31CDD1897}" type="pres">
       <dgm:prSet presAssocID="{2CEB24EB-0E4B-4978-B141-AD1017CE08DB}" presName="connectorText" presStyleLbl="sibTrans2D1" presStyleIdx="3" presStyleCnt="6"/>
       <dgm:spPr/>
+      <dgm:t>
+        <a:bodyPr/>
+        <a:lstStyle/>
+        <a:p>
+          <a:endParaRPr lang="en-US"/>
+        </a:p>
+      </dgm:t>
     </dgm:pt>
     <dgm:pt modelId="{1AD34968-D5D1-4171-B98B-6A348B13B975}" type="pres">
       <dgm:prSet presAssocID="{7D0E5FE9-BEBD-455F-9242-519724FB6C96}" presName="node" presStyleLbl="node1" presStyleIdx="4" presStyleCnt="6">
@@ -3529,14 +3855,35 @@
         </dgm:presLayoutVars>
       </dgm:prSet>
       <dgm:spPr/>
+      <dgm:t>
+        <a:bodyPr/>
+        <a:lstStyle/>
+        <a:p>
+          <a:endParaRPr lang="en-US"/>
+        </a:p>
+      </dgm:t>
     </dgm:pt>
     <dgm:pt modelId="{3FD4A819-E359-4474-A779-65CA5E4E5F5E}" type="pres">
       <dgm:prSet presAssocID="{CB2D6001-FAA4-49C6-8385-9A9576EB7A0B}" presName="sibTrans" presStyleLbl="sibTrans2D1" presStyleIdx="4" presStyleCnt="6"/>
       <dgm:spPr/>
+      <dgm:t>
+        <a:bodyPr/>
+        <a:lstStyle/>
+        <a:p>
+          <a:endParaRPr lang="en-US"/>
+        </a:p>
+      </dgm:t>
     </dgm:pt>
     <dgm:pt modelId="{D229D606-AC96-466B-9F97-EAB3C96DE430}" type="pres">
       <dgm:prSet presAssocID="{CB2D6001-FAA4-49C6-8385-9A9576EB7A0B}" presName="connectorText" presStyleLbl="sibTrans2D1" presStyleIdx="4" presStyleCnt="6"/>
       <dgm:spPr/>
+      <dgm:t>
+        <a:bodyPr/>
+        <a:lstStyle/>
+        <a:p>
+          <a:endParaRPr lang="en-US"/>
+        </a:p>
+      </dgm:t>
     </dgm:pt>
     <dgm:pt modelId="{372A6A97-E412-4CCA-A607-235CF3A22C9C}" type="pres">
       <dgm:prSet presAssocID="{9C08A4B8-0C14-4C76-8B82-048ACA771F15}" presName="node" presStyleLbl="node1" presStyleIdx="5" presStyleCnt="6">
@@ -3545,42 +3892,63 @@
         </dgm:presLayoutVars>
       </dgm:prSet>
       <dgm:spPr/>
+      <dgm:t>
+        <a:bodyPr/>
+        <a:lstStyle/>
+        <a:p>
+          <a:endParaRPr lang="en-US"/>
+        </a:p>
+      </dgm:t>
     </dgm:pt>
     <dgm:pt modelId="{B33D451D-E7ED-453E-BBDD-2A7104931649}" type="pres">
       <dgm:prSet presAssocID="{9928AC29-F93D-4104-B656-07B79942F478}" presName="sibTrans" presStyleLbl="sibTrans2D1" presStyleIdx="5" presStyleCnt="6"/>
       <dgm:spPr/>
+      <dgm:t>
+        <a:bodyPr/>
+        <a:lstStyle/>
+        <a:p>
+          <a:endParaRPr lang="en-US"/>
+        </a:p>
+      </dgm:t>
     </dgm:pt>
     <dgm:pt modelId="{F23F354F-B930-43EC-A3E6-2AA7B3937FDE}" type="pres">
       <dgm:prSet presAssocID="{9928AC29-F93D-4104-B656-07B79942F478}" presName="connectorText" presStyleLbl="sibTrans2D1" presStyleIdx="5" presStyleCnt="6"/>
       <dgm:spPr/>
+      <dgm:t>
+        <a:bodyPr/>
+        <a:lstStyle/>
+        <a:p>
+          <a:endParaRPr lang="en-US"/>
+        </a:p>
+      </dgm:t>
     </dgm:pt>
   </dgm:ptLst>
   <dgm:cxnLst>
-    <dgm:cxn modelId="{2A800102-3E86-4CE6-B237-FF976FE460A5}" type="presOf" srcId="{18589C4B-236C-4770-ACA6-5F2BC1925825}" destId="{8B3EA9F3-EF7C-4031-8349-AFC02CD2E8E9}" srcOrd="0" destOrd="0" presId="urn:microsoft.com/office/officeart/2005/8/layout/cycle2"/>
-    <dgm:cxn modelId="{73A6D81D-B121-4772-B9DC-D989684794EC}" type="presOf" srcId="{9928AC29-F93D-4104-B656-07B79942F478}" destId="{B33D451D-E7ED-453E-BBDD-2A7104931649}" srcOrd="0" destOrd="0" presId="urn:microsoft.com/office/officeart/2005/8/layout/cycle2"/>
-    <dgm:cxn modelId="{7B997E21-E386-4BDB-BA73-FEFE3B52E673}" type="presOf" srcId="{1DF69D38-253C-4136-A31C-13D074756DBD}" destId="{6B2B7F8F-AC97-4494-991D-C5A102C5BF61}" srcOrd="0" destOrd="0" presId="urn:microsoft.com/office/officeart/2005/8/layout/cycle2"/>
-    <dgm:cxn modelId="{B8047E24-67A3-4FF3-A06A-9E28AB623A31}" type="presOf" srcId="{F7548831-CA11-41DD-8ECC-17CA536DA611}" destId="{AF055774-033E-4FAB-99C5-EF82DA73AF6B}" srcOrd="0" destOrd="0" presId="urn:microsoft.com/office/officeart/2005/8/layout/cycle2"/>
-    <dgm:cxn modelId="{D7756D26-48D8-4543-8ECF-B43045B6A7A2}" type="presOf" srcId="{6BB16651-A2C7-44E6-8B71-595F1464C6E6}" destId="{9CB5DCF6-A9AB-46CF-8F54-44562297832B}" srcOrd="0" destOrd="0" presId="urn:microsoft.com/office/officeart/2005/8/layout/cycle2"/>
-    <dgm:cxn modelId="{6C92652C-2ECF-4C26-BCCB-EFA2B76571F3}" type="presOf" srcId="{CB2D6001-FAA4-49C6-8385-9A9576EB7A0B}" destId="{D229D606-AC96-466B-9F97-EAB3C96DE430}" srcOrd="1" destOrd="0" presId="urn:microsoft.com/office/officeart/2005/8/layout/cycle2"/>
-    <dgm:cxn modelId="{656CE130-0515-41FF-B2F2-2BD43856E3D0}" srcId="{7D813336-3D77-46FD-BFBE-B927186F4EE8}" destId="{7D0E5FE9-BEBD-455F-9242-519724FB6C96}" srcOrd="4" destOrd="0" parTransId="{594E2760-2BA1-4C56-8104-2C3A58C07462}" sibTransId="{CB2D6001-FAA4-49C6-8385-9A9576EB7A0B}"/>
-    <dgm:cxn modelId="{48826F36-B9DF-44EC-8ED7-EAA8DE65A165}" type="presOf" srcId="{2CEB24EB-0E4B-4978-B141-AD1017CE08DB}" destId="{C0492A94-958F-4DF2-8E31-D0E5D431B110}" srcOrd="0" destOrd="0" presId="urn:microsoft.com/office/officeart/2005/8/layout/cycle2"/>
-    <dgm:cxn modelId="{4E474562-B74A-44EB-B45F-D3DD735B2501}" srcId="{7D813336-3D77-46FD-BFBE-B927186F4EE8}" destId="{82D99C4C-3601-4F2B-B062-F76B7FA58351}" srcOrd="3" destOrd="0" parTransId="{3F9BE72A-4745-41D5-8CC6-99AC9FE77223}" sibTransId="{2CEB24EB-0E4B-4978-B141-AD1017CE08DB}"/>
-    <dgm:cxn modelId="{1EDB6766-CD7C-4414-9C27-EBE463506CFF}" srcId="{7D813336-3D77-46FD-BFBE-B927186F4EE8}" destId="{9C08A4B8-0C14-4C76-8B82-048ACA771F15}" srcOrd="5" destOrd="0" parTransId="{28249315-D3C7-43BE-B88A-6DD1138B7A0C}" sibTransId="{9928AC29-F93D-4104-B656-07B79942F478}"/>
-    <dgm:cxn modelId="{4A6FDB47-80DA-4A96-8D2C-B887792CB495}" type="presOf" srcId="{9C08A4B8-0C14-4C76-8B82-048ACA771F15}" destId="{372A6A97-E412-4CCA-A607-235CF3A22C9C}" srcOrd="0" destOrd="0" presId="urn:microsoft.com/office/officeart/2005/8/layout/cycle2"/>
-    <dgm:cxn modelId="{A150B94E-B2C2-4D6C-9C4B-F76456348E67}" srcId="{7D813336-3D77-46FD-BFBE-B927186F4EE8}" destId="{48370AF3-FC86-4D8C-8C54-83EAC2041CE6}" srcOrd="1" destOrd="0" parTransId="{AB741C83-841B-426D-A5E0-6EEA4C052CE4}" sibTransId="{F7548831-CA11-41DD-8ECC-17CA536DA611}"/>
-    <dgm:cxn modelId="{8A9D6073-56F9-4A3D-A71D-5DB15EB2E2ED}" type="presOf" srcId="{A50D5CE9-E57C-47DB-BC25-0E5B3A25D369}" destId="{BE10170A-FDA7-46C6-8080-0CD272A11F79}" srcOrd="0" destOrd="0" presId="urn:microsoft.com/office/officeart/2005/8/layout/cycle2"/>
-    <dgm:cxn modelId="{E422C681-256E-41AA-A0D8-4F7AD719AE70}" type="presOf" srcId="{18589C4B-236C-4770-ACA6-5F2BC1925825}" destId="{76D2A737-E894-45DA-A9E2-0913B236F12E}" srcOrd="1" destOrd="0" presId="urn:microsoft.com/office/officeart/2005/8/layout/cycle2"/>
-    <dgm:cxn modelId="{E4650F96-8B96-45DB-9B8B-739BA4DAFC00}" type="presOf" srcId="{2CEB24EB-0E4B-4978-B141-AD1017CE08DB}" destId="{5BD3947E-EAF4-4999-8F41-16C31CDD1897}" srcOrd="1" destOrd="0" presId="urn:microsoft.com/office/officeart/2005/8/layout/cycle2"/>
-    <dgm:cxn modelId="{5A8FC996-E36A-4A4D-B9A9-E0F5F95CDF30}" type="presOf" srcId="{7D0E5FE9-BEBD-455F-9242-519724FB6C96}" destId="{1AD34968-D5D1-4171-B98B-6A348B13B975}" srcOrd="0" destOrd="0" presId="urn:microsoft.com/office/officeart/2005/8/layout/cycle2"/>
-    <dgm:cxn modelId="{6B494198-39DB-42F7-8AB5-4A5BE7D87F39}" type="presOf" srcId="{9928AC29-F93D-4104-B656-07B79942F478}" destId="{F23F354F-B930-43EC-A3E6-2AA7B3937FDE}" srcOrd="1" destOrd="0" presId="urn:microsoft.com/office/officeart/2005/8/layout/cycle2"/>
-    <dgm:cxn modelId="{5DE7A598-F75C-47B9-8814-209880B6FE11}" srcId="{7D813336-3D77-46FD-BFBE-B927186F4EE8}" destId="{1DF69D38-253C-4136-A31C-13D074756DBD}" srcOrd="2" destOrd="0" parTransId="{7471E316-4330-4726-8E0C-E8DF4CBE672C}" sibTransId="{18589C4B-236C-4770-ACA6-5F2BC1925825}"/>
-    <dgm:cxn modelId="{E7A5AF9B-C11A-40EC-9AE6-7726E1A9A711}" type="presOf" srcId="{F7548831-CA11-41DD-8ECC-17CA536DA611}" destId="{4E111617-F5D3-4634-A4E7-55A35BA10C3B}" srcOrd="1" destOrd="0" presId="urn:microsoft.com/office/officeart/2005/8/layout/cycle2"/>
-    <dgm:cxn modelId="{072D75B5-AE8A-4BF9-813C-52F86070C69F}" type="presOf" srcId="{82D99C4C-3601-4F2B-B062-F76B7FA58351}" destId="{B38A756C-2FBC-4753-8A72-C64909D7B55D}" srcOrd="0" destOrd="0" presId="urn:microsoft.com/office/officeart/2005/8/layout/cycle2"/>
-    <dgm:cxn modelId="{A7F74FB7-397D-4268-8170-C932BF344E33}" type="presOf" srcId="{48370AF3-FC86-4D8C-8C54-83EAC2041CE6}" destId="{10C40DD1-8F53-4982-AE25-5D301BBB4035}" srcOrd="0" destOrd="0" presId="urn:microsoft.com/office/officeart/2005/8/layout/cycle2"/>
-    <dgm:cxn modelId="{E25464BC-A09B-48BD-B113-8CA3576F5146}" type="presOf" srcId="{CB2D6001-FAA4-49C6-8385-9A9576EB7A0B}" destId="{3FD4A819-E359-4474-A779-65CA5E4E5F5E}" srcOrd="0" destOrd="0" presId="urn:microsoft.com/office/officeart/2005/8/layout/cycle2"/>
-    <dgm:cxn modelId="{64927DD7-80D9-485A-AE3F-823FDF4E1B88}" type="presOf" srcId="{7D813336-3D77-46FD-BFBE-B927186F4EE8}" destId="{1F7049C3-AAE1-4856-8433-BA85AFDAFBB4}" srcOrd="0" destOrd="0" presId="urn:microsoft.com/office/officeart/2005/8/layout/cycle2"/>
     <dgm:cxn modelId="{59B76DF1-434E-481D-A352-8E17439334E8}" type="presOf" srcId="{6BB16651-A2C7-44E6-8B71-595F1464C6E6}" destId="{532A4D80-CC45-47DE-9B33-C25D9F0311CD}" srcOrd="1" destOrd="0" presId="urn:microsoft.com/office/officeart/2005/8/layout/cycle2"/>
     <dgm:cxn modelId="{3476ECF5-227F-4D63-9092-E8019B1A260C}" srcId="{7D813336-3D77-46FD-BFBE-B927186F4EE8}" destId="{A50D5CE9-E57C-47DB-BC25-0E5B3A25D369}" srcOrd="0" destOrd="0" parTransId="{97BD9E98-8AC2-41C2-9323-5F440CC4246A}" sibTransId="{6BB16651-A2C7-44E6-8B71-595F1464C6E6}"/>
+    <dgm:cxn modelId="{4A6FDB47-80DA-4A96-8D2C-B887792CB495}" type="presOf" srcId="{9C08A4B8-0C14-4C76-8B82-048ACA771F15}" destId="{372A6A97-E412-4CCA-A607-235CF3A22C9C}" srcOrd="0" destOrd="0" presId="urn:microsoft.com/office/officeart/2005/8/layout/cycle2"/>
+    <dgm:cxn modelId="{5DE7A598-F75C-47B9-8814-209880B6FE11}" srcId="{7D813336-3D77-46FD-BFBE-B927186F4EE8}" destId="{1DF69D38-253C-4136-A31C-13D074756DBD}" srcOrd="2" destOrd="0" parTransId="{7471E316-4330-4726-8E0C-E8DF4CBE672C}" sibTransId="{18589C4B-236C-4770-ACA6-5F2BC1925825}"/>
+    <dgm:cxn modelId="{2A800102-3E86-4CE6-B237-FF976FE460A5}" type="presOf" srcId="{18589C4B-236C-4770-ACA6-5F2BC1925825}" destId="{8B3EA9F3-EF7C-4031-8349-AFC02CD2E8E9}" srcOrd="0" destOrd="0" presId="urn:microsoft.com/office/officeart/2005/8/layout/cycle2"/>
+    <dgm:cxn modelId="{B8047E24-67A3-4FF3-A06A-9E28AB623A31}" type="presOf" srcId="{F7548831-CA11-41DD-8ECC-17CA536DA611}" destId="{AF055774-033E-4FAB-99C5-EF82DA73AF6B}" srcOrd="0" destOrd="0" presId="urn:microsoft.com/office/officeart/2005/8/layout/cycle2"/>
+    <dgm:cxn modelId="{8A9D6073-56F9-4A3D-A71D-5DB15EB2E2ED}" type="presOf" srcId="{A50D5CE9-E57C-47DB-BC25-0E5B3A25D369}" destId="{BE10170A-FDA7-46C6-8080-0CD272A11F79}" srcOrd="0" destOrd="0" presId="urn:microsoft.com/office/officeart/2005/8/layout/cycle2"/>
+    <dgm:cxn modelId="{4E474562-B74A-44EB-B45F-D3DD735B2501}" srcId="{7D813336-3D77-46FD-BFBE-B927186F4EE8}" destId="{82D99C4C-3601-4F2B-B062-F76B7FA58351}" srcOrd="3" destOrd="0" parTransId="{3F9BE72A-4745-41D5-8CC6-99AC9FE77223}" sibTransId="{2CEB24EB-0E4B-4978-B141-AD1017CE08DB}"/>
+    <dgm:cxn modelId="{64927DD7-80D9-485A-AE3F-823FDF4E1B88}" type="presOf" srcId="{7D813336-3D77-46FD-BFBE-B927186F4EE8}" destId="{1F7049C3-AAE1-4856-8433-BA85AFDAFBB4}" srcOrd="0" destOrd="0" presId="urn:microsoft.com/office/officeart/2005/8/layout/cycle2"/>
+    <dgm:cxn modelId="{7B997E21-E386-4BDB-BA73-FEFE3B52E673}" type="presOf" srcId="{1DF69D38-253C-4136-A31C-13D074756DBD}" destId="{6B2B7F8F-AC97-4494-991D-C5A102C5BF61}" srcOrd="0" destOrd="0" presId="urn:microsoft.com/office/officeart/2005/8/layout/cycle2"/>
+    <dgm:cxn modelId="{1EDB6766-CD7C-4414-9C27-EBE463506CFF}" srcId="{7D813336-3D77-46FD-BFBE-B927186F4EE8}" destId="{9C08A4B8-0C14-4C76-8B82-048ACA771F15}" srcOrd="5" destOrd="0" parTransId="{28249315-D3C7-43BE-B88A-6DD1138B7A0C}" sibTransId="{9928AC29-F93D-4104-B656-07B79942F478}"/>
+    <dgm:cxn modelId="{6B494198-39DB-42F7-8AB5-4A5BE7D87F39}" type="presOf" srcId="{9928AC29-F93D-4104-B656-07B79942F478}" destId="{F23F354F-B930-43EC-A3E6-2AA7B3937FDE}" srcOrd="1" destOrd="0" presId="urn:microsoft.com/office/officeart/2005/8/layout/cycle2"/>
+    <dgm:cxn modelId="{E25464BC-A09B-48BD-B113-8CA3576F5146}" type="presOf" srcId="{CB2D6001-FAA4-49C6-8385-9A9576EB7A0B}" destId="{3FD4A819-E359-4474-A779-65CA5E4E5F5E}" srcOrd="0" destOrd="0" presId="urn:microsoft.com/office/officeart/2005/8/layout/cycle2"/>
+    <dgm:cxn modelId="{A7F74FB7-397D-4268-8170-C932BF344E33}" type="presOf" srcId="{48370AF3-FC86-4D8C-8C54-83EAC2041CE6}" destId="{10C40DD1-8F53-4982-AE25-5D301BBB4035}" srcOrd="0" destOrd="0" presId="urn:microsoft.com/office/officeart/2005/8/layout/cycle2"/>
+    <dgm:cxn modelId="{E422C681-256E-41AA-A0D8-4F7AD719AE70}" type="presOf" srcId="{18589C4B-236C-4770-ACA6-5F2BC1925825}" destId="{76D2A737-E894-45DA-A9E2-0913B236F12E}" srcOrd="1" destOrd="0" presId="urn:microsoft.com/office/officeart/2005/8/layout/cycle2"/>
+    <dgm:cxn modelId="{072D75B5-AE8A-4BF9-813C-52F86070C69F}" type="presOf" srcId="{82D99C4C-3601-4F2B-B062-F76B7FA58351}" destId="{B38A756C-2FBC-4753-8A72-C64909D7B55D}" srcOrd="0" destOrd="0" presId="urn:microsoft.com/office/officeart/2005/8/layout/cycle2"/>
+    <dgm:cxn modelId="{73A6D81D-B121-4772-B9DC-D989684794EC}" type="presOf" srcId="{9928AC29-F93D-4104-B656-07B79942F478}" destId="{B33D451D-E7ED-453E-BBDD-2A7104931649}" srcOrd="0" destOrd="0" presId="urn:microsoft.com/office/officeart/2005/8/layout/cycle2"/>
+    <dgm:cxn modelId="{D7756D26-48D8-4543-8ECF-B43045B6A7A2}" type="presOf" srcId="{6BB16651-A2C7-44E6-8B71-595F1464C6E6}" destId="{9CB5DCF6-A9AB-46CF-8F54-44562297832B}" srcOrd="0" destOrd="0" presId="urn:microsoft.com/office/officeart/2005/8/layout/cycle2"/>
+    <dgm:cxn modelId="{A150B94E-B2C2-4D6C-9C4B-F76456348E67}" srcId="{7D813336-3D77-46FD-BFBE-B927186F4EE8}" destId="{48370AF3-FC86-4D8C-8C54-83EAC2041CE6}" srcOrd="1" destOrd="0" parTransId="{AB741C83-841B-426D-A5E0-6EEA4C052CE4}" sibTransId="{F7548831-CA11-41DD-8ECC-17CA536DA611}"/>
+    <dgm:cxn modelId="{5A8FC996-E36A-4A4D-B9A9-E0F5F95CDF30}" type="presOf" srcId="{7D0E5FE9-BEBD-455F-9242-519724FB6C96}" destId="{1AD34968-D5D1-4171-B98B-6A348B13B975}" srcOrd="0" destOrd="0" presId="urn:microsoft.com/office/officeart/2005/8/layout/cycle2"/>
+    <dgm:cxn modelId="{E4650F96-8B96-45DB-9B8B-739BA4DAFC00}" type="presOf" srcId="{2CEB24EB-0E4B-4978-B141-AD1017CE08DB}" destId="{5BD3947E-EAF4-4999-8F41-16C31CDD1897}" srcOrd="1" destOrd="0" presId="urn:microsoft.com/office/officeart/2005/8/layout/cycle2"/>
+    <dgm:cxn modelId="{48826F36-B9DF-44EC-8ED7-EAA8DE65A165}" type="presOf" srcId="{2CEB24EB-0E4B-4978-B141-AD1017CE08DB}" destId="{C0492A94-958F-4DF2-8E31-D0E5D431B110}" srcOrd="0" destOrd="0" presId="urn:microsoft.com/office/officeart/2005/8/layout/cycle2"/>
+    <dgm:cxn modelId="{6C92652C-2ECF-4C26-BCCB-EFA2B76571F3}" type="presOf" srcId="{CB2D6001-FAA4-49C6-8385-9A9576EB7A0B}" destId="{D229D606-AC96-466B-9F97-EAB3C96DE430}" srcOrd="1" destOrd="0" presId="urn:microsoft.com/office/officeart/2005/8/layout/cycle2"/>
+    <dgm:cxn modelId="{E7A5AF9B-C11A-40EC-9AE6-7726E1A9A711}" type="presOf" srcId="{F7548831-CA11-41DD-8ECC-17CA536DA611}" destId="{4E111617-F5D3-4634-A4E7-55A35BA10C3B}" srcOrd="1" destOrd="0" presId="urn:microsoft.com/office/officeart/2005/8/layout/cycle2"/>
+    <dgm:cxn modelId="{656CE130-0515-41FF-B2F2-2BD43856E3D0}" srcId="{7D813336-3D77-46FD-BFBE-B927186F4EE8}" destId="{7D0E5FE9-BEBD-455F-9242-519724FB6C96}" srcOrd="4" destOrd="0" parTransId="{594E2760-2BA1-4C56-8104-2C3A58C07462}" sibTransId="{CB2D6001-FAA4-49C6-8385-9A9576EB7A0B}"/>
     <dgm:cxn modelId="{755746E8-407D-44DE-81DE-2817DFAC9717}" type="presParOf" srcId="{1F7049C3-AAE1-4856-8433-BA85AFDAFBB4}" destId="{BE10170A-FDA7-46C6-8080-0CD272A11F79}" srcOrd="0" destOrd="0" presId="urn:microsoft.com/office/officeart/2005/8/layout/cycle2"/>
     <dgm:cxn modelId="{3CC0E0F5-28E0-4741-9540-40DA4F37F3CB}" type="presParOf" srcId="{1F7049C3-AAE1-4856-8433-BA85AFDAFBB4}" destId="{9CB5DCF6-A9AB-46CF-8F54-44562297832B}" srcOrd="1" destOrd="0" presId="urn:microsoft.com/office/officeart/2005/8/layout/cycle2"/>
     <dgm:cxn modelId="{754C5F5A-FF0E-468D-9F76-F99066A63CA1}" type="presParOf" srcId="{9CB5DCF6-A9AB-46CF-8F54-44562297832B}" destId="{532A4D80-CC45-47DE-9B33-C25D9F0311CD}" srcOrd="0" destOrd="0" presId="urn:microsoft.com/office/officeart/2005/8/layout/cycle2"/>
@@ -3675,7 +4043,7 @@
         </a:bodyPr>
         <a:lstStyle/>
         <a:p>
-          <a:pPr marL="0" lvl="0" indent="0" algn="ctr" defTabSz="844550">
+          <a:pPr lvl="0" algn="ctr" defTabSz="844550">
             <a:lnSpc>
               <a:spcPct val="90000"/>
             </a:lnSpc>
@@ -3685,7 +4053,6 @@
             <a:spcAft>
               <a:spcPct val="35000"/>
             </a:spcAft>
-            <a:buNone/>
           </a:pPr>
           <a:r>
             <a:rPr lang="en-US" sz="1900" kern="1200"/>
@@ -3748,7 +4115,7 @@
         </a:bodyPr>
         <a:lstStyle/>
         <a:p>
-          <a:pPr marL="0" lvl="0" indent="0" algn="ctr" defTabSz="666750">
+          <a:pPr lvl="0" algn="ctr" defTabSz="666750">
             <a:lnSpc>
               <a:spcPct val="90000"/>
             </a:lnSpc>
@@ -3758,7 +4125,6 @@
             <a:spcAft>
               <a:spcPct val="35000"/>
             </a:spcAft>
-            <a:buNone/>
           </a:pPr>
           <a:endParaRPr lang="en-US" sz="1500" kern="1200"/>
         </a:p>
@@ -3820,7 +4186,7 @@
         </a:bodyPr>
         <a:lstStyle/>
         <a:p>
-          <a:pPr marL="0" lvl="0" indent="0" algn="ctr" defTabSz="844550">
+          <a:pPr lvl="0" algn="ctr" defTabSz="844550">
             <a:lnSpc>
               <a:spcPct val="90000"/>
             </a:lnSpc>
@@ -3830,7 +4196,6 @@
             <a:spcAft>
               <a:spcPct val="35000"/>
             </a:spcAft>
-            <a:buNone/>
           </a:pPr>
           <a:r>
             <a:rPr lang="en-US" sz="1900" kern="1200"/>
@@ -3893,7 +4258,7 @@
         </a:bodyPr>
         <a:lstStyle/>
         <a:p>
-          <a:pPr marL="0" lvl="0" indent="0" algn="ctr" defTabSz="666750">
+          <a:pPr lvl="0" algn="ctr" defTabSz="666750">
             <a:lnSpc>
               <a:spcPct val="90000"/>
             </a:lnSpc>
@@ -3903,7 +4268,6 @@
             <a:spcAft>
               <a:spcPct val="35000"/>
             </a:spcAft>
-            <a:buNone/>
           </a:pPr>
           <a:endParaRPr lang="en-US" sz="1500" kern="1200"/>
         </a:p>
@@ -3965,7 +4329,7 @@
         </a:bodyPr>
         <a:lstStyle/>
         <a:p>
-          <a:pPr marL="0" lvl="0" indent="0" algn="ctr" defTabSz="844550">
+          <a:pPr lvl="0" algn="ctr" defTabSz="844550">
             <a:lnSpc>
               <a:spcPct val="90000"/>
             </a:lnSpc>
@@ -3975,7 +4339,6 @@
             <a:spcAft>
               <a:spcPct val="35000"/>
             </a:spcAft>
-            <a:buNone/>
           </a:pPr>
           <a:r>
             <a:rPr lang="en-US" sz="1900" kern="1200"/>
@@ -4038,7 +4401,7 @@
         </a:bodyPr>
         <a:lstStyle/>
         <a:p>
-          <a:pPr marL="0" lvl="0" indent="0" algn="ctr" defTabSz="666750">
+          <a:pPr lvl="0" algn="ctr" defTabSz="666750">
             <a:lnSpc>
               <a:spcPct val="90000"/>
             </a:lnSpc>
@@ -4048,7 +4411,6 @@
             <a:spcAft>
               <a:spcPct val="35000"/>
             </a:spcAft>
-            <a:buNone/>
           </a:pPr>
           <a:endParaRPr lang="en-US" sz="1500" kern="1200"/>
         </a:p>
@@ -4115,7 +4477,7 @@
         </a:bodyPr>
         <a:lstStyle/>
         <a:p>
-          <a:pPr marL="0" lvl="0" indent="0" algn="ctr" defTabSz="844550">
+          <a:pPr lvl="0" algn="ctr" defTabSz="844550">
             <a:lnSpc>
               <a:spcPct val="90000"/>
             </a:lnSpc>
@@ -4125,7 +4487,6 @@
             <a:spcAft>
               <a:spcPct val="35000"/>
             </a:spcAft>
-            <a:buNone/>
           </a:pPr>
           <a:r>
             <a:rPr lang="en-US" sz="1900" kern="1200"/>
@@ -4207,7 +4568,7 @@
         </a:bodyPr>
         <a:lstStyle/>
         <a:p>
-          <a:pPr marL="0" lvl="0" indent="0" algn="ctr" defTabSz="444500">
+          <a:pPr lvl="0" algn="ctr" defTabSz="444500">
             <a:lnSpc>
               <a:spcPct val="90000"/>
             </a:lnSpc>
@@ -4217,7 +4578,6 @@
             <a:spcAft>
               <a:spcPct val="35000"/>
             </a:spcAft>
-            <a:buNone/>
           </a:pPr>
           <a:r>
             <a:rPr lang="en-US" sz="1000" kern="1200"/>
@@ -4280,7 +4640,7 @@
         </a:bodyPr>
         <a:lstStyle/>
         <a:p>
-          <a:pPr marL="0" lvl="0" indent="0" algn="ctr" defTabSz="355600">
+          <a:pPr lvl="0" algn="ctr" defTabSz="355600">
             <a:lnSpc>
               <a:spcPct val="90000"/>
             </a:lnSpc>
@@ -4290,7 +4650,6 @@
             <a:spcAft>
               <a:spcPct val="35000"/>
             </a:spcAft>
-            <a:buNone/>
           </a:pPr>
           <a:endParaRPr lang="en-US" sz="800" kern="1200"/>
         </a:p>
@@ -4352,7 +4711,7 @@
         </a:bodyPr>
         <a:lstStyle/>
         <a:p>
-          <a:pPr marL="0" lvl="0" indent="0" algn="ctr" defTabSz="444500">
+          <a:pPr lvl="0" algn="ctr" defTabSz="444500">
             <a:lnSpc>
               <a:spcPct val="90000"/>
             </a:lnSpc>
@@ -4362,7 +4721,6 @@
             <a:spcAft>
               <a:spcPct val="35000"/>
             </a:spcAft>
-            <a:buNone/>
           </a:pPr>
           <a:r>
             <a:rPr lang="en-US" sz="1000" kern="1200"/>
@@ -4370,7 +4728,7 @@
           </a:r>
         </a:p>
         <a:p>
-          <a:pPr marL="0" lvl="0" indent="0" algn="ctr" defTabSz="444500">
+          <a:pPr lvl="0" algn="ctr" defTabSz="444500">
             <a:lnSpc>
               <a:spcPct val="90000"/>
             </a:lnSpc>
@@ -4380,7 +4738,6 @@
             <a:spcAft>
               <a:spcPct val="35000"/>
             </a:spcAft>
-            <a:buNone/>
           </a:pPr>
           <a:r>
             <a:rPr lang="en-US" sz="1000" kern="1200"/>
@@ -4443,7 +4800,7 @@
         </a:bodyPr>
         <a:lstStyle/>
         <a:p>
-          <a:pPr marL="0" lvl="0" indent="0" algn="ctr" defTabSz="355600">
+          <a:pPr lvl="0" algn="ctr" defTabSz="355600">
             <a:lnSpc>
               <a:spcPct val="90000"/>
             </a:lnSpc>
@@ -4453,7 +4810,6 @@
             <a:spcAft>
               <a:spcPct val="35000"/>
             </a:spcAft>
-            <a:buNone/>
           </a:pPr>
           <a:endParaRPr lang="en-US" sz="800" kern="1200"/>
         </a:p>
@@ -4515,7 +4871,7 @@
         </a:bodyPr>
         <a:lstStyle/>
         <a:p>
-          <a:pPr marL="0" lvl="0" indent="0" algn="ctr" defTabSz="444500">
+          <a:pPr lvl="0" algn="ctr" defTabSz="444500">
             <a:lnSpc>
               <a:spcPct val="90000"/>
             </a:lnSpc>
@@ -4525,7 +4881,6 @@
             <a:spcAft>
               <a:spcPct val="35000"/>
             </a:spcAft>
-            <a:buNone/>
           </a:pPr>
           <a:r>
             <a:rPr lang="en-US" sz="1000" kern="1200"/>
@@ -4533,7 +4888,7 @@
           </a:r>
         </a:p>
         <a:p>
-          <a:pPr marL="0" lvl="0" indent="0" algn="ctr" defTabSz="444500">
+          <a:pPr lvl="0" algn="ctr" defTabSz="444500">
             <a:lnSpc>
               <a:spcPct val="90000"/>
             </a:lnSpc>
@@ -4543,7 +4898,6 @@
             <a:spcAft>
               <a:spcPct val="35000"/>
             </a:spcAft>
-            <a:buNone/>
           </a:pPr>
           <a:r>
             <a:rPr lang="en-US" sz="1000" kern="1200"/>
@@ -4606,7 +4960,7 @@
         </a:bodyPr>
         <a:lstStyle/>
         <a:p>
-          <a:pPr marL="0" lvl="0" indent="0" algn="ctr" defTabSz="355600">
+          <a:pPr lvl="0" algn="ctr" defTabSz="355600">
             <a:lnSpc>
               <a:spcPct val="90000"/>
             </a:lnSpc>
@@ -4616,7 +4970,6 @@
             <a:spcAft>
               <a:spcPct val="35000"/>
             </a:spcAft>
-            <a:buNone/>
           </a:pPr>
           <a:endParaRPr lang="en-US" sz="800" kern="1200"/>
         </a:p>
@@ -4678,7 +5031,7 @@
         </a:bodyPr>
         <a:lstStyle/>
         <a:p>
-          <a:pPr marL="0" lvl="0" indent="0" algn="ctr" defTabSz="444500">
+          <a:pPr lvl="0" algn="ctr" defTabSz="444500">
             <a:lnSpc>
               <a:spcPct val="90000"/>
             </a:lnSpc>
@@ -4688,7 +5041,6 @@
             <a:spcAft>
               <a:spcPct val="35000"/>
             </a:spcAft>
-            <a:buNone/>
           </a:pPr>
           <a:r>
             <a:rPr lang="en-US" sz="1000" kern="1200"/>
@@ -4696,7 +5048,7 @@
           </a:r>
         </a:p>
         <a:p>
-          <a:pPr marL="0" lvl="0" indent="0" algn="ctr" defTabSz="444500">
+          <a:pPr lvl="0" algn="ctr" defTabSz="444500">
             <a:lnSpc>
               <a:spcPct val="90000"/>
             </a:lnSpc>
@@ -4706,7 +5058,6 @@
             <a:spcAft>
               <a:spcPct val="35000"/>
             </a:spcAft>
-            <a:buNone/>
           </a:pPr>
           <a:r>
             <a:rPr lang="en-US" sz="1000" kern="1200"/>
@@ -4769,7 +5120,7 @@
         </a:bodyPr>
         <a:lstStyle/>
         <a:p>
-          <a:pPr marL="0" lvl="0" indent="0" algn="ctr" defTabSz="355600">
+          <a:pPr lvl="0" algn="ctr" defTabSz="355600">
             <a:lnSpc>
               <a:spcPct val="90000"/>
             </a:lnSpc>
@@ -4779,7 +5130,6 @@
             <a:spcAft>
               <a:spcPct val="35000"/>
             </a:spcAft>
-            <a:buNone/>
           </a:pPr>
           <a:endParaRPr lang="en-US" sz="800" kern="1200"/>
         </a:p>
@@ -4841,7 +5191,7 @@
         </a:bodyPr>
         <a:lstStyle/>
         <a:p>
-          <a:pPr marL="0" lvl="0" indent="0" algn="ctr" defTabSz="444500">
+          <a:pPr lvl="0" algn="ctr" defTabSz="444500">
             <a:lnSpc>
               <a:spcPct val="90000"/>
             </a:lnSpc>
@@ -4851,7 +5201,6 @@
             <a:spcAft>
               <a:spcPct val="35000"/>
             </a:spcAft>
-            <a:buNone/>
           </a:pPr>
           <a:r>
             <a:rPr lang="en-US" sz="1000" kern="1200"/>
@@ -4859,7 +5208,7 @@
           </a:r>
         </a:p>
         <a:p>
-          <a:pPr marL="0" lvl="0" indent="0" algn="ctr" defTabSz="444500">
+          <a:pPr lvl="0" algn="ctr" defTabSz="444500">
             <a:lnSpc>
               <a:spcPct val="90000"/>
             </a:lnSpc>
@@ -4869,7 +5218,6 @@
             <a:spcAft>
               <a:spcPct val="35000"/>
             </a:spcAft>
-            <a:buNone/>
           </a:pPr>
           <a:r>
             <a:rPr lang="en-US" sz="1000" kern="1200"/>
@@ -4932,7 +5280,7 @@
         </a:bodyPr>
         <a:lstStyle/>
         <a:p>
-          <a:pPr marL="0" lvl="0" indent="0" algn="ctr" defTabSz="355600">
+          <a:pPr lvl="0" algn="ctr" defTabSz="355600">
             <a:lnSpc>
               <a:spcPct val="90000"/>
             </a:lnSpc>
@@ -4942,7 +5290,6 @@
             <a:spcAft>
               <a:spcPct val="35000"/>
             </a:spcAft>
-            <a:buNone/>
           </a:pPr>
           <a:endParaRPr lang="en-US" sz="800" kern="1200"/>
         </a:p>
@@ -5004,7 +5351,7 @@
         </a:bodyPr>
         <a:lstStyle/>
         <a:p>
-          <a:pPr marL="0" lvl="0" indent="0" algn="ctr" defTabSz="444500">
+          <a:pPr lvl="0" algn="ctr" defTabSz="444500">
             <a:lnSpc>
               <a:spcPct val="90000"/>
             </a:lnSpc>
@@ -5014,7 +5361,6 @@
             <a:spcAft>
               <a:spcPct val="35000"/>
             </a:spcAft>
-            <a:buNone/>
           </a:pPr>
           <a:r>
             <a:rPr lang="en-US" sz="1000" kern="1200"/>
@@ -5022,7 +5368,7 @@
           </a:r>
         </a:p>
         <a:p>
-          <a:pPr marL="0" lvl="0" indent="0" algn="ctr" defTabSz="444500">
+          <a:pPr lvl="0" algn="ctr" defTabSz="444500">
             <a:lnSpc>
               <a:spcPct val="90000"/>
             </a:lnSpc>
@@ -5032,7 +5378,6 @@
             <a:spcAft>
               <a:spcPct val="35000"/>
             </a:spcAft>
-            <a:buNone/>
           </a:pPr>
           <a:r>
             <a:rPr lang="en-US" sz="1000" kern="1200"/>
@@ -5095,7 +5440,7 @@
         </a:bodyPr>
         <a:lstStyle/>
         <a:p>
-          <a:pPr marL="0" lvl="0" indent="0" algn="ctr" defTabSz="355600">
+          <a:pPr lvl="0" algn="ctr" defTabSz="355600">
             <a:lnSpc>
               <a:spcPct val="90000"/>
             </a:lnSpc>
@@ -5105,7 +5450,6 @@
             <a:spcAft>
               <a:spcPct val="35000"/>
             </a:spcAft>
-            <a:buNone/>
           </a:pPr>
           <a:endParaRPr lang="en-US" sz="800" kern="1200"/>
         </a:p>
@@ -5167,7 +5511,7 @@
         </a:bodyPr>
         <a:lstStyle/>
         <a:p>
-          <a:pPr marL="0" lvl="0" indent="0" algn="ctr" defTabSz="444500">
+          <a:pPr lvl="0" algn="ctr" defTabSz="444500">
             <a:lnSpc>
               <a:spcPct val="90000"/>
             </a:lnSpc>
@@ -5177,7 +5521,6 @@
             <a:spcAft>
               <a:spcPct val="35000"/>
             </a:spcAft>
-            <a:buNone/>
           </a:pPr>
           <a:r>
             <a:rPr lang="en-US" sz="1000" kern="1200"/>
@@ -5185,7 +5528,7 @@
           </a:r>
         </a:p>
         <a:p>
-          <a:pPr marL="0" lvl="0" indent="0" algn="ctr" defTabSz="444500">
+          <a:pPr lvl="0" algn="ctr" defTabSz="444500">
             <a:lnSpc>
               <a:spcPct val="90000"/>
             </a:lnSpc>
@@ -5195,7 +5538,6 @@
             <a:spcAft>
               <a:spcPct val="35000"/>
             </a:spcAft>
-            <a:buNone/>
           </a:pPr>
           <a:r>
             <a:rPr lang="en-US" sz="1000" kern="1200"/>
@@ -5258,7 +5600,7 @@
         </a:bodyPr>
         <a:lstStyle/>
         <a:p>
-          <a:pPr marL="0" lvl="0" indent="0" algn="ctr" defTabSz="355600">
+          <a:pPr lvl="0" algn="ctr" defTabSz="355600">
             <a:lnSpc>
               <a:spcPct val="90000"/>
             </a:lnSpc>
@@ -5268,7 +5610,6 @@
             <a:spcAft>
               <a:spcPct val="35000"/>
             </a:spcAft>
-            <a:buNone/>
           </a:pPr>
           <a:endParaRPr lang="en-US" sz="800" kern="1200"/>
         </a:p>
@@ -5335,7 +5676,7 @@
         </a:bodyPr>
         <a:lstStyle/>
         <a:p>
-          <a:pPr marL="0" lvl="0" indent="0" algn="ctr" defTabSz="444500">
+          <a:pPr lvl="0" algn="ctr" defTabSz="444500">
             <a:lnSpc>
               <a:spcPct val="90000"/>
             </a:lnSpc>
@@ -5345,7 +5686,6 @@
             <a:spcAft>
               <a:spcPct val="35000"/>
             </a:spcAft>
-            <a:buNone/>
           </a:pPr>
           <a:r>
             <a:rPr lang="en-US" sz="1000" kern="1200"/>
@@ -5425,7 +5765,7 @@
         </a:bodyPr>
         <a:lstStyle/>
         <a:p>
-          <a:pPr marL="0" lvl="0" indent="0" algn="ctr" defTabSz="533400">
+          <a:pPr lvl="0" algn="ctr" defTabSz="533400">
             <a:lnSpc>
               <a:spcPct val="90000"/>
             </a:lnSpc>
@@ -5435,7 +5775,6 @@
             <a:spcAft>
               <a:spcPct val="35000"/>
             </a:spcAft>
-            <a:buNone/>
           </a:pPr>
           <a:r>
             <a:rPr lang="en-US" sz="1200" kern="1200"/>
@@ -5498,7 +5837,7 @@
         </a:bodyPr>
         <a:lstStyle/>
         <a:p>
-          <a:pPr marL="0" lvl="0" indent="0" algn="ctr" defTabSz="444500">
+          <a:pPr lvl="0" algn="ctr" defTabSz="444500">
             <a:lnSpc>
               <a:spcPct val="90000"/>
             </a:lnSpc>
@@ -5508,7 +5847,6 @@
             <a:spcAft>
               <a:spcPct val="35000"/>
             </a:spcAft>
-            <a:buNone/>
           </a:pPr>
           <a:endParaRPr lang="en-US" sz="1000" kern="1200"/>
         </a:p>
@@ -5573,7 +5911,7 @@
         </a:bodyPr>
         <a:lstStyle/>
         <a:p>
-          <a:pPr marL="0" lvl="0" indent="0" algn="ctr" defTabSz="533400">
+          <a:pPr lvl="0" algn="ctr" defTabSz="533400">
             <a:lnSpc>
               <a:spcPct val="90000"/>
             </a:lnSpc>
@@ -5583,7 +5921,6 @@
             <a:spcAft>
               <a:spcPct val="35000"/>
             </a:spcAft>
-            <a:buNone/>
           </a:pPr>
           <a:r>
             <a:rPr lang="en-US" sz="1200" kern="1200"/>
@@ -5646,7 +5983,7 @@
         </a:bodyPr>
         <a:lstStyle/>
         <a:p>
-          <a:pPr marL="0" lvl="0" indent="0" algn="ctr" defTabSz="444500">
+          <a:pPr lvl="0" algn="ctr" defTabSz="444500">
             <a:lnSpc>
               <a:spcPct val="90000"/>
             </a:lnSpc>
@@ -5656,7 +5993,6 @@
             <a:spcAft>
               <a:spcPct val="35000"/>
             </a:spcAft>
-            <a:buNone/>
           </a:pPr>
           <a:endParaRPr lang="en-US" sz="1000" kern="1200"/>
         </a:p>
@@ -5721,7 +6057,7 @@
         </a:bodyPr>
         <a:lstStyle/>
         <a:p>
-          <a:pPr marL="0" lvl="0" indent="0" algn="ctr" defTabSz="533400">
+          <a:pPr lvl="0" algn="ctr" defTabSz="533400">
             <a:lnSpc>
               <a:spcPct val="90000"/>
             </a:lnSpc>
@@ -5731,7 +6067,6 @@
             <a:spcAft>
               <a:spcPct val="35000"/>
             </a:spcAft>
-            <a:buNone/>
           </a:pPr>
           <a:r>
             <a:rPr lang="en-US" sz="1200" kern="1200"/>
@@ -5794,7 +6129,7 @@
         </a:bodyPr>
         <a:lstStyle/>
         <a:p>
-          <a:pPr marL="0" lvl="0" indent="0" algn="ctr" defTabSz="444500">
+          <a:pPr lvl="0" algn="ctr" defTabSz="444500">
             <a:lnSpc>
               <a:spcPct val="90000"/>
             </a:lnSpc>
@@ -5804,7 +6139,6 @@
             <a:spcAft>
               <a:spcPct val="35000"/>
             </a:spcAft>
-            <a:buNone/>
           </a:pPr>
           <a:endParaRPr lang="en-US" sz="1000" kern="1200"/>
         </a:p>
@@ -5869,7 +6203,7 @@
         </a:bodyPr>
         <a:lstStyle/>
         <a:p>
-          <a:pPr marL="0" lvl="0" indent="0" algn="ctr" defTabSz="533400">
+          <a:pPr lvl="0" algn="ctr" defTabSz="533400">
             <a:lnSpc>
               <a:spcPct val="90000"/>
             </a:lnSpc>
@@ -5879,7 +6213,6 @@
             <a:spcAft>
               <a:spcPct val="35000"/>
             </a:spcAft>
-            <a:buNone/>
           </a:pPr>
           <a:r>
             <a:rPr lang="en-US" sz="1200" kern="1200"/>
@@ -5942,7 +6275,7 @@
         </a:bodyPr>
         <a:lstStyle/>
         <a:p>
-          <a:pPr marL="0" lvl="0" indent="0" algn="ctr" defTabSz="444500">
+          <a:pPr lvl="0" algn="ctr" defTabSz="444500">
             <a:lnSpc>
               <a:spcPct val="90000"/>
             </a:lnSpc>
@@ -5952,7 +6285,6 @@
             <a:spcAft>
               <a:spcPct val="35000"/>
             </a:spcAft>
-            <a:buNone/>
           </a:pPr>
           <a:endParaRPr lang="en-US" sz="1000" kern="1200"/>
         </a:p>
@@ -6017,7 +6349,7 @@
         </a:bodyPr>
         <a:lstStyle/>
         <a:p>
-          <a:pPr marL="0" lvl="0" indent="0" algn="ctr" defTabSz="533400">
+          <a:pPr lvl="0" algn="ctr" defTabSz="533400">
             <a:lnSpc>
               <a:spcPct val="90000"/>
             </a:lnSpc>
@@ -6027,7 +6359,6 @@
             <a:spcAft>
               <a:spcPct val="35000"/>
             </a:spcAft>
-            <a:buNone/>
           </a:pPr>
           <a:r>
             <a:rPr lang="en-US" sz="1200" kern="1200"/>
@@ -6090,7 +6421,7 @@
         </a:bodyPr>
         <a:lstStyle/>
         <a:p>
-          <a:pPr marL="0" lvl="0" indent="0" algn="ctr" defTabSz="444500">
+          <a:pPr lvl="0" algn="ctr" defTabSz="444500">
             <a:lnSpc>
               <a:spcPct val="90000"/>
             </a:lnSpc>
@@ -6100,7 +6431,6 @@
             <a:spcAft>
               <a:spcPct val="35000"/>
             </a:spcAft>
-            <a:buNone/>
           </a:pPr>
           <a:endParaRPr lang="en-US" sz="1000" kern="1200"/>
         </a:p>
@@ -6165,7 +6495,7 @@
         </a:bodyPr>
         <a:lstStyle/>
         <a:p>
-          <a:pPr marL="0" lvl="0" indent="0" algn="ctr" defTabSz="533400">
+          <a:pPr lvl="0" algn="ctr" defTabSz="533400">
             <a:lnSpc>
               <a:spcPct val="90000"/>
             </a:lnSpc>
@@ -6175,7 +6505,6 @@
             <a:spcAft>
               <a:spcPct val="35000"/>
             </a:spcAft>
-            <a:buNone/>
           </a:pPr>
           <a:r>
             <a:rPr lang="en-US" sz="1200" kern="1200"/>
@@ -6238,7 +6567,7 @@
         </a:bodyPr>
         <a:lstStyle/>
         <a:p>
-          <a:pPr marL="0" lvl="0" indent="0" algn="ctr" defTabSz="444500">
+          <a:pPr lvl="0" algn="ctr" defTabSz="444500">
             <a:lnSpc>
               <a:spcPct val="90000"/>
             </a:lnSpc>
@@ -6248,7 +6577,6 @@
             <a:spcAft>
               <a:spcPct val="35000"/>
             </a:spcAft>
-            <a:buNone/>
           </a:pPr>
           <a:endParaRPr lang="en-US" sz="1000" kern="1200"/>
         </a:p>
@@ -9952,7 +10280,7 @@
           <a:p>
             <a:fld id="{43F1A4C9-FB5C-B247-A357-650712A3F0A8}" type="datetimeFigureOut">
               <a:rPr lang="en-US" smtClean="0"/>
-              <a:t>10/16/2020</a:t>
+              <a:t>10/20/2020</a:t>
             </a:fld>
             <a:endParaRPr lang="en-US" dirty="0"/>
           </a:p>
@@ -10117,7 +10445,7 @@
           <a:p>
             <a:fld id="{EA4960E5-F060-4C88-B1C5-5A6F5890BEF6}" type="datetimeFigureOut">
               <a:rPr lang="en-SG" smtClean="0"/>
-              <a:t>16/10/2020</a:t>
+              <a:t>10/20/2020</a:t>
             </a:fld>
             <a:endParaRPr lang="en-SG" dirty="0"/>
           </a:p>
@@ -16215,7 +16543,7 @@
           <a:graphicData uri="http://schemas.openxmlformats.org/presentationml/2006/ole">
             <mc:AlternateContent xmlns:mc="http://schemas.openxmlformats.org/markup-compatibility/2006">
               <mc:Choice xmlns:v="urn:schemas-microsoft-com:vml" Requires="v">
-                <p:oleObj spid="_x0000_s2063" name="Bitmap Image" r:id="rId3" imgW="4915326" imgH="3505504" progId="Paint.Picture">
+                <p:oleObj spid="_x0000_s2077" name="Bitmap Image" r:id="rId3" imgW="4915326" imgH="3505504" progId="Paint.Picture">
                   <p:embed/>
                 </p:oleObj>
               </mc:Choice>
@@ -16357,7 +16685,7 @@
           <a:graphicData uri="http://schemas.openxmlformats.org/presentationml/2006/ole">
             <mc:AlternateContent xmlns:mc="http://schemas.openxmlformats.org/markup-compatibility/2006">
               <mc:Choice xmlns:v="urn:schemas-microsoft-com:vml" Requires="v">
-                <p:oleObj spid="_x0000_s2064" name="Bitmap Image" r:id="rId5" imgW="5014395" imgH="4572396" progId="Paint.Picture">
+                <p:oleObj spid="_x0000_s2078" name="Bitmap Image" r:id="rId5" imgW="5014395" imgH="4572396" progId="Paint.Picture">
                   <p:embed/>
                 </p:oleObj>
               </mc:Choice>
@@ -16920,7 +17248,7 @@
           <a:graphicData uri="http://schemas.openxmlformats.org/presentationml/2006/ole">
             <mc:AlternateContent xmlns:mc="http://schemas.openxmlformats.org/markup-compatibility/2006">
               <mc:Choice xmlns:v="urn:schemas-microsoft-com:vml" Requires="v">
-                <p:oleObj spid="_x0000_s5125" name="Bitmap Image" r:id="rId3" imgW="5014395" imgH="4572396" progId="Paint.Picture">
+                <p:oleObj spid="_x0000_s5132" name="Bitmap Image" r:id="rId3" imgW="5014395" imgH="4572396" progId="Paint.Picture">
                   <p:embed/>
                 </p:oleObj>
               </mc:Choice>
@@ -17534,7 +17862,7 @@
           <a:graphicData uri="http://schemas.openxmlformats.org/presentationml/2006/ole">
             <mc:AlternateContent xmlns:mc="http://schemas.openxmlformats.org/markup-compatibility/2006">
               <mc:Choice xmlns:v="urn:schemas-microsoft-com:vml" Requires="v">
-                <p:oleObj spid="_x0000_s3078" name="Bitmap Image" r:id="rId3" imgW="5014395" imgH="4572396" progId="Paint.Picture">
+                <p:oleObj spid="_x0000_s3085" name="Bitmap Image" r:id="rId3" imgW="5014395" imgH="4572396" progId="Paint.Picture">
                   <p:embed/>
                 </p:oleObj>
               </mc:Choice>
@@ -17741,26 +18069,272 @@
             <p:ph type="title"/>
           </p:nvPr>
         </p:nvSpPr>
-        <p:spPr>
-          <a:xfrm>
-            <a:off x="2573601" y="3053030"/>
-            <a:ext cx="4648197" cy="545561"/>
-          </a:xfrm>
-        </p:spPr>
+        <p:spPr/>
         <p:txBody>
           <a:bodyPr/>
           <a:lstStyle/>
           <a:p>
             <a:r>
-              <a:rPr lang="en-US" dirty="0"/>
-              <a:t>Thank you! </a:t>
+              <a:rPr lang="en-US" dirty="0" smtClean="0"/>
+              <a:t>Comparison</a:t>
+            </a:r>
+            <a:endParaRPr lang="en-SG" dirty="0"/>
+          </a:p>
+        </p:txBody>
+      </p:sp>
+      <p:sp>
+        <p:nvSpPr>
+          <p:cNvPr id="3" name="Content Placeholder 2"/>
+          <p:cNvSpPr>
+            <a:spLocks noGrp="1"/>
+          </p:cNvSpPr>
+          <p:nvPr>
+            <p:ph sz="quarter" idx="13"/>
+          </p:nvPr>
+        </p:nvSpPr>
+        <p:spPr/>
+        <p:txBody>
+          <a:bodyPr>
+            <a:normAutofit fontScale="55000" lnSpcReduction="20000"/>
+          </a:bodyPr>
+          <a:lstStyle/>
+          <a:p>
+            <a:r>
+              <a:rPr lang="en-US" dirty="0" smtClean="0">
+                <a:solidFill>
+                  <a:schemeClr val="tx1"/>
+                </a:solidFill>
+              </a:rPr>
+              <a:t>Localization Algorithms</a:t>
+            </a:r>
+          </a:p>
+          <a:p>
+            <a:pPr lvl="1"/>
+            <a:r>
+              <a:rPr lang="en-US" dirty="0" smtClean="0">
+                <a:solidFill>
+                  <a:schemeClr val="tx1"/>
+                </a:solidFill>
+              </a:rPr>
+              <a:t>Monte </a:t>
             </a:r>
             <a:r>
               <a:rPr lang="en-US" dirty="0">
-                <a:sym typeface="Wingdings" panose="05000000000000000000" pitchFamily="2" charset="2"/>
+                <a:solidFill>
+                  <a:schemeClr val="tx1"/>
+                </a:solidFill>
               </a:rPr>
-              <a:t> </a:t>
+              <a:t>Carlo </a:t>
             </a:r>
+            <a:r>
+              <a:rPr lang="en-US" dirty="0" smtClean="0">
+                <a:solidFill>
+                  <a:schemeClr val="tx1"/>
+                </a:solidFill>
+              </a:rPr>
+              <a:t>Localization (MCL)</a:t>
+            </a:r>
+          </a:p>
+          <a:p>
+            <a:pPr lvl="2"/>
+            <a:r>
+              <a:rPr lang="en-US" dirty="0" smtClean="0">
+                <a:solidFill>
+                  <a:schemeClr val="tx1"/>
+                </a:solidFill>
+              </a:rPr>
+              <a:t>Most popular in robot localization</a:t>
+            </a:r>
+          </a:p>
+          <a:p>
+            <a:pPr lvl="2"/>
+            <a:r>
+              <a:rPr lang="en-US" dirty="0">
+                <a:solidFill>
+                  <a:schemeClr val="tx1"/>
+                </a:solidFill>
+              </a:rPr>
+              <a:t>Also referred to as Particle Filter</a:t>
+            </a:r>
+          </a:p>
+          <a:p>
+            <a:pPr lvl="2"/>
+            <a:r>
+              <a:rPr lang="en-US" dirty="0">
+                <a:solidFill>
+                  <a:schemeClr val="tx1"/>
+                </a:solidFill>
+              </a:rPr>
+              <a:t>Relies on </a:t>
+            </a:r>
+          </a:p>
+          <a:p>
+            <a:pPr lvl="3"/>
+            <a:r>
+              <a:rPr lang="en-US" dirty="0">
+                <a:solidFill>
+                  <a:schemeClr val="tx1"/>
+                </a:solidFill>
+              </a:rPr>
+              <a:t>Accurate Environment Map</a:t>
+            </a:r>
+          </a:p>
+          <a:p>
+            <a:pPr lvl="3"/>
+            <a:r>
+              <a:rPr lang="en-US" dirty="0">
+                <a:solidFill>
+                  <a:schemeClr val="tx1"/>
+                </a:solidFill>
+              </a:rPr>
+              <a:t>Particle position and </a:t>
+            </a:r>
+            <a:r>
+              <a:rPr lang="en-US" dirty="0" smtClean="0">
+                <a:solidFill>
+                  <a:schemeClr val="tx1"/>
+                </a:solidFill>
+              </a:rPr>
+              <a:t>orientation</a:t>
+            </a:r>
+          </a:p>
+          <a:p>
+            <a:pPr lvl="1"/>
+            <a:r>
+              <a:rPr lang="en-US" dirty="0">
+                <a:solidFill>
+                  <a:schemeClr val="tx1"/>
+                </a:solidFill>
+              </a:rPr>
+              <a:t>Adaptive Monte Carlo </a:t>
+            </a:r>
+            <a:r>
+              <a:rPr lang="en-US" dirty="0" smtClean="0">
+                <a:solidFill>
+                  <a:schemeClr val="tx1"/>
+                </a:solidFill>
+              </a:rPr>
+              <a:t>Localization (AMCL)</a:t>
+            </a:r>
+          </a:p>
+          <a:p>
+            <a:pPr lvl="2"/>
+            <a:r>
+              <a:rPr lang="en-US" dirty="0" smtClean="0">
+                <a:solidFill>
+                  <a:schemeClr val="tx1"/>
+                </a:solidFill>
+              </a:rPr>
+              <a:t>Improved version of MCL</a:t>
+            </a:r>
+          </a:p>
+          <a:p>
+            <a:pPr lvl="2"/>
+            <a:endParaRPr lang="en-US" dirty="0" smtClean="0">
+              <a:solidFill>
+                <a:schemeClr val="tx1"/>
+              </a:solidFill>
+            </a:endParaRPr>
+          </a:p>
+          <a:p>
+            <a:r>
+              <a:rPr lang="en-SG" dirty="0" smtClean="0">
+                <a:solidFill>
+                  <a:schemeClr val="tx1"/>
+                </a:solidFill>
+              </a:rPr>
+              <a:t>Deep </a:t>
+            </a:r>
+            <a:r>
+              <a:rPr lang="en-SG" dirty="0">
+                <a:solidFill>
+                  <a:schemeClr val="tx1"/>
+                </a:solidFill>
+              </a:rPr>
+              <a:t>Neural Network Robotic </a:t>
+            </a:r>
+            <a:r>
+              <a:rPr lang="en-SG" dirty="0" smtClean="0">
+                <a:solidFill>
+                  <a:schemeClr val="tx1"/>
+                </a:solidFill>
+              </a:rPr>
+              <a:t>Mapping</a:t>
+            </a:r>
+          </a:p>
+          <a:p>
+            <a:pPr lvl="1"/>
+            <a:r>
+              <a:rPr lang="en-SG" dirty="0" smtClean="0">
+                <a:solidFill>
+                  <a:schemeClr val="tx1"/>
+                </a:solidFill>
+              </a:rPr>
+              <a:t>Relies on GPS and 3D scan data</a:t>
+            </a:r>
+          </a:p>
+          <a:p>
+            <a:pPr lvl="1"/>
+            <a:r>
+              <a:rPr lang="en-US" dirty="0" smtClean="0">
+                <a:solidFill>
+                  <a:schemeClr val="tx1"/>
+                </a:solidFill>
+              </a:rPr>
+              <a:t>Produces more accuracy map</a:t>
+            </a:r>
+          </a:p>
+          <a:p>
+            <a:pPr lvl="2"/>
+            <a:r>
+              <a:rPr lang="en-US" dirty="0" smtClean="0">
+                <a:solidFill>
+                  <a:schemeClr val="tx1"/>
+                </a:solidFill>
+              </a:rPr>
+              <a:t>Comparing with traditional approach such as k-means</a:t>
+            </a:r>
+          </a:p>
+          <a:p>
+            <a:pPr lvl="2"/>
+            <a:endParaRPr lang="en-US" dirty="0">
+              <a:solidFill>
+                <a:schemeClr val="tx1"/>
+              </a:solidFill>
+            </a:endParaRPr>
+          </a:p>
+          <a:p>
+            <a:r>
+              <a:rPr lang="en-US" dirty="0" smtClean="0">
+                <a:solidFill>
+                  <a:schemeClr val="tx1"/>
+                </a:solidFill>
+              </a:rPr>
+              <a:t>Therefore, AMCL and </a:t>
+            </a:r>
+            <a:r>
+              <a:rPr lang="en-SG" dirty="0">
+                <a:solidFill>
+                  <a:schemeClr val="tx1"/>
+                </a:solidFill>
+              </a:rPr>
+              <a:t>Deep Neural Network Robotic </a:t>
+            </a:r>
+            <a:r>
+              <a:rPr lang="en-SG" dirty="0" smtClean="0">
+                <a:solidFill>
+                  <a:schemeClr val="tx1"/>
+                </a:solidFill>
+              </a:rPr>
+              <a:t>Mapping are good candidates for complement on localization and map in certain conditions</a:t>
+            </a:r>
+            <a:endParaRPr lang="en-US" dirty="0">
+              <a:solidFill>
+                <a:schemeClr val="tx1"/>
+              </a:solidFill>
+            </a:endParaRPr>
+          </a:p>
+          <a:p>
             <a:endParaRPr lang="en-SG" dirty="0"/>
           </a:p>
         </p:txBody>
@@ -17782,7 +18356,7 @@
           <a:p>
             <a:pPr algn="l"/>
             <a:r>
-              <a:rPr lang="en-SG" sz="1000" dirty="0"/>
+              <a:rPr lang="en-SG" sz="1000" smtClean="0"/>
               <a:t>© 2018 National University of Singapore. All Rights Reserved</a:t>
             </a:r>
             <a:endParaRPr lang="en-SG" dirty="0"/>
@@ -17816,7 +18390,711 @@
     </p:spTree>
     <p:extLst>
       <p:ext uri="{BB962C8B-B14F-4D97-AF65-F5344CB8AC3E}">
-        <p14:creationId xmlns:p14="http://schemas.microsoft.com/office/powerpoint/2010/main" val="3351845363"/>
+        <p14:creationId xmlns:p14="http://schemas.microsoft.com/office/powerpoint/2010/main" val="1574460477"/>
+      </p:ext>
+    </p:extLst>
+  </p:cSld>
+  <p:clrMapOvr>
+    <a:masterClrMapping/>
+  </p:clrMapOvr>
+</p:sld>
+</file>
+
+<file path=ppt/slides/slide27.xml><?xml version="1.0" encoding="utf-8"?>
+<p:sld xmlns:a="http://schemas.openxmlformats.org/drawingml/2006/main" xmlns:r="http://schemas.openxmlformats.org/officeDocument/2006/relationships" xmlns:p="http://schemas.openxmlformats.org/presentationml/2006/main">
+  <p:cSld>
+    <p:spTree>
+      <p:nvGrpSpPr>
+        <p:cNvPr id="1" name=""/>
+        <p:cNvGrpSpPr/>
+        <p:nvPr/>
+      </p:nvGrpSpPr>
+      <p:grpSpPr>
+        <a:xfrm>
+          <a:off x="0" y="0"/>
+          <a:ext cx="0" cy="0"/>
+          <a:chOff x="0" y="0"/>
+          <a:chExt cx="0" cy="0"/>
+        </a:xfrm>
+      </p:grpSpPr>
+      <p:sp>
+        <p:nvSpPr>
+          <p:cNvPr id="2" name="Title 1"/>
+          <p:cNvSpPr>
+            <a:spLocks noGrp="1"/>
+          </p:cNvSpPr>
+          <p:nvPr>
+            <p:ph type="title"/>
+          </p:nvPr>
+        </p:nvSpPr>
+        <p:spPr/>
+        <p:txBody>
+          <a:bodyPr>
+            <a:normAutofit fontScale="90000"/>
+          </a:bodyPr>
+          <a:lstStyle/>
+          <a:p>
+            <a:r>
+              <a:rPr lang="en-US" dirty="0" smtClean="0"/>
+              <a:t>System Design -</a:t>
+            </a:r>
+            <a:br>
+              <a:rPr lang="en-US" dirty="0" smtClean="0"/>
+            </a:br>
+            <a:r>
+              <a:rPr lang="en-US" dirty="0" smtClean="0"/>
+              <a:t>Visualization</a:t>
+            </a:r>
+            <a:endParaRPr lang="en-SG" dirty="0"/>
+          </a:p>
+        </p:txBody>
+      </p:sp>
+      <p:sp>
+        <p:nvSpPr>
+          <p:cNvPr id="3" name="Content Placeholder 2"/>
+          <p:cNvSpPr>
+            <a:spLocks noGrp="1"/>
+          </p:cNvSpPr>
+          <p:nvPr>
+            <p:ph sz="quarter" idx="13"/>
+          </p:nvPr>
+        </p:nvSpPr>
+        <p:spPr/>
+        <p:txBody>
+          <a:bodyPr/>
+          <a:lstStyle/>
+          <a:p>
+            <a:endParaRPr lang="en-SG" dirty="0"/>
+          </a:p>
+        </p:txBody>
+      </p:sp>
+      <p:sp>
+        <p:nvSpPr>
+          <p:cNvPr id="4" name="Footer Placeholder 3"/>
+          <p:cNvSpPr>
+            <a:spLocks noGrp="1"/>
+          </p:cNvSpPr>
+          <p:nvPr>
+            <p:ph type="ftr" sz="quarter" idx="15"/>
+          </p:nvPr>
+        </p:nvSpPr>
+        <p:spPr/>
+        <p:txBody>
+          <a:bodyPr/>
+          <a:lstStyle/>
+          <a:p>
+            <a:pPr algn="l"/>
+            <a:r>
+              <a:rPr lang="en-SG" sz="1000" smtClean="0"/>
+              <a:t>© 2018 National University of Singapore. All Rights Reserved</a:t>
+            </a:r>
+            <a:endParaRPr lang="en-SG" dirty="0"/>
+          </a:p>
+        </p:txBody>
+      </p:sp>
+      <p:sp>
+        <p:nvSpPr>
+          <p:cNvPr id="5" name="Slide Number Placeholder 4"/>
+          <p:cNvSpPr>
+            <a:spLocks noGrp="1"/>
+          </p:cNvSpPr>
+          <p:nvPr>
+            <p:ph type="sldNum" sz="quarter" idx="16"/>
+          </p:nvPr>
+        </p:nvSpPr>
+        <p:spPr/>
+        <p:txBody>
+          <a:bodyPr/>
+          <a:lstStyle/>
+          <a:p>
+            <a:fld id="{2F63C605-4FC6-46DE-BC90-871762EA3F52}" type="slidenum">
+              <a:rPr lang="en-SG" smtClean="0"/>
+              <a:pPr/>
+              <a:t>27</a:t>
+            </a:fld>
+            <a:endParaRPr lang="en-SG" dirty="0"/>
+          </a:p>
+        </p:txBody>
+      </p:sp>
+      <p:pic>
+        <p:nvPicPr>
+          <p:cNvPr id="10" name="Picture 9"/>
+          <p:cNvPicPr>
+            <a:picLocks noChangeAspect="1"/>
+          </p:cNvPicPr>
+          <p:nvPr/>
+        </p:nvPicPr>
+        <p:blipFill>
+          <a:blip r:embed="rId2"/>
+          <a:stretch>
+            <a:fillRect/>
+          </a:stretch>
+        </p:blipFill>
+        <p:spPr>
+          <a:xfrm>
+            <a:off x="1072874" y="1313382"/>
+            <a:ext cx="6998251" cy="4520201"/>
+          </a:xfrm>
+          <a:prstGeom prst="rect">
+            <a:avLst/>
+          </a:prstGeom>
+        </p:spPr>
+      </p:pic>
+    </p:spTree>
+    <p:extLst>
+      <p:ext uri="{BB962C8B-B14F-4D97-AF65-F5344CB8AC3E}">
+        <p14:creationId xmlns:p14="http://schemas.microsoft.com/office/powerpoint/2010/main" val="10502414"/>
+      </p:ext>
+    </p:extLst>
+  </p:cSld>
+  <p:clrMapOvr>
+    <a:masterClrMapping/>
+  </p:clrMapOvr>
+</p:sld>
+</file>
+
+<file path=ppt/slides/slide28.xml><?xml version="1.0" encoding="utf-8"?>
+<p:sld xmlns:a="http://schemas.openxmlformats.org/drawingml/2006/main" xmlns:r="http://schemas.openxmlformats.org/officeDocument/2006/relationships" xmlns:p="http://schemas.openxmlformats.org/presentationml/2006/main">
+  <p:cSld>
+    <p:spTree>
+      <p:nvGrpSpPr>
+        <p:cNvPr id="1" name=""/>
+        <p:cNvGrpSpPr/>
+        <p:nvPr/>
+      </p:nvGrpSpPr>
+      <p:grpSpPr>
+        <a:xfrm>
+          <a:off x="0" y="0"/>
+          <a:ext cx="0" cy="0"/>
+          <a:chOff x="0" y="0"/>
+          <a:chExt cx="0" cy="0"/>
+        </a:xfrm>
+      </p:grpSpPr>
+      <p:sp>
+        <p:nvSpPr>
+          <p:cNvPr id="2" name="Title 1"/>
+          <p:cNvSpPr>
+            <a:spLocks noGrp="1"/>
+          </p:cNvSpPr>
+          <p:nvPr>
+            <p:ph type="title"/>
+          </p:nvPr>
+        </p:nvSpPr>
+        <p:spPr/>
+        <p:txBody>
+          <a:bodyPr/>
+          <a:lstStyle/>
+          <a:p>
+            <a:r>
+              <a:rPr lang="en-US" dirty="0" smtClean="0"/>
+              <a:t>Open3D Visualizer</a:t>
+            </a:r>
+            <a:endParaRPr lang="en-SG" dirty="0"/>
+          </a:p>
+        </p:txBody>
+      </p:sp>
+      <p:sp>
+        <p:nvSpPr>
+          <p:cNvPr id="3" name="Content Placeholder 2"/>
+          <p:cNvSpPr>
+            <a:spLocks noGrp="1"/>
+          </p:cNvSpPr>
+          <p:nvPr>
+            <p:ph sz="quarter" idx="13"/>
+          </p:nvPr>
+        </p:nvSpPr>
+        <p:spPr/>
+        <p:txBody>
+          <a:bodyPr>
+            <a:normAutofit fontScale="92500" lnSpcReduction="10000"/>
+          </a:bodyPr>
+          <a:lstStyle/>
+          <a:p>
+            <a:r>
+              <a:rPr lang="en-US" dirty="0" smtClean="0">
+                <a:solidFill>
+                  <a:schemeClr val="tx1"/>
+                </a:solidFill>
+              </a:rPr>
+              <a:t>Read </a:t>
+            </a:r>
+            <a:r>
+              <a:rPr lang="en-US" dirty="0" smtClean="0">
+                <a:solidFill>
+                  <a:schemeClr val="tx1"/>
+                </a:solidFill>
+              </a:rPr>
+              <a:t>3D </a:t>
+            </a:r>
+            <a:r>
+              <a:rPr lang="en-US" dirty="0" smtClean="0">
+                <a:solidFill>
+                  <a:schemeClr val="tx1"/>
+                </a:solidFill>
+              </a:rPr>
+              <a:t>Map </a:t>
+            </a:r>
+            <a:r>
+              <a:rPr lang="en-US" dirty="0" smtClean="0">
+                <a:solidFill>
+                  <a:schemeClr val="tx1"/>
+                </a:solidFill>
+              </a:rPr>
+              <a:t>Data</a:t>
+            </a:r>
+          </a:p>
+          <a:p>
+            <a:pPr lvl="1"/>
+            <a:r>
+              <a:rPr lang="en-US" dirty="0" smtClean="0">
+                <a:solidFill>
+                  <a:schemeClr val="tx1"/>
+                </a:solidFill>
+              </a:rPr>
+              <a:t>3D map data </a:t>
+            </a:r>
+          </a:p>
+          <a:p>
+            <a:pPr lvl="1"/>
+            <a:r>
+              <a:rPr lang="en-US" dirty="0" smtClean="0">
+                <a:solidFill>
+                  <a:schemeClr val="tx1"/>
+                </a:solidFill>
+              </a:rPr>
+              <a:t>produced by </a:t>
+            </a:r>
+            <a:r>
+              <a:rPr lang="en-SG" dirty="0" smtClean="0">
+                <a:solidFill>
+                  <a:schemeClr val="tx1"/>
+                </a:solidFill>
+              </a:rPr>
+              <a:t>DNNRM</a:t>
+            </a:r>
+            <a:endParaRPr lang="en-SG" dirty="0">
+              <a:solidFill>
+                <a:schemeClr val="tx1"/>
+              </a:solidFill>
+            </a:endParaRPr>
+          </a:p>
+          <a:p>
+            <a:pPr lvl="1"/>
+            <a:endParaRPr lang="en-US" dirty="0" smtClean="0">
+              <a:solidFill>
+                <a:schemeClr val="tx1"/>
+              </a:solidFill>
+            </a:endParaRPr>
+          </a:p>
+          <a:p>
+            <a:r>
+              <a:rPr lang="en-US" dirty="0" smtClean="0">
+                <a:solidFill>
+                  <a:schemeClr val="tx1"/>
+                </a:solidFill>
+              </a:rPr>
+              <a:t>Generates views</a:t>
+            </a:r>
+          </a:p>
+          <a:p>
+            <a:pPr lvl="1"/>
+            <a:r>
+              <a:rPr lang="en-US" dirty="0" smtClean="0">
+                <a:solidFill>
+                  <a:schemeClr val="tx1"/>
+                </a:solidFill>
+              </a:rPr>
+              <a:t>2D Map</a:t>
+            </a:r>
+          </a:p>
+          <a:p>
+            <a:pPr lvl="1"/>
+            <a:r>
+              <a:rPr lang="en-US" dirty="0" smtClean="0">
+                <a:solidFill>
+                  <a:schemeClr val="tx1"/>
+                </a:solidFill>
+              </a:rPr>
+              <a:t>Front / Rear View</a:t>
+            </a:r>
+          </a:p>
+          <a:p>
+            <a:pPr lvl="1"/>
+            <a:r>
+              <a:rPr lang="en-US" dirty="0" smtClean="0">
+                <a:solidFill>
+                  <a:schemeClr val="tx1"/>
+                </a:solidFill>
+              </a:rPr>
+              <a:t>Based on </a:t>
+            </a:r>
+          </a:p>
+          <a:p>
+            <a:pPr lvl="2"/>
+            <a:r>
+              <a:rPr lang="en-US" dirty="0" smtClean="0">
+                <a:solidFill>
+                  <a:schemeClr val="tx1"/>
+                </a:solidFill>
+              </a:rPr>
+              <a:t>robot position</a:t>
+            </a:r>
+          </a:p>
+          <a:p>
+            <a:pPr lvl="2"/>
+            <a:r>
+              <a:rPr lang="en-US" dirty="0" smtClean="0">
+                <a:solidFill>
+                  <a:schemeClr val="tx1"/>
+                </a:solidFill>
+              </a:rPr>
+              <a:t>orientation</a:t>
+            </a:r>
+            <a:endParaRPr lang="en-SG" dirty="0">
+              <a:solidFill>
+                <a:schemeClr val="tx1"/>
+              </a:solidFill>
+            </a:endParaRPr>
+          </a:p>
+        </p:txBody>
+      </p:sp>
+      <p:sp>
+        <p:nvSpPr>
+          <p:cNvPr id="4" name="Footer Placeholder 3"/>
+          <p:cNvSpPr>
+            <a:spLocks noGrp="1"/>
+          </p:cNvSpPr>
+          <p:nvPr>
+            <p:ph type="ftr" sz="quarter" idx="15"/>
+          </p:nvPr>
+        </p:nvSpPr>
+        <p:spPr/>
+        <p:txBody>
+          <a:bodyPr/>
+          <a:lstStyle/>
+          <a:p>
+            <a:pPr algn="l"/>
+            <a:r>
+              <a:rPr lang="en-SG" sz="1000" smtClean="0"/>
+              <a:t>© 2018 National University of Singapore. All Rights Reserved</a:t>
+            </a:r>
+            <a:endParaRPr lang="en-SG" dirty="0"/>
+          </a:p>
+        </p:txBody>
+      </p:sp>
+      <p:sp>
+        <p:nvSpPr>
+          <p:cNvPr id="5" name="Slide Number Placeholder 4"/>
+          <p:cNvSpPr>
+            <a:spLocks noGrp="1"/>
+          </p:cNvSpPr>
+          <p:nvPr>
+            <p:ph type="sldNum" sz="quarter" idx="16"/>
+          </p:nvPr>
+        </p:nvSpPr>
+        <p:spPr/>
+        <p:txBody>
+          <a:bodyPr/>
+          <a:lstStyle/>
+          <a:p>
+            <a:fld id="{2F63C605-4FC6-46DE-BC90-871762EA3F52}" type="slidenum">
+              <a:rPr lang="en-SG" smtClean="0"/>
+              <a:pPr/>
+              <a:t>28</a:t>
+            </a:fld>
+            <a:endParaRPr lang="en-SG" dirty="0"/>
+          </a:p>
+        </p:txBody>
+      </p:sp>
+      <p:pic>
+        <p:nvPicPr>
+          <p:cNvPr id="6" name="Picture 5"/>
+          <p:cNvPicPr/>
+          <p:nvPr/>
+        </p:nvPicPr>
+        <p:blipFill>
+          <a:blip r:embed="rId2"/>
+          <a:stretch>
+            <a:fillRect/>
+          </a:stretch>
+        </p:blipFill>
+        <p:spPr>
+          <a:xfrm>
+            <a:off x="5057367" y="3394177"/>
+            <a:ext cx="2393225" cy="2122834"/>
+          </a:xfrm>
+          <a:prstGeom prst="rect">
+            <a:avLst/>
+          </a:prstGeom>
+        </p:spPr>
+      </p:pic>
+      <p:pic>
+        <p:nvPicPr>
+          <p:cNvPr id="7" name="Picture 6"/>
+          <p:cNvPicPr>
+            <a:picLocks noChangeAspect="1"/>
+          </p:cNvPicPr>
+          <p:nvPr/>
+        </p:nvPicPr>
+        <p:blipFill>
+          <a:blip r:embed="rId3"/>
+          <a:stretch>
+            <a:fillRect/>
+          </a:stretch>
+        </p:blipFill>
+        <p:spPr>
+          <a:xfrm>
+            <a:off x="5408023" y="1277586"/>
+            <a:ext cx="1691915" cy="2021213"/>
+          </a:xfrm>
+          <a:prstGeom prst="rect">
+            <a:avLst/>
+          </a:prstGeom>
+        </p:spPr>
+      </p:pic>
+    </p:spTree>
+    <p:extLst>
+      <p:ext uri="{BB962C8B-B14F-4D97-AF65-F5344CB8AC3E}">
+        <p14:creationId xmlns:p14="http://schemas.microsoft.com/office/powerpoint/2010/main" val="522751754"/>
+      </p:ext>
+    </p:extLst>
+  </p:cSld>
+  <p:clrMapOvr>
+    <a:masterClrMapping/>
+  </p:clrMapOvr>
+</p:sld>
+</file>
+
+<file path=ppt/slides/slide29.xml><?xml version="1.0" encoding="utf-8"?>
+<p:sld xmlns:a="http://schemas.openxmlformats.org/drawingml/2006/main" xmlns:r="http://schemas.openxmlformats.org/officeDocument/2006/relationships" xmlns:p="http://schemas.openxmlformats.org/presentationml/2006/main">
+  <p:cSld>
+    <p:spTree>
+      <p:nvGrpSpPr>
+        <p:cNvPr id="1" name=""/>
+        <p:cNvGrpSpPr/>
+        <p:nvPr/>
+      </p:nvGrpSpPr>
+      <p:grpSpPr>
+        <a:xfrm>
+          <a:off x="0" y="0"/>
+          <a:ext cx="0" cy="0"/>
+          <a:chOff x="0" y="0"/>
+          <a:chExt cx="0" cy="0"/>
+        </a:xfrm>
+      </p:grpSpPr>
+      <p:sp>
+        <p:nvSpPr>
+          <p:cNvPr id="2" name="Title 1"/>
+          <p:cNvSpPr>
+            <a:spLocks noGrp="1"/>
+          </p:cNvSpPr>
+          <p:nvPr>
+            <p:ph type="title"/>
+          </p:nvPr>
+        </p:nvSpPr>
+        <p:spPr/>
+        <p:txBody>
+          <a:bodyPr/>
+          <a:lstStyle/>
+          <a:p>
+            <a:r>
+              <a:rPr lang="en-US" dirty="0" smtClean="0"/>
+              <a:t>Map Tracking Viewer</a:t>
+            </a:r>
+            <a:endParaRPr lang="en-SG" dirty="0"/>
+          </a:p>
+        </p:txBody>
+      </p:sp>
+      <p:sp>
+        <p:nvSpPr>
+          <p:cNvPr id="3" name="Content Placeholder 2"/>
+          <p:cNvSpPr>
+            <a:spLocks noGrp="1"/>
+          </p:cNvSpPr>
+          <p:nvPr>
+            <p:ph sz="quarter" idx="13"/>
+          </p:nvPr>
+        </p:nvSpPr>
+        <p:spPr/>
+        <p:txBody>
+          <a:bodyPr/>
+          <a:lstStyle/>
+          <a:p>
+            <a:r>
+              <a:rPr lang="en-US" dirty="0" smtClean="0">
+                <a:solidFill>
+                  <a:schemeClr val="tx1"/>
+                </a:solidFill>
+              </a:rPr>
+              <a:t>Python </a:t>
+            </a:r>
+            <a:r>
+              <a:rPr lang="en-US" dirty="0" err="1" smtClean="0">
+                <a:solidFill>
+                  <a:schemeClr val="tx1"/>
+                </a:solidFill>
+              </a:rPr>
+              <a:t>Tkinter</a:t>
+            </a:r>
+            <a:r>
+              <a:rPr lang="en-US" dirty="0" smtClean="0">
+                <a:solidFill>
+                  <a:schemeClr val="tx1"/>
+                </a:solidFill>
+              </a:rPr>
+              <a:t> GUI</a:t>
+            </a:r>
+          </a:p>
+          <a:p>
+            <a:r>
+              <a:rPr lang="en-US" dirty="0" smtClean="0">
+                <a:solidFill>
+                  <a:schemeClr val="tx1"/>
+                </a:solidFill>
+              </a:rPr>
+              <a:t>Read Robot Data</a:t>
+            </a:r>
+          </a:p>
+          <a:p>
+            <a:pPr lvl="1"/>
+            <a:r>
+              <a:rPr lang="en-US" dirty="0" smtClean="0">
+                <a:solidFill>
+                  <a:schemeClr val="tx1"/>
+                </a:solidFill>
+              </a:rPr>
+              <a:t>Position</a:t>
+            </a:r>
+          </a:p>
+          <a:p>
+            <a:pPr lvl="1"/>
+            <a:r>
+              <a:rPr lang="en-US" dirty="0" smtClean="0">
+                <a:solidFill>
+                  <a:schemeClr val="tx1"/>
+                </a:solidFill>
+              </a:rPr>
+              <a:t>Orientation</a:t>
+            </a:r>
+          </a:p>
+          <a:p>
+            <a:r>
+              <a:rPr lang="en-US" dirty="0" smtClean="0">
+                <a:solidFill>
+                  <a:schemeClr val="tx1"/>
+                </a:solidFill>
+              </a:rPr>
+              <a:t>Display </a:t>
+            </a:r>
+          </a:p>
+          <a:p>
+            <a:pPr lvl="1"/>
+            <a:r>
+              <a:rPr lang="en-US" dirty="0" smtClean="0">
+                <a:solidFill>
+                  <a:schemeClr val="tx1"/>
+                </a:solidFill>
+              </a:rPr>
+              <a:t>2D Map</a:t>
+            </a:r>
+          </a:p>
+          <a:p>
+            <a:pPr lvl="1"/>
+            <a:r>
+              <a:rPr lang="en-US" dirty="0" smtClean="0">
+                <a:solidFill>
+                  <a:schemeClr val="tx1"/>
+                </a:solidFill>
+              </a:rPr>
+              <a:t>Front / Rear View</a:t>
+            </a:r>
+          </a:p>
+          <a:p>
+            <a:pPr lvl="1"/>
+            <a:endParaRPr lang="en-US" dirty="0">
+              <a:solidFill>
+                <a:schemeClr val="tx1"/>
+              </a:solidFill>
+            </a:endParaRPr>
+          </a:p>
+        </p:txBody>
+      </p:sp>
+      <p:sp>
+        <p:nvSpPr>
+          <p:cNvPr id="4" name="Footer Placeholder 3"/>
+          <p:cNvSpPr>
+            <a:spLocks noGrp="1"/>
+          </p:cNvSpPr>
+          <p:nvPr>
+            <p:ph type="ftr" sz="quarter" idx="15"/>
+          </p:nvPr>
+        </p:nvSpPr>
+        <p:spPr/>
+        <p:txBody>
+          <a:bodyPr/>
+          <a:lstStyle/>
+          <a:p>
+            <a:pPr algn="l"/>
+            <a:r>
+              <a:rPr lang="en-SG" sz="1000" smtClean="0"/>
+              <a:t>© 2018 National University of Singapore. All Rights Reserved</a:t>
+            </a:r>
+            <a:endParaRPr lang="en-SG" dirty="0"/>
+          </a:p>
+        </p:txBody>
+      </p:sp>
+      <p:sp>
+        <p:nvSpPr>
+          <p:cNvPr id="5" name="Slide Number Placeholder 4"/>
+          <p:cNvSpPr>
+            <a:spLocks noGrp="1"/>
+          </p:cNvSpPr>
+          <p:nvPr>
+            <p:ph type="sldNum" sz="quarter" idx="16"/>
+          </p:nvPr>
+        </p:nvSpPr>
+        <p:spPr/>
+        <p:txBody>
+          <a:bodyPr/>
+          <a:lstStyle/>
+          <a:p>
+            <a:fld id="{2F63C605-4FC6-46DE-BC90-871762EA3F52}" type="slidenum">
+              <a:rPr lang="en-SG" smtClean="0"/>
+              <a:pPr/>
+              <a:t>29</a:t>
+            </a:fld>
+            <a:endParaRPr lang="en-SG" dirty="0"/>
+          </a:p>
+        </p:txBody>
+      </p:sp>
+      <p:pic>
+        <p:nvPicPr>
+          <p:cNvPr id="7" name="Picture 6"/>
+          <p:cNvPicPr>
+            <a:picLocks noChangeAspect="1"/>
+          </p:cNvPicPr>
+          <p:nvPr/>
+        </p:nvPicPr>
+        <p:blipFill>
+          <a:blip r:embed="rId2"/>
+          <a:stretch>
+            <a:fillRect/>
+          </a:stretch>
+        </p:blipFill>
+        <p:spPr>
+          <a:xfrm>
+            <a:off x="4105940" y="2030516"/>
+            <a:ext cx="4472392" cy="2808477"/>
+          </a:xfrm>
+          <a:prstGeom prst="rect">
+            <a:avLst/>
+          </a:prstGeom>
+        </p:spPr>
+      </p:pic>
+    </p:spTree>
+    <p:extLst>
+      <p:ext uri="{BB962C8B-B14F-4D97-AF65-F5344CB8AC3E}">
+        <p14:creationId xmlns:p14="http://schemas.microsoft.com/office/powerpoint/2010/main" val="277305452"/>
       </p:ext>
     </p:extLst>
   </p:cSld>
@@ -17974,6 +19252,118 @@
     <p:extLst>
       <p:ext uri="{BB962C8B-B14F-4D97-AF65-F5344CB8AC3E}">
         <p14:creationId xmlns:p14="http://schemas.microsoft.com/office/powerpoint/2010/main" val="1105590467"/>
+      </p:ext>
+    </p:extLst>
+  </p:cSld>
+  <p:clrMapOvr>
+    <a:masterClrMapping/>
+  </p:clrMapOvr>
+</p:sld>
+</file>
+
+<file path=ppt/slides/slide30.xml><?xml version="1.0" encoding="utf-8"?>
+<p:sld xmlns:a="http://schemas.openxmlformats.org/drawingml/2006/main" xmlns:r="http://schemas.openxmlformats.org/officeDocument/2006/relationships" xmlns:p="http://schemas.openxmlformats.org/presentationml/2006/main">
+  <p:cSld>
+    <p:spTree>
+      <p:nvGrpSpPr>
+        <p:cNvPr id="1" name=""/>
+        <p:cNvGrpSpPr/>
+        <p:nvPr/>
+      </p:nvGrpSpPr>
+      <p:grpSpPr>
+        <a:xfrm>
+          <a:off x="0" y="0"/>
+          <a:ext cx="0" cy="0"/>
+          <a:chOff x="0" y="0"/>
+          <a:chExt cx="0" cy="0"/>
+        </a:xfrm>
+      </p:grpSpPr>
+      <p:sp>
+        <p:nvSpPr>
+          <p:cNvPr id="2" name="Title 1"/>
+          <p:cNvSpPr>
+            <a:spLocks noGrp="1"/>
+          </p:cNvSpPr>
+          <p:nvPr>
+            <p:ph type="title"/>
+          </p:nvPr>
+        </p:nvSpPr>
+        <p:spPr>
+          <a:xfrm>
+            <a:off x="2573601" y="3053030"/>
+            <a:ext cx="4648197" cy="545561"/>
+          </a:xfrm>
+        </p:spPr>
+        <p:txBody>
+          <a:bodyPr/>
+          <a:lstStyle/>
+          <a:p>
+            <a:r>
+              <a:rPr lang="en-US" dirty="0"/>
+              <a:t>Thank you! </a:t>
+            </a:r>
+            <a:r>
+              <a:rPr lang="en-US" dirty="0">
+                <a:sym typeface="Wingdings" panose="05000000000000000000" pitchFamily="2" charset="2"/>
+              </a:rPr>
+              <a:t> </a:t>
+            </a:r>
+            <a:endParaRPr lang="en-SG" dirty="0"/>
+          </a:p>
+        </p:txBody>
+      </p:sp>
+      <p:sp>
+        <p:nvSpPr>
+          <p:cNvPr id="4" name="Footer Placeholder 3"/>
+          <p:cNvSpPr>
+            <a:spLocks noGrp="1"/>
+          </p:cNvSpPr>
+          <p:nvPr>
+            <p:ph type="ftr" sz="quarter" idx="15"/>
+          </p:nvPr>
+        </p:nvSpPr>
+        <p:spPr/>
+        <p:txBody>
+          <a:bodyPr/>
+          <a:lstStyle/>
+          <a:p>
+            <a:pPr algn="l"/>
+            <a:r>
+              <a:rPr lang="en-SG" sz="1000" dirty="0"/>
+              <a:t>© 2018 National University of Singapore. All Rights Reserved</a:t>
+            </a:r>
+            <a:endParaRPr lang="en-SG" dirty="0"/>
+          </a:p>
+        </p:txBody>
+      </p:sp>
+      <p:sp>
+        <p:nvSpPr>
+          <p:cNvPr id="5" name="Slide Number Placeholder 4"/>
+          <p:cNvSpPr>
+            <a:spLocks noGrp="1"/>
+          </p:cNvSpPr>
+          <p:nvPr>
+            <p:ph type="sldNum" sz="quarter" idx="16"/>
+          </p:nvPr>
+        </p:nvSpPr>
+        <p:spPr/>
+        <p:txBody>
+          <a:bodyPr/>
+          <a:lstStyle/>
+          <a:p>
+            <a:fld id="{2F63C605-4FC6-46DE-BC90-871762EA3F52}" type="slidenum">
+              <a:rPr lang="en-SG" smtClean="0"/>
+              <a:pPr/>
+              <a:t>30</a:t>
+            </a:fld>
+            <a:endParaRPr lang="en-SG" dirty="0"/>
+          </a:p>
+        </p:txBody>
+      </p:sp>
+    </p:spTree>
+    <p:extLst>
+      <p:ext uri="{BB962C8B-B14F-4D97-AF65-F5344CB8AC3E}">
+        <p14:creationId xmlns:p14="http://schemas.microsoft.com/office/powerpoint/2010/main" val="3351845363"/>
       </p:ext>
     </p:extLst>
   </p:cSld>

--- a/PracticeModule_Presentation.pptx
+++ b/PracticeModule_Presentation.pptx
@@ -5,10 +5,10 @@
     <p:sldMasterId id="2147483684" r:id="rId1"/>
   </p:sldMasterIdLst>
   <p:notesMasterIdLst>
-    <p:notesMasterId r:id="rId32"/>
+    <p:notesMasterId r:id="rId29"/>
   </p:notesMasterIdLst>
   <p:handoutMasterIdLst>
-    <p:handoutMasterId r:id="rId33"/>
+    <p:handoutMasterId r:id="rId30"/>
   </p:handoutMasterIdLst>
   <p:sldIdLst>
     <p:sldId id="281" r:id="rId2"/>
@@ -32,20 +32,17 @@
     <p:sldId id="504" r:id="rId20"/>
     <p:sldId id="505" r:id="rId21"/>
     <p:sldId id="506" r:id="rId22"/>
-    <p:sldId id="512" r:id="rId23"/>
-    <p:sldId id="513" r:id="rId24"/>
-    <p:sldId id="507" r:id="rId25"/>
-    <p:sldId id="508" r:id="rId26"/>
-    <p:sldId id="515" r:id="rId27"/>
-    <p:sldId id="516" r:id="rId28"/>
-    <p:sldId id="517" r:id="rId29"/>
-    <p:sldId id="518" r:id="rId30"/>
-    <p:sldId id="370" r:id="rId31"/>
+    <p:sldId id="515" r:id="rId23"/>
+    <p:sldId id="512" r:id="rId24"/>
+    <p:sldId id="516" r:id="rId25"/>
+    <p:sldId id="507" r:id="rId26"/>
+    <p:sldId id="508" r:id="rId27"/>
+    <p:sldId id="370" r:id="rId28"/>
   </p:sldIdLst>
   <p:sldSz cx="9144000" cy="6858000" type="screen4x3"/>
   <p:notesSz cx="7099300" cy="10234613"/>
   <p:custDataLst>
-    <p:tags r:id="rId34"/>
+    <p:tags r:id="rId31"/>
   </p:custDataLst>
   <p:defaultTextStyle>
     <a:defPPr>
@@ -2580,35 +2577,14 @@
         </dgm:presLayoutVars>
       </dgm:prSet>
       <dgm:spPr/>
-      <dgm:t>
-        <a:bodyPr/>
-        <a:lstStyle/>
-        <a:p>
-          <a:endParaRPr lang="en-US"/>
-        </a:p>
-      </dgm:t>
     </dgm:pt>
     <dgm:pt modelId="{4B5D39CA-8147-4B81-8770-5E31FC6D1CFB}" type="pres">
       <dgm:prSet presAssocID="{91D0FCC9-0385-42AC-A8E5-78283D5D669C}" presName="sibTrans" presStyleLbl="sibTrans2D1" presStyleIdx="0" presStyleCnt="3"/>
       <dgm:spPr/>
-      <dgm:t>
-        <a:bodyPr/>
-        <a:lstStyle/>
-        <a:p>
-          <a:endParaRPr lang="en-US"/>
-        </a:p>
-      </dgm:t>
     </dgm:pt>
     <dgm:pt modelId="{41341A21-0806-411D-A443-625FA97E4491}" type="pres">
       <dgm:prSet presAssocID="{91D0FCC9-0385-42AC-A8E5-78283D5D669C}" presName="connectorText" presStyleLbl="sibTrans2D1" presStyleIdx="0" presStyleCnt="3"/>
       <dgm:spPr/>
-      <dgm:t>
-        <a:bodyPr/>
-        <a:lstStyle/>
-        <a:p>
-          <a:endParaRPr lang="en-US"/>
-        </a:p>
-      </dgm:t>
     </dgm:pt>
     <dgm:pt modelId="{EA5BC1ED-EB03-45BA-BC56-621EEE9BEBD1}" type="pres">
       <dgm:prSet presAssocID="{92249E20-58D4-4E75-BB12-FE5FBD54F135}" presName="node" presStyleLbl="node1" presStyleIdx="1" presStyleCnt="4">
@@ -2617,35 +2593,14 @@
         </dgm:presLayoutVars>
       </dgm:prSet>
       <dgm:spPr/>
-      <dgm:t>
-        <a:bodyPr/>
-        <a:lstStyle/>
-        <a:p>
-          <a:endParaRPr lang="en-US"/>
-        </a:p>
-      </dgm:t>
     </dgm:pt>
     <dgm:pt modelId="{95B3EF49-35D3-4519-9F1F-B39D5A0566E4}" type="pres">
       <dgm:prSet presAssocID="{0B72DC99-4E95-4ADB-960C-E769354E6A5D}" presName="sibTrans" presStyleLbl="sibTrans2D1" presStyleIdx="1" presStyleCnt="3"/>
       <dgm:spPr/>
-      <dgm:t>
-        <a:bodyPr/>
-        <a:lstStyle/>
-        <a:p>
-          <a:endParaRPr lang="en-US"/>
-        </a:p>
-      </dgm:t>
     </dgm:pt>
     <dgm:pt modelId="{9B203DD1-3145-4590-8ACC-2517ACFE25A8}" type="pres">
       <dgm:prSet presAssocID="{0B72DC99-4E95-4ADB-960C-E769354E6A5D}" presName="connectorText" presStyleLbl="sibTrans2D1" presStyleIdx="1" presStyleCnt="3"/>
       <dgm:spPr/>
-      <dgm:t>
-        <a:bodyPr/>
-        <a:lstStyle/>
-        <a:p>
-          <a:endParaRPr lang="en-US"/>
-        </a:p>
-      </dgm:t>
     </dgm:pt>
     <dgm:pt modelId="{A37733E1-C31E-4430-AEEA-7CC4BDFAF84B}" type="pres">
       <dgm:prSet presAssocID="{38DD500D-6BEB-44F1-A480-39EBC85B7D1B}" presName="node" presStyleLbl="node1" presStyleIdx="2" presStyleCnt="4">
@@ -2654,35 +2609,14 @@
         </dgm:presLayoutVars>
       </dgm:prSet>
       <dgm:spPr/>
-      <dgm:t>
-        <a:bodyPr/>
-        <a:lstStyle/>
-        <a:p>
-          <a:endParaRPr lang="en-US"/>
-        </a:p>
-      </dgm:t>
     </dgm:pt>
     <dgm:pt modelId="{7300E7F4-ED3F-436A-A1F0-90BEABB46E71}" type="pres">
       <dgm:prSet presAssocID="{6D1E928F-781F-462C-A8AC-2A960BFDA67A}" presName="sibTrans" presStyleLbl="sibTrans2D1" presStyleIdx="2" presStyleCnt="3"/>
       <dgm:spPr/>
-      <dgm:t>
-        <a:bodyPr/>
-        <a:lstStyle/>
-        <a:p>
-          <a:endParaRPr lang="en-US"/>
-        </a:p>
-      </dgm:t>
     </dgm:pt>
     <dgm:pt modelId="{D7B13FD1-4A98-4993-ACFA-933B70FB5D81}" type="pres">
       <dgm:prSet presAssocID="{6D1E928F-781F-462C-A8AC-2A960BFDA67A}" presName="connectorText" presStyleLbl="sibTrans2D1" presStyleIdx="2" presStyleCnt="3"/>
       <dgm:spPr/>
-      <dgm:t>
-        <a:bodyPr/>
-        <a:lstStyle/>
-        <a:p>
-          <a:endParaRPr lang="en-US"/>
-        </a:p>
-      </dgm:t>
     </dgm:pt>
     <dgm:pt modelId="{F65F4BF1-A7B9-4C27-8B28-16C04C25982E}" type="pres">
       <dgm:prSet presAssocID="{764C4D4F-B7F7-4995-9F46-8E01C62C581B}" presName="node" presStyleLbl="node1" presStyleIdx="3" presStyleCnt="4">
@@ -2691,30 +2625,23 @@
         </dgm:presLayoutVars>
       </dgm:prSet>
       <dgm:spPr/>
-      <dgm:t>
-        <a:bodyPr/>
-        <a:lstStyle/>
-        <a:p>
-          <a:endParaRPr lang="en-US"/>
-        </a:p>
-      </dgm:t>
     </dgm:pt>
   </dgm:ptLst>
   <dgm:cxnLst>
-    <dgm:cxn modelId="{3EBFAACE-A4CF-4057-9EC8-3A59330D069F}" type="presOf" srcId="{69C95212-ACBD-498E-A011-59076A4285CB}" destId="{4D4E5D9B-DE30-46F3-864F-B20CBCB47B81}" srcOrd="0" destOrd="0" presId="urn:microsoft.com/office/officeart/2005/8/layout/process1"/>
-    <dgm:cxn modelId="{2D076695-4491-4B11-95EC-7786C59603C3}" type="presOf" srcId="{0B72DC99-4E95-4ADB-960C-E769354E6A5D}" destId="{95B3EF49-35D3-4519-9F1F-B39D5A0566E4}" srcOrd="0" destOrd="0" presId="urn:microsoft.com/office/officeart/2005/8/layout/process1"/>
-    <dgm:cxn modelId="{05EBE6A4-21D9-4E6D-96DC-9D3E50C88595}" type="presOf" srcId="{38DD500D-6BEB-44F1-A480-39EBC85B7D1B}" destId="{A37733E1-C31E-4430-AEEA-7CC4BDFAF84B}" srcOrd="0" destOrd="0" presId="urn:microsoft.com/office/officeart/2005/8/layout/process1"/>
+    <dgm:cxn modelId="{23BC981F-CC7C-4D5F-91BD-DE6EC72DB040}" srcId="{9496E0A2-784B-483A-9A32-E68AF617843D}" destId="{69C95212-ACBD-498E-A011-59076A4285CB}" srcOrd="0" destOrd="0" parTransId="{BF3D5BE3-835C-4027-9271-54CEA95A0702}" sibTransId="{91D0FCC9-0385-42AC-A8E5-78283D5D669C}"/>
+    <dgm:cxn modelId="{01F09420-6EB0-4A7F-B4CE-2315FD06751C}" type="presOf" srcId="{6D1E928F-781F-462C-A8AC-2A960BFDA67A}" destId="{D7B13FD1-4A98-4993-ACFA-933B70FB5D81}" srcOrd="1" destOrd="0" presId="urn:microsoft.com/office/officeart/2005/8/layout/process1"/>
+    <dgm:cxn modelId="{31005A28-3819-43FC-A794-27C122A41925}" srcId="{9496E0A2-784B-483A-9A32-E68AF617843D}" destId="{38DD500D-6BEB-44F1-A480-39EBC85B7D1B}" srcOrd="2" destOrd="0" parTransId="{3CE2BC79-A484-4240-A2CB-1BC232A1E53F}" sibTransId="{6D1E928F-781F-462C-A8AC-2A960BFDA67A}"/>
     <dgm:cxn modelId="{B7AF3A68-AEB3-4860-978B-B262BEBB9ECB}" type="presOf" srcId="{6D1E928F-781F-462C-A8AC-2A960BFDA67A}" destId="{7300E7F4-ED3F-436A-A1F0-90BEABB46E71}" srcOrd="0" destOrd="0" presId="urn:microsoft.com/office/officeart/2005/8/layout/process1"/>
-    <dgm:cxn modelId="{31005A28-3819-43FC-A794-27C122A41925}" srcId="{9496E0A2-784B-483A-9A32-E68AF617843D}" destId="{38DD500D-6BEB-44F1-A480-39EBC85B7D1B}" srcOrd="2" destOrd="0" parTransId="{3CE2BC79-A484-4240-A2CB-1BC232A1E53F}" sibTransId="{6D1E928F-781F-462C-A8AC-2A960BFDA67A}"/>
-    <dgm:cxn modelId="{01F09420-6EB0-4A7F-B4CE-2315FD06751C}" type="presOf" srcId="{6D1E928F-781F-462C-A8AC-2A960BFDA67A}" destId="{D7B13FD1-4A98-4993-ACFA-933B70FB5D81}" srcOrd="1" destOrd="0" presId="urn:microsoft.com/office/officeart/2005/8/layout/process1"/>
-    <dgm:cxn modelId="{1530AF90-D573-4EFA-A3BC-840C3370D71B}" srcId="{9496E0A2-784B-483A-9A32-E68AF617843D}" destId="{764C4D4F-B7F7-4995-9F46-8E01C62C581B}" srcOrd="3" destOrd="0" parTransId="{A6A82594-4016-4707-8656-642BA426B3D4}" sibTransId="{356D9044-9DCA-4929-92DF-A2BDE3B61A47}"/>
-    <dgm:cxn modelId="{D1CF8BBB-F3E6-4482-8B69-D1BE9774788E}" type="presOf" srcId="{91D0FCC9-0385-42AC-A8E5-78283D5D669C}" destId="{4B5D39CA-8147-4B81-8770-5E31FC6D1CFB}" srcOrd="0" destOrd="0" presId="urn:microsoft.com/office/officeart/2005/8/layout/process1"/>
-    <dgm:cxn modelId="{5E0FD1A2-149D-4CF9-AEE7-688223EDC542}" type="presOf" srcId="{764C4D4F-B7F7-4995-9F46-8E01C62C581B}" destId="{F65F4BF1-A7B9-4C27-8B28-16C04C25982E}" srcOrd="0" destOrd="0" presId="urn:microsoft.com/office/officeart/2005/8/layout/process1"/>
-    <dgm:cxn modelId="{79D506E8-F752-4BA4-B280-EF0BEBC86F63}" srcId="{9496E0A2-784B-483A-9A32-E68AF617843D}" destId="{92249E20-58D4-4E75-BB12-FE5FBD54F135}" srcOrd="1" destOrd="0" parTransId="{105B3AA3-CBE4-4ECA-BC44-B6DCA5E7A036}" sibTransId="{0B72DC99-4E95-4ADB-960C-E769354E6A5D}"/>
-    <dgm:cxn modelId="{23BC981F-CC7C-4D5F-91BD-DE6EC72DB040}" srcId="{9496E0A2-784B-483A-9A32-E68AF617843D}" destId="{69C95212-ACBD-498E-A011-59076A4285CB}" srcOrd="0" destOrd="0" parTransId="{BF3D5BE3-835C-4027-9271-54CEA95A0702}" sibTransId="{91D0FCC9-0385-42AC-A8E5-78283D5D669C}"/>
     <dgm:cxn modelId="{F4BB5269-9705-4D80-8BF8-3B73A8F8EE8D}" type="presOf" srcId="{91D0FCC9-0385-42AC-A8E5-78283D5D669C}" destId="{41341A21-0806-411D-A443-625FA97E4491}" srcOrd="1" destOrd="0" presId="urn:microsoft.com/office/officeart/2005/8/layout/process1"/>
     <dgm:cxn modelId="{FEAE6454-4E5D-4190-8A76-D27FC4FC4790}" type="presOf" srcId="{9496E0A2-784B-483A-9A32-E68AF617843D}" destId="{9EA8A120-7984-4A2B-9532-24393BA5D7A2}" srcOrd="0" destOrd="0" presId="urn:microsoft.com/office/officeart/2005/8/layout/process1"/>
     <dgm:cxn modelId="{F8BD9F76-8AA1-4A33-B686-C2C5DEA97305}" type="presOf" srcId="{0B72DC99-4E95-4ADB-960C-E769354E6A5D}" destId="{9B203DD1-3145-4590-8ACC-2517ACFE25A8}" srcOrd="1" destOrd="0" presId="urn:microsoft.com/office/officeart/2005/8/layout/process1"/>
+    <dgm:cxn modelId="{1530AF90-D573-4EFA-A3BC-840C3370D71B}" srcId="{9496E0A2-784B-483A-9A32-E68AF617843D}" destId="{764C4D4F-B7F7-4995-9F46-8E01C62C581B}" srcOrd="3" destOrd="0" parTransId="{A6A82594-4016-4707-8656-642BA426B3D4}" sibTransId="{356D9044-9DCA-4929-92DF-A2BDE3B61A47}"/>
+    <dgm:cxn modelId="{2D076695-4491-4B11-95EC-7786C59603C3}" type="presOf" srcId="{0B72DC99-4E95-4ADB-960C-E769354E6A5D}" destId="{95B3EF49-35D3-4519-9F1F-B39D5A0566E4}" srcOrd="0" destOrd="0" presId="urn:microsoft.com/office/officeart/2005/8/layout/process1"/>
+    <dgm:cxn modelId="{5E0FD1A2-149D-4CF9-AEE7-688223EDC542}" type="presOf" srcId="{764C4D4F-B7F7-4995-9F46-8E01C62C581B}" destId="{F65F4BF1-A7B9-4C27-8B28-16C04C25982E}" srcOrd="0" destOrd="0" presId="urn:microsoft.com/office/officeart/2005/8/layout/process1"/>
+    <dgm:cxn modelId="{05EBE6A4-21D9-4E6D-96DC-9D3E50C88595}" type="presOf" srcId="{38DD500D-6BEB-44F1-A480-39EBC85B7D1B}" destId="{A37733E1-C31E-4430-AEEA-7CC4BDFAF84B}" srcOrd="0" destOrd="0" presId="urn:microsoft.com/office/officeart/2005/8/layout/process1"/>
+    <dgm:cxn modelId="{D1CF8BBB-F3E6-4482-8B69-D1BE9774788E}" type="presOf" srcId="{91D0FCC9-0385-42AC-A8E5-78283D5D669C}" destId="{4B5D39CA-8147-4B81-8770-5E31FC6D1CFB}" srcOrd="0" destOrd="0" presId="urn:microsoft.com/office/officeart/2005/8/layout/process1"/>
+    <dgm:cxn modelId="{3EBFAACE-A4CF-4057-9EC8-3A59330D069F}" type="presOf" srcId="{69C95212-ACBD-498E-A011-59076A4285CB}" destId="{4D4E5D9B-DE30-46F3-864F-B20CBCB47B81}" srcOrd="0" destOrd="0" presId="urn:microsoft.com/office/officeart/2005/8/layout/process1"/>
+    <dgm:cxn modelId="{79D506E8-F752-4BA4-B280-EF0BEBC86F63}" srcId="{9496E0A2-784B-483A-9A32-E68AF617843D}" destId="{92249E20-58D4-4E75-BB12-FE5FBD54F135}" srcOrd="1" destOrd="0" parTransId="{105B3AA3-CBE4-4ECA-BC44-B6DCA5E7A036}" sibTransId="{0B72DC99-4E95-4ADB-960C-E769354E6A5D}"/>
     <dgm:cxn modelId="{099D99FB-52B2-434C-BA10-1675505A420B}" type="presOf" srcId="{92249E20-58D4-4E75-BB12-FE5FBD54F135}" destId="{EA5BC1ED-EB03-45BA-BC56-621EEE9BEBD1}" srcOrd="0" destOrd="0" presId="urn:microsoft.com/office/officeart/2005/8/layout/process1"/>
     <dgm:cxn modelId="{DA8115C2-D2F4-4CCB-9D90-0A509018B8F1}" type="presParOf" srcId="{9EA8A120-7984-4A2B-9532-24393BA5D7A2}" destId="{4D4E5D9B-DE30-46F3-864F-B20CBCB47B81}" srcOrd="0" destOrd="0" presId="urn:microsoft.com/office/officeart/2005/8/layout/process1"/>
     <dgm:cxn modelId="{0C3F32CC-6A85-4291-B66A-941971627454}" type="presParOf" srcId="{9EA8A120-7984-4A2B-9532-24393BA5D7A2}" destId="{4B5D39CA-8147-4B81-8770-5E31FC6D1CFB}" srcOrd="1" destOrd="0" presId="urn:microsoft.com/office/officeart/2005/8/layout/process1"/>
@@ -3106,13 +3033,6 @@
         </dgm:presLayoutVars>
       </dgm:prSet>
       <dgm:spPr/>
-      <dgm:t>
-        <a:bodyPr/>
-        <a:lstStyle/>
-        <a:p>
-          <a:endParaRPr lang="en-US"/>
-        </a:p>
-      </dgm:t>
     </dgm:pt>
     <dgm:pt modelId="{189D6A4B-21E2-4FCD-A1A9-B0A37070679D}" type="pres">
       <dgm:prSet presAssocID="{6909E702-DF4A-4621-83E4-C7AE51A47D48}" presName="node" presStyleLbl="node1" presStyleIdx="0" presStyleCnt="8">
@@ -3121,35 +3041,14 @@
         </dgm:presLayoutVars>
       </dgm:prSet>
       <dgm:spPr/>
-      <dgm:t>
-        <a:bodyPr/>
-        <a:lstStyle/>
-        <a:p>
-          <a:endParaRPr lang="en-US"/>
-        </a:p>
-      </dgm:t>
     </dgm:pt>
     <dgm:pt modelId="{E5D9E9D1-B554-4B69-88C2-23DB15039166}" type="pres">
       <dgm:prSet presAssocID="{76AC9EB8-B499-4014-9C2D-CF84A71AB784}" presName="sibTrans" presStyleLbl="sibTrans2D1" presStyleIdx="0" presStyleCnt="7"/>
       <dgm:spPr/>
-      <dgm:t>
-        <a:bodyPr/>
-        <a:lstStyle/>
-        <a:p>
-          <a:endParaRPr lang="en-US"/>
-        </a:p>
-      </dgm:t>
     </dgm:pt>
     <dgm:pt modelId="{7BEE8685-09E9-4964-906A-51AD9B41B2B2}" type="pres">
       <dgm:prSet presAssocID="{76AC9EB8-B499-4014-9C2D-CF84A71AB784}" presName="connectorText" presStyleLbl="sibTrans2D1" presStyleIdx="0" presStyleCnt="7"/>
       <dgm:spPr/>
-      <dgm:t>
-        <a:bodyPr/>
-        <a:lstStyle/>
-        <a:p>
-          <a:endParaRPr lang="en-US"/>
-        </a:p>
-      </dgm:t>
     </dgm:pt>
     <dgm:pt modelId="{D5C5BD5A-4727-46B4-AED3-2156E2F1911C}" type="pres">
       <dgm:prSet presAssocID="{16DB864F-1D40-4E34-8BD9-F1C660CD2CFB}" presName="node" presStyleLbl="node1" presStyleIdx="1" presStyleCnt="8" custScaleX="177674">
@@ -3158,35 +3057,14 @@
         </dgm:presLayoutVars>
       </dgm:prSet>
       <dgm:spPr/>
-      <dgm:t>
-        <a:bodyPr/>
-        <a:lstStyle/>
-        <a:p>
-          <a:endParaRPr lang="en-US"/>
-        </a:p>
-      </dgm:t>
     </dgm:pt>
     <dgm:pt modelId="{70E8EFBD-24AF-49C1-AB74-E0E433B72786}" type="pres">
       <dgm:prSet presAssocID="{0CC9A380-740E-4425-AC43-31F4F13B3004}" presName="sibTrans" presStyleLbl="sibTrans2D1" presStyleIdx="1" presStyleCnt="7"/>
       <dgm:spPr/>
-      <dgm:t>
-        <a:bodyPr/>
-        <a:lstStyle/>
-        <a:p>
-          <a:endParaRPr lang="en-US"/>
-        </a:p>
-      </dgm:t>
     </dgm:pt>
     <dgm:pt modelId="{6C363702-4613-491B-B93A-F5677269E603}" type="pres">
       <dgm:prSet presAssocID="{0CC9A380-740E-4425-AC43-31F4F13B3004}" presName="connectorText" presStyleLbl="sibTrans2D1" presStyleIdx="1" presStyleCnt="7"/>
       <dgm:spPr/>
-      <dgm:t>
-        <a:bodyPr/>
-        <a:lstStyle/>
-        <a:p>
-          <a:endParaRPr lang="en-US"/>
-        </a:p>
-      </dgm:t>
     </dgm:pt>
     <dgm:pt modelId="{5E07831F-96AB-45D4-BDD8-76735DEC4F3D}" type="pres">
       <dgm:prSet presAssocID="{B0120D59-46F5-4609-8A90-D19147655A7C}" presName="node" presStyleLbl="node1" presStyleIdx="2" presStyleCnt="8" custScaleX="178712">
@@ -3195,35 +3073,14 @@
         </dgm:presLayoutVars>
       </dgm:prSet>
       <dgm:spPr/>
-      <dgm:t>
-        <a:bodyPr/>
-        <a:lstStyle/>
-        <a:p>
-          <a:endParaRPr lang="en-US"/>
-        </a:p>
-      </dgm:t>
     </dgm:pt>
     <dgm:pt modelId="{C3ADE6CA-9FE3-4A69-9EF9-3DEB92BC6215}" type="pres">
       <dgm:prSet presAssocID="{05504F13-8F6D-4A96-A060-7C7C04BCCDC5}" presName="sibTrans" presStyleLbl="sibTrans2D1" presStyleIdx="2" presStyleCnt="7"/>
       <dgm:spPr/>
-      <dgm:t>
-        <a:bodyPr/>
-        <a:lstStyle/>
-        <a:p>
-          <a:endParaRPr lang="en-US"/>
-        </a:p>
-      </dgm:t>
     </dgm:pt>
     <dgm:pt modelId="{FC02DA56-149D-4855-9DCF-0DD82448A01C}" type="pres">
       <dgm:prSet presAssocID="{05504F13-8F6D-4A96-A060-7C7C04BCCDC5}" presName="connectorText" presStyleLbl="sibTrans2D1" presStyleIdx="2" presStyleCnt="7"/>
       <dgm:spPr/>
-      <dgm:t>
-        <a:bodyPr/>
-        <a:lstStyle/>
-        <a:p>
-          <a:endParaRPr lang="en-US"/>
-        </a:p>
-      </dgm:t>
     </dgm:pt>
     <dgm:pt modelId="{015423F5-9245-4C68-91D2-E0D99B323ECB}" type="pres">
       <dgm:prSet presAssocID="{4E8DDCF5-1131-4B7B-8DC9-CA1D909DEB4C}" presName="node" presStyleLbl="node1" presStyleIdx="3" presStyleCnt="8" custScaleX="181548">
@@ -3232,35 +3089,14 @@
         </dgm:presLayoutVars>
       </dgm:prSet>
       <dgm:spPr/>
-      <dgm:t>
-        <a:bodyPr/>
-        <a:lstStyle/>
-        <a:p>
-          <a:endParaRPr lang="en-US"/>
-        </a:p>
-      </dgm:t>
     </dgm:pt>
     <dgm:pt modelId="{BB051662-59CA-41A7-A56A-FFBA00380174}" type="pres">
       <dgm:prSet presAssocID="{1E64BDA1-8C1C-4293-9ECF-B16190F3555C}" presName="sibTrans" presStyleLbl="sibTrans2D1" presStyleIdx="3" presStyleCnt="7"/>
       <dgm:spPr/>
-      <dgm:t>
-        <a:bodyPr/>
-        <a:lstStyle/>
-        <a:p>
-          <a:endParaRPr lang="en-US"/>
-        </a:p>
-      </dgm:t>
     </dgm:pt>
     <dgm:pt modelId="{85ACBFE3-ED12-472D-9155-8AECC46A625D}" type="pres">
       <dgm:prSet presAssocID="{1E64BDA1-8C1C-4293-9ECF-B16190F3555C}" presName="connectorText" presStyleLbl="sibTrans2D1" presStyleIdx="3" presStyleCnt="7"/>
       <dgm:spPr/>
-      <dgm:t>
-        <a:bodyPr/>
-        <a:lstStyle/>
-        <a:p>
-          <a:endParaRPr lang="en-US"/>
-        </a:p>
-      </dgm:t>
     </dgm:pt>
     <dgm:pt modelId="{DE8A9ADE-4EA7-4E5F-9B22-8F0A88EF3F94}" type="pres">
       <dgm:prSet presAssocID="{6BB4A08D-9009-408D-A672-847AAAD9D481}" presName="node" presStyleLbl="node1" presStyleIdx="4" presStyleCnt="8" custScaleX="184493">
@@ -3269,35 +3105,14 @@
         </dgm:presLayoutVars>
       </dgm:prSet>
       <dgm:spPr/>
-      <dgm:t>
-        <a:bodyPr/>
-        <a:lstStyle/>
-        <a:p>
-          <a:endParaRPr lang="en-US"/>
-        </a:p>
-      </dgm:t>
     </dgm:pt>
     <dgm:pt modelId="{99F1D40A-DB5B-4C5D-98D8-82EDE31912FE}" type="pres">
       <dgm:prSet presAssocID="{F27D3CED-FAAD-45A0-B25C-96C0B097E61C}" presName="sibTrans" presStyleLbl="sibTrans2D1" presStyleIdx="4" presStyleCnt="7"/>
       <dgm:spPr/>
-      <dgm:t>
-        <a:bodyPr/>
-        <a:lstStyle/>
-        <a:p>
-          <a:endParaRPr lang="en-US"/>
-        </a:p>
-      </dgm:t>
     </dgm:pt>
     <dgm:pt modelId="{228957F4-EE3C-408A-83BB-E73D4ED2802F}" type="pres">
       <dgm:prSet presAssocID="{F27D3CED-FAAD-45A0-B25C-96C0B097E61C}" presName="connectorText" presStyleLbl="sibTrans2D1" presStyleIdx="4" presStyleCnt="7"/>
       <dgm:spPr/>
-      <dgm:t>
-        <a:bodyPr/>
-        <a:lstStyle/>
-        <a:p>
-          <a:endParaRPr lang="en-US"/>
-        </a:p>
-      </dgm:t>
     </dgm:pt>
     <dgm:pt modelId="{52BF1B02-38BA-490D-B49F-F7F428D4159F}" type="pres">
       <dgm:prSet presAssocID="{F77B9BF5-4593-4B18-BA5C-8BE2B8071A44}" presName="node" presStyleLbl="node1" presStyleIdx="5" presStyleCnt="8" custScaleX="183378">
@@ -3306,35 +3121,14 @@
         </dgm:presLayoutVars>
       </dgm:prSet>
       <dgm:spPr/>
-      <dgm:t>
-        <a:bodyPr/>
-        <a:lstStyle/>
-        <a:p>
-          <a:endParaRPr lang="en-US"/>
-        </a:p>
-      </dgm:t>
     </dgm:pt>
     <dgm:pt modelId="{FFAB1546-EE89-4905-B200-014D9D15DEB5}" type="pres">
       <dgm:prSet presAssocID="{B8A5FD80-BDA8-4DB0-BAA6-7D996DB83F32}" presName="sibTrans" presStyleLbl="sibTrans2D1" presStyleIdx="5" presStyleCnt="7"/>
       <dgm:spPr/>
-      <dgm:t>
-        <a:bodyPr/>
-        <a:lstStyle/>
-        <a:p>
-          <a:endParaRPr lang="en-US"/>
-        </a:p>
-      </dgm:t>
     </dgm:pt>
     <dgm:pt modelId="{F99DF6A8-FCCC-45FE-984E-74BB5D13A325}" type="pres">
       <dgm:prSet presAssocID="{B8A5FD80-BDA8-4DB0-BAA6-7D996DB83F32}" presName="connectorText" presStyleLbl="sibTrans2D1" presStyleIdx="5" presStyleCnt="7"/>
       <dgm:spPr/>
-      <dgm:t>
-        <a:bodyPr/>
-        <a:lstStyle/>
-        <a:p>
-          <a:endParaRPr lang="en-US"/>
-        </a:p>
-      </dgm:t>
     </dgm:pt>
     <dgm:pt modelId="{CFBA9DB8-BD38-47A9-83E9-C039D73A7363}" type="pres">
       <dgm:prSet presAssocID="{44D9E930-28F8-42A2-AEDE-C2AF9832F680}" presName="node" presStyleLbl="node1" presStyleIdx="6" presStyleCnt="8" custScaleX="187609">
@@ -3343,35 +3137,14 @@
         </dgm:presLayoutVars>
       </dgm:prSet>
       <dgm:spPr/>
-      <dgm:t>
-        <a:bodyPr/>
-        <a:lstStyle/>
-        <a:p>
-          <a:endParaRPr lang="en-US"/>
-        </a:p>
-      </dgm:t>
     </dgm:pt>
     <dgm:pt modelId="{AA747EB2-8553-4BFB-A459-0AE4760BF603}" type="pres">
       <dgm:prSet presAssocID="{BEF039B9-78B3-44AC-BCD2-D5D97EFF241A}" presName="sibTrans" presStyleLbl="sibTrans2D1" presStyleIdx="6" presStyleCnt="7"/>
       <dgm:spPr/>
-      <dgm:t>
-        <a:bodyPr/>
-        <a:lstStyle/>
-        <a:p>
-          <a:endParaRPr lang="en-US"/>
-        </a:p>
-      </dgm:t>
     </dgm:pt>
     <dgm:pt modelId="{6B4A65B5-2DFC-4228-9C5F-110DC47622B7}" type="pres">
       <dgm:prSet presAssocID="{BEF039B9-78B3-44AC-BCD2-D5D97EFF241A}" presName="connectorText" presStyleLbl="sibTrans2D1" presStyleIdx="6" presStyleCnt="7"/>
       <dgm:spPr/>
-      <dgm:t>
-        <a:bodyPr/>
-        <a:lstStyle/>
-        <a:p>
-          <a:endParaRPr lang="en-US"/>
-        </a:p>
-      </dgm:t>
     </dgm:pt>
     <dgm:pt modelId="{C66BF0E9-CB5D-486D-B436-1555A05A59F0}" type="pres">
       <dgm:prSet presAssocID="{9A14F079-F04B-4CC9-9700-618484CACBA1}" presName="node" presStyleLbl="node1" presStyleIdx="7" presStyleCnt="8">
@@ -3380,46 +3153,39 @@
         </dgm:presLayoutVars>
       </dgm:prSet>
       <dgm:spPr/>
-      <dgm:t>
-        <a:bodyPr/>
-        <a:lstStyle/>
-        <a:p>
-          <a:endParaRPr lang="en-US"/>
-        </a:p>
-      </dgm:t>
     </dgm:pt>
   </dgm:ptLst>
   <dgm:cxnLst>
-    <dgm:cxn modelId="{CA6ECBB7-3C85-4C7D-B933-A652218F8480}" type="presOf" srcId="{76AC9EB8-B499-4014-9C2D-CF84A71AB784}" destId="{E5D9E9D1-B554-4B69-88C2-23DB15039166}" srcOrd="0" destOrd="0" presId="urn:microsoft.com/office/officeart/2005/8/layout/process2"/>
+    <dgm:cxn modelId="{1B41AA09-DD62-4EB7-9BBC-88AFF9167CB2}" type="presOf" srcId="{BEF039B9-78B3-44AC-BCD2-D5D97EFF241A}" destId="{6B4A65B5-2DFC-4228-9C5F-110DC47622B7}" srcOrd="1" destOrd="0" presId="urn:microsoft.com/office/officeart/2005/8/layout/process2"/>
+    <dgm:cxn modelId="{CCBB2E18-AEAA-4DC0-9E3C-F88CDCA45059}" type="presOf" srcId="{F27D3CED-FAAD-45A0-B25C-96C0B097E61C}" destId="{228957F4-EE3C-408A-83BB-E73D4ED2802F}" srcOrd="1" destOrd="0" presId="urn:microsoft.com/office/officeart/2005/8/layout/process2"/>
+    <dgm:cxn modelId="{F848FD1B-9938-40DA-B871-80D23B94C0A1}" srcId="{831248B5-42BE-41CC-B00B-93FDF821FE9F}" destId="{6BB4A08D-9009-408D-A672-847AAAD9D481}" srcOrd="4" destOrd="0" parTransId="{41DA4F41-3DCF-4131-AA4C-8DFB2599D393}" sibTransId="{F27D3CED-FAAD-45A0-B25C-96C0B097E61C}"/>
+    <dgm:cxn modelId="{417CA51D-93DA-40F2-8DB1-5C199B54D276}" type="presOf" srcId="{6909E702-DF4A-4621-83E4-C7AE51A47D48}" destId="{189D6A4B-21E2-4FCD-A1A9-B0A37070679D}" srcOrd="0" destOrd="0" presId="urn:microsoft.com/office/officeart/2005/8/layout/process2"/>
+    <dgm:cxn modelId="{D497E32E-9E75-4ED1-AB75-FDC6416370FF}" type="presOf" srcId="{1E64BDA1-8C1C-4293-9ECF-B16190F3555C}" destId="{85ACBFE3-ED12-472D-9155-8AECC46A625D}" srcOrd="1" destOrd="0" presId="urn:microsoft.com/office/officeart/2005/8/layout/process2"/>
+    <dgm:cxn modelId="{6B5C7332-53C1-44A1-987C-DD115C27287D}" type="presOf" srcId="{B0120D59-46F5-4609-8A90-D19147655A7C}" destId="{5E07831F-96AB-45D4-BDD8-76735DEC4F3D}" srcOrd="0" destOrd="0" presId="urn:microsoft.com/office/officeart/2005/8/layout/process2"/>
+    <dgm:cxn modelId="{94C5DB3A-31F4-43ED-AF25-F5889F60EB0E}" type="presOf" srcId="{4E8DDCF5-1131-4B7B-8DC9-CA1D909DEB4C}" destId="{015423F5-9245-4C68-91D2-E0D99B323ECB}" srcOrd="0" destOrd="0" presId="urn:microsoft.com/office/officeart/2005/8/layout/process2"/>
+    <dgm:cxn modelId="{67A6795E-B981-4D59-8045-63955DC05E94}" type="presOf" srcId="{B8A5FD80-BDA8-4DB0-BAA6-7D996DB83F32}" destId="{F99DF6A8-FCCC-45FE-984E-74BB5D13A325}" srcOrd="1" destOrd="0" presId="urn:microsoft.com/office/officeart/2005/8/layout/process2"/>
     <dgm:cxn modelId="{B1AAA544-2A7A-462B-8263-6FCDC6C98228}" type="presOf" srcId="{0CC9A380-740E-4425-AC43-31F4F13B3004}" destId="{6C363702-4613-491B-B93A-F5677269E603}" srcOrd="1" destOrd="0" presId="urn:microsoft.com/office/officeart/2005/8/layout/process2"/>
-    <dgm:cxn modelId="{97036991-5E3A-46EC-8150-B28E18F668ED}" type="presOf" srcId="{1E64BDA1-8C1C-4293-9ECF-B16190F3555C}" destId="{BB051662-59CA-41A7-A56A-FFBA00380174}" srcOrd="0" destOrd="0" presId="urn:microsoft.com/office/officeart/2005/8/layout/process2"/>
-    <dgm:cxn modelId="{62E71CF5-02C6-426F-B29D-352D349A767B}" type="presOf" srcId="{831248B5-42BE-41CC-B00B-93FDF821FE9F}" destId="{D7B6869B-4E62-4ED6-98D4-117812227983}" srcOrd="0" destOrd="0" presId="urn:microsoft.com/office/officeart/2005/8/layout/process2"/>
-    <dgm:cxn modelId="{C1508D8D-DC9F-4A4C-B426-EDCB0C2D4635}" type="presOf" srcId="{BEF039B9-78B3-44AC-BCD2-D5D97EFF241A}" destId="{AA747EB2-8553-4BFB-A459-0AE4760BF603}" srcOrd="0" destOrd="0" presId="urn:microsoft.com/office/officeart/2005/8/layout/process2"/>
-    <dgm:cxn modelId="{9E8B0EC8-CDD5-4D01-BB78-42B94FC3B680}" srcId="{831248B5-42BE-41CC-B00B-93FDF821FE9F}" destId="{44D9E930-28F8-42A2-AEDE-C2AF9832F680}" srcOrd="6" destOrd="0" parTransId="{F461D74D-E1BE-4262-9A51-8AF93A2A9DAE}" sibTransId="{BEF039B9-78B3-44AC-BCD2-D5D97EFF241A}"/>
-    <dgm:cxn modelId="{AFB1F2F6-1307-4941-86BA-4A12F4B9B558}" type="presOf" srcId="{05504F13-8F6D-4A96-A060-7C7C04BCCDC5}" destId="{C3ADE6CA-9FE3-4A69-9EF9-3DEB92BC6215}" srcOrd="0" destOrd="0" presId="urn:microsoft.com/office/officeart/2005/8/layout/process2"/>
-    <dgm:cxn modelId="{417CA51D-93DA-40F2-8DB1-5C199B54D276}" type="presOf" srcId="{6909E702-DF4A-4621-83E4-C7AE51A47D48}" destId="{189D6A4B-21E2-4FCD-A1A9-B0A37070679D}" srcOrd="0" destOrd="0" presId="urn:microsoft.com/office/officeart/2005/8/layout/process2"/>
-    <dgm:cxn modelId="{D724B969-C453-40A9-A4DD-724E37D812DE}" type="presOf" srcId="{16DB864F-1D40-4E34-8BD9-F1C660CD2CFB}" destId="{D5C5BD5A-4727-46B4-AED3-2156E2F1911C}" srcOrd="0" destOrd="0" presId="urn:microsoft.com/office/officeart/2005/8/layout/process2"/>
-    <dgm:cxn modelId="{1B41AA09-DD62-4EB7-9BBC-88AFF9167CB2}" type="presOf" srcId="{BEF039B9-78B3-44AC-BCD2-D5D97EFF241A}" destId="{6B4A65B5-2DFC-4228-9C5F-110DC47622B7}" srcOrd="1" destOrd="0" presId="urn:microsoft.com/office/officeart/2005/8/layout/process2"/>
-    <dgm:cxn modelId="{F848FD1B-9938-40DA-B871-80D23B94C0A1}" srcId="{831248B5-42BE-41CC-B00B-93FDF821FE9F}" destId="{6BB4A08D-9009-408D-A672-847AAAD9D481}" srcOrd="4" destOrd="0" parTransId="{41DA4F41-3DCF-4131-AA4C-8DFB2599D393}" sibTransId="{F27D3CED-FAAD-45A0-B25C-96C0B097E61C}"/>
-    <dgm:cxn modelId="{74E0374E-C34F-4DBF-9C88-16D4690BFED2}" type="presOf" srcId="{F27D3CED-FAAD-45A0-B25C-96C0B097E61C}" destId="{99F1D40A-DB5B-4C5D-98D8-82EDE31912FE}" srcOrd="0" destOrd="0" presId="urn:microsoft.com/office/officeart/2005/8/layout/process2"/>
-    <dgm:cxn modelId="{E273DFAF-B31F-4432-9592-248697CD484E}" type="presOf" srcId="{0CC9A380-740E-4425-AC43-31F4F13B3004}" destId="{70E8EFBD-24AF-49C1-AB74-E0E433B72786}" srcOrd="0" destOrd="0" presId="urn:microsoft.com/office/officeart/2005/8/layout/process2"/>
-    <dgm:cxn modelId="{94C5DB3A-31F4-43ED-AF25-F5889F60EB0E}" type="presOf" srcId="{4E8DDCF5-1131-4B7B-8DC9-CA1D909DEB4C}" destId="{015423F5-9245-4C68-91D2-E0D99B323ECB}" srcOrd="0" destOrd="0" presId="urn:microsoft.com/office/officeart/2005/8/layout/process2"/>
     <dgm:cxn modelId="{3C976765-D4C8-4738-B7C4-C1318D78CD1F}" srcId="{831248B5-42BE-41CC-B00B-93FDF821FE9F}" destId="{6909E702-DF4A-4621-83E4-C7AE51A47D48}" srcOrd="0" destOrd="0" parTransId="{1DE2D664-EDBC-46EB-96F3-DDBF3F502ACD}" sibTransId="{76AC9EB8-B499-4014-9C2D-CF84A71AB784}"/>
     <dgm:cxn modelId="{F15E6F49-4000-47CC-8885-1783141097E5}" srcId="{831248B5-42BE-41CC-B00B-93FDF821FE9F}" destId="{9A14F079-F04B-4CC9-9700-618484CACBA1}" srcOrd="7" destOrd="0" parTransId="{6B6E3BE4-034D-49F9-B705-99516622DF0B}" sibTransId="{E9A69AA7-B434-477C-A848-F3319E85C266}"/>
-    <dgm:cxn modelId="{902323CF-0A5E-4ECB-AB85-D3ACCE8529C8}" type="presOf" srcId="{76AC9EB8-B499-4014-9C2D-CF84A71AB784}" destId="{7BEE8685-09E9-4964-906A-51AD9B41B2B2}" srcOrd="1" destOrd="0" presId="urn:microsoft.com/office/officeart/2005/8/layout/process2"/>
+    <dgm:cxn modelId="{D724B969-C453-40A9-A4DD-724E37D812DE}" type="presOf" srcId="{16DB864F-1D40-4E34-8BD9-F1C660CD2CFB}" destId="{D5C5BD5A-4727-46B4-AED3-2156E2F1911C}" srcOrd="0" destOrd="0" presId="urn:microsoft.com/office/officeart/2005/8/layout/process2"/>
+    <dgm:cxn modelId="{70AE856C-5F5E-4DEC-B46B-465564D97C8A}" type="presOf" srcId="{05504F13-8F6D-4A96-A060-7C7C04BCCDC5}" destId="{FC02DA56-149D-4855-9DCF-0DD82448A01C}" srcOrd="1" destOrd="0" presId="urn:microsoft.com/office/officeart/2005/8/layout/process2"/>
+    <dgm:cxn modelId="{74E0374E-C34F-4DBF-9C88-16D4690BFED2}" type="presOf" srcId="{F27D3CED-FAAD-45A0-B25C-96C0B097E61C}" destId="{99F1D40A-DB5B-4C5D-98D8-82EDE31912FE}" srcOrd="0" destOrd="0" presId="urn:microsoft.com/office/officeart/2005/8/layout/process2"/>
+    <dgm:cxn modelId="{C1508D8D-DC9F-4A4C-B426-EDCB0C2D4635}" type="presOf" srcId="{BEF039B9-78B3-44AC-BCD2-D5D97EFF241A}" destId="{AA747EB2-8553-4BFB-A459-0AE4760BF603}" srcOrd="0" destOrd="0" presId="urn:microsoft.com/office/officeart/2005/8/layout/process2"/>
+    <dgm:cxn modelId="{97036991-5E3A-46EC-8150-B28E18F668ED}" type="presOf" srcId="{1E64BDA1-8C1C-4293-9ECF-B16190F3555C}" destId="{BB051662-59CA-41A7-A56A-FFBA00380174}" srcOrd="0" destOrd="0" presId="urn:microsoft.com/office/officeart/2005/8/layout/process2"/>
+    <dgm:cxn modelId="{1FAAEAA8-DA69-4D24-A321-784C7150EC4E}" srcId="{831248B5-42BE-41CC-B00B-93FDF821FE9F}" destId="{16DB864F-1D40-4E34-8BD9-F1C660CD2CFB}" srcOrd="1" destOrd="0" parTransId="{93C0F5D2-7285-4DBC-9CFC-540D03F09FCC}" sibTransId="{0CC9A380-740E-4425-AC43-31F4F13B3004}"/>
+    <dgm:cxn modelId="{E273DFAF-B31F-4432-9592-248697CD484E}" type="presOf" srcId="{0CC9A380-740E-4425-AC43-31F4F13B3004}" destId="{70E8EFBD-24AF-49C1-AB74-E0E433B72786}" srcOrd="0" destOrd="0" presId="urn:microsoft.com/office/officeart/2005/8/layout/process2"/>
+    <dgm:cxn modelId="{2BFA0FB1-DBF7-4A7A-A74C-9B7753CD19FE}" type="presOf" srcId="{F77B9BF5-4593-4B18-BA5C-8BE2B8071A44}" destId="{52BF1B02-38BA-490D-B49F-F7F428D4159F}" srcOrd="0" destOrd="0" presId="urn:microsoft.com/office/officeart/2005/8/layout/process2"/>
+    <dgm:cxn modelId="{CA6ECBB7-3C85-4C7D-B933-A652218F8480}" type="presOf" srcId="{76AC9EB8-B499-4014-9C2D-CF84A71AB784}" destId="{E5D9E9D1-B554-4B69-88C2-23DB15039166}" srcOrd="0" destOrd="0" presId="urn:microsoft.com/office/officeart/2005/8/layout/process2"/>
     <dgm:cxn modelId="{2D6458B8-D429-4A32-8FAC-D38FBB9C07AF}" type="presOf" srcId="{9A14F079-F04B-4CC9-9700-618484CACBA1}" destId="{C66BF0E9-CB5D-486D-B436-1555A05A59F0}" srcOrd="0" destOrd="0" presId="urn:microsoft.com/office/officeart/2005/8/layout/process2"/>
     <dgm:cxn modelId="{BE13A2BF-22E0-4EFB-A743-7E04366FF557}" type="presOf" srcId="{44D9E930-28F8-42A2-AEDE-C2AF9832F680}" destId="{CFBA9DB8-BD38-47A9-83E9-C039D73A7363}" srcOrd="0" destOrd="0" presId="urn:microsoft.com/office/officeart/2005/8/layout/process2"/>
-    <dgm:cxn modelId="{67A6795E-B981-4D59-8045-63955DC05E94}" type="presOf" srcId="{B8A5FD80-BDA8-4DB0-BAA6-7D996DB83F32}" destId="{F99DF6A8-FCCC-45FE-984E-74BB5D13A325}" srcOrd="1" destOrd="0" presId="urn:microsoft.com/office/officeart/2005/8/layout/process2"/>
-    <dgm:cxn modelId="{D497E32E-9E75-4ED1-AB75-FDC6416370FF}" type="presOf" srcId="{1E64BDA1-8C1C-4293-9ECF-B16190F3555C}" destId="{85ACBFE3-ED12-472D-9155-8AECC46A625D}" srcOrd="1" destOrd="0" presId="urn:microsoft.com/office/officeart/2005/8/layout/process2"/>
-    <dgm:cxn modelId="{70AE856C-5F5E-4DEC-B46B-465564D97C8A}" type="presOf" srcId="{05504F13-8F6D-4A96-A060-7C7C04BCCDC5}" destId="{FC02DA56-149D-4855-9DCF-0DD82448A01C}" srcOrd="1" destOrd="0" presId="urn:microsoft.com/office/officeart/2005/8/layout/process2"/>
-    <dgm:cxn modelId="{2BFA0FB1-DBF7-4A7A-A74C-9B7753CD19FE}" type="presOf" srcId="{F77B9BF5-4593-4B18-BA5C-8BE2B8071A44}" destId="{52BF1B02-38BA-490D-B49F-F7F428D4159F}" srcOrd="0" destOrd="0" presId="urn:microsoft.com/office/officeart/2005/8/layout/process2"/>
+    <dgm:cxn modelId="{9E8B0EC8-CDD5-4D01-BB78-42B94FC3B680}" srcId="{831248B5-42BE-41CC-B00B-93FDF821FE9F}" destId="{44D9E930-28F8-42A2-AEDE-C2AF9832F680}" srcOrd="6" destOrd="0" parTransId="{F461D74D-E1BE-4262-9A51-8AF93A2A9DAE}" sibTransId="{BEF039B9-78B3-44AC-BCD2-D5D97EFF241A}"/>
     <dgm:cxn modelId="{2F596BCC-CA9C-4A5D-9021-F5F196D3E80D}" srcId="{831248B5-42BE-41CC-B00B-93FDF821FE9F}" destId="{4E8DDCF5-1131-4B7B-8DC9-CA1D909DEB4C}" srcOrd="3" destOrd="0" parTransId="{5D085E46-E5F5-4C17-A2B4-EEDB4B73AAFC}" sibTransId="{1E64BDA1-8C1C-4293-9ECF-B16190F3555C}"/>
+    <dgm:cxn modelId="{902323CF-0A5E-4ECB-AB85-D3ACCE8529C8}" type="presOf" srcId="{76AC9EB8-B499-4014-9C2D-CF84A71AB784}" destId="{7BEE8685-09E9-4964-906A-51AD9B41B2B2}" srcOrd="1" destOrd="0" presId="urn:microsoft.com/office/officeart/2005/8/layout/process2"/>
+    <dgm:cxn modelId="{96CE0AD5-C6CE-45A8-A85E-9565EFC97971}" type="presOf" srcId="{B8A5FD80-BDA8-4DB0-BAA6-7D996DB83F32}" destId="{FFAB1546-EE89-4905-B200-014D9D15DEB5}" srcOrd="0" destOrd="0" presId="urn:microsoft.com/office/officeart/2005/8/layout/process2"/>
     <dgm:cxn modelId="{17625CDE-390A-4A16-A1DA-1A2728D2592E}" srcId="{831248B5-42BE-41CC-B00B-93FDF821FE9F}" destId="{B0120D59-46F5-4609-8A90-D19147655A7C}" srcOrd="2" destOrd="0" parTransId="{8B65003E-F843-4BAC-92BF-31469B2EB546}" sibTransId="{05504F13-8F6D-4A96-A060-7C7C04BCCDC5}"/>
-    <dgm:cxn modelId="{6B5C7332-53C1-44A1-987C-DD115C27287D}" type="presOf" srcId="{B0120D59-46F5-4609-8A90-D19147655A7C}" destId="{5E07831F-96AB-45D4-BDD8-76735DEC4F3D}" srcOrd="0" destOrd="0" presId="urn:microsoft.com/office/officeart/2005/8/layout/process2"/>
-    <dgm:cxn modelId="{CCBB2E18-AEAA-4DC0-9E3C-F88CDCA45059}" type="presOf" srcId="{F27D3CED-FAAD-45A0-B25C-96C0B097E61C}" destId="{228957F4-EE3C-408A-83BB-E73D4ED2802F}" srcOrd="1" destOrd="0" presId="urn:microsoft.com/office/officeart/2005/8/layout/process2"/>
-    <dgm:cxn modelId="{1FAAEAA8-DA69-4D24-A321-784C7150EC4E}" srcId="{831248B5-42BE-41CC-B00B-93FDF821FE9F}" destId="{16DB864F-1D40-4E34-8BD9-F1C660CD2CFB}" srcOrd="1" destOrd="0" parTransId="{93C0F5D2-7285-4DBC-9CFC-540D03F09FCC}" sibTransId="{0CC9A380-740E-4425-AC43-31F4F13B3004}"/>
-    <dgm:cxn modelId="{96CE0AD5-C6CE-45A8-A85E-9565EFC97971}" type="presOf" srcId="{B8A5FD80-BDA8-4DB0-BAA6-7D996DB83F32}" destId="{FFAB1546-EE89-4905-B200-014D9D15DEB5}" srcOrd="0" destOrd="0" presId="urn:microsoft.com/office/officeart/2005/8/layout/process2"/>
     <dgm:cxn modelId="{88F421F2-D2A7-469A-8DCA-2378615C3DC3}" type="presOf" srcId="{6BB4A08D-9009-408D-A672-847AAAD9D481}" destId="{DE8A9ADE-4EA7-4E5F-9B22-8F0A88EF3F94}" srcOrd="0" destOrd="0" presId="urn:microsoft.com/office/officeart/2005/8/layout/process2"/>
+    <dgm:cxn modelId="{62E71CF5-02C6-426F-B29D-352D349A767B}" type="presOf" srcId="{831248B5-42BE-41CC-B00B-93FDF821FE9F}" destId="{D7B6869B-4E62-4ED6-98D4-117812227983}" srcOrd="0" destOrd="0" presId="urn:microsoft.com/office/officeart/2005/8/layout/process2"/>
+    <dgm:cxn modelId="{AFB1F2F6-1307-4941-86BA-4A12F4B9B558}" type="presOf" srcId="{05504F13-8F6D-4A96-A060-7C7C04BCCDC5}" destId="{C3ADE6CA-9FE3-4A69-9EF9-3DEB92BC6215}" srcOrd="0" destOrd="0" presId="urn:microsoft.com/office/officeart/2005/8/layout/process2"/>
     <dgm:cxn modelId="{7951D0FC-694C-465C-9AEF-49EFD7FC6F31}" srcId="{831248B5-42BE-41CC-B00B-93FDF821FE9F}" destId="{F77B9BF5-4593-4B18-BA5C-8BE2B8071A44}" srcOrd="5" destOrd="0" parTransId="{AB9DBF93-67DD-431C-9F2B-6F4233019072}" sibTransId="{B8A5FD80-BDA8-4DB0-BAA6-7D996DB83F32}"/>
     <dgm:cxn modelId="{E5C19EE4-CFFB-483E-A68C-7DCC76A5FFC6}" type="presParOf" srcId="{D7B6869B-4E62-4ED6-98D4-117812227983}" destId="{189D6A4B-21E2-4FCD-A1A9-B0A37070679D}" srcOrd="0" destOrd="0" presId="urn:microsoft.com/office/officeart/2005/8/layout/process2"/>
     <dgm:cxn modelId="{5BF10D62-1437-4C72-9C38-50537DECC45B}" type="presParOf" srcId="{D7B6869B-4E62-4ED6-98D4-117812227983}" destId="{E5D9E9D1-B554-4B69-88C2-23DB15039166}" srcOrd="1" destOrd="0" presId="urn:microsoft.com/office/officeart/2005/8/layout/process2"/>
@@ -3692,13 +3458,6 @@
         </dgm:presLayoutVars>
       </dgm:prSet>
       <dgm:spPr/>
-      <dgm:t>
-        <a:bodyPr/>
-        <a:lstStyle/>
-        <a:p>
-          <a:endParaRPr lang="en-US"/>
-        </a:p>
-      </dgm:t>
     </dgm:pt>
     <dgm:pt modelId="{BE10170A-FDA7-46C6-8080-0CD272A11F79}" type="pres">
       <dgm:prSet presAssocID="{A50D5CE9-E57C-47DB-BC25-0E5B3A25D369}" presName="node" presStyleLbl="node1" presStyleIdx="0" presStyleCnt="6">
@@ -3707,35 +3466,14 @@
         </dgm:presLayoutVars>
       </dgm:prSet>
       <dgm:spPr/>
-      <dgm:t>
-        <a:bodyPr/>
-        <a:lstStyle/>
-        <a:p>
-          <a:endParaRPr lang="en-US"/>
-        </a:p>
-      </dgm:t>
     </dgm:pt>
     <dgm:pt modelId="{9CB5DCF6-A9AB-46CF-8F54-44562297832B}" type="pres">
       <dgm:prSet presAssocID="{6BB16651-A2C7-44E6-8B71-595F1464C6E6}" presName="sibTrans" presStyleLbl="sibTrans2D1" presStyleIdx="0" presStyleCnt="6"/>
       <dgm:spPr/>
-      <dgm:t>
-        <a:bodyPr/>
-        <a:lstStyle/>
-        <a:p>
-          <a:endParaRPr lang="en-US"/>
-        </a:p>
-      </dgm:t>
     </dgm:pt>
     <dgm:pt modelId="{532A4D80-CC45-47DE-9B33-C25D9F0311CD}" type="pres">
       <dgm:prSet presAssocID="{6BB16651-A2C7-44E6-8B71-595F1464C6E6}" presName="connectorText" presStyleLbl="sibTrans2D1" presStyleIdx="0" presStyleCnt="6"/>
       <dgm:spPr/>
-      <dgm:t>
-        <a:bodyPr/>
-        <a:lstStyle/>
-        <a:p>
-          <a:endParaRPr lang="en-US"/>
-        </a:p>
-      </dgm:t>
     </dgm:pt>
     <dgm:pt modelId="{10C40DD1-8F53-4982-AE25-5D301BBB4035}" type="pres">
       <dgm:prSet presAssocID="{48370AF3-FC86-4D8C-8C54-83EAC2041CE6}" presName="node" presStyleLbl="node1" presStyleIdx="1" presStyleCnt="6">
@@ -3744,35 +3482,14 @@
         </dgm:presLayoutVars>
       </dgm:prSet>
       <dgm:spPr/>
-      <dgm:t>
-        <a:bodyPr/>
-        <a:lstStyle/>
-        <a:p>
-          <a:endParaRPr lang="en-US"/>
-        </a:p>
-      </dgm:t>
     </dgm:pt>
     <dgm:pt modelId="{AF055774-033E-4FAB-99C5-EF82DA73AF6B}" type="pres">
       <dgm:prSet presAssocID="{F7548831-CA11-41DD-8ECC-17CA536DA611}" presName="sibTrans" presStyleLbl="sibTrans2D1" presStyleIdx="1" presStyleCnt="6"/>
       <dgm:spPr/>
-      <dgm:t>
-        <a:bodyPr/>
-        <a:lstStyle/>
-        <a:p>
-          <a:endParaRPr lang="en-US"/>
-        </a:p>
-      </dgm:t>
     </dgm:pt>
     <dgm:pt modelId="{4E111617-F5D3-4634-A4E7-55A35BA10C3B}" type="pres">
       <dgm:prSet presAssocID="{F7548831-CA11-41DD-8ECC-17CA536DA611}" presName="connectorText" presStyleLbl="sibTrans2D1" presStyleIdx="1" presStyleCnt="6"/>
       <dgm:spPr/>
-      <dgm:t>
-        <a:bodyPr/>
-        <a:lstStyle/>
-        <a:p>
-          <a:endParaRPr lang="en-US"/>
-        </a:p>
-      </dgm:t>
     </dgm:pt>
     <dgm:pt modelId="{6B2B7F8F-AC97-4494-991D-C5A102C5BF61}" type="pres">
       <dgm:prSet presAssocID="{1DF69D38-253C-4136-A31C-13D074756DBD}" presName="node" presStyleLbl="node1" presStyleIdx="2" presStyleCnt="6">
@@ -3781,35 +3498,14 @@
         </dgm:presLayoutVars>
       </dgm:prSet>
       <dgm:spPr/>
-      <dgm:t>
-        <a:bodyPr/>
-        <a:lstStyle/>
-        <a:p>
-          <a:endParaRPr lang="en-US"/>
-        </a:p>
-      </dgm:t>
     </dgm:pt>
     <dgm:pt modelId="{8B3EA9F3-EF7C-4031-8349-AFC02CD2E8E9}" type="pres">
       <dgm:prSet presAssocID="{18589C4B-236C-4770-ACA6-5F2BC1925825}" presName="sibTrans" presStyleLbl="sibTrans2D1" presStyleIdx="2" presStyleCnt="6"/>
       <dgm:spPr/>
-      <dgm:t>
-        <a:bodyPr/>
-        <a:lstStyle/>
-        <a:p>
-          <a:endParaRPr lang="en-US"/>
-        </a:p>
-      </dgm:t>
     </dgm:pt>
     <dgm:pt modelId="{76D2A737-E894-45DA-A9E2-0913B236F12E}" type="pres">
       <dgm:prSet presAssocID="{18589C4B-236C-4770-ACA6-5F2BC1925825}" presName="connectorText" presStyleLbl="sibTrans2D1" presStyleIdx="2" presStyleCnt="6"/>
       <dgm:spPr/>
-      <dgm:t>
-        <a:bodyPr/>
-        <a:lstStyle/>
-        <a:p>
-          <a:endParaRPr lang="en-US"/>
-        </a:p>
-      </dgm:t>
     </dgm:pt>
     <dgm:pt modelId="{B38A756C-2FBC-4753-8A72-C64909D7B55D}" type="pres">
       <dgm:prSet presAssocID="{82D99C4C-3601-4F2B-B062-F76B7FA58351}" presName="node" presStyleLbl="node1" presStyleIdx="3" presStyleCnt="6">
@@ -3818,35 +3514,14 @@
         </dgm:presLayoutVars>
       </dgm:prSet>
       <dgm:spPr/>
-      <dgm:t>
-        <a:bodyPr/>
-        <a:lstStyle/>
-        <a:p>
-          <a:endParaRPr lang="en-US"/>
-        </a:p>
-      </dgm:t>
     </dgm:pt>
     <dgm:pt modelId="{C0492A94-958F-4DF2-8E31-D0E5D431B110}" type="pres">
       <dgm:prSet presAssocID="{2CEB24EB-0E4B-4978-B141-AD1017CE08DB}" presName="sibTrans" presStyleLbl="sibTrans2D1" presStyleIdx="3" presStyleCnt="6"/>
       <dgm:spPr/>
-      <dgm:t>
-        <a:bodyPr/>
-        <a:lstStyle/>
-        <a:p>
-          <a:endParaRPr lang="en-US"/>
-        </a:p>
-      </dgm:t>
     </dgm:pt>
     <dgm:pt modelId="{5BD3947E-EAF4-4999-8F41-16C31CDD1897}" type="pres">
       <dgm:prSet presAssocID="{2CEB24EB-0E4B-4978-B141-AD1017CE08DB}" presName="connectorText" presStyleLbl="sibTrans2D1" presStyleIdx="3" presStyleCnt="6"/>
       <dgm:spPr/>
-      <dgm:t>
-        <a:bodyPr/>
-        <a:lstStyle/>
-        <a:p>
-          <a:endParaRPr lang="en-US"/>
-        </a:p>
-      </dgm:t>
     </dgm:pt>
     <dgm:pt modelId="{1AD34968-D5D1-4171-B98B-6A348B13B975}" type="pres">
       <dgm:prSet presAssocID="{7D0E5FE9-BEBD-455F-9242-519724FB6C96}" presName="node" presStyleLbl="node1" presStyleIdx="4" presStyleCnt="6">
@@ -3855,35 +3530,14 @@
         </dgm:presLayoutVars>
       </dgm:prSet>
       <dgm:spPr/>
-      <dgm:t>
-        <a:bodyPr/>
-        <a:lstStyle/>
-        <a:p>
-          <a:endParaRPr lang="en-US"/>
-        </a:p>
-      </dgm:t>
     </dgm:pt>
     <dgm:pt modelId="{3FD4A819-E359-4474-A779-65CA5E4E5F5E}" type="pres">
       <dgm:prSet presAssocID="{CB2D6001-FAA4-49C6-8385-9A9576EB7A0B}" presName="sibTrans" presStyleLbl="sibTrans2D1" presStyleIdx="4" presStyleCnt="6"/>
       <dgm:spPr/>
-      <dgm:t>
-        <a:bodyPr/>
-        <a:lstStyle/>
-        <a:p>
-          <a:endParaRPr lang="en-US"/>
-        </a:p>
-      </dgm:t>
     </dgm:pt>
     <dgm:pt modelId="{D229D606-AC96-466B-9F97-EAB3C96DE430}" type="pres">
       <dgm:prSet presAssocID="{CB2D6001-FAA4-49C6-8385-9A9576EB7A0B}" presName="connectorText" presStyleLbl="sibTrans2D1" presStyleIdx="4" presStyleCnt="6"/>
       <dgm:spPr/>
-      <dgm:t>
-        <a:bodyPr/>
-        <a:lstStyle/>
-        <a:p>
-          <a:endParaRPr lang="en-US"/>
-        </a:p>
-      </dgm:t>
     </dgm:pt>
     <dgm:pt modelId="{372A6A97-E412-4CCA-A607-235CF3A22C9C}" type="pres">
       <dgm:prSet presAssocID="{9C08A4B8-0C14-4C76-8B82-048ACA771F15}" presName="node" presStyleLbl="node1" presStyleIdx="5" presStyleCnt="6">
@@ -3892,63 +3546,42 @@
         </dgm:presLayoutVars>
       </dgm:prSet>
       <dgm:spPr/>
-      <dgm:t>
-        <a:bodyPr/>
-        <a:lstStyle/>
-        <a:p>
-          <a:endParaRPr lang="en-US"/>
-        </a:p>
-      </dgm:t>
     </dgm:pt>
     <dgm:pt modelId="{B33D451D-E7ED-453E-BBDD-2A7104931649}" type="pres">
       <dgm:prSet presAssocID="{9928AC29-F93D-4104-B656-07B79942F478}" presName="sibTrans" presStyleLbl="sibTrans2D1" presStyleIdx="5" presStyleCnt="6"/>
       <dgm:spPr/>
-      <dgm:t>
-        <a:bodyPr/>
-        <a:lstStyle/>
-        <a:p>
-          <a:endParaRPr lang="en-US"/>
-        </a:p>
-      </dgm:t>
     </dgm:pt>
     <dgm:pt modelId="{F23F354F-B930-43EC-A3E6-2AA7B3937FDE}" type="pres">
       <dgm:prSet presAssocID="{9928AC29-F93D-4104-B656-07B79942F478}" presName="connectorText" presStyleLbl="sibTrans2D1" presStyleIdx="5" presStyleCnt="6"/>
       <dgm:spPr/>
-      <dgm:t>
-        <a:bodyPr/>
-        <a:lstStyle/>
-        <a:p>
-          <a:endParaRPr lang="en-US"/>
-        </a:p>
-      </dgm:t>
     </dgm:pt>
   </dgm:ptLst>
   <dgm:cxnLst>
+    <dgm:cxn modelId="{2A800102-3E86-4CE6-B237-FF976FE460A5}" type="presOf" srcId="{18589C4B-236C-4770-ACA6-5F2BC1925825}" destId="{8B3EA9F3-EF7C-4031-8349-AFC02CD2E8E9}" srcOrd="0" destOrd="0" presId="urn:microsoft.com/office/officeart/2005/8/layout/cycle2"/>
+    <dgm:cxn modelId="{73A6D81D-B121-4772-B9DC-D989684794EC}" type="presOf" srcId="{9928AC29-F93D-4104-B656-07B79942F478}" destId="{B33D451D-E7ED-453E-BBDD-2A7104931649}" srcOrd="0" destOrd="0" presId="urn:microsoft.com/office/officeart/2005/8/layout/cycle2"/>
+    <dgm:cxn modelId="{7B997E21-E386-4BDB-BA73-FEFE3B52E673}" type="presOf" srcId="{1DF69D38-253C-4136-A31C-13D074756DBD}" destId="{6B2B7F8F-AC97-4494-991D-C5A102C5BF61}" srcOrd="0" destOrd="0" presId="urn:microsoft.com/office/officeart/2005/8/layout/cycle2"/>
+    <dgm:cxn modelId="{B8047E24-67A3-4FF3-A06A-9E28AB623A31}" type="presOf" srcId="{F7548831-CA11-41DD-8ECC-17CA536DA611}" destId="{AF055774-033E-4FAB-99C5-EF82DA73AF6B}" srcOrd="0" destOrd="0" presId="urn:microsoft.com/office/officeart/2005/8/layout/cycle2"/>
+    <dgm:cxn modelId="{D7756D26-48D8-4543-8ECF-B43045B6A7A2}" type="presOf" srcId="{6BB16651-A2C7-44E6-8B71-595F1464C6E6}" destId="{9CB5DCF6-A9AB-46CF-8F54-44562297832B}" srcOrd="0" destOrd="0" presId="urn:microsoft.com/office/officeart/2005/8/layout/cycle2"/>
+    <dgm:cxn modelId="{6C92652C-2ECF-4C26-BCCB-EFA2B76571F3}" type="presOf" srcId="{CB2D6001-FAA4-49C6-8385-9A9576EB7A0B}" destId="{D229D606-AC96-466B-9F97-EAB3C96DE430}" srcOrd="1" destOrd="0" presId="urn:microsoft.com/office/officeart/2005/8/layout/cycle2"/>
+    <dgm:cxn modelId="{656CE130-0515-41FF-B2F2-2BD43856E3D0}" srcId="{7D813336-3D77-46FD-BFBE-B927186F4EE8}" destId="{7D0E5FE9-BEBD-455F-9242-519724FB6C96}" srcOrd="4" destOrd="0" parTransId="{594E2760-2BA1-4C56-8104-2C3A58C07462}" sibTransId="{CB2D6001-FAA4-49C6-8385-9A9576EB7A0B}"/>
+    <dgm:cxn modelId="{48826F36-B9DF-44EC-8ED7-EAA8DE65A165}" type="presOf" srcId="{2CEB24EB-0E4B-4978-B141-AD1017CE08DB}" destId="{C0492A94-958F-4DF2-8E31-D0E5D431B110}" srcOrd="0" destOrd="0" presId="urn:microsoft.com/office/officeart/2005/8/layout/cycle2"/>
+    <dgm:cxn modelId="{4E474562-B74A-44EB-B45F-D3DD735B2501}" srcId="{7D813336-3D77-46FD-BFBE-B927186F4EE8}" destId="{82D99C4C-3601-4F2B-B062-F76B7FA58351}" srcOrd="3" destOrd="0" parTransId="{3F9BE72A-4745-41D5-8CC6-99AC9FE77223}" sibTransId="{2CEB24EB-0E4B-4978-B141-AD1017CE08DB}"/>
+    <dgm:cxn modelId="{1EDB6766-CD7C-4414-9C27-EBE463506CFF}" srcId="{7D813336-3D77-46FD-BFBE-B927186F4EE8}" destId="{9C08A4B8-0C14-4C76-8B82-048ACA771F15}" srcOrd="5" destOrd="0" parTransId="{28249315-D3C7-43BE-B88A-6DD1138B7A0C}" sibTransId="{9928AC29-F93D-4104-B656-07B79942F478}"/>
+    <dgm:cxn modelId="{4A6FDB47-80DA-4A96-8D2C-B887792CB495}" type="presOf" srcId="{9C08A4B8-0C14-4C76-8B82-048ACA771F15}" destId="{372A6A97-E412-4CCA-A607-235CF3A22C9C}" srcOrd="0" destOrd="0" presId="urn:microsoft.com/office/officeart/2005/8/layout/cycle2"/>
+    <dgm:cxn modelId="{A150B94E-B2C2-4D6C-9C4B-F76456348E67}" srcId="{7D813336-3D77-46FD-BFBE-B927186F4EE8}" destId="{48370AF3-FC86-4D8C-8C54-83EAC2041CE6}" srcOrd="1" destOrd="0" parTransId="{AB741C83-841B-426D-A5E0-6EEA4C052CE4}" sibTransId="{F7548831-CA11-41DD-8ECC-17CA536DA611}"/>
+    <dgm:cxn modelId="{8A9D6073-56F9-4A3D-A71D-5DB15EB2E2ED}" type="presOf" srcId="{A50D5CE9-E57C-47DB-BC25-0E5B3A25D369}" destId="{BE10170A-FDA7-46C6-8080-0CD272A11F79}" srcOrd="0" destOrd="0" presId="urn:microsoft.com/office/officeart/2005/8/layout/cycle2"/>
+    <dgm:cxn modelId="{E422C681-256E-41AA-A0D8-4F7AD719AE70}" type="presOf" srcId="{18589C4B-236C-4770-ACA6-5F2BC1925825}" destId="{76D2A737-E894-45DA-A9E2-0913B236F12E}" srcOrd="1" destOrd="0" presId="urn:microsoft.com/office/officeart/2005/8/layout/cycle2"/>
+    <dgm:cxn modelId="{E4650F96-8B96-45DB-9B8B-739BA4DAFC00}" type="presOf" srcId="{2CEB24EB-0E4B-4978-B141-AD1017CE08DB}" destId="{5BD3947E-EAF4-4999-8F41-16C31CDD1897}" srcOrd="1" destOrd="0" presId="urn:microsoft.com/office/officeart/2005/8/layout/cycle2"/>
+    <dgm:cxn modelId="{5A8FC996-E36A-4A4D-B9A9-E0F5F95CDF30}" type="presOf" srcId="{7D0E5FE9-BEBD-455F-9242-519724FB6C96}" destId="{1AD34968-D5D1-4171-B98B-6A348B13B975}" srcOrd="0" destOrd="0" presId="urn:microsoft.com/office/officeart/2005/8/layout/cycle2"/>
+    <dgm:cxn modelId="{6B494198-39DB-42F7-8AB5-4A5BE7D87F39}" type="presOf" srcId="{9928AC29-F93D-4104-B656-07B79942F478}" destId="{F23F354F-B930-43EC-A3E6-2AA7B3937FDE}" srcOrd="1" destOrd="0" presId="urn:microsoft.com/office/officeart/2005/8/layout/cycle2"/>
+    <dgm:cxn modelId="{5DE7A598-F75C-47B9-8814-209880B6FE11}" srcId="{7D813336-3D77-46FD-BFBE-B927186F4EE8}" destId="{1DF69D38-253C-4136-A31C-13D074756DBD}" srcOrd="2" destOrd="0" parTransId="{7471E316-4330-4726-8E0C-E8DF4CBE672C}" sibTransId="{18589C4B-236C-4770-ACA6-5F2BC1925825}"/>
+    <dgm:cxn modelId="{E7A5AF9B-C11A-40EC-9AE6-7726E1A9A711}" type="presOf" srcId="{F7548831-CA11-41DD-8ECC-17CA536DA611}" destId="{4E111617-F5D3-4634-A4E7-55A35BA10C3B}" srcOrd="1" destOrd="0" presId="urn:microsoft.com/office/officeart/2005/8/layout/cycle2"/>
+    <dgm:cxn modelId="{072D75B5-AE8A-4BF9-813C-52F86070C69F}" type="presOf" srcId="{82D99C4C-3601-4F2B-B062-F76B7FA58351}" destId="{B38A756C-2FBC-4753-8A72-C64909D7B55D}" srcOrd="0" destOrd="0" presId="urn:microsoft.com/office/officeart/2005/8/layout/cycle2"/>
+    <dgm:cxn modelId="{A7F74FB7-397D-4268-8170-C932BF344E33}" type="presOf" srcId="{48370AF3-FC86-4D8C-8C54-83EAC2041CE6}" destId="{10C40DD1-8F53-4982-AE25-5D301BBB4035}" srcOrd="0" destOrd="0" presId="urn:microsoft.com/office/officeart/2005/8/layout/cycle2"/>
+    <dgm:cxn modelId="{E25464BC-A09B-48BD-B113-8CA3576F5146}" type="presOf" srcId="{CB2D6001-FAA4-49C6-8385-9A9576EB7A0B}" destId="{3FD4A819-E359-4474-A779-65CA5E4E5F5E}" srcOrd="0" destOrd="0" presId="urn:microsoft.com/office/officeart/2005/8/layout/cycle2"/>
+    <dgm:cxn modelId="{64927DD7-80D9-485A-AE3F-823FDF4E1B88}" type="presOf" srcId="{7D813336-3D77-46FD-BFBE-B927186F4EE8}" destId="{1F7049C3-AAE1-4856-8433-BA85AFDAFBB4}" srcOrd="0" destOrd="0" presId="urn:microsoft.com/office/officeart/2005/8/layout/cycle2"/>
     <dgm:cxn modelId="{59B76DF1-434E-481D-A352-8E17439334E8}" type="presOf" srcId="{6BB16651-A2C7-44E6-8B71-595F1464C6E6}" destId="{532A4D80-CC45-47DE-9B33-C25D9F0311CD}" srcOrd="1" destOrd="0" presId="urn:microsoft.com/office/officeart/2005/8/layout/cycle2"/>
     <dgm:cxn modelId="{3476ECF5-227F-4D63-9092-E8019B1A260C}" srcId="{7D813336-3D77-46FD-BFBE-B927186F4EE8}" destId="{A50D5CE9-E57C-47DB-BC25-0E5B3A25D369}" srcOrd="0" destOrd="0" parTransId="{97BD9E98-8AC2-41C2-9323-5F440CC4246A}" sibTransId="{6BB16651-A2C7-44E6-8B71-595F1464C6E6}"/>
-    <dgm:cxn modelId="{4A6FDB47-80DA-4A96-8D2C-B887792CB495}" type="presOf" srcId="{9C08A4B8-0C14-4C76-8B82-048ACA771F15}" destId="{372A6A97-E412-4CCA-A607-235CF3A22C9C}" srcOrd="0" destOrd="0" presId="urn:microsoft.com/office/officeart/2005/8/layout/cycle2"/>
-    <dgm:cxn modelId="{5DE7A598-F75C-47B9-8814-209880B6FE11}" srcId="{7D813336-3D77-46FD-BFBE-B927186F4EE8}" destId="{1DF69D38-253C-4136-A31C-13D074756DBD}" srcOrd="2" destOrd="0" parTransId="{7471E316-4330-4726-8E0C-E8DF4CBE672C}" sibTransId="{18589C4B-236C-4770-ACA6-5F2BC1925825}"/>
-    <dgm:cxn modelId="{2A800102-3E86-4CE6-B237-FF976FE460A5}" type="presOf" srcId="{18589C4B-236C-4770-ACA6-5F2BC1925825}" destId="{8B3EA9F3-EF7C-4031-8349-AFC02CD2E8E9}" srcOrd="0" destOrd="0" presId="urn:microsoft.com/office/officeart/2005/8/layout/cycle2"/>
-    <dgm:cxn modelId="{B8047E24-67A3-4FF3-A06A-9E28AB623A31}" type="presOf" srcId="{F7548831-CA11-41DD-8ECC-17CA536DA611}" destId="{AF055774-033E-4FAB-99C5-EF82DA73AF6B}" srcOrd="0" destOrd="0" presId="urn:microsoft.com/office/officeart/2005/8/layout/cycle2"/>
-    <dgm:cxn modelId="{8A9D6073-56F9-4A3D-A71D-5DB15EB2E2ED}" type="presOf" srcId="{A50D5CE9-E57C-47DB-BC25-0E5B3A25D369}" destId="{BE10170A-FDA7-46C6-8080-0CD272A11F79}" srcOrd="0" destOrd="0" presId="urn:microsoft.com/office/officeart/2005/8/layout/cycle2"/>
-    <dgm:cxn modelId="{4E474562-B74A-44EB-B45F-D3DD735B2501}" srcId="{7D813336-3D77-46FD-BFBE-B927186F4EE8}" destId="{82D99C4C-3601-4F2B-B062-F76B7FA58351}" srcOrd="3" destOrd="0" parTransId="{3F9BE72A-4745-41D5-8CC6-99AC9FE77223}" sibTransId="{2CEB24EB-0E4B-4978-B141-AD1017CE08DB}"/>
-    <dgm:cxn modelId="{64927DD7-80D9-485A-AE3F-823FDF4E1B88}" type="presOf" srcId="{7D813336-3D77-46FD-BFBE-B927186F4EE8}" destId="{1F7049C3-AAE1-4856-8433-BA85AFDAFBB4}" srcOrd="0" destOrd="0" presId="urn:microsoft.com/office/officeart/2005/8/layout/cycle2"/>
-    <dgm:cxn modelId="{7B997E21-E386-4BDB-BA73-FEFE3B52E673}" type="presOf" srcId="{1DF69D38-253C-4136-A31C-13D074756DBD}" destId="{6B2B7F8F-AC97-4494-991D-C5A102C5BF61}" srcOrd="0" destOrd="0" presId="urn:microsoft.com/office/officeart/2005/8/layout/cycle2"/>
-    <dgm:cxn modelId="{1EDB6766-CD7C-4414-9C27-EBE463506CFF}" srcId="{7D813336-3D77-46FD-BFBE-B927186F4EE8}" destId="{9C08A4B8-0C14-4C76-8B82-048ACA771F15}" srcOrd="5" destOrd="0" parTransId="{28249315-D3C7-43BE-B88A-6DD1138B7A0C}" sibTransId="{9928AC29-F93D-4104-B656-07B79942F478}"/>
-    <dgm:cxn modelId="{6B494198-39DB-42F7-8AB5-4A5BE7D87F39}" type="presOf" srcId="{9928AC29-F93D-4104-B656-07B79942F478}" destId="{F23F354F-B930-43EC-A3E6-2AA7B3937FDE}" srcOrd="1" destOrd="0" presId="urn:microsoft.com/office/officeart/2005/8/layout/cycle2"/>
-    <dgm:cxn modelId="{E25464BC-A09B-48BD-B113-8CA3576F5146}" type="presOf" srcId="{CB2D6001-FAA4-49C6-8385-9A9576EB7A0B}" destId="{3FD4A819-E359-4474-A779-65CA5E4E5F5E}" srcOrd="0" destOrd="0" presId="urn:microsoft.com/office/officeart/2005/8/layout/cycle2"/>
-    <dgm:cxn modelId="{A7F74FB7-397D-4268-8170-C932BF344E33}" type="presOf" srcId="{48370AF3-FC86-4D8C-8C54-83EAC2041CE6}" destId="{10C40DD1-8F53-4982-AE25-5D301BBB4035}" srcOrd="0" destOrd="0" presId="urn:microsoft.com/office/officeart/2005/8/layout/cycle2"/>
-    <dgm:cxn modelId="{E422C681-256E-41AA-A0D8-4F7AD719AE70}" type="presOf" srcId="{18589C4B-236C-4770-ACA6-5F2BC1925825}" destId="{76D2A737-E894-45DA-A9E2-0913B236F12E}" srcOrd="1" destOrd="0" presId="urn:microsoft.com/office/officeart/2005/8/layout/cycle2"/>
-    <dgm:cxn modelId="{072D75B5-AE8A-4BF9-813C-52F86070C69F}" type="presOf" srcId="{82D99C4C-3601-4F2B-B062-F76B7FA58351}" destId="{B38A756C-2FBC-4753-8A72-C64909D7B55D}" srcOrd="0" destOrd="0" presId="urn:microsoft.com/office/officeart/2005/8/layout/cycle2"/>
-    <dgm:cxn modelId="{73A6D81D-B121-4772-B9DC-D989684794EC}" type="presOf" srcId="{9928AC29-F93D-4104-B656-07B79942F478}" destId="{B33D451D-E7ED-453E-BBDD-2A7104931649}" srcOrd="0" destOrd="0" presId="urn:microsoft.com/office/officeart/2005/8/layout/cycle2"/>
-    <dgm:cxn modelId="{D7756D26-48D8-4543-8ECF-B43045B6A7A2}" type="presOf" srcId="{6BB16651-A2C7-44E6-8B71-595F1464C6E6}" destId="{9CB5DCF6-A9AB-46CF-8F54-44562297832B}" srcOrd="0" destOrd="0" presId="urn:microsoft.com/office/officeart/2005/8/layout/cycle2"/>
-    <dgm:cxn modelId="{A150B94E-B2C2-4D6C-9C4B-F76456348E67}" srcId="{7D813336-3D77-46FD-BFBE-B927186F4EE8}" destId="{48370AF3-FC86-4D8C-8C54-83EAC2041CE6}" srcOrd="1" destOrd="0" parTransId="{AB741C83-841B-426D-A5E0-6EEA4C052CE4}" sibTransId="{F7548831-CA11-41DD-8ECC-17CA536DA611}"/>
-    <dgm:cxn modelId="{5A8FC996-E36A-4A4D-B9A9-E0F5F95CDF30}" type="presOf" srcId="{7D0E5FE9-BEBD-455F-9242-519724FB6C96}" destId="{1AD34968-D5D1-4171-B98B-6A348B13B975}" srcOrd="0" destOrd="0" presId="urn:microsoft.com/office/officeart/2005/8/layout/cycle2"/>
-    <dgm:cxn modelId="{E4650F96-8B96-45DB-9B8B-739BA4DAFC00}" type="presOf" srcId="{2CEB24EB-0E4B-4978-B141-AD1017CE08DB}" destId="{5BD3947E-EAF4-4999-8F41-16C31CDD1897}" srcOrd="1" destOrd="0" presId="urn:microsoft.com/office/officeart/2005/8/layout/cycle2"/>
-    <dgm:cxn modelId="{48826F36-B9DF-44EC-8ED7-EAA8DE65A165}" type="presOf" srcId="{2CEB24EB-0E4B-4978-B141-AD1017CE08DB}" destId="{C0492A94-958F-4DF2-8E31-D0E5D431B110}" srcOrd="0" destOrd="0" presId="urn:microsoft.com/office/officeart/2005/8/layout/cycle2"/>
-    <dgm:cxn modelId="{6C92652C-2ECF-4C26-BCCB-EFA2B76571F3}" type="presOf" srcId="{CB2D6001-FAA4-49C6-8385-9A9576EB7A0B}" destId="{D229D606-AC96-466B-9F97-EAB3C96DE430}" srcOrd="1" destOrd="0" presId="urn:microsoft.com/office/officeart/2005/8/layout/cycle2"/>
-    <dgm:cxn modelId="{E7A5AF9B-C11A-40EC-9AE6-7726E1A9A711}" type="presOf" srcId="{F7548831-CA11-41DD-8ECC-17CA536DA611}" destId="{4E111617-F5D3-4634-A4E7-55A35BA10C3B}" srcOrd="1" destOrd="0" presId="urn:microsoft.com/office/officeart/2005/8/layout/cycle2"/>
-    <dgm:cxn modelId="{656CE130-0515-41FF-B2F2-2BD43856E3D0}" srcId="{7D813336-3D77-46FD-BFBE-B927186F4EE8}" destId="{7D0E5FE9-BEBD-455F-9242-519724FB6C96}" srcOrd="4" destOrd="0" parTransId="{594E2760-2BA1-4C56-8104-2C3A58C07462}" sibTransId="{CB2D6001-FAA4-49C6-8385-9A9576EB7A0B}"/>
     <dgm:cxn modelId="{755746E8-407D-44DE-81DE-2817DFAC9717}" type="presParOf" srcId="{1F7049C3-AAE1-4856-8433-BA85AFDAFBB4}" destId="{BE10170A-FDA7-46C6-8080-0CD272A11F79}" srcOrd="0" destOrd="0" presId="urn:microsoft.com/office/officeart/2005/8/layout/cycle2"/>
     <dgm:cxn modelId="{3CC0E0F5-28E0-4741-9540-40DA4F37F3CB}" type="presParOf" srcId="{1F7049C3-AAE1-4856-8433-BA85AFDAFBB4}" destId="{9CB5DCF6-A9AB-46CF-8F54-44562297832B}" srcOrd="1" destOrd="0" presId="urn:microsoft.com/office/officeart/2005/8/layout/cycle2"/>
     <dgm:cxn modelId="{754C5F5A-FF0E-468D-9F76-F99066A63CA1}" type="presParOf" srcId="{9CB5DCF6-A9AB-46CF-8F54-44562297832B}" destId="{532A4D80-CC45-47DE-9B33-C25D9F0311CD}" srcOrd="0" destOrd="0" presId="urn:microsoft.com/office/officeart/2005/8/layout/cycle2"/>
@@ -4043,7 +3676,7 @@
         </a:bodyPr>
         <a:lstStyle/>
         <a:p>
-          <a:pPr lvl="0" algn="ctr" defTabSz="844550">
+          <a:pPr marL="0" lvl="0" indent="0" algn="ctr" defTabSz="844550">
             <a:lnSpc>
               <a:spcPct val="90000"/>
             </a:lnSpc>
@@ -4053,6 +3686,7 @@
             <a:spcAft>
               <a:spcPct val="35000"/>
             </a:spcAft>
+            <a:buNone/>
           </a:pPr>
           <a:r>
             <a:rPr lang="en-US" sz="1900" kern="1200"/>
@@ -4115,7 +3749,7 @@
         </a:bodyPr>
         <a:lstStyle/>
         <a:p>
-          <a:pPr lvl="0" algn="ctr" defTabSz="666750">
+          <a:pPr marL="0" lvl="0" indent="0" algn="ctr" defTabSz="666750">
             <a:lnSpc>
               <a:spcPct val="90000"/>
             </a:lnSpc>
@@ -4125,6 +3759,7 @@
             <a:spcAft>
               <a:spcPct val="35000"/>
             </a:spcAft>
+            <a:buNone/>
           </a:pPr>
           <a:endParaRPr lang="en-US" sz="1500" kern="1200"/>
         </a:p>
@@ -4186,7 +3821,7 @@
         </a:bodyPr>
         <a:lstStyle/>
         <a:p>
-          <a:pPr lvl="0" algn="ctr" defTabSz="844550">
+          <a:pPr marL="0" lvl="0" indent="0" algn="ctr" defTabSz="844550">
             <a:lnSpc>
               <a:spcPct val="90000"/>
             </a:lnSpc>
@@ -4196,6 +3831,7 @@
             <a:spcAft>
               <a:spcPct val="35000"/>
             </a:spcAft>
+            <a:buNone/>
           </a:pPr>
           <a:r>
             <a:rPr lang="en-US" sz="1900" kern="1200"/>
@@ -4258,7 +3894,7 @@
         </a:bodyPr>
         <a:lstStyle/>
         <a:p>
-          <a:pPr lvl="0" algn="ctr" defTabSz="666750">
+          <a:pPr marL="0" lvl="0" indent="0" algn="ctr" defTabSz="666750">
             <a:lnSpc>
               <a:spcPct val="90000"/>
             </a:lnSpc>
@@ -4268,6 +3904,7 @@
             <a:spcAft>
               <a:spcPct val="35000"/>
             </a:spcAft>
+            <a:buNone/>
           </a:pPr>
           <a:endParaRPr lang="en-US" sz="1500" kern="1200"/>
         </a:p>
@@ -4329,7 +3966,7 @@
         </a:bodyPr>
         <a:lstStyle/>
         <a:p>
-          <a:pPr lvl="0" algn="ctr" defTabSz="844550">
+          <a:pPr marL="0" lvl="0" indent="0" algn="ctr" defTabSz="844550">
             <a:lnSpc>
               <a:spcPct val="90000"/>
             </a:lnSpc>
@@ -4339,6 +3976,7 @@
             <a:spcAft>
               <a:spcPct val="35000"/>
             </a:spcAft>
+            <a:buNone/>
           </a:pPr>
           <a:r>
             <a:rPr lang="en-US" sz="1900" kern="1200"/>
@@ -4401,7 +4039,7 @@
         </a:bodyPr>
         <a:lstStyle/>
         <a:p>
-          <a:pPr lvl="0" algn="ctr" defTabSz="666750">
+          <a:pPr marL="0" lvl="0" indent="0" algn="ctr" defTabSz="666750">
             <a:lnSpc>
               <a:spcPct val="90000"/>
             </a:lnSpc>
@@ -4411,6 +4049,7 @@
             <a:spcAft>
               <a:spcPct val="35000"/>
             </a:spcAft>
+            <a:buNone/>
           </a:pPr>
           <a:endParaRPr lang="en-US" sz="1500" kern="1200"/>
         </a:p>
@@ -4477,7 +4116,7 @@
         </a:bodyPr>
         <a:lstStyle/>
         <a:p>
-          <a:pPr lvl="0" algn="ctr" defTabSz="844550">
+          <a:pPr marL="0" lvl="0" indent="0" algn="ctr" defTabSz="844550">
             <a:lnSpc>
               <a:spcPct val="90000"/>
             </a:lnSpc>
@@ -4487,6 +4126,7 @@
             <a:spcAft>
               <a:spcPct val="35000"/>
             </a:spcAft>
+            <a:buNone/>
           </a:pPr>
           <a:r>
             <a:rPr lang="en-US" sz="1900" kern="1200"/>
@@ -4568,7 +4208,7 @@
         </a:bodyPr>
         <a:lstStyle/>
         <a:p>
-          <a:pPr lvl="0" algn="ctr" defTabSz="444500">
+          <a:pPr marL="0" lvl="0" indent="0" algn="ctr" defTabSz="444500">
             <a:lnSpc>
               <a:spcPct val="90000"/>
             </a:lnSpc>
@@ -4578,6 +4218,7 @@
             <a:spcAft>
               <a:spcPct val="35000"/>
             </a:spcAft>
+            <a:buNone/>
           </a:pPr>
           <a:r>
             <a:rPr lang="en-US" sz="1000" kern="1200"/>
@@ -4640,7 +4281,7 @@
         </a:bodyPr>
         <a:lstStyle/>
         <a:p>
-          <a:pPr lvl="0" algn="ctr" defTabSz="355600">
+          <a:pPr marL="0" lvl="0" indent="0" algn="ctr" defTabSz="355600">
             <a:lnSpc>
               <a:spcPct val="90000"/>
             </a:lnSpc>
@@ -4650,6 +4291,7 @@
             <a:spcAft>
               <a:spcPct val="35000"/>
             </a:spcAft>
+            <a:buNone/>
           </a:pPr>
           <a:endParaRPr lang="en-US" sz="800" kern="1200"/>
         </a:p>
@@ -4711,7 +4353,7 @@
         </a:bodyPr>
         <a:lstStyle/>
         <a:p>
-          <a:pPr lvl="0" algn="ctr" defTabSz="444500">
+          <a:pPr marL="0" lvl="0" indent="0" algn="ctr" defTabSz="444500">
             <a:lnSpc>
               <a:spcPct val="90000"/>
             </a:lnSpc>
@@ -4721,6 +4363,7 @@
             <a:spcAft>
               <a:spcPct val="35000"/>
             </a:spcAft>
+            <a:buNone/>
           </a:pPr>
           <a:r>
             <a:rPr lang="en-US" sz="1000" kern="1200"/>
@@ -4728,7 +4371,7 @@
           </a:r>
         </a:p>
         <a:p>
-          <a:pPr lvl="0" algn="ctr" defTabSz="444500">
+          <a:pPr marL="0" lvl="0" indent="0" algn="ctr" defTabSz="444500">
             <a:lnSpc>
               <a:spcPct val="90000"/>
             </a:lnSpc>
@@ -4738,6 +4381,7 @@
             <a:spcAft>
               <a:spcPct val="35000"/>
             </a:spcAft>
+            <a:buNone/>
           </a:pPr>
           <a:r>
             <a:rPr lang="en-US" sz="1000" kern="1200"/>
@@ -4800,7 +4444,7 @@
         </a:bodyPr>
         <a:lstStyle/>
         <a:p>
-          <a:pPr lvl="0" algn="ctr" defTabSz="355600">
+          <a:pPr marL="0" lvl="0" indent="0" algn="ctr" defTabSz="355600">
             <a:lnSpc>
               <a:spcPct val="90000"/>
             </a:lnSpc>
@@ -4810,6 +4454,7 @@
             <a:spcAft>
               <a:spcPct val="35000"/>
             </a:spcAft>
+            <a:buNone/>
           </a:pPr>
           <a:endParaRPr lang="en-US" sz="800" kern="1200"/>
         </a:p>
@@ -4871,7 +4516,7 @@
         </a:bodyPr>
         <a:lstStyle/>
         <a:p>
-          <a:pPr lvl="0" algn="ctr" defTabSz="444500">
+          <a:pPr marL="0" lvl="0" indent="0" algn="ctr" defTabSz="444500">
             <a:lnSpc>
               <a:spcPct val="90000"/>
             </a:lnSpc>
@@ -4881,6 +4526,7 @@
             <a:spcAft>
               <a:spcPct val="35000"/>
             </a:spcAft>
+            <a:buNone/>
           </a:pPr>
           <a:r>
             <a:rPr lang="en-US" sz="1000" kern="1200"/>
@@ -4888,7 +4534,7 @@
           </a:r>
         </a:p>
         <a:p>
-          <a:pPr lvl="0" algn="ctr" defTabSz="444500">
+          <a:pPr marL="0" lvl="0" indent="0" algn="ctr" defTabSz="444500">
             <a:lnSpc>
               <a:spcPct val="90000"/>
             </a:lnSpc>
@@ -4898,6 +4544,7 @@
             <a:spcAft>
               <a:spcPct val="35000"/>
             </a:spcAft>
+            <a:buNone/>
           </a:pPr>
           <a:r>
             <a:rPr lang="en-US" sz="1000" kern="1200"/>
@@ -4960,7 +4607,7 @@
         </a:bodyPr>
         <a:lstStyle/>
         <a:p>
-          <a:pPr lvl="0" algn="ctr" defTabSz="355600">
+          <a:pPr marL="0" lvl="0" indent="0" algn="ctr" defTabSz="355600">
             <a:lnSpc>
               <a:spcPct val="90000"/>
             </a:lnSpc>
@@ -4970,6 +4617,7 @@
             <a:spcAft>
               <a:spcPct val="35000"/>
             </a:spcAft>
+            <a:buNone/>
           </a:pPr>
           <a:endParaRPr lang="en-US" sz="800" kern="1200"/>
         </a:p>
@@ -5031,7 +4679,7 @@
         </a:bodyPr>
         <a:lstStyle/>
         <a:p>
-          <a:pPr lvl="0" algn="ctr" defTabSz="444500">
+          <a:pPr marL="0" lvl="0" indent="0" algn="ctr" defTabSz="444500">
             <a:lnSpc>
               <a:spcPct val="90000"/>
             </a:lnSpc>
@@ -5041,6 +4689,7 @@
             <a:spcAft>
               <a:spcPct val="35000"/>
             </a:spcAft>
+            <a:buNone/>
           </a:pPr>
           <a:r>
             <a:rPr lang="en-US" sz="1000" kern="1200"/>
@@ -5048,7 +4697,7 @@
           </a:r>
         </a:p>
         <a:p>
-          <a:pPr lvl="0" algn="ctr" defTabSz="444500">
+          <a:pPr marL="0" lvl="0" indent="0" algn="ctr" defTabSz="444500">
             <a:lnSpc>
               <a:spcPct val="90000"/>
             </a:lnSpc>
@@ -5058,6 +4707,7 @@
             <a:spcAft>
               <a:spcPct val="35000"/>
             </a:spcAft>
+            <a:buNone/>
           </a:pPr>
           <a:r>
             <a:rPr lang="en-US" sz="1000" kern="1200"/>
@@ -5120,7 +4770,7 @@
         </a:bodyPr>
         <a:lstStyle/>
         <a:p>
-          <a:pPr lvl="0" algn="ctr" defTabSz="355600">
+          <a:pPr marL="0" lvl="0" indent="0" algn="ctr" defTabSz="355600">
             <a:lnSpc>
               <a:spcPct val="90000"/>
             </a:lnSpc>
@@ -5130,6 +4780,7 @@
             <a:spcAft>
               <a:spcPct val="35000"/>
             </a:spcAft>
+            <a:buNone/>
           </a:pPr>
           <a:endParaRPr lang="en-US" sz="800" kern="1200"/>
         </a:p>
@@ -5191,7 +4842,7 @@
         </a:bodyPr>
         <a:lstStyle/>
         <a:p>
-          <a:pPr lvl="0" algn="ctr" defTabSz="444500">
+          <a:pPr marL="0" lvl="0" indent="0" algn="ctr" defTabSz="444500">
             <a:lnSpc>
               <a:spcPct val="90000"/>
             </a:lnSpc>
@@ -5201,6 +4852,7 @@
             <a:spcAft>
               <a:spcPct val="35000"/>
             </a:spcAft>
+            <a:buNone/>
           </a:pPr>
           <a:r>
             <a:rPr lang="en-US" sz="1000" kern="1200"/>
@@ -5208,7 +4860,7 @@
           </a:r>
         </a:p>
         <a:p>
-          <a:pPr lvl="0" algn="ctr" defTabSz="444500">
+          <a:pPr marL="0" lvl="0" indent="0" algn="ctr" defTabSz="444500">
             <a:lnSpc>
               <a:spcPct val="90000"/>
             </a:lnSpc>
@@ -5218,6 +4870,7 @@
             <a:spcAft>
               <a:spcPct val="35000"/>
             </a:spcAft>
+            <a:buNone/>
           </a:pPr>
           <a:r>
             <a:rPr lang="en-US" sz="1000" kern="1200"/>
@@ -5280,7 +4933,7 @@
         </a:bodyPr>
         <a:lstStyle/>
         <a:p>
-          <a:pPr lvl="0" algn="ctr" defTabSz="355600">
+          <a:pPr marL="0" lvl="0" indent="0" algn="ctr" defTabSz="355600">
             <a:lnSpc>
               <a:spcPct val="90000"/>
             </a:lnSpc>
@@ -5290,6 +4943,7 @@
             <a:spcAft>
               <a:spcPct val="35000"/>
             </a:spcAft>
+            <a:buNone/>
           </a:pPr>
           <a:endParaRPr lang="en-US" sz="800" kern="1200"/>
         </a:p>
@@ -5351,7 +5005,7 @@
         </a:bodyPr>
         <a:lstStyle/>
         <a:p>
-          <a:pPr lvl="0" algn="ctr" defTabSz="444500">
+          <a:pPr marL="0" lvl="0" indent="0" algn="ctr" defTabSz="444500">
             <a:lnSpc>
               <a:spcPct val="90000"/>
             </a:lnSpc>
@@ -5361,6 +5015,7 @@
             <a:spcAft>
               <a:spcPct val="35000"/>
             </a:spcAft>
+            <a:buNone/>
           </a:pPr>
           <a:r>
             <a:rPr lang="en-US" sz="1000" kern="1200"/>
@@ -5368,7 +5023,7 @@
           </a:r>
         </a:p>
         <a:p>
-          <a:pPr lvl="0" algn="ctr" defTabSz="444500">
+          <a:pPr marL="0" lvl="0" indent="0" algn="ctr" defTabSz="444500">
             <a:lnSpc>
               <a:spcPct val="90000"/>
             </a:lnSpc>
@@ -5378,6 +5033,7 @@
             <a:spcAft>
               <a:spcPct val="35000"/>
             </a:spcAft>
+            <a:buNone/>
           </a:pPr>
           <a:r>
             <a:rPr lang="en-US" sz="1000" kern="1200"/>
@@ -5440,7 +5096,7 @@
         </a:bodyPr>
         <a:lstStyle/>
         <a:p>
-          <a:pPr lvl="0" algn="ctr" defTabSz="355600">
+          <a:pPr marL="0" lvl="0" indent="0" algn="ctr" defTabSz="355600">
             <a:lnSpc>
               <a:spcPct val="90000"/>
             </a:lnSpc>
@@ -5450,6 +5106,7 @@
             <a:spcAft>
               <a:spcPct val="35000"/>
             </a:spcAft>
+            <a:buNone/>
           </a:pPr>
           <a:endParaRPr lang="en-US" sz="800" kern="1200"/>
         </a:p>
@@ -5511,7 +5168,7 @@
         </a:bodyPr>
         <a:lstStyle/>
         <a:p>
-          <a:pPr lvl="0" algn="ctr" defTabSz="444500">
+          <a:pPr marL="0" lvl="0" indent="0" algn="ctr" defTabSz="444500">
             <a:lnSpc>
               <a:spcPct val="90000"/>
             </a:lnSpc>
@@ -5521,6 +5178,7 @@
             <a:spcAft>
               <a:spcPct val="35000"/>
             </a:spcAft>
+            <a:buNone/>
           </a:pPr>
           <a:r>
             <a:rPr lang="en-US" sz="1000" kern="1200"/>
@@ -5528,7 +5186,7 @@
           </a:r>
         </a:p>
         <a:p>
-          <a:pPr lvl="0" algn="ctr" defTabSz="444500">
+          <a:pPr marL="0" lvl="0" indent="0" algn="ctr" defTabSz="444500">
             <a:lnSpc>
               <a:spcPct val="90000"/>
             </a:lnSpc>
@@ -5538,6 +5196,7 @@
             <a:spcAft>
               <a:spcPct val="35000"/>
             </a:spcAft>
+            <a:buNone/>
           </a:pPr>
           <a:r>
             <a:rPr lang="en-US" sz="1000" kern="1200"/>
@@ -5600,7 +5259,7 @@
         </a:bodyPr>
         <a:lstStyle/>
         <a:p>
-          <a:pPr lvl="0" algn="ctr" defTabSz="355600">
+          <a:pPr marL="0" lvl="0" indent="0" algn="ctr" defTabSz="355600">
             <a:lnSpc>
               <a:spcPct val="90000"/>
             </a:lnSpc>
@@ -5610,6 +5269,7 @@
             <a:spcAft>
               <a:spcPct val="35000"/>
             </a:spcAft>
+            <a:buNone/>
           </a:pPr>
           <a:endParaRPr lang="en-US" sz="800" kern="1200"/>
         </a:p>
@@ -5676,7 +5336,7 @@
         </a:bodyPr>
         <a:lstStyle/>
         <a:p>
-          <a:pPr lvl="0" algn="ctr" defTabSz="444500">
+          <a:pPr marL="0" lvl="0" indent="0" algn="ctr" defTabSz="444500">
             <a:lnSpc>
               <a:spcPct val="90000"/>
             </a:lnSpc>
@@ -5686,6 +5346,7 @@
             <a:spcAft>
               <a:spcPct val="35000"/>
             </a:spcAft>
+            <a:buNone/>
           </a:pPr>
           <a:r>
             <a:rPr lang="en-US" sz="1000" kern="1200"/>
@@ -5765,7 +5426,7 @@
         </a:bodyPr>
         <a:lstStyle/>
         <a:p>
-          <a:pPr lvl="0" algn="ctr" defTabSz="533400">
+          <a:pPr marL="0" lvl="0" indent="0" algn="ctr" defTabSz="533400">
             <a:lnSpc>
               <a:spcPct val="90000"/>
             </a:lnSpc>
@@ -5775,6 +5436,7 @@
             <a:spcAft>
               <a:spcPct val="35000"/>
             </a:spcAft>
+            <a:buNone/>
           </a:pPr>
           <a:r>
             <a:rPr lang="en-US" sz="1200" kern="1200"/>
@@ -5837,7 +5499,7 @@
         </a:bodyPr>
         <a:lstStyle/>
         <a:p>
-          <a:pPr lvl="0" algn="ctr" defTabSz="444500">
+          <a:pPr marL="0" lvl="0" indent="0" algn="ctr" defTabSz="444500">
             <a:lnSpc>
               <a:spcPct val="90000"/>
             </a:lnSpc>
@@ -5847,6 +5509,7 @@
             <a:spcAft>
               <a:spcPct val="35000"/>
             </a:spcAft>
+            <a:buNone/>
           </a:pPr>
           <a:endParaRPr lang="en-US" sz="1000" kern="1200"/>
         </a:p>
@@ -5911,7 +5574,7 @@
         </a:bodyPr>
         <a:lstStyle/>
         <a:p>
-          <a:pPr lvl="0" algn="ctr" defTabSz="533400">
+          <a:pPr marL="0" lvl="0" indent="0" algn="ctr" defTabSz="533400">
             <a:lnSpc>
               <a:spcPct val="90000"/>
             </a:lnSpc>
@@ -5921,6 +5584,7 @@
             <a:spcAft>
               <a:spcPct val="35000"/>
             </a:spcAft>
+            <a:buNone/>
           </a:pPr>
           <a:r>
             <a:rPr lang="en-US" sz="1200" kern="1200"/>
@@ -5983,7 +5647,7 @@
         </a:bodyPr>
         <a:lstStyle/>
         <a:p>
-          <a:pPr lvl="0" algn="ctr" defTabSz="444500">
+          <a:pPr marL="0" lvl="0" indent="0" algn="ctr" defTabSz="444500">
             <a:lnSpc>
               <a:spcPct val="90000"/>
             </a:lnSpc>
@@ -5993,6 +5657,7 @@
             <a:spcAft>
               <a:spcPct val="35000"/>
             </a:spcAft>
+            <a:buNone/>
           </a:pPr>
           <a:endParaRPr lang="en-US" sz="1000" kern="1200"/>
         </a:p>
@@ -6057,7 +5722,7 @@
         </a:bodyPr>
         <a:lstStyle/>
         <a:p>
-          <a:pPr lvl="0" algn="ctr" defTabSz="533400">
+          <a:pPr marL="0" lvl="0" indent="0" algn="ctr" defTabSz="533400">
             <a:lnSpc>
               <a:spcPct val="90000"/>
             </a:lnSpc>
@@ -6067,6 +5732,7 @@
             <a:spcAft>
               <a:spcPct val="35000"/>
             </a:spcAft>
+            <a:buNone/>
           </a:pPr>
           <a:r>
             <a:rPr lang="en-US" sz="1200" kern="1200"/>
@@ -6129,7 +5795,7 @@
         </a:bodyPr>
         <a:lstStyle/>
         <a:p>
-          <a:pPr lvl="0" algn="ctr" defTabSz="444500">
+          <a:pPr marL="0" lvl="0" indent="0" algn="ctr" defTabSz="444500">
             <a:lnSpc>
               <a:spcPct val="90000"/>
             </a:lnSpc>
@@ -6139,6 +5805,7 @@
             <a:spcAft>
               <a:spcPct val="35000"/>
             </a:spcAft>
+            <a:buNone/>
           </a:pPr>
           <a:endParaRPr lang="en-US" sz="1000" kern="1200"/>
         </a:p>
@@ -6203,7 +5870,7 @@
         </a:bodyPr>
         <a:lstStyle/>
         <a:p>
-          <a:pPr lvl="0" algn="ctr" defTabSz="533400">
+          <a:pPr marL="0" lvl="0" indent="0" algn="ctr" defTabSz="533400">
             <a:lnSpc>
               <a:spcPct val="90000"/>
             </a:lnSpc>
@@ -6213,6 +5880,7 @@
             <a:spcAft>
               <a:spcPct val="35000"/>
             </a:spcAft>
+            <a:buNone/>
           </a:pPr>
           <a:r>
             <a:rPr lang="en-US" sz="1200" kern="1200"/>
@@ -6275,7 +5943,7 @@
         </a:bodyPr>
         <a:lstStyle/>
         <a:p>
-          <a:pPr lvl="0" algn="ctr" defTabSz="444500">
+          <a:pPr marL="0" lvl="0" indent="0" algn="ctr" defTabSz="444500">
             <a:lnSpc>
               <a:spcPct val="90000"/>
             </a:lnSpc>
@@ -6285,6 +5953,7 @@
             <a:spcAft>
               <a:spcPct val="35000"/>
             </a:spcAft>
+            <a:buNone/>
           </a:pPr>
           <a:endParaRPr lang="en-US" sz="1000" kern="1200"/>
         </a:p>
@@ -6349,7 +6018,7 @@
         </a:bodyPr>
         <a:lstStyle/>
         <a:p>
-          <a:pPr lvl="0" algn="ctr" defTabSz="533400">
+          <a:pPr marL="0" lvl="0" indent="0" algn="ctr" defTabSz="533400">
             <a:lnSpc>
               <a:spcPct val="90000"/>
             </a:lnSpc>
@@ -6359,6 +6028,7 @@
             <a:spcAft>
               <a:spcPct val="35000"/>
             </a:spcAft>
+            <a:buNone/>
           </a:pPr>
           <a:r>
             <a:rPr lang="en-US" sz="1200" kern="1200"/>
@@ -6421,7 +6091,7 @@
         </a:bodyPr>
         <a:lstStyle/>
         <a:p>
-          <a:pPr lvl="0" algn="ctr" defTabSz="444500">
+          <a:pPr marL="0" lvl="0" indent="0" algn="ctr" defTabSz="444500">
             <a:lnSpc>
               <a:spcPct val="90000"/>
             </a:lnSpc>
@@ -6431,6 +6101,7 @@
             <a:spcAft>
               <a:spcPct val="35000"/>
             </a:spcAft>
+            <a:buNone/>
           </a:pPr>
           <a:endParaRPr lang="en-US" sz="1000" kern="1200"/>
         </a:p>
@@ -6495,7 +6166,7 @@
         </a:bodyPr>
         <a:lstStyle/>
         <a:p>
-          <a:pPr lvl="0" algn="ctr" defTabSz="533400">
+          <a:pPr marL="0" lvl="0" indent="0" algn="ctr" defTabSz="533400">
             <a:lnSpc>
               <a:spcPct val="90000"/>
             </a:lnSpc>
@@ -6505,6 +6176,7 @@
             <a:spcAft>
               <a:spcPct val="35000"/>
             </a:spcAft>
+            <a:buNone/>
           </a:pPr>
           <a:r>
             <a:rPr lang="en-US" sz="1200" kern="1200"/>
@@ -6567,7 +6239,7 @@
         </a:bodyPr>
         <a:lstStyle/>
         <a:p>
-          <a:pPr lvl="0" algn="ctr" defTabSz="444500">
+          <a:pPr marL="0" lvl="0" indent="0" algn="ctr" defTabSz="444500">
             <a:lnSpc>
               <a:spcPct val="90000"/>
             </a:lnSpc>
@@ -6577,6 +6249,7 @@
             <a:spcAft>
               <a:spcPct val="35000"/>
             </a:spcAft>
+            <a:buNone/>
           </a:pPr>
           <a:endParaRPr lang="en-US" sz="1000" kern="1200"/>
         </a:p>
@@ -10280,7 +9953,7 @@
           <a:p>
             <a:fld id="{43F1A4C9-FB5C-B247-A357-650712A3F0A8}" type="datetimeFigureOut">
               <a:rPr lang="en-US" smtClean="0"/>
-              <a:t>10/20/2020</a:t>
+              <a:t>10/21/2020</a:t>
             </a:fld>
             <a:endParaRPr lang="en-US" dirty="0"/>
           </a:p>
@@ -10445,7 +10118,7 @@
           <a:p>
             <a:fld id="{EA4960E5-F060-4C88-B1C5-5A6F5890BEF6}" type="datetimeFigureOut">
               <a:rPr lang="en-SG" smtClean="0"/>
-              <a:t>10/20/2020</a:t>
+              <a:t>21/10/2020</a:t>
             </a:fld>
             <a:endParaRPr lang="en-SG" dirty="0"/>
           </a:p>
@@ -16515,6 +16188,546 @@
           </a:p>
         </p:txBody>
       </p:sp>
+      <p:sp>
+        <p:nvSpPr>
+          <p:cNvPr id="10" name="Rectangle 4">
+            <a:extLst>
+              <a:ext uri="{FF2B5EF4-FFF2-40B4-BE49-F238E27FC236}">
+                <a16:creationId xmlns:a16="http://schemas.microsoft.com/office/drawing/2014/main" id="{5B61D517-C802-42B1-A6BB-949A98D2FF62}"/>
+              </a:ext>
+            </a:extLst>
+          </p:cNvPr>
+          <p:cNvSpPr>
+            <a:spLocks noChangeArrowheads="1"/>
+          </p:cNvSpPr>
+          <p:nvPr/>
+        </p:nvSpPr>
+        <p:spPr bwMode="auto">
+          <a:xfrm>
+            <a:off x="4902740" y="1379534"/>
+            <a:ext cx="9878537" cy="45719"/>
+          </a:xfrm>
+          <a:prstGeom prst="rect">
+            <a:avLst/>
+          </a:prstGeom>
+          <a:noFill/>
+          <a:ln>
+            <a:noFill/>
+          </a:ln>
+          <a:effectLst/>
+          <a:extLst>
+            <a:ext uri="{909E8E84-426E-40DD-AFC4-6F175D3DCCD1}">
+              <a14:hiddenFill xmlns:a14="http://schemas.microsoft.com/office/drawing/2010/main">
+                <a:solidFill>
+                  <a:schemeClr val="accent1"/>
+                </a:solidFill>
+              </a14:hiddenFill>
+            </a:ext>
+            <a:ext uri="{91240B29-F687-4F45-9708-019B960494DF}">
+              <a14:hiddenLine xmlns:a14="http://schemas.microsoft.com/office/drawing/2010/main" w="9525">
+                <a:solidFill>
+                  <a:schemeClr val="tx1"/>
+                </a:solidFill>
+                <a:miter lim="800000"/>
+                <a:headEnd/>
+                <a:tailEnd/>
+              </a14:hiddenLine>
+            </a:ext>
+            <a:ext uri="{AF507438-7753-43E0-B8FC-AC1667EBCBE1}">
+              <a14:hiddenEffects xmlns:a14="http://schemas.microsoft.com/office/drawing/2010/main">
+                <a:effectLst>
+                  <a:outerShdw dist="35921" dir="2700000" algn="ctr" rotWithShape="0">
+                    <a:schemeClr val="bg2"/>
+                  </a:outerShdw>
+                </a:effectLst>
+              </a14:hiddenEffects>
+            </a:ext>
+          </a:extLst>
+        </p:spPr>
+        <p:txBody>
+          <a:bodyPr vert="horz" wrap="square" lIns="91440" tIns="45720" rIns="91440" bIns="45720" numCol="1" anchor="ctr" anchorCtr="0" compatLnSpc="1">
+            <a:prstTxWarp prst="textNoShape">
+              <a:avLst/>
+            </a:prstTxWarp>
+            <a:spAutoFit/>
+          </a:bodyPr>
+          <a:lstStyle/>
+          <a:p>
+            <a:endParaRPr lang="en-US"/>
+          </a:p>
+        </p:txBody>
+      </p:sp>
+      <p:sp>
+        <p:nvSpPr>
+          <p:cNvPr id="12" name="TextBox 11">
+            <a:extLst>
+              <a:ext uri="{FF2B5EF4-FFF2-40B4-BE49-F238E27FC236}">
+                <a16:creationId xmlns:a16="http://schemas.microsoft.com/office/drawing/2014/main" id="{65A9DB55-9C81-4E02-B3DB-74B3A982E232}"/>
+              </a:ext>
+            </a:extLst>
+          </p:cNvPr>
+          <p:cNvSpPr txBox="1"/>
+          <p:nvPr/>
+        </p:nvSpPr>
+        <p:spPr>
+          <a:xfrm>
+            <a:off x="1633162" y="4814595"/>
+            <a:ext cx="1877437" cy="369332"/>
+          </a:xfrm>
+          <a:prstGeom prst="rect">
+            <a:avLst/>
+          </a:prstGeom>
+          <a:noFill/>
+        </p:spPr>
+        <p:txBody>
+          <a:bodyPr wrap="none" rtlCol="0">
+            <a:spAutoFit/>
+          </a:bodyPr>
+          <a:lstStyle/>
+          <a:p>
+            <a:r>
+              <a:rPr lang="en-US" dirty="0">
+                <a:solidFill>
+                  <a:schemeClr val="tx1">
+                    <a:lumMod val="75000"/>
+                    <a:lumOff val="25000"/>
+                  </a:schemeClr>
+                </a:solidFill>
+              </a:rPr>
+              <a:t>Without Padding</a:t>
+            </a:r>
+          </a:p>
+        </p:txBody>
+      </p:sp>
+      <p:sp>
+        <p:nvSpPr>
+          <p:cNvPr id="13" name="TextBox 12">
+            <a:extLst>
+              <a:ext uri="{FF2B5EF4-FFF2-40B4-BE49-F238E27FC236}">
+                <a16:creationId xmlns:a16="http://schemas.microsoft.com/office/drawing/2014/main" id="{40D46861-28D5-4F5D-9FD4-3629BF4339C0}"/>
+              </a:ext>
+            </a:extLst>
+          </p:cNvPr>
+          <p:cNvSpPr txBox="1"/>
+          <p:nvPr/>
+        </p:nvSpPr>
+        <p:spPr>
+          <a:xfrm>
+            <a:off x="5073383" y="4814595"/>
+            <a:ext cx="2941831" cy="369332"/>
+          </a:xfrm>
+          <a:prstGeom prst="rect">
+            <a:avLst/>
+          </a:prstGeom>
+          <a:noFill/>
+        </p:spPr>
+        <p:txBody>
+          <a:bodyPr wrap="none" rtlCol="0">
+            <a:spAutoFit/>
+          </a:bodyPr>
+          <a:lstStyle/>
+          <a:p>
+            <a:r>
+              <a:rPr lang="en-US" dirty="0">
+                <a:solidFill>
+                  <a:schemeClr val="tx1">
+                    <a:lumMod val="75000"/>
+                    <a:lumOff val="25000"/>
+                  </a:schemeClr>
+                </a:solidFill>
+              </a:rPr>
+              <a:t>After edge noise reduction </a:t>
+            </a:r>
+          </a:p>
+        </p:txBody>
+      </p:sp>
+      <p:graphicFrame>
+        <p:nvGraphicFramePr>
+          <p:cNvPr id="14" name="Object 13">
+            <a:extLst>
+              <a:ext uri="{FF2B5EF4-FFF2-40B4-BE49-F238E27FC236}">
+                <a16:creationId xmlns:a16="http://schemas.microsoft.com/office/drawing/2014/main" id="{76B5690D-B6E3-4979-82C9-3BE38282EAB8}"/>
+              </a:ext>
+            </a:extLst>
+          </p:cNvPr>
+          <p:cNvGraphicFramePr>
+            <a:graphicFrameLocks noChangeAspect="1"/>
+          </p:cNvGraphicFramePr>
+          <p:nvPr>
+            <p:extLst>
+              <p:ext uri="{D42A27DB-BD31-4B8C-83A1-F6EECF244321}">
+                <p14:modId xmlns:p14="http://schemas.microsoft.com/office/powerpoint/2010/main" val="3782519618"/>
+              </p:ext>
+            </p:extLst>
+          </p:nvPr>
+        </p:nvGraphicFramePr>
+        <p:xfrm>
+          <a:off x="628655" y="1402393"/>
+          <a:ext cx="3457488" cy="3152214"/>
+        </p:xfrm>
+        <a:graphic>
+          <a:graphicData uri="http://schemas.openxmlformats.org/presentationml/2006/ole">
+            <mc:AlternateContent xmlns:mc="http://schemas.openxmlformats.org/markup-compatibility/2006">
+              <mc:Choice xmlns:v="urn:schemas-microsoft-com:vml" Requires="v">
+                <p:oleObj spid="_x0000_s2066" name="Bitmap Image" r:id="rId3" imgW="5014395" imgH="4572396" progId="Paint.Picture">
+                  <p:embed/>
+                </p:oleObj>
+              </mc:Choice>
+              <mc:Fallback>
+                <p:oleObj name="Bitmap Image" r:id="rId3" imgW="5014395" imgH="4572396" progId="Paint.Picture">
+                  <p:embed/>
+                  <p:pic>
+                    <p:nvPicPr>
+                      <p:cNvPr id="11" name="Object 10">
+                        <a:extLst>
+                          <a:ext uri="{FF2B5EF4-FFF2-40B4-BE49-F238E27FC236}">
+                            <a16:creationId xmlns:a16="http://schemas.microsoft.com/office/drawing/2014/main" id="{22C4C178-C008-4C69-961E-0CE4117E6EE4}"/>
+                          </a:ext>
+                        </a:extLst>
+                      </p:cNvPr>
+                      <p:cNvPicPr>
+                        <a:picLocks noChangeAspect="1" noChangeArrowheads="1"/>
+                      </p:cNvPicPr>
+                      <p:nvPr/>
+                    </p:nvPicPr>
+                    <p:blipFill>
+                      <a:blip r:embed="rId4">
+                        <a:extLst>
+                          <a:ext uri="{28A0092B-C50C-407E-A947-70E740481C1C}">
+                            <a14:useLocalDpi xmlns:a14="http://schemas.microsoft.com/office/drawing/2010/main" val="0"/>
+                          </a:ext>
+                        </a:extLst>
+                      </a:blip>
+                      <a:srcRect/>
+                      <a:stretch>
+                        <a:fillRect/>
+                      </a:stretch>
+                    </p:blipFill>
+                    <p:spPr bwMode="auto">
+                      <a:xfrm>
+                        <a:off x="628655" y="1402393"/>
+                        <a:ext cx="3457488" cy="3152214"/>
+                      </a:xfrm>
+                      <a:prstGeom prst="rect">
+                        <a:avLst/>
+                      </a:prstGeom>
+                      <a:noFill/>
+                    </p:spPr>
+                  </p:pic>
+                </p:oleObj>
+              </mc:Fallback>
+            </mc:AlternateContent>
+          </a:graphicData>
+        </a:graphic>
+      </p:graphicFrame>
+      <p:pic>
+        <p:nvPicPr>
+          <p:cNvPr id="15" name="Picture 14">
+            <a:extLst>
+              <a:ext uri="{FF2B5EF4-FFF2-40B4-BE49-F238E27FC236}">
+                <a16:creationId xmlns:a16="http://schemas.microsoft.com/office/drawing/2014/main" id="{7174E0F6-E6AC-46AD-A986-BC3F49F2F885}"/>
+              </a:ext>
+            </a:extLst>
+          </p:cNvPr>
+          <p:cNvPicPr/>
+          <p:nvPr/>
+        </p:nvPicPr>
+        <p:blipFill>
+          <a:blip r:embed="rId5">
+            <a:extLst>
+              <a:ext uri="{28A0092B-C50C-407E-A947-70E740481C1C}">
+                <a14:useLocalDpi xmlns:a14="http://schemas.microsoft.com/office/drawing/2010/main" val="0"/>
+              </a:ext>
+            </a:extLst>
+          </a:blip>
+          <a:srcRect/>
+          <a:stretch>
+            <a:fillRect/>
+          </a:stretch>
+        </p:blipFill>
+        <p:spPr bwMode="auto">
+          <a:xfrm>
+            <a:off x="4766283" y="1402393"/>
+            <a:ext cx="3200400" cy="3219450"/>
+          </a:xfrm>
+          <a:prstGeom prst="rect">
+            <a:avLst/>
+          </a:prstGeom>
+          <a:noFill/>
+          <a:ln>
+            <a:noFill/>
+          </a:ln>
+        </p:spPr>
+      </p:pic>
+      <p:pic>
+        <p:nvPicPr>
+          <p:cNvPr id="16" name="Picture 15">
+            <a:extLst>
+              <a:ext uri="{FF2B5EF4-FFF2-40B4-BE49-F238E27FC236}">
+                <a16:creationId xmlns:a16="http://schemas.microsoft.com/office/drawing/2014/main" id="{F24F6012-C32A-41B1-906D-F0A76E5E32C4}"/>
+              </a:ext>
+            </a:extLst>
+          </p:cNvPr>
+          <p:cNvPicPr/>
+          <p:nvPr/>
+        </p:nvPicPr>
+        <p:blipFill>
+          <a:blip r:embed="rId6">
+            <a:extLst>
+              <a:ext uri="{28A0092B-C50C-407E-A947-70E740481C1C}">
+                <a14:useLocalDpi xmlns:a14="http://schemas.microsoft.com/office/drawing/2010/main" val="0"/>
+              </a:ext>
+            </a:extLst>
+          </a:blip>
+          <a:srcRect/>
+          <a:stretch>
+            <a:fillRect/>
+          </a:stretch>
+        </p:blipFill>
+        <p:spPr bwMode="auto">
+          <a:xfrm>
+            <a:off x="3059265" y="5292625"/>
+            <a:ext cx="3200400" cy="638175"/>
+          </a:xfrm>
+          <a:prstGeom prst="rect">
+            <a:avLst/>
+          </a:prstGeom>
+          <a:noFill/>
+          <a:ln>
+            <a:noFill/>
+          </a:ln>
+        </p:spPr>
+      </p:pic>
+      <p:sp>
+        <p:nvSpPr>
+          <p:cNvPr id="17" name="TextBox 16">
+            <a:extLst>
+              <a:ext uri="{FF2B5EF4-FFF2-40B4-BE49-F238E27FC236}">
+                <a16:creationId xmlns:a16="http://schemas.microsoft.com/office/drawing/2014/main" id="{27A9C5CD-2AB5-4010-AE73-7AEE9BC95E27}"/>
+              </a:ext>
+            </a:extLst>
+          </p:cNvPr>
+          <p:cNvSpPr txBox="1"/>
+          <p:nvPr/>
+        </p:nvSpPr>
+        <p:spPr>
+          <a:xfrm>
+            <a:off x="3188549" y="5918999"/>
+            <a:ext cx="2544286" cy="369332"/>
+          </a:xfrm>
+          <a:prstGeom prst="rect">
+            <a:avLst/>
+          </a:prstGeom>
+          <a:noFill/>
+        </p:spPr>
+        <p:txBody>
+          <a:bodyPr wrap="none" rtlCol="0">
+            <a:spAutoFit/>
+          </a:bodyPr>
+          <a:lstStyle/>
+          <a:p>
+            <a:r>
+              <a:rPr lang="en-US" dirty="0">
+                <a:solidFill>
+                  <a:schemeClr val="tx1">
+                    <a:lumMod val="75000"/>
+                    <a:lumOff val="25000"/>
+                  </a:schemeClr>
+                </a:solidFill>
+              </a:rPr>
+              <a:t>Edge Noise Reduction </a:t>
+            </a:r>
+          </a:p>
+        </p:txBody>
+      </p:sp>
+    </p:spTree>
+    <p:extLst>
+      <p:ext uri="{BB962C8B-B14F-4D97-AF65-F5344CB8AC3E}">
+        <p14:creationId xmlns:p14="http://schemas.microsoft.com/office/powerpoint/2010/main" val="2044785156"/>
+      </p:ext>
+    </p:extLst>
+  </p:cSld>
+  <p:clrMapOvr>
+    <a:masterClrMapping/>
+  </p:clrMapOvr>
+</p:sld>
+</file>
+
+<file path=ppt/slides/slide22.xml><?xml version="1.0" encoding="utf-8"?>
+<p:sld xmlns:a="http://schemas.openxmlformats.org/drawingml/2006/main" xmlns:r="http://schemas.openxmlformats.org/officeDocument/2006/relationships" xmlns:p="http://schemas.openxmlformats.org/presentationml/2006/main">
+  <p:cSld>
+    <p:spTree>
+      <p:nvGrpSpPr>
+        <p:cNvPr id="1" name=""/>
+        <p:cNvGrpSpPr/>
+        <p:nvPr/>
+      </p:nvGrpSpPr>
+      <p:grpSpPr>
+        <a:xfrm>
+          <a:off x="0" y="0"/>
+          <a:ext cx="0" cy="0"/>
+          <a:chOff x="0" y="0"/>
+          <a:chExt cx="0" cy="0"/>
+        </a:xfrm>
+      </p:grpSpPr>
+      <p:sp>
+        <p:nvSpPr>
+          <p:cNvPr id="2" name="Title 1">
+            <a:extLst>
+              <a:ext uri="{FF2B5EF4-FFF2-40B4-BE49-F238E27FC236}">
+                <a16:creationId xmlns:a16="http://schemas.microsoft.com/office/drawing/2014/main" id="{049F1383-99AC-409F-A6E3-EE83FF9D27F5}"/>
+              </a:ext>
+            </a:extLst>
+          </p:cNvPr>
+          <p:cNvSpPr>
+            <a:spLocks noGrp="1"/>
+          </p:cNvSpPr>
+          <p:nvPr>
+            <p:ph type="title"/>
+          </p:nvPr>
+        </p:nvSpPr>
+        <p:spPr/>
+        <p:txBody>
+          <a:bodyPr/>
+          <a:lstStyle/>
+          <a:p>
+            <a:r>
+              <a:rPr lang="en-US" dirty="0"/>
+              <a:t>Testing Result</a:t>
+            </a:r>
+            <a:endParaRPr lang="en-SG" dirty="0"/>
+          </a:p>
+        </p:txBody>
+      </p:sp>
+      <p:sp>
+        <p:nvSpPr>
+          <p:cNvPr id="4" name="Footer Placeholder 3">
+            <a:extLst>
+              <a:ext uri="{FF2B5EF4-FFF2-40B4-BE49-F238E27FC236}">
+                <a16:creationId xmlns:a16="http://schemas.microsoft.com/office/drawing/2014/main" id="{05D0A230-97B6-49E0-B1A3-8C63933BF90B}"/>
+              </a:ext>
+            </a:extLst>
+          </p:cNvPr>
+          <p:cNvSpPr>
+            <a:spLocks noGrp="1"/>
+          </p:cNvSpPr>
+          <p:nvPr>
+            <p:ph type="ftr" sz="quarter" idx="15"/>
+          </p:nvPr>
+        </p:nvSpPr>
+        <p:spPr/>
+        <p:txBody>
+          <a:bodyPr/>
+          <a:lstStyle/>
+          <a:p>
+            <a:pPr algn="l"/>
+            <a:r>
+              <a:rPr lang="en-SG" sz="1000" dirty="0"/>
+              <a:t>© 2018 National University of Singapore. All Rights Reserved</a:t>
+            </a:r>
+            <a:endParaRPr lang="en-SG" dirty="0"/>
+          </a:p>
+        </p:txBody>
+      </p:sp>
+      <p:sp>
+        <p:nvSpPr>
+          <p:cNvPr id="5" name="Slide Number Placeholder 4">
+            <a:extLst>
+              <a:ext uri="{FF2B5EF4-FFF2-40B4-BE49-F238E27FC236}">
+                <a16:creationId xmlns:a16="http://schemas.microsoft.com/office/drawing/2014/main" id="{2091C43B-FAE4-4E69-A40A-FD296928683C}"/>
+              </a:ext>
+            </a:extLst>
+          </p:cNvPr>
+          <p:cNvSpPr>
+            <a:spLocks noGrp="1"/>
+          </p:cNvSpPr>
+          <p:nvPr>
+            <p:ph type="sldNum" sz="quarter" idx="16"/>
+          </p:nvPr>
+        </p:nvSpPr>
+        <p:spPr/>
+        <p:txBody>
+          <a:bodyPr/>
+          <a:lstStyle/>
+          <a:p>
+            <a:fld id="{2F63C605-4FC6-46DE-BC90-871762EA3F52}" type="slidenum">
+              <a:rPr lang="en-SG" smtClean="0"/>
+              <a:pPr/>
+              <a:t>22</a:t>
+            </a:fld>
+            <a:endParaRPr lang="en-SG" dirty="0"/>
+          </a:p>
+        </p:txBody>
+      </p:sp>
+      <p:sp>
+        <p:nvSpPr>
+          <p:cNvPr id="8" name="Rectangle 2">
+            <a:extLst>
+              <a:ext uri="{FF2B5EF4-FFF2-40B4-BE49-F238E27FC236}">
+                <a16:creationId xmlns:a16="http://schemas.microsoft.com/office/drawing/2014/main" id="{5DC4C39A-8687-4F1F-9092-6710B894D423}"/>
+              </a:ext>
+            </a:extLst>
+          </p:cNvPr>
+          <p:cNvSpPr>
+            <a:spLocks noChangeArrowheads="1"/>
+          </p:cNvSpPr>
+          <p:nvPr/>
+        </p:nvSpPr>
+        <p:spPr bwMode="auto">
+          <a:xfrm>
+            <a:off x="286871" y="1379536"/>
+            <a:ext cx="11560352" cy="45719"/>
+          </a:xfrm>
+          <a:prstGeom prst="rect">
+            <a:avLst/>
+          </a:prstGeom>
+          <a:noFill/>
+          <a:ln>
+            <a:noFill/>
+          </a:ln>
+          <a:effectLst/>
+          <a:extLst>
+            <a:ext uri="{909E8E84-426E-40DD-AFC4-6F175D3DCCD1}">
+              <a14:hiddenFill xmlns:a14="http://schemas.microsoft.com/office/drawing/2010/main">
+                <a:solidFill>
+                  <a:schemeClr val="accent1"/>
+                </a:solidFill>
+              </a14:hiddenFill>
+            </a:ext>
+            <a:ext uri="{91240B29-F687-4F45-9708-019B960494DF}">
+              <a14:hiddenLine xmlns:a14="http://schemas.microsoft.com/office/drawing/2010/main" w="9525">
+                <a:solidFill>
+                  <a:schemeClr val="tx1"/>
+                </a:solidFill>
+                <a:miter lim="800000"/>
+                <a:headEnd/>
+                <a:tailEnd/>
+              </a14:hiddenLine>
+            </a:ext>
+            <a:ext uri="{AF507438-7753-43E0-B8FC-AC1667EBCBE1}">
+              <a14:hiddenEffects xmlns:a14="http://schemas.microsoft.com/office/drawing/2010/main">
+                <a:effectLst>
+                  <a:outerShdw dist="35921" dir="2700000" algn="ctr" rotWithShape="0">
+                    <a:schemeClr val="bg2"/>
+                  </a:outerShdw>
+                </a:effectLst>
+              </a14:hiddenEffects>
+            </a:ext>
+          </a:extLst>
+        </p:spPr>
+        <p:txBody>
+          <a:bodyPr vert="horz" wrap="square" lIns="91440" tIns="45720" rIns="91440" bIns="45720" numCol="1" anchor="ctr" anchorCtr="0" compatLnSpc="1">
+            <a:prstTxWarp prst="textNoShape">
+              <a:avLst/>
+            </a:prstTxWarp>
+            <a:spAutoFit/>
+          </a:bodyPr>
+          <a:lstStyle/>
+          <a:p>
+            <a:endParaRPr lang="en-US"/>
+          </a:p>
+        </p:txBody>
+      </p:sp>
       <p:graphicFrame>
         <p:nvGraphicFramePr>
           <p:cNvPr id="9" name="Object 8">
@@ -16527,13 +16740,7 @@
           <p:cNvGraphicFramePr>
             <a:graphicFrameLocks noChangeAspect="1"/>
           </p:cNvGraphicFramePr>
-          <p:nvPr>
-            <p:extLst>
-              <p:ext uri="{D42A27DB-BD31-4B8C-83A1-F6EECF244321}">
-                <p14:modId xmlns:p14="http://schemas.microsoft.com/office/powerpoint/2010/main" val="434179003"/>
-              </p:ext>
-            </p:extLst>
-          </p:nvPr>
+          <p:nvPr/>
         </p:nvGraphicFramePr>
         <p:xfrm>
           <a:off x="286871" y="1379537"/>
@@ -16543,7 +16750,7 @@
           <a:graphicData uri="http://schemas.openxmlformats.org/presentationml/2006/ole">
             <mc:AlternateContent xmlns:mc="http://schemas.openxmlformats.org/markup-compatibility/2006">
               <mc:Choice xmlns:v="urn:schemas-microsoft-com:vml" Requires="v">
-                <p:oleObj spid="_x0000_s2077" name="Bitmap Image" r:id="rId3" imgW="4915326" imgH="3505504" progId="Paint.Picture">
+                <p:oleObj spid="_x0000_s6148" name="Bitmap Image" r:id="rId3" imgW="4915326" imgH="3505504" progId="Paint.Picture">
                   <p:embed/>
                 </p:oleObj>
               </mc:Choice>
@@ -16552,7 +16759,13 @@
                   <p:embed/>
                   <p:pic>
                     <p:nvPicPr>
-                      <p:cNvPr id="0" name="Object 1"/>
+                      <p:cNvPr id="9" name="Object 8">
+                        <a:extLst>
+                          <a:ext uri="{FF2B5EF4-FFF2-40B4-BE49-F238E27FC236}">
+                            <a16:creationId xmlns:a16="http://schemas.microsoft.com/office/drawing/2014/main" id="{C7813384-D1C9-4C78-BBE9-E136EEB047F8}"/>
+                          </a:ext>
+                        </a:extLst>
+                      </p:cNvPr>
                       <p:cNvPicPr>
                         <a:picLocks noChangeAspect="1" noChangeArrowheads="1"/>
                       </p:cNvPicPr>
@@ -16657,79 +16870,6 @@
           </a:p>
         </p:txBody>
       </p:sp>
-      <p:graphicFrame>
-        <p:nvGraphicFramePr>
-          <p:cNvPr id="11" name="Object 10">
-            <a:extLst>
-              <a:ext uri="{FF2B5EF4-FFF2-40B4-BE49-F238E27FC236}">
-                <a16:creationId xmlns:a16="http://schemas.microsoft.com/office/drawing/2014/main" id="{22C4C178-C008-4C69-961E-0CE4117E6EE4}"/>
-              </a:ext>
-            </a:extLst>
-          </p:cNvPr>
-          <p:cNvGraphicFramePr>
-            <a:graphicFrameLocks noChangeAspect="1"/>
-          </p:cNvGraphicFramePr>
-          <p:nvPr>
-            <p:extLst>
-              <p:ext uri="{D42A27DB-BD31-4B8C-83A1-F6EECF244321}">
-                <p14:modId xmlns:p14="http://schemas.microsoft.com/office/powerpoint/2010/main" val="799594531"/>
-              </p:ext>
-            </p:extLst>
-          </p:nvPr>
-        </p:nvGraphicFramePr>
-        <p:xfrm>
-          <a:off x="4902741" y="1379535"/>
-          <a:ext cx="3457488" cy="3152214"/>
-        </p:xfrm>
-        <a:graphic>
-          <a:graphicData uri="http://schemas.openxmlformats.org/presentationml/2006/ole">
-            <mc:AlternateContent xmlns:mc="http://schemas.openxmlformats.org/markup-compatibility/2006">
-              <mc:Choice xmlns:v="urn:schemas-microsoft-com:vml" Requires="v">
-                <p:oleObj spid="_x0000_s2078" name="Bitmap Image" r:id="rId5" imgW="5014395" imgH="4572396" progId="Paint.Picture">
-                  <p:embed/>
-                </p:oleObj>
-              </mc:Choice>
-              <mc:Fallback>
-                <p:oleObj name="Bitmap Image" r:id="rId5" imgW="5014395" imgH="4572396" progId="Paint.Picture">
-                  <p:embed/>
-                  <p:pic>
-                    <p:nvPicPr>
-                      <p:cNvPr id="0" name="Object 3"/>
-                      <p:cNvPicPr>
-                        <a:picLocks noChangeAspect="1" noChangeArrowheads="1"/>
-                      </p:cNvPicPr>
-                      <p:nvPr/>
-                    </p:nvPicPr>
-                    <p:blipFill>
-                      <a:blip r:embed="rId6">
-                        <a:extLst>
-                          <a:ext uri="{28A0092B-C50C-407E-A947-70E740481C1C}">
-                            <a14:useLocalDpi xmlns:a14="http://schemas.microsoft.com/office/drawing/2010/main" val="0"/>
-                          </a:ext>
-                        </a:extLst>
-                      </a:blip>
-                      <a:srcRect/>
-                      <a:stretch>
-                        <a:fillRect/>
-                      </a:stretch>
-                    </p:blipFill>
-                    <p:spPr bwMode="auto">
-                      <a:xfrm>
-                        <a:off x="4902741" y="1379535"/>
-                        <a:ext cx="3457488" cy="3152214"/>
-                      </a:xfrm>
-                      <a:prstGeom prst="rect">
-                        <a:avLst/>
-                      </a:prstGeom>
-                      <a:noFill/>
-                    </p:spPr>
-                  </p:pic>
-                </p:oleObj>
-              </mc:Fallback>
-            </mc:AlternateContent>
-          </a:graphicData>
-        </a:graphic>
-      </p:graphicFrame>
       <p:sp>
         <p:nvSpPr>
           <p:cNvPr id="12" name="TextBox 11">
@@ -16814,165 +16954,49 @@
           </a:p>
         </p:txBody>
       </p:sp>
+      <p:pic>
+        <p:nvPicPr>
+          <p:cNvPr id="14" name="Picture 13">
+            <a:extLst>
+              <a:ext uri="{FF2B5EF4-FFF2-40B4-BE49-F238E27FC236}">
+                <a16:creationId xmlns:a16="http://schemas.microsoft.com/office/drawing/2014/main" id="{36A5C3E5-7597-4389-B5A0-83515E21DB09}"/>
+              </a:ext>
+            </a:extLst>
+          </p:cNvPr>
+          <p:cNvPicPr/>
+          <p:nvPr/>
+        </p:nvPicPr>
+        <p:blipFill>
+          <a:blip r:embed="rId5">
+            <a:extLst>
+              <a:ext uri="{28A0092B-C50C-407E-A947-70E740481C1C}">
+                <a14:useLocalDpi xmlns:a14="http://schemas.microsoft.com/office/drawing/2010/main" val="0"/>
+              </a:ext>
+            </a:extLst>
+          </a:blip>
+          <a:srcRect/>
+          <a:stretch>
+            <a:fillRect/>
+          </a:stretch>
+        </p:blipFill>
+        <p:spPr bwMode="auto">
+          <a:xfrm>
+            <a:off x="4766283" y="1402393"/>
+            <a:ext cx="3200400" cy="3219450"/>
+          </a:xfrm>
+          <a:prstGeom prst="rect">
+            <a:avLst/>
+          </a:prstGeom>
+          <a:noFill/>
+          <a:ln>
+            <a:noFill/>
+          </a:ln>
+        </p:spPr>
+      </p:pic>
     </p:spTree>
     <p:extLst>
       <p:ext uri="{BB962C8B-B14F-4D97-AF65-F5344CB8AC3E}">
-        <p14:creationId xmlns:p14="http://schemas.microsoft.com/office/powerpoint/2010/main" val="2044785156"/>
-      </p:ext>
-    </p:extLst>
-  </p:cSld>
-  <p:clrMapOvr>
-    <a:masterClrMapping/>
-  </p:clrMapOvr>
-</p:sld>
-</file>
-
-<file path=ppt/slides/slide22.xml><?xml version="1.0" encoding="utf-8"?>
-<p:sld xmlns:a="http://schemas.openxmlformats.org/drawingml/2006/main" xmlns:r="http://schemas.openxmlformats.org/officeDocument/2006/relationships" xmlns:p="http://schemas.openxmlformats.org/presentationml/2006/main">
-  <p:cSld>
-    <p:spTree>
-      <p:nvGrpSpPr>
-        <p:cNvPr id="1" name=""/>
-        <p:cNvGrpSpPr/>
-        <p:nvPr/>
-      </p:nvGrpSpPr>
-      <p:grpSpPr>
-        <a:xfrm>
-          <a:off x="0" y="0"/>
-          <a:ext cx="0" cy="0"/>
-          <a:chOff x="0" y="0"/>
-          <a:chExt cx="0" cy="0"/>
-        </a:xfrm>
-      </p:grpSpPr>
-      <p:sp>
-        <p:nvSpPr>
-          <p:cNvPr id="2" name="Title 1">
-            <a:extLst>
-              <a:ext uri="{FF2B5EF4-FFF2-40B4-BE49-F238E27FC236}">
-                <a16:creationId xmlns:a16="http://schemas.microsoft.com/office/drawing/2014/main" id="{049F1383-99AC-409F-A6E3-EE83FF9D27F5}"/>
-              </a:ext>
-            </a:extLst>
-          </p:cNvPr>
-          <p:cNvSpPr>
-            <a:spLocks noGrp="1"/>
-          </p:cNvSpPr>
-          <p:nvPr>
-            <p:ph type="title"/>
-          </p:nvPr>
-        </p:nvSpPr>
-        <p:spPr/>
-        <p:txBody>
-          <a:bodyPr/>
-          <a:lstStyle/>
-          <a:p>
-            <a:r>
-              <a:rPr lang="en-US" dirty="0"/>
-              <a:t>Testing Result</a:t>
-            </a:r>
-            <a:endParaRPr lang="en-SG" dirty="0"/>
-          </a:p>
-        </p:txBody>
-      </p:sp>
-      <p:sp>
-        <p:nvSpPr>
-          <p:cNvPr id="3" name="Text Placeholder 2">
-            <a:extLst>
-              <a:ext uri="{FF2B5EF4-FFF2-40B4-BE49-F238E27FC236}">
-                <a16:creationId xmlns:a16="http://schemas.microsoft.com/office/drawing/2014/main" id="{0975D2C9-6230-4ED3-A49E-4BFEF8730CB9}"/>
-              </a:ext>
-            </a:extLst>
-          </p:cNvPr>
-          <p:cNvSpPr>
-            <a:spLocks noGrp="1"/>
-          </p:cNvSpPr>
-          <p:nvPr>
-            <p:ph type="body" sz="quarter" idx="13"/>
-          </p:nvPr>
-        </p:nvSpPr>
-        <p:spPr/>
-        <p:txBody>
-          <a:bodyPr>
-            <a:normAutofit/>
-          </a:bodyPr>
-          <a:lstStyle/>
-          <a:p>
-            <a:r>
-              <a:rPr lang="en-US" dirty="0"/>
-              <a:t>The RESNET enhanced neural network is having higher testing accuracy of 94.8% when comparing the generated map against the non-RESNET neural network. </a:t>
-            </a:r>
-          </a:p>
-          <a:p>
-            <a:r>
-              <a:rPr lang="en-US" dirty="0"/>
-              <a:t>Noise reflected by the tree leaves and other objects has been reduced.</a:t>
-            </a:r>
-          </a:p>
-        </p:txBody>
-      </p:sp>
-      <p:sp>
-        <p:nvSpPr>
-          <p:cNvPr id="4" name="Footer Placeholder 3">
-            <a:extLst>
-              <a:ext uri="{FF2B5EF4-FFF2-40B4-BE49-F238E27FC236}">
-                <a16:creationId xmlns:a16="http://schemas.microsoft.com/office/drawing/2014/main" id="{05D0A230-97B6-49E0-B1A3-8C63933BF90B}"/>
-              </a:ext>
-            </a:extLst>
-          </p:cNvPr>
-          <p:cNvSpPr>
-            <a:spLocks noGrp="1"/>
-          </p:cNvSpPr>
-          <p:nvPr>
-            <p:ph type="ftr" sz="quarter" idx="15"/>
-          </p:nvPr>
-        </p:nvSpPr>
-        <p:spPr/>
-        <p:txBody>
-          <a:bodyPr/>
-          <a:lstStyle/>
-          <a:p>
-            <a:pPr algn="l"/>
-            <a:r>
-              <a:rPr lang="en-SG" sz="1000" dirty="0"/>
-              <a:t>© 2018 National University of Singapore. All Rights Reserved</a:t>
-            </a:r>
-            <a:endParaRPr lang="en-SG" dirty="0"/>
-          </a:p>
-        </p:txBody>
-      </p:sp>
-      <p:sp>
-        <p:nvSpPr>
-          <p:cNvPr id="5" name="Slide Number Placeholder 4">
-            <a:extLst>
-              <a:ext uri="{FF2B5EF4-FFF2-40B4-BE49-F238E27FC236}">
-                <a16:creationId xmlns:a16="http://schemas.microsoft.com/office/drawing/2014/main" id="{2091C43B-FAE4-4E69-A40A-FD296928683C}"/>
-              </a:ext>
-            </a:extLst>
-          </p:cNvPr>
-          <p:cNvSpPr>
-            <a:spLocks noGrp="1"/>
-          </p:cNvSpPr>
-          <p:nvPr>
-            <p:ph type="sldNum" sz="quarter" idx="16"/>
-          </p:nvPr>
-        </p:nvSpPr>
-        <p:spPr/>
-        <p:txBody>
-          <a:bodyPr/>
-          <a:lstStyle/>
-          <a:p>
-            <a:fld id="{2F63C605-4FC6-46DE-BC90-871762EA3F52}" type="slidenum">
-              <a:rPr lang="en-SG" smtClean="0"/>
-              <a:pPr/>
-              <a:t>22</a:t>
-            </a:fld>
-            <a:endParaRPr lang="en-SG" dirty="0"/>
-          </a:p>
-        </p:txBody>
-      </p:sp>
-    </p:spTree>
-    <p:extLst>
-      <p:ext uri="{BB962C8B-B14F-4D97-AF65-F5344CB8AC3E}">
-        <p14:creationId xmlns:p14="http://schemas.microsoft.com/office/powerpoint/2010/main" val="731084996"/>
+        <p14:creationId xmlns:p14="http://schemas.microsoft.com/office/powerpoint/2010/main" val="2313408414"/>
       </p:ext>
     </p:extLst>
   </p:cSld>
@@ -17030,6 +17054,42 @@
       </p:sp>
       <p:sp>
         <p:nvSpPr>
+          <p:cNvPr id="3" name="Text Placeholder 2">
+            <a:extLst>
+              <a:ext uri="{FF2B5EF4-FFF2-40B4-BE49-F238E27FC236}">
+                <a16:creationId xmlns:a16="http://schemas.microsoft.com/office/drawing/2014/main" id="{0975D2C9-6230-4ED3-A49E-4BFEF8730CB9}"/>
+              </a:ext>
+            </a:extLst>
+          </p:cNvPr>
+          <p:cNvSpPr>
+            <a:spLocks noGrp="1"/>
+          </p:cNvSpPr>
+          <p:nvPr>
+            <p:ph type="body" sz="quarter" idx="13"/>
+          </p:nvPr>
+        </p:nvSpPr>
+        <p:spPr/>
+        <p:txBody>
+          <a:bodyPr>
+            <a:normAutofit/>
+          </a:bodyPr>
+          <a:lstStyle/>
+          <a:p>
+            <a:r>
+              <a:rPr lang="en-US" dirty="0"/>
+              <a:t>The RESNET enhanced neural network is having higher testing accuracy of 94.8% when comparing the generated map against the non-RESNET neural network. </a:t>
+            </a:r>
+          </a:p>
+          <a:p>
+            <a:r>
+              <a:rPr lang="en-US" dirty="0"/>
+              <a:t>Noise reflected by the tree leaves and other objects has been reduced.</a:t>
+            </a:r>
+          </a:p>
+        </p:txBody>
+      </p:sp>
+      <p:sp>
+        <p:nvSpPr>
           <p:cNvPr id="4" name="Footer Placeholder 3">
             <a:extLst>
               <a:ext uri="{FF2B5EF4-FFF2-40B4-BE49-F238E27FC236}">
@@ -17083,6 +17143,125 @@
               <a:rPr lang="en-SG" smtClean="0"/>
               <a:pPr/>
               <a:t>23</a:t>
+            </a:fld>
+            <a:endParaRPr lang="en-SG" dirty="0"/>
+          </a:p>
+        </p:txBody>
+      </p:sp>
+    </p:spTree>
+    <p:extLst>
+      <p:ext uri="{BB962C8B-B14F-4D97-AF65-F5344CB8AC3E}">
+        <p14:creationId xmlns:p14="http://schemas.microsoft.com/office/powerpoint/2010/main" val="731084996"/>
+      </p:ext>
+    </p:extLst>
+  </p:cSld>
+  <p:clrMapOvr>
+    <a:masterClrMapping/>
+  </p:clrMapOvr>
+</p:sld>
+</file>
+
+<file path=ppt/slides/slide24.xml><?xml version="1.0" encoding="utf-8"?>
+<p:sld xmlns:a="http://schemas.openxmlformats.org/drawingml/2006/main" xmlns:r="http://schemas.openxmlformats.org/officeDocument/2006/relationships" xmlns:p="http://schemas.openxmlformats.org/presentationml/2006/main">
+  <p:cSld>
+    <p:spTree>
+      <p:nvGrpSpPr>
+        <p:cNvPr id="1" name=""/>
+        <p:cNvGrpSpPr/>
+        <p:nvPr/>
+      </p:nvGrpSpPr>
+      <p:grpSpPr>
+        <a:xfrm>
+          <a:off x="0" y="0"/>
+          <a:ext cx="0" cy="0"/>
+          <a:chOff x="0" y="0"/>
+          <a:chExt cx="0" cy="0"/>
+        </a:xfrm>
+      </p:grpSpPr>
+      <p:sp>
+        <p:nvSpPr>
+          <p:cNvPr id="2" name="Title 1">
+            <a:extLst>
+              <a:ext uri="{FF2B5EF4-FFF2-40B4-BE49-F238E27FC236}">
+                <a16:creationId xmlns:a16="http://schemas.microsoft.com/office/drawing/2014/main" id="{049F1383-99AC-409F-A6E3-EE83FF9D27F5}"/>
+              </a:ext>
+            </a:extLst>
+          </p:cNvPr>
+          <p:cNvSpPr>
+            <a:spLocks noGrp="1"/>
+          </p:cNvSpPr>
+          <p:nvPr>
+            <p:ph type="title"/>
+          </p:nvPr>
+        </p:nvSpPr>
+        <p:spPr/>
+        <p:txBody>
+          <a:bodyPr/>
+          <a:lstStyle/>
+          <a:p>
+            <a:r>
+              <a:rPr lang="en-US" dirty="0"/>
+              <a:t>Testing Result</a:t>
+            </a:r>
+            <a:endParaRPr lang="en-SG" dirty="0"/>
+          </a:p>
+        </p:txBody>
+      </p:sp>
+      <p:sp>
+        <p:nvSpPr>
+          <p:cNvPr id="4" name="Footer Placeholder 3">
+            <a:extLst>
+              <a:ext uri="{FF2B5EF4-FFF2-40B4-BE49-F238E27FC236}">
+                <a16:creationId xmlns:a16="http://schemas.microsoft.com/office/drawing/2014/main" id="{05D0A230-97B6-49E0-B1A3-8C63933BF90B}"/>
+              </a:ext>
+            </a:extLst>
+          </p:cNvPr>
+          <p:cNvSpPr>
+            <a:spLocks noGrp="1"/>
+          </p:cNvSpPr>
+          <p:nvPr>
+            <p:ph type="ftr" sz="quarter" idx="15"/>
+          </p:nvPr>
+        </p:nvSpPr>
+        <p:spPr/>
+        <p:txBody>
+          <a:bodyPr/>
+          <a:lstStyle/>
+          <a:p>
+            <a:pPr algn="l"/>
+            <a:r>
+              <a:rPr lang="en-SG" sz="1000" dirty="0"/>
+              <a:t>© 2018 National University of Singapore. All Rights Reserved</a:t>
+            </a:r>
+            <a:endParaRPr lang="en-SG" dirty="0"/>
+          </a:p>
+        </p:txBody>
+      </p:sp>
+      <p:sp>
+        <p:nvSpPr>
+          <p:cNvPr id="5" name="Slide Number Placeholder 4">
+            <a:extLst>
+              <a:ext uri="{FF2B5EF4-FFF2-40B4-BE49-F238E27FC236}">
+                <a16:creationId xmlns:a16="http://schemas.microsoft.com/office/drawing/2014/main" id="{2091C43B-FAE4-4E69-A40A-FD296928683C}"/>
+              </a:ext>
+            </a:extLst>
+          </p:cNvPr>
+          <p:cNvSpPr>
+            <a:spLocks noGrp="1"/>
+          </p:cNvSpPr>
+          <p:nvPr>
+            <p:ph type="sldNum" sz="quarter" idx="16"/>
+          </p:nvPr>
+        </p:nvSpPr>
+        <p:spPr/>
+        <p:txBody>
+          <a:bodyPr/>
+          <a:lstStyle/>
+          <a:p>
+            <a:fld id="{2F63C605-4FC6-46DE-BC90-871762EA3F52}" type="slidenum">
+              <a:rPr lang="en-SG" smtClean="0"/>
+              <a:pPr/>
+              <a:t>24</a:t>
             </a:fld>
             <a:endParaRPr lang="en-SG" dirty="0"/>
           </a:p>
@@ -17248,7 +17427,7 @@
           <a:graphicData uri="http://schemas.openxmlformats.org/presentationml/2006/ole">
             <mc:AlternateContent xmlns:mc="http://schemas.openxmlformats.org/markup-compatibility/2006">
               <mc:Choice xmlns:v="urn:schemas-microsoft-com:vml" Requires="v">
-                <p:oleObj spid="_x0000_s5132" name="Bitmap Image" r:id="rId3" imgW="5014395" imgH="4572396" progId="Paint.Picture">
+                <p:oleObj spid="_x0000_s7170" name="Bitmap Image" r:id="rId3" imgW="5014395" imgH="4572396" progId="Paint.Picture">
                   <p:embed/>
                 </p:oleObj>
               </mc:Choice>
@@ -17425,168 +17604,7 @@
     </p:spTree>
     <p:extLst>
       <p:ext uri="{BB962C8B-B14F-4D97-AF65-F5344CB8AC3E}">
-        <p14:creationId xmlns:p14="http://schemas.microsoft.com/office/powerpoint/2010/main" val="379854252"/>
-      </p:ext>
-    </p:extLst>
-  </p:cSld>
-  <p:clrMapOvr>
-    <a:masterClrMapping/>
-  </p:clrMapOvr>
-</p:sld>
-</file>
-
-<file path=ppt/slides/slide24.xml><?xml version="1.0" encoding="utf-8"?>
-<p:sld xmlns:a="http://schemas.openxmlformats.org/drawingml/2006/main" xmlns:r="http://schemas.openxmlformats.org/officeDocument/2006/relationships" xmlns:p="http://schemas.openxmlformats.org/presentationml/2006/main">
-  <p:cSld>
-    <p:spTree>
-      <p:nvGrpSpPr>
-        <p:cNvPr id="1" name=""/>
-        <p:cNvGrpSpPr/>
-        <p:nvPr/>
-      </p:nvGrpSpPr>
-      <p:grpSpPr>
-        <a:xfrm>
-          <a:off x="0" y="0"/>
-          <a:ext cx="0" cy="0"/>
-          <a:chOff x="0" y="0"/>
-          <a:chExt cx="0" cy="0"/>
-        </a:xfrm>
-      </p:grpSpPr>
-      <p:sp>
-        <p:nvSpPr>
-          <p:cNvPr id="2" name="Title 1">
-            <a:extLst>
-              <a:ext uri="{FF2B5EF4-FFF2-40B4-BE49-F238E27FC236}">
-                <a16:creationId xmlns:a16="http://schemas.microsoft.com/office/drawing/2014/main" id="{049F1383-99AC-409F-A6E3-EE83FF9D27F5}"/>
-              </a:ext>
-            </a:extLst>
-          </p:cNvPr>
-          <p:cNvSpPr>
-            <a:spLocks noGrp="1"/>
-          </p:cNvSpPr>
-          <p:nvPr>
-            <p:ph type="title"/>
-          </p:nvPr>
-        </p:nvSpPr>
-        <p:spPr/>
-        <p:txBody>
-          <a:bodyPr/>
-          <a:lstStyle/>
-          <a:p>
-            <a:r>
-              <a:rPr lang="en-US" dirty="0"/>
-              <a:t>Testing Result</a:t>
-            </a:r>
-            <a:endParaRPr lang="en-SG" dirty="0"/>
-          </a:p>
-        </p:txBody>
-      </p:sp>
-      <p:sp>
-        <p:nvSpPr>
-          <p:cNvPr id="3" name="Text Placeholder 2">
-            <a:extLst>
-              <a:ext uri="{FF2B5EF4-FFF2-40B4-BE49-F238E27FC236}">
-                <a16:creationId xmlns:a16="http://schemas.microsoft.com/office/drawing/2014/main" id="{0975D2C9-6230-4ED3-A49E-4BFEF8730CB9}"/>
-              </a:ext>
-            </a:extLst>
-          </p:cNvPr>
-          <p:cNvSpPr>
-            <a:spLocks noGrp="1"/>
-          </p:cNvSpPr>
-          <p:nvPr>
-            <p:ph type="body" sz="quarter" idx="13"/>
-          </p:nvPr>
-        </p:nvSpPr>
-        <p:spPr/>
-        <p:txBody>
-          <a:bodyPr>
-            <a:normAutofit/>
-          </a:bodyPr>
-          <a:lstStyle/>
-          <a:p>
-            <a:r>
-              <a:rPr lang="en-US" dirty="0"/>
-              <a:t>K-means algorithm is also used to generate the result. </a:t>
-            </a:r>
-          </a:p>
-          <a:p>
-            <a:r>
-              <a:rPr lang="en-US" dirty="0"/>
-              <a:t>The testing accuracy is 70%. The method is using Means of nearest 7 neighbors. </a:t>
-            </a:r>
-          </a:p>
-          <a:p>
-            <a:r>
-              <a:rPr lang="en-US" dirty="0"/>
-              <a:t>Hence, neural network can generate the 2D mapping better than the K-means filter on Lidar/Point cloud scan data.</a:t>
-            </a:r>
-          </a:p>
-        </p:txBody>
-      </p:sp>
-      <p:sp>
-        <p:nvSpPr>
-          <p:cNvPr id="4" name="Footer Placeholder 3">
-            <a:extLst>
-              <a:ext uri="{FF2B5EF4-FFF2-40B4-BE49-F238E27FC236}">
-                <a16:creationId xmlns:a16="http://schemas.microsoft.com/office/drawing/2014/main" id="{05D0A230-97B6-49E0-B1A3-8C63933BF90B}"/>
-              </a:ext>
-            </a:extLst>
-          </p:cNvPr>
-          <p:cNvSpPr>
-            <a:spLocks noGrp="1"/>
-          </p:cNvSpPr>
-          <p:nvPr>
-            <p:ph type="ftr" sz="quarter" idx="15"/>
-          </p:nvPr>
-        </p:nvSpPr>
-        <p:spPr/>
-        <p:txBody>
-          <a:bodyPr/>
-          <a:lstStyle/>
-          <a:p>
-            <a:pPr algn="l"/>
-            <a:r>
-              <a:rPr lang="en-SG" sz="1000" dirty="0"/>
-              <a:t>© 2018 National University of Singapore. All Rights Reserved</a:t>
-            </a:r>
-            <a:endParaRPr lang="en-SG" dirty="0"/>
-          </a:p>
-        </p:txBody>
-      </p:sp>
-      <p:sp>
-        <p:nvSpPr>
-          <p:cNvPr id="5" name="Slide Number Placeholder 4">
-            <a:extLst>
-              <a:ext uri="{FF2B5EF4-FFF2-40B4-BE49-F238E27FC236}">
-                <a16:creationId xmlns:a16="http://schemas.microsoft.com/office/drawing/2014/main" id="{2091C43B-FAE4-4E69-A40A-FD296928683C}"/>
-              </a:ext>
-            </a:extLst>
-          </p:cNvPr>
-          <p:cNvSpPr>
-            <a:spLocks noGrp="1"/>
-          </p:cNvSpPr>
-          <p:nvPr>
-            <p:ph type="sldNum" sz="quarter" idx="16"/>
-          </p:nvPr>
-        </p:nvSpPr>
-        <p:spPr/>
-        <p:txBody>
-          <a:bodyPr/>
-          <a:lstStyle/>
-          <a:p>
-            <a:fld id="{2F63C605-4FC6-46DE-BC90-871762EA3F52}" type="slidenum">
-              <a:rPr lang="en-SG" smtClean="0"/>
-              <a:pPr/>
-              <a:t>24</a:t>
-            </a:fld>
-            <a:endParaRPr lang="en-SG" dirty="0"/>
-          </a:p>
-        </p:txBody>
-      </p:sp>
-    </p:spTree>
-    <p:extLst>
-      <p:ext uri="{BB962C8B-B14F-4D97-AF65-F5344CB8AC3E}">
-        <p14:creationId xmlns:p14="http://schemas.microsoft.com/office/powerpoint/2010/main" val="1377824517"/>
+        <p14:creationId xmlns:p14="http://schemas.microsoft.com/office/powerpoint/2010/main" val="1358282174"/>
       </p:ext>
     </p:extLst>
   </p:cSld>
@@ -17644,6 +17662,48 @@
       </p:sp>
       <p:sp>
         <p:nvSpPr>
+          <p:cNvPr id="3" name="Text Placeholder 2">
+            <a:extLst>
+              <a:ext uri="{FF2B5EF4-FFF2-40B4-BE49-F238E27FC236}">
+                <a16:creationId xmlns:a16="http://schemas.microsoft.com/office/drawing/2014/main" id="{0975D2C9-6230-4ED3-A49E-4BFEF8730CB9}"/>
+              </a:ext>
+            </a:extLst>
+          </p:cNvPr>
+          <p:cNvSpPr>
+            <a:spLocks noGrp="1"/>
+          </p:cNvSpPr>
+          <p:nvPr>
+            <p:ph type="body" sz="quarter" idx="13"/>
+          </p:nvPr>
+        </p:nvSpPr>
+        <p:spPr/>
+        <p:txBody>
+          <a:bodyPr>
+            <a:normAutofit/>
+          </a:bodyPr>
+          <a:lstStyle/>
+          <a:p>
+            <a:r>
+              <a:rPr lang="en-US" dirty="0"/>
+              <a:t>K-means algorithm is also used to generate the result. </a:t>
+            </a:r>
+          </a:p>
+          <a:p>
+            <a:r>
+              <a:rPr lang="en-US" dirty="0"/>
+              <a:t>The testing accuracy is 70%. The method is using Means of nearest 7 neighbors. </a:t>
+            </a:r>
+          </a:p>
+          <a:p>
+            <a:r>
+              <a:rPr lang="en-US" dirty="0"/>
+              <a:t>Hence, neural network can generate the 2D mapping better than the K-means filter on Lidar/Point cloud scan data.</a:t>
+            </a:r>
+          </a:p>
+        </p:txBody>
+      </p:sp>
+      <p:sp>
+        <p:nvSpPr>
           <p:cNvPr id="4" name="Footer Placeholder 3">
             <a:extLst>
               <a:ext uri="{FF2B5EF4-FFF2-40B4-BE49-F238E27FC236}">
@@ -17697,6 +17757,125 @@
               <a:rPr lang="en-SG" smtClean="0"/>
               <a:pPr/>
               <a:t>25</a:t>
+            </a:fld>
+            <a:endParaRPr lang="en-SG" dirty="0"/>
+          </a:p>
+        </p:txBody>
+      </p:sp>
+    </p:spTree>
+    <p:extLst>
+      <p:ext uri="{BB962C8B-B14F-4D97-AF65-F5344CB8AC3E}">
+        <p14:creationId xmlns:p14="http://schemas.microsoft.com/office/powerpoint/2010/main" val="1377824517"/>
+      </p:ext>
+    </p:extLst>
+  </p:cSld>
+  <p:clrMapOvr>
+    <a:masterClrMapping/>
+  </p:clrMapOvr>
+</p:sld>
+</file>
+
+<file path=ppt/slides/slide26.xml><?xml version="1.0" encoding="utf-8"?>
+<p:sld xmlns:a="http://schemas.openxmlformats.org/drawingml/2006/main" xmlns:r="http://schemas.openxmlformats.org/officeDocument/2006/relationships" xmlns:p="http://schemas.openxmlformats.org/presentationml/2006/main">
+  <p:cSld>
+    <p:spTree>
+      <p:nvGrpSpPr>
+        <p:cNvPr id="1" name=""/>
+        <p:cNvGrpSpPr/>
+        <p:nvPr/>
+      </p:nvGrpSpPr>
+      <p:grpSpPr>
+        <a:xfrm>
+          <a:off x="0" y="0"/>
+          <a:ext cx="0" cy="0"/>
+          <a:chOff x="0" y="0"/>
+          <a:chExt cx="0" cy="0"/>
+        </a:xfrm>
+      </p:grpSpPr>
+      <p:sp>
+        <p:nvSpPr>
+          <p:cNvPr id="2" name="Title 1">
+            <a:extLst>
+              <a:ext uri="{FF2B5EF4-FFF2-40B4-BE49-F238E27FC236}">
+                <a16:creationId xmlns:a16="http://schemas.microsoft.com/office/drawing/2014/main" id="{049F1383-99AC-409F-A6E3-EE83FF9D27F5}"/>
+              </a:ext>
+            </a:extLst>
+          </p:cNvPr>
+          <p:cNvSpPr>
+            <a:spLocks noGrp="1"/>
+          </p:cNvSpPr>
+          <p:nvPr>
+            <p:ph type="title"/>
+          </p:nvPr>
+        </p:nvSpPr>
+        <p:spPr/>
+        <p:txBody>
+          <a:bodyPr/>
+          <a:lstStyle/>
+          <a:p>
+            <a:r>
+              <a:rPr lang="en-US" dirty="0"/>
+              <a:t>Testing Result</a:t>
+            </a:r>
+            <a:endParaRPr lang="en-SG" dirty="0"/>
+          </a:p>
+        </p:txBody>
+      </p:sp>
+      <p:sp>
+        <p:nvSpPr>
+          <p:cNvPr id="4" name="Footer Placeholder 3">
+            <a:extLst>
+              <a:ext uri="{FF2B5EF4-FFF2-40B4-BE49-F238E27FC236}">
+                <a16:creationId xmlns:a16="http://schemas.microsoft.com/office/drawing/2014/main" id="{05D0A230-97B6-49E0-B1A3-8C63933BF90B}"/>
+              </a:ext>
+            </a:extLst>
+          </p:cNvPr>
+          <p:cNvSpPr>
+            <a:spLocks noGrp="1"/>
+          </p:cNvSpPr>
+          <p:nvPr>
+            <p:ph type="ftr" sz="quarter" idx="15"/>
+          </p:nvPr>
+        </p:nvSpPr>
+        <p:spPr/>
+        <p:txBody>
+          <a:bodyPr/>
+          <a:lstStyle/>
+          <a:p>
+            <a:pPr algn="l"/>
+            <a:r>
+              <a:rPr lang="en-SG" sz="1000" dirty="0"/>
+              <a:t>© 2018 National University of Singapore. All Rights Reserved</a:t>
+            </a:r>
+            <a:endParaRPr lang="en-SG" dirty="0"/>
+          </a:p>
+        </p:txBody>
+      </p:sp>
+      <p:sp>
+        <p:nvSpPr>
+          <p:cNvPr id="5" name="Slide Number Placeholder 4">
+            <a:extLst>
+              <a:ext uri="{FF2B5EF4-FFF2-40B4-BE49-F238E27FC236}">
+                <a16:creationId xmlns:a16="http://schemas.microsoft.com/office/drawing/2014/main" id="{2091C43B-FAE4-4E69-A40A-FD296928683C}"/>
+              </a:ext>
+            </a:extLst>
+          </p:cNvPr>
+          <p:cNvSpPr>
+            <a:spLocks noGrp="1"/>
+          </p:cNvSpPr>
+          <p:nvPr>
+            <p:ph type="sldNum" sz="quarter" idx="16"/>
+          </p:nvPr>
+        </p:nvSpPr>
+        <p:spPr/>
+        <p:txBody>
+          <a:bodyPr/>
+          <a:lstStyle/>
+          <a:p>
+            <a:fld id="{2F63C605-4FC6-46DE-BC90-871762EA3F52}" type="slidenum">
+              <a:rPr lang="en-SG" smtClean="0"/>
+              <a:pPr/>
+              <a:t>26</a:t>
             </a:fld>
             <a:endParaRPr lang="en-SG" dirty="0"/>
           </a:p>
@@ -17862,7 +18041,7 @@
           <a:graphicData uri="http://schemas.openxmlformats.org/presentationml/2006/ole">
             <mc:AlternateContent xmlns:mc="http://schemas.openxmlformats.org/markup-compatibility/2006">
               <mc:Choice xmlns:v="urn:schemas-microsoft-com:vml" Requires="v">
-                <p:oleObj spid="_x0000_s3085" name="Bitmap Image" r:id="rId3" imgW="5014395" imgH="4572396" progId="Paint.Picture">
+                <p:oleObj spid="_x0000_s3080" name="Bitmap Image" r:id="rId3" imgW="5014395" imgH="4572396" progId="Paint.Picture">
                   <p:embed/>
                 </p:oleObj>
               </mc:Choice>
@@ -18042,364 +18221,6 @@
 </p:sld>
 </file>
 
-<file path=ppt/slides/slide26.xml><?xml version="1.0" encoding="utf-8"?>
-<p:sld xmlns:a="http://schemas.openxmlformats.org/drawingml/2006/main" xmlns:r="http://schemas.openxmlformats.org/officeDocument/2006/relationships" xmlns:p="http://schemas.openxmlformats.org/presentationml/2006/main">
-  <p:cSld>
-    <p:spTree>
-      <p:nvGrpSpPr>
-        <p:cNvPr id="1" name=""/>
-        <p:cNvGrpSpPr/>
-        <p:nvPr/>
-      </p:nvGrpSpPr>
-      <p:grpSpPr>
-        <a:xfrm>
-          <a:off x="0" y="0"/>
-          <a:ext cx="0" cy="0"/>
-          <a:chOff x="0" y="0"/>
-          <a:chExt cx="0" cy="0"/>
-        </a:xfrm>
-      </p:grpSpPr>
-      <p:sp>
-        <p:nvSpPr>
-          <p:cNvPr id="2" name="Title 1"/>
-          <p:cNvSpPr>
-            <a:spLocks noGrp="1"/>
-          </p:cNvSpPr>
-          <p:nvPr>
-            <p:ph type="title"/>
-          </p:nvPr>
-        </p:nvSpPr>
-        <p:spPr/>
-        <p:txBody>
-          <a:bodyPr/>
-          <a:lstStyle/>
-          <a:p>
-            <a:r>
-              <a:rPr lang="en-US" dirty="0" smtClean="0"/>
-              <a:t>Comparison</a:t>
-            </a:r>
-            <a:endParaRPr lang="en-SG" dirty="0"/>
-          </a:p>
-        </p:txBody>
-      </p:sp>
-      <p:sp>
-        <p:nvSpPr>
-          <p:cNvPr id="3" name="Content Placeholder 2"/>
-          <p:cNvSpPr>
-            <a:spLocks noGrp="1"/>
-          </p:cNvSpPr>
-          <p:nvPr>
-            <p:ph sz="quarter" idx="13"/>
-          </p:nvPr>
-        </p:nvSpPr>
-        <p:spPr/>
-        <p:txBody>
-          <a:bodyPr>
-            <a:normAutofit fontScale="55000" lnSpcReduction="20000"/>
-          </a:bodyPr>
-          <a:lstStyle/>
-          <a:p>
-            <a:r>
-              <a:rPr lang="en-US" dirty="0" smtClean="0">
-                <a:solidFill>
-                  <a:schemeClr val="tx1"/>
-                </a:solidFill>
-              </a:rPr>
-              <a:t>Localization Algorithms</a:t>
-            </a:r>
-          </a:p>
-          <a:p>
-            <a:pPr lvl="1"/>
-            <a:r>
-              <a:rPr lang="en-US" dirty="0" smtClean="0">
-                <a:solidFill>
-                  <a:schemeClr val="tx1"/>
-                </a:solidFill>
-              </a:rPr>
-              <a:t>Monte </a:t>
-            </a:r>
-            <a:r>
-              <a:rPr lang="en-US" dirty="0">
-                <a:solidFill>
-                  <a:schemeClr val="tx1"/>
-                </a:solidFill>
-              </a:rPr>
-              <a:t>Carlo </a:t>
-            </a:r>
-            <a:r>
-              <a:rPr lang="en-US" dirty="0" smtClean="0">
-                <a:solidFill>
-                  <a:schemeClr val="tx1"/>
-                </a:solidFill>
-              </a:rPr>
-              <a:t>Localization (MCL)</a:t>
-            </a:r>
-          </a:p>
-          <a:p>
-            <a:pPr lvl="2"/>
-            <a:r>
-              <a:rPr lang="en-US" dirty="0" smtClean="0">
-                <a:solidFill>
-                  <a:schemeClr val="tx1"/>
-                </a:solidFill>
-              </a:rPr>
-              <a:t>Most popular in robot localization</a:t>
-            </a:r>
-          </a:p>
-          <a:p>
-            <a:pPr lvl="2"/>
-            <a:r>
-              <a:rPr lang="en-US" dirty="0">
-                <a:solidFill>
-                  <a:schemeClr val="tx1"/>
-                </a:solidFill>
-              </a:rPr>
-              <a:t>Also referred to as Particle Filter</a:t>
-            </a:r>
-          </a:p>
-          <a:p>
-            <a:pPr lvl="2"/>
-            <a:r>
-              <a:rPr lang="en-US" dirty="0">
-                <a:solidFill>
-                  <a:schemeClr val="tx1"/>
-                </a:solidFill>
-              </a:rPr>
-              <a:t>Relies on </a:t>
-            </a:r>
-          </a:p>
-          <a:p>
-            <a:pPr lvl="3"/>
-            <a:r>
-              <a:rPr lang="en-US" dirty="0">
-                <a:solidFill>
-                  <a:schemeClr val="tx1"/>
-                </a:solidFill>
-              </a:rPr>
-              <a:t>Accurate Environment Map</a:t>
-            </a:r>
-          </a:p>
-          <a:p>
-            <a:pPr lvl="3"/>
-            <a:r>
-              <a:rPr lang="en-US" dirty="0">
-                <a:solidFill>
-                  <a:schemeClr val="tx1"/>
-                </a:solidFill>
-              </a:rPr>
-              <a:t>Particle position and </a:t>
-            </a:r>
-            <a:r>
-              <a:rPr lang="en-US" dirty="0" smtClean="0">
-                <a:solidFill>
-                  <a:schemeClr val="tx1"/>
-                </a:solidFill>
-              </a:rPr>
-              <a:t>orientation</a:t>
-            </a:r>
-          </a:p>
-          <a:p>
-            <a:pPr lvl="1"/>
-            <a:r>
-              <a:rPr lang="en-US" dirty="0">
-                <a:solidFill>
-                  <a:schemeClr val="tx1"/>
-                </a:solidFill>
-              </a:rPr>
-              <a:t>Adaptive Monte Carlo </a:t>
-            </a:r>
-            <a:r>
-              <a:rPr lang="en-US" dirty="0" smtClean="0">
-                <a:solidFill>
-                  <a:schemeClr val="tx1"/>
-                </a:solidFill>
-              </a:rPr>
-              <a:t>Localization (AMCL)</a:t>
-            </a:r>
-          </a:p>
-          <a:p>
-            <a:pPr lvl="2"/>
-            <a:r>
-              <a:rPr lang="en-US" dirty="0" smtClean="0">
-                <a:solidFill>
-                  <a:schemeClr val="tx1"/>
-                </a:solidFill>
-              </a:rPr>
-              <a:t>Improved version of MCL</a:t>
-            </a:r>
-          </a:p>
-          <a:p>
-            <a:pPr lvl="2"/>
-            <a:endParaRPr lang="en-US" dirty="0" smtClean="0">
-              <a:solidFill>
-                <a:schemeClr val="tx1"/>
-              </a:solidFill>
-            </a:endParaRPr>
-          </a:p>
-          <a:p>
-            <a:r>
-              <a:rPr lang="en-SG" dirty="0" smtClean="0">
-                <a:solidFill>
-                  <a:schemeClr val="tx1"/>
-                </a:solidFill>
-              </a:rPr>
-              <a:t>Deep </a:t>
-            </a:r>
-            <a:r>
-              <a:rPr lang="en-SG" dirty="0">
-                <a:solidFill>
-                  <a:schemeClr val="tx1"/>
-                </a:solidFill>
-              </a:rPr>
-              <a:t>Neural Network Robotic </a:t>
-            </a:r>
-            <a:r>
-              <a:rPr lang="en-SG" dirty="0" smtClean="0">
-                <a:solidFill>
-                  <a:schemeClr val="tx1"/>
-                </a:solidFill>
-              </a:rPr>
-              <a:t>Mapping</a:t>
-            </a:r>
-          </a:p>
-          <a:p>
-            <a:pPr lvl="1"/>
-            <a:r>
-              <a:rPr lang="en-SG" dirty="0" smtClean="0">
-                <a:solidFill>
-                  <a:schemeClr val="tx1"/>
-                </a:solidFill>
-              </a:rPr>
-              <a:t>Relies on GPS and 3D scan data</a:t>
-            </a:r>
-          </a:p>
-          <a:p>
-            <a:pPr lvl="1"/>
-            <a:r>
-              <a:rPr lang="en-US" dirty="0" smtClean="0">
-                <a:solidFill>
-                  <a:schemeClr val="tx1"/>
-                </a:solidFill>
-              </a:rPr>
-              <a:t>Produces more accuracy map</a:t>
-            </a:r>
-          </a:p>
-          <a:p>
-            <a:pPr lvl="2"/>
-            <a:r>
-              <a:rPr lang="en-US" dirty="0" smtClean="0">
-                <a:solidFill>
-                  <a:schemeClr val="tx1"/>
-                </a:solidFill>
-              </a:rPr>
-              <a:t>Comparing with traditional approach such as k-means</a:t>
-            </a:r>
-          </a:p>
-          <a:p>
-            <a:pPr lvl="2"/>
-            <a:endParaRPr lang="en-US" dirty="0">
-              <a:solidFill>
-                <a:schemeClr val="tx1"/>
-              </a:solidFill>
-            </a:endParaRPr>
-          </a:p>
-          <a:p>
-            <a:r>
-              <a:rPr lang="en-US" dirty="0" smtClean="0">
-                <a:solidFill>
-                  <a:schemeClr val="tx1"/>
-                </a:solidFill>
-              </a:rPr>
-              <a:t>Therefore, AMCL and </a:t>
-            </a:r>
-            <a:r>
-              <a:rPr lang="en-SG" dirty="0">
-                <a:solidFill>
-                  <a:schemeClr val="tx1"/>
-                </a:solidFill>
-              </a:rPr>
-              <a:t>Deep Neural Network Robotic </a:t>
-            </a:r>
-            <a:r>
-              <a:rPr lang="en-SG" dirty="0" smtClean="0">
-                <a:solidFill>
-                  <a:schemeClr val="tx1"/>
-                </a:solidFill>
-              </a:rPr>
-              <a:t>Mapping are good candidates for complement on localization and map in certain conditions</a:t>
-            </a:r>
-            <a:endParaRPr lang="en-US" dirty="0">
-              <a:solidFill>
-                <a:schemeClr val="tx1"/>
-              </a:solidFill>
-            </a:endParaRPr>
-          </a:p>
-          <a:p>
-            <a:endParaRPr lang="en-SG" dirty="0"/>
-          </a:p>
-        </p:txBody>
-      </p:sp>
-      <p:sp>
-        <p:nvSpPr>
-          <p:cNvPr id="4" name="Footer Placeholder 3"/>
-          <p:cNvSpPr>
-            <a:spLocks noGrp="1"/>
-          </p:cNvSpPr>
-          <p:nvPr>
-            <p:ph type="ftr" sz="quarter" idx="15"/>
-          </p:nvPr>
-        </p:nvSpPr>
-        <p:spPr/>
-        <p:txBody>
-          <a:bodyPr/>
-          <a:lstStyle/>
-          <a:p>
-            <a:pPr algn="l"/>
-            <a:r>
-              <a:rPr lang="en-SG" sz="1000" smtClean="0"/>
-              <a:t>© 2018 National University of Singapore. All Rights Reserved</a:t>
-            </a:r>
-            <a:endParaRPr lang="en-SG" dirty="0"/>
-          </a:p>
-        </p:txBody>
-      </p:sp>
-      <p:sp>
-        <p:nvSpPr>
-          <p:cNvPr id="5" name="Slide Number Placeholder 4"/>
-          <p:cNvSpPr>
-            <a:spLocks noGrp="1"/>
-          </p:cNvSpPr>
-          <p:nvPr>
-            <p:ph type="sldNum" sz="quarter" idx="16"/>
-          </p:nvPr>
-        </p:nvSpPr>
-        <p:spPr/>
-        <p:txBody>
-          <a:bodyPr/>
-          <a:lstStyle/>
-          <a:p>
-            <a:fld id="{2F63C605-4FC6-46DE-BC90-871762EA3F52}" type="slidenum">
-              <a:rPr lang="en-SG" smtClean="0"/>
-              <a:pPr/>
-              <a:t>26</a:t>
-            </a:fld>
-            <a:endParaRPr lang="en-SG" dirty="0"/>
-          </a:p>
-        </p:txBody>
-      </p:sp>
-    </p:spTree>
-    <p:extLst>
-      <p:ext uri="{BB962C8B-B14F-4D97-AF65-F5344CB8AC3E}">
-        <p14:creationId xmlns:p14="http://schemas.microsoft.com/office/powerpoint/2010/main" val="1574460477"/>
-      </p:ext>
-    </p:extLst>
-  </p:cSld>
-  <p:clrMapOvr>
-    <a:masterClrMapping/>
-  </p:clrMapOvr>
-</p:sld>
-</file>
-
 <file path=ppt/slides/slide27.xml><?xml version="1.0" encoding="utf-8"?>
 <p:sld xmlns:a="http://schemas.openxmlformats.org/drawingml/2006/main" xmlns:r="http://schemas.openxmlformats.org/officeDocument/2006/relationships" xmlns:p="http://schemas.openxmlformats.org/presentationml/2006/main">
   <p:cSld>
@@ -18427,43 +18248,26 @@
             <p:ph type="title"/>
           </p:nvPr>
         </p:nvSpPr>
-        <p:spPr/>
-        <p:txBody>
-          <a:bodyPr>
-            <a:normAutofit fontScale="90000"/>
-          </a:bodyPr>
-          <a:lstStyle/>
-          <a:p>
-            <a:r>
-              <a:rPr lang="en-US" dirty="0" smtClean="0"/>
-              <a:t>System Design -</a:t>
-            </a:r>
-            <a:br>
-              <a:rPr lang="en-US" dirty="0" smtClean="0"/>
-            </a:br>
-            <a:r>
-              <a:rPr lang="en-US" dirty="0" smtClean="0"/>
-              <a:t>Visualization</a:t>
-            </a:r>
-            <a:endParaRPr lang="en-SG" dirty="0"/>
-          </a:p>
-        </p:txBody>
-      </p:sp>
-      <p:sp>
-        <p:nvSpPr>
-          <p:cNvPr id="3" name="Content Placeholder 2"/>
-          <p:cNvSpPr>
-            <a:spLocks noGrp="1"/>
-          </p:cNvSpPr>
-          <p:nvPr>
-            <p:ph sz="quarter" idx="13"/>
-          </p:nvPr>
-        </p:nvSpPr>
-        <p:spPr/>
+        <p:spPr>
+          <a:xfrm>
+            <a:off x="2573601" y="3053030"/>
+            <a:ext cx="4648197" cy="545561"/>
+          </a:xfrm>
+        </p:spPr>
         <p:txBody>
           <a:bodyPr/>
           <a:lstStyle/>
           <a:p>
+            <a:r>
+              <a:rPr lang="en-US" dirty="0"/>
+              <a:t>Thank you! </a:t>
+            </a:r>
+            <a:r>
+              <a:rPr lang="en-US" dirty="0">
+                <a:sym typeface="Wingdings" panose="05000000000000000000" pitchFamily="2" charset="2"/>
+              </a:rPr>
+              <a:t> </a:t>
+            </a:r>
             <a:endParaRPr lang="en-SG" dirty="0"/>
           </a:p>
         </p:txBody>
@@ -18485,7 +18289,7 @@
           <a:p>
             <a:pPr algn="l"/>
             <a:r>
-              <a:rPr lang="en-SG" sz="1000" smtClean="0"/>
+              <a:rPr lang="en-SG" sz="1000" dirty="0"/>
               <a:t>© 2018 National University of Singapore. All Rights Reserved</a:t>
             </a:r>
             <a:endParaRPr lang="en-SG" dirty="0"/>
@@ -18516,585 +18320,10 @@
           </a:p>
         </p:txBody>
       </p:sp>
-      <p:pic>
-        <p:nvPicPr>
-          <p:cNvPr id="10" name="Picture 9"/>
-          <p:cNvPicPr>
-            <a:picLocks noChangeAspect="1"/>
-          </p:cNvPicPr>
-          <p:nvPr/>
-        </p:nvPicPr>
-        <p:blipFill>
-          <a:blip r:embed="rId2"/>
-          <a:stretch>
-            <a:fillRect/>
-          </a:stretch>
-        </p:blipFill>
-        <p:spPr>
-          <a:xfrm>
-            <a:off x="1072874" y="1313382"/>
-            <a:ext cx="6998251" cy="4520201"/>
-          </a:xfrm>
-          <a:prstGeom prst="rect">
-            <a:avLst/>
-          </a:prstGeom>
-        </p:spPr>
-      </p:pic>
     </p:spTree>
     <p:extLst>
       <p:ext uri="{BB962C8B-B14F-4D97-AF65-F5344CB8AC3E}">
-        <p14:creationId xmlns:p14="http://schemas.microsoft.com/office/powerpoint/2010/main" val="10502414"/>
-      </p:ext>
-    </p:extLst>
-  </p:cSld>
-  <p:clrMapOvr>
-    <a:masterClrMapping/>
-  </p:clrMapOvr>
-</p:sld>
-</file>
-
-<file path=ppt/slides/slide28.xml><?xml version="1.0" encoding="utf-8"?>
-<p:sld xmlns:a="http://schemas.openxmlformats.org/drawingml/2006/main" xmlns:r="http://schemas.openxmlformats.org/officeDocument/2006/relationships" xmlns:p="http://schemas.openxmlformats.org/presentationml/2006/main">
-  <p:cSld>
-    <p:spTree>
-      <p:nvGrpSpPr>
-        <p:cNvPr id="1" name=""/>
-        <p:cNvGrpSpPr/>
-        <p:nvPr/>
-      </p:nvGrpSpPr>
-      <p:grpSpPr>
-        <a:xfrm>
-          <a:off x="0" y="0"/>
-          <a:ext cx="0" cy="0"/>
-          <a:chOff x="0" y="0"/>
-          <a:chExt cx="0" cy="0"/>
-        </a:xfrm>
-      </p:grpSpPr>
-      <p:sp>
-        <p:nvSpPr>
-          <p:cNvPr id="2" name="Title 1"/>
-          <p:cNvSpPr>
-            <a:spLocks noGrp="1"/>
-          </p:cNvSpPr>
-          <p:nvPr>
-            <p:ph type="title"/>
-          </p:nvPr>
-        </p:nvSpPr>
-        <p:spPr/>
-        <p:txBody>
-          <a:bodyPr/>
-          <a:lstStyle/>
-          <a:p>
-            <a:r>
-              <a:rPr lang="en-US" dirty="0" smtClean="0"/>
-              <a:t>Open3D Visualizer</a:t>
-            </a:r>
-            <a:endParaRPr lang="en-SG" dirty="0"/>
-          </a:p>
-        </p:txBody>
-      </p:sp>
-      <p:sp>
-        <p:nvSpPr>
-          <p:cNvPr id="3" name="Content Placeholder 2"/>
-          <p:cNvSpPr>
-            <a:spLocks noGrp="1"/>
-          </p:cNvSpPr>
-          <p:nvPr>
-            <p:ph sz="quarter" idx="13"/>
-          </p:nvPr>
-        </p:nvSpPr>
-        <p:spPr/>
-        <p:txBody>
-          <a:bodyPr>
-            <a:normAutofit fontScale="92500" lnSpcReduction="10000"/>
-          </a:bodyPr>
-          <a:lstStyle/>
-          <a:p>
-            <a:r>
-              <a:rPr lang="en-US" dirty="0" smtClean="0">
-                <a:solidFill>
-                  <a:schemeClr val="tx1"/>
-                </a:solidFill>
-              </a:rPr>
-              <a:t>Read </a:t>
-            </a:r>
-            <a:r>
-              <a:rPr lang="en-US" dirty="0" smtClean="0">
-                <a:solidFill>
-                  <a:schemeClr val="tx1"/>
-                </a:solidFill>
-              </a:rPr>
-              <a:t>3D </a:t>
-            </a:r>
-            <a:r>
-              <a:rPr lang="en-US" dirty="0" smtClean="0">
-                <a:solidFill>
-                  <a:schemeClr val="tx1"/>
-                </a:solidFill>
-              </a:rPr>
-              <a:t>Map </a:t>
-            </a:r>
-            <a:r>
-              <a:rPr lang="en-US" dirty="0" smtClean="0">
-                <a:solidFill>
-                  <a:schemeClr val="tx1"/>
-                </a:solidFill>
-              </a:rPr>
-              <a:t>Data</a:t>
-            </a:r>
-          </a:p>
-          <a:p>
-            <a:pPr lvl="1"/>
-            <a:r>
-              <a:rPr lang="en-US" dirty="0" smtClean="0">
-                <a:solidFill>
-                  <a:schemeClr val="tx1"/>
-                </a:solidFill>
-              </a:rPr>
-              <a:t>3D map data </a:t>
-            </a:r>
-          </a:p>
-          <a:p>
-            <a:pPr lvl="1"/>
-            <a:r>
-              <a:rPr lang="en-US" dirty="0" smtClean="0">
-                <a:solidFill>
-                  <a:schemeClr val="tx1"/>
-                </a:solidFill>
-              </a:rPr>
-              <a:t>produced by </a:t>
-            </a:r>
-            <a:r>
-              <a:rPr lang="en-SG" dirty="0" smtClean="0">
-                <a:solidFill>
-                  <a:schemeClr val="tx1"/>
-                </a:solidFill>
-              </a:rPr>
-              <a:t>DNNRM</a:t>
-            </a:r>
-            <a:endParaRPr lang="en-SG" dirty="0">
-              <a:solidFill>
-                <a:schemeClr val="tx1"/>
-              </a:solidFill>
-            </a:endParaRPr>
-          </a:p>
-          <a:p>
-            <a:pPr lvl="1"/>
-            <a:endParaRPr lang="en-US" dirty="0" smtClean="0">
-              <a:solidFill>
-                <a:schemeClr val="tx1"/>
-              </a:solidFill>
-            </a:endParaRPr>
-          </a:p>
-          <a:p>
-            <a:r>
-              <a:rPr lang="en-US" dirty="0" smtClean="0">
-                <a:solidFill>
-                  <a:schemeClr val="tx1"/>
-                </a:solidFill>
-              </a:rPr>
-              <a:t>Generates views</a:t>
-            </a:r>
-          </a:p>
-          <a:p>
-            <a:pPr lvl="1"/>
-            <a:r>
-              <a:rPr lang="en-US" dirty="0" smtClean="0">
-                <a:solidFill>
-                  <a:schemeClr val="tx1"/>
-                </a:solidFill>
-              </a:rPr>
-              <a:t>2D Map</a:t>
-            </a:r>
-          </a:p>
-          <a:p>
-            <a:pPr lvl="1"/>
-            <a:r>
-              <a:rPr lang="en-US" dirty="0" smtClean="0">
-                <a:solidFill>
-                  <a:schemeClr val="tx1"/>
-                </a:solidFill>
-              </a:rPr>
-              <a:t>Front / Rear View</a:t>
-            </a:r>
-          </a:p>
-          <a:p>
-            <a:pPr lvl="1"/>
-            <a:r>
-              <a:rPr lang="en-US" dirty="0" smtClean="0">
-                <a:solidFill>
-                  <a:schemeClr val="tx1"/>
-                </a:solidFill>
-              </a:rPr>
-              <a:t>Based on </a:t>
-            </a:r>
-          </a:p>
-          <a:p>
-            <a:pPr lvl="2"/>
-            <a:r>
-              <a:rPr lang="en-US" dirty="0" smtClean="0">
-                <a:solidFill>
-                  <a:schemeClr val="tx1"/>
-                </a:solidFill>
-              </a:rPr>
-              <a:t>robot position</a:t>
-            </a:r>
-          </a:p>
-          <a:p>
-            <a:pPr lvl="2"/>
-            <a:r>
-              <a:rPr lang="en-US" dirty="0" smtClean="0">
-                <a:solidFill>
-                  <a:schemeClr val="tx1"/>
-                </a:solidFill>
-              </a:rPr>
-              <a:t>orientation</a:t>
-            </a:r>
-            <a:endParaRPr lang="en-SG" dirty="0">
-              <a:solidFill>
-                <a:schemeClr val="tx1"/>
-              </a:solidFill>
-            </a:endParaRPr>
-          </a:p>
-        </p:txBody>
-      </p:sp>
-      <p:sp>
-        <p:nvSpPr>
-          <p:cNvPr id="4" name="Footer Placeholder 3"/>
-          <p:cNvSpPr>
-            <a:spLocks noGrp="1"/>
-          </p:cNvSpPr>
-          <p:nvPr>
-            <p:ph type="ftr" sz="quarter" idx="15"/>
-          </p:nvPr>
-        </p:nvSpPr>
-        <p:spPr/>
-        <p:txBody>
-          <a:bodyPr/>
-          <a:lstStyle/>
-          <a:p>
-            <a:pPr algn="l"/>
-            <a:r>
-              <a:rPr lang="en-SG" sz="1000" smtClean="0"/>
-              <a:t>© 2018 National University of Singapore. All Rights Reserved</a:t>
-            </a:r>
-            <a:endParaRPr lang="en-SG" dirty="0"/>
-          </a:p>
-        </p:txBody>
-      </p:sp>
-      <p:sp>
-        <p:nvSpPr>
-          <p:cNvPr id="5" name="Slide Number Placeholder 4"/>
-          <p:cNvSpPr>
-            <a:spLocks noGrp="1"/>
-          </p:cNvSpPr>
-          <p:nvPr>
-            <p:ph type="sldNum" sz="quarter" idx="16"/>
-          </p:nvPr>
-        </p:nvSpPr>
-        <p:spPr/>
-        <p:txBody>
-          <a:bodyPr/>
-          <a:lstStyle/>
-          <a:p>
-            <a:fld id="{2F63C605-4FC6-46DE-BC90-871762EA3F52}" type="slidenum">
-              <a:rPr lang="en-SG" smtClean="0"/>
-              <a:pPr/>
-              <a:t>28</a:t>
-            </a:fld>
-            <a:endParaRPr lang="en-SG" dirty="0"/>
-          </a:p>
-        </p:txBody>
-      </p:sp>
-      <p:pic>
-        <p:nvPicPr>
-          <p:cNvPr id="6" name="Picture 5"/>
-          <p:cNvPicPr/>
-          <p:nvPr/>
-        </p:nvPicPr>
-        <p:blipFill>
-          <a:blip r:embed="rId2"/>
-          <a:stretch>
-            <a:fillRect/>
-          </a:stretch>
-        </p:blipFill>
-        <p:spPr>
-          <a:xfrm>
-            <a:off x="5057367" y="3394177"/>
-            <a:ext cx="2393225" cy="2122834"/>
-          </a:xfrm>
-          <a:prstGeom prst="rect">
-            <a:avLst/>
-          </a:prstGeom>
-        </p:spPr>
-      </p:pic>
-      <p:pic>
-        <p:nvPicPr>
-          <p:cNvPr id="7" name="Picture 6"/>
-          <p:cNvPicPr>
-            <a:picLocks noChangeAspect="1"/>
-          </p:cNvPicPr>
-          <p:nvPr/>
-        </p:nvPicPr>
-        <p:blipFill>
-          <a:blip r:embed="rId3"/>
-          <a:stretch>
-            <a:fillRect/>
-          </a:stretch>
-        </p:blipFill>
-        <p:spPr>
-          <a:xfrm>
-            <a:off x="5408023" y="1277586"/>
-            <a:ext cx="1691915" cy="2021213"/>
-          </a:xfrm>
-          <a:prstGeom prst="rect">
-            <a:avLst/>
-          </a:prstGeom>
-        </p:spPr>
-      </p:pic>
-    </p:spTree>
-    <p:extLst>
-      <p:ext uri="{BB962C8B-B14F-4D97-AF65-F5344CB8AC3E}">
-        <p14:creationId xmlns:p14="http://schemas.microsoft.com/office/powerpoint/2010/main" val="522751754"/>
-      </p:ext>
-    </p:extLst>
-  </p:cSld>
-  <p:clrMapOvr>
-    <a:masterClrMapping/>
-  </p:clrMapOvr>
-</p:sld>
-</file>
-
-<file path=ppt/slides/slide29.xml><?xml version="1.0" encoding="utf-8"?>
-<p:sld xmlns:a="http://schemas.openxmlformats.org/drawingml/2006/main" xmlns:r="http://schemas.openxmlformats.org/officeDocument/2006/relationships" xmlns:p="http://schemas.openxmlformats.org/presentationml/2006/main">
-  <p:cSld>
-    <p:spTree>
-      <p:nvGrpSpPr>
-        <p:cNvPr id="1" name=""/>
-        <p:cNvGrpSpPr/>
-        <p:nvPr/>
-      </p:nvGrpSpPr>
-      <p:grpSpPr>
-        <a:xfrm>
-          <a:off x="0" y="0"/>
-          <a:ext cx="0" cy="0"/>
-          <a:chOff x="0" y="0"/>
-          <a:chExt cx="0" cy="0"/>
-        </a:xfrm>
-      </p:grpSpPr>
-      <p:sp>
-        <p:nvSpPr>
-          <p:cNvPr id="2" name="Title 1"/>
-          <p:cNvSpPr>
-            <a:spLocks noGrp="1"/>
-          </p:cNvSpPr>
-          <p:nvPr>
-            <p:ph type="title"/>
-          </p:nvPr>
-        </p:nvSpPr>
-        <p:spPr/>
-        <p:txBody>
-          <a:bodyPr/>
-          <a:lstStyle/>
-          <a:p>
-            <a:r>
-              <a:rPr lang="en-US" dirty="0" smtClean="0"/>
-              <a:t>Map Tracking Viewer</a:t>
-            </a:r>
-            <a:endParaRPr lang="en-SG" dirty="0"/>
-          </a:p>
-        </p:txBody>
-      </p:sp>
-      <p:sp>
-        <p:nvSpPr>
-          <p:cNvPr id="3" name="Content Placeholder 2"/>
-          <p:cNvSpPr>
-            <a:spLocks noGrp="1"/>
-          </p:cNvSpPr>
-          <p:nvPr>
-            <p:ph sz="quarter" idx="13"/>
-          </p:nvPr>
-        </p:nvSpPr>
-        <p:spPr/>
-        <p:txBody>
-          <a:bodyPr/>
-          <a:lstStyle/>
-          <a:p>
-            <a:r>
-              <a:rPr lang="en-US" dirty="0" smtClean="0">
-                <a:solidFill>
-                  <a:schemeClr val="tx1"/>
-                </a:solidFill>
-              </a:rPr>
-              <a:t>Python </a:t>
-            </a:r>
-            <a:r>
-              <a:rPr lang="en-US" dirty="0" err="1" smtClean="0">
-                <a:solidFill>
-                  <a:schemeClr val="tx1"/>
-                </a:solidFill>
-              </a:rPr>
-              <a:t>Tkinter</a:t>
-            </a:r>
-            <a:r>
-              <a:rPr lang="en-US" dirty="0" smtClean="0">
-                <a:solidFill>
-                  <a:schemeClr val="tx1"/>
-                </a:solidFill>
-              </a:rPr>
-              <a:t> GUI</a:t>
-            </a:r>
-          </a:p>
-          <a:p>
-            <a:r>
-              <a:rPr lang="en-US" dirty="0" smtClean="0">
-                <a:solidFill>
-                  <a:schemeClr val="tx1"/>
-                </a:solidFill>
-              </a:rPr>
-              <a:t>Read Robot Data</a:t>
-            </a:r>
-          </a:p>
-          <a:p>
-            <a:pPr lvl="1"/>
-            <a:r>
-              <a:rPr lang="en-US" dirty="0" smtClean="0">
-                <a:solidFill>
-                  <a:schemeClr val="tx1"/>
-                </a:solidFill>
-              </a:rPr>
-              <a:t>Position</a:t>
-            </a:r>
-          </a:p>
-          <a:p>
-            <a:pPr lvl="1"/>
-            <a:r>
-              <a:rPr lang="en-US" dirty="0" smtClean="0">
-                <a:solidFill>
-                  <a:schemeClr val="tx1"/>
-                </a:solidFill>
-              </a:rPr>
-              <a:t>Orientation</a:t>
-            </a:r>
-          </a:p>
-          <a:p>
-            <a:r>
-              <a:rPr lang="en-US" dirty="0" smtClean="0">
-                <a:solidFill>
-                  <a:schemeClr val="tx1"/>
-                </a:solidFill>
-              </a:rPr>
-              <a:t>Display </a:t>
-            </a:r>
-          </a:p>
-          <a:p>
-            <a:pPr lvl="1"/>
-            <a:r>
-              <a:rPr lang="en-US" dirty="0" smtClean="0">
-                <a:solidFill>
-                  <a:schemeClr val="tx1"/>
-                </a:solidFill>
-              </a:rPr>
-              <a:t>2D Map</a:t>
-            </a:r>
-          </a:p>
-          <a:p>
-            <a:pPr lvl="1"/>
-            <a:r>
-              <a:rPr lang="en-US" dirty="0" smtClean="0">
-                <a:solidFill>
-                  <a:schemeClr val="tx1"/>
-                </a:solidFill>
-              </a:rPr>
-              <a:t>Front / Rear View</a:t>
-            </a:r>
-          </a:p>
-          <a:p>
-            <a:pPr lvl="1"/>
-            <a:endParaRPr lang="en-US" dirty="0">
-              <a:solidFill>
-                <a:schemeClr val="tx1"/>
-              </a:solidFill>
-            </a:endParaRPr>
-          </a:p>
-        </p:txBody>
-      </p:sp>
-      <p:sp>
-        <p:nvSpPr>
-          <p:cNvPr id="4" name="Footer Placeholder 3"/>
-          <p:cNvSpPr>
-            <a:spLocks noGrp="1"/>
-          </p:cNvSpPr>
-          <p:nvPr>
-            <p:ph type="ftr" sz="quarter" idx="15"/>
-          </p:nvPr>
-        </p:nvSpPr>
-        <p:spPr/>
-        <p:txBody>
-          <a:bodyPr/>
-          <a:lstStyle/>
-          <a:p>
-            <a:pPr algn="l"/>
-            <a:r>
-              <a:rPr lang="en-SG" sz="1000" smtClean="0"/>
-              <a:t>© 2018 National University of Singapore. All Rights Reserved</a:t>
-            </a:r>
-            <a:endParaRPr lang="en-SG" dirty="0"/>
-          </a:p>
-        </p:txBody>
-      </p:sp>
-      <p:sp>
-        <p:nvSpPr>
-          <p:cNvPr id="5" name="Slide Number Placeholder 4"/>
-          <p:cNvSpPr>
-            <a:spLocks noGrp="1"/>
-          </p:cNvSpPr>
-          <p:nvPr>
-            <p:ph type="sldNum" sz="quarter" idx="16"/>
-          </p:nvPr>
-        </p:nvSpPr>
-        <p:spPr/>
-        <p:txBody>
-          <a:bodyPr/>
-          <a:lstStyle/>
-          <a:p>
-            <a:fld id="{2F63C605-4FC6-46DE-BC90-871762EA3F52}" type="slidenum">
-              <a:rPr lang="en-SG" smtClean="0"/>
-              <a:pPr/>
-              <a:t>29</a:t>
-            </a:fld>
-            <a:endParaRPr lang="en-SG" dirty="0"/>
-          </a:p>
-        </p:txBody>
-      </p:sp>
-      <p:pic>
-        <p:nvPicPr>
-          <p:cNvPr id="7" name="Picture 6"/>
-          <p:cNvPicPr>
-            <a:picLocks noChangeAspect="1"/>
-          </p:cNvPicPr>
-          <p:nvPr/>
-        </p:nvPicPr>
-        <p:blipFill>
-          <a:blip r:embed="rId2"/>
-          <a:stretch>
-            <a:fillRect/>
-          </a:stretch>
-        </p:blipFill>
-        <p:spPr>
-          <a:xfrm>
-            <a:off x="4105940" y="2030516"/>
-            <a:ext cx="4472392" cy="2808477"/>
-          </a:xfrm>
-          <a:prstGeom prst="rect">
-            <a:avLst/>
-          </a:prstGeom>
-        </p:spPr>
-      </p:pic>
-    </p:spTree>
-    <p:extLst>
-      <p:ext uri="{BB962C8B-B14F-4D97-AF65-F5344CB8AC3E}">
-        <p14:creationId xmlns:p14="http://schemas.microsoft.com/office/powerpoint/2010/main" val="277305452"/>
+        <p14:creationId xmlns:p14="http://schemas.microsoft.com/office/powerpoint/2010/main" val="3351845363"/>
       </p:ext>
     </p:extLst>
   </p:cSld>
@@ -19252,118 +18481,6 @@
     <p:extLst>
       <p:ext uri="{BB962C8B-B14F-4D97-AF65-F5344CB8AC3E}">
         <p14:creationId xmlns:p14="http://schemas.microsoft.com/office/powerpoint/2010/main" val="1105590467"/>
-      </p:ext>
-    </p:extLst>
-  </p:cSld>
-  <p:clrMapOvr>
-    <a:masterClrMapping/>
-  </p:clrMapOvr>
-</p:sld>
-</file>
-
-<file path=ppt/slides/slide30.xml><?xml version="1.0" encoding="utf-8"?>
-<p:sld xmlns:a="http://schemas.openxmlformats.org/drawingml/2006/main" xmlns:r="http://schemas.openxmlformats.org/officeDocument/2006/relationships" xmlns:p="http://schemas.openxmlformats.org/presentationml/2006/main">
-  <p:cSld>
-    <p:spTree>
-      <p:nvGrpSpPr>
-        <p:cNvPr id="1" name=""/>
-        <p:cNvGrpSpPr/>
-        <p:nvPr/>
-      </p:nvGrpSpPr>
-      <p:grpSpPr>
-        <a:xfrm>
-          <a:off x="0" y="0"/>
-          <a:ext cx="0" cy="0"/>
-          <a:chOff x="0" y="0"/>
-          <a:chExt cx="0" cy="0"/>
-        </a:xfrm>
-      </p:grpSpPr>
-      <p:sp>
-        <p:nvSpPr>
-          <p:cNvPr id="2" name="Title 1"/>
-          <p:cNvSpPr>
-            <a:spLocks noGrp="1"/>
-          </p:cNvSpPr>
-          <p:nvPr>
-            <p:ph type="title"/>
-          </p:nvPr>
-        </p:nvSpPr>
-        <p:spPr>
-          <a:xfrm>
-            <a:off x="2573601" y="3053030"/>
-            <a:ext cx="4648197" cy="545561"/>
-          </a:xfrm>
-        </p:spPr>
-        <p:txBody>
-          <a:bodyPr/>
-          <a:lstStyle/>
-          <a:p>
-            <a:r>
-              <a:rPr lang="en-US" dirty="0"/>
-              <a:t>Thank you! </a:t>
-            </a:r>
-            <a:r>
-              <a:rPr lang="en-US" dirty="0">
-                <a:sym typeface="Wingdings" panose="05000000000000000000" pitchFamily="2" charset="2"/>
-              </a:rPr>
-              <a:t> </a:t>
-            </a:r>
-            <a:endParaRPr lang="en-SG" dirty="0"/>
-          </a:p>
-        </p:txBody>
-      </p:sp>
-      <p:sp>
-        <p:nvSpPr>
-          <p:cNvPr id="4" name="Footer Placeholder 3"/>
-          <p:cNvSpPr>
-            <a:spLocks noGrp="1"/>
-          </p:cNvSpPr>
-          <p:nvPr>
-            <p:ph type="ftr" sz="quarter" idx="15"/>
-          </p:nvPr>
-        </p:nvSpPr>
-        <p:spPr/>
-        <p:txBody>
-          <a:bodyPr/>
-          <a:lstStyle/>
-          <a:p>
-            <a:pPr algn="l"/>
-            <a:r>
-              <a:rPr lang="en-SG" sz="1000" dirty="0"/>
-              <a:t>© 2018 National University of Singapore. All Rights Reserved</a:t>
-            </a:r>
-            <a:endParaRPr lang="en-SG" dirty="0"/>
-          </a:p>
-        </p:txBody>
-      </p:sp>
-      <p:sp>
-        <p:nvSpPr>
-          <p:cNvPr id="5" name="Slide Number Placeholder 4"/>
-          <p:cNvSpPr>
-            <a:spLocks noGrp="1"/>
-          </p:cNvSpPr>
-          <p:nvPr>
-            <p:ph type="sldNum" sz="quarter" idx="16"/>
-          </p:nvPr>
-        </p:nvSpPr>
-        <p:spPr/>
-        <p:txBody>
-          <a:bodyPr/>
-          <a:lstStyle/>
-          <a:p>
-            <a:fld id="{2F63C605-4FC6-46DE-BC90-871762EA3F52}" type="slidenum">
-              <a:rPr lang="en-SG" smtClean="0"/>
-              <a:pPr/>
-              <a:t>30</a:t>
-            </a:fld>
-            <a:endParaRPr lang="en-SG" dirty="0"/>
-          </a:p>
-        </p:txBody>
-      </p:sp>
-    </p:spTree>
-    <p:extLst>
-      <p:ext uri="{BB962C8B-B14F-4D97-AF65-F5344CB8AC3E}">
-        <p14:creationId xmlns:p14="http://schemas.microsoft.com/office/powerpoint/2010/main" val="3351845363"/>
       </p:ext>
     </p:extLst>
   </p:cSld>

--- a/PracticeModule_Presentation.pptx
+++ b/PracticeModule_Presentation.pptx
@@ -5,10 +5,10 @@
     <p:sldMasterId id="2147483684" r:id="rId1"/>
   </p:sldMasterIdLst>
   <p:notesMasterIdLst>
-    <p:notesMasterId r:id="rId29"/>
+    <p:notesMasterId r:id="rId33"/>
   </p:notesMasterIdLst>
   <p:handoutMasterIdLst>
-    <p:handoutMasterId r:id="rId30"/>
+    <p:handoutMasterId r:id="rId34"/>
   </p:handoutMasterIdLst>
   <p:sldIdLst>
     <p:sldId id="281" r:id="rId2"/>
@@ -37,12 +37,16 @@
     <p:sldId id="516" r:id="rId25"/>
     <p:sldId id="507" r:id="rId26"/>
     <p:sldId id="508" r:id="rId27"/>
-    <p:sldId id="370" r:id="rId28"/>
+    <p:sldId id="517" r:id="rId28"/>
+    <p:sldId id="518" r:id="rId29"/>
+    <p:sldId id="519" r:id="rId30"/>
+    <p:sldId id="520" r:id="rId31"/>
+    <p:sldId id="370" r:id="rId32"/>
   </p:sldIdLst>
   <p:sldSz cx="9144000" cy="6858000" type="screen4x3"/>
   <p:notesSz cx="7099300" cy="10234613"/>
   <p:custDataLst>
-    <p:tags r:id="rId31"/>
+    <p:tags r:id="rId35"/>
   </p:custDataLst>
   <p:defaultTextStyle>
     <a:defPPr>
@@ -2577,14 +2581,35 @@
         </dgm:presLayoutVars>
       </dgm:prSet>
       <dgm:spPr/>
+      <dgm:t>
+        <a:bodyPr/>
+        <a:lstStyle/>
+        <a:p>
+          <a:endParaRPr lang="en-US"/>
+        </a:p>
+      </dgm:t>
     </dgm:pt>
     <dgm:pt modelId="{4B5D39CA-8147-4B81-8770-5E31FC6D1CFB}" type="pres">
       <dgm:prSet presAssocID="{91D0FCC9-0385-42AC-A8E5-78283D5D669C}" presName="sibTrans" presStyleLbl="sibTrans2D1" presStyleIdx="0" presStyleCnt="3"/>
       <dgm:spPr/>
+      <dgm:t>
+        <a:bodyPr/>
+        <a:lstStyle/>
+        <a:p>
+          <a:endParaRPr lang="en-US"/>
+        </a:p>
+      </dgm:t>
     </dgm:pt>
     <dgm:pt modelId="{41341A21-0806-411D-A443-625FA97E4491}" type="pres">
       <dgm:prSet presAssocID="{91D0FCC9-0385-42AC-A8E5-78283D5D669C}" presName="connectorText" presStyleLbl="sibTrans2D1" presStyleIdx="0" presStyleCnt="3"/>
       <dgm:spPr/>
+      <dgm:t>
+        <a:bodyPr/>
+        <a:lstStyle/>
+        <a:p>
+          <a:endParaRPr lang="en-US"/>
+        </a:p>
+      </dgm:t>
     </dgm:pt>
     <dgm:pt modelId="{EA5BC1ED-EB03-45BA-BC56-621EEE9BEBD1}" type="pres">
       <dgm:prSet presAssocID="{92249E20-58D4-4E75-BB12-FE5FBD54F135}" presName="node" presStyleLbl="node1" presStyleIdx="1" presStyleCnt="4">
@@ -2593,14 +2618,35 @@
         </dgm:presLayoutVars>
       </dgm:prSet>
       <dgm:spPr/>
+      <dgm:t>
+        <a:bodyPr/>
+        <a:lstStyle/>
+        <a:p>
+          <a:endParaRPr lang="en-US"/>
+        </a:p>
+      </dgm:t>
     </dgm:pt>
     <dgm:pt modelId="{95B3EF49-35D3-4519-9F1F-B39D5A0566E4}" type="pres">
       <dgm:prSet presAssocID="{0B72DC99-4E95-4ADB-960C-E769354E6A5D}" presName="sibTrans" presStyleLbl="sibTrans2D1" presStyleIdx="1" presStyleCnt="3"/>
       <dgm:spPr/>
+      <dgm:t>
+        <a:bodyPr/>
+        <a:lstStyle/>
+        <a:p>
+          <a:endParaRPr lang="en-US"/>
+        </a:p>
+      </dgm:t>
     </dgm:pt>
     <dgm:pt modelId="{9B203DD1-3145-4590-8ACC-2517ACFE25A8}" type="pres">
       <dgm:prSet presAssocID="{0B72DC99-4E95-4ADB-960C-E769354E6A5D}" presName="connectorText" presStyleLbl="sibTrans2D1" presStyleIdx="1" presStyleCnt="3"/>
       <dgm:spPr/>
+      <dgm:t>
+        <a:bodyPr/>
+        <a:lstStyle/>
+        <a:p>
+          <a:endParaRPr lang="en-US"/>
+        </a:p>
+      </dgm:t>
     </dgm:pt>
     <dgm:pt modelId="{A37733E1-C31E-4430-AEEA-7CC4BDFAF84B}" type="pres">
       <dgm:prSet presAssocID="{38DD500D-6BEB-44F1-A480-39EBC85B7D1B}" presName="node" presStyleLbl="node1" presStyleIdx="2" presStyleCnt="4">
@@ -2609,14 +2655,35 @@
         </dgm:presLayoutVars>
       </dgm:prSet>
       <dgm:spPr/>
+      <dgm:t>
+        <a:bodyPr/>
+        <a:lstStyle/>
+        <a:p>
+          <a:endParaRPr lang="en-US"/>
+        </a:p>
+      </dgm:t>
     </dgm:pt>
     <dgm:pt modelId="{7300E7F4-ED3F-436A-A1F0-90BEABB46E71}" type="pres">
       <dgm:prSet presAssocID="{6D1E928F-781F-462C-A8AC-2A960BFDA67A}" presName="sibTrans" presStyleLbl="sibTrans2D1" presStyleIdx="2" presStyleCnt="3"/>
       <dgm:spPr/>
+      <dgm:t>
+        <a:bodyPr/>
+        <a:lstStyle/>
+        <a:p>
+          <a:endParaRPr lang="en-US"/>
+        </a:p>
+      </dgm:t>
     </dgm:pt>
     <dgm:pt modelId="{D7B13FD1-4A98-4993-ACFA-933B70FB5D81}" type="pres">
       <dgm:prSet presAssocID="{6D1E928F-781F-462C-A8AC-2A960BFDA67A}" presName="connectorText" presStyleLbl="sibTrans2D1" presStyleIdx="2" presStyleCnt="3"/>
       <dgm:spPr/>
+      <dgm:t>
+        <a:bodyPr/>
+        <a:lstStyle/>
+        <a:p>
+          <a:endParaRPr lang="en-US"/>
+        </a:p>
+      </dgm:t>
     </dgm:pt>
     <dgm:pt modelId="{F65F4BF1-A7B9-4C27-8B28-16C04C25982E}" type="pres">
       <dgm:prSet presAssocID="{764C4D4F-B7F7-4995-9F46-8E01C62C581B}" presName="node" presStyleLbl="node1" presStyleIdx="3" presStyleCnt="4">
@@ -2625,23 +2692,30 @@
         </dgm:presLayoutVars>
       </dgm:prSet>
       <dgm:spPr/>
+      <dgm:t>
+        <a:bodyPr/>
+        <a:lstStyle/>
+        <a:p>
+          <a:endParaRPr lang="en-US"/>
+        </a:p>
+      </dgm:t>
     </dgm:pt>
   </dgm:ptLst>
   <dgm:cxnLst>
+    <dgm:cxn modelId="{3EBFAACE-A4CF-4057-9EC8-3A59330D069F}" type="presOf" srcId="{69C95212-ACBD-498E-A011-59076A4285CB}" destId="{4D4E5D9B-DE30-46F3-864F-B20CBCB47B81}" srcOrd="0" destOrd="0" presId="urn:microsoft.com/office/officeart/2005/8/layout/process1"/>
+    <dgm:cxn modelId="{2D076695-4491-4B11-95EC-7786C59603C3}" type="presOf" srcId="{0B72DC99-4E95-4ADB-960C-E769354E6A5D}" destId="{95B3EF49-35D3-4519-9F1F-B39D5A0566E4}" srcOrd="0" destOrd="0" presId="urn:microsoft.com/office/officeart/2005/8/layout/process1"/>
+    <dgm:cxn modelId="{05EBE6A4-21D9-4E6D-96DC-9D3E50C88595}" type="presOf" srcId="{38DD500D-6BEB-44F1-A480-39EBC85B7D1B}" destId="{A37733E1-C31E-4430-AEEA-7CC4BDFAF84B}" srcOrd="0" destOrd="0" presId="urn:microsoft.com/office/officeart/2005/8/layout/process1"/>
+    <dgm:cxn modelId="{B7AF3A68-AEB3-4860-978B-B262BEBB9ECB}" type="presOf" srcId="{6D1E928F-781F-462C-A8AC-2A960BFDA67A}" destId="{7300E7F4-ED3F-436A-A1F0-90BEABB46E71}" srcOrd="0" destOrd="0" presId="urn:microsoft.com/office/officeart/2005/8/layout/process1"/>
+    <dgm:cxn modelId="{31005A28-3819-43FC-A794-27C122A41925}" srcId="{9496E0A2-784B-483A-9A32-E68AF617843D}" destId="{38DD500D-6BEB-44F1-A480-39EBC85B7D1B}" srcOrd="2" destOrd="0" parTransId="{3CE2BC79-A484-4240-A2CB-1BC232A1E53F}" sibTransId="{6D1E928F-781F-462C-A8AC-2A960BFDA67A}"/>
+    <dgm:cxn modelId="{01F09420-6EB0-4A7F-B4CE-2315FD06751C}" type="presOf" srcId="{6D1E928F-781F-462C-A8AC-2A960BFDA67A}" destId="{D7B13FD1-4A98-4993-ACFA-933B70FB5D81}" srcOrd="1" destOrd="0" presId="urn:microsoft.com/office/officeart/2005/8/layout/process1"/>
+    <dgm:cxn modelId="{1530AF90-D573-4EFA-A3BC-840C3370D71B}" srcId="{9496E0A2-784B-483A-9A32-E68AF617843D}" destId="{764C4D4F-B7F7-4995-9F46-8E01C62C581B}" srcOrd="3" destOrd="0" parTransId="{A6A82594-4016-4707-8656-642BA426B3D4}" sibTransId="{356D9044-9DCA-4929-92DF-A2BDE3B61A47}"/>
+    <dgm:cxn modelId="{D1CF8BBB-F3E6-4482-8B69-D1BE9774788E}" type="presOf" srcId="{91D0FCC9-0385-42AC-A8E5-78283D5D669C}" destId="{4B5D39CA-8147-4B81-8770-5E31FC6D1CFB}" srcOrd="0" destOrd="0" presId="urn:microsoft.com/office/officeart/2005/8/layout/process1"/>
+    <dgm:cxn modelId="{5E0FD1A2-149D-4CF9-AEE7-688223EDC542}" type="presOf" srcId="{764C4D4F-B7F7-4995-9F46-8E01C62C581B}" destId="{F65F4BF1-A7B9-4C27-8B28-16C04C25982E}" srcOrd="0" destOrd="0" presId="urn:microsoft.com/office/officeart/2005/8/layout/process1"/>
+    <dgm:cxn modelId="{79D506E8-F752-4BA4-B280-EF0BEBC86F63}" srcId="{9496E0A2-784B-483A-9A32-E68AF617843D}" destId="{92249E20-58D4-4E75-BB12-FE5FBD54F135}" srcOrd="1" destOrd="0" parTransId="{105B3AA3-CBE4-4ECA-BC44-B6DCA5E7A036}" sibTransId="{0B72DC99-4E95-4ADB-960C-E769354E6A5D}"/>
     <dgm:cxn modelId="{23BC981F-CC7C-4D5F-91BD-DE6EC72DB040}" srcId="{9496E0A2-784B-483A-9A32-E68AF617843D}" destId="{69C95212-ACBD-498E-A011-59076A4285CB}" srcOrd="0" destOrd="0" parTransId="{BF3D5BE3-835C-4027-9271-54CEA95A0702}" sibTransId="{91D0FCC9-0385-42AC-A8E5-78283D5D669C}"/>
-    <dgm:cxn modelId="{01F09420-6EB0-4A7F-B4CE-2315FD06751C}" type="presOf" srcId="{6D1E928F-781F-462C-A8AC-2A960BFDA67A}" destId="{D7B13FD1-4A98-4993-ACFA-933B70FB5D81}" srcOrd="1" destOrd="0" presId="urn:microsoft.com/office/officeart/2005/8/layout/process1"/>
-    <dgm:cxn modelId="{31005A28-3819-43FC-A794-27C122A41925}" srcId="{9496E0A2-784B-483A-9A32-E68AF617843D}" destId="{38DD500D-6BEB-44F1-A480-39EBC85B7D1B}" srcOrd="2" destOrd="0" parTransId="{3CE2BC79-A484-4240-A2CB-1BC232A1E53F}" sibTransId="{6D1E928F-781F-462C-A8AC-2A960BFDA67A}"/>
-    <dgm:cxn modelId="{B7AF3A68-AEB3-4860-978B-B262BEBB9ECB}" type="presOf" srcId="{6D1E928F-781F-462C-A8AC-2A960BFDA67A}" destId="{7300E7F4-ED3F-436A-A1F0-90BEABB46E71}" srcOrd="0" destOrd="0" presId="urn:microsoft.com/office/officeart/2005/8/layout/process1"/>
     <dgm:cxn modelId="{F4BB5269-9705-4D80-8BF8-3B73A8F8EE8D}" type="presOf" srcId="{91D0FCC9-0385-42AC-A8E5-78283D5D669C}" destId="{41341A21-0806-411D-A443-625FA97E4491}" srcOrd="1" destOrd="0" presId="urn:microsoft.com/office/officeart/2005/8/layout/process1"/>
     <dgm:cxn modelId="{FEAE6454-4E5D-4190-8A76-D27FC4FC4790}" type="presOf" srcId="{9496E0A2-784B-483A-9A32-E68AF617843D}" destId="{9EA8A120-7984-4A2B-9532-24393BA5D7A2}" srcOrd="0" destOrd="0" presId="urn:microsoft.com/office/officeart/2005/8/layout/process1"/>
     <dgm:cxn modelId="{F8BD9F76-8AA1-4A33-B686-C2C5DEA97305}" type="presOf" srcId="{0B72DC99-4E95-4ADB-960C-E769354E6A5D}" destId="{9B203DD1-3145-4590-8ACC-2517ACFE25A8}" srcOrd="1" destOrd="0" presId="urn:microsoft.com/office/officeart/2005/8/layout/process1"/>
-    <dgm:cxn modelId="{1530AF90-D573-4EFA-A3BC-840C3370D71B}" srcId="{9496E0A2-784B-483A-9A32-E68AF617843D}" destId="{764C4D4F-B7F7-4995-9F46-8E01C62C581B}" srcOrd="3" destOrd="0" parTransId="{A6A82594-4016-4707-8656-642BA426B3D4}" sibTransId="{356D9044-9DCA-4929-92DF-A2BDE3B61A47}"/>
-    <dgm:cxn modelId="{2D076695-4491-4B11-95EC-7786C59603C3}" type="presOf" srcId="{0B72DC99-4E95-4ADB-960C-E769354E6A5D}" destId="{95B3EF49-35D3-4519-9F1F-B39D5A0566E4}" srcOrd="0" destOrd="0" presId="urn:microsoft.com/office/officeart/2005/8/layout/process1"/>
-    <dgm:cxn modelId="{5E0FD1A2-149D-4CF9-AEE7-688223EDC542}" type="presOf" srcId="{764C4D4F-B7F7-4995-9F46-8E01C62C581B}" destId="{F65F4BF1-A7B9-4C27-8B28-16C04C25982E}" srcOrd="0" destOrd="0" presId="urn:microsoft.com/office/officeart/2005/8/layout/process1"/>
-    <dgm:cxn modelId="{05EBE6A4-21D9-4E6D-96DC-9D3E50C88595}" type="presOf" srcId="{38DD500D-6BEB-44F1-A480-39EBC85B7D1B}" destId="{A37733E1-C31E-4430-AEEA-7CC4BDFAF84B}" srcOrd="0" destOrd="0" presId="urn:microsoft.com/office/officeart/2005/8/layout/process1"/>
-    <dgm:cxn modelId="{D1CF8BBB-F3E6-4482-8B69-D1BE9774788E}" type="presOf" srcId="{91D0FCC9-0385-42AC-A8E5-78283D5D669C}" destId="{4B5D39CA-8147-4B81-8770-5E31FC6D1CFB}" srcOrd="0" destOrd="0" presId="urn:microsoft.com/office/officeart/2005/8/layout/process1"/>
-    <dgm:cxn modelId="{3EBFAACE-A4CF-4057-9EC8-3A59330D069F}" type="presOf" srcId="{69C95212-ACBD-498E-A011-59076A4285CB}" destId="{4D4E5D9B-DE30-46F3-864F-B20CBCB47B81}" srcOrd="0" destOrd="0" presId="urn:microsoft.com/office/officeart/2005/8/layout/process1"/>
-    <dgm:cxn modelId="{79D506E8-F752-4BA4-B280-EF0BEBC86F63}" srcId="{9496E0A2-784B-483A-9A32-E68AF617843D}" destId="{92249E20-58D4-4E75-BB12-FE5FBD54F135}" srcOrd="1" destOrd="0" parTransId="{105B3AA3-CBE4-4ECA-BC44-B6DCA5E7A036}" sibTransId="{0B72DC99-4E95-4ADB-960C-E769354E6A5D}"/>
     <dgm:cxn modelId="{099D99FB-52B2-434C-BA10-1675505A420B}" type="presOf" srcId="{92249E20-58D4-4E75-BB12-FE5FBD54F135}" destId="{EA5BC1ED-EB03-45BA-BC56-621EEE9BEBD1}" srcOrd="0" destOrd="0" presId="urn:microsoft.com/office/officeart/2005/8/layout/process1"/>
     <dgm:cxn modelId="{DA8115C2-D2F4-4CCB-9D90-0A509018B8F1}" type="presParOf" srcId="{9EA8A120-7984-4A2B-9532-24393BA5D7A2}" destId="{4D4E5D9B-DE30-46F3-864F-B20CBCB47B81}" srcOrd="0" destOrd="0" presId="urn:microsoft.com/office/officeart/2005/8/layout/process1"/>
     <dgm:cxn modelId="{0C3F32CC-6A85-4291-B66A-941971627454}" type="presParOf" srcId="{9EA8A120-7984-4A2B-9532-24393BA5D7A2}" destId="{4B5D39CA-8147-4B81-8770-5E31FC6D1CFB}" srcOrd="1" destOrd="0" presId="urn:microsoft.com/office/officeart/2005/8/layout/process1"/>
@@ -3033,6 +3107,13 @@
         </dgm:presLayoutVars>
       </dgm:prSet>
       <dgm:spPr/>
+      <dgm:t>
+        <a:bodyPr/>
+        <a:lstStyle/>
+        <a:p>
+          <a:endParaRPr lang="en-US"/>
+        </a:p>
+      </dgm:t>
     </dgm:pt>
     <dgm:pt modelId="{189D6A4B-21E2-4FCD-A1A9-B0A37070679D}" type="pres">
       <dgm:prSet presAssocID="{6909E702-DF4A-4621-83E4-C7AE51A47D48}" presName="node" presStyleLbl="node1" presStyleIdx="0" presStyleCnt="8">
@@ -3041,14 +3122,35 @@
         </dgm:presLayoutVars>
       </dgm:prSet>
       <dgm:spPr/>
+      <dgm:t>
+        <a:bodyPr/>
+        <a:lstStyle/>
+        <a:p>
+          <a:endParaRPr lang="en-US"/>
+        </a:p>
+      </dgm:t>
     </dgm:pt>
     <dgm:pt modelId="{E5D9E9D1-B554-4B69-88C2-23DB15039166}" type="pres">
       <dgm:prSet presAssocID="{76AC9EB8-B499-4014-9C2D-CF84A71AB784}" presName="sibTrans" presStyleLbl="sibTrans2D1" presStyleIdx="0" presStyleCnt="7"/>
       <dgm:spPr/>
+      <dgm:t>
+        <a:bodyPr/>
+        <a:lstStyle/>
+        <a:p>
+          <a:endParaRPr lang="en-US"/>
+        </a:p>
+      </dgm:t>
     </dgm:pt>
     <dgm:pt modelId="{7BEE8685-09E9-4964-906A-51AD9B41B2B2}" type="pres">
       <dgm:prSet presAssocID="{76AC9EB8-B499-4014-9C2D-CF84A71AB784}" presName="connectorText" presStyleLbl="sibTrans2D1" presStyleIdx="0" presStyleCnt="7"/>
       <dgm:spPr/>
+      <dgm:t>
+        <a:bodyPr/>
+        <a:lstStyle/>
+        <a:p>
+          <a:endParaRPr lang="en-US"/>
+        </a:p>
+      </dgm:t>
     </dgm:pt>
     <dgm:pt modelId="{D5C5BD5A-4727-46B4-AED3-2156E2F1911C}" type="pres">
       <dgm:prSet presAssocID="{16DB864F-1D40-4E34-8BD9-F1C660CD2CFB}" presName="node" presStyleLbl="node1" presStyleIdx="1" presStyleCnt="8" custScaleX="177674">
@@ -3057,14 +3159,35 @@
         </dgm:presLayoutVars>
       </dgm:prSet>
       <dgm:spPr/>
+      <dgm:t>
+        <a:bodyPr/>
+        <a:lstStyle/>
+        <a:p>
+          <a:endParaRPr lang="en-US"/>
+        </a:p>
+      </dgm:t>
     </dgm:pt>
     <dgm:pt modelId="{70E8EFBD-24AF-49C1-AB74-E0E433B72786}" type="pres">
       <dgm:prSet presAssocID="{0CC9A380-740E-4425-AC43-31F4F13B3004}" presName="sibTrans" presStyleLbl="sibTrans2D1" presStyleIdx="1" presStyleCnt="7"/>
       <dgm:spPr/>
+      <dgm:t>
+        <a:bodyPr/>
+        <a:lstStyle/>
+        <a:p>
+          <a:endParaRPr lang="en-US"/>
+        </a:p>
+      </dgm:t>
     </dgm:pt>
     <dgm:pt modelId="{6C363702-4613-491B-B93A-F5677269E603}" type="pres">
       <dgm:prSet presAssocID="{0CC9A380-740E-4425-AC43-31F4F13B3004}" presName="connectorText" presStyleLbl="sibTrans2D1" presStyleIdx="1" presStyleCnt="7"/>
       <dgm:spPr/>
+      <dgm:t>
+        <a:bodyPr/>
+        <a:lstStyle/>
+        <a:p>
+          <a:endParaRPr lang="en-US"/>
+        </a:p>
+      </dgm:t>
     </dgm:pt>
     <dgm:pt modelId="{5E07831F-96AB-45D4-BDD8-76735DEC4F3D}" type="pres">
       <dgm:prSet presAssocID="{B0120D59-46F5-4609-8A90-D19147655A7C}" presName="node" presStyleLbl="node1" presStyleIdx="2" presStyleCnt="8" custScaleX="178712">
@@ -3073,14 +3196,35 @@
         </dgm:presLayoutVars>
       </dgm:prSet>
       <dgm:spPr/>
+      <dgm:t>
+        <a:bodyPr/>
+        <a:lstStyle/>
+        <a:p>
+          <a:endParaRPr lang="en-US"/>
+        </a:p>
+      </dgm:t>
     </dgm:pt>
     <dgm:pt modelId="{C3ADE6CA-9FE3-4A69-9EF9-3DEB92BC6215}" type="pres">
       <dgm:prSet presAssocID="{05504F13-8F6D-4A96-A060-7C7C04BCCDC5}" presName="sibTrans" presStyleLbl="sibTrans2D1" presStyleIdx="2" presStyleCnt="7"/>
       <dgm:spPr/>
+      <dgm:t>
+        <a:bodyPr/>
+        <a:lstStyle/>
+        <a:p>
+          <a:endParaRPr lang="en-US"/>
+        </a:p>
+      </dgm:t>
     </dgm:pt>
     <dgm:pt modelId="{FC02DA56-149D-4855-9DCF-0DD82448A01C}" type="pres">
       <dgm:prSet presAssocID="{05504F13-8F6D-4A96-A060-7C7C04BCCDC5}" presName="connectorText" presStyleLbl="sibTrans2D1" presStyleIdx="2" presStyleCnt="7"/>
       <dgm:spPr/>
+      <dgm:t>
+        <a:bodyPr/>
+        <a:lstStyle/>
+        <a:p>
+          <a:endParaRPr lang="en-US"/>
+        </a:p>
+      </dgm:t>
     </dgm:pt>
     <dgm:pt modelId="{015423F5-9245-4C68-91D2-E0D99B323ECB}" type="pres">
       <dgm:prSet presAssocID="{4E8DDCF5-1131-4B7B-8DC9-CA1D909DEB4C}" presName="node" presStyleLbl="node1" presStyleIdx="3" presStyleCnt="8" custScaleX="181548">
@@ -3089,14 +3233,35 @@
         </dgm:presLayoutVars>
       </dgm:prSet>
       <dgm:spPr/>
+      <dgm:t>
+        <a:bodyPr/>
+        <a:lstStyle/>
+        <a:p>
+          <a:endParaRPr lang="en-US"/>
+        </a:p>
+      </dgm:t>
     </dgm:pt>
     <dgm:pt modelId="{BB051662-59CA-41A7-A56A-FFBA00380174}" type="pres">
       <dgm:prSet presAssocID="{1E64BDA1-8C1C-4293-9ECF-B16190F3555C}" presName="sibTrans" presStyleLbl="sibTrans2D1" presStyleIdx="3" presStyleCnt="7"/>
       <dgm:spPr/>
+      <dgm:t>
+        <a:bodyPr/>
+        <a:lstStyle/>
+        <a:p>
+          <a:endParaRPr lang="en-US"/>
+        </a:p>
+      </dgm:t>
     </dgm:pt>
     <dgm:pt modelId="{85ACBFE3-ED12-472D-9155-8AECC46A625D}" type="pres">
       <dgm:prSet presAssocID="{1E64BDA1-8C1C-4293-9ECF-B16190F3555C}" presName="connectorText" presStyleLbl="sibTrans2D1" presStyleIdx="3" presStyleCnt="7"/>
       <dgm:spPr/>
+      <dgm:t>
+        <a:bodyPr/>
+        <a:lstStyle/>
+        <a:p>
+          <a:endParaRPr lang="en-US"/>
+        </a:p>
+      </dgm:t>
     </dgm:pt>
     <dgm:pt modelId="{DE8A9ADE-4EA7-4E5F-9B22-8F0A88EF3F94}" type="pres">
       <dgm:prSet presAssocID="{6BB4A08D-9009-408D-A672-847AAAD9D481}" presName="node" presStyleLbl="node1" presStyleIdx="4" presStyleCnt="8" custScaleX="184493">
@@ -3105,14 +3270,35 @@
         </dgm:presLayoutVars>
       </dgm:prSet>
       <dgm:spPr/>
+      <dgm:t>
+        <a:bodyPr/>
+        <a:lstStyle/>
+        <a:p>
+          <a:endParaRPr lang="en-US"/>
+        </a:p>
+      </dgm:t>
     </dgm:pt>
     <dgm:pt modelId="{99F1D40A-DB5B-4C5D-98D8-82EDE31912FE}" type="pres">
       <dgm:prSet presAssocID="{F27D3CED-FAAD-45A0-B25C-96C0B097E61C}" presName="sibTrans" presStyleLbl="sibTrans2D1" presStyleIdx="4" presStyleCnt="7"/>
       <dgm:spPr/>
+      <dgm:t>
+        <a:bodyPr/>
+        <a:lstStyle/>
+        <a:p>
+          <a:endParaRPr lang="en-US"/>
+        </a:p>
+      </dgm:t>
     </dgm:pt>
     <dgm:pt modelId="{228957F4-EE3C-408A-83BB-E73D4ED2802F}" type="pres">
       <dgm:prSet presAssocID="{F27D3CED-FAAD-45A0-B25C-96C0B097E61C}" presName="connectorText" presStyleLbl="sibTrans2D1" presStyleIdx="4" presStyleCnt="7"/>
       <dgm:spPr/>
+      <dgm:t>
+        <a:bodyPr/>
+        <a:lstStyle/>
+        <a:p>
+          <a:endParaRPr lang="en-US"/>
+        </a:p>
+      </dgm:t>
     </dgm:pt>
     <dgm:pt modelId="{52BF1B02-38BA-490D-B49F-F7F428D4159F}" type="pres">
       <dgm:prSet presAssocID="{F77B9BF5-4593-4B18-BA5C-8BE2B8071A44}" presName="node" presStyleLbl="node1" presStyleIdx="5" presStyleCnt="8" custScaleX="183378">
@@ -3121,14 +3307,35 @@
         </dgm:presLayoutVars>
       </dgm:prSet>
       <dgm:spPr/>
+      <dgm:t>
+        <a:bodyPr/>
+        <a:lstStyle/>
+        <a:p>
+          <a:endParaRPr lang="en-US"/>
+        </a:p>
+      </dgm:t>
     </dgm:pt>
     <dgm:pt modelId="{FFAB1546-EE89-4905-B200-014D9D15DEB5}" type="pres">
       <dgm:prSet presAssocID="{B8A5FD80-BDA8-4DB0-BAA6-7D996DB83F32}" presName="sibTrans" presStyleLbl="sibTrans2D1" presStyleIdx="5" presStyleCnt="7"/>
       <dgm:spPr/>
+      <dgm:t>
+        <a:bodyPr/>
+        <a:lstStyle/>
+        <a:p>
+          <a:endParaRPr lang="en-US"/>
+        </a:p>
+      </dgm:t>
     </dgm:pt>
     <dgm:pt modelId="{F99DF6A8-FCCC-45FE-984E-74BB5D13A325}" type="pres">
       <dgm:prSet presAssocID="{B8A5FD80-BDA8-4DB0-BAA6-7D996DB83F32}" presName="connectorText" presStyleLbl="sibTrans2D1" presStyleIdx="5" presStyleCnt="7"/>
       <dgm:spPr/>
+      <dgm:t>
+        <a:bodyPr/>
+        <a:lstStyle/>
+        <a:p>
+          <a:endParaRPr lang="en-US"/>
+        </a:p>
+      </dgm:t>
     </dgm:pt>
     <dgm:pt modelId="{CFBA9DB8-BD38-47A9-83E9-C039D73A7363}" type="pres">
       <dgm:prSet presAssocID="{44D9E930-28F8-42A2-AEDE-C2AF9832F680}" presName="node" presStyleLbl="node1" presStyleIdx="6" presStyleCnt="8" custScaleX="187609">
@@ -3137,14 +3344,35 @@
         </dgm:presLayoutVars>
       </dgm:prSet>
       <dgm:spPr/>
+      <dgm:t>
+        <a:bodyPr/>
+        <a:lstStyle/>
+        <a:p>
+          <a:endParaRPr lang="en-US"/>
+        </a:p>
+      </dgm:t>
     </dgm:pt>
     <dgm:pt modelId="{AA747EB2-8553-4BFB-A459-0AE4760BF603}" type="pres">
       <dgm:prSet presAssocID="{BEF039B9-78B3-44AC-BCD2-D5D97EFF241A}" presName="sibTrans" presStyleLbl="sibTrans2D1" presStyleIdx="6" presStyleCnt="7"/>
       <dgm:spPr/>
+      <dgm:t>
+        <a:bodyPr/>
+        <a:lstStyle/>
+        <a:p>
+          <a:endParaRPr lang="en-US"/>
+        </a:p>
+      </dgm:t>
     </dgm:pt>
     <dgm:pt modelId="{6B4A65B5-2DFC-4228-9C5F-110DC47622B7}" type="pres">
       <dgm:prSet presAssocID="{BEF039B9-78B3-44AC-BCD2-D5D97EFF241A}" presName="connectorText" presStyleLbl="sibTrans2D1" presStyleIdx="6" presStyleCnt="7"/>
       <dgm:spPr/>
+      <dgm:t>
+        <a:bodyPr/>
+        <a:lstStyle/>
+        <a:p>
+          <a:endParaRPr lang="en-US"/>
+        </a:p>
+      </dgm:t>
     </dgm:pt>
     <dgm:pt modelId="{C66BF0E9-CB5D-486D-B436-1555A05A59F0}" type="pres">
       <dgm:prSet presAssocID="{9A14F079-F04B-4CC9-9700-618484CACBA1}" presName="node" presStyleLbl="node1" presStyleIdx="7" presStyleCnt="8">
@@ -3153,39 +3381,46 @@
         </dgm:presLayoutVars>
       </dgm:prSet>
       <dgm:spPr/>
+      <dgm:t>
+        <a:bodyPr/>
+        <a:lstStyle/>
+        <a:p>
+          <a:endParaRPr lang="en-US"/>
+        </a:p>
+      </dgm:t>
     </dgm:pt>
   </dgm:ptLst>
   <dgm:cxnLst>
+    <dgm:cxn modelId="{CA6ECBB7-3C85-4C7D-B933-A652218F8480}" type="presOf" srcId="{76AC9EB8-B499-4014-9C2D-CF84A71AB784}" destId="{E5D9E9D1-B554-4B69-88C2-23DB15039166}" srcOrd="0" destOrd="0" presId="urn:microsoft.com/office/officeart/2005/8/layout/process2"/>
+    <dgm:cxn modelId="{B1AAA544-2A7A-462B-8263-6FCDC6C98228}" type="presOf" srcId="{0CC9A380-740E-4425-AC43-31F4F13B3004}" destId="{6C363702-4613-491B-B93A-F5677269E603}" srcOrd="1" destOrd="0" presId="urn:microsoft.com/office/officeart/2005/8/layout/process2"/>
+    <dgm:cxn modelId="{97036991-5E3A-46EC-8150-B28E18F668ED}" type="presOf" srcId="{1E64BDA1-8C1C-4293-9ECF-B16190F3555C}" destId="{BB051662-59CA-41A7-A56A-FFBA00380174}" srcOrd="0" destOrd="0" presId="urn:microsoft.com/office/officeart/2005/8/layout/process2"/>
+    <dgm:cxn modelId="{62E71CF5-02C6-426F-B29D-352D349A767B}" type="presOf" srcId="{831248B5-42BE-41CC-B00B-93FDF821FE9F}" destId="{D7B6869B-4E62-4ED6-98D4-117812227983}" srcOrd="0" destOrd="0" presId="urn:microsoft.com/office/officeart/2005/8/layout/process2"/>
+    <dgm:cxn modelId="{C1508D8D-DC9F-4A4C-B426-EDCB0C2D4635}" type="presOf" srcId="{BEF039B9-78B3-44AC-BCD2-D5D97EFF241A}" destId="{AA747EB2-8553-4BFB-A459-0AE4760BF603}" srcOrd="0" destOrd="0" presId="urn:microsoft.com/office/officeart/2005/8/layout/process2"/>
+    <dgm:cxn modelId="{9E8B0EC8-CDD5-4D01-BB78-42B94FC3B680}" srcId="{831248B5-42BE-41CC-B00B-93FDF821FE9F}" destId="{44D9E930-28F8-42A2-AEDE-C2AF9832F680}" srcOrd="6" destOrd="0" parTransId="{F461D74D-E1BE-4262-9A51-8AF93A2A9DAE}" sibTransId="{BEF039B9-78B3-44AC-BCD2-D5D97EFF241A}"/>
+    <dgm:cxn modelId="{AFB1F2F6-1307-4941-86BA-4A12F4B9B558}" type="presOf" srcId="{05504F13-8F6D-4A96-A060-7C7C04BCCDC5}" destId="{C3ADE6CA-9FE3-4A69-9EF9-3DEB92BC6215}" srcOrd="0" destOrd="0" presId="urn:microsoft.com/office/officeart/2005/8/layout/process2"/>
+    <dgm:cxn modelId="{417CA51D-93DA-40F2-8DB1-5C199B54D276}" type="presOf" srcId="{6909E702-DF4A-4621-83E4-C7AE51A47D48}" destId="{189D6A4B-21E2-4FCD-A1A9-B0A37070679D}" srcOrd="0" destOrd="0" presId="urn:microsoft.com/office/officeart/2005/8/layout/process2"/>
+    <dgm:cxn modelId="{D724B969-C453-40A9-A4DD-724E37D812DE}" type="presOf" srcId="{16DB864F-1D40-4E34-8BD9-F1C660CD2CFB}" destId="{D5C5BD5A-4727-46B4-AED3-2156E2F1911C}" srcOrd="0" destOrd="0" presId="urn:microsoft.com/office/officeart/2005/8/layout/process2"/>
     <dgm:cxn modelId="{1B41AA09-DD62-4EB7-9BBC-88AFF9167CB2}" type="presOf" srcId="{BEF039B9-78B3-44AC-BCD2-D5D97EFF241A}" destId="{6B4A65B5-2DFC-4228-9C5F-110DC47622B7}" srcOrd="1" destOrd="0" presId="urn:microsoft.com/office/officeart/2005/8/layout/process2"/>
-    <dgm:cxn modelId="{CCBB2E18-AEAA-4DC0-9E3C-F88CDCA45059}" type="presOf" srcId="{F27D3CED-FAAD-45A0-B25C-96C0B097E61C}" destId="{228957F4-EE3C-408A-83BB-E73D4ED2802F}" srcOrd="1" destOrd="0" presId="urn:microsoft.com/office/officeart/2005/8/layout/process2"/>
     <dgm:cxn modelId="{F848FD1B-9938-40DA-B871-80D23B94C0A1}" srcId="{831248B5-42BE-41CC-B00B-93FDF821FE9F}" destId="{6BB4A08D-9009-408D-A672-847AAAD9D481}" srcOrd="4" destOrd="0" parTransId="{41DA4F41-3DCF-4131-AA4C-8DFB2599D393}" sibTransId="{F27D3CED-FAAD-45A0-B25C-96C0B097E61C}"/>
-    <dgm:cxn modelId="{417CA51D-93DA-40F2-8DB1-5C199B54D276}" type="presOf" srcId="{6909E702-DF4A-4621-83E4-C7AE51A47D48}" destId="{189D6A4B-21E2-4FCD-A1A9-B0A37070679D}" srcOrd="0" destOrd="0" presId="urn:microsoft.com/office/officeart/2005/8/layout/process2"/>
-    <dgm:cxn modelId="{D497E32E-9E75-4ED1-AB75-FDC6416370FF}" type="presOf" srcId="{1E64BDA1-8C1C-4293-9ECF-B16190F3555C}" destId="{85ACBFE3-ED12-472D-9155-8AECC46A625D}" srcOrd="1" destOrd="0" presId="urn:microsoft.com/office/officeart/2005/8/layout/process2"/>
-    <dgm:cxn modelId="{6B5C7332-53C1-44A1-987C-DD115C27287D}" type="presOf" srcId="{B0120D59-46F5-4609-8A90-D19147655A7C}" destId="{5E07831F-96AB-45D4-BDD8-76735DEC4F3D}" srcOrd="0" destOrd="0" presId="urn:microsoft.com/office/officeart/2005/8/layout/process2"/>
+    <dgm:cxn modelId="{74E0374E-C34F-4DBF-9C88-16D4690BFED2}" type="presOf" srcId="{F27D3CED-FAAD-45A0-B25C-96C0B097E61C}" destId="{99F1D40A-DB5B-4C5D-98D8-82EDE31912FE}" srcOrd="0" destOrd="0" presId="urn:microsoft.com/office/officeart/2005/8/layout/process2"/>
+    <dgm:cxn modelId="{E273DFAF-B31F-4432-9592-248697CD484E}" type="presOf" srcId="{0CC9A380-740E-4425-AC43-31F4F13B3004}" destId="{70E8EFBD-24AF-49C1-AB74-E0E433B72786}" srcOrd="0" destOrd="0" presId="urn:microsoft.com/office/officeart/2005/8/layout/process2"/>
     <dgm:cxn modelId="{94C5DB3A-31F4-43ED-AF25-F5889F60EB0E}" type="presOf" srcId="{4E8DDCF5-1131-4B7B-8DC9-CA1D909DEB4C}" destId="{015423F5-9245-4C68-91D2-E0D99B323ECB}" srcOrd="0" destOrd="0" presId="urn:microsoft.com/office/officeart/2005/8/layout/process2"/>
-    <dgm:cxn modelId="{67A6795E-B981-4D59-8045-63955DC05E94}" type="presOf" srcId="{B8A5FD80-BDA8-4DB0-BAA6-7D996DB83F32}" destId="{F99DF6A8-FCCC-45FE-984E-74BB5D13A325}" srcOrd="1" destOrd="0" presId="urn:microsoft.com/office/officeart/2005/8/layout/process2"/>
-    <dgm:cxn modelId="{B1AAA544-2A7A-462B-8263-6FCDC6C98228}" type="presOf" srcId="{0CC9A380-740E-4425-AC43-31F4F13B3004}" destId="{6C363702-4613-491B-B93A-F5677269E603}" srcOrd="1" destOrd="0" presId="urn:microsoft.com/office/officeart/2005/8/layout/process2"/>
     <dgm:cxn modelId="{3C976765-D4C8-4738-B7C4-C1318D78CD1F}" srcId="{831248B5-42BE-41CC-B00B-93FDF821FE9F}" destId="{6909E702-DF4A-4621-83E4-C7AE51A47D48}" srcOrd="0" destOrd="0" parTransId="{1DE2D664-EDBC-46EB-96F3-DDBF3F502ACD}" sibTransId="{76AC9EB8-B499-4014-9C2D-CF84A71AB784}"/>
     <dgm:cxn modelId="{F15E6F49-4000-47CC-8885-1783141097E5}" srcId="{831248B5-42BE-41CC-B00B-93FDF821FE9F}" destId="{9A14F079-F04B-4CC9-9700-618484CACBA1}" srcOrd="7" destOrd="0" parTransId="{6B6E3BE4-034D-49F9-B705-99516622DF0B}" sibTransId="{E9A69AA7-B434-477C-A848-F3319E85C266}"/>
-    <dgm:cxn modelId="{D724B969-C453-40A9-A4DD-724E37D812DE}" type="presOf" srcId="{16DB864F-1D40-4E34-8BD9-F1C660CD2CFB}" destId="{D5C5BD5A-4727-46B4-AED3-2156E2F1911C}" srcOrd="0" destOrd="0" presId="urn:microsoft.com/office/officeart/2005/8/layout/process2"/>
-    <dgm:cxn modelId="{70AE856C-5F5E-4DEC-B46B-465564D97C8A}" type="presOf" srcId="{05504F13-8F6D-4A96-A060-7C7C04BCCDC5}" destId="{FC02DA56-149D-4855-9DCF-0DD82448A01C}" srcOrd="1" destOrd="0" presId="urn:microsoft.com/office/officeart/2005/8/layout/process2"/>
-    <dgm:cxn modelId="{74E0374E-C34F-4DBF-9C88-16D4690BFED2}" type="presOf" srcId="{F27D3CED-FAAD-45A0-B25C-96C0B097E61C}" destId="{99F1D40A-DB5B-4C5D-98D8-82EDE31912FE}" srcOrd="0" destOrd="0" presId="urn:microsoft.com/office/officeart/2005/8/layout/process2"/>
-    <dgm:cxn modelId="{C1508D8D-DC9F-4A4C-B426-EDCB0C2D4635}" type="presOf" srcId="{BEF039B9-78B3-44AC-BCD2-D5D97EFF241A}" destId="{AA747EB2-8553-4BFB-A459-0AE4760BF603}" srcOrd="0" destOrd="0" presId="urn:microsoft.com/office/officeart/2005/8/layout/process2"/>
-    <dgm:cxn modelId="{97036991-5E3A-46EC-8150-B28E18F668ED}" type="presOf" srcId="{1E64BDA1-8C1C-4293-9ECF-B16190F3555C}" destId="{BB051662-59CA-41A7-A56A-FFBA00380174}" srcOrd="0" destOrd="0" presId="urn:microsoft.com/office/officeart/2005/8/layout/process2"/>
-    <dgm:cxn modelId="{1FAAEAA8-DA69-4D24-A321-784C7150EC4E}" srcId="{831248B5-42BE-41CC-B00B-93FDF821FE9F}" destId="{16DB864F-1D40-4E34-8BD9-F1C660CD2CFB}" srcOrd="1" destOrd="0" parTransId="{93C0F5D2-7285-4DBC-9CFC-540D03F09FCC}" sibTransId="{0CC9A380-740E-4425-AC43-31F4F13B3004}"/>
-    <dgm:cxn modelId="{E273DFAF-B31F-4432-9592-248697CD484E}" type="presOf" srcId="{0CC9A380-740E-4425-AC43-31F4F13B3004}" destId="{70E8EFBD-24AF-49C1-AB74-E0E433B72786}" srcOrd="0" destOrd="0" presId="urn:microsoft.com/office/officeart/2005/8/layout/process2"/>
-    <dgm:cxn modelId="{2BFA0FB1-DBF7-4A7A-A74C-9B7753CD19FE}" type="presOf" srcId="{F77B9BF5-4593-4B18-BA5C-8BE2B8071A44}" destId="{52BF1B02-38BA-490D-B49F-F7F428D4159F}" srcOrd="0" destOrd="0" presId="urn:microsoft.com/office/officeart/2005/8/layout/process2"/>
-    <dgm:cxn modelId="{CA6ECBB7-3C85-4C7D-B933-A652218F8480}" type="presOf" srcId="{76AC9EB8-B499-4014-9C2D-CF84A71AB784}" destId="{E5D9E9D1-B554-4B69-88C2-23DB15039166}" srcOrd="0" destOrd="0" presId="urn:microsoft.com/office/officeart/2005/8/layout/process2"/>
+    <dgm:cxn modelId="{902323CF-0A5E-4ECB-AB85-D3ACCE8529C8}" type="presOf" srcId="{76AC9EB8-B499-4014-9C2D-CF84A71AB784}" destId="{7BEE8685-09E9-4964-906A-51AD9B41B2B2}" srcOrd="1" destOrd="0" presId="urn:microsoft.com/office/officeart/2005/8/layout/process2"/>
     <dgm:cxn modelId="{2D6458B8-D429-4A32-8FAC-D38FBB9C07AF}" type="presOf" srcId="{9A14F079-F04B-4CC9-9700-618484CACBA1}" destId="{C66BF0E9-CB5D-486D-B436-1555A05A59F0}" srcOrd="0" destOrd="0" presId="urn:microsoft.com/office/officeart/2005/8/layout/process2"/>
     <dgm:cxn modelId="{BE13A2BF-22E0-4EFB-A743-7E04366FF557}" type="presOf" srcId="{44D9E930-28F8-42A2-AEDE-C2AF9832F680}" destId="{CFBA9DB8-BD38-47A9-83E9-C039D73A7363}" srcOrd="0" destOrd="0" presId="urn:microsoft.com/office/officeart/2005/8/layout/process2"/>
-    <dgm:cxn modelId="{9E8B0EC8-CDD5-4D01-BB78-42B94FC3B680}" srcId="{831248B5-42BE-41CC-B00B-93FDF821FE9F}" destId="{44D9E930-28F8-42A2-AEDE-C2AF9832F680}" srcOrd="6" destOrd="0" parTransId="{F461D74D-E1BE-4262-9A51-8AF93A2A9DAE}" sibTransId="{BEF039B9-78B3-44AC-BCD2-D5D97EFF241A}"/>
+    <dgm:cxn modelId="{67A6795E-B981-4D59-8045-63955DC05E94}" type="presOf" srcId="{B8A5FD80-BDA8-4DB0-BAA6-7D996DB83F32}" destId="{F99DF6A8-FCCC-45FE-984E-74BB5D13A325}" srcOrd="1" destOrd="0" presId="urn:microsoft.com/office/officeart/2005/8/layout/process2"/>
+    <dgm:cxn modelId="{D497E32E-9E75-4ED1-AB75-FDC6416370FF}" type="presOf" srcId="{1E64BDA1-8C1C-4293-9ECF-B16190F3555C}" destId="{85ACBFE3-ED12-472D-9155-8AECC46A625D}" srcOrd="1" destOrd="0" presId="urn:microsoft.com/office/officeart/2005/8/layout/process2"/>
+    <dgm:cxn modelId="{70AE856C-5F5E-4DEC-B46B-465564D97C8A}" type="presOf" srcId="{05504F13-8F6D-4A96-A060-7C7C04BCCDC5}" destId="{FC02DA56-149D-4855-9DCF-0DD82448A01C}" srcOrd="1" destOrd="0" presId="urn:microsoft.com/office/officeart/2005/8/layout/process2"/>
+    <dgm:cxn modelId="{2BFA0FB1-DBF7-4A7A-A74C-9B7753CD19FE}" type="presOf" srcId="{F77B9BF5-4593-4B18-BA5C-8BE2B8071A44}" destId="{52BF1B02-38BA-490D-B49F-F7F428D4159F}" srcOrd="0" destOrd="0" presId="urn:microsoft.com/office/officeart/2005/8/layout/process2"/>
     <dgm:cxn modelId="{2F596BCC-CA9C-4A5D-9021-F5F196D3E80D}" srcId="{831248B5-42BE-41CC-B00B-93FDF821FE9F}" destId="{4E8DDCF5-1131-4B7B-8DC9-CA1D909DEB4C}" srcOrd="3" destOrd="0" parTransId="{5D085E46-E5F5-4C17-A2B4-EEDB4B73AAFC}" sibTransId="{1E64BDA1-8C1C-4293-9ECF-B16190F3555C}"/>
-    <dgm:cxn modelId="{902323CF-0A5E-4ECB-AB85-D3ACCE8529C8}" type="presOf" srcId="{76AC9EB8-B499-4014-9C2D-CF84A71AB784}" destId="{7BEE8685-09E9-4964-906A-51AD9B41B2B2}" srcOrd="1" destOrd="0" presId="urn:microsoft.com/office/officeart/2005/8/layout/process2"/>
+    <dgm:cxn modelId="{17625CDE-390A-4A16-A1DA-1A2728D2592E}" srcId="{831248B5-42BE-41CC-B00B-93FDF821FE9F}" destId="{B0120D59-46F5-4609-8A90-D19147655A7C}" srcOrd="2" destOrd="0" parTransId="{8B65003E-F843-4BAC-92BF-31469B2EB546}" sibTransId="{05504F13-8F6D-4A96-A060-7C7C04BCCDC5}"/>
+    <dgm:cxn modelId="{6B5C7332-53C1-44A1-987C-DD115C27287D}" type="presOf" srcId="{B0120D59-46F5-4609-8A90-D19147655A7C}" destId="{5E07831F-96AB-45D4-BDD8-76735DEC4F3D}" srcOrd="0" destOrd="0" presId="urn:microsoft.com/office/officeart/2005/8/layout/process2"/>
+    <dgm:cxn modelId="{CCBB2E18-AEAA-4DC0-9E3C-F88CDCA45059}" type="presOf" srcId="{F27D3CED-FAAD-45A0-B25C-96C0B097E61C}" destId="{228957F4-EE3C-408A-83BB-E73D4ED2802F}" srcOrd="1" destOrd="0" presId="urn:microsoft.com/office/officeart/2005/8/layout/process2"/>
+    <dgm:cxn modelId="{1FAAEAA8-DA69-4D24-A321-784C7150EC4E}" srcId="{831248B5-42BE-41CC-B00B-93FDF821FE9F}" destId="{16DB864F-1D40-4E34-8BD9-F1C660CD2CFB}" srcOrd="1" destOrd="0" parTransId="{93C0F5D2-7285-4DBC-9CFC-540D03F09FCC}" sibTransId="{0CC9A380-740E-4425-AC43-31F4F13B3004}"/>
     <dgm:cxn modelId="{96CE0AD5-C6CE-45A8-A85E-9565EFC97971}" type="presOf" srcId="{B8A5FD80-BDA8-4DB0-BAA6-7D996DB83F32}" destId="{FFAB1546-EE89-4905-B200-014D9D15DEB5}" srcOrd="0" destOrd="0" presId="urn:microsoft.com/office/officeart/2005/8/layout/process2"/>
-    <dgm:cxn modelId="{17625CDE-390A-4A16-A1DA-1A2728D2592E}" srcId="{831248B5-42BE-41CC-B00B-93FDF821FE9F}" destId="{B0120D59-46F5-4609-8A90-D19147655A7C}" srcOrd="2" destOrd="0" parTransId="{8B65003E-F843-4BAC-92BF-31469B2EB546}" sibTransId="{05504F13-8F6D-4A96-A060-7C7C04BCCDC5}"/>
     <dgm:cxn modelId="{88F421F2-D2A7-469A-8DCA-2378615C3DC3}" type="presOf" srcId="{6BB4A08D-9009-408D-A672-847AAAD9D481}" destId="{DE8A9ADE-4EA7-4E5F-9B22-8F0A88EF3F94}" srcOrd="0" destOrd="0" presId="urn:microsoft.com/office/officeart/2005/8/layout/process2"/>
-    <dgm:cxn modelId="{62E71CF5-02C6-426F-B29D-352D349A767B}" type="presOf" srcId="{831248B5-42BE-41CC-B00B-93FDF821FE9F}" destId="{D7B6869B-4E62-4ED6-98D4-117812227983}" srcOrd="0" destOrd="0" presId="urn:microsoft.com/office/officeart/2005/8/layout/process2"/>
-    <dgm:cxn modelId="{AFB1F2F6-1307-4941-86BA-4A12F4B9B558}" type="presOf" srcId="{05504F13-8F6D-4A96-A060-7C7C04BCCDC5}" destId="{C3ADE6CA-9FE3-4A69-9EF9-3DEB92BC6215}" srcOrd="0" destOrd="0" presId="urn:microsoft.com/office/officeart/2005/8/layout/process2"/>
     <dgm:cxn modelId="{7951D0FC-694C-465C-9AEF-49EFD7FC6F31}" srcId="{831248B5-42BE-41CC-B00B-93FDF821FE9F}" destId="{F77B9BF5-4593-4B18-BA5C-8BE2B8071A44}" srcOrd="5" destOrd="0" parTransId="{AB9DBF93-67DD-431C-9F2B-6F4233019072}" sibTransId="{B8A5FD80-BDA8-4DB0-BAA6-7D996DB83F32}"/>
     <dgm:cxn modelId="{E5C19EE4-CFFB-483E-A68C-7DCC76A5FFC6}" type="presParOf" srcId="{D7B6869B-4E62-4ED6-98D4-117812227983}" destId="{189D6A4B-21E2-4FCD-A1A9-B0A37070679D}" srcOrd="0" destOrd="0" presId="urn:microsoft.com/office/officeart/2005/8/layout/process2"/>
     <dgm:cxn modelId="{5BF10D62-1437-4C72-9C38-50537DECC45B}" type="presParOf" srcId="{D7B6869B-4E62-4ED6-98D4-117812227983}" destId="{E5D9E9D1-B554-4B69-88C2-23DB15039166}" srcOrd="1" destOrd="0" presId="urn:microsoft.com/office/officeart/2005/8/layout/process2"/>
@@ -3458,6 +3693,13 @@
         </dgm:presLayoutVars>
       </dgm:prSet>
       <dgm:spPr/>
+      <dgm:t>
+        <a:bodyPr/>
+        <a:lstStyle/>
+        <a:p>
+          <a:endParaRPr lang="en-US"/>
+        </a:p>
+      </dgm:t>
     </dgm:pt>
     <dgm:pt modelId="{BE10170A-FDA7-46C6-8080-0CD272A11F79}" type="pres">
       <dgm:prSet presAssocID="{A50D5CE9-E57C-47DB-BC25-0E5B3A25D369}" presName="node" presStyleLbl="node1" presStyleIdx="0" presStyleCnt="6">
@@ -3466,14 +3708,35 @@
         </dgm:presLayoutVars>
       </dgm:prSet>
       <dgm:spPr/>
+      <dgm:t>
+        <a:bodyPr/>
+        <a:lstStyle/>
+        <a:p>
+          <a:endParaRPr lang="en-US"/>
+        </a:p>
+      </dgm:t>
     </dgm:pt>
     <dgm:pt modelId="{9CB5DCF6-A9AB-46CF-8F54-44562297832B}" type="pres">
       <dgm:prSet presAssocID="{6BB16651-A2C7-44E6-8B71-595F1464C6E6}" presName="sibTrans" presStyleLbl="sibTrans2D1" presStyleIdx="0" presStyleCnt="6"/>
       <dgm:spPr/>
+      <dgm:t>
+        <a:bodyPr/>
+        <a:lstStyle/>
+        <a:p>
+          <a:endParaRPr lang="en-US"/>
+        </a:p>
+      </dgm:t>
     </dgm:pt>
     <dgm:pt modelId="{532A4D80-CC45-47DE-9B33-C25D9F0311CD}" type="pres">
       <dgm:prSet presAssocID="{6BB16651-A2C7-44E6-8B71-595F1464C6E6}" presName="connectorText" presStyleLbl="sibTrans2D1" presStyleIdx="0" presStyleCnt="6"/>
       <dgm:spPr/>
+      <dgm:t>
+        <a:bodyPr/>
+        <a:lstStyle/>
+        <a:p>
+          <a:endParaRPr lang="en-US"/>
+        </a:p>
+      </dgm:t>
     </dgm:pt>
     <dgm:pt modelId="{10C40DD1-8F53-4982-AE25-5D301BBB4035}" type="pres">
       <dgm:prSet presAssocID="{48370AF3-FC86-4D8C-8C54-83EAC2041CE6}" presName="node" presStyleLbl="node1" presStyleIdx="1" presStyleCnt="6">
@@ -3482,14 +3745,35 @@
         </dgm:presLayoutVars>
       </dgm:prSet>
       <dgm:spPr/>
+      <dgm:t>
+        <a:bodyPr/>
+        <a:lstStyle/>
+        <a:p>
+          <a:endParaRPr lang="en-US"/>
+        </a:p>
+      </dgm:t>
     </dgm:pt>
     <dgm:pt modelId="{AF055774-033E-4FAB-99C5-EF82DA73AF6B}" type="pres">
       <dgm:prSet presAssocID="{F7548831-CA11-41DD-8ECC-17CA536DA611}" presName="sibTrans" presStyleLbl="sibTrans2D1" presStyleIdx="1" presStyleCnt="6"/>
       <dgm:spPr/>
+      <dgm:t>
+        <a:bodyPr/>
+        <a:lstStyle/>
+        <a:p>
+          <a:endParaRPr lang="en-US"/>
+        </a:p>
+      </dgm:t>
     </dgm:pt>
     <dgm:pt modelId="{4E111617-F5D3-4634-A4E7-55A35BA10C3B}" type="pres">
       <dgm:prSet presAssocID="{F7548831-CA11-41DD-8ECC-17CA536DA611}" presName="connectorText" presStyleLbl="sibTrans2D1" presStyleIdx="1" presStyleCnt="6"/>
       <dgm:spPr/>
+      <dgm:t>
+        <a:bodyPr/>
+        <a:lstStyle/>
+        <a:p>
+          <a:endParaRPr lang="en-US"/>
+        </a:p>
+      </dgm:t>
     </dgm:pt>
     <dgm:pt modelId="{6B2B7F8F-AC97-4494-991D-C5A102C5BF61}" type="pres">
       <dgm:prSet presAssocID="{1DF69D38-253C-4136-A31C-13D074756DBD}" presName="node" presStyleLbl="node1" presStyleIdx="2" presStyleCnt="6">
@@ -3498,14 +3782,35 @@
         </dgm:presLayoutVars>
       </dgm:prSet>
       <dgm:spPr/>
+      <dgm:t>
+        <a:bodyPr/>
+        <a:lstStyle/>
+        <a:p>
+          <a:endParaRPr lang="en-US"/>
+        </a:p>
+      </dgm:t>
     </dgm:pt>
     <dgm:pt modelId="{8B3EA9F3-EF7C-4031-8349-AFC02CD2E8E9}" type="pres">
       <dgm:prSet presAssocID="{18589C4B-236C-4770-ACA6-5F2BC1925825}" presName="sibTrans" presStyleLbl="sibTrans2D1" presStyleIdx="2" presStyleCnt="6"/>
       <dgm:spPr/>
+      <dgm:t>
+        <a:bodyPr/>
+        <a:lstStyle/>
+        <a:p>
+          <a:endParaRPr lang="en-US"/>
+        </a:p>
+      </dgm:t>
     </dgm:pt>
     <dgm:pt modelId="{76D2A737-E894-45DA-A9E2-0913B236F12E}" type="pres">
       <dgm:prSet presAssocID="{18589C4B-236C-4770-ACA6-5F2BC1925825}" presName="connectorText" presStyleLbl="sibTrans2D1" presStyleIdx="2" presStyleCnt="6"/>
       <dgm:spPr/>
+      <dgm:t>
+        <a:bodyPr/>
+        <a:lstStyle/>
+        <a:p>
+          <a:endParaRPr lang="en-US"/>
+        </a:p>
+      </dgm:t>
     </dgm:pt>
     <dgm:pt modelId="{B38A756C-2FBC-4753-8A72-C64909D7B55D}" type="pres">
       <dgm:prSet presAssocID="{82D99C4C-3601-4F2B-B062-F76B7FA58351}" presName="node" presStyleLbl="node1" presStyleIdx="3" presStyleCnt="6">
@@ -3514,14 +3819,35 @@
         </dgm:presLayoutVars>
       </dgm:prSet>
       <dgm:spPr/>
+      <dgm:t>
+        <a:bodyPr/>
+        <a:lstStyle/>
+        <a:p>
+          <a:endParaRPr lang="en-US"/>
+        </a:p>
+      </dgm:t>
     </dgm:pt>
     <dgm:pt modelId="{C0492A94-958F-4DF2-8E31-D0E5D431B110}" type="pres">
       <dgm:prSet presAssocID="{2CEB24EB-0E4B-4978-B141-AD1017CE08DB}" presName="sibTrans" presStyleLbl="sibTrans2D1" presStyleIdx="3" presStyleCnt="6"/>
       <dgm:spPr/>
+      <dgm:t>
+        <a:bodyPr/>
+        <a:lstStyle/>
+        <a:p>
+          <a:endParaRPr lang="en-US"/>
+        </a:p>
+      </dgm:t>
     </dgm:pt>
     <dgm:pt modelId="{5BD3947E-EAF4-4999-8F41-16C31CDD1897}" type="pres">
       <dgm:prSet presAssocID="{2CEB24EB-0E4B-4978-B141-AD1017CE08DB}" presName="connectorText" presStyleLbl="sibTrans2D1" presStyleIdx="3" presStyleCnt="6"/>
       <dgm:spPr/>
+      <dgm:t>
+        <a:bodyPr/>
+        <a:lstStyle/>
+        <a:p>
+          <a:endParaRPr lang="en-US"/>
+        </a:p>
+      </dgm:t>
     </dgm:pt>
     <dgm:pt modelId="{1AD34968-D5D1-4171-B98B-6A348B13B975}" type="pres">
       <dgm:prSet presAssocID="{7D0E5FE9-BEBD-455F-9242-519724FB6C96}" presName="node" presStyleLbl="node1" presStyleIdx="4" presStyleCnt="6">
@@ -3530,14 +3856,35 @@
         </dgm:presLayoutVars>
       </dgm:prSet>
       <dgm:spPr/>
+      <dgm:t>
+        <a:bodyPr/>
+        <a:lstStyle/>
+        <a:p>
+          <a:endParaRPr lang="en-US"/>
+        </a:p>
+      </dgm:t>
     </dgm:pt>
     <dgm:pt modelId="{3FD4A819-E359-4474-A779-65CA5E4E5F5E}" type="pres">
       <dgm:prSet presAssocID="{CB2D6001-FAA4-49C6-8385-9A9576EB7A0B}" presName="sibTrans" presStyleLbl="sibTrans2D1" presStyleIdx="4" presStyleCnt="6"/>
       <dgm:spPr/>
+      <dgm:t>
+        <a:bodyPr/>
+        <a:lstStyle/>
+        <a:p>
+          <a:endParaRPr lang="en-US"/>
+        </a:p>
+      </dgm:t>
     </dgm:pt>
     <dgm:pt modelId="{D229D606-AC96-466B-9F97-EAB3C96DE430}" type="pres">
       <dgm:prSet presAssocID="{CB2D6001-FAA4-49C6-8385-9A9576EB7A0B}" presName="connectorText" presStyleLbl="sibTrans2D1" presStyleIdx="4" presStyleCnt="6"/>
       <dgm:spPr/>
+      <dgm:t>
+        <a:bodyPr/>
+        <a:lstStyle/>
+        <a:p>
+          <a:endParaRPr lang="en-US"/>
+        </a:p>
+      </dgm:t>
     </dgm:pt>
     <dgm:pt modelId="{372A6A97-E412-4CCA-A607-235CF3A22C9C}" type="pres">
       <dgm:prSet presAssocID="{9C08A4B8-0C14-4C76-8B82-048ACA771F15}" presName="node" presStyleLbl="node1" presStyleIdx="5" presStyleCnt="6">
@@ -3546,42 +3893,63 @@
         </dgm:presLayoutVars>
       </dgm:prSet>
       <dgm:spPr/>
+      <dgm:t>
+        <a:bodyPr/>
+        <a:lstStyle/>
+        <a:p>
+          <a:endParaRPr lang="en-US"/>
+        </a:p>
+      </dgm:t>
     </dgm:pt>
     <dgm:pt modelId="{B33D451D-E7ED-453E-BBDD-2A7104931649}" type="pres">
       <dgm:prSet presAssocID="{9928AC29-F93D-4104-B656-07B79942F478}" presName="sibTrans" presStyleLbl="sibTrans2D1" presStyleIdx="5" presStyleCnt="6"/>
       <dgm:spPr/>
+      <dgm:t>
+        <a:bodyPr/>
+        <a:lstStyle/>
+        <a:p>
+          <a:endParaRPr lang="en-US"/>
+        </a:p>
+      </dgm:t>
     </dgm:pt>
     <dgm:pt modelId="{F23F354F-B930-43EC-A3E6-2AA7B3937FDE}" type="pres">
       <dgm:prSet presAssocID="{9928AC29-F93D-4104-B656-07B79942F478}" presName="connectorText" presStyleLbl="sibTrans2D1" presStyleIdx="5" presStyleCnt="6"/>
       <dgm:spPr/>
+      <dgm:t>
+        <a:bodyPr/>
+        <a:lstStyle/>
+        <a:p>
+          <a:endParaRPr lang="en-US"/>
+        </a:p>
+      </dgm:t>
     </dgm:pt>
   </dgm:ptLst>
   <dgm:cxnLst>
-    <dgm:cxn modelId="{2A800102-3E86-4CE6-B237-FF976FE460A5}" type="presOf" srcId="{18589C4B-236C-4770-ACA6-5F2BC1925825}" destId="{8B3EA9F3-EF7C-4031-8349-AFC02CD2E8E9}" srcOrd="0" destOrd="0" presId="urn:microsoft.com/office/officeart/2005/8/layout/cycle2"/>
-    <dgm:cxn modelId="{73A6D81D-B121-4772-B9DC-D989684794EC}" type="presOf" srcId="{9928AC29-F93D-4104-B656-07B79942F478}" destId="{B33D451D-E7ED-453E-BBDD-2A7104931649}" srcOrd="0" destOrd="0" presId="urn:microsoft.com/office/officeart/2005/8/layout/cycle2"/>
-    <dgm:cxn modelId="{7B997E21-E386-4BDB-BA73-FEFE3B52E673}" type="presOf" srcId="{1DF69D38-253C-4136-A31C-13D074756DBD}" destId="{6B2B7F8F-AC97-4494-991D-C5A102C5BF61}" srcOrd="0" destOrd="0" presId="urn:microsoft.com/office/officeart/2005/8/layout/cycle2"/>
-    <dgm:cxn modelId="{B8047E24-67A3-4FF3-A06A-9E28AB623A31}" type="presOf" srcId="{F7548831-CA11-41DD-8ECC-17CA536DA611}" destId="{AF055774-033E-4FAB-99C5-EF82DA73AF6B}" srcOrd="0" destOrd="0" presId="urn:microsoft.com/office/officeart/2005/8/layout/cycle2"/>
-    <dgm:cxn modelId="{D7756D26-48D8-4543-8ECF-B43045B6A7A2}" type="presOf" srcId="{6BB16651-A2C7-44E6-8B71-595F1464C6E6}" destId="{9CB5DCF6-A9AB-46CF-8F54-44562297832B}" srcOrd="0" destOrd="0" presId="urn:microsoft.com/office/officeart/2005/8/layout/cycle2"/>
-    <dgm:cxn modelId="{6C92652C-2ECF-4C26-BCCB-EFA2B76571F3}" type="presOf" srcId="{CB2D6001-FAA4-49C6-8385-9A9576EB7A0B}" destId="{D229D606-AC96-466B-9F97-EAB3C96DE430}" srcOrd="1" destOrd="0" presId="urn:microsoft.com/office/officeart/2005/8/layout/cycle2"/>
-    <dgm:cxn modelId="{656CE130-0515-41FF-B2F2-2BD43856E3D0}" srcId="{7D813336-3D77-46FD-BFBE-B927186F4EE8}" destId="{7D0E5FE9-BEBD-455F-9242-519724FB6C96}" srcOrd="4" destOrd="0" parTransId="{594E2760-2BA1-4C56-8104-2C3A58C07462}" sibTransId="{CB2D6001-FAA4-49C6-8385-9A9576EB7A0B}"/>
-    <dgm:cxn modelId="{48826F36-B9DF-44EC-8ED7-EAA8DE65A165}" type="presOf" srcId="{2CEB24EB-0E4B-4978-B141-AD1017CE08DB}" destId="{C0492A94-958F-4DF2-8E31-D0E5D431B110}" srcOrd="0" destOrd="0" presId="urn:microsoft.com/office/officeart/2005/8/layout/cycle2"/>
-    <dgm:cxn modelId="{4E474562-B74A-44EB-B45F-D3DD735B2501}" srcId="{7D813336-3D77-46FD-BFBE-B927186F4EE8}" destId="{82D99C4C-3601-4F2B-B062-F76B7FA58351}" srcOrd="3" destOrd="0" parTransId="{3F9BE72A-4745-41D5-8CC6-99AC9FE77223}" sibTransId="{2CEB24EB-0E4B-4978-B141-AD1017CE08DB}"/>
-    <dgm:cxn modelId="{1EDB6766-CD7C-4414-9C27-EBE463506CFF}" srcId="{7D813336-3D77-46FD-BFBE-B927186F4EE8}" destId="{9C08A4B8-0C14-4C76-8B82-048ACA771F15}" srcOrd="5" destOrd="0" parTransId="{28249315-D3C7-43BE-B88A-6DD1138B7A0C}" sibTransId="{9928AC29-F93D-4104-B656-07B79942F478}"/>
-    <dgm:cxn modelId="{4A6FDB47-80DA-4A96-8D2C-B887792CB495}" type="presOf" srcId="{9C08A4B8-0C14-4C76-8B82-048ACA771F15}" destId="{372A6A97-E412-4CCA-A607-235CF3A22C9C}" srcOrd="0" destOrd="0" presId="urn:microsoft.com/office/officeart/2005/8/layout/cycle2"/>
-    <dgm:cxn modelId="{A150B94E-B2C2-4D6C-9C4B-F76456348E67}" srcId="{7D813336-3D77-46FD-BFBE-B927186F4EE8}" destId="{48370AF3-FC86-4D8C-8C54-83EAC2041CE6}" srcOrd="1" destOrd="0" parTransId="{AB741C83-841B-426D-A5E0-6EEA4C052CE4}" sibTransId="{F7548831-CA11-41DD-8ECC-17CA536DA611}"/>
-    <dgm:cxn modelId="{8A9D6073-56F9-4A3D-A71D-5DB15EB2E2ED}" type="presOf" srcId="{A50D5CE9-E57C-47DB-BC25-0E5B3A25D369}" destId="{BE10170A-FDA7-46C6-8080-0CD272A11F79}" srcOrd="0" destOrd="0" presId="urn:microsoft.com/office/officeart/2005/8/layout/cycle2"/>
-    <dgm:cxn modelId="{E422C681-256E-41AA-A0D8-4F7AD719AE70}" type="presOf" srcId="{18589C4B-236C-4770-ACA6-5F2BC1925825}" destId="{76D2A737-E894-45DA-A9E2-0913B236F12E}" srcOrd="1" destOrd="0" presId="urn:microsoft.com/office/officeart/2005/8/layout/cycle2"/>
-    <dgm:cxn modelId="{E4650F96-8B96-45DB-9B8B-739BA4DAFC00}" type="presOf" srcId="{2CEB24EB-0E4B-4978-B141-AD1017CE08DB}" destId="{5BD3947E-EAF4-4999-8F41-16C31CDD1897}" srcOrd="1" destOrd="0" presId="urn:microsoft.com/office/officeart/2005/8/layout/cycle2"/>
-    <dgm:cxn modelId="{5A8FC996-E36A-4A4D-B9A9-E0F5F95CDF30}" type="presOf" srcId="{7D0E5FE9-BEBD-455F-9242-519724FB6C96}" destId="{1AD34968-D5D1-4171-B98B-6A348B13B975}" srcOrd="0" destOrd="0" presId="urn:microsoft.com/office/officeart/2005/8/layout/cycle2"/>
-    <dgm:cxn modelId="{6B494198-39DB-42F7-8AB5-4A5BE7D87F39}" type="presOf" srcId="{9928AC29-F93D-4104-B656-07B79942F478}" destId="{F23F354F-B930-43EC-A3E6-2AA7B3937FDE}" srcOrd="1" destOrd="0" presId="urn:microsoft.com/office/officeart/2005/8/layout/cycle2"/>
-    <dgm:cxn modelId="{5DE7A598-F75C-47B9-8814-209880B6FE11}" srcId="{7D813336-3D77-46FD-BFBE-B927186F4EE8}" destId="{1DF69D38-253C-4136-A31C-13D074756DBD}" srcOrd="2" destOrd="0" parTransId="{7471E316-4330-4726-8E0C-E8DF4CBE672C}" sibTransId="{18589C4B-236C-4770-ACA6-5F2BC1925825}"/>
-    <dgm:cxn modelId="{E7A5AF9B-C11A-40EC-9AE6-7726E1A9A711}" type="presOf" srcId="{F7548831-CA11-41DD-8ECC-17CA536DA611}" destId="{4E111617-F5D3-4634-A4E7-55A35BA10C3B}" srcOrd="1" destOrd="0" presId="urn:microsoft.com/office/officeart/2005/8/layout/cycle2"/>
-    <dgm:cxn modelId="{072D75B5-AE8A-4BF9-813C-52F86070C69F}" type="presOf" srcId="{82D99C4C-3601-4F2B-B062-F76B7FA58351}" destId="{B38A756C-2FBC-4753-8A72-C64909D7B55D}" srcOrd="0" destOrd="0" presId="urn:microsoft.com/office/officeart/2005/8/layout/cycle2"/>
-    <dgm:cxn modelId="{A7F74FB7-397D-4268-8170-C932BF344E33}" type="presOf" srcId="{48370AF3-FC86-4D8C-8C54-83EAC2041CE6}" destId="{10C40DD1-8F53-4982-AE25-5D301BBB4035}" srcOrd="0" destOrd="0" presId="urn:microsoft.com/office/officeart/2005/8/layout/cycle2"/>
-    <dgm:cxn modelId="{E25464BC-A09B-48BD-B113-8CA3576F5146}" type="presOf" srcId="{CB2D6001-FAA4-49C6-8385-9A9576EB7A0B}" destId="{3FD4A819-E359-4474-A779-65CA5E4E5F5E}" srcOrd="0" destOrd="0" presId="urn:microsoft.com/office/officeart/2005/8/layout/cycle2"/>
-    <dgm:cxn modelId="{64927DD7-80D9-485A-AE3F-823FDF4E1B88}" type="presOf" srcId="{7D813336-3D77-46FD-BFBE-B927186F4EE8}" destId="{1F7049C3-AAE1-4856-8433-BA85AFDAFBB4}" srcOrd="0" destOrd="0" presId="urn:microsoft.com/office/officeart/2005/8/layout/cycle2"/>
     <dgm:cxn modelId="{59B76DF1-434E-481D-A352-8E17439334E8}" type="presOf" srcId="{6BB16651-A2C7-44E6-8B71-595F1464C6E6}" destId="{532A4D80-CC45-47DE-9B33-C25D9F0311CD}" srcOrd="1" destOrd="0" presId="urn:microsoft.com/office/officeart/2005/8/layout/cycle2"/>
     <dgm:cxn modelId="{3476ECF5-227F-4D63-9092-E8019B1A260C}" srcId="{7D813336-3D77-46FD-BFBE-B927186F4EE8}" destId="{A50D5CE9-E57C-47DB-BC25-0E5B3A25D369}" srcOrd="0" destOrd="0" parTransId="{97BD9E98-8AC2-41C2-9323-5F440CC4246A}" sibTransId="{6BB16651-A2C7-44E6-8B71-595F1464C6E6}"/>
+    <dgm:cxn modelId="{4A6FDB47-80DA-4A96-8D2C-B887792CB495}" type="presOf" srcId="{9C08A4B8-0C14-4C76-8B82-048ACA771F15}" destId="{372A6A97-E412-4CCA-A607-235CF3A22C9C}" srcOrd="0" destOrd="0" presId="urn:microsoft.com/office/officeart/2005/8/layout/cycle2"/>
+    <dgm:cxn modelId="{5DE7A598-F75C-47B9-8814-209880B6FE11}" srcId="{7D813336-3D77-46FD-BFBE-B927186F4EE8}" destId="{1DF69D38-253C-4136-A31C-13D074756DBD}" srcOrd="2" destOrd="0" parTransId="{7471E316-4330-4726-8E0C-E8DF4CBE672C}" sibTransId="{18589C4B-236C-4770-ACA6-5F2BC1925825}"/>
+    <dgm:cxn modelId="{2A800102-3E86-4CE6-B237-FF976FE460A5}" type="presOf" srcId="{18589C4B-236C-4770-ACA6-5F2BC1925825}" destId="{8B3EA9F3-EF7C-4031-8349-AFC02CD2E8E9}" srcOrd="0" destOrd="0" presId="urn:microsoft.com/office/officeart/2005/8/layout/cycle2"/>
+    <dgm:cxn modelId="{B8047E24-67A3-4FF3-A06A-9E28AB623A31}" type="presOf" srcId="{F7548831-CA11-41DD-8ECC-17CA536DA611}" destId="{AF055774-033E-4FAB-99C5-EF82DA73AF6B}" srcOrd="0" destOrd="0" presId="urn:microsoft.com/office/officeart/2005/8/layout/cycle2"/>
+    <dgm:cxn modelId="{8A9D6073-56F9-4A3D-A71D-5DB15EB2E2ED}" type="presOf" srcId="{A50D5CE9-E57C-47DB-BC25-0E5B3A25D369}" destId="{BE10170A-FDA7-46C6-8080-0CD272A11F79}" srcOrd="0" destOrd="0" presId="urn:microsoft.com/office/officeart/2005/8/layout/cycle2"/>
+    <dgm:cxn modelId="{4E474562-B74A-44EB-B45F-D3DD735B2501}" srcId="{7D813336-3D77-46FD-BFBE-B927186F4EE8}" destId="{82D99C4C-3601-4F2B-B062-F76B7FA58351}" srcOrd="3" destOrd="0" parTransId="{3F9BE72A-4745-41D5-8CC6-99AC9FE77223}" sibTransId="{2CEB24EB-0E4B-4978-B141-AD1017CE08DB}"/>
+    <dgm:cxn modelId="{64927DD7-80D9-485A-AE3F-823FDF4E1B88}" type="presOf" srcId="{7D813336-3D77-46FD-BFBE-B927186F4EE8}" destId="{1F7049C3-AAE1-4856-8433-BA85AFDAFBB4}" srcOrd="0" destOrd="0" presId="urn:microsoft.com/office/officeart/2005/8/layout/cycle2"/>
+    <dgm:cxn modelId="{7B997E21-E386-4BDB-BA73-FEFE3B52E673}" type="presOf" srcId="{1DF69D38-253C-4136-A31C-13D074756DBD}" destId="{6B2B7F8F-AC97-4494-991D-C5A102C5BF61}" srcOrd="0" destOrd="0" presId="urn:microsoft.com/office/officeart/2005/8/layout/cycle2"/>
+    <dgm:cxn modelId="{1EDB6766-CD7C-4414-9C27-EBE463506CFF}" srcId="{7D813336-3D77-46FD-BFBE-B927186F4EE8}" destId="{9C08A4B8-0C14-4C76-8B82-048ACA771F15}" srcOrd="5" destOrd="0" parTransId="{28249315-D3C7-43BE-B88A-6DD1138B7A0C}" sibTransId="{9928AC29-F93D-4104-B656-07B79942F478}"/>
+    <dgm:cxn modelId="{6B494198-39DB-42F7-8AB5-4A5BE7D87F39}" type="presOf" srcId="{9928AC29-F93D-4104-B656-07B79942F478}" destId="{F23F354F-B930-43EC-A3E6-2AA7B3937FDE}" srcOrd="1" destOrd="0" presId="urn:microsoft.com/office/officeart/2005/8/layout/cycle2"/>
+    <dgm:cxn modelId="{E25464BC-A09B-48BD-B113-8CA3576F5146}" type="presOf" srcId="{CB2D6001-FAA4-49C6-8385-9A9576EB7A0B}" destId="{3FD4A819-E359-4474-A779-65CA5E4E5F5E}" srcOrd="0" destOrd="0" presId="urn:microsoft.com/office/officeart/2005/8/layout/cycle2"/>
+    <dgm:cxn modelId="{A7F74FB7-397D-4268-8170-C932BF344E33}" type="presOf" srcId="{48370AF3-FC86-4D8C-8C54-83EAC2041CE6}" destId="{10C40DD1-8F53-4982-AE25-5D301BBB4035}" srcOrd="0" destOrd="0" presId="urn:microsoft.com/office/officeart/2005/8/layout/cycle2"/>
+    <dgm:cxn modelId="{E422C681-256E-41AA-A0D8-4F7AD719AE70}" type="presOf" srcId="{18589C4B-236C-4770-ACA6-5F2BC1925825}" destId="{76D2A737-E894-45DA-A9E2-0913B236F12E}" srcOrd="1" destOrd="0" presId="urn:microsoft.com/office/officeart/2005/8/layout/cycle2"/>
+    <dgm:cxn modelId="{072D75B5-AE8A-4BF9-813C-52F86070C69F}" type="presOf" srcId="{82D99C4C-3601-4F2B-B062-F76B7FA58351}" destId="{B38A756C-2FBC-4753-8A72-C64909D7B55D}" srcOrd="0" destOrd="0" presId="urn:microsoft.com/office/officeart/2005/8/layout/cycle2"/>
+    <dgm:cxn modelId="{73A6D81D-B121-4772-B9DC-D989684794EC}" type="presOf" srcId="{9928AC29-F93D-4104-B656-07B79942F478}" destId="{B33D451D-E7ED-453E-BBDD-2A7104931649}" srcOrd="0" destOrd="0" presId="urn:microsoft.com/office/officeart/2005/8/layout/cycle2"/>
+    <dgm:cxn modelId="{D7756D26-48D8-4543-8ECF-B43045B6A7A2}" type="presOf" srcId="{6BB16651-A2C7-44E6-8B71-595F1464C6E6}" destId="{9CB5DCF6-A9AB-46CF-8F54-44562297832B}" srcOrd="0" destOrd="0" presId="urn:microsoft.com/office/officeart/2005/8/layout/cycle2"/>
+    <dgm:cxn modelId="{A150B94E-B2C2-4D6C-9C4B-F76456348E67}" srcId="{7D813336-3D77-46FD-BFBE-B927186F4EE8}" destId="{48370AF3-FC86-4D8C-8C54-83EAC2041CE6}" srcOrd="1" destOrd="0" parTransId="{AB741C83-841B-426D-A5E0-6EEA4C052CE4}" sibTransId="{F7548831-CA11-41DD-8ECC-17CA536DA611}"/>
+    <dgm:cxn modelId="{5A8FC996-E36A-4A4D-B9A9-E0F5F95CDF30}" type="presOf" srcId="{7D0E5FE9-BEBD-455F-9242-519724FB6C96}" destId="{1AD34968-D5D1-4171-B98B-6A348B13B975}" srcOrd="0" destOrd="0" presId="urn:microsoft.com/office/officeart/2005/8/layout/cycle2"/>
+    <dgm:cxn modelId="{E4650F96-8B96-45DB-9B8B-739BA4DAFC00}" type="presOf" srcId="{2CEB24EB-0E4B-4978-B141-AD1017CE08DB}" destId="{5BD3947E-EAF4-4999-8F41-16C31CDD1897}" srcOrd="1" destOrd="0" presId="urn:microsoft.com/office/officeart/2005/8/layout/cycle2"/>
+    <dgm:cxn modelId="{48826F36-B9DF-44EC-8ED7-EAA8DE65A165}" type="presOf" srcId="{2CEB24EB-0E4B-4978-B141-AD1017CE08DB}" destId="{C0492A94-958F-4DF2-8E31-D0E5D431B110}" srcOrd="0" destOrd="0" presId="urn:microsoft.com/office/officeart/2005/8/layout/cycle2"/>
+    <dgm:cxn modelId="{6C92652C-2ECF-4C26-BCCB-EFA2B76571F3}" type="presOf" srcId="{CB2D6001-FAA4-49C6-8385-9A9576EB7A0B}" destId="{D229D606-AC96-466B-9F97-EAB3C96DE430}" srcOrd="1" destOrd="0" presId="urn:microsoft.com/office/officeart/2005/8/layout/cycle2"/>
+    <dgm:cxn modelId="{E7A5AF9B-C11A-40EC-9AE6-7726E1A9A711}" type="presOf" srcId="{F7548831-CA11-41DD-8ECC-17CA536DA611}" destId="{4E111617-F5D3-4634-A4E7-55A35BA10C3B}" srcOrd="1" destOrd="0" presId="urn:microsoft.com/office/officeart/2005/8/layout/cycle2"/>
+    <dgm:cxn modelId="{656CE130-0515-41FF-B2F2-2BD43856E3D0}" srcId="{7D813336-3D77-46FD-BFBE-B927186F4EE8}" destId="{7D0E5FE9-BEBD-455F-9242-519724FB6C96}" srcOrd="4" destOrd="0" parTransId="{594E2760-2BA1-4C56-8104-2C3A58C07462}" sibTransId="{CB2D6001-FAA4-49C6-8385-9A9576EB7A0B}"/>
     <dgm:cxn modelId="{755746E8-407D-44DE-81DE-2817DFAC9717}" type="presParOf" srcId="{1F7049C3-AAE1-4856-8433-BA85AFDAFBB4}" destId="{BE10170A-FDA7-46C6-8080-0CD272A11F79}" srcOrd="0" destOrd="0" presId="urn:microsoft.com/office/officeart/2005/8/layout/cycle2"/>
     <dgm:cxn modelId="{3CC0E0F5-28E0-4741-9540-40DA4F37F3CB}" type="presParOf" srcId="{1F7049C3-AAE1-4856-8433-BA85AFDAFBB4}" destId="{9CB5DCF6-A9AB-46CF-8F54-44562297832B}" srcOrd="1" destOrd="0" presId="urn:microsoft.com/office/officeart/2005/8/layout/cycle2"/>
     <dgm:cxn modelId="{754C5F5A-FF0E-468D-9F76-F99066A63CA1}" type="presParOf" srcId="{9CB5DCF6-A9AB-46CF-8F54-44562297832B}" destId="{532A4D80-CC45-47DE-9B33-C25D9F0311CD}" srcOrd="0" destOrd="0" presId="urn:microsoft.com/office/officeart/2005/8/layout/cycle2"/>
@@ -3676,7 +4044,7 @@
         </a:bodyPr>
         <a:lstStyle/>
         <a:p>
-          <a:pPr marL="0" lvl="0" indent="0" algn="ctr" defTabSz="844550">
+          <a:pPr lvl="0" algn="ctr" defTabSz="844550">
             <a:lnSpc>
               <a:spcPct val="90000"/>
             </a:lnSpc>
@@ -3686,7 +4054,6 @@
             <a:spcAft>
               <a:spcPct val="35000"/>
             </a:spcAft>
-            <a:buNone/>
           </a:pPr>
           <a:r>
             <a:rPr lang="en-US" sz="1900" kern="1200"/>
@@ -3749,7 +4116,7 @@
         </a:bodyPr>
         <a:lstStyle/>
         <a:p>
-          <a:pPr marL="0" lvl="0" indent="0" algn="ctr" defTabSz="666750">
+          <a:pPr lvl="0" algn="ctr" defTabSz="666750">
             <a:lnSpc>
               <a:spcPct val="90000"/>
             </a:lnSpc>
@@ -3759,7 +4126,6 @@
             <a:spcAft>
               <a:spcPct val="35000"/>
             </a:spcAft>
-            <a:buNone/>
           </a:pPr>
           <a:endParaRPr lang="en-US" sz="1500" kern="1200"/>
         </a:p>
@@ -3821,7 +4187,7 @@
         </a:bodyPr>
         <a:lstStyle/>
         <a:p>
-          <a:pPr marL="0" lvl="0" indent="0" algn="ctr" defTabSz="844550">
+          <a:pPr lvl="0" algn="ctr" defTabSz="844550">
             <a:lnSpc>
               <a:spcPct val="90000"/>
             </a:lnSpc>
@@ -3831,7 +4197,6 @@
             <a:spcAft>
               <a:spcPct val="35000"/>
             </a:spcAft>
-            <a:buNone/>
           </a:pPr>
           <a:r>
             <a:rPr lang="en-US" sz="1900" kern="1200"/>
@@ -3894,7 +4259,7 @@
         </a:bodyPr>
         <a:lstStyle/>
         <a:p>
-          <a:pPr marL="0" lvl="0" indent="0" algn="ctr" defTabSz="666750">
+          <a:pPr lvl="0" algn="ctr" defTabSz="666750">
             <a:lnSpc>
               <a:spcPct val="90000"/>
             </a:lnSpc>
@@ -3904,7 +4269,6 @@
             <a:spcAft>
               <a:spcPct val="35000"/>
             </a:spcAft>
-            <a:buNone/>
           </a:pPr>
           <a:endParaRPr lang="en-US" sz="1500" kern="1200"/>
         </a:p>
@@ -3966,7 +4330,7 @@
         </a:bodyPr>
         <a:lstStyle/>
         <a:p>
-          <a:pPr marL="0" lvl="0" indent="0" algn="ctr" defTabSz="844550">
+          <a:pPr lvl="0" algn="ctr" defTabSz="844550">
             <a:lnSpc>
               <a:spcPct val="90000"/>
             </a:lnSpc>
@@ -3976,7 +4340,6 @@
             <a:spcAft>
               <a:spcPct val="35000"/>
             </a:spcAft>
-            <a:buNone/>
           </a:pPr>
           <a:r>
             <a:rPr lang="en-US" sz="1900" kern="1200"/>
@@ -4039,7 +4402,7 @@
         </a:bodyPr>
         <a:lstStyle/>
         <a:p>
-          <a:pPr marL="0" lvl="0" indent="0" algn="ctr" defTabSz="666750">
+          <a:pPr lvl="0" algn="ctr" defTabSz="666750">
             <a:lnSpc>
               <a:spcPct val="90000"/>
             </a:lnSpc>
@@ -4049,7 +4412,6 @@
             <a:spcAft>
               <a:spcPct val="35000"/>
             </a:spcAft>
-            <a:buNone/>
           </a:pPr>
           <a:endParaRPr lang="en-US" sz="1500" kern="1200"/>
         </a:p>
@@ -4116,7 +4478,7 @@
         </a:bodyPr>
         <a:lstStyle/>
         <a:p>
-          <a:pPr marL="0" lvl="0" indent="0" algn="ctr" defTabSz="844550">
+          <a:pPr lvl="0" algn="ctr" defTabSz="844550">
             <a:lnSpc>
               <a:spcPct val="90000"/>
             </a:lnSpc>
@@ -4126,7 +4488,6 @@
             <a:spcAft>
               <a:spcPct val="35000"/>
             </a:spcAft>
-            <a:buNone/>
           </a:pPr>
           <a:r>
             <a:rPr lang="en-US" sz="1900" kern="1200"/>
@@ -4208,7 +4569,7 @@
         </a:bodyPr>
         <a:lstStyle/>
         <a:p>
-          <a:pPr marL="0" lvl="0" indent="0" algn="ctr" defTabSz="444500">
+          <a:pPr lvl="0" algn="ctr" defTabSz="444500">
             <a:lnSpc>
               <a:spcPct val="90000"/>
             </a:lnSpc>
@@ -4218,7 +4579,6 @@
             <a:spcAft>
               <a:spcPct val="35000"/>
             </a:spcAft>
-            <a:buNone/>
           </a:pPr>
           <a:r>
             <a:rPr lang="en-US" sz="1000" kern="1200"/>
@@ -4281,7 +4641,7 @@
         </a:bodyPr>
         <a:lstStyle/>
         <a:p>
-          <a:pPr marL="0" lvl="0" indent="0" algn="ctr" defTabSz="355600">
+          <a:pPr lvl="0" algn="ctr" defTabSz="355600">
             <a:lnSpc>
               <a:spcPct val="90000"/>
             </a:lnSpc>
@@ -4291,7 +4651,6 @@
             <a:spcAft>
               <a:spcPct val="35000"/>
             </a:spcAft>
-            <a:buNone/>
           </a:pPr>
           <a:endParaRPr lang="en-US" sz="800" kern="1200"/>
         </a:p>
@@ -4353,7 +4712,7 @@
         </a:bodyPr>
         <a:lstStyle/>
         <a:p>
-          <a:pPr marL="0" lvl="0" indent="0" algn="ctr" defTabSz="444500">
+          <a:pPr lvl="0" algn="ctr" defTabSz="444500">
             <a:lnSpc>
               <a:spcPct val="90000"/>
             </a:lnSpc>
@@ -4363,7 +4722,6 @@
             <a:spcAft>
               <a:spcPct val="35000"/>
             </a:spcAft>
-            <a:buNone/>
           </a:pPr>
           <a:r>
             <a:rPr lang="en-US" sz="1000" kern="1200"/>
@@ -4371,7 +4729,7 @@
           </a:r>
         </a:p>
         <a:p>
-          <a:pPr marL="0" lvl="0" indent="0" algn="ctr" defTabSz="444500">
+          <a:pPr lvl="0" algn="ctr" defTabSz="444500">
             <a:lnSpc>
               <a:spcPct val="90000"/>
             </a:lnSpc>
@@ -4381,7 +4739,6 @@
             <a:spcAft>
               <a:spcPct val="35000"/>
             </a:spcAft>
-            <a:buNone/>
           </a:pPr>
           <a:r>
             <a:rPr lang="en-US" sz="1000" kern="1200"/>
@@ -4444,7 +4801,7 @@
         </a:bodyPr>
         <a:lstStyle/>
         <a:p>
-          <a:pPr marL="0" lvl="0" indent="0" algn="ctr" defTabSz="355600">
+          <a:pPr lvl="0" algn="ctr" defTabSz="355600">
             <a:lnSpc>
               <a:spcPct val="90000"/>
             </a:lnSpc>
@@ -4454,7 +4811,6 @@
             <a:spcAft>
               <a:spcPct val="35000"/>
             </a:spcAft>
-            <a:buNone/>
           </a:pPr>
           <a:endParaRPr lang="en-US" sz="800" kern="1200"/>
         </a:p>
@@ -4516,7 +4872,7 @@
         </a:bodyPr>
         <a:lstStyle/>
         <a:p>
-          <a:pPr marL="0" lvl="0" indent="0" algn="ctr" defTabSz="444500">
+          <a:pPr lvl="0" algn="ctr" defTabSz="444500">
             <a:lnSpc>
               <a:spcPct val="90000"/>
             </a:lnSpc>
@@ -4526,7 +4882,6 @@
             <a:spcAft>
               <a:spcPct val="35000"/>
             </a:spcAft>
-            <a:buNone/>
           </a:pPr>
           <a:r>
             <a:rPr lang="en-US" sz="1000" kern="1200"/>
@@ -4534,7 +4889,7 @@
           </a:r>
         </a:p>
         <a:p>
-          <a:pPr marL="0" lvl="0" indent="0" algn="ctr" defTabSz="444500">
+          <a:pPr lvl="0" algn="ctr" defTabSz="444500">
             <a:lnSpc>
               <a:spcPct val="90000"/>
             </a:lnSpc>
@@ -4544,7 +4899,6 @@
             <a:spcAft>
               <a:spcPct val="35000"/>
             </a:spcAft>
-            <a:buNone/>
           </a:pPr>
           <a:r>
             <a:rPr lang="en-US" sz="1000" kern="1200"/>
@@ -4607,7 +4961,7 @@
         </a:bodyPr>
         <a:lstStyle/>
         <a:p>
-          <a:pPr marL="0" lvl="0" indent="0" algn="ctr" defTabSz="355600">
+          <a:pPr lvl="0" algn="ctr" defTabSz="355600">
             <a:lnSpc>
               <a:spcPct val="90000"/>
             </a:lnSpc>
@@ -4617,7 +4971,6 @@
             <a:spcAft>
               <a:spcPct val="35000"/>
             </a:spcAft>
-            <a:buNone/>
           </a:pPr>
           <a:endParaRPr lang="en-US" sz="800" kern="1200"/>
         </a:p>
@@ -4679,7 +5032,7 @@
         </a:bodyPr>
         <a:lstStyle/>
         <a:p>
-          <a:pPr marL="0" lvl="0" indent="0" algn="ctr" defTabSz="444500">
+          <a:pPr lvl="0" algn="ctr" defTabSz="444500">
             <a:lnSpc>
               <a:spcPct val="90000"/>
             </a:lnSpc>
@@ -4689,7 +5042,6 @@
             <a:spcAft>
               <a:spcPct val="35000"/>
             </a:spcAft>
-            <a:buNone/>
           </a:pPr>
           <a:r>
             <a:rPr lang="en-US" sz="1000" kern="1200"/>
@@ -4697,7 +5049,7 @@
           </a:r>
         </a:p>
         <a:p>
-          <a:pPr marL="0" lvl="0" indent="0" algn="ctr" defTabSz="444500">
+          <a:pPr lvl="0" algn="ctr" defTabSz="444500">
             <a:lnSpc>
               <a:spcPct val="90000"/>
             </a:lnSpc>
@@ -4707,7 +5059,6 @@
             <a:spcAft>
               <a:spcPct val="35000"/>
             </a:spcAft>
-            <a:buNone/>
           </a:pPr>
           <a:r>
             <a:rPr lang="en-US" sz="1000" kern="1200"/>
@@ -4770,7 +5121,7 @@
         </a:bodyPr>
         <a:lstStyle/>
         <a:p>
-          <a:pPr marL="0" lvl="0" indent="0" algn="ctr" defTabSz="355600">
+          <a:pPr lvl="0" algn="ctr" defTabSz="355600">
             <a:lnSpc>
               <a:spcPct val="90000"/>
             </a:lnSpc>
@@ -4780,7 +5131,6 @@
             <a:spcAft>
               <a:spcPct val="35000"/>
             </a:spcAft>
-            <a:buNone/>
           </a:pPr>
           <a:endParaRPr lang="en-US" sz="800" kern="1200"/>
         </a:p>
@@ -4842,7 +5192,7 @@
         </a:bodyPr>
         <a:lstStyle/>
         <a:p>
-          <a:pPr marL="0" lvl="0" indent="0" algn="ctr" defTabSz="444500">
+          <a:pPr lvl="0" algn="ctr" defTabSz="444500">
             <a:lnSpc>
               <a:spcPct val="90000"/>
             </a:lnSpc>
@@ -4852,7 +5202,6 @@
             <a:spcAft>
               <a:spcPct val="35000"/>
             </a:spcAft>
-            <a:buNone/>
           </a:pPr>
           <a:r>
             <a:rPr lang="en-US" sz="1000" kern="1200"/>
@@ -4860,7 +5209,7 @@
           </a:r>
         </a:p>
         <a:p>
-          <a:pPr marL="0" lvl="0" indent="0" algn="ctr" defTabSz="444500">
+          <a:pPr lvl="0" algn="ctr" defTabSz="444500">
             <a:lnSpc>
               <a:spcPct val="90000"/>
             </a:lnSpc>
@@ -4870,7 +5219,6 @@
             <a:spcAft>
               <a:spcPct val="35000"/>
             </a:spcAft>
-            <a:buNone/>
           </a:pPr>
           <a:r>
             <a:rPr lang="en-US" sz="1000" kern="1200"/>
@@ -4933,7 +5281,7 @@
         </a:bodyPr>
         <a:lstStyle/>
         <a:p>
-          <a:pPr marL="0" lvl="0" indent="0" algn="ctr" defTabSz="355600">
+          <a:pPr lvl="0" algn="ctr" defTabSz="355600">
             <a:lnSpc>
               <a:spcPct val="90000"/>
             </a:lnSpc>
@@ -4943,7 +5291,6 @@
             <a:spcAft>
               <a:spcPct val="35000"/>
             </a:spcAft>
-            <a:buNone/>
           </a:pPr>
           <a:endParaRPr lang="en-US" sz="800" kern="1200"/>
         </a:p>
@@ -5005,7 +5352,7 @@
         </a:bodyPr>
         <a:lstStyle/>
         <a:p>
-          <a:pPr marL="0" lvl="0" indent="0" algn="ctr" defTabSz="444500">
+          <a:pPr lvl="0" algn="ctr" defTabSz="444500">
             <a:lnSpc>
               <a:spcPct val="90000"/>
             </a:lnSpc>
@@ -5015,7 +5362,6 @@
             <a:spcAft>
               <a:spcPct val="35000"/>
             </a:spcAft>
-            <a:buNone/>
           </a:pPr>
           <a:r>
             <a:rPr lang="en-US" sz="1000" kern="1200"/>
@@ -5023,7 +5369,7 @@
           </a:r>
         </a:p>
         <a:p>
-          <a:pPr marL="0" lvl="0" indent="0" algn="ctr" defTabSz="444500">
+          <a:pPr lvl="0" algn="ctr" defTabSz="444500">
             <a:lnSpc>
               <a:spcPct val="90000"/>
             </a:lnSpc>
@@ -5033,7 +5379,6 @@
             <a:spcAft>
               <a:spcPct val="35000"/>
             </a:spcAft>
-            <a:buNone/>
           </a:pPr>
           <a:r>
             <a:rPr lang="en-US" sz="1000" kern="1200"/>
@@ -5096,7 +5441,7 @@
         </a:bodyPr>
         <a:lstStyle/>
         <a:p>
-          <a:pPr marL="0" lvl="0" indent="0" algn="ctr" defTabSz="355600">
+          <a:pPr lvl="0" algn="ctr" defTabSz="355600">
             <a:lnSpc>
               <a:spcPct val="90000"/>
             </a:lnSpc>
@@ -5106,7 +5451,6 @@
             <a:spcAft>
               <a:spcPct val="35000"/>
             </a:spcAft>
-            <a:buNone/>
           </a:pPr>
           <a:endParaRPr lang="en-US" sz="800" kern="1200"/>
         </a:p>
@@ -5168,7 +5512,7 @@
         </a:bodyPr>
         <a:lstStyle/>
         <a:p>
-          <a:pPr marL="0" lvl="0" indent="0" algn="ctr" defTabSz="444500">
+          <a:pPr lvl="0" algn="ctr" defTabSz="444500">
             <a:lnSpc>
               <a:spcPct val="90000"/>
             </a:lnSpc>
@@ -5178,7 +5522,6 @@
             <a:spcAft>
               <a:spcPct val="35000"/>
             </a:spcAft>
-            <a:buNone/>
           </a:pPr>
           <a:r>
             <a:rPr lang="en-US" sz="1000" kern="1200"/>
@@ -5186,7 +5529,7 @@
           </a:r>
         </a:p>
         <a:p>
-          <a:pPr marL="0" lvl="0" indent="0" algn="ctr" defTabSz="444500">
+          <a:pPr lvl="0" algn="ctr" defTabSz="444500">
             <a:lnSpc>
               <a:spcPct val="90000"/>
             </a:lnSpc>
@@ -5196,7 +5539,6 @@
             <a:spcAft>
               <a:spcPct val="35000"/>
             </a:spcAft>
-            <a:buNone/>
           </a:pPr>
           <a:r>
             <a:rPr lang="en-US" sz="1000" kern="1200"/>
@@ -5259,7 +5601,7 @@
         </a:bodyPr>
         <a:lstStyle/>
         <a:p>
-          <a:pPr marL="0" lvl="0" indent="0" algn="ctr" defTabSz="355600">
+          <a:pPr lvl="0" algn="ctr" defTabSz="355600">
             <a:lnSpc>
               <a:spcPct val="90000"/>
             </a:lnSpc>
@@ -5269,7 +5611,6 @@
             <a:spcAft>
               <a:spcPct val="35000"/>
             </a:spcAft>
-            <a:buNone/>
           </a:pPr>
           <a:endParaRPr lang="en-US" sz="800" kern="1200"/>
         </a:p>
@@ -5336,7 +5677,7 @@
         </a:bodyPr>
         <a:lstStyle/>
         <a:p>
-          <a:pPr marL="0" lvl="0" indent="0" algn="ctr" defTabSz="444500">
+          <a:pPr lvl="0" algn="ctr" defTabSz="444500">
             <a:lnSpc>
               <a:spcPct val="90000"/>
             </a:lnSpc>
@@ -5346,7 +5687,6 @@
             <a:spcAft>
               <a:spcPct val="35000"/>
             </a:spcAft>
-            <a:buNone/>
           </a:pPr>
           <a:r>
             <a:rPr lang="en-US" sz="1000" kern="1200"/>
@@ -5426,7 +5766,7 @@
         </a:bodyPr>
         <a:lstStyle/>
         <a:p>
-          <a:pPr marL="0" lvl="0" indent="0" algn="ctr" defTabSz="533400">
+          <a:pPr lvl="0" algn="ctr" defTabSz="533400">
             <a:lnSpc>
               <a:spcPct val="90000"/>
             </a:lnSpc>
@@ -5436,7 +5776,6 @@
             <a:spcAft>
               <a:spcPct val="35000"/>
             </a:spcAft>
-            <a:buNone/>
           </a:pPr>
           <a:r>
             <a:rPr lang="en-US" sz="1200" kern="1200"/>
@@ -5499,7 +5838,7 @@
         </a:bodyPr>
         <a:lstStyle/>
         <a:p>
-          <a:pPr marL="0" lvl="0" indent="0" algn="ctr" defTabSz="444500">
+          <a:pPr lvl="0" algn="ctr" defTabSz="444500">
             <a:lnSpc>
               <a:spcPct val="90000"/>
             </a:lnSpc>
@@ -5509,7 +5848,6 @@
             <a:spcAft>
               <a:spcPct val="35000"/>
             </a:spcAft>
-            <a:buNone/>
           </a:pPr>
           <a:endParaRPr lang="en-US" sz="1000" kern="1200"/>
         </a:p>
@@ -5574,7 +5912,7 @@
         </a:bodyPr>
         <a:lstStyle/>
         <a:p>
-          <a:pPr marL="0" lvl="0" indent="0" algn="ctr" defTabSz="533400">
+          <a:pPr lvl="0" algn="ctr" defTabSz="533400">
             <a:lnSpc>
               <a:spcPct val="90000"/>
             </a:lnSpc>
@@ -5584,7 +5922,6 @@
             <a:spcAft>
               <a:spcPct val="35000"/>
             </a:spcAft>
-            <a:buNone/>
           </a:pPr>
           <a:r>
             <a:rPr lang="en-US" sz="1200" kern="1200"/>
@@ -5647,7 +5984,7 @@
         </a:bodyPr>
         <a:lstStyle/>
         <a:p>
-          <a:pPr marL="0" lvl="0" indent="0" algn="ctr" defTabSz="444500">
+          <a:pPr lvl="0" algn="ctr" defTabSz="444500">
             <a:lnSpc>
               <a:spcPct val="90000"/>
             </a:lnSpc>
@@ -5657,7 +5994,6 @@
             <a:spcAft>
               <a:spcPct val="35000"/>
             </a:spcAft>
-            <a:buNone/>
           </a:pPr>
           <a:endParaRPr lang="en-US" sz="1000" kern="1200"/>
         </a:p>
@@ -5722,7 +6058,7 @@
         </a:bodyPr>
         <a:lstStyle/>
         <a:p>
-          <a:pPr marL="0" lvl="0" indent="0" algn="ctr" defTabSz="533400">
+          <a:pPr lvl="0" algn="ctr" defTabSz="533400">
             <a:lnSpc>
               <a:spcPct val="90000"/>
             </a:lnSpc>
@@ -5732,7 +6068,6 @@
             <a:spcAft>
               <a:spcPct val="35000"/>
             </a:spcAft>
-            <a:buNone/>
           </a:pPr>
           <a:r>
             <a:rPr lang="en-US" sz="1200" kern="1200"/>
@@ -5795,7 +6130,7 @@
         </a:bodyPr>
         <a:lstStyle/>
         <a:p>
-          <a:pPr marL="0" lvl="0" indent="0" algn="ctr" defTabSz="444500">
+          <a:pPr lvl="0" algn="ctr" defTabSz="444500">
             <a:lnSpc>
               <a:spcPct val="90000"/>
             </a:lnSpc>
@@ -5805,7 +6140,6 @@
             <a:spcAft>
               <a:spcPct val="35000"/>
             </a:spcAft>
-            <a:buNone/>
           </a:pPr>
           <a:endParaRPr lang="en-US" sz="1000" kern="1200"/>
         </a:p>
@@ -5870,7 +6204,7 @@
         </a:bodyPr>
         <a:lstStyle/>
         <a:p>
-          <a:pPr marL="0" lvl="0" indent="0" algn="ctr" defTabSz="533400">
+          <a:pPr lvl="0" algn="ctr" defTabSz="533400">
             <a:lnSpc>
               <a:spcPct val="90000"/>
             </a:lnSpc>
@@ -5880,7 +6214,6 @@
             <a:spcAft>
               <a:spcPct val="35000"/>
             </a:spcAft>
-            <a:buNone/>
           </a:pPr>
           <a:r>
             <a:rPr lang="en-US" sz="1200" kern="1200"/>
@@ -5943,7 +6276,7 @@
         </a:bodyPr>
         <a:lstStyle/>
         <a:p>
-          <a:pPr marL="0" lvl="0" indent="0" algn="ctr" defTabSz="444500">
+          <a:pPr lvl="0" algn="ctr" defTabSz="444500">
             <a:lnSpc>
               <a:spcPct val="90000"/>
             </a:lnSpc>
@@ -5953,7 +6286,6 @@
             <a:spcAft>
               <a:spcPct val="35000"/>
             </a:spcAft>
-            <a:buNone/>
           </a:pPr>
           <a:endParaRPr lang="en-US" sz="1000" kern="1200"/>
         </a:p>
@@ -6018,7 +6350,7 @@
         </a:bodyPr>
         <a:lstStyle/>
         <a:p>
-          <a:pPr marL="0" lvl="0" indent="0" algn="ctr" defTabSz="533400">
+          <a:pPr lvl="0" algn="ctr" defTabSz="533400">
             <a:lnSpc>
               <a:spcPct val="90000"/>
             </a:lnSpc>
@@ -6028,7 +6360,6 @@
             <a:spcAft>
               <a:spcPct val="35000"/>
             </a:spcAft>
-            <a:buNone/>
           </a:pPr>
           <a:r>
             <a:rPr lang="en-US" sz="1200" kern="1200"/>
@@ -6091,7 +6422,7 @@
         </a:bodyPr>
         <a:lstStyle/>
         <a:p>
-          <a:pPr marL="0" lvl="0" indent="0" algn="ctr" defTabSz="444500">
+          <a:pPr lvl="0" algn="ctr" defTabSz="444500">
             <a:lnSpc>
               <a:spcPct val="90000"/>
             </a:lnSpc>
@@ -6101,7 +6432,6 @@
             <a:spcAft>
               <a:spcPct val="35000"/>
             </a:spcAft>
-            <a:buNone/>
           </a:pPr>
           <a:endParaRPr lang="en-US" sz="1000" kern="1200"/>
         </a:p>
@@ -6166,7 +6496,7 @@
         </a:bodyPr>
         <a:lstStyle/>
         <a:p>
-          <a:pPr marL="0" lvl="0" indent="0" algn="ctr" defTabSz="533400">
+          <a:pPr lvl="0" algn="ctr" defTabSz="533400">
             <a:lnSpc>
               <a:spcPct val="90000"/>
             </a:lnSpc>
@@ -6176,7 +6506,6 @@
             <a:spcAft>
               <a:spcPct val="35000"/>
             </a:spcAft>
-            <a:buNone/>
           </a:pPr>
           <a:r>
             <a:rPr lang="en-US" sz="1200" kern="1200"/>
@@ -6239,7 +6568,7 @@
         </a:bodyPr>
         <a:lstStyle/>
         <a:p>
-          <a:pPr marL="0" lvl="0" indent="0" algn="ctr" defTabSz="444500">
+          <a:pPr lvl="0" algn="ctr" defTabSz="444500">
             <a:lnSpc>
               <a:spcPct val="90000"/>
             </a:lnSpc>
@@ -6249,7 +6578,6 @@
             <a:spcAft>
               <a:spcPct val="35000"/>
             </a:spcAft>
-            <a:buNone/>
           </a:pPr>
           <a:endParaRPr lang="en-US" sz="1000" kern="1200"/>
         </a:p>
@@ -10118,7 +10446,7 @@
           <a:p>
             <a:fld id="{EA4960E5-F060-4C88-B1C5-5A6F5890BEF6}" type="datetimeFigureOut">
               <a:rPr lang="en-SG" smtClean="0"/>
-              <a:t>21/10/2020</a:t>
+              <a:t>10/21/2020</a:t>
             </a:fld>
             <a:endParaRPr lang="en-SG" dirty="0"/>
           </a:p>
@@ -16369,7 +16697,7 @@
           <a:graphicData uri="http://schemas.openxmlformats.org/presentationml/2006/ole">
             <mc:AlternateContent xmlns:mc="http://schemas.openxmlformats.org/markup-compatibility/2006">
               <mc:Choice xmlns:v="urn:schemas-microsoft-com:vml" Requires="v">
-                <p:oleObj spid="_x0000_s2066" name="Bitmap Image" r:id="rId3" imgW="5014395" imgH="4572396" progId="Paint.Picture">
+                <p:oleObj spid="_x0000_s2068" name="Bitmap Image" r:id="rId3" imgW="5014395" imgH="4572396" progId="Paint.Picture">
                   <p:embed/>
                 </p:oleObj>
               </mc:Choice>
@@ -16750,7 +17078,7 @@
           <a:graphicData uri="http://schemas.openxmlformats.org/presentationml/2006/ole">
             <mc:AlternateContent xmlns:mc="http://schemas.openxmlformats.org/markup-compatibility/2006">
               <mc:Choice xmlns:v="urn:schemas-microsoft-com:vml" Requires="v">
-                <p:oleObj spid="_x0000_s6148" name="Bitmap Image" r:id="rId3" imgW="4915326" imgH="3505504" progId="Paint.Picture">
+                <p:oleObj spid="_x0000_s6150" name="Bitmap Image" r:id="rId3" imgW="4915326" imgH="3505504" progId="Paint.Picture">
                   <p:embed/>
                 </p:oleObj>
               </mc:Choice>
@@ -17427,7 +17755,7 @@
           <a:graphicData uri="http://schemas.openxmlformats.org/presentationml/2006/ole">
             <mc:AlternateContent xmlns:mc="http://schemas.openxmlformats.org/markup-compatibility/2006">
               <mc:Choice xmlns:v="urn:schemas-microsoft-com:vml" Requires="v">
-                <p:oleObj spid="_x0000_s7170" name="Bitmap Image" r:id="rId3" imgW="5014395" imgH="4572396" progId="Paint.Picture">
+                <p:oleObj spid="_x0000_s7172" name="Bitmap Image" r:id="rId3" imgW="5014395" imgH="4572396" progId="Paint.Picture">
                   <p:embed/>
                 </p:oleObj>
               </mc:Choice>
@@ -18041,7 +18369,7 @@
           <a:graphicData uri="http://schemas.openxmlformats.org/presentationml/2006/ole">
             <mc:AlternateContent xmlns:mc="http://schemas.openxmlformats.org/markup-compatibility/2006">
               <mc:Choice xmlns:v="urn:schemas-microsoft-com:vml" Requires="v">
-                <p:oleObj spid="_x0000_s3080" name="Bitmap Image" r:id="rId3" imgW="5014395" imgH="4572396" progId="Paint.Picture">
+                <p:oleObj spid="_x0000_s3082" name="Bitmap Image" r:id="rId3" imgW="5014395" imgH="4572396" progId="Paint.Picture">
                   <p:embed/>
                 </p:oleObj>
               </mc:Choice>
@@ -18248,26 +18576,272 @@
             <p:ph type="title"/>
           </p:nvPr>
         </p:nvSpPr>
-        <p:spPr>
-          <a:xfrm>
-            <a:off x="2573601" y="3053030"/>
-            <a:ext cx="4648197" cy="545561"/>
-          </a:xfrm>
-        </p:spPr>
+        <p:spPr/>
         <p:txBody>
           <a:bodyPr/>
           <a:lstStyle/>
           <a:p>
             <a:r>
-              <a:rPr lang="en-US" dirty="0"/>
-              <a:t>Thank you! </a:t>
+              <a:rPr lang="en-US" dirty="0" smtClean="0"/>
+              <a:t>Comparison</a:t>
+            </a:r>
+            <a:endParaRPr lang="en-SG" dirty="0"/>
+          </a:p>
+        </p:txBody>
+      </p:sp>
+      <p:sp>
+        <p:nvSpPr>
+          <p:cNvPr id="3" name="Content Placeholder 2"/>
+          <p:cNvSpPr>
+            <a:spLocks noGrp="1"/>
+          </p:cNvSpPr>
+          <p:nvPr>
+            <p:ph sz="quarter" idx="13"/>
+          </p:nvPr>
+        </p:nvSpPr>
+        <p:spPr/>
+        <p:txBody>
+          <a:bodyPr>
+            <a:normAutofit fontScale="55000" lnSpcReduction="20000"/>
+          </a:bodyPr>
+          <a:lstStyle/>
+          <a:p>
+            <a:r>
+              <a:rPr lang="en-US" dirty="0" smtClean="0">
+                <a:solidFill>
+                  <a:schemeClr val="tx1"/>
+                </a:solidFill>
+              </a:rPr>
+              <a:t>Localization Algorithms</a:t>
+            </a:r>
+          </a:p>
+          <a:p>
+            <a:pPr lvl="1"/>
+            <a:r>
+              <a:rPr lang="en-US" dirty="0" smtClean="0">
+                <a:solidFill>
+                  <a:schemeClr val="tx1"/>
+                </a:solidFill>
+              </a:rPr>
+              <a:t>Monte </a:t>
             </a:r>
             <a:r>
               <a:rPr lang="en-US" dirty="0">
-                <a:sym typeface="Wingdings" panose="05000000000000000000" pitchFamily="2" charset="2"/>
+                <a:solidFill>
+                  <a:schemeClr val="tx1"/>
+                </a:solidFill>
               </a:rPr>
-              <a:t> </a:t>
+              <a:t>Carlo </a:t>
             </a:r>
+            <a:r>
+              <a:rPr lang="en-US" dirty="0" smtClean="0">
+                <a:solidFill>
+                  <a:schemeClr val="tx1"/>
+                </a:solidFill>
+              </a:rPr>
+              <a:t>Localization (MCL)</a:t>
+            </a:r>
+          </a:p>
+          <a:p>
+            <a:pPr lvl="2"/>
+            <a:r>
+              <a:rPr lang="en-US" dirty="0" smtClean="0">
+                <a:solidFill>
+                  <a:schemeClr val="tx1"/>
+                </a:solidFill>
+              </a:rPr>
+              <a:t>Most popular in robot localization</a:t>
+            </a:r>
+          </a:p>
+          <a:p>
+            <a:pPr lvl="2"/>
+            <a:r>
+              <a:rPr lang="en-US" dirty="0">
+                <a:solidFill>
+                  <a:schemeClr val="tx1"/>
+                </a:solidFill>
+              </a:rPr>
+              <a:t>Also referred to as Particle Filter</a:t>
+            </a:r>
+          </a:p>
+          <a:p>
+            <a:pPr lvl="2"/>
+            <a:r>
+              <a:rPr lang="en-US" dirty="0">
+                <a:solidFill>
+                  <a:schemeClr val="tx1"/>
+                </a:solidFill>
+              </a:rPr>
+              <a:t>Relies on </a:t>
+            </a:r>
+          </a:p>
+          <a:p>
+            <a:pPr lvl="3"/>
+            <a:r>
+              <a:rPr lang="en-US" dirty="0">
+                <a:solidFill>
+                  <a:schemeClr val="tx1"/>
+                </a:solidFill>
+              </a:rPr>
+              <a:t>Accurate Environment Map</a:t>
+            </a:r>
+          </a:p>
+          <a:p>
+            <a:pPr lvl="3"/>
+            <a:r>
+              <a:rPr lang="en-US" dirty="0">
+                <a:solidFill>
+                  <a:schemeClr val="tx1"/>
+                </a:solidFill>
+              </a:rPr>
+              <a:t>Particle position and </a:t>
+            </a:r>
+            <a:r>
+              <a:rPr lang="en-US" dirty="0" smtClean="0">
+                <a:solidFill>
+                  <a:schemeClr val="tx1"/>
+                </a:solidFill>
+              </a:rPr>
+              <a:t>orientation</a:t>
+            </a:r>
+          </a:p>
+          <a:p>
+            <a:pPr lvl="1"/>
+            <a:r>
+              <a:rPr lang="en-US" dirty="0">
+                <a:solidFill>
+                  <a:schemeClr val="tx1"/>
+                </a:solidFill>
+              </a:rPr>
+              <a:t>Adaptive Monte Carlo </a:t>
+            </a:r>
+            <a:r>
+              <a:rPr lang="en-US" dirty="0" smtClean="0">
+                <a:solidFill>
+                  <a:schemeClr val="tx1"/>
+                </a:solidFill>
+              </a:rPr>
+              <a:t>Localization (AMCL)</a:t>
+            </a:r>
+          </a:p>
+          <a:p>
+            <a:pPr lvl="2"/>
+            <a:r>
+              <a:rPr lang="en-US" dirty="0" smtClean="0">
+                <a:solidFill>
+                  <a:schemeClr val="tx1"/>
+                </a:solidFill>
+              </a:rPr>
+              <a:t>Improved version of MCL</a:t>
+            </a:r>
+          </a:p>
+          <a:p>
+            <a:pPr lvl="2"/>
+            <a:endParaRPr lang="en-US" dirty="0" smtClean="0">
+              <a:solidFill>
+                <a:schemeClr val="tx1"/>
+              </a:solidFill>
+            </a:endParaRPr>
+          </a:p>
+          <a:p>
+            <a:r>
+              <a:rPr lang="en-SG" dirty="0" smtClean="0">
+                <a:solidFill>
+                  <a:schemeClr val="tx1"/>
+                </a:solidFill>
+              </a:rPr>
+              <a:t>Deep </a:t>
+            </a:r>
+            <a:r>
+              <a:rPr lang="en-SG" dirty="0">
+                <a:solidFill>
+                  <a:schemeClr val="tx1"/>
+                </a:solidFill>
+              </a:rPr>
+              <a:t>Neural Network Robotic </a:t>
+            </a:r>
+            <a:r>
+              <a:rPr lang="en-SG" dirty="0" smtClean="0">
+                <a:solidFill>
+                  <a:schemeClr val="tx1"/>
+                </a:solidFill>
+              </a:rPr>
+              <a:t>Mapping</a:t>
+            </a:r>
+          </a:p>
+          <a:p>
+            <a:pPr lvl="1"/>
+            <a:r>
+              <a:rPr lang="en-SG" dirty="0" smtClean="0">
+                <a:solidFill>
+                  <a:schemeClr val="tx1"/>
+                </a:solidFill>
+              </a:rPr>
+              <a:t>Relies on GPS and 3D scan data</a:t>
+            </a:r>
+          </a:p>
+          <a:p>
+            <a:pPr lvl="1"/>
+            <a:r>
+              <a:rPr lang="en-US" dirty="0" smtClean="0">
+                <a:solidFill>
+                  <a:schemeClr val="tx1"/>
+                </a:solidFill>
+              </a:rPr>
+              <a:t>Produces more accuracy map</a:t>
+            </a:r>
+          </a:p>
+          <a:p>
+            <a:pPr lvl="2"/>
+            <a:r>
+              <a:rPr lang="en-US" dirty="0" smtClean="0">
+                <a:solidFill>
+                  <a:schemeClr val="tx1"/>
+                </a:solidFill>
+              </a:rPr>
+              <a:t>Comparing with traditional approach such as k-means</a:t>
+            </a:r>
+          </a:p>
+          <a:p>
+            <a:pPr lvl="2"/>
+            <a:endParaRPr lang="en-US" dirty="0">
+              <a:solidFill>
+                <a:schemeClr val="tx1"/>
+              </a:solidFill>
+            </a:endParaRPr>
+          </a:p>
+          <a:p>
+            <a:r>
+              <a:rPr lang="en-US" dirty="0" smtClean="0">
+                <a:solidFill>
+                  <a:schemeClr val="tx1"/>
+                </a:solidFill>
+              </a:rPr>
+              <a:t>Therefore, AMCL and </a:t>
+            </a:r>
+            <a:r>
+              <a:rPr lang="en-SG" dirty="0">
+                <a:solidFill>
+                  <a:schemeClr val="tx1"/>
+                </a:solidFill>
+              </a:rPr>
+              <a:t>Deep Neural Network Robotic </a:t>
+            </a:r>
+            <a:r>
+              <a:rPr lang="en-SG" dirty="0" smtClean="0">
+                <a:solidFill>
+                  <a:schemeClr val="tx1"/>
+                </a:solidFill>
+              </a:rPr>
+              <a:t>Mapping are good candidates for complement on localization and map in certain conditions</a:t>
+            </a:r>
+            <a:endParaRPr lang="en-US" dirty="0">
+              <a:solidFill>
+                <a:schemeClr val="tx1"/>
+              </a:solidFill>
+            </a:endParaRPr>
+          </a:p>
+          <a:p>
             <a:endParaRPr lang="en-SG" dirty="0"/>
           </a:p>
         </p:txBody>
@@ -18289,7 +18863,7 @@
           <a:p>
             <a:pPr algn="l"/>
             <a:r>
-              <a:rPr lang="en-SG" sz="1000" dirty="0"/>
+              <a:rPr lang="en-SG" sz="1000" smtClean="0"/>
               <a:t>© 2018 National University of Singapore. All Rights Reserved</a:t>
             </a:r>
             <a:endParaRPr lang="en-SG" dirty="0"/>
@@ -18323,7 +18897,446 @@
     </p:spTree>
     <p:extLst>
       <p:ext uri="{BB962C8B-B14F-4D97-AF65-F5344CB8AC3E}">
-        <p14:creationId xmlns:p14="http://schemas.microsoft.com/office/powerpoint/2010/main" val="3351845363"/>
+        <p14:creationId xmlns:p14="http://schemas.microsoft.com/office/powerpoint/2010/main" val="4244244543"/>
+      </p:ext>
+    </p:extLst>
+  </p:cSld>
+  <p:clrMapOvr>
+    <a:masterClrMapping/>
+  </p:clrMapOvr>
+</p:sld>
+</file>
+
+<file path=ppt/slides/slide28.xml><?xml version="1.0" encoding="utf-8"?>
+<p:sld xmlns:a="http://schemas.openxmlformats.org/drawingml/2006/main" xmlns:r="http://schemas.openxmlformats.org/officeDocument/2006/relationships" xmlns:p="http://schemas.openxmlformats.org/presentationml/2006/main">
+  <p:cSld>
+    <p:spTree>
+      <p:nvGrpSpPr>
+        <p:cNvPr id="1" name=""/>
+        <p:cNvGrpSpPr/>
+        <p:nvPr/>
+      </p:nvGrpSpPr>
+      <p:grpSpPr>
+        <a:xfrm>
+          <a:off x="0" y="0"/>
+          <a:ext cx="0" cy="0"/>
+          <a:chOff x="0" y="0"/>
+          <a:chExt cx="0" cy="0"/>
+        </a:xfrm>
+      </p:grpSpPr>
+      <p:sp>
+        <p:nvSpPr>
+          <p:cNvPr id="2" name="Title 1"/>
+          <p:cNvSpPr>
+            <a:spLocks noGrp="1"/>
+          </p:cNvSpPr>
+          <p:nvPr>
+            <p:ph type="title"/>
+          </p:nvPr>
+        </p:nvSpPr>
+        <p:spPr/>
+        <p:txBody>
+          <a:bodyPr>
+            <a:normAutofit fontScale="90000"/>
+          </a:bodyPr>
+          <a:lstStyle/>
+          <a:p>
+            <a:r>
+              <a:rPr lang="en-US" dirty="0" smtClean="0"/>
+              <a:t>System Design -</a:t>
+            </a:r>
+            <a:br>
+              <a:rPr lang="en-US" dirty="0" smtClean="0"/>
+            </a:br>
+            <a:r>
+              <a:rPr lang="en-US" dirty="0" smtClean="0"/>
+              <a:t>Visualization</a:t>
+            </a:r>
+            <a:endParaRPr lang="en-SG" dirty="0"/>
+          </a:p>
+        </p:txBody>
+      </p:sp>
+      <p:sp>
+        <p:nvSpPr>
+          <p:cNvPr id="3" name="Content Placeholder 2"/>
+          <p:cNvSpPr>
+            <a:spLocks noGrp="1"/>
+          </p:cNvSpPr>
+          <p:nvPr>
+            <p:ph sz="quarter" idx="13"/>
+          </p:nvPr>
+        </p:nvSpPr>
+        <p:spPr/>
+        <p:txBody>
+          <a:bodyPr/>
+          <a:lstStyle/>
+          <a:p>
+            <a:endParaRPr lang="en-SG" dirty="0"/>
+          </a:p>
+        </p:txBody>
+      </p:sp>
+      <p:sp>
+        <p:nvSpPr>
+          <p:cNvPr id="4" name="Footer Placeholder 3"/>
+          <p:cNvSpPr>
+            <a:spLocks noGrp="1"/>
+          </p:cNvSpPr>
+          <p:nvPr>
+            <p:ph type="ftr" sz="quarter" idx="15"/>
+          </p:nvPr>
+        </p:nvSpPr>
+        <p:spPr/>
+        <p:txBody>
+          <a:bodyPr/>
+          <a:lstStyle/>
+          <a:p>
+            <a:pPr algn="l"/>
+            <a:r>
+              <a:rPr lang="en-SG" sz="1000" smtClean="0"/>
+              <a:t>© 2018 National University of Singapore. All Rights Reserved</a:t>
+            </a:r>
+            <a:endParaRPr lang="en-SG" dirty="0"/>
+          </a:p>
+        </p:txBody>
+      </p:sp>
+      <p:sp>
+        <p:nvSpPr>
+          <p:cNvPr id="5" name="Slide Number Placeholder 4"/>
+          <p:cNvSpPr>
+            <a:spLocks noGrp="1"/>
+          </p:cNvSpPr>
+          <p:nvPr>
+            <p:ph type="sldNum" sz="quarter" idx="16"/>
+          </p:nvPr>
+        </p:nvSpPr>
+        <p:spPr/>
+        <p:txBody>
+          <a:bodyPr/>
+          <a:lstStyle/>
+          <a:p>
+            <a:fld id="{2F63C605-4FC6-46DE-BC90-871762EA3F52}" type="slidenum">
+              <a:rPr lang="en-SG" smtClean="0"/>
+              <a:pPr/>
+              <a:t>28</a:t>
+            </a:fld>
+            <a:endParaRPr lang="en-SG" dirty="0"/>
+          </a:p>
+        </p:txBody>
+      </p:sp>
+      <p:pic>
+        <p:nvPicPr>
+          <p:cNvPr id="10" name="Picture 9"/>
+          <p:cNvPicPr>
+            <a:picLocks noChangeAspect="1"/>
+          </p:cNvPicPr>
+          <p:nvPr/>
+        </p:nvPicPr>
+        <p:blipFill>
+          <a:blip r:embed="rId2"/>
+          <a:stretch>
+            <a:fillRect/>
+          </a:stretch>
+        </p:blipFill>
+        <p:spPr>
+          <a:xfrm>
+            <a:off x="1072874" y="1313382"/>
+            <a:ext cx="6998251" cy="4520201"/>
+          </a:xfrm>
+          <a:prstGeom prst="rect">
+            <a:avLst/>
+          </a:prstGeom>
+        </p:spPr>
+      </p:pic>
+    </p:spTree>
+    <p:extLst>
+      <p:ext uri="{BB962C8B-B14F-4D97-AF65-F5344CB8AC3E}">
+        <p14:creationId xmlns:p14="http://schemas.microsoft.com/office/powerpoint/2010/main" val="1024114860"/>
+      </p:ext>
+    </p:extLst>
+  </p:cSld>
+  <p:clrMapOvr>
+    <a:masterClrMapping/>
+  </p:clrMapOvr>
+</p:sld>
+</file>
+
+<file path=ppt/slides/slide29.xml><?xml version="1.0" encoding="utf-8"?>
+<p:sld xmlns:a="http://schemas.openxmlformats.org/drawingml/2006/main" xmlns:r="http://schemas.openxmlformats.org/officeDocument/2006/relationships" xmlns:p="http://schemas.openxmlformats.org/presentationml/2006/main">
+  <p:cSld>
+    <p:spTree>
+      <p:nvGrpSpPr>
+        <p:cNvPr id="1" name=""/>
+        <p:cNvGrpSpPr/>
+        <p:nvPr/>
+      </p:nvGrpSpPr>
+      <p:grpSpPr>
+        <a:xfrm>
+          <a:off x="0" y="0"/>
+          <a:ext cx="0" cy="0"/>
+          <a:chOff x="0" y="0"/>
+          <a:chExt cx="0" cy="0"/>
+        </a:xfrm>
+      </p:grpSpPr>
+      <p:sp>
+        <p:nvSpPr>
+          <p:cNvPr id="2" name="Title 1"/>
+          <p:cNvSpPr>
+            <a:spLocks noGrp="1"/>
+          </p:cNvSpPr>
+          <p:nvPr>
+            <p:ph type="title"/>
+          </p:nvPr>
+        </p:nvSpPr>
+        <p:spPr/>
+        <p:txBody>
+          <a:bodyPr/>
+          <a:lstStyle/>
+          <a:p>
+            <a:r>
+              <a:rPr lang="en-US" dirty="0" smtClean="0"/>
+              <a:t>Open3D Visualizer</a:t>
+            </a:r>
+            <a:endParaRPr lang="en-SG" dirty="0"/>
+          </a:p>
+        </p:txBody>
+      </p:sp>
+      <p:sp>
+        <p:nvSpPr>
+          <p:cNvPr id="3" name="Content Placeholder 2"/>
+          <p:cNvSpPr>
+            <a:spLocks noGrp="1"/>
+          </p:cNvSpPr>
+          <p:nvPr>
+            <p:ph sz="quarter" idx="13"/>
+          </p:nvPr>
+        </p:nvSpPr>
+        <p:spPr/>
+        <p:txBody>
+          <a:bodyPr>
+            <a:normAutofit fontScale="92500" lnSpcReduction="10000"/>
+          </a:bodyPr>
+          <a:lstStyle/>
+          <a:p>
+            <a:r>
+              <a:rPr lang="en-US" dirty="0" smtClean="0">
+                <a:solidFill>
+                  <a:schemeClr val="tx1"/>
+                </a:solidFill>
+              </a:rPr>
+              <a:t>Read 3D Map</a:t>
+            </a:r>
+          </a:p>
+          <a:p>
+            <a:pPr lvl="1"/>
+            <a:r>
+              <a:rPr lang="en-US" dirty="0" smtClean="0">
+                <a:solidFill>
+                  <a:schemeClr val="tx1"/>
+                </a:solidFill>
+              </a:rPr>
+              <a:t>Grayscale 3D map </a:t>
+            </a:r>
+          </a:p>
+          <a:p>
+            <a:pPr lvl="1"/>
+            <a:r>
+              <a:rPr lang="en-US" dirty="0" smtClean="0">
+                <a:solidFill>
+                  <a:schemeClr val="tx1"/>
+                </a:solidFill>
+              </a:rPr>
+              <a:t>produced by </a:t>
+            </a:r>
+            <a:r>
+              <a:rPr lang="en-SG" dirty="0" smtClean="0">
+                <a:solidFill>
+                  <a:schemeClr val="tx1"/>
+                </a:solidFill>
+              </a:rPr>
+              <a:t>DNNRM</a:t>
+            </a:r>
+            <a:endParaRPr lang="en-SG" dirty="0">
+              <a:solidFill>
+                <a:schemeClr val="tx1"/>
+              </a:solidFill>
+            </a:endParaRPr>
+          </a:p>
+          <a:p>
+            <a:pPr lvl="1"/>
+            <a:endParaRPr lang="en-US" dirty="0" smtClean="0">
+              <a:solidFill>
+                <a:schemeClr val="tx1"/>
+              </a:solidFill>
+            </a:endParaRPr>
+          </a:p>
+          <a:p>
+            <a:r>
+              <a:rPr lang="en-US" dirty="0" smtClean="0">
+                <a:solidFill>
+                  <a:schemeClr val="tx1"/>
+                </a:solidFill>
+              </a:rPr>
+              <a:t>Generate views</a:t>
+            </a:r>
+          </a:p>
+          <a:p>
+            <a:pPr lvl="1"/>
+            <a:r>
+              <a:rPr lang="en-US" dirty="0" smtClean="0">
+                <a:solidFill>
+                  <a:schemeClr val="tx1"/>
+                </a:solidFill>
+              </a:rPr>
+              <a:t>2D Map</a:t>
+            </a:r>
+          </a:p>
+          <a:p>
+            <a:pPr lvl="1"/>
+            <a:r>
+              <a:rPr lang="en-US" dirty="0" smtClean="0">
+                <a:solidFill>
+                  <a:schemeClr val="tx1"/>
+                </a:solidFill>
+              </a:rPr>
+              <a:t>Front / Rear View</a:t>
+            </a:r>
+          </a:p>
+          <a:p>
+            <a:pPr lvl="1"/>
+            <a:r>
+              <a:rPr lang="en-US" dirty="0" smtClean="0">
+                <a:solidFill>
+                  <a:schemeClr val="tx1"/>
+                </a:solidFill>
+              </a:rPr>
+              <a:t>Based on </a:t>
+            </a:r>
+          </a:p>
+          <a:p>
+            <a:pPr lvl="2"/>
+            <a:r>
+              <a:rPr lang="en-US" dirty="0" smtClean="0">
+                <a:solidFill>
+                  <a:schemeClr val="tx1"/>
+                </a:solidFill>
+              </a:rPr>
+              <a:t>robot position</a:t>
+            </a:r>
+          </a:p>
+          <a:p>
+            <a:pPr lvl="2"/>
+            <a:r>
+              <a:rPr lang="en-US" dirty="0" smtClean="0">
+                <a:solidFill>
+                  <a:schemeClr val="tx1"/>
+                </a:solidFill>
+              </a:rPr>
+              <a:t>orientation</a:t>
+            </a:r>
+            <a:endParaRPr lang="en-SG" dirty="0">
+              <a:solidFill>
+                <a:schemeClr val="tx1"/>
+              </a:solidFill>
+            </a:endParaRPr>
+          </a:p>
+        </p:txBody>
+      </p:sp>
+      <p:sp>
+        <p:nvSpPr>
+          <p:cNvPr id="4" name="Footer Placeholder 3"/>
+          <p:cNvSpPr>
+            <a:spLocks noGrp="1"/>
+          </p:cNvSpPr>
+          <p:nvPr>
+            <p:ph type="ftr" sz="quarter" idx="15"/>
+          </p:nvPr>
+        </p:nvSpPr>
+        <p:spPr/>
+        <p:txBody>
+          <a:bodyPr/>
+          <a:lstStyle/>
+          <a:p>
+            <a:pPr algn="l"/>
+            <a:r>
+              <a:rPr lang="en-SG" sz="1000" smtClean="0"/>
+              <a:t>© 2018 National University of Singapore. All Rights Reserved</a:t>
+            </a:r>
+            <a:endParaRPr lang="en-SG" dirty="0"/>
+          </a:p>
+        </p:txBody>
+      </p:sp>
+      <p:sp>
+        <p:nvSpPr>
+          <p:cNvPr id="5" name="Slide Number Placeholder 4"/>
+          <p:cNvSpPr>
+            <a:spLocks noGrp="1"/>
+          </p:cNvSpPr>
+          <p:nvPr>
+            <p:ph type="sldNum" sz="quarter" idx="16"/>
+          </p:nvPr>
+        </p:nvSpPr>
+        <p:spPr/>
+        <p:txBody>
+          <a:bodyPr/>
+          <a:lstStyle/>
+          <a:p>
+            <a:fld id="{2F63C605-4FC6-46DE-BC90-871762EA3F52}" type="slidenum">
+              <a:rPr lang="en-SG" smtClean="0"/>
+              <a:pPr/>
+              <a:t>29</a:t>
+            </a:fld>
+            <a:endParaRPr lang="en-SG" dirty="0"/>
+          </a:p>
+        </p:txBody>
+      </p:sp>
+      <p:pic>
+        <p:nvPicPr>
+          <p:cNvPr id="8" name="Picture 7"/>
+          <p:cNvPicPr/>
+          <p:nvPr/>
+        </p:nvPicPr>
+        <p:blipFill>
+          <a:blip r:embed="rId2"/>
+          <a:stretch>
+            <a:fillRect/>
+          </a:stretch>
+        </p:blipFill>
+        <p:spPr>
+          <a:xfrm>
+            <a:off x="5168692" y="1242516"/>
+            <a:ext cx="1861321" cy="2213273"/>
+          </a:xfrm>
+          <a:prstGeom prst="rect">
+            <a:avLst/>
+          </a:prstGeom>
+        </p:spPr>
+      </p:pic>
+      <p:pic>
+        <p:nvPicPr>
+          <p:cNvPr id="9" name="Picture 8"/>
+          <p:cNvPicPr/>
+          <p:nvPr/>
+        </p:nvPicPr>
+        <p:blipFill>
+          <a:blip r:embed="rId3"/>
+          <a:stretch>
+            <a:fillRect/>
+          </a:stretch>
+        </p:blipFill>
+        <p:spPr>
+          <a:xfrm>
+            <a:off x="4998720" y="3264831"/>
+            <a:ext cx="2710992" cy="2423756"/>
+          </a:xfrm>
+          <a:prstGeom prst="rect">
+            <a:avLst/>
+          </a:prstGeom>
+        </p:spPr>
+      </p:pic>
+    </p:spTree>
+    <p:extLst>
+      <p:ext uri="{BB962C8B-B14F-4D97-AF65-F5344CB8AC3E}">
+        <p14:creationId xmlns:p14="http://schemas.microsoft.com/office/powerpoint/2010/main" val="3308391070"/>
       </p:ext>
     </p:extLst>
   </p:cSld>
@@ -18481,6 +19494,365 @@
     <p:extLst>
       <p:ext uri="{BB962C8B-B14F-4D97-AF65-F5344CB8AC3E}">
         <p14:creationId xmlns:p14="http://schemas.microsoft.com/office/powerpoint/2010/main" val="1105590467"/>
+      </p:ext>
+    </p:extLst>
+  </p:cSld>
+  <p:clrMapOvr>
+    <a:masterClrMapping/>
+  </p:clrMapOvr>
+</p:sld>
+</file>
+
+<file path=ppt/slides/slide30.xml><?xml version="1.0" encoding="utf-8"?>
+<p:sld xmlns:a="http://schemas.openxmlformats.org/drawingml/2006/main" xmlns:r="http://schemas.openxmlformats.org/officeDocument/2006/relationships" xmlns:p="http://schemas.openxmlformats.org/presentationml/2006/main">
+  <p:cSld>
+    <p:spTree>
+      <p:nvGrpSpPr>
+        <p:cNvPr id="1" name=""/>
+        <p:cNvGrpSpPr/>
+        <p:nvPr/>
+      </p:nvGrpSpPr>
+      <p:grpSpPr>
+        <a:xfrm>
+          <a:off x="0" y="0"/>
+          <a:ext cx="0" cy="0"/>
+          <a:chOff x="0" y="0"/>
+          <a:chExt cx="0" cy="0"/>
+        </a:xfrm>
+      </p:grpSpPr>
+      <p:sp>
+        <p:nvSpPr>
+          <p:cNvPr id="2" name="Title 1"/>
+          <p:cNvSpPr>
+            <a:spLocks noGrp="1"/>
+          </p:cNvSpPr>
+          <p:nvPr>
+            <p:ph type="title"/>
+          </p:nvPr>
+        </p:nvSpPr>
+        <p:spPr/>
+        <p:txBody>
+          <a:bodyPr/>
+          <a:lstStyle/>
+          <a:p>
+            <a:r>
+              <a:rPr lang="en-US" dirty="0" smtClean="0"/>
+              <a:t>Map Tracking Viewer</a:t>
+            </a:r>
+            <a:endParaRPr lang="en-SG" dirty="0"/>
+          </a:p>
+        </p:txBody>
+      </p:sp>
+      <p:sp>
+        <p:nvSpPr>
+          <p:cNvPr id="3" name="Content Placeholder 2"/>
+          <p:cNvSpPr>
+            <a:spLocks noGrp="1"/>
+          </p:cNvSpPr>
+          <p:nvPr>
+            <p:ph sz="quarter" idx="13"/>
+          </p:nvPr>
+        </p:nvSpPr>
+        <p:spPr/>
+        <p:txBody>
+          <a:bodyPr/>
+          <a:lstStyle/>
+          <a:p>
+            <a:r>
+              <a:rPr lang="en-US" dirty="0" smtClean="0">
+                <a:solidFill>
+                  <a:schemeClr val="tx1"/>
+                </a:solidFill>
+              </a:rPr>
+              <a:t>Python </a:t>
+            </a:r>
+            <a:r>
+              <a:rPr lang="en-US" dirty="0" err="1" smtClean="0">
+                <a:solidFill>
+                  <a:schemeClr val="tx1"/>
+                </a:solidFill>
+              </a:rPr>
+              <a:t>Tkinter</a:t>
+            </a:r>
+            <a:r>
+              <a:rPr lang="en-US" dirty="0" smtClean="0">
+                <a:solidFill>
+                  <a:schemeClr val="tx1"/>
+                </a:solidFill>
+              </a:rPr>
+              <a:t> GUI</a:t>
+            </a:r>
+          </a:p>
+          <a:p>
+            <a:r>
+              <a:rPr lang="en-US" dirty="0" smtClean="0">
+                <a:solidFill>
+                  <a:schemeClr val="tx1"/>
+                </a:solidFill>
+              </a:rPr>
+              <a:t>Simulate </a:t>
+            </a:r>
+            <a:r>
+              <a:rPr lang="en-US" dirty="0" smtClean="0">
+                <a:solidFill>
+                  <a:schemeClr val="tx1"/>
+                </a:solidFill>
+              </a:rPr>
+              <a:t>Robot Data</a:t>
+            </a:r>
+          </a:p>
+          <a:p>
+            <a:pPr lvl="1"/>
+            <a:r>
+              <a:rPr lang="en-US" dirty="0" smtClean="0">
+                <a:solidFill>
+                  <a:schemeClr val="tx1"/>
+                </a:solidFill>
+              </a:rPr>
+              <a:t>Position</a:t>
+            </a:r>
+          </a:p>
+          <a:p>
+            <a:pPr lvl="1"/>
+            <a:r>
+              <a:rPr lang="en-US" dirty="0" smtClean="0">
+                <a:solidFill>
+                  <a:schemeClr val="tx1"/>
+                </a:solidFill>
+              </a:rPr>
+              <a:t>Orientation</a:t>
+            </a:r>
+          </a:p>
+          <a:p>
+            <a:r>
+              <a:rPr lang="en-US" dirty="0" smtClean="0">
+                <a:solidFill>
+                  <a:schemeClr val="tx1"/>
+                </a:solidFill>
+              </a:rPr>
+              <a:t>Display </a:t>
+            </a:r>
+          </a:p>
+          <a:p>
+            <a:pPr lvl="1"/>
+            <a:r>
+              <a:rPr lang="en-US" dirty="0" smtClean="0">
+                <a:solidFill>
+                  <a:schemeClr val="tx1"/>
+                </a:solidFill>
+              </a:rPr>
+              <a:t>2D Map</a:t>
+            </a:r>
+          </a:p>
+          <a:p>
+            <a:pPr lvl="1"/>
+            <a:r>
+              <a:rPr lang="en-US" dirty="0" smtClean="0">
+                <a:solidFill>
+                  <a:schemeClr val="tx1"/>
+                </a:solidFill>
+              </a:rPr>
+              <a:t>Front / Rear View</a:t>
+            </a:r>
+          </a:p>
+          <a:p>
+            <a:pPr lvl="1"/>
+            <a:endParaRPr lang="en-US" dirty="0">
+              <a:solidFill>
+                <a:schemeClr val="tx1"/>
+              </a:solidFill>
+            </a:endParaRPr>
+          </a:p>
+        </p:txBody>
+      </p:sp>
+      <p:sp>
+        <p:nvSpPr>
+          <p:cNvPr id="4" name="Footer Placeholder 3"/>
+          <p:cNvSpPr>
+            <a:spLocks noGrp="1"/>
+          </p:cNvSpPr>
+          <p:nvPr>
+            <p:ph type="ftr" sz="quarter" idx="15"/>
+          </p:nvPr>
+        </p:nvSpPr>
+        <p:spPr/>
+        <p:txBody>
+          <a:bodyPr/>
+          <a:lstStyle/>
+          <a:p>
+            <a:pPr algn="l"/>
+            <a:r>
+              <a:rPr lang="en-SG" sz="1000" smtClean="0"/>
+              <a:t>© 2018 National University of Singapore. All Rights Reserved</a:t>
+            </a:r>
+            <a:endParaRPr lang="en-SG" dirty="0"/>
+          </a:p>
+        </p:txBody>
+      </p:sp>
+      <p:sp>
+        <p:nvSpPr>
+          <p:cNvPr id="5" name="Slide Number Placeholder 4"/>
+          <p:cNvSpPr>
+            <a:spLocks noGrp="1"/>
+          </p:cNvSpPr>
+          <p:nvPr>
+            <p:ph type="sldNum" sz="quarter" idx="16"/>
+          </p:nvPr>
+        </p:nvSpPr>
+        <p:spPr/>
+        <p:txBody>
+          <a:bodyPr/>
+          <a:lstStyle/>
+          <a:p>
+            <a:fld id="{2F63C605-4FC6-46DE-BC90-871762EA3F52}" type="slidenum">
+              <a:rPr lang="en-SG" smtClean="0"/>
+              <a:pPr/>
+              <a:t>30</a:t>
+            </a:fld>
+            <a:endParaRPr lang="en-SG" dirty="0"/>
+          </a:p>
+        </p:txBody>
+      </p:sp>
+      <p:pic>
+        <p:nvPicPr>
+          <p:cNvPr id="6" name="Picture 5"/>
+          <p:cNvPicPr>
+            <a:picLocks noChangeAspect="1"/>
+          </p:cNvPicPr>
+          <p:nvPr/>
+        </p:nvPicPr>
+        <p:blipFill>
+          <a:blip r:embed="rId2"/>
+          <a:stretch>
+            <a:fillRect/>
+          </a:stretch>
+        </p:blipFill>
+        <p:spPr>
+          <a:xfrm>
+            <a:off x="4406537" y="2369685"/>
+            <a:ext cx="4442822" cy="2791595"/>
+          </a:xfrm>
+          <a:prstGeom prst="rect">
+            <a:avLst/>
+          </a:prstGeom>
+        </p:spPr>
+      </p:pic>
+    </p:spTree>
+    <p:extLst>
+      <p:ext uri="{BB962C8B-B14F-4D97-AF65-F5344CB8AC3E}">
+        <p14:creationId xmlns:p14="http://schemas.microsoft.com/office/powerpoint/2010/main" val="2365702992"/>
+      </p:ext>
+    </p:extLst>
+  </p:cSld>
+  <p:clrMapOvr>
+    <a:masterClrMapping/>
+  </p:clrMapOvr>
+</p:sld>
+</file>
+
+<file path=ppt/slides/slide31.xml><?xml version="1.0" encoding="utf-8"?>
+<p:sld xmlns:a="http://schemas.openxmlformats.org/drawingml/2006/main" xmlns:r="http://schemas.openxmlformats.org/officeDocument/2006/relationships" xmlns:p="http://schemas.openxmlformats.org/presentationml/2006/main">
+  <p:cSld>
+    <p:spTree>
+      <p:nvGrpSpPr>
+        <p:cNvPr id="1" name=""/>
+        <p:cNvGrpSpPr/>
+        <p:nvPr/>
+      </p:nvGrpSpPr>
+      <p:grpSpPr>
+        <a:xfrm>
+          <a:off x="0" y="0"/>
+          <a:ext cx="0" cy="0"/>
+          <a:chOff x="0" y="0"/>
+          <a:chExt cx="0" cy="0"/>
+        </a:xfrm>
+      </p:grpSpPr>
+      <p:sp>
+        <p:nvSpPr>
+          <p:cNvPr id="2" name="Title 1"/>
+          <p:cNvSpPr>
+            <a:spLocks noGrp="1"/>
+          </p:cNvSpPr>
+          <p:nvPr>
+            <p:ph type="title"/>
+          </p:nvPr>
+        </p:nvSpPr>
+        <p:spPr>
+          <a:xfrm>
+            <a:off x="2573601" y="3053030"/>
+            <a:ext cx="4648197" cy="545561"/>
+          </a:xfrm>
+        </p:spPr>
+        <p:txBody>
+          <a:bodyPr/>
+          <a:lstStyle/>
+          <a:p>
+            <a:r>
+              <a:rPr lang="en-US" dirty="0"/>
+              <a:t>Thank you! </a:t>
+            </a:r>
+            <a:r>
+              <a:rPr lang="en-US" dirty="0">
+                <a:sym typeface="Wingdings" panose="05000000000000000000" pitchFamily="2" charset="2"/>
+              </a:rPr>
+              <a:t> </a:t>
+            </a:r>
+            <a:endParaRPr lang="en-SG" dirty="0"/>
+          </a:p>
+        </p:txBody>
+      </p:sp>
+      <p:sp>
+        <p:nvSpPr>
+          <p:cNvPr id="4" name="Footer Placeholder 3"/>
+          <p:cNvSpPr>
+            <a:spLocks noGrp="1"/>
+          </p:cNvSpPr>
+          <p:nvPr>
+            <p:ph type="ftr" sz="quarter" idx="15"/>
+          </p:nvPr>
+        </p:nvSpPr>
+        <p:spPr/>
+        <p:txBody>
+          <a:bodyPr/>
+          <a:lstStyle/>
+          <a:p>
+            <a:pPr algn="l"/>
+            <a:r>
+              <a:rPr lang="en-SG" sz="1000" dirty="0"/>
+              <a:t>© 2018 National University of Singapore. All Rights Reserved</a:t>
+            </a:r>
+            <a:endParaRPr lang="en-SG" dirty="0"/>
+          </a:p>
+        </p:txBody>
+      </p:sp>
+      <p:sp>
+        <p:nvSpPr>
+          <p:cNvPr id="5" name="Slide Number Placeholder 4"/>
+          <p:cNvSpPr>
+            <a:spLocks noGrp="1"/>
+          </p:cNvSpPr>
+          <p:nvPr>
+            <p:ph type="sldNum" sz="quarter" idx="16"/>
+          </p:nvPr>
+        </p:nvSpPr>
+        <p:spPr/>
+        <p:txBody>
+          <a:bodyPr/>
+          <a:lstStyle/>
+          <a:p>
+            <a:fld id="{2F63C605-4FC6-46DE-BC90-871762EA3F52}" type="slidenum">
+              <a:rPr lang="en-SG" smtClean="0"/>
+              <a:pPr/>
+              <a:t>31</a:t>
+            </a:fld>
+            <a:endParaRPr lang="en-SG" dirty="0"/>
+          </a:p>
+        </p:txBody>
+      </p:sp>
+    </p:spTree>
+    <p:extLst>
+      <p:ext uri="{BB962C8B-B14F-4D97-AF65-F5344CB8AC3E}">
+        <p14:creationId xmlns:p14="http://schemas.microsoft.com/office/powerpoint/2010/main" val="3351845363"/>
       </p:ext>
     </p:extLst>
   </p:cSld>

--- a/PracticeModule_Presentation.pptx
+++ b/PracticeModule_Presentation.pptx
@@ -5,10 +5,10 @@
     <p:sldMasterId id="2147483684" r:id="rId1"/>
   </p:sldMasterIdLst>
   <p:notesMasterIdLst>
-    <p:notesMasterId r:id="rId33"/>
+    <p:notesMasterId r:id="rId29"/>
   </p:notesMasterIdLst>
   <p:handoutMasterIdLst>
-    <p:handoutMasterId r:id="rId34"/>
+    <p:handoutMasterId r:id="rId30"/>
   </p:handoutMasterIdLst>
   <p:sldIdLst>
     <p:sldId id="281" r:id="rId2"/>
@@ -37,16 +37,12 @@
     <p:sldId id="516" r:id="rId25"/>
     <p:sldId id="507" r:id="rId26"/>
     <p:sldId id="508" r:id="rId27"/>
-    <p:sldId id="517" r:id="rId28"/>
-    <p:sldId id="518" r:id="rId29"/>
-    <p:sldId id="519" r:id="rId30"/>
-    <p:sldId id="520" r:id="rId31"/>
-    <p:sldId id="370" r:id="rId32"/>
+    <p:sldId id="370" r:id="rId28"/>
   </p:sldIdLst>
   <p:sldSz cx="9144000" cy="6858000" type="screen4x3"/>
   <p:notesSz cx="7099300" cy="10234613"/>
   <p:custDataLst>
-    <p:tags r:id="rId35"/>
+    <p:tags r:id="rId31"/>
   </p:custDataLst>
   <p:defaultTextStyle>
     <a:defPPr>
@@ -2581,35 +2577,14 @@
         </dgm:presLayoutVars>
       </dgm:prSet>
       <dgm:spPr/>
-      <dgm:t>
-        <a:bodyPr/>
-        <a:lstStyle/>
-        <a:p>
-          <a:endParaRPr lang="en-US"/>
-        </a:p>
-      </dgm:t>
     </dgm:pt>
     <dgm:pt modelId="{4B5D39CA-8147-4B81-8770-5E31FC6D1CFB}" type="pres">
       <dgm:prSet presAssocID="{91D0FCC9-0385-42AC-A8E5-78283D5D669C}" presName="sibTrans" presStyleLbl="sibTrans2D1" presStyleIdx="0" presStyleCnt="3"/>
       <dgm:spPr/>
-      <dgm:t>
-        <a:bodyPr/>
-        <a:lstStyle/>
-        <a:p>
-          <a:endParaRPr lang="en-US"/>
-        </a:p>
-      </dgm:t>
     </dgm:pt>
     <dgm:pt modelId="{41341A21-0806-411D-A443-625FA97E4491}" type="pres">
       <dgm:prSet presAssocID="{91D0FCC9-0385-42AC-A8E5-78283D5D669C}" presName="connectorText" presStyleLbl="sibTrans2D1" presStyleIdx="0" presStyleCnt="3"/>
       <dgm:spPr/>
-      <dgm:t>
-        <a:bodyPr/>
-        <a:lstStyle/>
-        <a:p>
-          <a:endParaRPr lang="en-US"/>
-        </a:p>
-      </dgm:t>
     </dgm:pt>
     <dgm:pt modelId="{EA5BC1ED-EB03-45BA-BC56-621EEE9BEBD1}" type="pres">
       <dgm:prSet presAssocID="{92249E20-58D4-4E75-BB12-FE5FBD54F135}" presName="node" presStyleLbl="node1" presStyleIdx="1" presStyleCnt="4">
@@ -2618,35 +2593,14 @@
         </dgm:presLayoutVars>
       </dgm:prSet>
       <dgm:spPr/>
-      <dgm:t>
-        <a:bodyPr/>
-        <a:lstStyle/>
-        <a:p>
-          <a:endParaRPr lang="en-US"/>
-        </a:p>
-      </dgm:t>
     </dgm:pt>
     <dgm:pt modelId="{95B3EF49-35D3-4519-9F1F-B39D5A0566E4}" type="pres">
       <dgm:prSet presAssocID="{0B72DC99-4E95-4ADB-960C-E769354E6A5D}" presName="sibTrans" presStyleLbl="sibTrans2D1" presStyleIdx="1" presStyleCnt="3"/>
       <dgm:spPr/>
-      <dgm:t>
-        <a:bodyPr/>
-        <a:lstStyle/>
-        <a:p>
-          <a:endParaRPr lang="en-US"/>
-        </a:p>
-      </dgm:t>
     </dgm:pt>
     <dgm:pt modelId="{9B203DD1-3145-4590-8ACC-2517ACFE25A8}" type="pres">
       <dgm:prSet presAssocID="{0B72DC99-4E95-4ADB-960C-E769354E6A5D}" presName="connectorText" presStyleLbl="sibTrans2D1" presStyleIdx="1" presStyleCnt="3"/>
       <dgm:spPr/>
-      <dgm:t>
-        <a:bodyPr/>
-        <a:lstStyle/>
-        <a:p>
-          <a:endParaRPr lang="en-US"/>
-        </a:p>
-      </dgm:t>
     </dgm:pt>
     <dgm:pt modelId="{A37733E1-C31E-4430-AEEA-7CC4BDFAF84B}" type="pres">
       <dgm:prSet presAssocID="{38DD500D-6BEB-44F1-A480-39EBC85B7D1B}" presName="node" presStyleLbl="node1" presStyleIdx="2" presStyleCnt="4">
@@ -2655,35 +2609,14 @@
         </dgm:presLayoutVars>
       </dgm:prSet>
       <dgm:spPr/>
-      <dgm:t>
-        <a:bodyPr/>
-        <a:lstStyle/>
-        <a:p>
-          <a:endParaRPr lang="en-US"/>
-        </a:p>
-      </dgm:t>
     </dgm:pt>
     <dgm:pt modelId="{7300E7F4-ED3F-436A-A1F0-90BEABB46E71}" type="pres">
       <dgm:prSet presAssocID="{6D1E928F-781F-462C-A8AC-2A960BFDA67A}" presName="sibTrans" presStyleLbl="sibTrans2D1" presStyleIdx="2" presStyleCnt="3"/>
       <dgm:spPr/>
-      <dgm:t>
-        <a:bodyPr/>
-        <a:lstStyle/>
-        <a:p>
-          <a:endParaRPr lang="en-US"/>
-        </a:p>
-      </dgm:t>
     </dgm:pt>
     <dgm:pt modelId="{D7B13FD1-4A98-4993-ACFA-933B70FB5D81}" type="pres">
       <dgm:prSet presAssocID="{6D1E928F-781F-462C-A8AC-2A960BFDA67A}" presName="connectorText" presStyleLbl="sibTrans2D1" presStyleIdx="2" presStyleCnt="3"/>
       <dgm:spPr/>
-      <dgm:t>
-        <a:bodyPr/>
-        <a:lstStyle/>
-        <a:p>
-          <a:endParaRPr lang="en-US"/>
-        </a:p>
-      </dgm:t>
     </dgm:pt>
     <dgm:pt modelId="{F65F4BF1-A7B9-4C27-8B28-16C04C25982E}" type="pres">
       <dgm:prSet presAssocID="{764C4D4F-B7F7-4995-9F46-8E01C62C581B}" presName="node" presStyleLbl="node1" presStyleIdx="3" presStyleCnt="4">
@@ -2692,30 +2625,23 @@
         </dgm:presLayoutVars>
       </dgm:prSet>
       <dgm:spPr/>
-      <dgm:t>
-        <a:bodyPr/>
-        <a:lstStyle/>
-        <a:p>
-          <a:endParaRPr lang="en-US"/>
-        </a:p>
-      </dgm:t>
     </dgm:pt>
   </dgm:ptLst>
   <dgm:cxnLst>
-    <dgm:cxn modelId="{3EBFAACE-A4CF-4057-9EC8-3A59330D069F}" type="presOf" srcId="{69C95212-ACBD-498E-A011-59076A4285CB}" destId="{4D4E5D9B-DE30-46F3-864F-B20CBCB47B81}" srcOrd="0" destOrd="0" presId="urn:microsoft.com/office/officeart/2005/8/layout/process1"/>
-    <dgm:cxn modelId="{2D076695-4491-4B11-95EC-7786C59603C3}" type="presOf" srcId="{0B72DC99-4E95-4ADB-960C-E769354E6A5D}" destId="{95B3EF49-35D3-4519-9F1F-B39D5A0566E4}" srcOrd="0" destOrd="0" presId="urn:microsoft.com/office/officeart/2005/8/layout/process1"/>
-    <dgm:cxn modelId="{05EBE6A4-21D9-4E6D-96DC-9D3E50C88595}" type="presOf" srcId="{38DD500D-6BEB-44F1-A480-39EBC85B7D1B}" destId="{A37733E1-C31E-4430-AEEA-7CC4BDFAF84B}" srcOrd="0" destOrd="0" presId="urn:microsoft.com/office/officeart/2005/8/layout/process1"/>
+    <dgm:cxn modelId="{23BC981F-CC7C-4D5F-91BD-DE6EC72DB040}" srcId="{9496E0A2-784B-483A-9A32-E68AF617843D}" destId="{69C95212-ACBD-498E-A011-59076A4285CB}" srcOrd="0" destOrd="0" parTransId="{BF3D5BE3-835C-4027-9271-54CEA95A0702}" sibTransId="{91D0FCC9-0385-42AC-A8E5-78283D5D669C}"/>
+    <dgm:cxn modelId="{01F09420-6EB0-4A7F-B4CE-2315FD06751C}" type="presOf" srcId="{6D1E928F-781F-462C-A8AC-2A960BFDA67A}" destId="{D7B13FD1-4A98-4993-ACFA-933B70FB5D81}" srcOrd="1" destOrd="0" presId="urn:microsoft.com/office/officeart/2005/8/layout/process1"/>
+    <dgm:cxn modelId="{31005A28-3819-43FC-A794-27C122A41925}" srcId="{9496E0A2-784B-483A-9A32-E68AF617843D}" destId="{38DD500D-6BEB-44F1-A480-39EBC85B7D1B}" srcOrd="2" destOrd="0" parTransId="{3CE2BC79-A484-4240-A2CB-1BC232A1E53F}" sibTransId="{6D1E928F-781F-462C-A8AC-2A960BFDA67A}"/>
     <dgm:cxn modelId="{B7AF3A68-AEB3-4860-978B-B262BEBB9ECB}" type="presOf" srcId="{6D1E928F-781F-462C-A8AC-2A960BFDA67A}" destId="{7300E7F4-ED3F-436A-A1F0-90BEABB46E71}" srcOrd="0" destOrd="0" presId="urn:microsoft.com/office/officeart/2005/8/layout/process1"/>
-    <dgm:cxn modelId="{31005A28-3819-43FC-A794-27C122A41925}" srcId="{9496E0A2-784B-483A-9A32-E68AF617843D}" destId="{38DD500D-6BEB-44F1-A480-39EBC85B7D1B}" srcOrd="2" destOrd="0" parTransId="{3CE2BC79-A484-4240-A2CB-1BC232A1E53F}" sibTransId="{6D1E928F-781F-462C-A8AC-2A960BFDA67A}"/>
-    <dgm:cxn modelId="{01F09420-6EB0-4A7F-B4CE-2315FD06751C}" type="presOf" srcId="{6D1E928F-781F-462C-A8AC-2A960BFDA67A}" destId="{D7B13FD1-4A98-4993-ACFA-933B70FB5D81}" srcOrd="1" destOrd="0" presId="urn:microsoft.com/office/officeart/2005/8/layout/process1"/>
-    <dgm:cxn modelId="{1530AF90-D573-4EFA-A3BC-840C3370D71B}" srcId="{9496E0A2-784B-483A-9A32-E68AF617843D}" destId="{764C4D4F-B7F7-4995-9F46-8E01C62C581B}" srcOrd="3" destOrd="0" parTransId="{A6A82594-4016-4707-8656-642BA426B3D4}" sibTransId="{356D9044-9DCA-4929-92DF-A2BDE3B61A47}"/>
-    <dgm:cxn modelId="{D1CF8BBB-F3E6-4482-8B69-D1BE9774788E}" type="presOf" srcId="{91D0FCC9-0385-42AC-A8E5-78283D5D669C}" destId="{4B5D39CA-8147-4B81-8770-5E31FC6D1CFB}" srcOrd="0" destOrd="0" presId="urn:microsoft.com/office/officeart/2005/8/layout/process1"/>
-    <dgm:cxn modelId="{5E0FD1A2-149D-4CF9-AEE7-688223EDC542}" type="presOf" srcId="{764C4D4F-B7F7-4995-9F46-8E01C62C581B}" destId="{F65F4BF1-A7B9-4C27-8B28-16C04C25982E}" srcOrd="0" destOrd="0" presId="urn:microsoft.com/office/officeart/2005/8/layout/process1"/>
-    <dgm:cxn modelId="{79D506E8-F752-4BA4-B280-EF0BEBC86F63}" srcId="{9496E0A2-784B-483A-9A32-E68AF617843D}" destId="{92249E20-58D4-4E75-BB12-FE5FBD54F135}" srcOrd="1" destOrd="0" parTransId="{105B3AA3-CBE4-4ECA-BC44-B6DCA5E7A036}" sibTransId="{0B72DC99-4E95-4ADB-960C-E769354E6A5D}"/>
-    <dgm:cxn modelId="{23BC981F-CC7C-4D5F-91BD-DE6EC72DB040}" srcId="{9496E0A2-784B-483A-9A32-E68AF617843D}" destId="{69C95212-ACBD-498E-A011-59076A4285CB}" srcOrd="0" destOrd="0" parTransId="{BF3D5BE3-835C-4027-9271-54CEA95A0702}" sibTransId="{91D0FCC9-0385-42AC-A8E5-78283D5D669C}"/>
     <dgm:cxn modelId="{F4BB5269-9705-4D80-8BF8-3B73A8F8EE8D}" type="presOf" srcId="{91D0FCC9-0385-42AC-A8E5-78283D5D669C}" destId="{41341A21-0806-411D-A443-625FA97E4491}" srcOrd="1" destOrd="0" presId="urn:microsoft.com/office/officeart/2005/8/layout/process1"/>
     <dgm:cxn modelId="{FEAE6454-4E5D-4190-8A76-D27FC4FC4790}" type="presOf" srcId="{9496E0A2-784B-483A-9A32-E68AF617843D}" destId="{9EA8A120-7984-4A2B-9532-24393BA5D7A2}" srcOrd="0" destOrd="0" presId="urn:microsoft.com/office/officeart/2005/8/layout/process1"/>
     <dgm:cxn modelId="{F8BD9F76-8AA1-4A33-B686-C2C5DEA97305}" type="presOf" srcId="{0B72DC99-4E95-4ADB-960C-E769354E6A5D}" destId="{9B203DD1-3145-4590-8ACC-2517ACFE25A8}" srcOrd="1" destOrd="0" presId="urn:microsoft.com/office/officeart/2005/8/layout/process1"/>
+    <dgm:cxn modelId="{1530AF90-D573-4EFA-A3BC-840C3370D71B}" srcId="{9496E0A2-784B-483A-9A32-E68AF617843D}" destId="{764C4D4F-B7F7-4995-9F46-8E01C62C581B}" srcOrd="3" destOrd="0" parTransId="{A6A82594-4016-4707-8656-642BA426B3D4}" sibTransId="{356D9044-9DCA-4929-92DF-A2BDE3B61A47}"/>
+    <dgm:cxn modelId="{2D076695-4491-4B11-95EC-7786C59603C3}" type="presOf" srcId="{0B72DC99-4E95-4ADB-960C-E769354E6A5D}" destId="{95B3EF49-35D3-4519-9F1F-B39D5A0566E4}" srcOrd="0" destOrd="0" presId="urn:microsoft.com/office/officeart/2005/8/layout/process1"/>
+    <dgm:cxn modelId="{5E0FD1A2-149D-4CF9-AEE7-688223EDC542}" type="presOf" srcId="{764C4D4F-B7F7-4995-9F46-8E01C62C581B}" destId="{F65F4BF1-A7B9-4C27-8B28-16C04C25982E}" srcOrd="0" destOrd="0" presId="urn:microsoft.com/office/officeart/2005/8/layout/process1"/>
+    <dgm:cxn modelId="{05EBE6A4-21D9-4E6D-96DC-9D3E50C88595}" type="presOf" srcId="{38DD500D-6BEB-44F1-A480-39EBC85B7D1B}" destId="{A37733E1-C31E-4430-AEEA-7CC4BDFAF84B}" srcOrd="0" destOrd="0" presId="urn:microsoft.com/office/officeart/2005/8/layout/process1"/>
+    <dgm:cxn modelId="{D1CF8BBB-F3E6-4482-8B69-D1BE9774788E}" type="presOf" srcId="{91D0FCC9-0385-42AC-A8E5-78283D5D669C}" destId="{4B5D39CA-8147-4B81-8770-5E31FC6D1CFB}" srcOrd="0" destOrd="0" presId="urn:microsoft.com/office/officeart/2005/8/layout/process1"/>
+    <dgm:cxn modelId="{3EBFAACE-A4CF-4057-9EC8-3A59330D069F}" type="presOf" srcId="{69C95212-ACBD-498E-A011-59076A4285CB}" destId="{4D4E5D9B-DE30-46F3-864F-B20CBCB47B81}" srcOrd="0" destOrd="0" presId="urn:microsoft.com/office/officeart/2005/8/layout/process1"/>
+    <dgm:cxn modelId="{79D506E8-F752-4BA4-B280-EF0BEBC86F63}" srcId="{9496E0A2-784B-483A-9A32-E68AF617843D}" destId="{92249E20-58D4-4E75-BB12-FE5FBD54F135}" srcOrd="1" destOrd="0" parTransId="{105B3AA3-CBE4-4ECA-BC44-B6DCA5E7A036}" sibTransId="{0B72DC99-4E95-4ADB-960C-E769354E6A5D}"/>
     <dgm:cxn modelId="{099D99FB-52B2-434C-BA10-1675505A420B}" type="presOf" srcId="{92249E20-58D4-4E75-BB12-FE5FBD54F135}" destId="{EA5BC1ED-EB03-45BA-BC56-621EEE9BEBD1}" srcOrd="0" destOrd="0" presId="urn:microsoft.com/office/officeart/2005/8/layout/process1"/>
     <dgm:cxn modelId="{DA8115C2-D2F4-4CCB-9D90-0A509018B8F1}" type="presParOf" srcId="{9EA8A120-7984-4A2B-9532-24393BA5D7A2}" destId="{4D4E5D9B-DE30-46F3-864F-B20CBCB47B81}" srcOrd="0" destOrd="0" presId="urn:microsoft.com/office/officeart/2005/8/layout/process1"/>
     <dgm:cxn modelId="{0C3F32CC-6A85-4291-B66A-941971627454}" type="presParOf" srcId="{9EA8A120-7984-4A2B-9532-24393BA5D7A2}" destId="{4B5D39CA-8147-4B81-8770-5E31FC6D1CFB}" srcOrd="1" destOrd="0" presId="urn:microsoft.com/office/officeart/2005/8/layout/process1"/>
@@ -3107,13 +3033,6 @@
         </dgm:presLayoutVars>
       </dgm:prSet>
       <dgm:spPr/>
-      <dgm:t>
-        <a:bodyPr/>
-        <a:lstStyle/>
-        <a:p>
-          <a:endParaRPr lang="en-US"/>
-        </a:p>
-      </dgm:t>
     </dgm:pt>
     <dgm:pt modelId="{189D6A4B-21E2-4FCD-A1A9-B0A37070679D}" type="pres">
       <dgm:prSet presAssocID="{6909E702-DF4A-4621-83E4-C7AE51A47D48}" presName="node" presStyleLbl="node1" presStyleIdx="0" presStyleCnt="8">
@@ -3122,35 +3041,14 @@
         </dgm:presLayoutVars>
       </dgm:prSet>
       <dgm:spPr/>
-      <dgm:t>
-        <a:bodyPr/>
-        <a:lstStyle/>
-        <a:p>
-          <a:endParaRPr lang="en-US"/>
-        </a:p>
-      </dgm:t>
     </dgm:pt>
     <dgm:pt modelId="{E5D9E9D1-B554-4B69-88C2-23DB15039166}" type="pres">
       <dgm:prSet presAssocID="{76AC9EB8-B499-4014-9C2D-CF84A71AB784}" presName="sibTrans" presStyleLbl="sibTrans2D1" presStyleIdx="0" presStyleCnt="7"/>
       <dgm:spPr/>
-      <dgm:t>
-        <a:bodyPr/>
-        <a:lstStyle/>
-        <a:p>
-          <a:endParaRPr lang="en-US"/>
-        </a:p>
-      </dgm:t>
     </dgm:pt>
     <dgm:pt modelId="{7BEE8685-09E9-4964-906A-51AD9B41B2B2}" type="pres">
       <dgm:prSet presAssocID="{76AC9EB8-B499-4014-9C2D-CF84A71AB784}" presName="connectorText" presStyleLbl="sibTrans2D1" presStyleIdx="0" presStyleCnt="7"/>
       <dgm:spPr/>
-      <dgm:t>
-        <a:bodyPr/>
-        <a:lstStyle/>
-        <a:p>
-          <a:endParaRPr lang="en-US"/>
-        </a:p>
-      </dgm:t>
     </dgm:pt>
     <dgm:pt modelId="{D5C5BD5A-4727-46B4-AED3-2156E2F1911C}" type="pres">
       <dgm:prSet presAssocID="{16DB864F-1D40-4E34-8BD9-F1C660CD2CFB}" presName="node" presStyleLbl="node1" presStyleIdx="1" presStyleCnt="8" custScaleX="177674">
@@ -3159,35 +3057,14 @@
         </dgm:presLayoutVars>
       </dgm:prSet>
       <dgm:spPr/>
-      <dgm:t>
-        <a:bodyPr/>
-        <a:lstStyle/>
-        <a:p>
-          <a:endParaRPr lang="en-US"/>
-        </a:p>
-      </dgm:t>
     </dgm:pt>
     <dgm:pt modelId="{70E8EFBD-24AF-49C1-AB74-E0E433B72786}" type="pres">
       <dgm:prSet presAssocID="{0CC9A380-740E-4425-AC43-31F4F13B3004}" presName="sibTrans" presStyleLbl="sibTrans2D1" presStyleIdx="1" presStyleCnt="7"/>
       <dgm:spPr/>
-      <dgm:t>
-        <a:bodyPr/>
-        <a:lstStyle/>
-        <a:p>
-          <a:endParaRPr lang="en-US"/>
-        </a:p>
-      </dgm:t>
     </dgm:pt>
     <dgm:pt modelId="{6C363702-4613-491B-B93A-F5677269E603}" type="pres">
       <dgm:prSet presAssocID="{0CC9A380-740E-4425-AC43-31F4F13B3004}" presName="connectorText" presStyleLbl="sibTrans2D1" presStyleIdx="1" presStyleCnt="7"/>
       <dgm:spPr/>
-      <dgm:t>
-        <a:bodyPr/>
-        <a:lstStyle/>
-        <a:p>
-          <a:endParaRPr lang="en-US"/>
-        </a:p>
-      </dgm:t>
     </dgm:pt>
     <dgm:pt modelId="{5E07831F-96AB-45D4-BDD8-76735DEC4F3D}" type="pres">
       <dgm:prSet presAssocID="{B0120D59-46F5-4609-8A90-D19147655A7C}" presName="node" presStyleLbl="node1" presStyleIdx="2" presStyleCnt="8" custScaleX="178712">
@@ -3196,35 +3073,14 @@
         </dgm:presLayoutVars>
       </dgm:prSet>
       <dgm:spPr/>
-      <dgm:t>
-        <a:bodyPr/>
-        <a:lstStyle/>
-        <a:p>
-          <a:endParaRPr lang="en-US"/>
-        </a:p>
-      </dgm:t>
     </dgm:pt>
     <dgm:pt modelId="{C3ADE6CA-9FE3-4A69-9EF9-3DEB92BC6215}" type="pres">
       <dgm:prSet presAssocID="{05504F13-8F6D-4A96-A060-7C7C04BCCDC5}" presName="sibTrans" presStyleLbl="sibTrans2D1" presStyleIdx="2" presStyleCnt="7"/>
       <dgm:spPr/>
-      <dgm:t>
-        <a:bodyPr/>
-        <a:lstStyle/>
-        <a:p>
-          <a:endParaRPr lang="en-US"/>
-        </a:p>
-      </dgm:t>
     </dgm:pt>
     <dgm:pt modelId="{FC02DA56-149D-4855-9DCF-0DD82448A01C}" type="pres">
       <dgm:prSet presAssocID="{05504F13-8F6D-4A96-A060-7C7C04BCCDC5}" presName="connectorText" presStyleLbl="sibTrans2D1" presStyleIdx="2" presStyleCnt="7"/>
       <dgm:spPr/>
-      <dgm:t>
-        <a:bodyPr/>
-        <a:lstStyle/>
-        <a:p>
-          <a:endParaRPr lang="en-US"/>
-        </a:p>
-      </dgm:t>
     </dgm:pt>
     <dgm:pt modelId="{015423F5-9245-4C68-91D2-E0D99B323ECB}" type="pres">
       <dgm:prSet presAssocID="{4E8DDCF5-1131-4B7B-8DC9-CA1D909DEB4C}" presName="node" presStyleLbl="node1" presStyleIdx="3" presStyleCnt="8" custScaleX="181548">
@@ -3233,35 +3089,14 @@
         </dgm:presLayoutVars>
       </dgm:prSet>
       <dgm:spPr/>
-      <dgm:t>
-        <a:bodyPr/>
-        <a:lstStyle/>
-        <a:p>
-          <a:endParaRPr lang="en-US"/>
-        </a:p>
-      </dgm:t>
     </dgm:pt>
     <dgm:pt modelId="{BB051662-59CA-41A7-A56A-FFBA00380174}" type="pres">
       <dgm:prSet presAssocID="{1E64BDA1-8C1C-4293-9ECF-B16190F3555C}" presName="sibTrans" presStyleLbl="sibTrans2D1" presStyleIdx="3" presStyleCnt="7"/>
       <dgm:spPr/>
-      <dgm:t>
-        <a:bodyPr/>
-        <a:lstStyle/>
-        <a:p>
-          <a:endParaRPr lang="en-US"/>
-        </a:p>
-      </dgm:t>
     </dgm:pt>
     <dgm:pt modelId="{85ACBFE3-ED12-472D-9155-8AECC46A625D}" type="pres">
       <dgm:prSet presAssocID="{1E64BDA1-8C1C-4293-9ECF-B16190F3555C}" presName="connectorText" presStyleLbl="sibTrans2D1" presStyleIdx="3" presStyleCnt="7"/>
       <dgm:spPr/>
-      <dgm:t>
-        <a:bodyPr/>
-        <a:lstStyle/>
-        <a:p>
-          <a:endParaRPr lang="en-US"/>
-        </a:p>
-      </dgm:t>
     </dgm:pt>
     <dgm:pt modelId="{DE8A9ADE-4EA7-4E5F-9B22-8F0A88EF3F94}" type="pres">
       <dgm:prSet presAssocID="{6BB4A08D-9009-408D-A672-847AAAD9D481}" presName="node" presStyleLbl="node1" presStyleIdx="4" presStyleCnt="8" custScaleX="184493">
@@ -3270,35 +3105,14 @@
         </dgm:presLayoutVars>
       </dgm:prSet>
       <dgm:spPr/>
-      <dgm:t>
-        <a:bodyPr/>
-        <a:lstStyle/>
-        <a:p>
-          <a:endParaRPr lang="en-US"/>
-        </a:p>
-      </dgm:t>
     </dgm:pt>
     <dgm:pt modelId="{99F1D40A-DB5B-4C5D-98D8-82EDE31912FE}" type="pres">
       <dgm:prSet presAssocID="{F27D3CED-FAAD-45A0-B25C-96C0B097E61C}" presName="sibTrans" presStyleLbl="sibTrans2D1" presStyleIdx="4" presStyleCnt="7"/>
       <dgm:spPr/>
-      <dgm:t>
-        <a:bodyPr/>
-        <a:lstStyle/>
-        <a:p>
-          <a:endParaRPr lang="en-US"/>
-        </a:p>
-      </dgm:t>
     </dgm:pt>
     <dgm:pt modelId="{228957F4-EE3C-408A-83BB-E73D4ED2802F}" type="pres">
       <dgm:prSet presAssocID="{F27D3CED-FAAD-45A0-B25C-96C0B097E61C}" presName="connectorText" presStyleLbl="sibTrans2D1" presStyleIdx="4" presStyleCnt="7"/>
       <dgm:spPr/>
-      <dgm:t>
-        <a:bodyPr/>
-        <a:lstStyle/>
-        <a:p>
-          <a:endParaRPr lang="en-US"/>
-        </a:p>
-      </dgm:t>
     </dgm:pt>
     <dgm:pt modelId="{52BF1B02-38BA-490D-B49F-F7F428D4159F}" type="pres">
       <dgm:prSet presAssocID="{F77B9BF5-4593-4B18-BA5C-8BE2B8071A44}" presName="node" presStyleLbl="node1" presStyleIdx="5" presStyleCnt="8" custScaleX="183378">
@@ -3307,35 +3121,14 @@
         </dgm:presLayoutVars>
       </dgm:prSet>
       <dgm:spPr/>
-      <dgm:t>
-        <a:bodyPr/>
-        <a:lstStyle/>
-        <a:p>
-          <a:endParaRPr lang="en-US"/>
-        </a:p>
-      </dgm:t>
     </dgm:pt>
     <dgm:pt modelId="{FFAB1546-EE89-4905-B200-014D9D15DEB5}" type="pres">
       <dgm:prSet presAssocID="{B8A5FD80-BDA8-4DB0-BAA6-7D996DB83F32}" presName="sibTrans" presStyleLbl="sibTrans2D1" presStyleIdx="5" presStyleCnt="7"/>
       <dgm:spPr/>
-      <dgm:t>
-        <a:bodyPr/>
-        <a:lstStyle/>
-        <a:p>
-          <a:endParaRPr lang="en-US"/>
-        </a:p>
-      </dgm:t>
     </dgm:pt>
     <dgm:pt modelId="{F99DF6A8-FCCC-45FE-984E-74BB5D13A325}" type="pres">
       <dgm:prSet presAssocID="{B8A5FD80-BDA8-4DB0-BAA6-7D996DB83F32}" presName="connectorText" presStyleLbl="sibTrans2D1" presStyleIdx="5" presStyleCnt="7"/>
       <dgm:spPr/>
-      <dgm:t>
-        <a:bodyPr/>
-        <a:lstStyle/>
-        <a:p>
-          <a:endParaRPr lang="en-US"/>
-        </a:p>
-      </dgm:t>
     </dgm:pt>
     <dgm:pt modelId="{CFBA9DB8-BD38-47A9-83E9-C039D73A7363}" type="pres">
       <dgm:prSet presAssocID="{44D9E930-28F8-42A2-AEDE-C2AF9832F680}" presName="node" presStyleLbl="node1" presStyleIdx="6" presStyleCnt="8" custScaleX="187609">
@@ -3344,35 +3137,14 @@
         </dgm:presLayoutVars>
       </dgm:prSet>
       <dgm:spPr/>
-      <dgm:t>
-        <a:bodyPr/>
-        <a:lstStyle/>
-        <a:p>
-          <a:endParaRPr lang="en-US"/>
-        </a:p>
-      </dgm:t>
     </dgm:pt>
     <dgm:pt modelId="{AA747EB2-8553-4BFB-A459-0AE4760BF603}" type="pres">
       <dgm:prSet presAssocID="{BEF039B9-78B3-44AC-BCD2-D5D97EFF241A}" presName="sibTrans" presStyleLbl="sibTrans2D1" presStyleIdx="6" presStyleCnt="7"/>
       <dgm:spPr/>
-      <dgm:t>
-        <a:bodyPr/>
-        <a:lstStyle/>
-        <a:p>
-          <a:endParaRPr lang="en-US"/>
-        </a:p>
-      </dgm:t>
     </dgm:pt>
     <dgm:pt modelId="{6B4A65B5-2DFC-4228-9C5F-110DC47622B7}" type="pres">
       <dgm:prSet presAssocID="{BEF039B9-78B3-44AC-BCD2-D5D97EFF241A}" presName="connectorText" presStyleLbl="sibTrans2D1" presStyleIdx="6" presStyleCnt="7"/>
       <dgm:spPr/>
-      <dgm:t>
-        <a:bodyPr/>
-        <a:lstStyle/>
-        <a:p>
-          <a:endParaRPr lang="en-US"/>
-        </a:p>
-      </dgm:t>
     </dgm:pt>
     <dgm:pt modelId="{C66BF0E9-CB5D-486D-B436-1555A05A59F0}" type="pres">
       <dgm:prSet presAssocID="{9A14F079-F04B-4CC9-9700-618484CACBA1}" presName="node" presStyleLbl="node1" presStyleIdx="7" presStyleCnt="8">
@@ -3381,46 +3153,39 @@
         </dgm:presLayoutVars>
       </dgm:prSet>
       <dgm:spPr/>
-      <dgm:t>
-        <a:bodyPr/>
-        <a:lstStyle/>
-        <a:p>
-          <a:endParaRPr lang="en-US"/>
-        </a:p>
-      </dgm:t>
     </dgm:pt>
   </dgm:ptLst>
   <dgm:cxnLst>
-    <dgm:cxn modelId="{CA6ECBB7-3C85-4C7D-B933-A652218F8480}" type="presOf" srcId="{76AC9EB8-B499-4014-9C2D-CF84A71AB784}" destId="{E5D9E9D1-B554-4B69-88C2-23DB15039166}" srcOrd="0" destOrd="0" presId="urn:microsoft.com/office/officeart/2005/8/layout/process2"/>
+    <dgm:cxn modelId="{1B41AA09-DD62-4EB7-9BBC-88AFF9167CB2}" type="presOf" srcId="{BEF039B9-78B3-44AC-BCD2-D5D97EFF241A}" destId="{6B4A65B5-2DFC-4228-9C5F-110DC47622B7}" srcOrd="1" destOrd="0" presId="urn:microsoft.com/office/officeart/2005/8/layout/process2"/>
+    <dgm:cxn modelId="{CCBB2E18-AEAA-4DC0-9E3C-F88CDCA45059}" type="presOf" srcId="{F27D3CED-FAAD-45A0-B25C-96C0B097E61C}" destId="{228957F4-EE3C-408A-83BB-E73D4ED2802F}" srcOrd="1" destOrd="0" presId="urn:microsoft.com/office/officeart/2005/8/layout/process2"/>
+    <dgm:cxn modelId="{F848FD1B-9938-40DA-B871-80D23B94C0A1}" srcId="{831248B5-42BE-41CC-B00B-93FDF821FE9F}" destId="{6BB4A08D-9009-408D-A672-847AAAD9D481}" srcOrd="4" destOrd="0" parTransId="{41DA4F41-3DCF-4131-AA4C-8DFB2599D393}" sibTransId="{F27D3CED-FAAD-45A0-B25C-96C0B097E61C}"/>
+    <dgm:cxn modelId="{417CA51D-93DA-40F2-8DB1-5C199B54D276}" type="presOf" srcId="{6909E702-DF4A-4621-83E4-C7AE51A47D48}" destId="{189D6A4B-21E2-4FCD-A1A9-B0A37070679D}" srcOrd="0" destOrd="0" presId="urn:microsoft.com/office/officeart/2005/8/layout/process2"/>
+    <dgm:cxn modelId="{D497E32E-9E75-4ED1-AB75-FDC6416370FF}" type="presOf" srcId="{1E64BDA1-8C1C-4293-9ECF-B16190F3555C}" destId="{85ACBFE3-ED12-472D-9155-8AECC46A625D}" srcOrd="1" destOrd="0" presId="urn:microsoft.com/office/officeart/2005/8/layout/process2"/>
+    <dgm:cxn modelId="{6B5C7332-53C1-44A1-987C-DD115C27287D}" type="presOf" srcId="{B0120D59-46F5-4609-8A90-D19147655A7C}" destId="{5E07831F-96AB-45D4-BDD8-76735DEC4F3D}" srcOrd="0" destOrd="0" presId="urn:microsoft.com/office/officeart/2005/8/layout/process2"/>
+    <dgm:cxn modelId="{94C5DB3A-31F4-43ED-AF25-F5889F60EB0E}" type="presOf" srcId="{4E8DDCF5-1131-4B7B-8DC9-CA1D909DEB4C}" destId="{015423F5-9245-4C68-91D2-E0D99B323ECB}" srcOrd="0" destOrd="0" presId="urn:microsoft.com/office/officeart/2005/8/layout/process2"/>
+    <dgm:cxn modelId="{67A6795E-B981-4D59-8045-63955DC05E94}" type="presOf" srcId="{B8A5FD80-BDA8-4DB0-BAA6-7D996DB83F32}" destId="{F99DF6A8-FCCC-45FE-984E-74BB5D13A325}" srcOrd="1" destOrd="0" presId="urn:microsoft.com/office/officeart/2005/8/layout/process2"/>
     <dgm:cxn modelId="{B1AAA544-2A7A-462B-8263-6FCDC6C98228}" type="presOf" srcId="{0CC9A380-740E-4425-AC43-31F4F13B3004}" destId="{6C363702-4613-491B-B93A-F5677269E603}" srcOrd="1" destOrd="0" presId="urn:microsoft.com/office/officeart/2005/8/layout/process2"/>
-    <dgm:cxn modelId="{97036991-5E3A-46EC-8150-B28E18F668ED}" type="presOf" srcId="{1E64BDA1-8C1C-4293-9ECF-B16190F3555C}" destId="{BB051662-59CA-41A7-A56A-FFBA00380174}" srcOrd="0" destOrd="0" presId="urn:microsoft.com/office/officeart/2005/8/layout/process2"/>
-    <dgm:cxn modelId="{62E71CF5-02C6-426F-B29D-352D349A767B}" type="presOf" srcId="{831248B5-42BE-41CC-B00B-93FDF821FE9F}" destId="{D7B6869B-4E62-4ED6-98D4-117812227983}" srcOrd="0" destOrd="0" presId="urn:microsoft.com/office/officeart/2005/8/layout/process2"/>
-    <dgm:cxn modelId="{C1508D8D-DC9F-4A4C-B426-EDCB0C2D4635}" type="presOf" srcId="{BEF039B9-78B3-44AC-BCD2-D5D97EFF241A}" destId="{AA747EB2-8553-4BFB-A459-0AE4760BF603}" srcOrd="0" destOrd="0" presId="urn:microsoft.com/office/officeart/2005/8/layout/process2"/>
-    <dgm:cxn modelId="{9E8B0EC8-CDD5-4D01-BB78-42B94FC3B680}" srcId="{831248B5-42BE-41CC-B00B-93FDF821FE9F}" destId="{44D9E930-28F8-42A2-AEDE-C2AF9832F680}" srcOrd="6" destOrd="0" parTransId="{F461D74D-E1BE-4262-9A51-8AF93A2A9DAE}" sibTransId="{BEF039B9-78B3-44AC-BCD2-D5D97EFF241A}"/>
-    <dgm:cxn modelId="{AFB1F2F6-1307-4941-86BA-4A12F4B9B558}" type="presOf" srcId="{05504F13-8F6D-4A96-A060-7C7C04BCCDC5}" destId="{C3ADE6CA-9FE3-4A69-9EF9-3DEB92BC6215}" srcOrd="0" destOrd="0" presId="urn:microsoft.com/office/officeart/2005/8/layout/process2"/>
-    <dgm:cxn modelId="{417CA51D-93DA-40F2-8DB1-5C199B54D276}" type="presOf" srcId="{6909E702-DF4A-4621-83E4-C7AE51A47D48}" destId="{189D6A4B-21E2-4FCD-A1A9-B0A37070679D}" srcOrd="0" destOrd="0" presId="urn:microsoft.com/office/officeart/2005/8/layout/process2"/>
-    <dgm:cxn modelId="{D724B969-C453-40A9-A4DD-724E37D812DE}" type="presOf" srcId="{16DB864F-1D40-4E34-8BD9-F1C660CD2CFB}" destId="{D5C5BD5A-4727-46B4-AED3-2156E2F1911C}" srcOrd="0" destOrd="0" presId="urn:microsoft.com/office/officeart/2005/8/layout/process2"/>
-    <dgm:cxn modelId="{1B41AA09-DD62-4EB7-9BBC-88AFF9167CB2}" type="presOf" srcId="{BEF039B9-78B3-44AC-BCD2-D5D97EFF241A}" destId="{6B4A65B5-2DFC-4228-9C5F-110DC47622B7}" srcOrd="1" destOrd="0" presId="urn:microsoft.com/office/officeart/2005/8/layout/process2"/>
-    <dgm:cxn modelId="{F848FD1B-9938-40DA-B871-80D23B94C0A1}" srcId="{831248B5-42BE-41CC-B00B-93FDF821FE9F}" destId="{6BB4A08D-9009-408D-A672-847AAAD9D481}" srcOrd="4" destOrd="0" parTransId="{41DA4F41-3DCF-4131-AA4C-8DFB2599D393}" sibTransId="{F27D3CED-FAAD-45A0-B25C-96C0B097E61C}"/>
-    <dgm:cxn modelId="{74E0374E-C34F-4DBF-9C88-16D4690BFED2}" type="presOf" srcId="{F27D3CED-FAAD-45A0-B25C-96C0B097E61C}" destId="{99F1D40A-DB5B-4C5D-98D8-82EDE31912FE}" srcOrd="0" destOrd="0" presId="urn:microsoft.com/office/officeart/2005/8/layout/process2"/>
-    <dgm:cxn modelId="{E273DFAF-B31F-4432-9592-248697CD484E}" type="presOf" srcId="{0CC9A380-740E-4425-AC43-31F4F13B3004}" destId="{70E8EFBD-24AF-49C1-AB74-E0E433B72786}" srcOrd="0" destOrd="0" presId="urn:microsoft.com/office/officeart/2005/8/layout/process2"/>
-    <dgm:cxn modelId="{94C5DB3A-31F4-43ED-AF25-F5889F60EB0E}" type="presOf" srcId="{4E8DDCF5-1131-4B7B-8DC9-CA1D909DEB4C}" destId="{015423F5-9245-4C68-91D2-E0D99B323ECB}" srcOrd="0" destOrd="0" presId="urn:microsoft.com/office/officeart/2005/8/layout/process2"/>
     <dgm:cxn modelId="{3C976765-D4C8-4738-B7C4-C1318D78CD1F}" srcId="{831248B5-42BE-41CC-B00B-93FDF821FE9F}" destId="{6909E702-DF4A-4621-83E4-C7AE51A47D48}" srcOrd="0" destOrd="0" parTransId="{1DE2D664-EDBC-46EB-96F3-DDBF3F502ACD}" sibTransId="{76AC9EB8-B499-4014-9C2D-CF84A71AB784}"/>
     <dgm:cxn modelId="{F15E6F49-4000-47CC-8885-1783141097E5}" srcId="{831248B5-42BE-41CC-B00B-93FDF821FE9F}" destId="{9A14F079-F04B-4CC9-9700-618484CACBA1}" srcOrd="7" destOrd="0" parTransId="{6B6E3BE4-034D-49F9-B705-99516622DF0B}" sibTransId="{E9A69AA7-B434-477C-A848-F3319E85C266}"/>
-    <dgm:cxn modelId="{902323CF-0A5E-4ECB-AB85-D3ACCE8529C8}" type="presOf" srcId="{76AC9EB8-B499-4014-9C2D-CF84A71AB784}" destId="{7BEE8685-09E9-4964-906A-51AD9B41B2B2}" srcOrd="1" destOrd="0" presId="urn:microsoft.com/office/officeart/2005/8/layout/process2"/>
+    <dgm:cxn modelId="{D724B969-C453-40A9-A4DD-724E37D812DE}" type="presOf" srcId="{16DB864F-1D40-4E34-8BD9-F1C660CD2CFB}" destId="{D5C5BD5A-4727-46B4-AED3-2156E2F1911C}" srcOrd="0" destOrd="0" presId="urn:microsoft.com/office/officeart/2005/8/layout/process2"/>
+    <dgm:cxn modelId="{70AE856C-5F5E-4DEC-B46B-465564D97C8A}" type="presOf" srcId="{05504F13-8F6D-4A96-A060-7C7C04BCCDC5}" destId="{FC02DA56-149D-4855-9DCF-0DD82448A01C}" srcOrd="1" destOrd="0" presId="urn:microsoft.com/office/officeart/2005/8/layout/process2"/>
+    <dgm:cxn modelId="{74E0374E-C34F-4DBF-9C88-16D4690BFED2}" type="presOf" srcId="{F27D3CED-FAAD-45A0-B25C-96C0B097E61C}" destId="{99F1D40A-DB5B-4C5D-98D8-82EDE31912FE}" srcOrd="0" destOrd="0" presId="urn:microsoft.com/office/officeart/2005/8/layout/process2"/>
+    <dgm:cxn modelId="{C1508D8D-DC9F-4A4C-B426-EDCB0C2D4635}" type="presOf" srcId="{BEF039B9-78B3-44AC-BCD2-D5D97EFF241A}" destId="{AA747EB2-8553-4BFB-A459-0AE4760BF603}" srcOrd="0" destOrd="0" presId="urn:microsoft.com/office/officeart/2005/8/layout/process2"/>
+    <dgm:cxn modelId="{97036991-5E3A-46EC-8150-B28E18F668ED}" type="presOf" srcId="{1E64BDA1-8C1C-4293-9ECF-B16190F3555C}" destId="{BB051662-59CA-41A7-A56A-FFBA00380174}" srcOrd="0" destOrd="0" presId="urn:microsoft.com/office/officeart/2005/8/layout/process2"/>
+    <dgm:cxn modelId="{1FAAEAA8-DA69-4D24-A321-784C7150EC4E}" srcId="{831248B5-42BE-41CC-B00B-93FDF821FE9F}" destId="{16DB864F-1D40-4E34-8BD9-F1C660CD2CFB}" srcOrd="1" destOrd="0" parTransId="{93C0F5D2-7285-4DBC-9CFC-540D03F09FCC}" sibTransId="{0CC9A380-740E-4425-AC43-31F4F13B3004}"/>
+    <dgm:cxn modelId="{E273DFAF-B31F-4432-9592-248697CD484E}" type="presOf" srcId="{0CC9A380-740E-4425-AC43-31F4F13B3004}" destId="{70E8EFBD-24AF-49C1-AB74-E0E433B72786}" srcOrd="0" destOrd="0" presId="urn:microsoft.com/office/officeart/2005/8/layout/process2"/>
+    <dgm:cxn modelId="{2BFA0FB1-DBF7-4A7A-A74C-9B7753CD19FE}" type="presOf" srcId="{F77B9BF5-4593-4B18-BA5C-8BE2B8071A44}" destId="{52BF1B02-38BA-490D-B49F-F7F428D4159F}" srcOrd="0" destOrd="0" presId="urn:microsoft.com/office/officeart/2005/8/layout/process2"/>
+    <dgm:cxn modelId="{CA6ECBB7-3C85-4C7D-B933-A652218F8480}" type="presOf" srcId="{76AC9EB8-B499-4014-9C2D-CF84A71AB784}" destId="{E5D9E9D1-B554-4B69-88C2-23DB15039166}" srcOrd="0" destOrd="0" presId="urn:microsoft.com/office/officeart/2005/8/layout/process2"/>
     <dgm:cxn modelId="{2D6458B8-D429-4A32-8FAC-D38FBB9C07AF}" type="presOf" srcId="{9A14F079-F04B-4CC9-9700-618484CACBA1}" destId="{C66BF0E9-CB5D-486D-B436-1555A05A59F0}" srcOrd="0" destOrd="0" presId="urn:microsoft.com/office/officeart/2005/8/layout/process2"/>
     <dgm:cxn modelId="{BE13A2BF-22E0-4EFB-A743-7E04366FF557}" type="presOf" srcId="{44D9E930-28F8-42A2-AEDE-C2AF9832F680}" destId="{CFBA9DB8-BD38-47A9-83E9-C039D73A7363}" srcOrd="0" destOrd="0" presId="urn:microsoft.com/office/officeart/2005/8/layout/process2"/>
-    <dgm:cxn modelId="{67A6795E-B981-4D59-8045-63955DC05E94}" type="presOf" srcId="{B8A5FD80-BDA8-4DB0-BAA6-7D996DB83F32}" destId="{F99DF6A8-FCCC-45FE-984E-74BB5D13A325}" srcOrd="1" destOrd="0" presId="urn:microsoft.com/office/officeart/2005/8/layout/process2"/>
-    <dgm:cxn modelId="{D497E32E-9E75-4ED1-AB75-FDC6416370FF}" type="presOf" srcId="{1E64BDA1-8C1C-4293-9ECF-B16190F3555C}" destId="{85ACBFE3-ED12-472D-9155-8AECC46A625D}" srcOrd="1" destOrd="0" presId="urn:microsoft.com/office/officeart/2005/8/layout/process2"/>
-    <dgm:cxn modelId="{70AE856C-5F5E-4DEC-B46B-465564D97C8A}" type="presOf" srcId="{05504F13-8F6D-4A96-A060-7C7C04BCCDC5}" destId="{FC02DA56-149D-4855-9DCF-0DD82448A01C}" srcOrd="1" destOrd="0" presId="urn:microsoft.com/office/officeart/2005/8/layout/process2"/>
-    <dgm:cxn modelId="{2BFA0FB1-DBF7-4A7A-A74C-9B7753CD19FE}" type="presOf" srcId="{F77B9BF5-4593-4B18-BA5C-8BE2B8071A44}" destId="{52BF1B02-38BA-490D-B49F-F7F428D4159F}" srcOrd="0" destOrd="0" presId="urn:microsoft.com/office/officeart/2005/8/layout/process2"/>
+    <dgm:cxn modelId="{9E8B0EC8-CDD5-4D01-BB78-42B94FC3B680}" srcId="{831248B5-42BE-41CC-B00B-93FDF821FE9F}" destId="{44D9E930-28F8-42A2-AEDE-C2AF9832F680}" srcOrd="6" destOrd="0" parTransId="{F461D74D-E1BE-4262-9A51-8AF93A2A9DAE}" sibTransId="{BEF039B9-78B3-44AC-BCD2-D5D97EFF241A}"/>
     <dgm:cxn modelId="{2F596BCC-CA9C-4A5D-9021-F5F196D3E80D}" srcId="{831248B5-42BE-41CC-B00B-93FDF821FE9F}" destId="{4E8DDCF5-1131-4B7B-8DC9-CA1D909DEB4C}" srcOrd="3" destOrd="0" parTransId="{5D085E46-E5F5-4C17-A2B4-EEDB4B73AAFC}" sibTransId="{1E64BDA1-8C1C-4293-9ECF-B16190F3555C}"/>
+    <dgm:cxn modelId="{902323CF-0A5E-4ECB-AB85-D3ACCE8529C8}" type="presOf" srcId="{76AC9EB8-B499-4014-9C2D-CF84A71AB784}" destId="{7BEE8685-09E9-4964-906A-51AD9B41B2B2}" srcOrd="1" destOrd="0" presId="urn:microsoft.com/office/officeart/2005/8/layout/process2"/>
+    <dgm:cxn modelId="{96CE0AD5-C6CE-45A8-A85E-9565EFC97971}" type="presOf" srcId="{B8A5FD80-BDA8-4DB0-BAA6-7D996DB83F32}" destId="{FFAB1546-EE89-4905-B200-014D9D15DEB5}" srcOrd="0" destOrd="0" presId="urn:microsoft.com/office/officeart/2005/8/layout/process2"/>
     <dgm:cxn modelId="{17625CDE-390A-4A16-A1DA-1A2728D2592E}" srcId="{831248B5-42BE-41CC-B00B-93FDF821FE9F}" destId="{B0120D59-46F5-4609-8A90-D19147655A7C}" srcOrd="2" destOrd="0" parTransId="{8B65003E-F843-4BAC-92BF-31469B2EB546}" sibTransId="{05504F13-8F6D-4A96-A060-7C7C04BCCDC5}"/>
-    <dgm:cxn modelId="{6B5C7332-53C1-44A1-987C-DD115C27287D}" type="presOf" srcId="{B0120D59-46F5-4609-8A90-D19147655A7C}" destId="{5E07831F-96AB-45D4-BDD8-76735DEC4F3D}" srcOrd="0" destOrd="0" presId="urn:microsoft.com/office/officeart/2005/8/layout/process2"/>
-    <dgm:cxn modelId="{CCBB2E18-AEAA-4DC0-9E3C-F88CDCA45059}" type="presOf" srcId="{F27D3CED-FAAD-45A0-B25C-96C0B097E61C}" destId="{228957F4-EE3C-408A-83BB-E73D4ED2802F}" srcOrd="1" destOrd="0" presId="urn:microsoft.com/office/officeart/2005/8/layout/process2"/>
-    <dgm:cxn modelId="{1FAAEAA8-DA69-4D24-A321-784C7150EC4E}" srcId="{831248B5-42BE-41CC-B00B-93FDF821FE9F}" destId="{16DB864F-1D40-4E34-8BD9-F1C660CD2CFB}" srcOrd="1" destOrd="0" parTransId="{93C0F5D2-7285-4DBC-9CFC-540D03F09FCC}" sibTransId="{0CC9A380-740E-4425-AC43-31F4F13B3004}"/>
-    <dgm:cxn modelId="{96CE0AD5-C6CE-45A8-A85E-9565EFC97971}" type="presOf" srcId="{B8A5FD80-BDA8-4DB0-BAA6-7D996DB83F32}" destId="{FFAB1546-EE89-4905-B200-014D9D15DEB5}" srcOrd="0" destOrd="0" presId="urn:microsoft.com/office/officeart/2005/8/layout/process2"/>
     <dgm:cxn modelId="{88F421F2-D2A7-469A-8DCA-2378615C3DC3}" type="presOf" srcId="{6BB4A08D-9009-408D-A672-847AAAD9D481}" destId="{DE8A9ADE-4EA7-4E5F-9B22-8F0A88EF3F94}" srcOrd="0" destOrd="0" presId="urn:microsoft.com/office/officeart/2005/8/layout/process2"/>
+    <dgm:cxn modelId="{62E71CF5-02C6-426F-B29D-352D349A767B}" type="presOf" srcId="{831248B5-42BE-41CC-B00B-93FDF821FE9F}" destId="{D7B6869B-4E62-4ED6-98D4-117812227983}" srcOrd="0" destOrd="0" presId="urn:microsoft.com/office/officeart/2005/8/layout/process2"/>
+    <dgm:cxn modelId="{AFB1F2F6-1307-4941-86BA-4A12F4B9B558}" type="presOf" srcId="{05504F13-8F6D-4A96-A060-7C7C04BCCDC5}" destId="{C3ADE6CA-9FE3-4A69-9EF9-3DEB92BC6215}" srcOrd="0" destOrd="0" presId="urn:microsoft.com/office/officeart/2005/8/layout/process2"/>
     <dgm:cxn modelId="{7951D0FC-694C-465C-9AEF-49EFD7FC6F31}" srcId="{831248B5-42BE-41CC-B00B-93FDF821FE9F}" destId="{F77B9BF5-4593-4B18-BA5C-8BE2B8071A44}" srcOrd="5" destOrd="0" parTransId="{AB9DBF93-67DD-431C-9F2B-6F4233019072}" sibTransId="{B8A5FD80-BDA8-4DB0-BAA6-7D996DB83F32}"/>
     <dgm:cxn modelId="{E5C19EE4-CFFB-483E-A68C-7DCC76A5FFC6}" type="presParOf" srcId="{D7B6869B-4E62-4ED6-98D4-117812227983}" destId="{189D6A4B-21E2-4FCD-A1A9-B0A37070679D}" srcOrd="0" destOrd="0" presId="urn:microsoft.com/office/officeart/2005/8/layout/process2"/>
     <dgm:cxn modelId="{5BF10D62-1437-4C72-9C38-50537DECC45B}" type="presParOf" srcId="{D7B6869B-4E62-4ED6-98D4-117812227983}" destId="{E5D9E9D1-B554-4B69-88C2-23DB15039166}" srcOrd="1" destOrd="0" presId="urn:microsoft.com/office/officeart/2005/8/layout/process2"/>
@@ -3693,13 +3458,6 @@
         </dgm:presLayoutVars>
       </dgm:prSet>
       <dgm:spPr/>
-      <dgm:t>
-        <a:bodyPr/>
-        <a:lstStyle/>
-        <a:p>
-          <a:endParaRPr lang="en-US"/>
-        </a:p>
-      </dgm:t>
     </dgm:pt>
     <dgm:pt modelId="{BE10170A-FDA7-46C6-8080-0CD272A11F79}" type="pres">
       <dgm:prSet presAssocID="{A50D5CE9-E57C-47DB-BC25-0E5B3A25D369}" presName="node" presStyleLbl="node1" presStyleIdx="0" presStyleCnt="6">
@@ -3708,35 +3466,14 @@
         </dgm:presLayoutVars>
       </dgm:prSet>
       <dgm:spPr/>
-      <dgm:t>
-        <a:bodyPr/>
-        <a:lstStyle/>
-        <a:p>
-          <a:endParaRPr lang="en-US"/>
-        </a:p>
-      </dgm:t>
     </dgm:pt>
     <dgm:pt modelId="{9CB5DCF6-A9AB-46CF-8F54-44562297832B}" type="pres">
       <dgm:prSet presAssocID="{6BB16651-A2C7-44E6-8B71-595F1464C6E6}" presName="sibTrans" presStyleLbl="sibTrans2D1" presStyleIdx="0" presStyleCnt="6"/>
       <dgm:spPr/>
-      <dgm:t>
-        <a:bodyPr/>
-        <a:lstStyle/>
-        <a:p>
-          <a:endParaRPr lang="en-US"/>
-        </a:p>
-      </dgm:t>
     </dgm:pt>
     <dgm:pt modelId="{532A4D80-CC45-47DE-9B33-C25D9F0311CD}" type="pres">
       <dgm:prSet presAssocID="{6BB16651-A2C7-44E6-8B71-595F1464C6E6}" presName="connectorText" presStyleLbl="sibTrans2D1" presStyleIdx="0" presStyleCnt="6"/>
       <dgm:spPr/>
-      <dgm:t>
-        <a:bodyPr/>
-        <a:lstStyle/>
-        <a:p>
-          <a:endParaRPr lang="en-US"/>
-        </a:p>
-      </dgm:t>
     </dgm:pt>
     <dgm:pt modelId="{10C40DD1-8F53-4982-AE25-5D301BBB4035}" type="pres">
       <dgm:prSet presAssocID="{48370AF3-FC86-4D8C-8C54-83EAC2041CE6}" presName="node" presStyleLbl="node1" presStyleIdx="1" presStyleCnt="6">
@@ -3745,35 +3482,14 @@
         </dgm:presLayoutVars>
       </dgm:prSet>
       <dgm:spPr/>
-      <dgm:t>
-        <a:bodyPr/>
-        <a:lstStyle/>
-        <a:p>
-          <a:endParaRPr lang="en-US"/>
-        </a:p>
-      </dgm:t>
     </dgm:pt>
     <dgm:pt modelId="{AF055774-033E-4FAB-99C5-EF82DA73AF6B}" type="pres">
       <dgm:prSet presAssocID="{F7548831-CA11-41DD-8ECC-17CA536DA611}" presName="sibTrans" presStyleLbl="sibTrans2D1" presStyleIdx="1" presStyleCnt="6"/>
       <dgm:spPr/>
-      <dgm:t>
-        <a:bodyPr/>
-        <a:lstStyle/>
-        <a:p>
-          <a:endParaRPr lang="en-US"/>
-        </a:p>
-      </dgm:t>
     </dgm:pt>
     <dgm:pt modelId="{4E111617-F5D3-4634-A4E7-55A35BA10C3B}" type="pres">
       <dgm:prSet presAssocID="{F7548831-CA11-41DD-8ECC-17CA536DA611}" presName="connectorText" presStyleLbl="sibTrans2D1" presStyleIdx="1" presStyleCnt="6"/>
       <dgm:spPr/>
-      <dgm:t>
-        <a:bodyPr/>
-        <a:lstStyle/>
-        <a:p>
-          <a:endParaRPr lang="en-US"/>
-        </a:p>
-      </dgm:t>
     </dgm:pt>
     <dgm:pt modelId="{6B2B7F8F-AC97-4494-991D-C5A102C5BF61}" type="pres">
       <dgm:prSet presAssocID="{1DF69D38-253C-4136-A31C-13D074756DBD}" presName="node" presStyleLbl="node1" presStyleIdx="2" presStyleCnt="6">
@@ -3782,35 +3498,14 @@
         </dgm:presLayoutVars>
       </dgm:prSet>
       <dgm:spPr/>
-      <dgm:t>
-        <a:bodyPr/>
-        <a:lstStyle/>
-        <a:p>
-          <a:endParaRPr lang="en-US"/>
-        </a:p>
-      </dgm:t>
     </dgm:pt>
     <dgm:pt modelId="{8B3EA9F3-EF7C-4031-8349-AFC02CD2E8E9}" type="pres">
       <dgm:prSet presAssocID="{18589C4B-236C-4770-ACA6-5F2BC1925825}" presName="sibTrans" presStyleLbl="sibTrans2D1" presStyleIdx="2" presStyleCnt="6"/>
       <dgm:spPr/>
-      <dgm:t>
-        <a:bodyPr/>
-        <a:lstStyle/>
-        <a:p>
-          <a:endParaRPr lang="en-US"/>
-        </a:p>
-      </dgm:t>
     </dgm:pt>
     <dgm:pt modelId="{76D2A737-E894-45DA-A9E2-0913B236F12E}" type="pres">
       <dgm:prSet presAssocID="{18589C4B-236C-4770-ACA6-5F2BC1925825}" presName="connectorText" presStyleLbl="sibTrans2D1" presStyleIdx="2" presStyleCnt="6"/>
       <dgm:spPr/>
-      <dgm:t>
-        <a:bodyPr/>
-        <a:lstStyle/>
-        <a:p>
-          <a:endParaRPr lang="en-US"/>
-        </a:p>
-      </dgm:t>
     </dgm:pt>
     <dgm:pt modelId="{B38A756C-2FBC-4753-8A72-C64909D7B55D}" type="pres">
       <dgm:prSet presAssocID="{82D99C4C-3601-4F2B-B062-F76B7FA58351}" presName="node" presStyleLbl="node1" presStyleIdx="3" presStyleCnt="6">
@@ -3819,35 +3514,14 @@
         </dgm:presLayoutVars>
       </dgm:prSet>
       <dgm:spPr/>
-      <dgm:t>
-        <a:bodyPr/>
-        <a:lstStyle/>
-        <a:p>
-          <a:endParaRPr lang="en-US"/>
-        </a:p>
-      </dgm:t>
     </dgm:pt>
     <dgm:pt modelId="{C0492A94-958F-4DF2-8E31-D0E5D431B110}" type="pres">
       <dgm:prSet presAssocID="{2CEB24EB-0E4B-4978-B141-AD1017CE08DB}" presName="sibTrans" presStyleLbl="sibTrans2D1" presStyleIdx="3" presStyleCnt="6"/>
       <dgm:spPr/>
-      <dgm:t>
-        <a:bodyPr/>
-        <a:lstStyle/>
-        <a:p>
-          <a:endParaRPr lang="en-US"/>
-        </a:p>
-      </dgm:t>
     </dgm:pt>
     <dgm:pt modelId="{5BD3947E-EAF4-4999-8F41-16C31CDD1897}" type="pres">
       <dgm:prSet presAssocID="{2CEB24EB-0E4B-4978-B141-AD1017CE08DB}" presName="connectorText" presStyleLbl="sibTrans2D1" presStyleIdx="3" presStyleCnt="6"/>
       <dgm:spPr/>
-      <dgm:t>
-        <a:bodyPr/>
-        <a:lstStyle/>
-        <a:p>
-          <a:endParaRPr lang="en-US"/>
-        </a:p>
-      </dgm:t>
     </dgm:pt>
     <dgm:pt modelId="{1AD34968-D5D1-4171-B98B-6A348B13B975}" type="pres">
       <dgm:prSet presAssocID="{7D0E5FE9-BEBD-455F-9242-519724FB6C96}" presName="node" presStyleLbl="node1" presStyleIdx="4" presStyleCnt="6">
@@ -3856,35 +3530,14 @@
         </dgm:presLayoutVars>
       </dgm:prSet>
       <dgm:spPr/>
-      <dgm:t>
-        <a:bodyPr/>
-        <a:lstStyle/>
-        <a:p>
-          <a:endParaRPr lang="en-US"/>
-        </a:p>
-      </dgm:t>
     </dgm:pt>
     <dgm:pt modelId="{3FD4A819-E359-4474-A779-65CA5E4E5F5E}" type="pres">
       <dgm:prSet presAssocID="{CB2D6001-FAA4-49C6-8385-9A9576EB7A0B}" presName="sibTrans" presStyleLbl="sibTrans2D1" presStyleIdx="4" presStyleCnt="6"/>
       <dgm:spPr/>
-      <dgm:t>
-        <a:bodyPr/>
-        <a:lstStyle/>
-        <a:p>
-          <a:endParaRPr lang="en-US"/>
-        </a:p>
-      </dgm:t>
     </dgm:pt>
     <dgm:pt modelId="{D229D606-AC96-466B-9F97-EAB3C96DE430}" type="pres">
       <dgm:prSet presAssocID="{CB2D6001-FAA4-49C6-8385-9A9576EB7A0B}" presName="connectorText" presStyleLbl="sibTrans2D1" presStyleIdx="4" presStyleCnt="6"/>
       <dgm:spPr/>
-      <dgm:t>
-        <a:bodyPr/>
-        <a:lstStyle/>
-        <a:p>
-          <a:endParaRPr lang="en-US"/>
-        </a:p>
-      </dgm:t>
     </dgm:pt>
     <dgm:pt modelId="{372A6A97-E412-4CCA-A607-235CF3A22C9C}" type="pres">
       <dgm:prSet presAssocID="{9C08A4B8-0C14-4C76-8B82-048ACA771F15}" presName="node" presStyleLbl="node1" presStyleIdx="5" presStyleCnt="6">
@@ -3893,63 +3546,42 @@
         </dgm:presLayoutVars>
       </dgm:prSet>
       <dgm:spPr/>
-      <dgm:t>
-        <a:bodyPr/>
-        <a:lstStyle/>
-        <a:p>
-          <a:endParaRPr lang="en-US"/>
-        </a:p>
-      </dgm:t>
     </dgm:pt>
     <dgm:pt modelId="{B33D451D-E7ED-453E-BBDD-2A7104931649}" type="pres">
       <dgm:prSet presAssocID="{9928AC29-F93D-4104-B656-07B79942F478}" presName="sibTrans" presStyleLbl="sibTrans2D1" presStyleIdx="5" presStyleCnt="6"/>
       <dgm:spPr/>
-      <dgm:t>
-        <a:bodyPr/>
-        <a:lstStyle/>
-        <a:p>
-          <a:endParaRPr lang="en-US"/>
-        </a:p>
-      </dgm:t>
     </dgm:pt>
     <dgm:pt modelId="{F23F354F-B930-43EC-A3E6-2AA7B3937FDE}" type="pres">
       <dgm:prSet presAssocID="{9928AC29-F93D-4104-B656-07B79942F478}" presName="connectorText" presStyleLbl="sibTrans2D1" presStyleIdx="5" presStyleCnt="6"/>
       <dgm:spPr/>
-      <dgm:t>
-        <a:bodyPr/>
-        <a:lstStyle/>
-        <a:p>
-          <a:endParaRPr lang="en-US"/>
-        </a:p>
-      </dgm:t>
     </dgm:pt>
   </dgm:ptLst>
   <dgm:cxnLst>
+    <dgm:cxn modelId="{2A800102-3E86-4CE6-B237-FF976FE460A5}" type="presOf" srcId="{18589C4B-236C-4770-ACA6-5F2BC1925825}" destId="{8B3EA9F3-EF7C-4031-8349-AFC02CD2E8E9}" srcOrd="0" destOrd="0" presId="urn:microsoft.com/office/officeart/2005/8/layout/cycle2"/>
+    <dgm:cxn modelId="{73A6D81D-B121-4772-B9DC-D989684794EC}" type="presOf" srcId="{9928AC29-F93D-4104-B656-07B79942F478}" destId="{B33D451D-E7ED-453E-BBDD-2A7104931649}" srcOrd="0" destOrd="0" presId="urn:microsoft.com/office/officeart/2005/8/layout/cycle2"/>
+    <dgm:cxn modelId="{7B997E21-E386-4BDB-BA73-FEFE3B52E673}" type="presOf" srcId="{1DF69D38-253C-4136-A31C-13D074756DBD}" destId="{6B2B7F8F-AC97-4494-991D-C5A102C5BF61}" srcOrd="0" destOrd="0" presId="urn:microsoft.com/office/officeart/2005/8/layout/cycle2"/>
+    <dgm:cxn modelId="{B8047E24-67A3-4FF3-A06A-9E28AB623A31}" type="presOf" srcId="{F7548831-CA11-41DD-8ECC-17CA536DA611}" destId="{AF055774-033E-4FAB-99C5-EF82DA73AF6B}" srcOrd="0" destOrd="0" presId="urn:microsoft.com/office/officeart/2005/8/layout/cycle2"/>
+    <dgm:cxn modelId="{D7756D26-48D8-4543-8ECF-B43045B6A7A2}" type="presOf" srcId="{6BB16651-A2C7-44E6-8B71-595F1464C6E6}" destId="{9CB5DCF6-A9AB-46CF-8F54-44562297832B}" srcOrd="0" destOrd="0" presId="urn:microsoft.com/office/officeart/2005/8/layout/cycle2"/>
+    <dgm:cxn modelId="{6C92652C-2ECF-4C26-BCCB-EFA2B76571F3}" type="presOf" srcId="{CB2D6001-FAA4-49C6-8385-9A9576EB7A0B}" destId="{D229D606-AC96-466B-9F97-EAB3C96DE430}" srcOrd="1" destOrd="0" presId="urn:microsoft.com/office/officeart/2005/8/layout/cycle2"/>
+    <dgm:cxn modelId="{656CE130-0515-41FF-B2F2-2BD43856E3D0}" srcId="{7D813336-3D77-46FD-BFBE-B927186F4EE8}" destId="{7D0E5FE9-BEBD-455F-9242-519724FB6C96}" srcOrd="4" destOrd="0" parTransId="{594E2760-2BA1-4C56-8104-2C3A58C07462}" sibTransId="{CB2D6001-FAA4-49C6-8385-9A9576EB7A0B}"/>
+    <dgm:cxn modelId="{48826F36-B9DF-44EC-8ED7-EAA8DE65A165}" type="presOf" srcId="{2CEB24EB-0E4B-4978-B141-AD1017CE08DB}" destId="{C0492A94-958F-4DF2-8E31-D0E5D431B110}" srcOrd="0" destOrd="0" presId="urn:microsoft.com/office/officeart/2005/8/layout/cycle2"/>
+    <dgm:cxn modelId="{4E474562-B74A-44EB-B45F-D3DD735B2501}" srcId="{7D813336-3D77-46FD-BFBE-B927186F4EE8}" destId="{82D99C4C-3601-4F2B-B062-F76B7FA58351}" srcOrd="3" destOrd="0" parTransId="{3F9BE72A-4745-41D5-8CC6-99AC9FE77223}" sibTransId="{2CEB24EB-0E4B-4978-B141-AD1017CE08DB}"/>
+    <dgm:cxn modelId="{1EDB6766-CD7C-4414-9C27-EBE463506CFF}" srcId="{7D813336-3D77-46FD-BFBE-B927186F4EE8}" destId="{9C08A4B8-0C14-4C76-8B82-048ACA771F15}" srcOrd="5" destOrd="0" parTransId="{28249315-D3C7-43BE-B88A-6DD1138B7A0C}" sibTransId="{9928AC29-F93D-4104-B656-07B79942F478}"/>
+    <dgm:cxn modelId="{4A6FDB47-80DA-4A96-8D2C-B887792CB495}" type="presOf" srcId="{9C08A4B8-0C14-4C76-8B82-048ACA771F15}" destId="{372A6A97-E412-4CCA-A607-235CF3A22C9C}" srcOrd="0" destOrd="0" presId="urn:microsoft.com/office/officeart/2005/8/layout/cycle2"/>
+    <dgm:cxn modelId="{A150B94E-B2C2-4D6C-9C4B-F76456348E67}" srcId="{7D813336-3D77-46FD-BFBE-B927186F4EE8}" destId="{48370AF3-FC86-4D8C-8C54-83EAC2041CE6}" srcOrd="1" destOrd="0" parTransId="{AB741C83-841B-426D-A5E0-6EEA4C052CE4}" sibTransId="{F7548831-CA11-41DD-8ECC-17CA536DA611}"/>
+    <dgm:cxn modelId="{8A9D6073-56F9-4A3D-A71D-5DB15EB2E2ED}" type="presOf" srcId="{A50D5CE9-E57C-47DB-BC25-0E5B3A25D369}" destId="{BE10170A-FDA7-46C6-8080-0CD272A11F79}" srcOrd="0" destOrd="0" presId="urn:microsoft.com/office/officeart/2005/8/layout/cycle2"/>
+    <dgm:cxn modelId="{E422C681-256E-41AA-A0D8-4F7AD719AE70}" type="presOf" srcId="{18589C4B-236C-4770-ACA6-5F2BC1925825}" destId="{76D2A737-E894-45DA-A9E2-0913B236F12E}" srcOrd="1" destOrd="0" presId="urn:microsoft.com/office/officeart/2005/8/layout/cycle2"/>
+    <dgm:cxn modelId="{E4650F96-8B96-45DB-9B8B-739BA4DAFC00}" type="presOf" srcId="{2CEB24EB-0E4B-4978-B141-AD1017CE08DB}" destId="{5BD3947E-EAF4-4999-8F41-16C31CDD1897}" srcOrd="1" destOrd="0" presId="urn:microsoft.com/office/officeart/2005/8/layout/cycle2"/>
+    <dgm:cxn modelId="{5A8FC996-E36A-4A4D-B9A9-E0F5F95CDF30}" type="presOf" srcId="{7D0E5FE9-BEBD-455F-9242-519724FB6C96}" destId="{1AD34968-D5D1-4171-B98B-6A348B13B975}" srcOrd="0" destOrd="0" presId="urn:microsoft.com/office/officeart/2005/8/layout/cycle2"/>
+    <dgm:cxn modelId="{6B494198-39DB-42F7-8AB5-4A5BE7D87F39}" type="presOf" srcId="{9928AC29-F93D-4104-B656-07B79942F478}" destId="{F23F354F-B930-43EC-A3E6-2AA7B3937FDE}" srcOrd="1" destOrd="0" presId="urn:microsoft.com/office/officeart/2005/8/layout/cycle2"/>
+    <dgm:cxn modelId="{5DE7A598-F75C-47B9-8814-209880B6FE11}" srcId="{7D813336-3D77-46FD-BFBE-B927186F4EE8}" destId="{1DF69D38-253C-4136-A31C-13D074756DBD}" srcOrd="2" destOrd="0" parTransId="{7471E316-4330-4726-8E0C-E8DF4CBE672C}" sibTransId="{18589C4B-236C-4770-ACA6-5F2BC1925825}"/>
+    <dgm:cxn modelId="{E7A5AF9B-C11A-40EC-9AE6-7726E1A9A711}" type="presOf" srcId="{F7548831-CA11-41DD-8ECC-17CA536DA611}" destId="{4E111617-F5D3-4634-A4E7-55A35BA10C3B}" srcOrd="1" destOrd="0" presId="urn:microsoft.com/office/officeart/2005/8/layout/cycle2"/>
+    <dgm:cxn modelId="{072D75B5-AE8A-4BF9-813C-52F86070C69F}" type="presOf" srcId="{82D99C4C-3601-4F2B-B062-F76B7FA58351}" destId="{B38A756C-2FBC-4753-8A72-C64909D7B55D}" srcOrd="0" destOrd="0" presId="urn:microsoft.com/office/officeart/2005/8/layout/cycle2"/>
+    <dgm:cxn modelId="{A7F74FB7-397D-4268-8170-C932BF344E33}" type="presOf" srcId="{48370AF3-FC86-4D8C-8C54-83EAC2041CE6}" destId="{10C40DD1-8F53-4982-AE25-5D301BBB4035}" srcOrd="0" destOrd="0" presId="urn:microsoft.com/office/officeart/2005/8/layout/cycle2"/>
+    <dgm:cxn modelId="{E25464BC-A09B-48BD-B113-8CA3576F5146}" type="presOf" srcId="{CB2D6001-FAA4-49C6-8385-9A9576EB7A0B}" destId="{3FD4A819-E359-4474-A779-65CA5E4E5F5E}" srcOrd="0" destOrd="0" presId="urn:microsoft.com/office/officeart/2005/8/layout/cycle2"/>
+    <dgm:cxn modelId="{64927DD7-80D9-485A-AE3F-823FDF4E1B88}" type="presOf" srcId="{7D813336-3D77-46FD-BFBE-B927186F4EE8}" destId="{1F7049C3-AAE1-4856-8433-BA85AFDAFBB4}" srcOrd="0" destOrd="0" presId="urn:microsoft.com/office/officeart/2005/8/layout/cycle2"/>
     <dgm:cxn modelId="{59B76DF1-434E-481D-A352-8E17439334E8}" type="presOf" srcId="{6BB16651-A2C7-44E6-8B71-595F1464C6E6}" destId="{532A4D80-CC45-47DE-9B33-C25D9F0311CD}" srcOrd="1" destOrd="0" presId="urn:microsoft.com/office/officeart/2005/8/layout/cycle2"/>
     <dgm:cxn modelId="{3476ECF5-227F-4D63-9092-E8019B1A260C}" srcId="{7D813336-3D77-46FD-BFBE-B927186F4EE8}" destId="{A50D5CE9-E57C-47DB-BC25-0E5B3A25D369}" srcOrd="0" destOrd="0" parTransId="{97BD9E98-8AC2-41C2-9323-5F440CC4246A}" sibTransId="{6BB16651-A2C7-44E6-8B71-595F1464C6E6}"/>
-    <dgm:cxn modelId="{4A6FDB47-80DA-4A96-8D2C-B887792CB495}" type="presOf" srcId="{9C08A4B8-0C14-4C76-8B82-048ACA771F15}" destId="{372A6A97-E412-4CCA-A607-235CF3A22C9C}" srcOrd="0" destOrd="0" presId="urn:microsoft.com/office/officeart/2005/8/layout/cycle2"/>
-    <dgm:cxn modelId="{5DE7A598-F75C-47B9-8814-209880B6FE11}" srcId="{7D813336-3D77-46FD-BFBE-B927186F4EE8}" destId="{1DF69D38-253C-4136-A31C-13D074756DBD}" srcOrd="2" destOrd="0" parTransId="{7471E316-4330-4726-8E0C-E8DF4CBE672C}" sibTransId="{18589C4B-236C-4770-ACA6-5F2BC1925825}"/>
-    <dgm:cxn modelId="{2A800102-3E86-4CE6-B237-FF976FE460A5}" type="presOf" srcId="{18589C4B-236C-4770-ACA6-5F2BC1925825}" destId="{8B3EA9F3-EF7C-4031-8349-AFC02CD2E8E9}" srcOrd="0" destOrd="0" presId="urn:microsoft.com/office/officeart/2005/8/layout/cycle2"/>
-    <dgm:cxn modelId="{B8047E24-67A3-4FF3-A06A-9E28AB623A31}" type="presOf" srcId="{F7548831-CA11-41DD-8ECC-17CA536DA611}" destId="{AF055774-033E-4FAB-99C5-EF82DA73AF6B}" srcOrd="0" destOrd="0" presId="urn:microsoft.com/office/officeart/2005/8/layout/cycle2"/>
-    <dgm:cxn modelId="{8A9D6073-56F9-4A3D-A71D-5DB15EB2E2ED}" type="presOf" srcId="{A50D5CE9-E57C-47DB-BC25-0E5B3A25D369}" destId="{BE10170A-FDA7-46C6-8080-0CD272A11F79}" srcOrd="0" destOrd="0" presId="urn:microsoft.com/office/officeart/2005/8/layout/cycle2"/>
-    <dgm:cxn modelId="{4E474562-B74A-44EB-B45F-D3DD735B2501}" srcId="{7D813336-3D77-46FD-BFBE-B927186F4EE8}" destId="{82D99C4C-3601-4F2B-B062-F76B7FA58351}" srcOrd="3" destOrd="0" parTransId="{3F9BE72A-4745-41D5-8CC6-99AC9FE77223}" sibTransId="{2CEB24EB-0E4B-4978-B141-AD1017CE08DB}"/>
-    <dgm:cxn modelId="{64927DD7-80D9-485A-AE3F-823FDF4E1B88}" type="presOf" srcId="{7D813336-3D77-46FD-BFBE-B927186F4EE8}" destId="{1F7049C3-AAE1-4856-8433-BA85AFDAFBB4}" srcOrd="0" destOrd="0" presId="urn:microsoft.com/office/officeart/2005/8/layout/cycle2"/>
-    <dgm:cxn modelId="{7B997E21-E386-4BDB-BA73-FEFE3B52E673}" type="presOf" srcId="{1DF69D38-253C-4136-A31C-13D074756DBD}" destId="{6B2B7F8F-AC97-4494-991D-C5A102C5BF61}" srcOrd="0" destOrd="0" presId="urn:microsoft.com/office/officeart/2005/8/layout/cycle2"/>
-    <dgm:cxn modelId="{1EDB6766-CD7C-4414-9C27-EBE463506CFF}" srcId="{7D813336-3D77-46FD-BFBE-B927186F4EE8}" destId="{9C08A4B8-0C14-4C76-8B82-048ACA771F15}" srcOrd="5" destOrd="0" parTransId="{28249315-D3C7-43BE-B88A-6DD1138B7A0C}" sibTransId="{9928AC29-F93D-4104-B656-07B79942F478}"/>
-    <dgm:cxn modelId="{6B494198-39DB-42F7-8AB5-4A5BE7D87F39}" type="presOf" srcId="{9928AC29-F93D-4104-B656-07B79942F478}" destId="{F23F354F-B930-43EC-A3E6-2AA7B3937FDE}" srcOrd="1" destOrd="0" presId="urn:microsoft.com/office/officeart/2005/8/layout/cycle2"/>
-    <dgm:cxn modelId="{E25464BC-A09B-48BD-B113-8CA3576F5146}" type="presOf" srcId="{CB2D6001-FAA4-49C6-8385-9A9576EB7A0B}" destId="{3FD4A819-E359-4474-A779-65CA5E4E5F5E}" srcOrd="0" destOrd="0" presId="urn:microsoft.com/office/officeart/2005/8/layout/cycle2"/>
-    <dgm:cxn modelId="{A7F74FB7-397D-4268-8170-C932BF344E33}" type="presOf" srcId="{48370AF3-FC86-4D8C-8C54-83EAC2041CE6}" destId="{10C40DD1-8F53-4982-AE25-5D301BBB4035}" srcOrd="0" destOrd="0" presId="urn:microsoft.com/office/officeart/2005/8/layout/cycle2"/>
-    <dgm:cxn modelId="{E422C681-256E-41AA-A0D8-4F7AD719AE70}" type="presOf" srcId="{18589C4B-236C-4770-ACA6-5F2BC1925825}" destId="{76D2A737-E894-45DA-A9E2-0913B236F12E}" srcOrd="1" destOrd="0" presId="urn:microsoft.com/office/officeart/2005/8/layout/cycle2"/>
-    <dgm:cxn modelId="{072D75B5-AE8A-4BF9-813C-52F86070C69F}" type="presOf" srcId="{82D99C4C-3601-4F2B-B062-F76B7FA58351}" destId="{B38A756C-2FBC-4753-8A72-C64909D7B55D}" srcOrd="0" destOrd="0" presId="urn:microsoft.com/office/officeart/2005/8/layout/cycle2"/>
-    <dgm:cxn modelId="{73A6D81D-B121-4772-B9DC-D989684794EC}" type="presOf" srcId="{9928AC29-F93D-4104-B656-07B79942F478}" destId="{B33D451D-E7ED-453E-BBDD-2A7104931649}" srcOrd="0" destOrd="0" presId="urn:microsoft.com/office/officeart/2005/8/layout/cycle2"/>
-    <dgm:cxn modelId="{D7756D26-48D8-4543-8ECF-B43045B6A7A2}" type="presOf" srcId="{6BB16651-A2C7-44E6-8B71-595F1464C6E6}" destId="{9CB5DCF6-A9AB-46CF-8F54-44562297832B}" srcOrd="0" destOrd="0" presId="urn:microsoft.com/office/officeart/2005/8/layout/cycle2"/>
-    <dgm:cxn modelId="{A150B94E-B2C2-4D6C-9C4B-F76456348E67}" srcId="{7D813336-3D77-46FD-BFBE-B927186F4EE8}" destId="{48370AF3-FC86-4D8C-8C54-83EAC2041CE6}" srcOrd="1" destOrd="0" parTransId="{AB741C83-841B-426D-A5E0-6EEA4C052CE4}" sibTransId="{F7548831-CA11-41DD-8ECC-17CA536DA611}"/>
-    <dgm:cxn modelId="{5A8FC996-E36A-4A4D-B9A9-E0F5F95CDF30}" type="presOf" srcId="{7D0E5FE9-BEBD-455F-9242-519724FB6C96}" destId="{1AD34968-D5D1-4171-B98B-6A348B13B975}" srcOrd="0" destOrd="0" presId="urn:microsoft.com/office/officeart/2005/8/layout/cycle2"/>
-    <dgm:cxn modelId="{E4650F96-8B96-45DB-9B8B-739BA4DAFC00}" type="presOf" srcId="{2CEB24EB-0E4B-4978-B141-AD1017CE08DB}" destId="{5BD3947E-EAF4-4999-8F41-16C31CDD1897}" srcOrd="1" destOrd="0" presId="urn:microsoft.com/office/officeart/2005/8/layout/cycle2"/>
-    <dgm:cxn modelId="{48826F36-B9DF-44EC-8ED7-EAA8DE65A165}" type="presOf" srcId="{2CEB24EB-0E4B-4978-B141-AD1017CE08DB}" destId="{C0492A94-958F-4DF2-8E31-D0E5D431B110}" srcOrd="0" destOrd="0" presId="urn:microsoft.com/office/officeart/2005/8/layout/cycle2"/>
-    <dgm:cxn modelId="{6C92652C-2ECF-4C26-BCCB-EFA2B76571F3}" type="presOf" srcId="{CB2D6001-FAA4-49C6-8385-9A9576EB7A0B}" destId="{D229D606-AC96-466B-9F97-EAB3C96DE430}" srcOrd="1" destOrd="0" presId="urn:microsoft.com/office/officeart/2005/8/layout/cycle2"/>
-    <dgm:cxn modelId="{E7A5AF9B-C11A-40EC-9AE6-7726E1A9A711}" type="presOf" srcId="{F7548831-CA11-41DD-8ECC-17CA536DA611}" destId="{4E111617-F5D3-4634-A4E7-55A35BA10C3B}" srcOrd="1" destOrd="0" presId="urn:microsoft.com/office/officeart/2005/8/layout/cycle2"/>
-    <dgm:cxn modelId="{656CE130-0515-41FF-B2F2-2BD43856E3D0}" srcId="{7D813336-3D77-46FD-BFBE-B927186F4EE8}" destId="{7D0E5FE9-BEBD-455F-9242-519724FB6C96}" srcOrd="4" destOrd="0" parTransId="{594E2760-2BA1-4C56-8104-2C3A58C07462}" sibTransId="{CB2D6001-FAA4-49C6-8385-9A9576EB7A0B}"/>
     <dgm:cxn modelId="{755746E8-407D-44DE-81DE-2817DFAC9717}" type="presParOf" srcId="{1F7049C3-AAE1-4856-8433-BA85AFDAFBB4}" destId="{BE10170A-FDA7-46C6-8080-0CD272A11F79}" srcOrd="0" destOrd="0" presId="urn:microsoft.com/office/officeart/2005/8/layout/cycle2"/>
     <dgm:cxn modelId="{3CC0E0F5-28E0-4741-9540-40DA4F37F3CB}" type="presParOf" srcId="{1F7049C3-AAE1-4856-8433-BA85AFDAFBB4}" destId="{9CB5DCF6-A9AB-46CF-8F54-44562297832B}" srcOrd="1" destOrd="0" presId="urn:microsoft.com/office/officeart/2005/8/layout/cycle2"/>
     <dgm:cxn modelId="{754C5F5A-FF0E-468D-9F76-F99066A63CA1}" type="presParOf" srcId="{9CB5DCF6-A9AB-46CF-8F54-44562297832B}" destId="{532A4D80-CC45-47DE-9B33-C25D9F0311CD}" srcOrd="0" destOrd="0" presId="urn:microsoft.com/office/officeart/2005/8/layout/cycle2"/>
@@ -4044,7 +3676,7 @@
         </a:bodyPr>
         <a:lstStyle/>
         <a:p>
-          <a:pPr lvl="0" algn="ctr" defTabSz="844550">
+          <a:pPr marL="0" lvl="0" indent="0" algn="ctr" defTabSz="844550">
             <a:lnSpc>
               <a:spcPct val="90000"/>
             </a:lnSpc>
@@ -4054,6 +3686,7 @@
             <a:spcAft>
               <a:spcPct val="35000"/>
             </a:spcAft>
+            <a:buNone/>
           </a:pPr>
           <a:r>
             <a:rPr lang="en-US" sz="1900" kern="1200"/>
@@ -4116,7 +3749,7 @@
         </a:bodyPr>
         <a:lstStyle/>
         <a:p>
-          <a:pPr lvl="0" algn="ctr" defTabSz="666750">
+          <a:pPr marL="0" lvl="0" indent="0" algn="ctr" defTabSz="666750">
             <a:lnSpc>
               <a:spcPct val="90000"/>
             </a:lnSpc>
@@ -4126,6 +3759,7 @@
             <a:spcAft>
               <a:spcPct val="35000"/>
             </a:spcAft>
+            <a:buNone/>
           </a:pPr>
           <a:endParaRPr lang="en-US" sz="1500" kern="1200"/>
         </a:p>
@@ -4187,7 +3821,7 @@
         </a:bodyPr>
         <a:lstStyle/>
         <a:p>
-          <a:pPr lvl="0" algn="ctr" defTabSz="844550">
+          <a:pPr marL="0" lvl="0" indent="0" algn="ctr" defTabSz="844550">
             <a:lnSpc>
               <a:spcPct val="90000"/>
             </a:lnSpc>
@@ -4197,6 +3831,7 @@
             <a:spcAft>
               <a:spcPct val="35000"/>
             </a:spcAft>
+            <a:buNone/>
           </a:pPr>
           <a:r>
             <a:rPr lang="en-US" sz="1900" kern="1200"/>
@@ -4259,7 +3894,7 @@
         </a:bodyPr>
         <a:lstStyle/>
         <a:p>
-          <a:pPr lvl="0" algn="ctr" defTabSz="666750">
+          <a:pPr marL="0" lvl="0" indent="0" algn="ctr" defTabSz="666750">
             <a:lnSpc>
               <a:spcPct val="90000"/>
             </a:lnSpc>
@@ -4269,6 +3904,7 @@
             <a:spcAft>
               <a:spcPct val="35000"/>
             </a:spcAft>
+            <a:buNone/>
           </a:pPr>
           <a:endParaRPr lang="en-US" sz="1500" kern="1200"/>
         </a:p>
@@ -4330,7 +3966,7 @@
         </a:bodyPr>
         <a:lstStyle/>
         <a:p>
-          <a:pPr lvl="0" algn="ctr" defTabSz="844550">
+          <a:pPr marL="0" lvl="0" indent="0" algn="ctr" defTabSz="844550">
             <a:lnSpc>
               <a:spcPct val="90000"/>
             </a:lnSpc>
@@ -4340,6 +3976,7 @@
             <a:spcAft>
               <a:spcPct val="35000"/>
             </a:spcAft>
+            <a:buNone/>
           </a:pPr>
           <a:r>
             <a:rPr lang="en-US" sz="1900" kern="1200"/>
@@ -4402,7 +4039,7 @@
         </a:bodyPr>
         <a:lstStyle/>
         <a:p>
-          <a:pPr lvl="0" algn="ctr" defTabSz="666750">
+          <a:pPr marL="0" lvl="0" indent="0" algn="ctr" defTabSz="666750">
             <a:lnSpc>
               <a:spcPct val="90000"/>
             </a:lnSpc>
@@ -4412,6 +4049,7 @@
             <a:spcAft>
               <a:spcPct val="35000"/>
             </a:spcAft>
+            <a:buNone/>
           </a:pPr>
           <a:endParaRPr lang="en-US" sz="1500" kern="1200"/>
         </a:p>
@@ -4478,7 +4116,7 @@
         </a:bodyPr>
         <a:lstStyle/>
         <a:p>
-          <a:pPr lvl="0" algn="ctr" defTabSz="844550">
+          <a:pPr marL="0" lvl="0" indent="0" algn="ctr" defTabSz="844550">
             <a:lnSpc>
               <a:spcPct val="90000"/>
             </a:lnSpc>
@@ -4488,6 +4126,7 @@
             <a:spcAft>
               <a:spcPct val="35000"/>
             </a:spcAft>
+            <a:buNone/>
           </a:pPr>
           <a:r>
             <a:rPr lang="en-US" sz="1900" kern="1200"/>
@@ -4569,7 +4208,7 @@
         </a:bodyPr>
         <a:lstStyle/>
         <a:p>
-          <a:pPr lvl="0" algn="ctr" defTabSz="444500">
+          <a:pPr marL="0" lvl="0" indent="0" algn="ctr" defTabSz="444500">
             <a:lnSpc>
               <a:spcPct val="90000"/>
             </a:lnSpc>
@@ -4579,6 +4218,7 @@
             <a:spcAft>
               <a:spcPct val="35000"/>
             </a:spcAft>
+            <a:buNone/>
           </a:pPr>
           <a:r>
             <a:rPr lang="en-US" sz="1000" kern="1200"/>
@@ -4641,7 +4281,7 @@
         </a:bodyPr>
         <a:lstStyle/>
         <a:p>
-          <a:pPr lvl="0" algn="ctr" defTabSz="355600">
+          <a:pPr marL="0" lvl="0" indent="0" algn="ctr" defTabSz="355600">
             <a:lnSpc>
               <a:spcPct val="90000"/>
             </a:lnSpc>
@@ -4651,6 +4291,7 @@
             <a:spcAft>
               <a:spcPct val="35000"/>
             </a:spcAft>
+            <a:buNone/>
           </a:pPr>
           <a:endParaRPr lang="en-US" sz="800" kern="1200"/>
         </a:p>
@@ -4712,7 +4353,7 @@
         </a:bodyPr>
         <a:lstStyle/>
         <a:p>
-          <a:pPr lvl="0" algn="ctr" defTabSz="444500">
+          <a:pPr marL="0" lvl="0" indent="0" algn="ctr" defTabSz="444500">
             <a:lnSpc>
               <a:spcPct val="90000"/>
             </a:lnSpc>
@@ -4722,6 +4363,7 @@
             <a:spcAft>
               <a:spcPct val="35000"/>
             </a:spcAft>
+            <a:buNone/>
           </a:pPr>
           <a:r>
             <a:rPr lang="en-US" sz="1000" kern="1200"/>
@@ -4729,7 +4371,7 @@
           </a:r>
         </a:p>
         <a:p>
-          <a:pPr lvl="0" algn="ctr" defTabSz="444500">
+          <a:pPr marL="0" lvl="0" indent="0" algn="ctr" defTabSz="444500">
             <a:lnSpc>
               <a:spcPct val="90000"/>
             </a:lnSpc>
@@ -4739,6 +4381,7 @@
             <a:spcAft>
               <a:spcPct val="35000"/>
             </a:spcAft>
+            <a:buNone/>
           </a:pPr>
           <a:r>
             <a:rPr lang="en-US" sz="1000" kern="1200"/>
@@ -4801,7 +4444,7 @@
         </a:bodyPr>
         <a:lstStyle/>
         <a:p>
-          <a:pPr lvl="0" algn="ctr" defTabSz="355600">
+          <a:pPr marL="0" lvl="0" indent="0" algn="ctr" defTabSz="355600">
             <a:lnSpc>
               <a:spcPct val="90000"/>
             </a:lnSpc>
@@ -4811,6 +4454,7 @@
             <a:spcAft>
               <a:spcPct val="35000"/>
             </a:spcAft>
+            <a:buNone/>
           </a:pPr>
           <a:endParaRPr lang="en-US" sz="800" kern="1200"/>
         </a:p>
@@ -4872,7 +4516,7 @@
         </a:bodyPr>
         <a:lstStyle/>
         <a:p>
-          <a:pPr lvl="0" algn="ctr" defTabSz="444500">
+          <a:pPr marL="0" lvl="0" indent="0" algn="ctr" defTabSz="444500">
             <a:lnSpc>
               <a:spcPct val="90000"/>
             </a:lnSpc>
@@ -4882,6 +4526,7 @@
             <a:spcAft>
               <a:spcPct val="35000"/>
             </a:spcAft>
+            <a:buNone/>
           </a:pPr>
           <a:r>
             <a:rPr lang="en-US" sz="1000" kern="1200"/>
@@ -4889,7 +4534,7 @@
           </a:r>
         </a:p>
         <a:p>
-          <a:pPr lvl="0" algn="ctr" defTabSz="444500">
+          <a:pPr marL="0" lvl="0" indent="0" algn="ctr" defTabSz="444500">
             <a:lnSpc>
               <a:spcPct val="90000"/>
             </a:lnSpc>
@@ -4899,6 +4544,7 @@
             <a:spcAft>
               <a:spcPct val="35000"/>
             </a:spcAft>
+            <a:buNone/>
           </a:pPr>
           <a:r>
             <a:rPr lang="en-US" sz="1000" kern="1200"/>
@@ -4961,7 +4607,7 @@
         </a:bodyPr>
         <a:lstStyle/>
         <a:p>
-          <a:pPr lvl="0" algn="ctr" defTabSz="355600">
+          <a:pPr marL="0" lvl="0" indent="0" algn="ctr" defTabSz="355600">
             <a:lnSpc>
               <a:spcPct val="90000"/>
             </a:lnSpc>
@@ -4971,6 +4617,7 @@
             <a:spcAft>
               <a:spcPct val="35000"/>
             </a:spcAft>
+            <a:buNone/>
           </a:pPr>
           <a:endParaRPr lang="en-US" sz="800" kern="1200"/>
         </a:p>
@@ -5032,7 +4679,7 @@
         </a:bodyPr>
         <a:lstStyle/>
         <a:p>
-          <a:pPr lvl="0" algn="ctr" defTabSz="444500">
+          <a:pPr marL="0" lvl="0" indent="0" algn="ctr" defTabSz="444500">
             <a:lnSpc>
               <a:spcPct val="90000"/>
             </a:lnSpc>
@@ -5042,6 +4689,7 @@
             <a:spcAft>
               <a:spcPct val="35000"/>
             </a:spcAft>
+            <a:buNone/>
           </a:pPr>
           <a:r>
             <a:rPr lang="en-US" sz="1000" kern="1200"/>
@@ -5049,7 +4697,7 @@
           </a:r>
         </a:p>
         <a:p>
-          <a:pPr lvl="0" algn="ctr" defTabSz="444500">
+          <a:pPr marL="0" lvl="0" indent="0" algn="ctr" defTabSz="444500">
             <a:lnSpc>
               <a:spcPct val="90000"/>
             </a:lnSpc>
@@ -5059,6 +4707,7 @@
             <a:spcAft>
               <a:spcPct val="35000"/>
             </a:spcAft>
+            <a:buNone/>
           </a:pPr>
           <a:r>
             <a:rPr lang="en-US" sz="1000" kern="1200"/>
@@ -5121,7 +4770,7 @@
         </a:bodyPr>
         <a:lstStyle/>
         <a:p>
-          <a:pPr lvl="0" algn="ctr" defTabSz="355600">
+          <a:pPr marL="0" lvl="0" indent="0" algn="ctr" defTabSz="355600">
             <a:lnSpc>
               <a:spcPct val="90000"/>
             </a:lnSpc>
@@ -5131,6 +4780,7 @@
             <a:spcAft>
               <a:spcPct val="35000"/>
             </a:spcAft>
+            <a:buNone/>
           </a:pPr>
           <a:endParaRPr lang="en-US" sz="800" kern="1200"/>
         </a:p>
@@ -5192,7 +4842,7 @@
         </a:bodyPr>
         <a:lstStyle/>
         <a:p>
-          <a:pPr lvl="0" algn="ctr" defTabSz="444500">
+          <a:pPr marL="0" lvl="0" indent="0" algn="ctr" defTabSz="444500">
             <a:lnSpc>
               <a:spcPct val="90000"/>
             </a:lnSpc>
@@ -5202,6 +4852,7 @@
             <a:spcAft>
               <a:spcPct val="35000"/>
             </a:spcAft>
+            <a:buNone/>
           </a:pPr>
           <a:r>
             <a:rPr lang="en-US" sz="1000" kern="1200"/>
@@ -5209,7 +4860,7 @@
           </a:r>
         </a:p>
         <a:p>
-          <a:pPr lvl="0" algn="ctr" defTabSz="444500">
+          <a:pPr marL="0" lvl="0" indent="0" algn="ctr" defTabSz="444500">
             <a:lnSpc>
               <a:spcPct val="90000"/>
             </a:lnSpc>
@@ -5219,6 +4870,7 @@
             <a:spcAft>
               <a:spcPct val="35000"/>
             </a:spcAft>
+            <a:buNone/>
           </a:pPr>
           <a:r>
             <a:rPr lang="en-US" sz="1000" kern="1200"/>
@@ -5281,7 +4933,7 @@
         </a:bodyPr>
         <a:lstStyle/>
         <a:p>
-          <a:pPr lvl="0" algn="ctr" defTabSz="355600">
+          <a:pPr marL="0" lvl="0" indent="0" algn="ctr" defTabSz="355600">
             <a:lnSpc>
               <a:spcPct val="90000"/>
             </a:lnSpc>
@@ -5291,6 +4943,7 @@
             <a:spcAft>
               <a:spcPct val="35000"/>
             </a:spcAft>
+            <a:buNone/>
           </a:pPr>
           <a:endParaRPr lang="en-US" sz="800" kern="1200"/>
         </a:p>
@@ -5352,7 +5005,7 @@
         </a:bodyPr>
         <a:lstStyle/>
         <a:p>
-          <a:pPr lvl="0" algn="ctr" defTabSz="444500">
+          <a:pPr marL="0" lvl="0" indent="0" algn="ctr" defTabSz="444500">
             <a:lnSpc>
               <a:spcPct val="90000"/>
             </a:lnSpc>
@@ -5362,6 +5015,7 @@
             <a:spcAft>
               <a:spcPct val="35000"/>
             </a:spcAft>
+            <a:buNone/>
           </a:pPr>
           <a:r>
             <a:rPr lang="en-US" sz="1000" kern="1200"/>
@@ -5369,7 +5023,7 @@
           </a:r>
         </a:p>
         <a:p>
-          <a:pPr lvl="0" algn="ctr" defTabSz="444500">
+          <a:pPr marL="0" lvl="0" indent="0" algn="ctr" defTabSz="444500">
             <a:lnSpc>
               <a:spcPct val="90000"/>
             </a:lnSpc>
@@ -5379,6 +5033,7 @@
             <a:spcAft>
               <a:spcPct val="35000"/>
             </a:spcAft>
+            <a:buNone/>
           </a:pPr>
           <a:r>
             <a:rPr lang="en-US" sz="1000" kern="1200"/>
@@ -5441,7 +5096,7 @@
         </a:bodyPr>
         <a:lstStyle/>
         <a:p>
-          <a:pPr lvl="0" algn="ctr" defTabSz="355600">
+          <a:pPr marL="0" lvl="0" indent="0" algn="ctr" defTabSz="355600">
             <a:lnSpc>
               <a:spcPct val="90000"/>
             </a:lnSpc>
@@ -5451,6 +5106,7 @@
             <a:spcAft>
               <a:spcPct val="35000"/>
             </a:spcAft>
+            <a:buNone/>
           </a:pPr>
           <a:endParaRPr lang="en-US" sz="800" kern="1200"/>
         </a:p>
@@ -5512,7 +5168,7 @@
         </a:bodyPr>
         <a:lstStyle/>
         <a:p>
-          <a:pPr lvl="0" algn="ctr" defTabSz="444500">
+          <a:pPr marL="0" lvl="0" indent="0" algn="ctr" defTabSz="444500">
             <a:lnSpc>
               <a:spcPct val="90000"/>
             </a:lnSpc>
@@ -5522,6 +5178,7 @@
             <a:spcAft>
               <a:spcPct val="35000"/>
             </a:spcAft>
+            <a:buNone/>
           </a:pPr>
           <a:r>
             <a:rPr lang="en-US" sz="1000" kern="1200"/>
@@ -5529,7 +5186,7 @@
           </a:r>
         </a:p>
         <a:p>
-          <a:pPr lvl="0" algn="ctr" defTabSz="444500">
+          <a:pPr marL="0" lvl="0" indent="0" algn="ctr" defTabSz="444500">
             <a:lnSpc>
               <a:spcPct val="90000"/>
             </a:lnSpc>
@@ -5539,6 +5196,7 @@
             <a:spcAft>
               <a:spcPct val="35000"/>
             </a:spcAft>
+            <a:buNone/>
           </a:pPr>
           <a:r>
             <a:rPr lang="en-US" sz="1000" kern="1200"/>
@@ -5601,7 +5259,7 @@
         </a:bodyPr>
         <a:lstStyle/>
         <a:p>
-          <a:pPr lvl="0" algn="ctr" defTabSz="355600">
+          <a:pPr marL="0" lvl="0" indent="0" algn="ctr" defTabSz="355600">
             <a:lnSpc>
               <a:spcPct val="90000"/>
             </a:lnSpc>
@@ -5611,6 +5269,7 @@
             <a:spcAft>
               <a:spcPct val="35000"/>
             </a:spcAft>
+            <a:buNone/>
           </a:pPr>
           <a:endParaRPr lang="en-US" sz="800" kern="1200"/>
         </a:p>
@@ -5677,7 +5336,7 @@
         </a:bodyPr>
         <a:lstStyle/>
         <a:p>
-          <a:pPr lvl="0" algn="ctr" defTabSz="444500">
+          <a:pPr marL="0" lvl="0" indent="0" algn="ctr" defTabSz="444500">
             <a:lnSpc>
               <a:spcPct val="90000"/>
             </a:lnSpc>
@@ -5687,6 +5346,7 @@
             <a:spcAft>
               <a:spcPct val="35000"/>
             </a:spcAft>
+            <a:buNone/>
           </a:pPr>
           <a:r>
             <a:rPr lang="en-US" sz="1000" kern="1200"/>
@@ -5766,7 +5426,7 @@
         </a:bodyPr>
         <a:lstStyle/>
         <a:p>
-          <a:pPr lvl="0" algn="ctr" defTabSz="533400">
+          <a:pPr marL="0" lvl="0" indent="0" algn="ctr" defTabSz="533400">
             <a:lnSpc>
               <a:spcPct val="90000"/>
             </a:lnSpc>
@@ -5776,6 +5436,7 @@
             <a:spcAft>
               <a:spcPct val="35000"/>
             </a:spcAft>
+            <a:buNone/>
           </a:pPr>
           <a:r>
             <a:rPr lang="en-US" sz="1200" kern="1200"/>
@@ -5838,7 +5499,7 @@
         </a:bodyPr>
         <a:lstStyle/>
         <a:p>
-          <a:pPr lvl="0" algn="ctr" defTabSz="444500">
+          <a:pPr marL="0" lvl="0" indent="0" algn="ctr" defTabSz="444500">
             <a:lnSpc>
               <a:spcPct val="90000"/>
             </a:lnSpc>
@@ -5848,6 +5509,7 @@
             <a:spcAft>
               <a:spcPct val="35000"/>
             </a:spcAft>
+            <a:buNone/>
           </a:pPr>
           <a:endParaRPr lang="en-US" sz="1000" kern="1200"/>
         </a:p>
@@ -5912,7 +5574,7 @@
         </a:bodyPr>
         <a:lstStyle/>
         <a:p>
-          <a:pPr lvl="0" algn="ctr" defTabSz="533400">
+          <a:pPr marL="0" lvl="0" indent="0" algn="ctr" defTabSz="533400">
             <a:lnSpc>
               <a:spcPct val="90000"/>
             </a:lnSpc>
@@ -5922,6 +5584,7 @@
             <a:spcAft>
               <a:spcPct val="35000"/>
             </a:spcAft>
+            <a:buNone/>
           </a:pPr>
           <a:r>
             <a:rPr lang="en-US" sz="1200" kern="1200"/>
@@ -5984,7 +5647,7 @@
         </a:bodyPr>
         <a:lstStyle/>
         <a:p>
-          <a:pPr lvl="0" algn="ctr" defTabSz="444500">
+          <a:pPr marL="0" lvl="0" indent="0" algn="ctr" defTabSz="444500">
             <a:lnSpc>
               <a:spcPct val="90000"/>
             </a:lnSpc>
@@ -5994,6 +5657,7 @@
             <a:spcAft>
               <a:spcPct val="35000"/>
             </a:spcAft>
+            <a:buNone/>
           </a:pPr>
           <a:endParaRPr lang="en-US" sz="1000" kern="1200"/>
         </a:p>
@@ -6058,7 +5722,7 @@
         </a:bodyPr>
         <a:lstStyle/>
         <a:p>
-          <a:pPr lvl="0" algn="ctr" defTabSz="533400">
+          <a:pPr marL="0" lvl="0" indent="0" algn="ctr" defTabSz="533400">
             <a:lnSpc>
               <a:spcPct val="90000"/>
             </a:lnSpc>
@@ -6068,6 +5732,7 @@
             <a:spcAft>
               <a:spcPct val="35000"/>
             </a:spcAft>
+            <a:buNone/>
           </a:pPr>
           <a:r>
             <a:rPr lang="en-US" sz="1200" kern="1200"/>
@@ -6130,7 +5795,7 @@
         </a:bodyPr>
         <a:lstStyle/>
         <a:p>
-          <a:pPr lvl="0" algn="ctr" defTabSz="444500">
+          <a:pPr marL="0" lvl="0" indent="0" algn="ctr" defTabSz="444500">
             <a:lnSpc>
               <a:spcPct val="90000"/>
             </a:lnSpc>
@@ -6140,6 +5805,7 @@
             <a:spcAft>
               <a:spcPct val="35000"/>
             </a:spcAft>
+            <a:buNone/>
           </a:pPr>
           <a:endParaRPr lang="en-US" sz="1000" kern="1200"/>
         </a:p>
@@ -6204,7 +5870,7 @@
         </a:bodyPr>
         <a:lstStyle/>
         <a:p>
-          <a:pPr lvl="0" algn="ctr" defTabSz="533400">
+          <a:pPr marL="0" lvl="0" indent="0" algn="ctr" defTabSz="533400">
             <a:lnSpc>
               <a:spcPct val="90000"/>
             </a:lnSpc>
@@ -6214,6 +5880,7 @@
             <a:spcAft>
               <a:spcPct val="35000"/>
             </a:spcAft>
+            <a:buNone/>
           </a:pPr>
           <a:r>
             <a:rPr lang="en-US" sz="1200" kern="1200"/>
@@ -6276,7 +5943,7 @@
         </a:bodyPr>
         <a:lstStyle/>
         <a:p>
-          <a:pPr lvl="0" algn="ctr" defTabSz="444500">
+          <a:pPr marL="0" lvl="0" indent="0" algn="ctr" defTabSz="444500">
             <a:lnSpc>
               <a:spcPct val="90000"/>
             </a:lnSpc>
@@ -6286,6 +5953,7 @@
             <a:spcAft>
               <a:spcPct val="35000"/>
             </a:spcAft>
+            <a:buNone/>
           </a:pPr>
           <a:endParaRPr lang="en-US" sz="1000" kern="1200"/>
         </a:p>
@@ -6350,7 +6018,7 @@
         </a:bodyPr>
         <a:lstStyle/>
         <a:p>
-          <a:pPr lvl="0" algn="ctr" defTabSz="533400">
+          <a:pPr marL="0" lvl="0" indent="0" algn="ctr" defTabSz="533400">
             <a:lnSpc>
               <a:spcPct val="90000"/>
             </a:lnSpc>
@@ -6360,6 +6028,7 @@
             <a:spcAft>
               <a:spcPct val="35000"/>
             </a:spcAft>
+            <a:buNone/>
           </a:pPr>
           <a:r>
             <a:rPr lang="en-US" sz="1200" kern="1200"/>
@@ -6422,7 +6091,7 @@
         </a:bodyPr>
         <a:lstStyle/>
         <a:p>
-          <a:pPr lvl="0" algn="ctr" defTabSz="444500">
+          <a:pPr marL="0" lvl="0" indent="0" algn="ctr" defTabSz="444500">
             <a:lnSpc>
               <a:spcPct val="90000"/>
             </a:lnSpc>
@@ -6432,6 +6101,7 @@
             <a:spcAft>
               <a:spcPct val="35000"/>
             </a:spcAft>
+            <a:buNone/>
           </a:pPr>
           <a:endParaRPr lang="en-US" sz="1000" kern="1200"/>
         </a:p>
@@ -6496,7 +6166,7 @@
         </a:bodyPr>
         <a:lstStyle/>
         <a:p>
-          <a:pPr lvl="0" algn="ctr" defTabSz="533400">
+          <a:pPr marL="0" lvl="0" indent="0" algn="ctr" defTabSz="533400">
             <a:lnSpc>
               <a:spcPct val="90000"/>
             </a:lnSpc>
@@ -6506,6 +6176,7 @@
             <a:spcAft>
               <a:spcPct val="35000"/>
             </a:spcAft>
+            <a:buNone/>
           </a:pPr>
           <a:r>
             <a:rPr lang="en-US" sz="1200" kern="1200"/>
@@ -6568,7 +6239,7 @@
         </a:bodyPr>
         <a:lstStyle/>
         <a:p>
-          <a:pPr lvl="0" algn="ctr" defTabSz="444500">
+          <a:pPr marL="0" lvl="0" indent="0" algn="ctr" defTabSz="444500">
             <a:lnSpc>
               <a:spcPct val="90000"/>
             </a:lnSpc>
@@ -6578,6 +6249,7 @@
             <a:spcAft>
               <a:spcPct val="35000"/>
             </a:spcAft>
+            <a:buNone/>
           </a:pPr>
           <a:endParaRPr lang="en-US" sz="1000" kern="1200"/>
         </a:p>
@@ -10446,7 +10118,7 @@
           <a:p>
             <a:fld id="{EA4960E5-F060-4C88-B1C5-5A6F5890BEF6}" type="datetimeFigureOut">
               <a:rPr lang="en-SG" smtClean="0"/>
-              <a:t>10/21/2020</a:t>
+              <a:t>21/10/2020</a:t>
             </a:fld>
             <a:endParaRPr lang="en-SG" dirty="0"/>
           </a:p>
@@ -16697,7 +16369,7 @@
           <a:graphicData uri="http://schemas.openxmlformats.org/presentationml/2006/ole">
             <mc:AlternateContent xmlns:mc="http://schemas.openxmlformats.org/markup-compatibility/2006">
               <mc:Choice xmlns:v="urn:schemas-microsoft-com:vml" Requires="v">
-                <p:oleObj spid="_x0000_s2068" name="Bitmap Image" r:id="rId3" imgW="5014395" imgH="4572396" progId="Paint.Picture">
+                <p:oleObj spid="_x0000_s2067" name="Bitmap Image" r:id="rId3" imgW="5014395" imgH="4572396" progId="Paint.Picture">
                   <p:embed/>
                 </p:oleObj>
               </mc:Choice>
@@ -17078,7 +16750,7 @@
           <a:graphicData uri="http://schemas.openxmlformats.org/presentationml/2006/ole">
             <mc:AlternateContent xmlns:mc="http://schemas.openxmlformats.org/markup-compatibility/2006">
               <mc:Choice xmlns:v="urn:schemas-microsoft-com:vml" Requires="v">
-                <p:oleObj spid="_x0000_s6150" name="Bitmap Image" r:id="rId3" imgW="4915326" imgH="3505504" progId="Paint.Picture">
+                <p:oleObj spid="_x0000_s6149" name="Bitmap Image" r:id="rId3" imgW="4915326" imgH="3505504" progId="Paint.Picture">
                   <p:embed/>
                 </p:oleObj>
               </mc:Choice>
@@ -17733,79 +17405,6 @@
           </a:p>
         </p:txBody>
       </p:sp>
-      <p:graphicFrame>
-        <p:nvGraphicFramePr>
-          <p:cNvPr id="11" name="Object 10">
-            <a:extLst>
-              <a:ext uri="{FF2B5EF4-FFF2-40B4-BE49-F238E27FC236}">
-                <a16:creationId xmlns:a16="http://schemas.microsoft.com/office/drawing/2014/main" id="{22C4C178-C008-4C69-961E-0CE4117E6EE4}"/>
-              </a:ext>
-            </a:extLst>
-          </p:cNvPr>
-          <p:cNvGraphicFramePr>
-            <a:graphicFrameLocks noChangeAspect="1"/>
-          </p:cNvGraphicFramePr>
-          <p:nvPr/>
-        </p:nvGraphicFramePr>
-        <p:xfrm>
-          <a:off x="4902741" y="1379535"/>
-          <a:ext cx="3457488" cy="3152214"/>
-        </p:xfrm>
-        <a:graphic>
-          <a:graphicData uri="http://schemas.openxmlformats.org/presentationml/2006/ole">
-            <mc:AlternateContent xmlns:mc="http://schemas.openxmlformats.org/markup-compatibility/2006">
-              <mc:Choice xmlns:v="urn:schemas-microsoft-com:vml" Requires="v">
-                <p:oleObj spid="_x0000_s7172" name="Bitmap Image" r:id="rId3" imgW="5014395" imgH="4572396" progId="Paint.Picture">
-                  <p:embed/>
-                </p:oleObj>
-              </mc:Choice>
-              <mc:Fallback>
-                <p:oleObj name="Bitmap Image" r:id="rId3" imgW="5014395" imgH="4572396" progId="Paint.Picture">
-                  <p:embed/>
-                  <p:pic>
-                    <p:nvPicPr>
-                      <p:cNvPr id="11" name="Object 10">
-                        <a:extLst>
-                          <a:ext uri="{FF2B5EF4-FFF2-40B4-BE49-F238E27FC236}">
-                            <a16:creationId xmlns:a16="http://schemas.microsoft.com/office/drawing/2014/main" id="{22C4C178-C008-4C69-961E-0CE4117E6EE4}"/>
-                          </a:ext>
-                        </a:extLst>
-                      </p:cNvPr>
-                      <p:cNvPicPr>
-                        <a:picLocks noChangeAspect="1" noChangeArrowheads="1"/>
-                      </p:cNvPicPr>
-                      <p:nvPr/>
-                    </p:nvPicPr>
-                    <p:blipFill>
-                      <a:blip r:embed="rId4">
-                        <a:extLst>
-                          <a:ext uri="{28A0092B-C50C-407E-A947-70E740481C1C}">
-                            <a14:useLocalDpi xmlns:a14="http://schemas.microsoft.com/office/drawing/2010/main" val="0"/>
-                          </a:ext>
-                        </a:extLst>
-                      </a:blip>
-                      <a:srcRect/>
-                      <a:stretch>
-                        <a:fillRect/>
-                      </a:stretch>
-                    </p:blipFill>
-                    <p:spPr bwMode="auto">
-                      <a:xfrm>
-                        <a:off x="4902741" y="1379535"/>
-                        <a:ext cx="3457488" cy="3152214"/>
-                      </a:xfrm>
-                      <a:prstGeom prst="rect">
-                        <a:avLst/>
-                      </a:prstGeom>
-                      <a:noFill/>
-                    </p:spPr>
-                  </p:pic>
-                </p:oleObj>
-              </mc:Fallback>
-            </mc:AlternateContent>
-          </a:graphicData>
-        </a:graphic>
-      </p:graphicFrame>
       <p:sp>
         <p:nvSpPr>
           <p:cNvPr id="12" name="TextBox 11">
@@ -17892,10 +17491,10 @@
       </p:sp>
       <p:pic>
         <p:nvPicPr>
-          <p:cNvPr id="14" name="Picture 13">
+          <p:cNvPr id="15" name="Picture 14">
             <a:extLst>
               <a:ext uri="{FF2B5EF4-FFF2-40B4-BE49-F238E27FC236}">
-                <a16:creationId xmlns:a16="http://schemas.microsoft.com/office/drawing/2014/main" id="{FF0304D9-86A4-4839-B770-F3E21CC3B185}"/>
+                <a16:creationId xmlns:a16="http://schemas.microsoft.com/office/drawing/2014/main" id="{FDE6122C-728C-49E7-BAC1-E7A310F4579D}"/>
               </a:ext>
             </a:extLst>
           </p:cNvPr>
@@ -17903,7 +17502,7 @@
           <p:nvPr/>
         </p:nvPicPr>
         <p:blipFill>
-          <a:blip r:embed="rId5">
+          <a:blip r:embed="rId2">
             <a:extLst>
               <a:ext uri="{28A0092B-C50C-407E-A947-70E740481C1C}">
                 <a14:useLocalDpi xmlns:a14="http://schemas.microsoft.com/office/drawing/2010/main" val="0"/>
@@ -17917,8 +17516,47 @@
         </p:blipFill>
         <p:spPr bwMode="auto">
           <a:xfrm>
-            <a:off x="498080" y="1349764"/>
-            <a:ext cx="3457487" cy="3319890"/>
+            <a:off x="4766283" y="1402393"/>
+            <a:ext cx="3200400" cy="3219450"/>
+          </a:xfrm>
+          <a:prstGeom prst="rect">
+            <a:avLst/>
+          </a:prstGeom>
+          <a:noFill/>
+          <a:ln>
+            <a:noFill/>
+          </a:ln>
+        </p:spPr>
+      </p:pic>
+      <p:pic>
+        <p:nvPicPr>
+          <p:cNvPr id="16" name="Picture 15">
+            <a:extLst>
+              <a:ext uri="{FF2B5EF4-FFF2-40B4-BE49-F238E27FC236}">
+                <a16:creationId xmlns:a16="http://schemas.microsoft.com/office/drawing/2014/main" id="{1BD82AA8-B086-4C37-9EF1-26FDD95F1945}"/>
+              </a:ext>
+            </a:extLst>
+          </p:cNvPr>
+          <p:cNvPicPr/>
+          <p:nvPr/>
+        </p:nvPicPr>
+        <p:blipFill>
+          <a:blip r:embed="rId3">
+            <a:extLst>
+              <a:ext uri="{28A0092B-C50C-407E-A947-70E740481C1C}">
+                <a14:useLocalDpi xmlns:a14="http://schemas.microsoft.com/office/drawing/2010/main" val="0"/>
+              </a:ext>
+            </a:extLst>
+          </a:blip>
+          <a:srcRect/>
+          <a:stretch>
+            <a:fillRect/>
+          </a:stretch>
+        </p:blipFill>
+        <p:spPr bwMode="auto">
+          <a:xfrm>
+            <a:off x="419431" y="1524487"/>
+            <a:ext cx="3200400" cy="3190875"/>
           </a:xfrm>
           <a:prstGeom prst="rect">
             <a:avLst/>
@@ -18369,7 +18007,7 @@
           <a:graphicData uri="http://schemas.openxmlformats.org/presentationml/2006/ole">
             <mc:AlternateContent xmlns:mc="http://schemas.openxmlformats.org/markup-compatibility/2006">
               <mc:Choice xmlns:v="urn:schemas-microsoft-com:vml" Requires="v">
-                <p:oleObj spid="_x0000_s3082" name="Bitmap Image" r:id="rId3" imgW="5014395" imgH="4572396" progId="Paint.Picture">
+                <p:oleObj spid="_x0000_s3081" name="Bitmap Image" r:id="rId3" imgW="5014395" imgH="4572396" progId="Paint.Picture">
                   <p:embed/>
                 </p:oleObj>
               </mc:Choice>
@@ -18576,272 +18214,26 @@
             <p:ph type="title"/>
           </p:nvPr>
         </p:nvSpPr>
-        <p:spPr/>
+        <p:spPr>
+          <a:xfrm>
+            <a:off x="2573601" y="3053030"/>
+            <a:ext cx="4648197" cy="545561"/>
+          </a:xfrm>
+        </p:spPr>
         <p:txBody>
           <a:bodyPr/>
           <a:lstStyle/>
           <a:p>
             <a:r>
-              <a:rPr lang="en-US" dirty="0" smtClean="0"/>
-              <a:t>Comparison</a:t>
-            </a:r>
-            <a:endParaRPr lang="en-SG" dirty="0"/>
-          </a:p>
-        </p:txBody>
-      </p:sp>
-      <p:sp>
-        <p:nvSpPr>
-          <p:cNvPr id="3" name="Content Placeholder 2"/>
-          <p:cNvSpPr>
-            <a:spLocks noGrp="1"/>
-          </p:cNvSpPr>
-          <p:nvPr>
-            <p:ph sz="quarter" idx="13"/>
-          </p:nvPr>
-        </p:nvSpPr>
-        <p:spPr/>
-        <p:txBody>
-          <a:bodyPr>
-            <a:normAutofit fontScale="55000" lnSpcReduction="20000"/>
-          </a:bodyPr>
-          <a:lstStyle/>
-          <a:p>
-            <a:r>
-              <a:rPr lang="en-US" dirty="0" smtClean="0">
-                <a:solidFill>
-                  <a:schemeClr val="tx1"/>
-                </a:solidFill>
-              </a:rPr>
-              <a:t>Localization Algorithms</a:t>
-            </a:r>
-          </a:p>
-          <a:p>
-            <a:pPr lvl="1"/>
-            <a:r>
-              <a:rPr lang="en-US" dirty="0" smtClean="0">
-                <a:solidFill>
-                  <a:schemeClr val="tx1"/>
-                </a:solidFill>
-              </a:rPr>
-              <a:t>Monte </a:t>
+              <a:rPr lang="en-US" dirty="0"/>
+              <a:t>Thank you! </a:t>
             </a:r>
             <a:r>
               <a:rPr lang="en-US" dirty="0">
-                <a:solidFill>
-                  <a:schemeClr val="tx1"/>
-                </a:solidFill>
+                <a:sym typeface="Wingdings" panose="05000000000000000000" pitchFamily="2" charset="2"/>
               </a:rPr>
-              <a:t>Carlo </a:t>
+              <a:t> </a:t>
             </a:r>
-            <a:r>
-              <a:rPr lang="en-US" dirty="0" smtClean="0">
-                <a:solidFill>
-                  <a:schemeClr val="tx1"/>
-                </a:solidFill>
-              </a:rPr>
-              <a:t>Localization (MCL)</a:t>
-            </a:r>
-          </a:p>
-          <a:p>
-            <a:pPr lvl="2"/>
-            <a:r>
-              <a:rPr lang="en-US" dirty="0" smtClean="0">
-                <a:solidFill>
-                  <a:schemeClr val="tx1"/>
-                </a:solidFill>
-              </a:rPr>
-              <a:t>Most popular in robot localization</a:t>
-            </a:r>
-          </a:p>
-          <a:p>
-            <a:pPr lvl="2"/>
-            <a:r>
-              <a:rPr lang="en-US" dirty="0">
-                <a:solidFill>
-                  <a:schemeClr val="tx1"/>
-                </a:solidFill>
-              </a:rPr>
-              <a:t>Also referred to as Particle Filter</a:t>
-            </a:r>
-          </a:p>
-          <a:p>
-            <a:pPr lvl="2"/>
-            <a:r>
-              <a:rPr lang="en-US" dirty="0">
-                <a:solidFill>
-                  <a:schemeClr val="tx1"/>
-                </a:solidFill>
-              </a:rPr>
-              <a:t>Relies on </a:t>
-            </a:r>
-          </a:p>
-          <a:p>
-            <a:pPr lvl="3"/>
-            <a:r>
-              <a:rPr lang="en-US" dirty="0">
-                <a:solidFill>
-                  <a:schemeClr val="tx1"/>
-                </a:solidFill>
-              </a:rPr>
-              <a:t>Accurate Environment Map</a:t>
-            </a:r>
-          </a:p>
-          <a:p>
-            <a:pPr lvl="3"/>
-            <a:r>
-              <a:rPr lang="en-US" dirty="0">
-                <a:solidFill>
-                  <a:schemeClr val="tx1"/>
-                </a:solidFill>
-              </a:rPr>
-              <a:t>Particle position and </a:t>
-            </a:r>
-            <a:r>
-              <a:rPr lang="en-US" dirty="0" smtClean="0">
-                <a:solidFill>
-                  <a:schemeClr val="tx1"/>
-                </a:solidFill>
-              </a:rPr>
-              <a:t>orientation</a:t>
-            </a:r>
-          </a:p>
-          <a:p>
-            <a:pPr lvl="1"/>
-            <a:r>
-              <a:rPr lang="en-US" dirty="0">
-                <a:solidFill>
-                  <a:schemeClr val="tx1"/>
-                </a:solidFill>
-              </a:rPr>
-              <a:t>Adaptive Monte Carlo </a:t>
-            </a:r>
-            <a:r>
-              <a:rPr lang="en-US" dirty="0" smtClean="0">
-                <a:solidFill>
-                  <a:schemeClr val="tx1"/>
-                </a:solidFill>
-              </a:rPr>
-              <a:t>Localization (AMCL)</a:t>
-            </a:r>
-          </a:p>
-          <a:p>
-            <a:pPr lvl="2"/>
-            <a:r>
-              <a:rPr lang="en-US" dirty="0" smtClean="0">
-                <a:solidFill>
-                  <a:schemeClr val="tx1"/>
-                </a:solidFill>
-              </a:rPr>
-              <a:t>Improved version of MCL</a:t>
-            </a:r>
-          </a:p>
-          <a:p>
-            <a:pPr lvl="2"/>
-            <a:endParaRPr lang="en-US" dirty="0" smtClean="0">
-              <a:solidFill>
-                <a:schemeClr val="tx1"/>
-              </a:solidFill>
-            </a:endParaRPr>
-          </a:p>
-          <a:p>
-            <a:r>
-              <a:rPr lang="en-SG" dirty="0" smtClean="0">
-                <a:solidFill>
-                  <a:schemeClr val="tx1"/>
-                </a:solidFill>
-              </a:rPr>
-              <a:t>Deep </a:t>
-            </a:r>
-            <a:r>
-              <a:rPr lang="en-SG" dirty="0">
-                <a:solidFill>
-                  <a:schemeClr val="tx1"/>
-                </a:solidFill>
-              </a:rPr>
-              <a:t>Neural Network Robotic </a:t>
-            </a:r>
-            <a:r>
-              <a:rPr lang="en-SG" dirty="0" smtClean="0">
-                <a:solidFill>
-                  <a:schemeClr val="tx1"/>
-                </a:solidFill>
-              </a:rPr>
-              <a:t>Mapping</a:t>
-            </a:r>
-          </a:p>
-          <a:p>
-            <a:pPr lvl="1"/>
-            <a:r>
-              <a:rPr lang="en-SG" dirty="0" smtClean="0">
-                <a:solidFill>
-                  <a:schemeClr val="tx1"/>
-                </a:solidFill>
-              </a:rPr>
-              <a:t>Relies on GPS and 3D scan data</a:t>
-            </a:r>
-          </a:p>
-          <a:p>
-            <a:pPr lvl="1"/>
-            <a:r>
-              <a:rPr lang="en-US" dirty="0" smtClean="0">
-                <a:solidFill>
-                  <a:schemeClr val="tx1"/>
-                </a:solidFill>
-              </a:rPr>
-              <a:t>Produces more accuracy map</a:t>
-            </a:r>
-          </a:p>
-          <a:p>
-            <a:pPr lvl="2"/>
-            <a:r>
-              <a:rPr lang="en-US" dirty="0" smtClean="0">
-                <a:solidFill>
-                  <a:schemeClr val="tx1"/>
-                </a:solidFill>
-              </a:rPr>
-              <a:t>Comparing with traditional approach such as k-means</a:t>
-            </a:r>
-          </a:p>
-          <a:p>
-            <a:pPr lvl="2"/>
-            <a:endParaRPr lang="en-US" dirty="0">
-              <a:solidFill>
-                <a:schemeClr val="tx1"/>
-              </a:solidFill>
-            </a:endParaRPr>
-          </a:p>
-          <a:p>
-            <a:r>
-              <a:rPr lang="en-US" dirty="0" smtClean="0">
-                <a:solidFill>
-                  <a:schemeClr val="tx1"/>
-                </a:solidFill>
-              </a:rPr>
-              <a:t>Therefore, AMCL and </a:t>
-            </a:r>
-            <a:r>
-              <a:rPr lang="en-SG" dirty="0">
-                <a:solidFill>
-                  <a:schemeClr val="tx1"/>
-                </a:solidFill>
-              </a:rPr>
-              <a:t>Deep Neural Network Robotic </a:t>
-            </a:r>
-            <a:r>
-              <a:rPr lang="en-SG" dirty="0" smtClean="0">
-                <a:solidFill>
-                  <a:schemeClr val="tx1"/>
-                </a:solidFill>
-              </a:rPr>
-              <a:t>Mapping are good candidates for complement on localization and map in certain conditions</a:t>
-            </a:r>
-            <a:endParaRPr lang="en-US" dirty="0">
-              <a:solidFill>
-                <a:schemeClr val="tx1"/>
-              </a:solidFill>
-            </a:endParaRPr>
-          </a:p>
-          <a:p>
             <a:endParaRPr lang="en-SG" dirty="0"/>
           </a:p>
         </p:txBody>
@@ -18863,7 +18255,7 @@
           <a:p>
             <a:pPr algn="l"/>
             <a:r>
-              <a:rPr lang="en-SG" sz="1000" smtClean="0"/>
+              <a:rPr lang="en-SG" sz="1000" dirty="0"/>
               <a:t>© 2018 National University of Singapore. All Rights Reserved</a:t>
             </a:r>
             <a:endParaRPr lang="en-SG" dirty="0"/>
@@ -18897,446 +18289,7 @@
     </p:spTree>
     <p:extLst>
       <p:ext uri="{BB962C8B-B14F-4D97-AF65-F5344CB8AC3E}">
-        <p14:creationId xmlns:p14="http://schemas.microsoft.com/office/powerpoint/2010/main" val="4244244543"/>
-      </p:ext>
-    </p:extLst>
-  </p:cSld>
-  <p:clrMapOvr>
-    <a:masterClrMapping/>
-  </p:clrMapOvr>
-</p:sld>
-</file>
-
-<file path=ppt/slides/slide28.xml><?xml version="1.0" encoding="utf-8"?>
-<p:sld xmlns:a="http://schemas.openxmlformats.org/drawingml/2006/main" xmlns:r="http://schemas.openxmlformats.org/officeDocument/2006/relationships" xmlns:p="http://schemas.openxmlformats.org/presentationml/2006/main">
-  <p:cSld>
-    <p:spTree>
-      <p:nvGrpSpPr>
-        <p:cNvPr id="1" name=""/>
-        <p:cNvGrpSpPr/>
-        <p:nvPr/>
-      </p:nvGrpSpPr>
-      <p:grpSpPr>
-        <a:xfrm>
-          <a:off x="0" y="0"/>
-          <a:ext cx="0" cy="0"/>
-          <a:chOff x="0" y="0"/>
-          <a:chExt cx="0" cy="0"/>
-        </a:xfrm>
-      </p:grpSpPr>
-      <p:sp>
-        <p:nvSpPr>
-          <p:cNvPr id="2" name="Title 1"/>
-          <p:cNvSpPr>
-            <a:spLocks noGrp="1"/>
-          </p:cNvSpPr>
-          <p:nvPr>
-            <p:ph type="title"/>
-          </p:nvPr>
-        </p:nvSpPr>
-        <p:spPr/>
-        <p:txBody>
-          <a:bodyPr>
-            <a:normAutofit fontScale="90000"/>
-          </a:bodyPr>
-          <a:lstStyle/>
-          <a:p>
-            <a:r>
-              <a:rPr lang="en-US" dirty="0" smtClean="0"/>
-              <a:t>System Design -</a:t>
-            </a:r>
-            <a:br>
-              <a:rPr lang="en-US" dirty="0" smtClean="0"/>
-            </a:br>
-            <a:r>
-              <a:rPr lang="en-US" dirty="0" smtClean="0"/>
-              <a:t>Visualization</a:t>
-            </a:r>
-            <a:endParaRPr lang="en-SG" dirty="0"/>
-          </a:p>
-        </p:txBody>
-      </p:sp>
-      <p:sp>
-        <p:nvSpPr>
-          <p:cNvPr id="3" name="Content Placeholder 2"/>
-          <p:cNvSpPr>
-            <a:spLocks noGrp="1"/>
-          </p:cNvSpPr>
-          <p:nvPr>
-            <p:ph sz="quarter" idx="13"/>
-          </p:nvPr>
-        </p:nvSpPr>
-        <p:spPr/>
-        <p:txBody>
-          <a:bodyPr/>
-          <a:lstStyle/>
-          <a:p>
-            <a:endParaRPr lang="en-SG" dirty="0"/>
-          </a:p>
-        </p:txBody>
-      </p:sp>
-      <p:sp>
-        <p:nvSpPr>
-          <p:cNvPr id="4" name="Footer Placeholder 3"/>
-          <p:cNvSpPr>
-            <a:spLocks noGrp="1"/>
-          </p:cNvSpPr>
-          <p:nvPr>
-            <p:ph type="ftr" sz="quarter" idx="15"/>
-          </p:nvPr>
-        </p:nvSpPr>
-        <p:spPr/>
-        <p:txBody>
-          <a:bodyPr/>
-          <a:lstStyle/>
-          <a:p>
-            <a:pPr algn="l"/>
-            <a:r>
-              <a:rPr lang="en-SG" sz="1000" smtClean="0"/>
-              <a:t>© 2018 National University of Singapore. All Rights Reserved</a:t>
-            </a:r>
-            <a:endParaRPr lang="en-SG" dirty="0"/>
-          </a:p>
-        </p:txBody>
-      </p:sp>
-      <p:sp>
-        <p:nvSpPr>
-          <p:cNvPr id="5" name="Slide Number Placeholder 4"/>
-          <p:cNvSpPr>
-            <a:spLocks noGrp="1"/>
-          </p:cNvSpPr>
-          <p:nvPr>
-            <p:ph type="sldNum" sz="quarter" idx="16"/>
-          </p:nvPr>
-        </p:nvSpPr>
-        <p:spPr/>
-        <p:txBody>
-          <a:bodyPr/>
-          <a:lstStyle/>
-          <a:p>
-            <a:fld id="{2F63C605-4FC6-46DE-BC90-871762EA3F52}" type="slidenum">
-              <a:rPr lang="en-SG" smtClean="0"/>
-              <a:pPr/>
-              <a:t>28</a:t>
-            </a:fld>
-            <a:endParaRPr lang="en-SG" dirty="0"/>
-          </a:p>
-        </p:txBody>
-      </p:sp>
-      <p:pic>
-        <p:nvPicPr>
-          <p:cNvPr id="10" name="Picture 9"/>
-          <p:cNvPicPr>
-            <a:picLocks noChangeAspect="1"/>
-          </p:cNvPicPr>
-          <p:nvPr/>
-        </p:nvPicPr>
-        <p:blipFill>
-          <a:blip r:embed="rId2"/>
-          <a:stretch>
-            <a:fillRect/>
-          </a:stretch>
-        </p:blipFill>
-        <p:spPr>
-          <a:xfrm>
-            <a:off x="1072874" y="1313382"/>
-            <a:ext cx="6998251" cy="4520201"/>
-          </a:xfrm>
-          <a:prstGeom prst="rect">
-            <a:avLst/>
-          </a:prstGeom>
-        </p:spPr>
-      </p:pic>
-    </p:spTree>
-    <p:extLst>
-      <p:ext uri="{BB962C8B-B14F-4D97-AF65-F5344CB8AC3E}">
-        <p14:creationId xmlns:p14="http://schemas.microsoft.com/office/powerpoint/2010/main" val="1024114860"/>
-      </p:ext>
-    </p:extLst>
-  </p:cSld>
-  <p:clrMapOvr>
-    <a:masterClrMapping/>
-  </p:clrMapOvr>
-</p:sld>
-</file>
-
-<file path=ppt/slides/slide29.xml><?xml version="1.0" encoding="utf-8"?>
-<p:sld xmlns:a="http://schemas.openxmlformats.org/drawingml/2006/main" xmlns:r="http://schemas.openxmlformats.org/officeDocument/2006/relationships" xmlns:p="http://schemas.openxmlformats.org/presentationml/2006/main">
-  <p:cSld>
-    <p:spTree>
-      <p:nvGrpSpPr>
-        <p:cNvPr id="1" name=""/>
-        <p:cNvGrpSpPr/>
-        <p:nvPr/>
-      </p:nvGrpSpPr>
-      <p:grpSpPr>
-        <a:xfrm>
-          <a:off x="0" y="0"/>
-          <a:ext cx="0" cy="0"/>
-          <a:chOff x="0" y="0"/>
-          <a:chExt cx="0" cy="0"/>
-        </a:xfrm>
-      </p:grpSpPr>
-      <p:sp>
-        <p:nvSpPr>
-          <p:cNvPr id="2" name="Title 1"/>
-          <p:cNvSpPr>
-            <a:spLocks noGrp="1"/>
-          </p:cNvSpPr>
-          <p:nvPr>
-            <p:ph type="title"/>
-          </p:nvPr>
-        </p:nvSpPr>
-        <p:spPr/>
-        <p:txBody>
-          <a:bodyPr/>
-          <a:lstStyle/>
-          <a:p>
-            <a:r>
-              <a:rPr lang="en-US" dirty="0" smtClean="0"/>
-              <a:t>Open3D Visualizer</a:t>
-            </a:r>
-            <a:endParaRPr lang="en-SG" dirty="0"/>
-          </a:p>
-        </p:txBody>
-      </p:sp>
-      <p:sp>
-        <p:nvSpPr>
-          <p:cNvPr id="3" name="Content Placeholder 2"/>
-          <p:cNvSpPr>
-            <a:spLocks noGrp="1"/>
-          </p:cNvSpPr>
-          <p:nvPr>
-            <p:ph sz="quarter" idx="13"/>
-          </p:nvPr>
-        </p:nvSpPr>
-        <p:spPr/>
-        <p:txBody>
-          <a:bodyPr>
-            <a:normAutofit fontScale="92500" lnSpcReduction="10000"/>
-          </a:bodyPr>
-          <a:lstStyle/>
-          <a:p>
-            <a:r>
-              <a:rPr lang="en-US" dirty="0" smtClean="0">
-                <a:solidFill>
-                  <a:schemeClr val="tx1"/>
-                </a:solidFill>
-              </a:rPr>
-              <a:t>Read 3D Map</a:t>
-            </a:r>
-          </a:p>
-          <a:p>
-            <a:pPr lvl="1"/>
-            <a:r>
-              <a:rPr lang="en-US" dirty="0" smtClean="0">
-                <a:solidFill>
-                  <a:schemeClr val="tx1"/>
-                </a:solidFill>
-              </a:rPr>
-              <a:t>Grayscale 3D map </a:t>
-            </a:r>
-          </a:p>
-          <a:p>
-            <a:pPr lvl="1"/>
-            <a:r>
-              <a:rPr lang="en-US" dirty="0" smtClean="0">
-                <a:solidFill>
-                  <a:schemeClr val="tx1"/>
-                </a:solidFill>
-              </a:rPr>
-              <a:t>produced by </a:t>
-            </a:r>
-            <a:r>
-              <a:rPr lang="en-SG" dirty="0" smtClean="0">
-                <a:solidFill>
-                  <a:schemeClr val="tx1"/>
-                </a:solidFill>
-              </a:rPr>
-              <a:t>DNNRM</a:t>
-            </a:r>
-            <a:endParaRPr lang="en-SG" dirty="0">
-              <a:solidFill>
-                <a:schemeClr val="tx1"/>
-              </a:solidFill>
-            </a:endParaRPr>
-          </a:p>
-          <a:p>
-            <a:pPr lvl="1"/>
-            <a:endParaRPr lang="en-US" dirty="0" smtClean="0">
-              <a:solidFill>
-                <a:schemeClr val="tx1"/>
-              </a:solidFill>
-            </a:endParaRPr>
-          </a:p>
-          <a:p>
-            <a:r>
-              <a:rPr lang="en-US" dirty="0" smtClean="0">
-                <a:solidFill>
-                  <a:schemeClr val="tx1"/>
-                </a:solidFill>
-              </a:rPr>
-              <a:t>Generate views</a:t>
-            </a:r>
-          </a:p>
-          <a:p>
-            <a:pPr lvl="1"/>
-            <a:r>
-              <a:rPr lang="en-US" dirty="0" smtClean="0">
-                <a:solidFill>
-                  <a:schemeClr val="tx1"/>
-                </a:solidFill>
-              </a:rPr>
-              <a:t>2D Map</a:t>
-            </a:r>
-          </a:p>
-          <a:p>
-            <a:pPr lvl="1"/>
-            <a:r>
-              <a:rPr lang="en-US" dirty="0" smtClean="0">
-                <a:solidFill>
-                  <a:schemeClr val="tx1"/>
-                </a:solidFill>
-              </a:rPr>
-              <a:t>Front / Rear View</a:t>
-            </a:r>
-          </a:p>
-          <a:p>
-            <a:pPr lvl="1"/>
-            <a:r>
-              <a:rPr lang="en-US" dirty="0" smtClean="0">
-                <a:solidFill>
-                  <a:schemeClr val="tx1"/>
-                </a:solidFill>
-              </a:rPr>
-              <a:t>Based on </a:t>
-            </a:r>
-          </a:p>
-          <a:p>
-            <a:pPr lvl="2"/>
-            <a:r>
-              <a:rPr lang="en-US" dirty="0" smtClean="0">
-                <a:solidFill>
-                  <a:schemeClr val="tx1"/>
-                </a:solidFill>
-              </a:rPr>
-              <a:t>robot position</a:t>
-            </a:r>
-          </a:p>
-          <a:p>
-            <a:pPr lvl="2"/>
-            <a:r>
-              <a:rPr lang="en-US" dirty="0" smtClean="0">
-                <a:solidFill>
-                  <a:schemeClr val="tx1"/>
-                </a:solidFill>
-              </a:rPr>
-              <a:t>orientation</a:t>
-            </a:r>
-            <a:endParaRPr lang="en-SG" dirty="0">
-              <a:solidFill>
-                <a:schemeClr val="tx1"/>
-              </a:solidFill>
-            </a:endParaRPr>
-          </a:p>
-        </p:txBody>
-      </p:sp>
-      <p:sp>
-        <p:nvSpPr>
-          <p:cNvPr id="4" name="Footer Placeholder 3"/>
-          <p:cNvSpPr>
-            <a:spLocks noGrp="1"/>
-          </p:cNvSpPr>
-          <p:nvPr>
-            <p:ph type="ftr" sz="quarter" idx="15"/>
-          </p:nvPr>
-        </p:nvSpPr>
-        <p:spPr/>
-        <p:txBody>
-          <a:bodyPr/>
-          <a:lstStyle/>
-          <a:p>
-            <a:pPr algn="l"/>
-            <a:r>
-              <a:rPr lang="en-SG" sz="1000" smtClean="0"/>
-              <a:t>© 2018 National University of Singapore. All Rights Reserved</a:t>
-            </a:r>
-            <a:endParaRPr lang="en-SG" dirty="0"/>
-          </a:p>
-        </p:txBody>
-      </p:sp>
-      <p:sp>
-        <p:nvSpPr>
-          <p:cNvPr id="5" name="Slide Number Placeholder 4"/>
-          <p:cNvSpPr>
-            <a:spLocks noGrp="1"/>
-          </p:cNvSpPr>
-          <p:nvPr>
-            <p:ph type="sldNum" sz="quarter" idx="16"/>
-          </p:nvPr>
-        </p:nvSpPr>
-        <p:spPr/>
-        <p:txBody>
-          <a:bodyPr/>
-          <a:lstStyle/>
-          <a:p>
-            <a:fld id="{2F63C605-4FC6-46DE-BC90-871762EA3F52}" type="slidenum">
-              <a:rPr lang="en-SG" smtClean="0"/>
-              <a:pPr/>
-              <a:t>29</a:t>
-            </a:fld>
-            <a:endParaRPr lang="en-SG" dirty="0"/>
-          </a:p>
-        </p:txBody>
-      </p:sp>
-      <p:pic>
-        <p:nvPicPr>
-          <p:cNvPr id="8" name="Picture 7"/>
-          <p:cNvPicPr/>
-          <p:nvPr/>
-        </p:nvPicPr>
-        <p:blipFill>
-          <a:blip r:embed="rId2"/>
-          <a:stretch>
-            <a:fillRect/>
-          </a:stretch>
-        </p:blipFill>
-        <p:spPr>
-          <a:xfrm>
-            <a:off x="5168692" y="1242516"/>
-            <a:ext cx="1861321" cy="2213273"/>
-          </a:xfrm>
-          <a:prstGeom prst="rect">
-            <a:avLst/>
-          </a:prstGeom>
-        </p:spPr>
-      </p:pic>
-      <p:pic>
-        <p:nvPicPr>
-          <p:cNvPr id="9" name="Picture 8"/>
-          <p:cNvPicPr/>
-          <p:nvPr/>
-        </p:nvPicPr>
-        <p:blipFill>
-          <a:blip r:embed="rId3"/>
-          <a:stretch>
-            <a:fillRect/>
-          </a:stretch>
-        </p:blipFill>
-        <p:spPr>
-          <a:xfrm>
-            <a:off x="4998720" y="3264831"/>
-            <a:ext cx="2710992" cy="2423756"/>
-          </a:xfrm>
-          <a:prstGeom prst="rect">
-            <a:avLst/>
-          </a:prstGeom>
-        </p:spPr>
-      </p:pic>
-    </p:spTree>
-    <p:extLst>
-      <p:ext uri="{BB962C8B-B14F-4D97-AF65-F5344CB8AC3E}">
-        <p14:creationId xmlns:p14="http://schemas.microsoft.com/office/powerpoint/2010/main" val="3308391070"/>
+        <p14:creationId xmlns:p14="http://schemas.microsoft.com/office/powerpoint/2010/main" val="3351845363"/>
       </p:ext>
     </p:extLst>
   </p:cSld>
@@ -19494,365 +18447,6 @@
     <p:extLst>
       <p:ext uri="{BB962C8B-B14F-4D97-AF65-F5344CB8AC3E}">
         <p14:creationId xmlns:p14="http://schemas.microsoft.com/office/powerpoint/2010/main" val="1105590467"/>
-      </p:ext>
-    </p:extLst>
-  </p:cSld>
-  <p:clrMapOvr>
-    <a:masterClrMapping/>
-  </p:clrMapOvr>
-</p:sld>
-</file>
-
-<file path=ppt/slides/slide30.xml><?xml version="1.0" encoding="utf-8"?>
-<p:sld xmlns:a="http://schemas.openxmlformats.org/drawingml/2006/main" xmlns:r="http://schemas.openxmlformats.org/officeDocument/2006/relationships" xmlns:p="http://schemas.openxmlformats.org/presentationml/2006/main">
-  <p:cSld>
-    <p:spTree>
-      <p:nvGrpSpPr>
-        <p:cNvPr id="1" name=""/>
-        <p:cNvGrpSpPr/>
-        <p:nvPr/>
-      </p:nvGrpSpPr>
-      <p:grpSpPr>
-        <a:xfrm>
-          <a:off x="0" y="0"/>
-          <a:ext cx="0" cy="0"/>
-          <a:chOff x="0" y="0"/>
-          <a:chExt cx="0" cy="0"/>
-        </a:xfrm>
-      </p:grpSpPr>
-      <p:sp>
-        <p:nvSpPr>
-          <p:cNvPr id="2" name="Title 1"/>
-          <p:cNvSpPr>
-            <a:spLocks noGrp="1"/>
-          </p:cNvSpPr>
-          <p:nvPr>
-            <p:ph type="title"/>
-          </p:nvPr>
-        </p:nvSpPr>
-        <p:spPr/>
-        <p:txBody>
-          <a:bodyPr/>
-          <a:lstStyle/>
-          <a:p>
-            <a:r>
-              <a:rPr lang="en-US" dirty="0" smtClean="0"/>
-              <a:t>Map Tracking Viewer</a:t>
-            </a:r>
-            <a:endParaRPr lang="en-SG" dirty="0"/>
-          </a:p>
-        </p:txBody>
-      </p:sp>
-      <p:sp>
-        <p:nvSpPr>
-          <p:cNvPr id="3" name="Content Placeholder 2"/>
-          <p:cNvSpPr>
-            <a:spLocks noGrp="1"/>
-          </p:cNvSpPr>
-          <p:nvPr>
-            <p:ph sz="quarter" idx="13"/>
-          </p:nvPr>
-        </p:nvSpPr>
-        <p:spPr/>
-        <p:txBody>
-          <a:bodyPr/>
-          <a:lstStyle/>
-          <a:p>
-            <a:r>
-              <a:rPr lang="en-US" dirty="0" smtClean="0">
-                <a:solidFill>
-                  <a:schemeClr val="tx1"/>
-                </a:solidFill>
-              </a:rPr>
-              <a:t>Python </a:t>
-            </a:r>
-            <a:r>
-              <a:rPr lang="en-US" dirty="0" err="1" smtClean="0">
-                <a:solidFill>
-                  <a:schemeClr val="tx1"/>
-                </a:solidFill>
-              </a:rPr>
-              <a:t>Tkinter</a:t>
-            </a:r>
-            <a:r>
-              <a:rPr lang="en-US" dirty="0" smtClean="0">
-                <a:solidFill>
-                  <a:schemeClr val="tx1"/>
-                </a:solidFill>
-              </a:rPr>
-              <a:t> GUI</a:t>
-            </a:r>
-          </a:p>
-          <a:p>
-            <a:r>
-              <a:rPr lang="en-US" dirty="0" smtClean="0">
-                <a:solidFill>
-                  <a:schemeClr val="tx1"/>
-                </a:solidFill>
-              </a:rPr>
-              <a:t>Simulate </a:t>
-            </a:r>
-            <a:r>
-              <a:rPr lang="en-US" dirty="0" smtClean="0">
-                <a:solidFill>
-                  <a:schemeClr val="tx1"/>
-                </a:solidFill>
-              </a:rPr>
-              <a:t>Robot Data</a:t>
-            </a:r>
-          </a:p>
-          <a:p>
-            <a:pPr lvl="1"/>
-            <a:r>
-              <a:rPr lang="en-US" dirty="0" smtClean="0">
-                <a:solidFill>
-                  <a:schemeClr val="tx1"/>
-                </a:solidFill>
-              </a:rPr>
-              <a:t>Position</a:t>
-            </a:r>
-          </a:p>
-          <a:p>
-            <a:pPr lvl="1"/>
-            <a:r>
-              <a:rPr lang="en-US" dirty="0" smtClean="0">
-                <a:solidFill>
-                  <a:schemeClr val="tx1"/>
-                </a:solidFill>
-              </a:rPr>
-              <a:t>Orientation</a:t>
-            </a:r>
-          </a:p>
-          <a:p>
-            <a:r>
-              <a:rPr lang="en-US" dirty="0" smtClean="0">
-                <a:solidFill>
-                  <a:schemeClr val="tx1"/>
-                </a:solidFill>
-              </a:rPr>
-              <a:t>Display </a:t>
-            </a:r>
-          </a:p>
-          <a:p>
-            <a:pPr lvl="1"/>
-            <a:r>
-              <a:rPr lang="en-US" dirty="0" smtClean="0">
-                <a:solidFill>
-                  <a:schemeClr val="tx1"/>
-                </a:solidFill>
-              </a:rPr>
-              <a:t>2D Map</a:t>
-            </a:r>
-          </a:p>
-          <a:p>
-            <a:pPr lvl="1"/>
-            <a:r>
-              <a:rPr lang="en-US" dirty="0" smtClean="0">
-                <a:solidFill>
-                  <a:schemeClr val="tx1"/>
-                </a:solidFill>
-              </a:rPr>
-              <a:t>Front / Rear View</a:t>
-            </a:r>
-          </a:p>
-          <a:p>
-            <a:pPr lvl="1"/>
-            <a:endParaRPr lang="en-US" dirty="0">
-              <a:solidFill>
-                <a:schemeClr val="tx1"/>
-              </a:solidFill>
-            </a:endParaRPr>
-          </a:p>
-        </p:txBody>
-      </p:sp>
-      <p:sp>
-        <p:nvSpPr>
-          <p:cNvPr id="4" name="Footer Placeholder 3"/>
-          <p:cNvSpPr>
-            <a:spLocks noGrp="1"/>
-          </p:cNvSpPr>
-          <p:nvPr>
-            <p:ph type="ftr" sz="quarter" idx="15"/>
-          </p:nvPr>
-        </p:nvSpPr>
-        <p:spPr/>
-        <p:txBody>
-          <a:bodyPr/>
-          <a:lstStyle/>
-          <a:p>
-            <a:pPr algn="l"/>
-            <a:r>
-              <a:rPr lang="en-SG" sz="1000" smtClean="0"/>
-              <a:t>© 2018 National University of Singapore. All Rights Reserved</a:t>
-            </a:r>
-            <a:endParaRPr lang="en-SG" dirty="0"/>
-          </a:p>
-        </p:txBody>
-      </p:sp>
-      <p:sp>
-        <p:nvSpPr>
-          <p:cNvPr id="5" name="Slide Number Placeholder 4"/>
-          <p:cNvSpPr>
-            <a:spLocks noGrp="1"/>
-          </p:cNvSpPr>
-          <p:nvPr>
-            <p:ph type="sldNum" sz="quarter" idx="16"/>
-          </p:nvPr>
-        </p:nvSpPr>
-        <p:spPr/>
-        <p:txBody>
-          <a:bodyPr/>
-          <a:lstStyle/>
-          <a:p>
-            <a:fld id="{2F63C605-4FC6-46DE-BC90-871762EA3F52}" type="slidenum">
-              <a:rPr lang="en-SG" smtClean="0"/>
-              <a:pPr/>
-              <a:t>30</a:t>
-            </a:fld>
-            <a:endParaRPr lang="en-SG" dirty="0"/>
-          </a:p>
-        </p:txBody>
-      </p:sp>
-      <p:pic>
-        <p:nvPicPr>
-          <p:cNvPr id="6" name="Picture 5"/>
-          <p:cNvPicPr>
-            <a:picLocks noChangeAspect="1"/>
-          </p:cNvPicPr>
-          <p:nvPr/>
-        </p:nvPicPr>
-        <p:blipFill>
-          <a:blip r:embed="rId2"/>
-          <a:stretch>
-            <a:fillRect/>
-          </a:stretch>
-        </p:blipFill>
-        <p:spPr>
-          <a:xfrm>
-            <a:off x="4406537" y="2369685"/>
-            <a:ext cx="4442822" cy="2791595"/>
-          </a:xfrm>
-          <a:prstGeom prst="rect">
-            <a:avLst/>
-          </a:prstGeom>
-        </p:spPr>
-      </p:pic>
-    </p:spTree>
-    <p:extLst>
-      <p:ext uri="{BB962C8B-B14F-4D97-AF65-F5344CB8AC3E}">
-        <p14:creationId xmlns:p14="http://schemas.microsoft.com/office/powerpoint/2010/main" val="2365702992"/>
-      </p:ext>
-    </p:extLst>
-  </p:cSld>
-  <p:clrMapOvr>
-    <a:masterClrMapping/>
-  </p:clrMapOvr>
-</p:sld>
-</file>
-
-<file path=ppt/slides/slide31.xml><?xml version="1.0" encoding="utf-8"?>
-<p:sld xmlns:a="http://schemas.openxmlformats.org/drawingml/2006/main" xmlns:r="http://schemas.openxmlformats.org/officeDocument/2006/relationships" xmlns:p="http://schemas.openxmlformats.org/presentationml/2006/main">
-  <p:cSld>
-    <p:spTree>
-      <p:nvGrpSpPr>
-        <p:cNvPr id="1" name=""/>
-        <p:cNvGrpSpPr/>
-        <p:nvPr/>
-      </p:nvGrpSpPr>
-      <p:grpSpPr>
-        <a:xfrm>
-          <a:off x="0" y="0"/>
-          <a:ext cx="0" cy="0"/>
-          <a:chOff x="0" y="0"/>
-          <a:chExt cx="0" cy="0"/>
-        </a:xfrm>
-      </p:grpSpPr>
-      <p:sp>
-        <p:nvSpPr>
-          <p:cNvPr id="2" name="Title 1"/>
-          <p:cNvSpPr>
-            <a:spLocks noGrp="1"/>
-          </p:cNvSpPr>
-          <p:nvPr>
-            <p:ph type="title"/>
-          </p:nvPr>
-        </p:nvSpPr>
-        <p:spPr>
-          <a:xfrm>
-            <a:off x="2573601" y="3053030"/>
-            <a:ext cx="4648197" cy="545561"/>
-          </a:xfrm>
-        </p:spPr>
-        <p:txBody>
-          <a:bodyPr/>
-          <a:lstStyle/>
-          <a:p>
-            <a:r>
-              <a:rPr lang="en-US" dirty="0"/>
-              <a:t>Thank you! </a:t>
-            </a:r>
-            <a:r>
-              <a:rPr lang="en-US" dirty="0">
-                <a:sym typeface="Wingdings" panose="05000000000000000000" pitchFamily="2" charset="2"/>
-              </a:rPr>
-              <a:t> </a:t>
-            </a:r>
-            <a:endParaRPr lang="en-SG" dirty="0"/>
-          </a:p>
-        </p:txBody>
-      </p:sp>
-      <p:sp>
-        <p:nvSpPr>
-          <p:cNvPr id="4" name="Footer Placeholder 3"/>
-          <p:cNvSpPr>
-            <a:spLocks noGrp="1"/>
-          </p:cNvSpPr>
-          <p:nvPr>
-            <p:ph type="ftr" sz="quarter" idx="15"/>
-          </p:nvPr>
-        </p:nvSpPr>
-        <p:spPr/>
-        <p:txBody>
-          <a:bodyPr/>
-          <a:lstStyle/>
-          <a:p>
-            <a:pPr algn="l"/>
-            <a:r>
-              <a:rPr lang="en-SG" sz="1000" dirty="0"/>
-              <a:t>© 2018 National University of Singapore. All Rights Reserved</a:t>
-            </a:r>
-            <a:endParaRPr lang="en-SG" dirty="0"/>
-          </a:p>
-        </p:txBody>
-      </p:sp>
-      <p:sp>
-        <p:nvSpPr>
-          <p:cNvPr id="5" name="Slide Number Placeholder 4"/>
-          <p:cNvSpPr>
-            <a:spLocks noGrp="1"/>
-          </p:cNvSpPr>
-          <p:nvPr>
-            <p:ph type="sldNum" sz="quarter" idx="16"/>
-          </p:nvPr>
-        </p:nvSpPr>
-        <p:spPr/>
-        <p:txBody>
-          <a:bodyPr/>
-          <a:lstStyle/>
-          <a:p>
-            <a:fld id="{2F63C605-4FC6-46DE-BC90-871762EA3F52}" type="slidenum">
-              <a:rPr lang="en-SG" smtClean="0"/>
-              <a:pPr/>
-              <a:t>31</a:t>
-            </a:fld>
-            <a:endParaRPr lang="en-SG" dirty="0"/>
-          </a:p>
-        </p:txBody>
-      </p:sp>
-    </p:spTree>
-    <p:extLst>
-      <p:ext uri="{BB962C8B-B14F-4D97-AF65-F5344CB8AC3E}">
-        <p14:creationId xmlns:p14="http://schemas.microsoft.com/office/powerpoint/2010/main" val="3351845363"/>
       </p:ext>
     </p:extLst>
   </p:cSld>

--- a/PracticeModule_Presentation.pptx
+++ b/PracticeModule_Presentation.pptx
@@ -16369,7 +16369,7 @@
           <a:graphicData uri="http://schemas.openxmlformats.org/presentationml/2006/ole">
             <mc:AlternateContent xmlns:mc="http://schemas.openxmlformats.org/markup-compatibility/2006">
               <mc:Choice xmlns:v="urn:schemas-microsoft-com:vml" Requires="v">
-                <p:oleObj spid="_x0000_s2067" name="Bitmap Image" r:id="rId3" imgW="5014395" imgH="4572396" progId="Paint.Picture">
+                <p:oleObj spid="_x0000_s2068" name="Bitmap Image" r:id="rId3" imgW="5014395" imgH="4572396" progId="Paint.Picture">
                   <p:embed/>
                 </p:oleObj>
               </mc:Choice>
@@ -16750,7 +16750,7 @@
           <a:graphicData uri="http://schemas.openxmlformats.org/presentationml/2006/ole">
             <mc:AlternateContent xmlns:mc="http://schemas.openxmlformats.org/markup-compatibility/2006">
               <mc:Choice xmlns:v="urn:schemas-microsoft-com:vml" Requires="v">
-                <p:oleObj spid="_x0000_s6149" name="Bitmap Image" r:id="rId3" imgW="4915326" imgH="3505504" progId="Paint.Picture">
+                <p:oleObj spid="_x0000_s6150" name="Bitmap Image" r:id="rId3" imgW="4915326" imgH="3505504" progId="Paint.Picture">
                   <p:embed/>
                 </p:oleObj>
               </mc:Choice>
@@ -17985,79 +17985,6 @@
           </a:p>
         </p:txBody>
       </p:sp>
-      <p:graphicFrame>
-        <p:nvGraphicFramePr>
-          <p:cNvPr id="11" name="Object 10">
-            <a:extLst>
-              <a:ext uri="{FF2B5EF4-FFF2-40B4-BE49-F238E27FC236}">
-                <a16:creationId xmlns:a16="http://schemas.microsoft.com/office/drawing/2014/main" id="{22C4C178-C008-4C69-961E-0CE4117E6EE4}"/>
-              </a:ext>
-            </a:extLst>
-          </p:cNvPr>
-          <p:cNvGraphicFramePr>
-            <a:graphicFrameLocks noChangeAspect="1"/>
-          </p:cNvGraphicFramePr>
-          <p:nvPr/>
-        </p:nvGraphicFramePr>
-        <p:xfrm>
-          <a:off x="4902741" y="1379535"/>
-          <a:ext cx="3457488" cy="3152214"/>
-        </p:xfrm>
-        <a:graphic>
-          <a:graphicData uri="http://schemas.openxmlformats.org/presentationml/2006/ole">
-            <mc:AlternateContent xmlns:mc="http://schemas.openxmlformats.org/markup-compatibility/2006">
-              <mc:Choice xmlns:v="urn:schemas-microsoft-com:vml" Requires="v">
-                <p:oleObj spid="_x0000_s3081" name="Bitmap Image" r:id="rId3" imgW="5014395" imgH="4572396" progId="Paint.Picture">
-                  <p:embed/>
-                </p:oleObj>
-              </mc:Choice>
-              <mc:Fallback>
-                <p:oleObj name="Bitmap Image" r:id="rId3" imgW="5014395" imgH="4572396" progId="Paint.Picture">
-                  <p:embed/>
-                  <p:pic>
-                    <p:nvPicPr>
-                      <p:cNvPr id="11" name="Object 10">
-                        <a:extLst>
-                          <a:ext uri="{FF2B5EF4-FFF2-40B4-BE49-F238E27FC236}">
-                            <a16:creationId xmlns:a16="http://schemas.microsoft.com/office/drawing/2014/main" id="{22C4C178-C008-4C69-961E-0CE4117E6EE4}"/>
-                          </a:ext>
-                        </a:extLst>
-                      </p:cNvPr>
-                      <p:cNvPicPr>
-                        <a:picLocks noChangeAspect="1" noChangeArrowheads="1"/>
-                      </p:cNvPicPr>
-                      <p:nvPr/>
-                    </p:nvPicPr>
-                    <p:blipFill>
-                      <a:blip r:embed="rId4">
-                        <a:extLst>
-                          <a:ext uri="{28A0092B-C50C-407E-A947-70E740481C1C}">
-                            <a14:useLocalDpi xmlns:a14="http://schemas.microsoft.com/office/drawing/2010/main" val="0"/>
-                          </a:ext>
-                        </a:extLst>
-                      </a:blip>
-                      <a:srcRect/>
-                      <a:stretch>
-                        <a:fillRect/>
-                      </a:stretch>
-                    </p:blipFill>
-                    <p:spPr bwMode="auto">
-                      <a:xfrm>
-                        <a:off x="4902741" y="1379535"/>
-                        <a:ext cx="3457488" cy="3152214"/>
-                      </a:xfrm>
-                      <a:prstGeom prst="rect">
-                        <a:avLst/>
-                      </a:prstGeom>
-                      <a:noFill/>
-                    </p:spPr>
-                  </p:pic>
-                </p:oleObj>
-              </mc:Fallback>
-            </mc:AlternateContent>
-          </a:graphicData>
-        </a:graphic>
-      </p:graphicFrame>
       <p:sp>
         <p:nvSpPr>
           <p:cNvPr id="12" name="TextBox 11">
@@ -18107,8 +18034,8 @@
         </p:nvSpPr>
         <p:spPr>
           <a:xfrm>
-            <a:off x="5073383" y="4814595"/>
-            <a:ext cx="3441968" cy="369332"/>
+            <a:off x="4705926" y="4814595"/>
+            <a:ext cx="4438074" cy="369332"/>
           </a:xfrm>
           <a:prstGeom prst="rect">
             <a:avLst/>
@@ -18130,7 +18057,7 @@
                   </a:schemeClr>
                 </a:solidFill>
               </a:rPr>
-              <a:t>Neural Network Generated Map</a:t>
+              <a:t>RESNET Neural Network Generated Map</a:t>
             </a:r>
           </a:p>
         </p:txBody>
@@ -18148,7 +18075,7 @@
           <p:nvPr/>
         </p:nvPicPr>
         <p:blipFill>
-          <a:blip r:embed="rId5">
+          <a:blip r:embed="rId2">
             <a:extLst>
               <a:ext uri="{28A0092B-C50C-407E-A947-70E740481C1C}">
                 <a14:useLocalDpi xmlns:a14="http://schemas.microsoft.com/office/drawing/2010/main" val="0"/>
@@ -18164,6 +18091,45 @@
           <a:xfrm>
             <a:off x="628655" y="1379534"/>
             <a:ext cx="3943345" cy="2949870"/>
+          </a:xfrm>
+          <a:prstGeom prst="rect">
+            <a:avLst/>
+          </a:prstGeom>
+          <a:noFill/>
+          <a:ln>
+            <a:noFill/>
+          </a:ln>
+        </p:spPr>
+      </p:pic>
+      <p:pic>
+        <p:nvPicPr>
+          <p:cNvPr id="15" name="Picture 14">
+            <a:extLst>
+              <a:ext uri="{FF2B5EF4-FFF2-40B4-BE49-F238E27FC236}">
+                <a16:creationId xmlns:a16="http://schemas.microsoft.com/office/drawing/2014/main" id="{089EA715-C0F5-42E5-8A33-D120E0707472}"/>
+              </a:ext>
+            </a:extLst>
+          </p:cNvPr>
+          <p:cNvPicPr/>
+          <p:nvPr/>
+        </p:nvPicPr>
+        <p:blipFill>
+          <a:blip r:embed="rId3">
+            <a:extLst>
+              <a:ext uri="{28A0092B-C50C-407E-A947-70E740481C1C}">
+                <a14:useLocalDpi xmlns:a14="http://schemas.microsoft.com/office/drawing/2010/main" val="0"/>
+              </a:ext>
+            </a:extLst>
+          </a:blip>
+          <a:srcRect/>
+          <a:stretch>
+            <a:fillRect/>
+          </a:stretch>
+        </p:blipFill>
+        <p:spPr bwMode="auto">
+          <a:xfrm>
+            <a:off x="4800600" y="1365619"/>
+            <a:ext cx="3200400" cy="3190875"/>
           </a:xfrm>
           <a:prstGeom prst="rect">
             <a:avLst/>

--- a/PracticeModule_Presentation.pptx
+++ b/PracticeModule_Presentation.pptx
@@ -162,1500 +162,6 @@
 </file>
 
 <file path=ppt/diagrams/colors1.xml><?xml version="1.0" encoding="utf-8"?>
-<dgm:colorsDef xmlns:dgm="http://schemas.openxmlformats.org/drawingml/2006/diagram" xmlns:a="http://schemas.openxmlformats.org/drawingml/2006/main" uniqueId="urn:microsoft.com/office/officeart/2005/8/colors/accent1_2">
-  <dgm:title val=""/>
-  <dgm:desc val=""/>
-  <dgm:catLst>
-    <dgm:cat type="accent1" pri="11200"/>
-  </dgm:catLst>
-  <dgm:styleLbl name="node0">
-    <dgm:fillClrLst meth="repeat">
-      <a:schemeClr val="accent1"/>
-    </dgm:fillClrLst>
-    <dgm:linClrLst meth="repeat">
-      <a:schemeClr val="lt1"/>
-    </dgm:linClrLst>
-    <dgm:effectClrLst/>
-    <dgm:txLinClrLst/>
-    <dgm:txFillClrLst/>
-    <dgm:txEffectClrLst/>
-  </dgm:styleLbl>
-  <dgm:styleLbl name="alignNode1">
-    <dgm:fillClrLst meth="repeat">
-      <a:schemeClr val="accent1"/>
-    </dgm:fillClrLst>
-    <dgm:linClrLst meth="repeat">
-      <a:schemeClr val="accent1"/>
-    </dgm:linClrLst>
-    <dgm:effectClrLst/>
-    <dgm:txLinClrLst/>
-    <dgm:txFillClrLst/>
-    <dgm:txEffectClrLst/>
-  </dgm:styleLbl>
-  <dgm:styleLbl name="node1">
-    <dgm:fillClrLst meth="repeat">
-      <a:schemeClr val="accent1"/>
-    </dgm:fillClrLst>
-    <dgm:linClrLst meth="repeat">
-      <a:schemeClr val="lt1"/>
-    </dgm:linClrLst>
-    <dgm:effectClrLst/>
-    <dgm:txLinClrLst/>
-    <dgm:txFillClrLst/>
-    <dgm:txEffectClrLst/>
-  </dgm:styleLbl>
-  <dgm:styleLbl name="lnNode1">
-    <dgm:fillClrLst meth="repeat">
-      <a:schemeClr val="accent1"/>
-    </dgm:fillClrLst>
-    <dgm:linClrLst meth="repeat">
-      <a:schemeClr val="lt1"/>
-    </dgm:linClrLst>
-    <dgm:effectClrLst/>
-    <dgm:txLinClrLst/>
-    <dgm:txFillClrLst/>
-    <dgm:txEffectClrLst/>
-  </dgm:styleLbl>
-  <dgm:styleLbl name="vennNode1">
-    <dgm:fillClrLst meth="repeat">
-      <a:schemeClr val="accent1">
-        <a:alpha val="50000"/>
-      </a:schemeClr>
-    </dgm:fillClrLst>
-    <dgm:linClrLst meth="repeat">
-      <a:schemeClr val="lt1"/>
-    </dgm:linClrLst>
-    <dgm:effectClrLst/>
-    <dgm:txLinClrLst/>
-    <dgm:txFillClrLst/>
-    <dgm:txEffectClrLst/>
-  </dgm:styleLbl>
-  <dgm:styleLbl name="node2">
-    <dgm:fillClrLst meth="repeat">
-      <a:schemeClr val="accent1"/>
-    </dgm:fillClrLst>
-    <dgm:linClrLst meth="repeat">
-      <a:schemeClr val="lt1"/>
-    </dgm:linClrLst>
-    <dgm:effectClrLst/>
-    <dgm:txLinClrLst/>
-    <dgm:txFillClrLst/>
-    <dgm:txEffectClrLst/>
-  </dgm:styleLbl>
-  <dgm:styleLbl name="node3">
-    <dgm:fillClrLst meth="repeat">
-      <a:schemeClr val="accent1"/>
-    </dgm:fillClrLst>
-    <dgm:linClrLst meth="repeat">
-      <a:schemeClr val="lt1"/>
-    </dgm:linClrLst>
-    <dgm:effectClrLst/>
-    <dgm:txLinClrLst/>
-    <dgm:txFillClrLst/>
-    <dgm:txEffectClrLst/>
-  </dgm:styleLbl>
-  <dgm:styleLbl name="node4">
-    <dgm:fillClrLst meth="repeat">
-      <a:schemeClr val="accent1"/>
-    </dgm:fillClrLst>
-    <dgm:linClrLst meth="repeat">
-      <a:schemeClr val="lt1"/>
-    </dgm:linClrLst>
-    <dgm:effectClrLst/>
-    <dgm:txLinClrLst/>
-    <dgm:txFillClrLst/>
-    <dgm:txEffectClrLst/>
-  </dgm:styleLbl>
-  <dgm:styleLbl name="fgImgPlace1">
-    <dgm:fillClrLst meth="repeat">
-      <a:schemeClr val="accent1">
-        <a:tint val="50000"/>
-      </a:schemeClr>
-    </dgm:fillClrLst>
-    <dgm:linClrLst meth="repeat">
-      <a:schemeClr val="lt1"/>
-    </dgm:linClrLst>
-    <dgm:effectClrLst/>
-    <dgm:txLinClrLst/>
-    <dgm:txFillClrLst meth="repeat">
-      <a:schemeClr val="lt1"/>
-    </dgm:txFillClrLst>
-    <dgm:txEffectClrLst/>
-  </dgm:styleLbl>
-  <dgm:styleLbl name="alignImgPlace1">
-    <dgm:fillClrLst meth="repeat">
-      <a:schemeClr val="accent1">
-        <a:tint val="50000"/>
-      </a:schemeClr>
-    </dgm:fillClrLst>
-    <dgm:linClrLst meth="repeat">
-      <a:schemeClr val="lt1"/>
-    </dgm:linClrLst>
-    <dgm:effectClrLst/>
-    <dgm:txLinClrLst/>
-    <dgm:txFillClrLst meth="repeat">
-      <a:schemeClr val="lt1"/>
-    </dgm:txFillClrLst>
-    <dgm:txEffectClrLst/>
-  </dgm:styleLbl>
-  <dgm:styleLbl name="bgImgPlace1">
-    <dgm:fillClrLst meth="repeat">
-      <a:schemeClr val="accent1">
-        <a:tint val="50000"/>
-      </a:schemeClr>
-    </dgm:fillClrLst>
-    <dgm:linClrLst meth="repeat">
-      <a:schemeClr val="lt1"/>
-    </dgm:linClrLst>
-    <dgm:effectClrLst/>
-    <dgm:txLinClrLst/>
-    <dgm:txFillClrLst meth="repeat">
-      <a:schemeClr val="lt1"/>
-    </dgm:txFillClrLst>
-    <dgm:txEffectClrLst/>
-  </dgm:styleLbl>
-  <dgm:styleLbl name="sibTrans2D1">
-    <dgm:fillClrLst meth="repeat">
-      <a:schemeClr val="accent1">
-        <a:tint val="60000"/>
-      </a:schemeClr>
-    </dgm:fillClrLst>
-    <dgm:linClrLst meth="repeat">
-      <a:schemeClr val="accent1">
-        <a:tint val="60000"/>
-      </a:schemeClr>
-    </dgm:linClrLst>
-    <dgm:effectClrLst/>
-    <dgm:txLinClrLst/>
-    <dgm:txFillClrLst/>
-    <dgm:txEffectClrLst/>
-  </dgm:styleLbl>
-  <dgm:styleLbl name="fgSibTrans2D1">
-    <dgm:fillClrLst meth="repeat">
-      <a:schemeClr val="accent1">
-        <a:tint val="60000"/>
-      </a:schemeClr>
-    </dgm:fillClrLst>
-    <dgm:linClrLst meth="repeat">
-      <a:schemeClr val="accent1">
-        <a:tint val="60000"/>
-      </a:schemeClr>
-    </dgm:linClrLst>
-    <dgm:effectClrLst/>
-    <dgm:txLinClrLst/>
-    <dgm:txFillClrLst/>
-    <dgm:txEffectClrLst/>
-  </dgm:styleLbl>
-  <dgm:styleLbl name="bgSibTrans2D1">
-    <dgm:fillClrLst meth="repeat">
-      <a:schemeClr val="accent1">
-        <a:tint val="60000"/>
-      </a:schemeClr>
-    </dgm:fillClrLst>
-    <dgm:linClrLst meth="repeat">
-      <a:schemeClr val="accent1">
-        <a:tint val="60000"/>
-      </a:schemeClr>
-    </dgm:linClrLst>
-    <dgm:effectClrLst/>
-    <dgm:txLinClrLst/>
-    <dgm:txFillClrLst/>
-    <dgm:txEffectClrLst/>
-  </dgm:styleLbl>
-  <dgm:styleLbl name="sibTrans1D1">
-    <dgm:fillClrLst meth="repeat">
-      <a:schemeClr val="accent1"/>
-    </dgm:fillClrLst>
-    <dgm:linClrLst meth="repeat">
-      <a:schemeClr val="accent1"/>
-    </dgm:linClrLst>
-    <dgm:effectClrLst/>
-    <dgm:txLinClrLst/>
-    <dgm:txFillClrLst meth="repeat">
-      <a:schemeClr val="tx1"/>
-    </dgm:txFillClrLst>
-    <dgm:txEffectClrLst/>
-  </dgm:styleLbl>
-  <dgm:styleLbl name="callout">
-    <dgm:fillClrLst meth="repeat">
-      <a:schemeClr val="accent1"/>
-    </dgm:fillClrLst>
-    <dgm:linClrLst meth="repeat">
-      <a:schemeClr val="accent1">
-        <a:tint val="50000"/>
-      </a:schemeClr>
-    </dgm:linClrLst>
-    <dgm:effectClrLst/>
-    <dgm:txLinClrLst/>
-    <dgm:txFillClrLst meth="repeat">
-      <a:schemeClr val="tx1"/>
-    </dgm:txFillClrLst>
-    <dgm:txEffectClrLst/>
-  </dgm:styleLbl>
-  <dgm:styleLbl name="asst0">
-    <dgm:fillClrLst meth="repeat">
-      <a:schemeClr val="accent1"/>
-    </dgm:fillClrLst>
-    <dgm:linClrLst meth="repeat">
-      <a:schemeClr val="lt1"/>
-    </dgm:linClrLst>
-    <dgm:effectClrLst/>
-    <dgm:txLinClrLst/>
-    <dgm:txFillClrLst/>
-    <dgm:txEffectClrLst/>
-  </dgm:styleLbl>
-  <dgm:styleLbl name="asst1">
-    <dgm:fillClrLst meth="repeat">
-      <a:schemeClr val="accent1"/>
-    </dgm:fillClrLst>
-    <dgm:linClrLst meth="repeat">
-      <a:schemeClr val="lt1"/>
-    </dgm:linClrLst>
-    <dgm:effectClrLst/>
-    <dgm:txLinClrLst/>
-    <dgm:txFillClrLst/>
-    <dgm:txEffectClrLst/>
-  </dgm:styleLbl>
-  <dgm:styleLbl name="asst2">
-    <dgm:fillClrLst meth="repeat">
-      <a:schemeClr val="accent1"/>
-    </dgm:fillClrLst>
-    <dgm:linClrLst meth="repeat">
-      <a:schemeClr val="lt1"/>
-    </dgm:linClrLst>
-    <dgm:effectClrLst/>
-    <dgm:txLinClrLst/>
-    <dgm:txFillClrLst/>
-    <dgm:txEffectClrLst/>
-  </dgm:styleLbl>
-  <dgm:styleLbl name="asst3">
-    <dgm:fillClrLst meth="repeat">
-      <a:schemeClr val="accent1"/>
-    </dgm:fillClrLst>
-    <dgm:linClrLst meth="repeat">
-      <a:schemeClr val="lt1"/>
-    </dgm:linClrLst>
-    <dgm:effectClrLst/>
-    <dgm:txLinClrLst/>
-    <dgm:txFillClrLst/>
-    <dgm:txEffectClrLst/>
-  </dgm:styleLbl>
-  <dgm:styleLbl name="asst4">
-    <dgm:fillClrLst meth="repeat">
-      <a:schemeClr val="accent1"/>
-    </dgm:fillClrLst>
-    <dgm:linClrLst meth="repeat">
-      <a:schemeClr val="lt1"/>
-    </dgm:linClrLst>
-    <dgm:effectClrLst/>
-    <dgm:txLinClrLst/>
-    <dgm:txFillClrLst/>
-    <dgm:txEffectClrLst/>
-  </dgm:styleLbl>
-  <dgm:styleLbl name="parChTrans2D1">
-    <dgm:fillClrLst meth="repeat">
-      <a:schemeClr val="accent1">
-        <a:tint val="60000"/>
-      </a:schemeClr>
-    </dgm:fillClrLst>
-    <dgm:linClrLst meth="repeat">
-      <a:schemeClr val="accent1">
-        <a:tint val="60000"/>
-      </a:schemeClr>
-    </dgm:linClrLst>
-    <dgm:effectClrLst/>
-    <dgm:txLinClrLst/>
-    <dgm:txFillClrLst meth="repeat">
-      <a:schemeClr val="lt1"/>
-    </dgm:txFillClrLst>
-    <dgm:txEffectClrLst/>
-  </dgm:styleLbl>
-  <dgm:styleLbl name="parChTrans2D2">
-    <dgm:fillClrLst meth="repeat">
-      <a:schemeClr val="accent1"/>
-    </dgm:fillClrLst>
-    <dgm:linClrLst meth="repeat">
-      <a:schemeClr val="accent1"/>
-    </dgm:linClrLst>
-    <dgm:effectClrLst/>
-    <dgm:txLinClrLst/>
-    <dgm:txFillClrLst meth="repeat">
-      <a:schemeClr val="lt1"/>
-    </dgm:txFillClrLst>
-    <dgm:txEffectClrLst/>
-  </dgm:styleLbl>
-  <dgm:styleLbl name="parChTrans2D3">
-    <dgm:fillClrLst meth="repeat">
-      <a:schemeClr val="accent1"/>
-    </dgm:fillClrLst>
-    <dgm:linClrLst meth="repeat">
-      <a:schemeClr val="accent1"/>
-    </dgm:linClrLst>
-    <dgm:effectClrLst/>
-    <dgm:txLinClrLst/>
-    <dgm:txFillClrLst meth="repeat">
-      <a:schemeClr val="lt1"/>
-    </dgm:txFillClrLst>
-    <dgm:txEffectClrLst/>
-  </dgm:styleLbl>
-  <dgm:styleLbl name="parChTrans2D4">
-    <dgm:fillClrLst meth="repeat">
-      <a:schemeClr val="accent1"/>
-    </dgm:fillClrLst>
-    <dgm:linClrLst meth="repeat">
-      <a:schemeClr val="accent1"/>
-    </dgm:linClrLst>
-    <dgm:effectClrLst/>
-    <dgm:txLinClrLst/>
-    <dgm:txFillClrLst meth="repeat">
-      <a:schemeClr val="lt1"/>
-    </dgm:txFillClrLst>
-    <dgm:txEffectClrLst/>
-  </dgm:styleLbl>
-  <dgm:styleLbl name="parChTrans1D1">
-    <dgm:fillClrLst meth="repeat">
-      <a:schemeClr val="accent1"/>
-    </dgm:fillClrLst>
-    <dgm:linClrLst meth="repeat">
-      <a:schemeClr val="accent1">
-        <a:shade val="60000"/>
-      </a:schemeClr>
-    </dgm:linClrLst>
-    <dgm:effectClrLst/>
-    <dgm:txLinClrLst/>
-    <dgm:txFillClrLst meth="repeat">
-      <a:schemeClr val="tx1"/>
-    </dgm:txFillClrLst>
-    <dgm:txEffectClrLst/>
-  </dgm:styleLbl>
-  <dgm:styleLbl name="parChTrans1D2">
-    <dgm:fillClrLst meth="repeat">
-      <a:schemeClr val="accent1"/>
-    </dgm:fillClrLst>
-    <dgm:linClrLst meth="repeat">
-      <a:schemeClr val="accent1">
-        <a:shade val="60000"/>
-      </a:schemeClr>
-    </dgm:linClrLst>
-    <dgm:effectClrLst/>
-    <dgm:txLinClrLst/>
-    <dgm:txFillClrLst meth="repeat">
-      <a:schemeClr val="tx1"/>
-    </dgm:txFillClrLst>
-    <dgm:txEffectClrLst/>
-  </dgm:styleLbl>
-  <dgm:styleLbl name="parChTrans1D3">
-    <dgm:fillClrLst meth="repeat">
-      <a:schemeClr val="accent1"/>
-    </dgm:fillClrLst>
-    <dgm:linClrLst meth="repeat">
-      <a:schemeClr val="accent1">
-        <a:shade val="80000"/>
-      </a:schemeClr>
-    </dgm:linClrLst>
-    <dgm:effectClrLst/>
-    <dgm:txLinClrLst/>
-    <dgm:txFillClrLst meth="repeat">
-      <a:schemeClr val="tx1"/>
-    </dgm:txFillClrLst>
-    <dgm:txEffectClrLst/>
-  </dgm:styleLbl>
-  <dgm:styleLbl name="parChTrans1D4">
-    <dgm:fillClrLst meth="repeat">
-      <a:schemeClr val="accent1"/>
-    </dgm:fillClrLst>
-    <dgm:linClrLst meth="repeat">
-      <a:schemeClr val="accent1">
-        <a:shade val="80000"/>
-      </a:schemeClr>
-    </dgm:linClrLst>
-    <dgm:effectClrLst/>
-    <dgm:txLinClrLst/>
-    <dgm:txFillClrLst meth="repeat">
-      <a:schemeClr val="tx1"/>
-    </dgm:txFillClrLst>
-    <dgm:txEffectClrLst/>
-  </dgm:styleLbl>
-  <dgm:styleLbl name="fgAcc1">
-    <dgm:fillClrLst meth="repeat">
-      <a:schemeClr val="lt1">
-        <a:alpha val="90000"/>
-      </a:schemeClr>
-    </dgm:fillClrLst>
-    <dgm:linClrLst meth="repeat">
-      <a:schemeClr val="accent1"/>
-    </dgm:linClrLst>
-    <dgm:effectClrLst/>
-    <dgm:txLinClrLst/>
-    <dgm:txFillClrLst meth="repeat">
-      <a:schemeClr val="dk1"/>
-    </dgm:txFillClrLst>
-    <dgm:txEffectClrLst/>
-  </dgm:styleLbl>
-  <dgm:styleLbl name="conFgAcc1">
-    <dgm:fillClrLst meth="repeat">
-      <a:schemeClr val="lt1">
-        <a:alpha val="90000"/>
-      </a:schemeClr>
-    </dgm:fillClrLst>
-    <dgm:linClrLst meth="repeat">
-      <a:schemeClr val="accent1"/>
-    </dgm:linClrLst>
-    <dgm:effectClrLst/>
-    <dgm:txLinClrLst/>
-    <dgm:txFillClrLst meth="repeat">
-      <a:schemeClr val="dk1"/>
-    </dgm:txFillClrLst>
-    <dgm:txEffectClrLst/>
-  </dgm:styleLbl>
-  <dgm:styleLbl name="alignAcc1">
-    <dgm:fillClrLst meth="repeat">
-      <a:schemeClr val="lt1">
-        <a:alpha val="90000"/>
-      </a:schemeClr>
-    </dgm:fillClrLst>
-    <dgm:linClrLst meth="repeat">
-      <a:schemeClr val="accent1"/>
-    </dgm:linClrLst>
-    <dgm:effectClrLst/>
-    <dgm:txLinClrLst/>
-    <dgm:txFillClrLst meth="repeat">
-      <a:schemeClr val="dk1"/>
-    </dgm:txFillClrLst>
-    <dgm:txEffectClrLst/>
-  </dgm:styleLbl>
-  <dgm:styleLbl name="trAlignAcc1">
-    <dgm:fillClrLst meth="repeat">
-      <a:schemeClr val="lt1">
-        <a:alpha val="40000"/>
-      </a:schemeClr>
-    </dgm:fillClrLst>
-    <dgm:linClrLst meth="repeat">
-      <a:schemeClr val="accent1"/>
-    </dgm:linClrLst>
-    <dgm:effectClrLst/>
-    <dgm:txLinClrLst/>
-    <dgm:txFillClrLst meth="repeat">
-      <a:schemeClr val="dk1"/>
-    </dgm:txFillClrLst>
-    <dgm:txEffectClrLst/>
-  </dgm:styleLbl>
-  <dgm:styleLbl name="bgAcc1">
-    <dgm:fillClrLst meth="repeat">
-      <a:schemeClr val="lt1">
-        <a:alpha val="90000"/>
-      </a:schemeClr>
-    </dgm:fillClrLst>
-    <dgm:linClrLst meth="repeat">
-      <a:schemeClr val="accent1"/>
-    </dgm:linClrLst>
-    <dgm:effectClrLst/>
-    <dgm:txLinClrLst/>
-    <dgm:txFillClrLst meth="repeat">
-      <a:schemeClr val="dk1"/>
-    </dgm:txFillClrLst>
-    <dgm:txEffectClrLst/>
-  </dgm:styleLbl>
-  <dgm:styleLbl name="solidFgAcc1">
-    <dgm:fillClrLst meth="repeat">
-      <a:schemeClr val="lt1"/>
-    </dgm:fillClrLst>
-    <dgm:linClrLst meth="repeat">
-      <a:schemeClr val="accent1"/>
-    </dgm:linClrLst>
-    <dgm:effectClrLst/>
-    <dgm:txLinClrLst/>
-    <dgm:txFillClrLst meth="repeat">
-      <a:schemeClr val="dk1"/>
-    </dgm:txFillClrLst>
-    <dgm:txEffectClrLst/>
-  </dgm:styleLbl>
-  <dgm:styleLbl name="solidAlignAcc1">
-    <dgm:fillClrLst meth="repeat">
-      <a:schemeClr val="lt1"/>
-    </dgm:fillClrLst>
-    <dgm:linClrLst meth="repeat">
-      <a:schemeClr val="accent1"/>
-    </dgm:linClrLst>
-    <dgm:effectClrLst/>
-    <dgm:txLinClrLst/>
-    <dgm:txFillClrLst meth="repeat">
-      <a:schemeClr val="dk1"/>
-    </dgm:txFillClrLst>
-    <dgm:txEffectClrLst/>
-  </dgm:styleLbl>
-  <dgm:styleLbl name="solidBgAcc1">
-    <dgm:fillClrLst meth="repeat">
-      <a:schemeClr val="lt1"/>
-    </dgm:fillClrLst>
-    <dgm:linClrLst meth="repeat">
-      <a:schemeClr val="accent1"/>
-    </dgm:linClrLst>
-    <dgm:effectClrLst/>
-    <dgm:txLinClrLst/>
-    <dgm:txFillClrLst meth="repeat">
-      <a:schemeClr val="dk1"/>
-    </dgm:txFillClrLst>
-    <dgm:txEffectClrLst/>
-  </dgm:styleLbl>
-  <dgm:styleLbl name="fgAccFollowNode1">
-    <dgm:fillClrLst meth="repeat">
-      <a:schemeClr val="accent1">
-        <a:alpha val="90000"/>
-        <a:tint val="40000"/>
-      </a:schemeClr>
-    </dgm:fillClrLst>
-    <dgm:linClrLst meth="repeat">
-      <a:schemeClr val="accent1">
-        <a:alpha val="90000"/>
-        <a:tint val="40000"/>
-      </a:schemeClr>
-    </dgm:linClrLst>
-    <dgm:effectClrLst/>
-    <dgm:txLinClrLst/>
-    <dgm:txFillClrLst meth="repeat">
-      <a:schemeClr val="dk1"/>
-    </dgm:txFillClrLst>
-    <dgm:txEffectClrLst/>
-  </dgm:styleLbl>
-  <dgm:styleLbl name="alignAccFollowNode1">
-    <dgm:fillClrLst meth="repeat">
-      <a:schemeClr val="accent1">
-        <a:alpha val="90000"/>
-        <a:tint val="40000"/>
-      </a:schemeClr>
-    </dgm:fillClrLst>
-    <dgm:linClrLst meth="repeat">
-      <a:schemeClr val="accent1">
-        <a:alpha val="90000"/>
-        <a:tint val="40000"/>
-      </a:schemeClr>
-    </dgm:linClrLst>
-    <dgm:effectClrLst/>
-    <dgm:txLinClrLst/>
-    <dgm:txFillClrLst meth="repeat">
-      <a:schemeClr val="dk1"/>
-    </dgm:txFillClrLst>
-    <dgm:txEffectClrLst/>
-  </dgm:styleLbl>
-  <dgm:styleLbl name="bgAccFollowNode1">
-    <dgm:fillClrLst meth="repeat">
-      <a:schemeClr val="accent1">
-        <a:alpha val="90000"/>
-        <a:tint val="40000"/>
-      </a:schemeClr>
-    </dgm:fillClrLst>
-    <dgm:linClrLst meth="repeat">
-      <a:schemeClr val="accent1">
-        <a:alpha val="90000"/>
-        <a:tint val="40000"/>
-      </a:schemeClr>
-    </dgm:linClrLst>
-    <dgm:effectClrLst/>
-    <dgm:txLinClrLst/>
-    <dgm:txFillClrLst meth="repeat">
-      <a:schemeClr val="dk1"/>
-    </dgm:txFillClrLst>
-    <dgm:txEffectClrLst/>
-  </dgm:styleLbl>
-  <dgm:styleLbl name="fgAcc0">
-    <dgm:fillClrLst meth="repeat">
-      <a:schemeClr val="lt1">
-        <a:alpha val="90000"/>
-      </a:schemeClr>
-    </dgm:fillClrLst>
-    <dgm:linClrLst meth="repeat">
-      <a:schemeClr val="accent1"/>
-    </dgm:linClrLst>
-    <dgm:effectClrLst/>
-    <dgm:txLinClrLst/>
-    <dgm:txFillClrLst meth="repeat">
-      <a:schemeClr val="dk1"/>
-    </dgm:txFillClrLst>
-    <dgm:txEffectClrLst/>
-  </dgm:styleLbl>
-  <dgm:styleLbl name="fgAcc2">
-    <dgm:fillClrLst meth="repeat">
-      <a:schemeClr val="lt1">
-        <a:alpha val="90000"/>
-      </a:schemeClr>
-    </dgm:fillClrLst>
-    <dgm:linClrLst meth="repeat">
-      <a:schemeClr val="accent1"/>
-    </dgm:linClrLst>
-    <dgm:effectClrLst/>
-    <dgm:txLinClrLst/>
-    <dgm:txFillClrLst meth="repeat">
-      <a:schemeClr val="dk1"/>
-    </dgm:txFillClrLst>
-    <dgm:txEffectClrLst/>
-  </dgm:styleLbl>
-  <dgm:styleLbl name="fgAcc3">
-    <dgm:fillClrLst meth="repeat">
-      <a:schemeClr val="lt1">
-        <a:alpha val="90000"/>
-      </a:schemeClr>
-    </dgm:fillClrLst>
-    <dgm:linClrLst meth="repeat">
-      <a:schemeClr val="accent1"/>
-    </dgm:linClrLst>
-    <dgm:effectClrLst/>
-    <dgm:txLinClrLst/>
-    <dgm:txFillClrLst meth="repeat">
-      <a:schemeClr val="dk1"/>
-    </dgm:txFillClrLst>
-    <dgm:txEffectClrLst/>
-  </dgm:styleLbl>
-  <dgm:styleLbl name="fgAcc4">
-    <dgm:fillClrLst meth="repeat">
-      <a:schemeClr val="lt1">
-        <a:alpha val="90000"/>
-      </a:schemeClr>
-    </dgm:fillClrLst>
-    <dgm:linClrLst meth="repeat">
-      <a:schemeClr val="accent1"/>
-    </dgm:linClrLst>
-    <dgm:effectClrLst/>
-    <dgm:txLinClrLst/>
-    <dgm:txFillClrLst meth="repeat">
-      <a:schemeClr val="dk1"/>
-    </dgm:txFillClrLst>
-    <dgm:txEffectClrLst/>
-  </dgm:styleLbl>
-  <dgm:styleLbl name="bgShp">
-    <dgm:fillClrLst meth="repeat">
-      <a:schemeClr val="accent1">
-        <a:tint val="40000"/>
-      </a:schemeClr>
-    </dgm:fillClrLst>
-    <dgm:linClrLst meth="repeat">
-      <a:schemeClr val="accent1"/>
-    </dgm:linClrLst>
-    <dgm:effectClrLst/>
-    <dgm:txLinClrLst/>
-    <dgm:txFillClrLst meth="repeat">
-      <a:schemeClr val="dk1"/>
-    </dgm:txFillClrLst>
-    <dgm:txEffectClrLst/>
-  </dgm:styleLbl>
-  <dgm:styleLbl name="dkBgShp">
-    <dgm:fillClrLst meth="repeat">
-      <a:schemeClr val="accent1">
-        <a:shade val="80000"/>
-      </a:schemeClr>
-    </dgm:fillClrLst>
-    <dgm:linClrLst meth="repeat">
-      <a:schemeClr val="accent1"/>
-    </dgm:linClrLst>
-    <dgm:effectClrLst/>
-    <dgm:txLinClrLst/>
-    <dgm:txFillClrLst meth="repeat">
-      <a:schemeClr val="lt1"/>
-    </dgm:txFillClrLst>
-    <dgm:txEffectClrLst/>
-  </dgm:styleLbl>
-  <dgm:styleLbl name="trBgShp">
-    <dgm:fillClrLst meth="repeat">
-      <a:schemeClr val="accent1">
-        <a:tint val="50000"/>
-        <a:alpha val="40000"/>
-      </a:schemeClr>
-    </dgm:fillClrLst>
-    <dgm:linClrLst meth="repeat">
-      <a:schemeClr val="accent1"/>
-    </dgm:linClrLst>
-    <dgm:effectClrLst/>
-    <dgm:txLinClrLst/>
-    <dgm:txFillClrLst meth="repeat">
-      <a:schemeClr val="lt1"/>
-    </dgm:txFillClrLst>
-    <dgm:txEffectClrLst/>
-  </dgm:styleLbl>
-  <dgm:styleLbl name="fgShp">
-    <dgm:fillClrLst meth="repeat">
-      <a:schemeClr val="accent1">
-        <a:tint val="60000"/>
-      </a:schemeClr>
-    </dgm:fillClrLst>
-    <dgm:linClrLst meth="repeat">
-      <a:schemeClr val="lt1"/>
-    </dgm:linClrLst>
-    <dgm:effectClrLst/>
-    <dgm:txLinClrLst/>
-    <dgm:txFillClrLst meth="repeat">
-      <a:schemeClr val="dk1"/>
-    </dgm:txFillClrLst>
-    <dgm:txEffectClrLst/>
-  </dgm:styleLbl>
-  <dgm:styleLbl name="revTx">
-    <dgm:fillClrLst meth="repeat">
-      <a:schemeClr val="lt1">
-        <a:alpha val="0"/>
-      </a:schemeClr>
-    </dgm:fillClrLst>
-    <dgm:linClrLst meth="repeat">
-      <a:schemeClr val="dk1">
-        <a:alpha val="0"/>
-      </a:schemeClr>
-    </dgm:linClrLst>
-    <dgm:effectClrLst/>
-    <dgm:txLinClrLst/>
-    <dgm:txFillClrLst meth="repeat">
-      <a:schemeClr val="tx1"/>
-    </dgm:txFillClrLst>
-    <dgm:txEffectClrLst/>
-  </dgm:styleLbl>
-</dgm:colorsDef>
-</file>
-
-<file path=ppt/diagrams/colors2.xml><?xml version="1.0" encoding="utf-8"?>
-<dgm:colorsDef xmlns:dgm="http://schemas.openxmlformats.org/drawingml/2006/diagram" xmlns:a="http://schemas.openxmlformats.org/drawingml/2006/main" uniqueId="urn:microsoft.com/office/officeart/2005/8/colors/accent1_2">
-  <dgm:title val=""/>
-  <dgm:desc val=""/>
-  <dgm:catLst>
-    <dgm:cat type="accent1" pri="11200"/>
-  </dgm:catLst>
-  <dgm:styleLbl name="node0">
-    <dgm:fillClrLst meth="repeat">
-      <a:schemeClr val="accent1"/>
-    </dgm:fillClrLst>
-    <dgm:linClrLst meth="repeat">
-      <a:schemeClr val="lt1"/>
-    </dgm:linClrLst>
-    <dgm:effectClrLst/>
-    <dgm:txLinClrLst/>
-    <dgm:txFillClrLst/>
-    <dgm:txEffectClrLst/>
-  </dgm:styleLbl>
-  <dgm:styleLbl name="alignNode1">
-    <dgm:fillClrLst meth="repeat">
-      <a:schemeClr val="accent1"/>
-    </dgm:fillClrLst>
-    <dgm:linClrLst meth="repeat">
-      <a:schemeClr val="accent1"/>
-    </dgm:linClrLst>
-    <dgm:effectClrLst/>
-    <dgm:txLinClrLst/>
-    <dgm:txFillClrLst/>
-    <dgm:txEffectClrLst/>
-  </dgm:styleLbl>
-  <dgm:styleLbl name="node1">
-    <dgm:fillClrLst meth="repeat">
-      <a:schemeClr val="accent1"/>
-    </dgm:fillClrLst>
-    <dgm:linClrLst meth="repeat">
-      <a:schemeClr val="lt1"/>
-    </dgm:linClrLst>
-    <dgm:effectClrLst/>
-    <dgm:txLinClrLst/>
-    <dgm:txFillClrLst/>
-    <dgm:txEffectClrLst/>
-  </dgm:styleLbl>
-  <dgm:styleLbl name="lnNode1">
-    <dgm:fillClrLst meth="repeat">
-      <a:schemeClr val="accent1"/>
-    </dgm:fillClrLst>
-    <dgm:linClrLst meth="repeat">
-      <a:schemeClr val="lt1"/>
-    </dgm:linClrLst>
-    <dgm:effectClrLst/>
-    <dgm:txLinClrLst/>
-    <dgm:txFillClrLst/>
-    <dgm:txEffectClrLst/>
-  </dgm:styleLbl>
-  <dgm:styleLbl name="vennNode1">
-    <dgm:fillClrLst meth="repeat">
-      <a:schemeClr val="accent1">
-        <a:alpha val="50000"/>
-      </a:schemeClr>
-    </dgm:fillClrLst>
-    <dgm:linClrLst meth="repeat">
-      <a:schemeClr val="lt1"/>
-    </dgm:linClrLst>
-    <dgm:effectClrLst/>
-    <dgm:txLinClrLst/>
-    <dgm:txFillClrLst/>
-    <dgm:txEffectClrLst/>
-  </dgm:styleLbl>
-  <dgm:styleLbl name="node2">
-    <dgm:fillClrLst meth="repeat">
-      <a:schemeClr val="accent1"/>
-    </dgm:fillClrLst>
-    <dgm:linClrLst meth="repeat">
-      <a:schemeClr val="lt1"/>
-    </dgm:linClrLst>
-    <dgm:effectClrLst/>
-    <dgm:txLinClrLst/>
-    <dgm:txFillClrLst/>
-    <dgm:txEffectClrLst/>
-  </dgm:styleLbl>
-  <dgm:styleLbl name="node3">
-    <dgm:fillClrLst meth="repeat">
-      <a:schemeClr val="accent1"/>
-    </dgm:fillClrLst>
-    <dgm:linClrLst meth="repeat">
-      <a:schemeClr val="lt1"/>
-    </dgm:linClrLst>
-    <dgm:effectClrLst/>
-    <dgm:txLinClrLst/>
-    <dgm:txFillClrLst/>
-    <dgm:txEffectClrLst/>
-  </dgm:styleLbl>
-  <dgm:styleLbl name="node4">
-    <dgm:fillClrLst meth="repeat">
-      <a:schemeClr val="accent1"/>
-    </dgm:fillClrLst>
-    <dgm:linClrLst meth="repeat">
-      <a:schemeClr val="lt1"/>
-    </dgm:linClrLst>
-    <dgm:effectClrLst/>
-    <dgm:txLinClrLst/>
-    <dgm:txFillClrLst/>
-    <dgm:txEffectClrLst/>
-  </dgm:styleLbl>
-  <dgm:styleLbl name="fgImgPlace1">
-    <dgm:fillClrLst meth="repeat">
-      <a:schemeClr val="accent1">
-        <a:tint val="50000"/>
-      </a:schemeClr>
-    </dgm:fillClrLst>
-    <dgm:linClrLst meth="repeat">
-      <a:schemeClr val="lt1"/>
-    </dgm:linClrLst>
-    <dgm:effectClrLst/>
-    <dgm:txLinClrLst/>
-    <dgm:txFillClrLst meth="repeat">
-      <a:schemeClr val="lt1"/>
-    </dgm:txFillClrLst>
-    <dgm:txEffectClrLst/>
-  </dgm:styleLbl>
-  <dgm:styleLbl name="alignImgPlace1">
-    <dgm:fillClrLst meth="repeat">
-      <a:schemeClr val="accent1">
-        <a:tint val="50000"/>
-      </a:schemeClr>
-    </dgm:fillClrLst>
-    <dgm:linClrLst meth="repeat">
-      <a:schemeClr val="lt1"/>
-    </dgm:linClrLst>
-    <dgm:effectClrLst/>
-    <dgm:txLinClrLst/>
-    <dgm:txFillClrLst meth="repeat">
-      <a:schemeClr val="lt1"/>
-    </dgm:txFillClrLst>
-    <dgm:txEffectClrLst/>
-  </dgm:styleLbl>
-  <dgm:styleLbl name="bgImgPlace1">
-    <dgm:fillClrLst meth="repeat">
-      <a:schemeClr val="accent1">
-        <a:tint val="50000"/>
-      </a:schemeClr>
-    </dgm:fillClrLst>
-    <dgm:linClrLst meth="repeat">
-      <a:schemeClr val="lt1"/>
-    </dgm:linClrLst>
-    <dgm:effectClrLst/>
-    <dgm:txLinClrLst/>
-    <dgm:txFillClrLst meth="repeat">
-      <a:schemeClr val="lt1"/>
-    </dgm:txFillClrLst>
-    <dgm:txEffectClrLst/>
-  </dgm:styleLbl>
-  <dgm:styleLbl name="sibTrans2D1">
-    <dgm:fillClrLst meth="repeat">
-      <a:schemeClr val="accent1">
-        <a:tint val="60000"/>
-      </a:schemeClr>
-    </dgm:fillClrLst>
-    <dgm:linClrLst meth="repeat">
-      <a:schemeClr val="accent1">
-        <a:tint val="60000"/>
-      </a:schemeClr>
-    </dgm:linClrLst>
-    <dgm:effectClrLst/>
-    <dgm:txLinClrLst/>
-    <dgm:txFillClrLst/>
-    <dgm:txEffectClrLst/>
-  </dgm:styleLbl>
-  <dgm:styleLbl name="fgSibTrans2D1">
-    <dgm:fillClrLst meth="repeat">
-      <a:schemeClr val="accent1">
-        <a:tint val="60000"/>
-      </a:schemeClr>
-    </dgm:fillClrLst>
-    <dgm:linClrLst meth="repeat">
-      <a:schemeClr val="accent1">
-        <a:tint val="60000"/>
-      </a:schemeClr>
-    </dgm:linClrLst>
-    <dgm:effectClrLst/>
-    <dgm:txLinClrLst/>
-    <dgm:txFillClrLst/>
-    <dgm:txEffectClrLst/>
-  </dgm:styleLbl>
-  <dgm:styleLbl name="bgSibTrans2D1">
-    <dgm:fillClrLst meth="repeat">
-      <a:schemeClr val="accent1">
-        <a:tint val="60000"/>
-      </a:schemeClr>
-    </dgm:fillClrLst>
-    <dgm:linClrLst meth="repeat">
-      <a:schemeClr val="accent1">
-        <a:tint val="60000"/>
-      </a:schemeClr>
-    </dgm:linClrLst>
-    <dgm:effectClrLst/>
-    <dgm:txLinClrLst/>
-    <dgm:txFillClrLst/>
-    <dgm:txEffectClrLst/>
-  </dgm:styleLbl>
-  <dgm:styleLbl name="sibTrans1D1">
-    <dgm:fillClrLst meth="repeat">
-      <a:schemeClr val="accent1"/>
-    </dgm:fillClrLst>
-    <dgm:linClrLst meth="repeat">
-      <a:schemeClr val="accent1"/>
-    </dgm:linClrLst>
-    <dgm:effectClrLst/>
-    <dgm:txLinClrLst/>
-    <dgm:txFillClrLst meth="repeat">
-      <a:schemeClr val="tx1"/>
-    </dgm:txFillClrLst>
-    <dgm:txEffectClrLst/>
-  </dgm:styleLbl>
-  <dgm:styleLbl name="callout">
-    <dgm:fillClrLst meth="repeat">
-      <a:schemeClr val="accent1"/>
-    </dgm:fillClrLst>
-    <dgm:linClrLst meth="repeat">
-      <a:schemeClr val="accent1">
-        <a:tint val="50000"/>
-      </a:schemeClr>
-    </dgm:linClrLst>
-    <dgm:effectClrLst/>
-    <dgm:txLinClrLst/>
-    <dgm:txFillClrLst meth="repeat">
-      <a:schemeClr val="tx1"/>
-    </dgm:txFillClrLst>
-    <dgm:txEffectClrLst/>
-  </dgm:styleLbl>
-  <dgm:styleLbl name="asst0">
-    <dgm:fillClrLst meth="repeat">
-      <a:schemeClr val="accent1"/>
-    </dgm:fillClrLst>
-    <dgm:linClrLst meth="repeat">
-      <a:schemeClr val="lt1"/>
-    </dgm:linClrLst>
-    <dgm:effectClrLst/>
-    <dgm:txLinClrLst/>
-    <dgm:txFillClrLst/>
-    <dgm:txEffectClrLst/>
-  </dgm:styleLbl>
-  <dgm:styleLbl name="asst1">
-    <dgm:fillClrLst meth="repeat">
-      <a:schemeClr val="accent1"/>
-    </dgm:fillClrLst>
-    <dgm:linClrLst meth="repeat">
-      <a:schemeClr val="lt1"/>
-    </dgm:linClrLst>
-    <dgm:effectClrLst/>
-    <dgm:txLinClrLst/>
-    <dgm:txFillClrLst/>
-    <dgm:txEffectClrLst/>
-  </dgm:styleLbl>
-  <dgm:styleLbl name="asst2">
-    <dgm:fillClrLst meth="repeat">
-      <a:schemeClr val="accent1"/>
-    </dgm:fillClrLst>
-    <dgm:linClrLst meth="repeat">
-      <a:schemeClr val="lt1"/>
-    </dgm:linClrLst>
-    <dgm:effectClrLst/>
-    <dgm:txLinClrLst/>
-    <dgm:txFillClrLst/>
-    <dgm:txEffectClrLst/>
-  </dgm:styleLbl>
-  <dgm:styleLbl name="asst3">
-    <dgm:fillClrLst meth="repeat">
-      <a:schemeClr val="accent1"/>
-    </dgm:fillClrLst>
-    <dgm:linClrLst meth="repeat">
-      <a:schemeClr val="lt1"/>
-    </dgm:linClrLst>
-    <dgm:effectClrLst/>
-    <dgm:txLinClrLst/>
-    <dgm:txFillClrLst/>
-    <dgm:txEffectClrLst/>
-  </dgm:styleLbl>
-  <dgm:styleLbl name="asst4">
-    <dgm:fillClrLst meth="repeat">
-      <a:schemeClr val="accent1"/>
-    </dgm:fillClrLst>
-    <dgm:linClrLst meth="repeat">
-      <a:schemeClr val="lt1"/>
-    </dgm:linClrLst>
-    <dgm:effectClrLst/>
-    <dgm:txLinClrLst/>
-    <dgm:txFillClrLst/>
-    <dgm:txEffectClrLst/>
-  </dgm:styleLbl>
-  <dgm:styleLbl name="parChTrans2D1">
-    <dgm:fillClrLst meth="repeat">
-      <a:schemeClr val="accent1">
-        <a:tint val="60000"/>
-      </a:schemeClr>
-    </dgm:fillClrLst>
-    <dgm:linClrLst meth="repeat">
-      <a:schemeClr val="accent1">
-        <a:tint val="60000"/>
-      </a:schemeClr>
-    </dgm:linClrLst>
-    <dgm:effectClrLst/>
-    <dgm:txLinClrLst/>
-    <dgm:txFillClrLst meth="repeat">
-      <a:schemeClr val="lt1"/>
-    </dgm:txFillClrLst>
-    <dgm:txEffectClrLst/>
-  </dgm:styleLbl>
-  <dgm:styleLbl name="parChTrans2D2">
-    <dgm:fillClrLst meth="repeat">
-      <a:schemeClr val="accent1"/>
-    </dgm:fillClrLst>
-    <dgm:linClrLst meth="repeat">
-      <a:schemeClr val="accent1"/>
-    </dgm:linClrLst>
-    <dgm:effectClrLst/>
-    <dgm:txLinClrLst/>
-    <dgm:txFillClrLst meth="repeat">
-      <a:schemeClr val="lt1"/>
-    </dgm:txFillClrLst>
-    <dgm:txEffectClrLst/>
-  </dgm:styleLbl>
-  <dgm:styleLbl name="parChTrans2D3">
-    <dgm:fillClrLst meth="repeat">
-      <a:schemeClr val="accent1"/>
-    </dgm:fillClrLst>
-    <dgm:linClrLst meth="repeat">
-      <a:schemeClr val="accent1"/>
-    </dgm:linClrLst>
-    <dgm:effectClrLst/>
-    <dgm:txLinClrLst/>
-    <dgm:txFillClrLst meth="repeat">
-      <a:schemeClr val="lt1"/>
-    </dgm:txFillClrLst>
-    <dgm:txEffectClrLst/>
-  </dgm:styleLbl>
-  <dgm:styleLbl name="parChTrans2D4">
-    <dgm:fillClrLst meth="repeat">
-      <a:schemeClr val="accent1"/>
-    </dgm:fillClrLst>
-    <dgm:linClrLst meth="repeat">
-      <a:schemeClr val="accent1"/>
-    </dgm:linClrLst>
-    <dgm:effectClrLst/>
-    <dgm:txLinClrLst/>
-    <dgm:txFillClrLst meth="repeat">
-      <a:schemeClr val="lt1"/>
-    </dgm:txFillClrLst>
-    <dgm:txEffectClrLst/>
-  </dgm:styleLbl>
-  <dgm:styleLbl name="parChTrans1D1">
-    <dgm:fillClrLst meth="repeat">
-      <a:schemeClr val="accent1"/>
-    </dgm:fillClrLst>
-    <dgm:linClrLst meth="repeat">
-      <a:schemeClr val="accent1">
-        <a:shade val="60000"/>
-      </a:schemeClr>
-    </dgm:linClrLst>
-    <dgm:effectClrLst/>
-    <dgm:txLinClrLst/>
-    <dgm:txFillClrLst meth="repeat">
-      <a:schemeClr val="tx1"/>
-    </dgm:txFillClrLst>
-    <dgm:txEffectClrLst/>
-  </dgm:styleLbl>
-  <dgm:styleLbl name="parChTrans1D2">
-    <dgm:fillClrLst meth="repeat">
-      <a:schemeClr val="accent1"/>
-    </dgm:fillClrLst>
-    <dgm:linClrLst meth="repeat">
-      <a:schemeClr val="accent1">
-        <a:shade val="60000"/>
-      </a:schemeClr>
-    </dgm:linClrLst>
-    <dgm:effectClrLst/>
-    <dgm:txLinClrLst/>
-    <dgm:txFillClrLst meth="repeat">
-      <a:schemeClr val="tx1"/>
-    </dgm:txFillClrLst>
-    <dgm:txEffectClrLst/>
-  </dgm:styleLbl>
-  <dgm:styleLbl name="parChTrans1D3">
-    <dgm:fillClrLst meth="repeat">
-      <a:schemeClr val="accent1"/>
-    </dgm:fillClrLst>
-    <dgm:linClrLst meth="repeat">
-      <a:schemeClr val="accent1">
-        <a:shade val="80000"/>
-      </a:schemeClr>
-    </dgm:linClrLst>
-    <dgm:effectClrLst/>
-    <dgm:txLinClrLst/>
-    <dgm:txFillClrLst meth="repeat">
-      <a:schemeClr val="tx1"/>
-    </dgm:txFillClrLst>
-    <dgm:txEffectClrLst/>
-  </dgm:styleLbl>
-  <dgm:styleLbl name="parChTrans1D4">
-    <dgm:fillClrLst meth="repeat">
-      <a:schemeClr val="accent1"/>
-    </dgm:fillClrLst>
-    <dgm:linClrLst meth="repeat">
-      <a:schemeClr val="accent1">
-        <a:shade val="80000"/>
-      </a:schemeClr>
-    </dgm:linClrLst>
-    <dgm:effectClrLst/>
-    <dgm:txLinClrLst/>
-    <dgm:txFillClrLst meth="repeat">
-      <a:schemeClr val="tx1"/>
-    </dgm:txFillClrLst>
-    <dgm:txEffectClrLst/>
-  </dgm:styleLbl>
-  <dgm:styleLbl name="fgAcc1">
-    <dgm:fillClrLst meth="repeat">
-      <a:schemeClr val="lt1">
-        <a:alpha val="90000"/>
-      </a:schemeClr>
-    </dgm:fillClrLst>
-    <dgm:linClrLst meth="repeat">
-      <a:schemeClr val="accent1"/>
-    </dgm:linClrLst>
-    <dgm:effectClrLst/>
-    <dgm:txLinClrLst/>
-    <dgm:txFillClrLst meth="repeat">
-      <a:schemeClr val="dk1"/>
-    </dgm:txFillClrLst>
-    <dgm:txEffectClrLst/>
-  </dgm:styleLbl>
-  <dgm:styleLbl name="conFgAcc1">
-    <dgm:fillClrLst meth="repeat">
-      <a:schemeClr val="lt1">
-        <a:alpha val="90000"/>
-      </a:schemeClr>
-    </dgm:fillClrLst>
-    <dgm:linClrLst meth="repeat">
-      <a:schemeClr val="accent1"/>
-    </dgm:linClrLst>
-    <dgm:effectClrLst/>
-    <dgm:txLinClrLst/>
-    <dgm:txFillClrLst meth="repeat">
-      <a:schemeClr val="dk1"/>
-    </dgm:txFillClrLst>
-    <dgm:txEffectClrLst/>
-  </dgm:styleLbl>
-  <dgm:styleLbl name="alignAcc1">
-    <dgm:fillClrLst meth="repeat">
-      <a:schemeClr val="lt1">
-        <a:alpha val="90000"/>
-      </a:schemeClr>
-    </dgm:fillClrLst>
-    <dgm:linClrLst meth="repeat">
-      <a:schemeClr val="accent1"/>
-    </dgm:linClrLst>
-    <dgm:effectClrLst/>
-    <dgm:txLinClrLst/>
-    <dgm:txFillClrLst meth="repeat">
-      <a:schemeClr val="dk1"/>
-    </dgm:txFillClrLst>
-    <dgm:txEffectClrLst/>
-  </dgm:styleLbl>
-  <dgm:styleLbl name="trAlignAcc1">
-    <dgm:fillClrLst meth="repeat">
-      <a:schemeClr val="lt1">
-        <a:alpha val="40000"/>
-      </a:schemeClr>
-    </dgm:fillClrLst>
-    <dgm:linClrLst meth="repeat">
-      <a:schemeClr val="accent1"/>
-    </dgm:linClrLst>
-    <dgm:effectClrLst/>
-    <dgm:txLinClrLst/>
-    <dgm:txFillClrLst meth="repeat">
-      <a:schemeClr val="dk1"/>
-    </dgm:txFillClrLst>
-    <dgm:txEffectClrLst/>
-  </dgm:styleLbl>
-  <dgm:styleLbl name="bgAcc1">
-    <dgm:fillClrLst meth="repeat">
-      <a:schemeClr val="lt1">
-        <a:alpha val="90000"/>
-      </a:schemeClr>
-    </dgm:fillClrLst>
-    <dgm:linClrLst meth="repeat">
-      <a:schemeClr val="accent1"/>
-    </dgm:linClrLst>
-    <dgm:effectClrLst/>
-    <dgm:txLinClrLst/>
-    <dgm:txFillClrLst meth="repeat">
-      <a:schemeClr val="dk1"/>
-    </dgm:txFillClrLst>
-    <dgm:txEffectClrLst/>
-  </dgm:styleLbl>
-  <dgm:styleLbl name="solidFgAcc1">
-    <dgm:fillClrLst meth="repeat">
-      <a:schemeClr val="lt1"/>
-    </dgm:fillClrLst>
-    <dgm:linClrLst meth="repeat">
-      <a:schemeClr val="accent1"/>
-    </dgm:linClrLst>
-    <dgm:effectClrLst/>
-    <dgm:txLinClrLst/>
-    <dgm:txFillClrLst meth="repeat">
-      <a:schemeClr val="dk1"/>
-    </dgm:txFillClrLst>
-    <dgm:txEffectClrLst/>
-  </dgm:styleLbl>
-  <dgm:styleLbl name="solidAlignAcc1">
-    <dgm:fillClrLst meth="repeat">
-      <a:schemeClr val="lt1"/>
-    </dgm:fillClrLst>
-    <dgm:linClrLst meth="repeat">
-      <a:schemeClr val="accent1"/>
-    </dgm:linClrLst>
-    <dgm:effectClrLst/>
-    <dgm:txLinClrLst/>
-    <dgm:txFillClrLst meth="repeat">
-      <a:schemeClr val="dk1"/>
-    </dgm:txFillClrLst>
-    <dgm:txEffectClrLst/>
-  </dgm:styleLbl>
-  <dgm:styleLbl name="solidBgAcc1">
-    <dgm:fillClrLst meth="repeat">
-      <a:schemeClr val="lt1"/>
-    </dgm:fillClrLst>
-    <dgm:linClrLst meth="repeat">
-      <a:schemeClr val="accent1"/>
-    </dgm:linClrLst>
-    <dgm:effectClrLst/>
-    <dgm:txLinClrLst/>
-    <dgm:txFillClrLst meth="repeat">
-      <a:schemeClr val="dk1"/>
-    </dgm:txFillClrLst>
-    <dgm:txEffectClrLst/>
-  </dgm:styleLbl>
-  <dgm:styleLbl name="fgAccFollowNode1">
-    <dgm:fillClrLst meth="repeat">
-      <a:schemeClr val="accent1">
-        <a:alpha val="90000"/>
-        <a:tint val="40000"/>
-      </a:schemeClr>
-    </dgm:fillClrLst>
-    <dgm:linClrLst meth="repeat">
-      <a:schemeClr val="accent1">
-        <a:alpha val="90000"/>
-        <a:tint val="40000"/>
-      </a:schemeClr>
-    </dgm:linClrLst>
-    <dgm:effectClrLst/>
-    <dgm:txLinClrLst/>
-    <dgm:txFillClrLst meth="repeat">
-      <a:schemeClr val="dk1"/>
-    </dgm:txFillClrLst>
-    <dgm:txEffectClrLst/>
-  </dgm:styleLbl>
-  <dgm:styleLbl name="alignAccFollowNode1">
-    <dgm:fillClrLst meth="repeat">
-      <a:schemeClr val="accent1">
-        <a:alpha val="90000"/>
-        <a:tint val="40000"/>
-      </a:schemeClr>
-    </dgm:fillClrLst>
-    <dgm:linClrLst meth="repeat">
-      <a:schemeClr val="accent1">
-        <a:alpha val="90000"/>
-        <a:tint val="40000"/>
-      </a:schemeClr>
-    </dgm:linClrLst>
-    <dgm:effectClrLst/>
-    <dgm:txLinClrLst/>
-    <dgm:txFillClrLst meth="repeat">
-      <a:schemeClr val="dk1"/>
-    </dgm:txFillClrLst>
-    <dgm:txEffectClrLst/>
-  </dgm:styleLbl>
-  <dgm:styleLbl name="bgAccFollowNode1">
-    <dgm:fillClrLst meth="repeat">
-      <a:schemeClr val="accent1">
-        <a:alpha val="90000"/>
-        <a:tint val="40000"/>
-      </a:schemeClr>
-    </dgm:fillClrLst>
-    <dgm:linClrLst meth="repeat">
-      <a:schemeClr val="accent1">
-        <a:alpha val="90000"/>
-        <a:tint val="40000"/>
-      </a:schemeClr>
-    </dgm:linClrLst>
-    <dgm:effectClrLst/>
-    <dgm:txLinClrLst/>
-    <dgm:txFillClrLst meth="repeat">
-      <a:schemeClr val="dk1"/>
-    </dgm:txFillClrLst>
-    <dgm:txEffectClrLst/>
-  </dgm:styleLbl>
-  <dgm:styleLbl name="fgAcc0">
-    <dgm:fillClrLst meth="repeat">
-      <a:schemeClr val="lt1">
-        <a:alpha val="90000"/>
-      </a:schemeClr>
-    </dgm:fillClrLst>
-    <dgm:linClrLst meth="repeat">
-      <a:schemeClr val="accent1"/>
-    </dgm:linClrLst>
-    <dgm:effectClrLst/>
-    <dgm:txLinClrLst/>
-    <dgm:txFillClrLst meth="repeat">
-      <a:schemeClr val="dk1"/>
-    </dgm:txFillClrLst>
-    <dgm:txEffectClrLst/>
-  </dgm:styleLbl>
-  <dgm:styleLbl name="fgAcc2">
-    <dgm:fillClrLst meth="repeat">
-      <a:schemeClr val="lt1">
-        <a:alpha val="90000"/>
-      </a:schemeClr>
-    </dgm:fillClrLst>
-    <dgm:linClrLst meth="repeat">
-      <a:schemeClr val="accent1"/>
-    </dgm:linClrLst>
-    <dgm:effectClrLst/>
-    <dgm:txLinClrLst/>
-    <dgm:txFillClrLst meth="repeat">
-      <a:schemeClr val="dk1"/>
-    </dgm:txFillClrLst>
-    <dgm:txEffectClrLst/>
-  </dgm:styleLbl>
-  <dgm:styleLbl name="fgAcc3">
-    <dgm:fillClrLst meth="repeat">
-      <a:schemeClr val="lt1">
-        <a:alpha val="90000"/>
-      </a:schemeClr>
-    </dgm:fillClrLst>
-    <dgm:linClrLst meth="repeat">
-      <a:schemeClr val="accent1"/>
-    </dgm:linClrLst>
-    <dgm:effectClrLst/>
-    <dgm:txLinClrLst/>
-    <dgm:txFillClrLst meth="repeat">
-      <a:schemeClr val="dk1"/>
-    </dgm:txFillClrLst>
-    <dgm:txEffectClrLst/>
-  </dgm:styleLbl>
-  <dgm:styleLbl name="fgAcc4">
-    <dgm:fillClrLst meth="repeat">
-      <a:schemeClr val="lt1">
-        <a:alpha val="90000"/>
-      </a:schemeClr>
-    </dgm:fillClrLst>
-    <dgm:linClrLst meth="repeat">
-      <a:schemeClr val="accent1"/>
-    </dgm:linClrLst>
-    <dgm:effectClrLst/>
-    <dgm:txLinClrLst/>
-    <dgm:txFillClrLst meth="repeat">
-      <a:schemeClr val="dk1"/>
-    </dgm:txFillClrLst>
-    <dgm:txEffectClrLst/>
-  </dgm:styleLbl>
-  <dgm:styleLbl name="bgShp">
-    <dgm:fillClrLst meth="repeat">
-      <a:schemeClr val="accent1">
-        <a:tint val="40000"/>
-      </a:schemeClr>
-    </dgm:fillClrLst>
-    <dgm:linClrLst meth="repeat">
-      <a:schemeClr val="accent1"/>
-    </dgm:linClrLst>
-    <dgm:effectClrLst/>
-    <dgm:txLinClrLst/>
-    <dgm:txFillClrLst meth="repeat">
-      <a:schemeClr val="dk1"/>
-    </dgm:txFillClrLst>
-    <dgm:txEffectClrLst/>
-  </dgm:styleLbl>
-  <dgm:styleLbl name="dkBgShp">
-    <dgm:fillClrLst meth="repeat">
-      <a:schemeClr val="accent1">
-        <a:shade val="80000"/>
-      </a:schemeClr>
-    </dgm:fillClrLst>
-    <dgm:linClrLst meth="repeat">
-      <a:schemeClr val="accent1"/>
-    </dgm:linClrLst>
-    <dgm:effectClrLst/>
-    <dgm:txLinClrLst/>
-    <dgm:txFillClrLst meth="repeat">
-      <a:schemeClr val="lt1"/>
-    </dgm:txFillClrLst>
-    <dgm:txEffectClrLst/>
-  </dgm:styleLbl>
-  <dgm:styleLbl name="trBgShp">
-    <dgm:fillClrLst meth="repeat">
-      <a:schemeClr val="accent1">
-        <a:tint val="50000"/>
-        <a:alpha val="40000"/>
-      </a:schemeClr>
-    </dgm:fillClrLst>
-    <dgm:linClrLst meth="repeat">
-      <a:schemeClr val="accent1"/>
-    </dgm:linClrLst>
-    <dgm:effectClrLst/>
-    <dgm:txLinClrLst/>
-    <dgm:txFillClrLst meth="repeat">
-      <a:schemeClr val="lt1"/>
-    </dgm:txFillClrLst>
-    <dgm:txEffectClrLst/>
-  </dgm:styleLbl>
-  <dgm:styleLbl name="fgShp">
-    <dgm:fillClrLst meth="repeat">
-      <a:schemeClr val="accent1">
-        <a:tint val="60000"/>
-      </a:schemeClr>
-    </dgm:fillClrLst>
-    <dgm:linClrLst meth="repeat">
-      <a:schemeClr val="lt1"/>
-    </dgm:linClrLst>
-    <dgm:effectClrLst/>
-    <dgm:txLinClrLst/>
-    <dgm:txFillClrLst meth="repeat">
-      <a:schemeClr val="dk1"/>
-    </dgm:txFillClrLst>
-    <dgm:txEffectClrLst/>
-  </dgm:styleLbl>
-  <dgm:styleLbl name="revTx">
-    <dgm:fillClrLst meth="repeat">
-      <a:schemeClr val="lt1">
-        <a:alpha val="0"/>
-      </a:schemeClr>
-    </dgm:fillClrLst>
-    <dgm:linClrLst meth="repeat">
-      <a:schemeClr val="dk1">
-        <a:alpha val="0"/>
-      </a:schemeClr>
-    </dgm:linClrLst>
-    <dgm:effectClrLst/>
-    <dgm:txLinClrLst/>
-    <dgm:txFillClrLst meth="repeat">
-      <a:schemeClr val="tx1"/>
-    </dgm:txFillClrLst>
-    <dgm:txEffectClrLst/>
-  </dgm:styleLbl>
-</dgm:colorsDef>
-</file>
-
-<file path=ppt/diagrams/colors3.xml><?xml version="1.0" encoding="utf-8"?>
 <dgm:colorsDef xmlns:dgm="http://schemas.openxmlformats.org/drawingml/2006/diagram" xmlns:a="http://schemas.openxmlformats.org/drawingml/2006/main" uniqueId="urn:microsoft.com/office/officeart/2005/8/colors/accent1_2">
   <dgm:title val=""/>
   <dgm:desc val=""/>
@@ -2664,953 +1170,6 @@
 </dgm:dataModel>
 </file>
 
-<file path=ppt/diagrams/data2.xml><?xml version="1.0" encoding="utf-8"?>
-<dgm:dataModel xmlns:dgm="http://schemas.openxmlformats.org/drawingml/2006/diagram" xmlns:a="http://schemas.openxmlformats.org/drawingml/2006/main">
-  <dgm:ptLst>
-    <dgm:pt modelId="{831248B5-42BE-41CC-B00B-93FDF821FE9F}" type="doc">
-      <dgm:prSet loTypeId="urn:microsoft.com/office/officeart/2005/8/layout/process2" loCatId="process" qsTypeId="urn:microsoft.com/office/officeart/2005/8/quickstyle/simple1" qsCatId="simple" csTypeId="urn:microsoft.com/office/officeart/2005/8/colors/accent1_2" csCatId="accent1" phldr="1"/>
-      <dgm:spPr/>
-      <dgm:t>
-        <a:bodyPr/>
-        <a:lstStyle/>
-        <a:p>
-          <a:endParaRPr lang="en-US"/>
-        </a:p>
-      </dgm:t>
-    </dgm:pt>
-    <dgm:pt modelId="{6909E702-DF4A-4621-83E4-C7AE51A47D48}">
-      <dgm:prSet phldrT="[Text]"/>
-      <dgm:spPr/>
-      <dgm:t>
-        <a:bodyPr/>
-        <a:lstStyle/>
-        <a:p>
-          <a:r>
-            <a:rPr lang="en-US"/>
-            <a:t>Preprocessed Input</a:t>
-          </a:r>
-        </a:p>
-      </dgm:t>
-    </dgm:pt>
-    <dgm:pt modelId="{1DE2D664-EDBC-46EB-96F3-DDBF3F502ACD}" type="parTrans" cxnId="{3C976765-D4C8-4738-B7C4-C1318D78CD1F}">
-      <dgm:prSet/>
-      <dgm:spPr/>
-      <dgm:t>
-        <a:bodyPr/>
-        <a:lstStyle/>
-        <a:p>
-          <a:endParaRPr lang="en-US"/>
-        </a:p>
-      </dgm:t>
-    </dgm:pt>
-    <dgm:pt modelId="{76AC9EB8-B499-4014-9C2D-CF84A71AB784}" type="sibTrans" cxnId="{3C976765-D4C8-4738-B7C4-C1318D78CD1F}">
-      <dgm:prSet/>
-      <dgm:spPr/>
-      <dgm:t>
-        <a:bodyPr/>
-        <a:lstStyle/>
-        <a:p>
-          <a:endParaRPr lang="en-US"/>
-        </a:p>
-      </dgm:t>
-    </dgm:pt>
-    <dgm:pt modelId="{16DB864F-1D40-4E34-8BD9-F1C660CD2CFB}">
-      <dgm:prSet phldrT="[Text]"/>
-      <dgm:spPr>
-        <a:solidFill>
-          <a:srgbClr val="00B0F0"/>
-        </a:solidFill>
-      </dgm:spPr>
-      <dgm:t>
-        <a:bodyPr/>
-        <a:lstStyle/>
-        <a:p>
-          <a:r>
-            <a:rPr lang="en-US"/>
-            <a:t>Stage 1</a:t>
-          </a:r>
-        </a:p>
-        <a:p>
-          <a:r>
-            <a:rPr lang="en-US"/>
-            <a:t>Max-Conv2D filter on 64x64 kernel</a:t>
-          </a:r>
-        </a:p>
-      </dgm:t>
-    </dgm:pt>
-    <dgm:pt modelId="{93C0F5D2-7285-4DBC-9CFC-540D03F09FCC}" type="parTrans" cxnId="{1FAAEAA8-DA69-4D24-A321-784C7150EC4E}">
-      <dgm:prSet/>
-      <dgm:spPr/>
-      <dgm:t>
-        <a:bodyPr/>
-        <a:lstStyle/>
-        <a:p>
-          <a:endParaRPr lang="en-US"/>
-        </a:p>
-      </dgm:t>
-    </dgm:pt>
-    <dgm:pt modelId="{0CC9A380-740E-4425-AC43-31F4F13B3004}" type="sibTrans" cxnId="{1FAAEAA8-DA69-4D24-A321-784C7150EC4E}">
-      <dgm:prSet/>
-      <dgm:spPr/>
-      <dgm:t>
-        <a:bodyPr/>
-        <a:lstStyle/>
-        <a:p>
-          <a:endParaRPr lang="en-US"/>
-        </a:p>
-      </dgm:t>
-    </dgm:pt>
-    <dgm:pt modelId="{B0120D59-46F5-4609-8A90-D19147655A7C}">
-      <dgm:prSet phldrT="[Text]"/>
-      <dgm:spPr>
-        <a:solidFill>
-          <a:srgbClr val="00B0F0"/>
-        </a:solidFill>
-      </dgm:spPr>
-      <dgm:t>
-        <a:bodyPr/>
-        <a:lstStyle/>
-        <a:p>
-          <a:r>
-            <a:rPr lang="en-US"/>
-            <a:t>Stage2</a:t>
-          </a:r>
-        </a:p>
-        <a:p>
-          <a:r>
-            <a:rPr lang="en-US"/>
-            <a:t>Max-Conv2D filter on 32x32 kernel</a:t>
-          </a:r>
-        </a:p>
-      </dgm:t>
-    </dgm:pt>
-    <dgm:pt modelId="{8B65003E-F843-4BAC-92BF-31469B2EB546}" type="parTrans" cxnId="{17625CDE-390A-4A16-A1DA-1A2728D2592E}">
-      <dgm:prSet/>
-      <dgm:spPr/>
-      <dgm:t>
-        <a:bodyPr/>
-        <a:lstStyle/>
-        <a:p>
-          <a:endParaRPr lang="en-US"/>
-        </a:p>
-      </dgm:t>
-    </dgm:pt>
-    <dgm:pt modelId="{05504F13-8F6D-4A96-A060-7C7C04BCCDC5}" type="sibTrans" cxnId="{17625CDE-390A-4A16-A1DA-1A2728D2592E}">
-      <dgm:prSet/>
-      <dgm:spPr/>
-      <dgm:t>
-        <a:bodyPr/>
-        <a:lstStyle/>
-        <a:p>
-          <a:endParaRPr lang="en-US"/>
-        </a:p>
-      </dgm:t>
-    </dgm:pt>
-    <dgm:pt modelId="{4E8DDCF5-1131-4B7B-8DC9-CA1D909DEB4C}">
-      <dgm:prSet/>
-      <dgm:spPr>
-        <a:solidFill>
-          <a:srgbClr val="00B0F0"/>
-        </a:solidFill>
-      </dgm:spPr>
-      <dgm:t>
-        <a:bodyPr/>
-        <a:lstStyle/>
-        <a:p>
-          <a:r>
-            <a:rPr lang="en-US"/>
-            <a:t>Stage 3</a:t>
-          </a:r>
-        </a:p>
-        <a:p>
-          <a:r>
-            <a:rPr lang="en-US"/>
-            <a:t>Max-Conv2D filter on 16x16 kernel </a:t>
-          </a:r>
-        </a:p>
-      </dgm:t>
-    </dgm:pt>
-    <dgm:pt modelId="{5D085E46-E5F5-4C17-A2B4-EEDB4B73AAFC}" type="parTrans" cxnId="{2F596BCC-CA9C-4A5D-9021-F5F196D3E80D}">
-      <dgm:prSet/>
-      <dgm:spPr/>
-      <dgm:t>
-        <a:bodyPr/>
-        <a:lstStyle/>
-        <a:p>
-          <a:endParaRPr lang="en-US"/>
-        </a:p>
-      </dgm:t>
-    </dgm:pt>
-    <dgm:pt modelId="{1E64BDA1-8C1C-4293-9ECF-B16190F3555C}" type="sibTrans" cxnId="{2F596BCC-CA9C-4A5D-9021-F5F196D3E80D}">
-      <dgm:prSet/>
-      <dgm:spPr/>
-      <dgm:t>
-        <a:bodyPr/>
-        <a:lstStyle/>
-        <a:p>
-          <a:endParaRPr lang="en-US"/>
-        </a:p>
-      </dgm:t>
-    </dgm:pt>
-    <dgm:pt modelId="{44D9E930-28F8-42A2-AEDE-C2AF9832F680}">
-      <dgm:prSet/>
-      <dgm:spPr>
-        <a:solidFill>
-          <a:srgbClr val="92D050"/>
-        </a:solidFill>
-      </dgm:spPr>
-      <dgm:t>
-        <a:bodyPr/>
-        <a:lstStyle/>
-        <a:p>
-          <a:r>
-            <a:rPr lang="en-US"/>
-            <a:t>Stage 6</a:t>
-          </a:r>
-        </a:p>
-        <a:p>
-          <a:r>
-            <a:rPr lang="en-US"/>
-            <a:t>Conv2D Filter to reduce noise </a:t>
-          </a:r>
-        </a:p>
-      </dgm:t>
-    </dgm:pt>
-    <dgm:pt modelId="{F461D74D-E1BE-4262-9A51-8AF93A2A9DAE}" type="parTrans" cxnId="{9E8B0EC8-CDD5-4D01-BB78-42B94FC3B680}">
-      <dgm:prSet/>
-      <dgm:spPr/>
-      <dgm:t>
-        <a:bodyPr/>
-        <a:lstStyle/>
-        <a:p>
-          <a:endParaRPr lang="en-US"/>
-        </a:p>
-      </dgm:t>
-    </dgm:pt>
-    <dgm:pt modelId="{BEF039B9-78B3-44AC-BCD2-D5D97EFF241A}" type="sibTrans" cxnId="{9E8B0EC8-CDD5-4D01-BB78-42B94FC3B680}">
-      <dgm:prSet/>
-      <dgm:spPr/>
-      <dgm:t>
-        <a:bodyPr/>
-        <a:lstStyle/>
-        <a:p>
-          <a:endParaRPr lang="en-US"/>
-        </a:p>
-      </dgm:t>
-    </dgm:pt>
-    <dgm:pt modelId="{F77B9BF5-4593-4B18-BA5C-8BE2B8071A44}">
-      <dgm:prSet/>
-      <dgm:spPr>
-        <a:solidFill>
-          <a:srgbClr val="00B0F0"/>
-        </a:solidFill>
-      </dgm:spPr>
-      <dgm:t>
-        <a:bodyPr/>
-        <a:lstStyle/>
-        <a:p>
-          <a:r>
-            <a:rPr lang="en-US"/>
-            <a:t>Stage 5</a:t>
-          </a:r>
-        </a:p>
-        <a:p>
-          <a:r>
-            <a:rPr lang="en-US"/>
-            <a:t>Max-Conv2D filter on 4x4 kernel</a:t>
-          </a:r>
-        </a:p>
-      </dgm:t>
-    </dgm:pt>
-    <dgm:pt modelId="{AB9DBF93-67DD-431C-9F2B-6F4233019072}" type="parTrans" cxnId="{7951D0FC-694C-465C-9AEF-49EFD7FC6F31}">
-      <dgm:prSet/>
-      <dgm:spPr/>
-      <dgm:t>
-        <a:bodyPr/>
-        <a:lstStyle/>
-        <a:p>
-          <a:endParaRPr lang="en-US"/>
-        </a:p>
-      </dgm:t>
-    </dgm:pt>
-    <dgm:pt modelId="{B8A5FD80-BDA8-4DB0-BAA6-7D996DB83F32}" type="sibTrans" cxnId="{7951D0FC-694C-465C-9AEF-49EFD7FC6F31}">
-      <dgm:prSet/>
-      <dgm:spPr/>
-      <dgm:t>
-        <a:bodyPr/>
-        <a:lstStyle/>
-        <a:p>
-          <a:endParaRPr lang="en-US"/>
-        </a:p>
-      </dgm:t>
-    </dgm:pt>
-    <dgm:pt modelId="{6BB4A08D-9009-408D-A672-847AAAD9D481}">
-      <dgm:prSet/>
-      <dgm:spPr>
-        <a:solidFill>
-          <a:srgbClr val="00B0F0"/>
-        </a:solidFill>
-      </dgm:spPr>
-      <dgm:t>
-        <a:bodyPr/>
-        <a:lstStyle/>
-        <a:p>
-          <a:r>
-            <a:rPr lang="en-US"/>
-            <a:t>Stage 4</a:t>
-          </a:r>
-        </a:p>
-        <a:p>
-          <a:r>
-            <a:rPr lang="en-US"/>
-            <a:t>Max-Conv2D filter on 8x8 kernel</a:t>
-          </a:r>
-        </a:p>
-      </dgm:t>
-    </dgm:pt>
-    <dgm:pt modelId="{41DA4F41-3DCF-4131-AA4C-8DFB2599D393}" type="parTrans" cxnId="{F848FD1B-9938-40DA-B871-80D23B94C0A1}">
-      <dgm:prSet/>
-      <dgm:spPr/>
-      <dgm:t>
-        <a:bodyPr/>
-        <a:lstStyle/>
-        <a:p>
-          <a:endParaRPr lang="en-US"/>
-        </a:p>
-      </dgm:t>
-    </dgm:pt>
-    <dgm:pt modelId="{F27D3CED-FAAD-45A0-B25C-96C0B097E61C}" type="sibTrans" cxnId="{F848FD1B-9938-40DA-B871-80D23B94C0A1}">
-      <dgm:prSet/>
-      <dgm:spPr/>
-      <dgm:t>
-        <a:bodyPr/>
-        <a:lstStyle/>
-        <a:p>
-          <a:endParaRPr lang="en-US"/>
-        </a:p>
-      </dgm:t>
-    </dgm:pt>
-    <dgm:pt modelId="{9A14F079-F04B-4CC9-9700-618484CACBA1}">
-      <dgm:prSet/>
-      <dgm:spPr/>
-      <dgm:t>
-        <a:bodyPr/>
-        <a:lstStyle/>
-        <a:p>
-          <a:r>
-            <a:rPr lang="en-US"/>
-            <a:t>Output 2D Map</a:t>
-          </a:r>
-        </a:p>
-      </dgm:t>
-    </dgm:pt>
-    <dgm:pt modelId="{6B6E3BE4-034D-49F9-B705-99516622DF0B}" type="parTrans" cxnId="{F15E6F49-4000-47CC-8885-1783141097E5}">
-      <dgm:prSet/>
-      <dgm:spPr/>
-      <dgm:t>
-        <a:bodyPr/>
-        <a:lstStyle/>
-        <a:p>
-          <a:endParaRPr lang="en-US"/>
-        </a:p>
-      </dgm:t>
-    </dgm:pt>
-    <dgm:pt modelId="{E9A69AA7-B434-477C-A848-F3319E85C266}" type="sibTrans" cxnId="{F15E6F49-4000-47CC-8885-1783141097E5}">
-      <dgm:prSet/>
-      <dgm:spPr/>
-      <dgm:t>
-        <a:bodyPr/>
-        <a:lstStyle/>
-        <a:p>
-          <a:endParaRPr lang="en-US"/>
-        </a:p>
-      </dgm:t>
-    </dgm:pt>
-    <dgm:pt modelId="{D7B6869B-4E62-4ED6-98D4-117812227983}" type="pres">
-      <dgm:prSet presAssocID="{831248B5-42BE-41CC-B00B-93FDF821FE9F}" presName="linearFlow" presStyleCnt="0">
-        <dgm:presLayoutVars>
-          <dgm:resizeHandles val="exact"/>
-        </dgm:presLayoutVars>
-      </dgm:prSet>
-      <dgm:spPr/>
-    </dgm:pt>
-    <dgm:pt modelId="{189D6A4B-21E2-4FCD-A1A9-B0A37070679D}" type="pres">
-      <dgm:prSet presAssocID="{6909E702-DF4A-4621-83E4-C7AE51A47D48}" presName="node" presStyleLbl="node1" presStyleIdx="0" presStyleCnt="8">
-        <dgm:presLayoutVars>
-          <dgm:bulletEnabled val="1"/>
-        </dgm:presLayoutVars>
-      </dgm:prSet>
-      <dgm:spPr/>
-    </dgm:pt>
-    <dgm:pt modelId="{E5D9E9D1-B554-4B69-88C2-23DB15039166}" type="pres">
-      <dgm:prSet presAssocID="{76AC9EB8-B499-4014-9C2D-CF84A71AB784}" presName="sibTrans" presStyleLbl="sibTrans2D1" presStyleIdx="0" presStyleCnt="7"/>
-      <dgm:spPr/>
-    </dgm:pt>
-    <dgm:pt modelId="{7BEE8685-09E9-4964-906A-51AD9B41B2B2}" type="pres">
-      <dgm:prSet presAssocID="{76AC9EB8-B499-4014-9C2D-CF84A71AB784}" presName="connectorText" presStyleLbl="sibTrans2D1" presStyleIdx="0" presStyleCnt="7"/>
-      <dgm:spPr/>
-    </dgm:pt>
-    <dgm:pt modelId="{D5C5BD5A-4727-46B4-AED3-2156E2F1911C}" type="pres">
-      <dgm:prSet presAssocID="{16DB864F-1D40-4E34-8BD9-F1C660CD2CFB}" presName="node" presStyleLbl="node1" presStyleIdx="1" presStyleCnt="8" custScaleX="177674">
-        <dgm:presLayoutVars>
-          <dgm:bulletEnabled val="1"/>
-        </dgm:presLayoutVars>
-      </dgm:prSet>
-      <dgm:spPr/>
-    </dgm:pt>
-    <dgm:pt modelId="{70E8EFBD-24AF-49C1-AB74-E0E433B72786}" type="pres">
-      <dgm:prSet presAssocID="{0CC9A380-740E-4425-AC43-31F4F13B3004}" presName="sibTrans" presStyleLbl="sibTrans2D1" presStyleIdx="1" presStyleCnt="7"/>
-      <dgm:spPr/>
-    </dgm:pt>
-    <dgm:pt modelId="{6C363702-4613-491B-B93A-F5677269E603}" type="pres">
-      <dgm:prSet presAssocID="{0CC9A380-740E-4425-AC43-31F4F13B3004}" presName="connectorText" presStyleLbl="sibTrans2D1" presStyleIdx="1" presStyleCnt="7"/>
-      <dgm:spPr/>
-    </dgm:pt>
-    <dgm:pt modelId="{5E07831F-96AB-45D4-BDD8-76735DEC4F3D}" type="pres">
-      <dgm:prSet presAssocID="{B0120D59-46F5-4609-8A90-D19147655A7C}" presName="node" presStyleLbl="node1" presStyleIdx="2" presStyleCnt="8" custScaleX="178712">
-        <dgm:presLayoutVars>
-          <dgm:bulletEnabled val="1"/>
-        </dgm:presLayoutVars>
-      </dgm:prSet>
-      <dgm:spPr/>
-    </dgm:pt>
-    <dgm:pt modelId="{C3ADE6CA-9FE3-4A69-9EF9-3DEB92BC6215}" type="pres">
-      <dgm:prSet presAssocID="{05504F13-8F6D-4A96-A060-7C7C04BCCDC5}" presName="sibTrans" presStyleLbl="sibTrans2D1" presStyleIdx="2" presStyleCnt="7"/>
-      <dgm:spPr/>
-    </dgm:pt>
-    <dgm:pt modelId="{FC02DA56-149D-4855-9DCF-0DD82448A01C}" type="pres">
-      <dgm:prSet presAssocID="{05504F13-8F6D-4A96-A060-7C7C04BCCDC5}" presName="connectorText" presStyleLbl="sibTrans2D1" presStyleIdx="2" presStyleCnt="7"/>
-      <dgm:spPr/>
-    </dgm:pt>
-    <dgm:pt modelId="{015423F5-9245-4C68-91D2-E0D99B323ECB}" type="pres">
-      <dgm:prSet presAssocID="{4E8DDCF5-1131-4B7B-8DC9-CA1D909DEB4C}" presName="node" presStyleLbl="node1" presStyleIdx="3" presStyleCnt="8" custScaleX="181548">
-        <dgm:presLayoutVars>
-          <dgm:bulletEnabled val="1"/>
-        </dgm:presLayoutVars>
-      </dgm:prSet>
-      <dgm:spPr/>
-    </dgm:pt>
-    <dgm:pt modelId="{BB051662-59CA-41A7-A56A-FFBA00380174}" type="pres">
-      <dgm:prSet presAssocID="{1E64BDA1-8C1C-4293-9ECF-B16190F3555C}" presName="sibTrans" presStyleLbl="sibTrans2D1" presStyleIdx="3" presStyleCnt="7"/>
-      <dgm:spPr/>
-    </dgm:pt>
-    <dgm:pt modelId="{85ACBFE3-ED12-472D-9155-8AECC46A625D}" type="pres">
-      <dgm:prSet presAssocID="{1E64BDA1-8C1C-4293-9ECF-B16190F3555C}" presName="connectorText" presStyleLbl="sibTrans2D1" presStyleIdx="3" presStyleCnt="7"/>
-      <dgm:spPr/>
-    </dgm:pt>
-    <dgm:pt modelId="{DE8A9ADE-4EA7-4E5F-9B22-8F0A88EF3F94}" type="pres">
-      <dgm:prSet presAssocID="{6BB4A08D-9009-408D-A672-847AAAD9D481}" presName="node" presStyleLbl="node1" presStyleIdx="4" presStyleCnt="8" custScaleX="184493">
-        <dgm:presLayoutVars>
-          <dgm:bulletEnabled val="1"/>
-        </dgm:presLayoutVars>
-      </dgm:prSet>
-      <dgm:spPr/>
-    </dgm:pt>
-    <dgm:pt modelId="{99F1D40A-DB5B-4C5D-98D8-82EDE31912FE}" type="pres">
-      <dgm:prSet presAssocID="{F27D3CED-FAAD-45A0-B25C-96C0B097E61C}" presName="sibTrans" presStyleLbl="sibTrans2D1" presStyleIdx="4" presStyleCnt="7"/>
-      <dgm:spPr/>
-    </dgm:pt>
-    <dgm:pt modelId="{228957F4-EE3C-408A-83BB-E73D4ED2802F}" type="pres">
-      <dgm:prSet presAssocID="{F27D3CED-FAAD-45A0-B25C-96C0B097E61C}" presName="connectorText" presStyleLbl="sibTrans2D1" presStyleIdx="4" presStyleCnt="7"/>
-      <dgm:spPr/>
-    </dgm:pt>
-    <dgm:pt modelId="{52BF1B02-38BA-490D-B49F-F7F428D4159F}" type="pres">
-      <dgm:prSet presAssocID="{F77B9BF5-4593-4B18-BA5C-8BE2B8071A44}" presName="node" presStyleLbl="node1" presStyleIdx="5" presStyleCnt="8" custScaleX="183378">
-        <dgm:presLayoutVars>
-          <dgm:bulletEnabled val="1"/>
-        </dgm:presLayoutVars>
-      </dgm:prSet>
-      <dgm:spPr/>
-    </dgm:pt>
-    <dgm:pt modelId="{FFAB1546-EE89-4905-B200-014D9D15DEB5}" type="pres">
-      <dgm:prSet presAssocID="{B8A5FD80-BDA8-4DB0-BAA6-7D996DB83F32}" presName="sibTrans" presStyleLbl="sibTrans2D1" presStyleIdx="5" presStyleCnt="7"/>
-      <dgm:spPr/>
-    </dgm:pt>
-    <dgm:pt modelId="{F99DF6A8-FCCC-45FE-984E-74BB5D13A325}" type="pres">
-      <dgm:prSet presAssocID="{B8A5FD80-BDA8-4DB0-BAA6-7D996DB83F32}" presName="connectorText" presStyleLbl="sibTrans2D1" presStyleIdx="5" presStyleCnt="7"/>
-      <dgm:spPr/>
-    </dgm:pt>
-    <dgm:pt modelId="{CFBA9DB8-BD38-47A9-83E9-C039D73A7363}" type="pres">
-      <dgm:prSet presAssocID="{44D9E930-28F8-42A2-AEDE-C2AF9832F680}" presName="node" presStyleLbl="node1" presStyleIdx="6" presStyleCnt="8" custScaleX="187609">
-        <dgm:presLayoutVars>
-          <dgm:bulletEnabled val="1"/>
-        </dgm:presLayoutVars>
-      </dgm:prSet>
-      <dgm:spPr/>
-    </dgm:pt>
-    <dgm:pt modelId="{AA747EB2-8553-4BFB-A459-0AE4760BF603}" type="pres">
-      <dgm:prSet presAssocID="{BEF039B9-78B3-44AC-BCD2-D5D97EFF241A}" presName="sibTrans" presStyleLbl="sibTrans2D1" presStyleIdx="6" presStyleCnt="7"/>
-      <dgm:spPr/>
-    </dgm:pt>
-    <dgm:pt modelId="{6B4A65B5-2DFC-4228-9C5F-110DC47622B7}" type="pres">
-      <dgm:prSet presAssocID="{BEF039B9-78B3-44AC-BCD2-D5D97EFF241A}" presName="connectorText" presStyleLbl="sibTrans2D1" presStyleIdx="6" presStyleCnt="7"/>
-      <dgm:spPr/>
-    </dgm:pt>
-    <dgm:pt modelId="{C66BF0E9-CB5D-486D-B436-1555A05A59F0}" type="pres">
-      <dgm:prSet presAssocID="{9A14F079-F04B-4CC9-9700-618484CACBA1}" presName="node" presStyleLbl="node1" presStyleIdx="7" presStyleCnt="8">
-        <dgm:presLayoutVars>
-          <dgm:bulletEnabled val="1"/>
-        </dgm:presLayoutVars>
-      </dgm:prSet>
-      <dgm:spPr/>
-    </dgm:pt>
-  </dgm:ptLst>
-  <dgm:cxnLst>
-    <dgm:cxn modelId="{1B41AA09-DD62-4EB7-9BBC-88AFF9167CB2}" type="presOf" srcId="{BEF039B9-78B3-44AC-BCD2-D5D97EFF241A}" destId="{6B4A65B5-2DFC-4228-9C5F-110DC47622B7}" srcOrd="1" destOrd="0" presId="urn:microsoft.com/office/officeart/2005/8/layout/process2"/>
-    <dgm:cxn modelId="{CCBB2E18-AEAA-4DC0-9E3C-F88CDCA45059}" type="presOf" srcId="{F27D3CED-FAAD-45A0-B25C-96C0B097E61C}" destId="{228957F4-EE3C-408A-83BB-E73D4ED2802F}" srcOrd="1" destOrd="0" presId="urn:microsoft.com/office/officeart/2005/8/layout/process2"/>
-    <dgm:cxn modelId="{F848FD1B-9938-40DA-B871-80D23B94C0A1}" srcId="{831248B5-42BE-41CC-B00B-93FDF821FE9F}" destId="{6BB4A08D-9009-408D-A672-847AAAD9D481}" srcOrd="4" destOrd="0" parTransId="{41DA4F41-3DCF-4131-AA4C-8DFB2599D393}" sibTransId="{F27D3CED-FAAD-45A0-B25C-96C0B097E61C}"/>
-    <dgm:cxn modelId="{417CA51D-93DA-40F2-8DB1-5C199B54D276}" type="presOf" srcId="{6909E702-DF4A-4621-83E4-C7AE51A47D48}" destId="{189D6A4B-21E2-4FCD-A1A9-B0A37070679D}" srcOrd="0" destOrd="0" presId="urn:microsoft.com/office/officeart/2005/8/layout/process2"/>
-    <dgm:cxn modelId="{D497E32E-9E75-4ED1-AB75-FDC6416370FF}" type="presOf" srcId="{1E64BDA1-8C1C-4293-9ECF-B16190F3555C}" destId="{85ACBFE3-ED12-472D-9155-8AECC46A625D}" srcOrd="1" destOrd="0" presId="urn:microsoft.com/office/officeart/2005/8/layout/process2"/>
-    <dgm:cxn modelId="{6B5C7332-53C1-44A1-987C-DD115C27287D}" type="presOf" srcId="{B0120D59-46F5-4609-8A90-D19147655A7C}" destId="{5E07831F-96AB-45D4-BDD8-76735DEC4F3D}" srcOrd="0" destOrd="0" presId="urn:microsoft.com/office/officeart/2005/8/layout/process2"/>
-    <dgm:cxn modelId="{94C5DB3A-31F4-43ED-AF25-F5889F60EB0E}" type="presOf" srcId="{4E8DDCF5-1131-4B7B-8DC9-CA1D909DEB4C}" destId="{015423F5-9245-4C68-91D2-E0D99B323ECB}" srcOrd="0" destOrd="0" presId="urn:microsoft.com/office/officeart/2005/8/layout/process2"/>
-    <dgm:cxn modelId="{67A6795E-B981-4D59-8045-63955DC05E94}" type="presOf" srcId="{B8A5FD80-BDA8-4DB0-BAA6-7D996DB83F32}" destId="{F99DF6A8-FCCC-45FE-984E-74BB5D13A325}" srcOrd="1" destOrd="0" presId="urn:microsoft.com/office/officeart/2005/8/layout/process2"/>
-    <dgm:cxn modelId="{B1AAA544-2A7A-462B-8263-6FCDC6C98228}" type="presOf" srcId="{0CC9A380-740E-4425-AC43-31F4F13B3004}" destId="{6C363702-4613-491B-B93A-F5677269E603}" srcOrd="1" destOrd="0" presId="urn:microsoft.com/office/officeart/2005/8/layout/process2"/>
-    <dgm:cxn modelId="{3C976765-D4C8-4738-B7C4-C1318D78CD1F}" srcId="{831248B5-42BE-41CC-B00B-93FDF821FE9F}" destId="{6909E702-DF4A-4621-83E4-C7AE51A47D48}" srcOrd="0" destOrd="0" parTransId="{1DE2D664-EDBC-46EB-96F3-DDBF3F502ACD}" sibTransId="{76AC9EB8-B499-4014-9C2D-CF84A71AB784}"/>
-    <dgm:cxn modelId="{F15E6F49-4000-47CC-8885-1783141097E5}" srcId="{831248B5-42BE-41CC-B00B-93FDF821FE9F}" destId="{9A14F079-F04B-4CC9-9700-618484CACBA1}" srcOrd="7" destOrd="0" parTransId="{6B6E3BE4-034D-49F9-B705-99516622DF0B}" sibTransId="{E9A69AA7-B434-477C-A848-F3319E85C266}"/>
-    <dgm:cxn modelId="{D724B969-C453-40A9-A4DD-724E37D812DE}" type="presOf" srcId="{16DB864F-1D40-4E34-8BD9-F1C660CD2CFB}" destId="{D5C5BD5A-4727-46B4-AED3-2156E2F1911C}" srcOrd="0" destOrd="0" presId="urn:microsoft.com/office/officeart/2005/8/layout/process2"/>
-    <dgm:cxn modelId="{70AE856C-5F5E-4DEC-B46B-465564D97C8A}" type="presOf" srcId="{05504F13-8F6D-4A96-A060-7C7C04BCCDC5}" destId="{FC02DA56-149D-4855-9DCF-0DD82448A01C}" srcOrd="1" destOrd="0" presId="urn:microsoft.com/office/officeart/2005/8/layout/process2"/>
-    <dgm:cxn modelId="{74E0374E-C34F-4DBF-9C88-16D4690BFED2}" type="presOf" srcId="{F27D3CED-FAAD-45A0-B25C-96C0B097E61C}" destId="{99F1D40A-DB5B-4C5D-98D8-82EDE31912FE}" srcOrd="0" destOrd="0" presId="urn:microsoft.com/office/officeart/2005/8/layout/process2"/>
-    <dgm:cxn modelId="{C1508D8D-DC9F-4A4C-B426-EDCB0C2D4635}" type="presOf" srcId="{BEF039B9-78B3-44AC-BCD2-D5D97EFF241A}" destId="{AA747EB2-8553-4BFB-A459-0AE4760BF603}" srcOrd="0" destOrd="0" presId="urn:microsoft.com/office/officeart/2005/8/layout/process2"/>
-    <dgm:cxn modelId="{97036991-5E3A-46EC-8150-B28E18F668ED}" type="presOf" srcId="{1E64BDA1-8C1C-4293-9ECF-B16190F3555C}" destId="{BB051662-59CA-41A7-A56A-FFBA00380174}" srcOrd="0" destOrd="0" presId="urn:microsoft.com/office/officeart/2005/8/layout/process2"/>
-    <dgm:cxn modelId="{1FAAEAA8-DA69-4D24-A321-784C7150EC4E}" srcId="{831248B5-42BE-41CC-B00B-93FDF821FE9F}" destId="{16DB864F-1D40-4E34-8BD9-F1C660CD2CFB}" srcOrd="1" destOrd="0" parTransId="{93C0F5D2-7285-4DBC-9CFC-540D03F09FCC}" sibTransId="{0CC9A380-740E-4425-AC43-31F4F13B3004}"/>
-    <dgm:cxn modelId="{E273DFAF-B31F-4432-9592-248697CD484E}" type="presOf" srcId="{0CC9A380-740E-4425-AC43-31F4F13B3004}" destId="{70E8EFBD-24AF-49C1-AB74-E0E433B72786}" srcOrd="0" destOrd="0" presId="urn:microsoft.com/office/officeart/2005/8/layout/process2"/>
-    <dgm:cxn modelId="{2BFA0FB1-DBF7-4A7A-A74C-9B7753CD19FE}" type="presOf" srcId="{F77B9BF5-4593-4B18-BA5C-8BE2B8071A44}" destId="{52BF1B02-38BA-490D-B49F-F7F428D4159F}" srcOrd="0" destOrd="0" presId="urn:microsoft.com/office/officeart/2005/8/layout/process2"/>
-    <dgm:cxn modelId="{CA6ECBB7-3C85-4C7D-B933-A652218F8480}" type="presOf" srcId="{76AC9EB8-B499-4014-9C2D-CF84A71AB784}" destId="{E5D9E9D1-B554-4B69-88C2-23DB15039166}" srcOrd="0" destOrd="0" presId="urn:microsoft.com/office/officeart/2005/8/layout/process2"/>
-    <dgm:cxn modelId="{2D6458B8-D429-4A32-8FAC-D38FBB9C07AF}" type="presOf" srcId="{9A14F079-F04B-4CC9-9700-618484CACBA1}" destId="{C66BF0E9-CB5D-486D-B436-1555A05A59F0}" srcOrd="0" destOrd="0" presId="urn:microsoft.com/office/officeart/2005/8/layout/process2"/>
-    <dgm:cxn modelId="{BE13A2BF-22E0-4EFB-A743-7E04366FF557}" type="presOf" srcId="{44D9E930-28F8-42A2-AEDE-C2AF9832F680}" destId="{CFBA9DB8-BD38-47A9-83E9-C039D73A7363}" srcOrd="0" destOrd="0" presId="urn:microsoft.com/office/officeart/2005/8/layout/process2"/>
-    <dgm:cxn modelId="{9E8B0EC8-CDD5-4D01-BB78-42B94FC3B680}" srcId="{831248B5-42BE-41CC-B00B-93FDF821FE9F}" destId="{44D9E930-28F8-42A2-AEDE-C2AF9832F680}" srcOrd="6" destOrd="0" parTransId="{F461D74D-E1BE-4262-9A51-8AF93A2A9DAE}" sibTransId="{BEF039B9-78B3-44AC-BCD2-D5D97EFF241A}"/>
-    <dgm:cxn modelId="{2F596BCC-CA9C-4A5D-9021-F5F196D3E80D}" srcId="{831248B5-42BE-41CC-B00B-93FDF821FE9F}" destId="{4E8DDCF5-1131-4B7B-8DC9-CA1D909DEB4C}" srcOrd="3" destOrd="0" parTransId="{5D085E46-E5F5-4C17-A2B4-EEDB4B73AAFC}" sibTransId="{1E64BDA1-8C1C-4293-9ECF-B16190F3555C}"/>
-    <dgm:cxn modelId="{902323CF-0A5E-4ECB-AB85-D3ACCE8529C8}" type="presOf" srcId="{76AC9EB8-B499-4014-9C2D-CF84A71AB784}" destId="{7BEE8685-09E9-4964-906A-51AD9B41B2B2}" srcOrd="1" destOrd="0" presId="urn:microsoft.com/office/officeart/2005/8/layout/process2"/>
-    <dgm:cxn modelId="{96CE0AD5-C6CE-45A8-A85E-9565EFC97971}" type="presOf" srcId="{B8A5FD80-BDA8-4DB0-BAA6-7D996DB83F32}" destId="{FFAB1546-EE89-4905-B200-014D9D15DEB5}" srcOrd="0" destOrd="0" presId="urn:microsoft.com/office/officeart/2005/8/layout/process2"/>
-    <dgm:cxn modelId="{17625CDE-390A-4A16-A1DA-1A2728D2592E}" srcId="{831248B5-42BE-41CC-B00B-93FDF821FE9F}" destId="{B0120D59-46F5-4609-8A90-D19147655A7C}" srcOrd="2" destOrd="0" parTransId="{8B65003E-F843-4BAC-92BF-31469B2EB546}" sibTransId="{05504F13-8F6D-4A96-A060-7C7C04BCCDC5}"/>
-    <dgm:cxn modelId="{88F421F2-D2A7-469A-8DCA-2378615C3DC3}" type="presOf" srcId="{6BB4A08D-9009-408D-A672-847AAAD9D481}" destId="{DE8A9ADE-4EA7-4E5F-9B22-8F0A88EF3F94}" srcOrd="0" destOrd="0" presId="urn:microsoft.com/office/officeart/2005/8/layout/process2"/>
-    <dgm:cxn modelId="{62E71CF5-02C6-426F-B29D-352D349A767B}" type="presOf" srcId="{831248B5-42BE-41CC-B00B-93FDF821FE9F}" destId="{D7B6869B-4E62-4ED6-98D4-117812227983}" srcOrd="0" destOrd="0" presId="urn:microsoft.com/office/officeart/2005/8/layout/process2"/>
-    <dgm:cxn modelId="{AFB1F2F6-1307-4941-86BA-4A12F4B9B558}" type="presOf" srcId="{05504F13-8F6D-4A96-A060-7C7C04BCCDC5}" destId="{C3ADE6CA-9FE3-4A69-9EF9-3DEB92BC6215}" srcOrd="0" destOrd="0" presId="urn:microsoft.com/office/officeart/2005/8/layout/process2"/>
-    <dgm:cxn modelId="{7951D0FC-694C-465C-9AEF-49EFD7FC6F31}" srcId="{831248B5-42BE-41CC-B00B-93FDF821FE9F}" destId="{F77B9BF5-4593-4B18-BA5C-8BE2B8071A44}" srcOrd="5" destOrd="0" parTransId="{AB9DBF93-67DD-431C-9F2B-6F4233019072}" sibTransId="{B8A5FD80-BDA8-4DB0-BAA6-7D996DB83F32}"/>
-    <dgm:cxn modelId="{E5C19EE4-CFFB-483E-A68C-7DCC76A5FFC6}" type="presParOf" srcId="{D7B6869B-4E62-4ED6-98D4-117812227983}" destId="{189D6A4B-21E2-4FCD-A1A9-B0A37070679D}" srcOrd="0" destOrd="0" presId="urn:microsoft.com/office/officeart/2005/8/layout/process2"/>
-    <dgm:cxn modelId="{5BF10D62-1437-4C72-9C38-50537DECC45B}" type="presParOf" srcId="{D7B6869B-4E62-4ED6-98D4-117812227983}" destId="{E5D9E9D1-B554-4B69-88C2-23DB15039166}" srcOrd="1" destOrd="0" presId="urn:microsoft.com/office/officeart/2005/8/layout/process2"/>
-    <dgm:cxn modelId="{4E3BD007-D482-4E1B-9A3A-647A8788D420}" type="presParOf" srcId="{E5D9E9D1-B554-4B69-88C2-23DB15039166}" destId="{7BEE8685-09E9-4964-906A-51AD9B41B2B2}" srcOrd="0" destOrd="0" presId="urn:microsoft.com/office/officeart/2005/8/layout/process2"/>
-    <dgm:cxn modelId="{293F4740-7B73-41B9-9A55-B50D844C31DB}" type="presParOf" srcId="{D7B6869B-4E62-4ED6-98D4-117812227983}" destId="{D5C5BD5A-4727-46B4-AED3-2156E2F1911C}" srcOrd="2" destOrd="0" presId="urn:microsoft.com/office/officeart/2005/8/layout/process2"/>
-    <dgm:cxn modelId="{595EBBA3-2CFC-4ADA-A22A-58975E3C1EDD}" type="presParOf" srcId="{D7B6869B-4E62-4ED6-98D4-117812227983}" destId="{70E8EFBD-24AF-49C1-AB74-E0E433B72786}" srcOrd="3" destOrd="0" presId="urn:microsoft.com/office/officeart/2005/8/layout/process2"/>
-    <dgm:cxn modelId="{07711EBB-4824-4D08-9DDA-8A869B77C2BD}" type="presParOf" srcId="{70E8EFBD-24AF-49C1-AB74-E0E433B72786}" destId="{6C363702-4613-491B-B93A-F5677269E603}" srcOrd="0" destOrd="0" presId="urn:microsoft.com/office/officeart/2005/8/layout/process2"/>
-    <dgm:cxn modelId="{B6B55CDD-A240-4BFF-9FF6-7A59D457A1D5}" type="presParOf" srcId="{D7B6869B-4E62-4ED6-98D4-117812227983}" destId="{5E07831F-96AB-45D4-BDD8-76735DEC4F3D}" srcOrd="4" destOrd="0" presId="urn:microsoft.com/office/officeart/2005/8/layout/process2"/>
-    <dgm:cxn modelId="{E0A89592-A517-4153-8207-E7FA3CECB02D}" type="presParOf" srcId="{D7B6869B-4E62-4ED6-98D4-117812227983}" destId="{C3ADE6CA-9FE3-4A69-9EF9-3DEB92BC6215}" srcOrd="5" destOrd="0" presId="urn:microsoft.com/office/officeart/2005/8/layout/process2"/>
-    <dgm:cxn modelId="{3D02C2E4-B709-45FE-A556-263984D4C09B}" type="presParOf" srcId="{C3ADE6CA-9FE3-4A69-9EF9-3DEB92BC6215}" destId="{FC02DA56-149D-4855-9DCF-0DD82448A01C}" srcOrd="0" destOrd="0" presId="urn:microsoft.com/office/officeart/2005/8/layout/process2"/>
-    <dgm:cxn modelId="{7B14235D-8EA0-40C3-91DD-991D4C033B9D}" type="presParOf" srcId="{D7B6869B-4E62-4ED6-98D4-117812227983}" destId="{015423F5-9245-4C68-91D2-E0D99B323ECB}" srcOrd="6" destOrd="0" presId="urn:microsoft.com/office/officeart/2005/8/layout/process2"/>
-    <dgm:cxn modelId="{E55AC011-750A-4145-8011-12D030B51908}" type="presParOf" srcId="{D7B6869B-4E62-4ED6-98D4-117812227983}" destId="{BB051662-59CA-41A7-A56A-FFBA00380174}" srcOrd="7" destOrd="0" presId="urn:microsoft.com/office/officeart/2005/8/layout/process2"/>
-    <dgm:cxn modelId="{8DD68104-FDA9-4FD0-8E16-F2C6B8FB547B}" type="presParOf" srcId="{BB051662-59CA-41A7-A56A-FFBA00380174}" destId="{85ACBFE3-ED12-472D-9155-8AECC46A625D}" srcOrd="0" destOrd="0" presId="urn:microsoft.com/office/officeart/2005/8/layout/process2"/>
-    <dgm:cxn modelId="{09CCD656-B2D0-41A9-8114-AFDBFC4ADE6A}" type="presParOf" srcId="{D7B6869B-4E62-4ED6-98D4-117812227983}" destId="{DE8A9ADE-4EA7-4E5F-9B22-8F0A88EF3F94}" srcOrd="8" destOrd="0" presId="urn:microsoft.com/office/officeart/2005/8/layout/process2"/>
-    <dgm:cxn modelId="{D602BE72-9468-4E8F-AFF8-D65A6926168A}" type="presParOf" srcId="{D7B6869B-4E62-4ED6-98D4-117812227983}" destId="{99F1D40A-DB5B-4C5D-98D8-82EDE31912FE}" srcOrd="9" destOrd="0" presId="urn:microsoft.com/office/officeart/2005/8/layout/process2"/>
-    <dgm:cxn modelId="{5A1CFB67-CA46-4B6E-AE57-25CEDF4186F1}" type="presParOf" srcId="{99F1D40A-DB5B-4C5D-98D8-82EDE31912FE}" destId="{228957F4-EE3C-408A-83BB-E73D4ED2802F}" srcOrd="0" destOrd="0" presId="urn:microsoft.com/office/officeart/2005/8/layout/process2"/>
-    <dgm:cxn modelId="{F1704460-9B11-45BE-B99F-53908417E34B}" type="presParOf" srcId="{D7B6869B-4E62-4ED6-98D4-117812227983}" destId="{52BF1B02-38BA-490D-B49F-F7F428D4159F}" srcOrd="10" destOrd="0" presId="urn:microsoft.com/office/officeart/2005/8/layout/process2"/>
-    <dgm:cxn modelId="{42C616C3-19CE-4683-A78A-C1E721E8B5D7}" type="presParOf" srcId="{D7B6869B-4E62-4ED6-98D4-117812227983}" destId="{FFAB1546-EE89-4905-B200-014D9D15DEB5}" srcOrd="11" destOrd="0" presId="urn:microsoft.com/office/officeart/2005/8/layout/process2"/>
-    <dgm:cxn modelId="{B6EC33BB-281A-4C42-8BE1-64FB6E117D2A}" type="presParOf" srcId="{FFAB1546-EE89-4905-B200-014D9D15DEB5}" destId="{F99DF6A8-FCCC-45FE-984E-74BB5D13A325}" srcOrd="0" destOrd="0" presId="urn:microsoft.com/office/officeart/2005/8/layout/process2"/>
-    <dgm:cxn modelId="{2E489086-ED8C-4D70-B7EE-2D88BE68F47C}" type="presParOf" srcId="{D7B6869B-4E62-4ED6-98D4-117812227983}" destId="{CFBA9DB8-BD38-47A9-83E9-C039D73A7363}" srcOrd="12" destOrd="0" presId="urn:microsoft.com/office/officeart/2005/8/layout/process2"/>
-    <dgm:cxn modelId="{2DF6333C-05F1-4CDB-B22A-4980B48A1CB7}" type="presParOf" srcId="{D7B6869B-4E62-4ED6-98D4-117812227983}" destId="{AA747EB2-8553-4BFB-A459-0AE4760BF603}" srcOrd="13" destOrd="0" presId="urn:microsoft.com/office/officeart/2005/8/layout/process2"/>
-    <dgm:cxn modelId="{E328E30E-40C7-490F-862D-5688C808CB0A}" type="presParOf" srcId="{AA747EB2-8553-4BFB-A459-0AE4760BF603}" destId="{6B4A65B5-2DFC-4228-9C5F-110DC47622B7}" srcOrd="0" destOrd="0" presId="urn:microsoft.com/office/officeart/2005/8/layout/process2"/>
-    <dgm:cxn modelId="{3729E23D-1033-431F-BFEE-969F9B293E6D}" type="presParOf" srcId="{D7B6869B-4E62-4ED6-98D4-117812227983}" destId="{C66BF0E9-CB5D-486D-B436-1555A05A59F0}" srcOrd="14" destOrd="0" presId="urn:microsoft.com/office/officeart/2005/8/layout/process2"/>
-  </dgm:cxnLst>
-  <dgm:bg/>
-  <dgm:whole/>
-  <dgm:extLst>
-    <a:ext uri="http://schemas.microsoft.com/office/drawing/2008/diagram">
-      <dsp:dataModelExt xmlns:dsp="http://schemas.microsoft.com/office/drawing/2008/diagram" relId="rId6" minVer="http://schemas.openxmlformats.org/drawingml/2006/diagram"/>
-    </a:ext>
-  </dgm:extLst>
-</dgm:dataModel>
-</file>
-
-<file path=ppt/diagrams/data3.xml><?xml version="1.0" encoding="utf-8"?>
-<dgm:dataModel xmlns:dgm="http://schemas.openxmlformats.org/drawingml/2006/diagram" xmlns:a="http://schemas.openxmlformats.org/drawingml/2006/main">
-  <dgm:ptLst>
-    <dgm:pt modelId="{7D813336-3D77-46FD-BFBE-B927186F4EE8}" type="doc">
-      <dgm:prSet loTypeId="urn:microsoft.com/office/officeart/2005/8/layout/cycle2" loCatId="cycle" qsTypeId="urn:microsoft.com/office/officeart/2005/8/quickstyle/simple1" qsCatId="simple" csTypeId="urn:microsoft.com/office/officeart/2005/8/colors/accent1_2" csCatId="accent1" phldr="1"/>
-      <dgm:spPr/>
-      <dgm:t>
-        <a:bodyPr/>
-        <a:lstStyle/>
-        <a:p>
-          <a:endParaRPr lang="en-US"/>
-        </a:p>
-      </dgm:t>
-    </dgm:pt>
-    <dgm:pt modelId="{A50D5CE9-E57C-47DB-BC25-0E5B3A25D369}">
-      <dgm:prSet phldrT="[Text]"/>
-      <dgm:spPr/>
-      <dgm:t>
-        <a:bodyPr/>
-        <a:lstStyle/>
-        <a:p>
-          <a:r>
-            <a:rPr lang="en-US"/>
-            <a:t>Load scan Points from next scan file</a:t>
-          </a:r>
-        </a:p>
-      </dgm:t>
-    </dgm:pt>
-    <dgm:pt modelId="{97BD9E98-8AC2-41C2-9323-5F440CC4246A}" type="parTrans" cxnId="{3476ECF5-227F-4D63-9092-E8019B1A260C}">
-      <dgm:prSet/>
-      <dgm:spPr/>
-      <dgm:t>
-        <a:bodyPr/>
-        <a:lstStyle/>
-        <a:p>
-          <a:endParaRPr lang="en-US"/>
-        </a:p>
-      </dgm:t>
-    </dgm:pt>
-    <dgm:pt modelId="{6BB16651-A2C7-44E6-8B71-595F1464C6E6}" type="sibTrans" cxnId="{3476ECF5-227F-4D63-9092-E8019B1A260C}">
-      <dgm:prSet/>
-      <dgm:spPr/>
-      <dgm:t>
-        <a:bodyPr/>
-        <a:lstStyle/>
-        <a:p>
-          <a:endParaRPr lang="en-US"/>
-        </a:p>
-      </dgm:t>
-    </dgm:pt>
-    <dgm:pt modelId="{48370AF3-FC86-4D8C-8C54-83EAC2041CE6}">
-      <dgm:prSet phldrT="[Text]"/>
-      <dgm:spPr/>
-      <dgm:t>
-        <a:bodyPr/>
-        <a:lstStyle/>
-        <a:p>
-          <a:r>
-            <a:rPr lang="en-US"/>
-            <a:t>2D Map Conversion</a:t>
-          </a:r>
-        </a:p>
-      </dgm:t>
-    </dgm:pt>
-    <dgm:pt modelId="{AB741C83-841B-426D-A5E0-6EEA4C052CE4}" type="parTrans" cxnId="{A150B94E-B2C2-4D6C-9C4B-F76456348E67}">
-      <dgm:prSet/>
-      <dgm:spPr/>
-      <dgm:t>
-        <a:bodyPr/>
-        <a:lstStyle/>
-        <a:p>
-          <a:endParaRPr lang="en-US"/>
-        </a:p>
-      </dgm:t>
-    </dgm:pt>
-    <dgm:pt modelId="{F7548831-CA11-41DD-8ECC-17CA536DA611}" type="sibTrans" cxnId="{A150B94E-B2C2-4D6C-9C4B-F76456348E67}">
-      <dgm:prSet/>
-      <dgm:spPr/>
-      <dgm:t>
-        <a:bodyPr/>
-        <a:lstStyle/>
-        <a:p>
-          <a:endParaRPr lang="en-US"/>
-        </a:p>
-      </dgm:t>
-    </dgm:pt>
-    <dgm:pt modelId="{1DF69D38-253C-4136-A31C-13D074756DBD}">
-      <dgm:prSet phldrT="[Text]"/>
-      <dgm:spPr/>
-      <dgm:t>
-        <a:bodyPr/>
-        <a:lstStyle/>
-        <a:p>
-          <a:r>
-            <a:rPr lang="en-US"/>
-            <a:t>Interpolation</a:t>
-          </a:r>
-        </a:p>
-      </dgm:t>
-    </dgm:pt>
-    <dgm:pt modelId="{7471E316-4330-4726-8E0C-E8DF4CBE672C}" type="parTrans" cxnId="{5DE7A598-F75C-47B9-8814-209880B6FE11}">
-      <dgm:prSet/>
-      <dgm:spPr/>
-      <dgm:t>
-        <a:bodyPr/>
-        <a:lstStyle/>
-        <a:p>
-          <a:endParaRPr lang="en-US"/>
-        </a:p>
-      </dgm:t>
-    </dgm:pt>
-    <dgm:pt modelId="{18589C4B-236C-4770-ACA6-5F2BC1925825}" type="sibTrans" cxnId="{5DE7A598-F75C-47B9-8814-209880B6FE11}">
-      <dgm:prSet/>
-      <dgm:spPr/>
-      <dgm:t>
-        <a:bodyPr/>
-        <a:lstStyle/>
-        <a:p>
-          <a:endParaRPr lang="en-US"/>
-        </a:p>
-      </dgm:t>
-    </dgm:pt>
-    <dgm:pt modelId="{82D99C4C-3601-4F2B-B062-F76B7FA58351}">
-      <dgm:prSet phldrT="[Text]"/>
-      <dgm:spPr/>
-      <dgm:t>
-        <a:bodyPr/>
-        <a:lstStyle/>
-        <a:p>
-          <a:r>
-            <a:rPr lang="en-US"/>
-            <a:t>Prediction on 1024x1024 input map</a:t>
-          </a:r>
-        </a:p>
-      </dgm:t>
-    </dgm:pt>
-    <dgm:pt modelId="{3F9BE72A-4745-41D5-8CC6-99AC9FE77223}" type="parTrans" cxnId="{4E474562-B74A-44EB-B45F-D3DD735B2501}">
-      <dgm:prSet/>
-      <dgm:spPr/>
-      <dgm:t>
-        <a:bodyPr/>
-        <a:lstStyle/>
-        <a:p>
-          <a:endParaRPr lang="en-US"/>
-        </a:p>
-      </dgm:t>
-    </dgm:pt>
-    <dgm:pt modelId="{2CEB24EB-0E4B-4978-B141-AD1017CE08DB}" type="sibTrans" cxnId="{4E474562-B74A-44EB-B45F-D3DD735B2501}">
-      <dgm:prSet/>
-      <dgm:spPr/>
-      <dgm:t>
-        <a:bodyPr/>
-        <a:lstStyle/>
-        <a:p>
-          <a:endParaRPr lang="en-US"/>
-        </a:p>
-      </dgm:t>
-    </dgm:pt>
-    <dgm:pt modelId="{7D0E5FE9-BEBD-455F-9242-519724FB6C96}">
-      <dgm:prSet phldrT="[Text]"/>
-      <dgm:spPr/>
-      <dgm:t>
-        <a:bodyPr/>
-        <a:lstStyle/>
-        <a:p>
-          <a:r>
-            <a:rPr lang="en-US"/>
-            <a:t>Combining PNG image</a:t>
-          </a:r>
-        </a:p>
-      </dgm:t>
-    </dgm:pt>
-    <dgm:pt modelId="{594E2760-2BA1-4C56-8104-2C3A58C07462}" type="parTrans" cxnId="{656CE130-0515-41FF-B2F2-2BD43856E3D0}">
-      <dgm:prSet/>
-      <dgm:spPr/>
-      <dgm:t>
-        <a:bodyPr/>
-        <a:lstStyle/>
-        <a:p>
-          <a:endParaRPr lang="en-US"/>
-        </a:p>
-      </dgm:t>
-    </dgm:pt>
-    <dgm:pt modelId="{CB2D6001-FAA4-49C6-8385-9A9576EB7A0B}" type="sibTrans" cxnId="{656CE130-0515-41FF-B2F2-2BD43856E3D0}">
-      <dgm:prSet/>
-      <dgm:spPr/>
-      <dgm:t>
-        <a:bodyPr/>
-        <a:lstStyle/>
-        <a:p>
-          <a:endParaRPr lang="en-US"/>
-        </a:p>
-      </dgm:t>
-    </dgm:pt>
-    <dgm:pt modelId="{9C08A4B8-0C14-4C76-8B82-048ACA771F15}">
-      <dgm:prSet/>
-      <dgm:spPr/>
-      <dgm:t>
-        <a:bodyPr/>
-        <a:lstStyle/>
-        <a:p>
-          <a:r>
-            <a:rPr lang="en-US"/>
-            <a:t>Preload Exisiting PNG image</a:t>
-          </a:r>
-        </a:p>
-      </dgm:t>
-    </dgm:pt>
-    <dgm:pt modelId="{28249315-D3C7-43BE-B88A-6DD1138B7A0C}" type="parTrans" cxnId="{1EDB6766-CD7C-4414-9C27-EBE463506CFF}">
-      <dgm:prSet/>
-      <dgm:spPr/>
-      <dgm:t>
-        <a:bodyPr/>
-        <a:lstStyle/>
-        <a:p>
-          <a:endParaRPr lang="en-US"/>
-        </a:p>
-      </dgm:t>
-    </dgm:pt>
-    <dgm:pt modelId="{9928AC29-F93D-4104-B656-07B79942F478}" type="sibTrans" cxnId="{1EDB6766-CD7C-4414-9C27-EBE463506CFF}">
-      <dgm:prSet/>
-      <dgm:spPr/>
-      <dgm:t>
-        <a:bodyPr/>
-        <a:lstStyle/>
-        <a:p>
-          <a:endParaRPr lang="en-US"/>
-        </a:p>
-      </dgm:t>
-    </dgm:pt>
-    <dgm:pt modelId="{1F7049C3-AAE1-4856-8433-BA85AFDAFBB4}" type="pres">
-      <dgm:prSet presAssocID="{7D813336-3D77-46FD-BFBE-B927186F4EE8}" presName="cycle" presStyleCnt="0">
-        <dgm:presLayoutVars>
-          <dgm:dir/>
-          <dgm:resizeHandles val="exact"/>
-        </dgm:presLayoutVars>
-      </dgm:prSet>
-      <dgm:spPr/>
-    </dgm:pt>
-    <dgm:pt modelId="{BE10170A-FDA7-46C6-8080-0CD272A11F79}" type="pres">
-      <dgm:prSet presAssocID="{A50D5CE9-E57C-47DB-BC25-0E5B3A25D369}" presName="node" presStyleLbl="node1" presStyleIdx="0" presStyleCnt="6">
-        <dgm:presLayoutVars>
-          <dgm:bulletEnabled val="1"/>
-        </dgm:presLayoutVars>
-      </dgm:prSet>
-      <dgm:spPr/>
-    </dgm:pt>
-    <dgm:pt modelId="{9CB5DCF6-A9AB-46CF-8F54-44562297832B}" type="pres">
-      <dgm:prSet presAssocID="{6BB16651-A2C7-44E6-8B71-595F1464C6E6}" presName="sibTrans" presStyleLbl="sibTrans2D1" presStyleIdx="0" presStyleCnt="6"/>
-      <dgm:spPr/>
-    </dgm:pt>
-    <dgm:pt modelId="{532A4D80-CC45-47DE-9B33-C25D9F0311CD}" type="pres">
-      <dgm:prSet presAssocID="{6BB16651-A2C7-44E6-8B71-595F1464C6E6}" presName="connectorText" presStyleLbl="sibTrans2D1" presStyleIdx="0" presStyleCnt="6"/>
-      <dgm:spPr/>
-    </dgm:pt>
-    <dgm:pt modelId="{10C40DD1-8F53-4982-AE25-5D301BBB4035}" type="pres">
-      <dgm:prSet presAssocID="{48370AF3-FC86-4D8C-8C54-83EAC2041CE6}" presName="node" presStyleLbl="node1" presStyleIdx="1" presStyleCnt="6">
-        <dgm:presLayoutVars>
-          <dgm:bulletEnabled val="1"/>
-        </dgm:presLayoutVars>
-      </dgm:prSet>
-      <dgm:spPr/>
-    </dgm:pt>
-    <dgm:pt modelId="{AF055774-033E-4FAB-99C5-EF82DA73AF6B}" type="pres">
-      <dgm:prSet presAssocID="{F7548831-CA11-41DD-8ECC-17CA536DA611}" presName="sibTrans" presStyleLbl="sibTrans2D1" presStyleIdx="1" presStyleCnt="6"/>
-      <dgm:spPr/>
-    </dgm:pt>
-    <dgm:pt modelId="{4E111617-F5D3-4634-A4E7-55A35BA10C3B}" type="pres">
-      <dgm:prSet presAssocID="{F7548831-CA11-41DD-8ECC-17CA536DA611}" presName="connectorText" presStyleLbl="sibTrans2D1" presStyleIdx="1" presStyleCnt="6"/>
-      <dgm:spPr/>
-    </dgm:pt>
-    <dgm:pt modelId="{6B2B7F8F-AC97-4494-991D-C5A102C5BF61}" type="pres">
-      <dgm:prSet presAssocID="{1DF69D38-253C-4136-A31C-13D074756DBD}" presName="node" presStyleLbl="node1" presStyleIdx="2" presStyleCnt="6">
-        <dgm:presLayoutVars>
-          <dgm:bulletEnabled val="1"/>
-        </dgm:presLayoutVars>
-      </dgm:prSet>
-      <dgm:spPr/>
-    </dgm:pt>
-    <dgm:pt modelId="{8B3EA9F3-EF7C-4031-8349-AFC02CD2E8E9}" type="pres">
-      <dgm:prSet presAssocID="{18589C4B-236C-4770-ACA6-5F2BC1925825}" presName="sibTrans" presStyleLbl="sibTrans2D1" presStyleIdx="2" presStyleCnt="6"/>
-      <dgm:spPr/>
-    </dgm:pt>
-    <dgm:pt modelId="{76D2A737-E894-45DA-A9E2-0913B236F12E}" type="pres">
-      <dgm:prSet presAssocID="{18589C4B-236C-4770-ACA6-5F2BC1925825}" presName="connectorText" presStyleLbl="sibTrans2D1" presStyleIdx="2" presStyleCnt="6"/>
-      <dgm:spPr/>
-    </dgm:pt>
-    <dgm:pt modelId="{B38A756C-2FBC-4753-8A72-C64909D7B55D}" type="pres">
-      <dgm:prSet presAssocID="{82D99C4C-3601-4F2B-B062-F76B7FA58351}" presName="node" presStyleLbl="node1" presStyleIdx="3" presStyleCnt="6">
-        <dgm:presLayoutVars>
-          <dgm:bulletEnabled val="1"/>
-        </dgm:presLayoutVars>
-      </dgm:prSet>
-      <dgm:spPr/>
-    </dgm:pt>
-    <dgm:pt modelId="{C0492A94-958F-4DF2-8E31-D0E5D431B110}" type="pres">
-      <dgm:prSet presAssocID="{2CEB24EB-0E4B-4978-B141-AD1017CE08DB}" presName="sibTrans" presStyleLbl="sibTrans2D1" presStyleIdx="3" presStyleCnt="6"/>
-      <dgm:spPr/>
-    </dgm:pt>
-    <dgm:pt modelId="{5BD3947E-EAF4-4999-8F41-16C31CDD1897}" type="pres">
-      <dgm:prSet presAssocID="{2CEB24EB-0E4B-4978-B141-AD1017CE08DB}" presName="connectorText" presStyleLbl="sibTrans2D1" presStyleIdx="3" presStyleCnt="6"/>
-      <dgm:spPr/>
-    </dgm:pt>
-    <dgm:pt modelId="{1AD34968-D5D1-4171-B98B-6A348B13B975}" type="pres">
-      <dgm:prSet presAssocID="{7D0E5FE9-BEBD-455F-9242-519724FB6C96}" presName="node" presStyleLbl="node1" presStyleIdx="4" presStyleCnt="6">
-        <dgm:presLayoutVars>
-          <dgm:bulletEnabled val="1"/>
-        </dgm:presLayoutVars>
-      </dgm:prSet>
-      <dgm:spPr/>
-    </dgm:pt>
-    <dgm:pt modelId="{3FD4A819-E359-4474-A779-65CA5E4E5F5E}" type="pres">
-      <dgm:prSet presAssocID="{CB2D6001-FAA4-49C6-8385-9A9576EB7A0B}" presName="sibTrans" presStyleLbl="sibTrans2D1" presStyleIdx="4" presStyleCnt="6"/>
-      <dgm:spPr/>
-    </dgm:pt>
-    <dgm:pt modelId="{D229D606-AC96-466B-9F97-EAB3C96DE430}" type="pres">
-      <dgm:prSet presAssocID="{CB2D6001-FAA4-49C6-8385-9A9576EB7A0B}" presName="connectorText" presStyleLbl="sibTrans2D1" presStyleIdx="4" presStyleCnt="6"/>
-      <dgm:spPr/>
-    </dgm:pt>
-    <dgm:pt modelId="{372A6A97-E412-4CCA-A607-235CF3A22C9C}" type="pres">
-      <dgm:prSet presAssocID="{9C08A4B8-0C14-4C76-8B82-048ACA771F15}" presName="node" presStyleLbl="node1" presStyleIdx="5" presStyleCnt="6">
-        <dgm:presLayoutVars>
-          <dgm:bulletEnabled val="1"/>
-        </dgm:presLayoutVars>
-      </dgm:prSet>
-      <dgm:spPr/>
-    </dgm:pt>
-    <dgm:pt modelId="{B33D451D-E7ED-453E-BBDD-2A7104931649}" type="pres">
-      <dgm:prSet presAssocID="{9928AC29-F93D-4104-B656-07B79942F478}" presName="sibTrans" presStyleLbl="sibTrans2D1" presStyleIdx="5" presStyleCnt="6"/>
-      <dgm:spPr/>
-    </dgm:pt>
-    <dgm:pt modelId="{F23F354F-B930-43EC-A3E6-2AA7B3937FDE}" type="pres">
-      <dgm:prSet presAssocID="{9928AC29-F93D-4104-B656-07B79942F478}" presName="connectorText" presStyleLbl="sibTrans2D1" presStyleIdx="5" presStyleCnt="6"/>
-      <dgm:spPr/>
-    </dgm:pt>
-  </dgm:ptLst>
-  <dgm:cxnLst>
-    <dgm:cxn modelId="{2A800102-3E86-4CE6-B237-FF976FE460A5}" type="presOf" srcId="{18589C4B-236C-4770-ACA6-5F2BC1925825}" destId="{8B3EA9F3-EF7C-4031-8349-AFC02CD2E8E9}" srcOrd="0" destOrd="0" presId="urn:microsoft.com/office/officeart/2005/8/layout/cycle2"/>
-    <dgm:cxn modelId="{73A6D81D-B121-4772-B9DC-D989684794EC}" type="presOf" srcId="{9928AC29-F93D-4104-B656-07B79942F478}" destId="{B33D451D-E7ED-453E-BBDD-2A7104931649}" srcOrd="0" destOrd="0" presId="urn:microsoft.com/office/officeart/2005/8/layout/cycle2"/>
-    <dgm:cxn modelId="{7B997E21-E386-4BDB-BA73-FEFE3B52E673}" type="presOf" srcId="{1DF69D38-253C-4136-A31C-13D074756DBD}" destId="{6B2B7F8F-AC97-4494-991D-C5A102C5BF61}" srcOrd="0" destOrd="0" presId="urn:microsoft.com/office/officeart/2005/8/layout/cycle2"/>
-    <dgm:cxn modelId="{B8047E24-67A3-4FF3-A06A-9E28AB623A31}" type="presOf" srcId="{F7548831-CA11-41DD-8ECC-17CA536DA611}" destId="{AF055774-033E-4FAB-99C5-EF82DA73AF6B}" srcOrd="0" destOrd="0" presId="urn:microsoft.com/office/officeart/2005/8/layout/cycle2"/>
-    <dgm:cxn modelId="{D7756D26-48D8-4543-8ECF-B43045B6A7A2}" type="presOf" srcId="{6BB16651-A2C7-44E6-8B71-595F1464C6E6}" destId="{9CB5DCF6-A9AB-46CF-8F54-44562297832B}" srcOrd="0" destOrd="0" presId="urn:microsoft.com/office/officeart/2005/8/layout/cycle2"/>
-    <dgm:cxn modelId="{6C92652C-2ECF-4C26-BCCB-EFA2B76571F3}" type="presOf" srcId="{CB2D6001-FAA4-49C6-8385-9A9576EB7A0B}" destId="{D229D606-AC96-466B-9F97-EAB3C96DE430}" srcOrd="1" destOrd="0" presId="urn:microsoft.com/office/officeart/2005/8/layout/cycle2"/>
-    <dgm:cxn modelId="{656CE130-0515-41FF-B2F2-2BD43856E3D0}" srcId="{7D813336-3D77-46FD-BFBE-B927186F4EE8}" destId="{7D0E5FE9-BEBD-455F-9242-519724FB6C96}" srcOrd="4" destOrd="0" parTransId="{594E2760-2BA1-4C56-8104-2C3A58C07462}" sibTransId="{CB2D6001-FAA4-49C6-8385-9A9576EB7A0B}"/>
-    <dgm:cxn modelId="{48826F36-B9DF-44EC-8ED7-EAA8DE65A165}" type="presOf" srcId="{2CEB24EB-0E4B-4978-B141-AD1017CE08DB}" destId="{C0492A94-958F-4DF2-8E31-D0E5D431B110}" srcOrd="0" destOrd="0" presId="urn:microsoft.com/office/officeart/2005/8/layout/cycle2"/>
-    <dgm:cxn modelId="{4E474562-B74A-44EB-B45F-D3DD735B2501}" srcId="{7D813336-3D77-46FD-BFBE-B927186F4EE8}" destId="{82D99C4C-3601-4F2B-B062-F76B7FA58351}" srcOrd="3" destOrd="0" parTransId="{3F9BE72A-4745-41D5-8CC6-99AC9FE77223}" sibTransId="{2CEB24EB-0E4B-4978-B141-AD1017CE08DB}"/>
-    <dgm:cxn modelId="{1EDB6766-CD7C-4414-9C27-EBE463506CFF}" srcId="{7D813336-3D77-46FD-BFBE-B927186F4EE8}" destId="{9C08A4B8-0C14-4C76-8B82-048ACA771F15}" srcOrd="5" destOrd="0" parTransId="{28249315-D3C7-43BE-B88A-6DD1138B7A0C}" sibTransId="{9928AC29-F93D-4104-B656-07B79942F478}"/>
-    <dgm:cxn modelId="{4A6FDB47-80DA-4A96-8D2C-B887792CB495}" type="presOf" srcId="{9C08A4B8-0C14-4C76-8B82-048ACA771F15}" destId="{372A6A97-E412-4CCA-A607-235CF3A22C9C}" srcOrd="0" destOrd="0" presId="urn:microsoft.com/office/officeart/2005/8/layout/cycle2"/>
-    <dgm:cxn modelId="{A150B94E-B2C2-4D6C-9C4B-F76456348E67}" srcId="{7D813336-3D77-46FD-BFBE-B927186F4EE8}" destId="{48370AF3-FC86-4D8C-8C54-83EAC2041CE6}" srcOrd="1" destOrd="0" parTransId="{AB741C83-841B-426D-A5E0-6EEA4C052CE4}" sibTransId="{F7548831-CA11-41DD-8ECC-17CA536DA611}"/>
-    <dgm:cxn modelId="{8A9D6073-56F9-4A3D-A71D-5DB15EB2E2ED}" type="presOf" srcId="{A50D5CE9-E57C-47DB-BC25-0E5B3A25D369}" destId="{BE10170A-FDA7-46C6-8080-0CD272A11F79}" srcOrd="0" destOrd="0" presId="urn:microsoft.com/office/officeart/2005/8/layout/cycle2"/>
-    <dgm:cxn modelId="{E422C681-256E-41AA-A0D8-4F7AD719AE70}" type="presOf" srcId="{18589C4B-236C-4770-ACA6-5F2BC1925825}" destId="{76D2A737-E894-45DA-A9E2-0913B236F12E}" srcOrd="1" destOrd="0" presId="urn:microsoft.com/office/officeart/2005/8/layout/cycle2"/>
-    <dgm:cxn modelId="{E4650F96-8B96-45DB-9B8B-739BA4DAFC00}" type="presOf" srcId="{2CEB24EB-0E4B-4978-B141-AD1017CE08DB}" destId="{5BD3947E-EAF4-4999-8F41-16C31CDD1897}" srcOrd="1" destOrd="0" presId="urn:microsoft.com/office/officeart/2005/8/layout/cycle2"/>
-    <dgm:cxn modelId="{5A8FC996-E36A-4A4D-B9A9-E0F5F95CDF30}" type="presOf" srcId="{7D0E5FE9-BEBD-455F-9242-519724FB6C96}" destId="{1AD34968-D5D1-4171-B98B-6A348B13B975}" srcOrd="0" destOrd="0" presId="urn:microsoft.com/office/officeart/2005/8/layout/cycle2"/>
-    <dgm:cxn modelId="{6B494198-39DB-42F7-8AB5-4A5BE7D87F39}" type="presOf" srcId="{9928AC29-F93D-4104-B656-07B79942F478}" destId="{F23F354F-B930-43EC-A3E6-2AA7B3937FDE}" srcOrd="1" destOrd="0" presId="urn:microsoft.com/office/officeart/2005/8/layout/cycle2"/>
-    <dgm:cxn modelId="{5DE7A598-F75C-47B9-8814-209880B6FE11}" srcId="{7D813336-3D77-46FD-BFBE-B927186F4EE8}" destId="{1DF69D38-253C-4136-A31C-13D074756DBD}" srcOrd="2" destOrd="0" parTransId="{7471E316-4330-4726-8E0C-E8DF4CBE672C}" sibTransId="{18589C4B-236C-4770-ACA6-5F2BC1925825}"/>
-    <dgm:cxn modelId="{E7A5AF9B-C11A-40EC-9AE6-7726E1A9A711}" type="presOf" srcId="{F7548831-CA11-41DD-8ECC-17CA536DA611}" destId="{4E111617-F5D3-4634-A4E7-55A35BA10C3B}" srcOrd="1" destOrd="0" presId="urn:microsoft.com/office/officeart/2005/8/layout/cycle2"/>
-    <dgm:cxn modelId="{072D75B5-AE8A-4BF9-813C-52F86070C69F}" type="presOf" srcId="{82D99C4C-3601-4F2B-B062-F76B7FA58351}" destId="{B38A756C-2FBC-4753-8A72-C64909D7B55D}" srcOrd="0" destOrd="0" presId="urn:microsoft.com/office/officeart/2005/8/layout/cycle2"/>
-    <dgm:cxn modelId="{A7F74FB7-397D-4268-8170-C932BF344E33}" type="presOf" srcId="{48370AF3-FC86-4D8C-8C54-83EAC2041CE6}" destId="{10C40DD1-8F53-4982-AE25-5D301BBB4035}" srcOrd="0" destOrd="0" presId="urn:microsoft.com/office/officeart/2005/8/layout/cycle2"/>
-    <dgm:cxn modelId="{E25464BC-A09B-48BD-B113-8CA3576F5146}" type="presOf" srcId="{CB2D6001-FAA4-49C6-8385-9A9576EB7A0B}" destId="{3FD4A819-E359-4474-A779-65CA5E4E5F5E}" srcOrd="0" destOrd="0" presId="urn:microsoft.com/office/officeart/2005/8/layout/cycle2"/>
-    <dgm:cxn modelId="{64927DD7-80D9-485A-AE3F-823FDF4E1B88}" type="presOf" srcId="{7D813336-3D77-46FD-BFBE-B927186F4EE8}" destId="{1F7049C3-AAE1-4856-8433-BA85AFDAFBB4}" srcOrd="0" destOrd="0" presId="urn:microsoft.com/office/officeart/2005/8/layout/cycle2"/>
-    <dgm:cxn modelId="{59B76DF1-434E-481D-A352-8E17439334E8}" type="presOf" srcId="{6BB16651-A2C7-44E6-8B71-595F1464C6E6}" destId="{532A4D80-CC45-47DE-9B33-C25D9F0311CD}" srcOrd="1" destOrd="0" presId="urn:microsoft.com/office/officeart/2005/8/layout/cycle2"/>
-    <dgm:cxn modelId="{3476ECF5-227F-4D63-9092-E8019B1A260C}" srcId="{7D813336-3D77-46FD-BFBE-B927186F4EE8}" destId="{A50D5CE9-E57C-47DB-BC25-0E5B3A25D369}" srcOrd="0" destOrd="0" parTransId="{97BD9E98-8AC2-41C2-9323-5F440CC4246A}" sibTransId="{6BB16651-A2C7-44E6-8B71-595F1464C6E6}"/>
-    <dgm:cxn modelId="{755746E8-407D-44DE-81DE-2817DFAC9717}" type="presParOf" srcId="{1F7049C3-AAE1-4856-8433-BA85AFDAFBB4}" destId="{BE10170A-FDA7-46C6-8080-0CD272A11F79}" srcOrd="0" destOrd="0" presId="urn:microsoft.com/office/officeart/2005/8/layout/cycle2"/>
-    <dgm:cxn modelId="{3CC0E0F5-28E0-4741-9540-40DA4F37F3CB}" type="presParOf" srcId="{1F7049C3-AAE1-4856-8433-BA85AFDAFBB4}" destId="{9CB5DCF6-A9AB-46CF-8F54-44562297832B}" srcOrd="1" destOrd="0" presId="urn:microsoft.com/office/officeart/2005/8/layout/cycle2"/>
-    <dgm:cxn modelId="{754C5F5A-FF0E-468D-9F76-F99066A63CA1}" type="presParOf" srcId="{9CB5DCF6-A9AB-46CF-8F54-44562297832B}" destId="{532A4D80-CC45-47DE-9B33-C25D9F0311CD}" srcOrd="0" destOrd="0" presId="urn:microsoft.com/office/officeart/2005/8/layout/cycle2"/>
-    <dgm:cxn modelId="{2938FD12-FDAC-437F-8CE2-81684EC0F98C}" type="presParOf" srcId="{1F7049C3-AAE1-4856-8433-BA85AFDAFBB4}" destId="{10C40DD1-8F53-4982-AE25-5D301BBB4035}" srcOrd="2" destOrd="0" presId="urn:microsoft.com/office/officeart/2005/8/layout/cycle2"/>
-    <dgm:cxn modelId="{A2EA647F-DDA5-4536-ACFB-B41875D0C9E2}" type="presParOf" srcId="{1F7049C3-AAE1-4856-8433-BA85AFDAFBB4}" destId="{AF055774-033E-4FAB-99C5-EF82DA73AF6B}" srcOrd="3" destOrd="0" presId="urn:microsoft.com/office/officeart/2005/8/layout/cycle2"/>
-    <dgm:cxn modelId="{574FC4EE-AC94-49DB-B25B-8891437DE201}" type="presParOf" srcId="{AF055774-033E-4FAB-99C5-EF82DA73AF6B}" destId="{4E111617-F5D3-4634-A4E7-55A35BA10C3B}" srcOrd="0" destOrd="0" presId="urn:microsoft.com/office/officeart/2005/8/layout/cycle2"/>
-    <dgm:cxn modelId="{81FC9901-3453-40A4-B28D-42CADC5F1AF6}" type="presParOf" srcId="{1F7049C3-AAE1-4856-8433-BA85AFDAFBB4}" destId="{6B2B7F8F-AC97-4494-991D-C5A102C5BF61}" srcOrd="4" destOrd="0" presId="urn:microsoft.com/office/officeart/2005/8/layout/cycle2"/>
-    <dgm:cxn modelId="{2D89AEF4-AFC4-4391-8013-3BF3AA908889}" type="presParOf" srcId="{1F7049C3-AAE1-4856-8433-BA85AFDAFBB4}" destId="{8B3EA9F3-EF7C-4031-8349-AFC02CD2E8E9}" srcOrd="5" destOrd="0" presId="urn:microsoft.com/office/officeart/2005/8/layout/cycle2"/>
-    <dgm:cxn modelId="{9259FBB1-3880-48D9-83D2-BCC8E68F7CC8}" type="presParOf" srcId="{8B3EA9F3-EF7C-4031-8349-AFC02CD2E8E9}" destId="{76D2A737-E894-45DA-A9E2-0913B236F12E}" srcOrd="0" destOrd="0" presId="urn:microsoft.com/office/officeart/2005/8/layout/cycle2"/>
-    <dgm:cxn modelId="{C8CDA669-AB64-4E7E-BEF4-8DFBBF182C76}" type="presParOf" srcId="{1F7049C3-AAE1-4856-8433-BA85AFDAFBB4}" destId="{B38A756C-2FBC-4753-8A72-C64909D7B55D}" srcOrd="6" destOrd="0" presId="urn:microsoft.com/office/officeart/2005/8/layout/cycle2"/>
-    <dgm:cxn modelId="{AE41A044-8137-4BF6-9E44-177A05E9BA24}" type="presParOf" srcId="{1F7049C3-AAE1-4856-8433-BA85AFDAFBB4}" destId="{C0492A94-958F-4DF2-8E31-D0E5D431B110}" srcOrd="7" destOrd="0" presId="urn:microsoft.com/office/officeart/2005/8/layout/cycle2"/>
-    <dgm:cxn modelId="{25A9F6D2-36B7-4BC8-8F08-5D90B19CD390}" type="presParOf" srcId="{C0492A94-958F-4DF2-8E31-D0E5D431B110}" destId="{5BD3947E-EAF4-4999-8F41-16C31CDD1897}" srcOrd="0" destOrd="0" presId="urn:microsoft.com/office/officeart/2005/8/layout/cycle2"/>
-    <dgm:cxn modelId="{03A66A51-592B-47D6-94B3-119CF7D2B5A6}" type="presParOf" srcId="{1F7049C3-AAE1-4856-8433-BA85AFDAFBB4}" destId="{1AD34968-D5D1-4171-B98B-6A348B13B975}" srcOrd="8" destOrd="0" presId="urn:microsoft.com/office/officeart/2005/8/layout/cycle2"/>
-    <dgm:cxn modelId="{12C0A8A5-3F0F-4194-9B7D-C1C586D7EE17}" type="presParOf" srcId="{1F7049C3-AAE1-4856-8433-BA85AFDAFBB4}" destId="{3FD4A819-E359-4474-A779-65CA5E4E5F5E}" srcOrd="9" destOrd="0" presId="urn:microsoft.com/office/officeart/2005/8/layout/cycle2"/>
-    <dgm:cxn modelId="{B8D494FC-8B47-4248-BD53-C2092A87D17A}" type="presParOf" srcId="{3FD4A819-E359-4474-A779-65CA5E4E5F5E}" destId="{D229D606-AC96-466B-9F97-EAB3C96DE430}" srcOrd="0" destOrd="0" presId="urn:microsoft.com/office/officeart/2005/8/layout/cycle2"/>
-    <dgm:cxn modelId="{98CB70D8-9E0D-4352-BF41-2ADEB9C26118}" type="presParOf" srcId="{1F7049C3-AAE1-4856-8433-BA85AFDAFBB4}" destId="{372A6A97-E412-4CCA-A607-235CF3A22C9C}" srcOrd="10" destOrd="0" presId="urn:microsoft.com/office/officeart/2005/8/layout/cycle2"/>
-    <dgm:cxn modelId="{E3ED17E0-4127-4EB3-8EDD-51CAB3445E39}" type="presParOf" srcId="{1F7049C3-AAE1-4856-8433-BA85AFDAFBB4}" destId="{B33D451D-E7ED-453E-BBDD-2A7104931649}" srcOrd="11" destOrd="0" presId="urn:microsoft.com/office/officeart/2005/8/layout/cycle2"/>
-    <dgm:cxn modelId="{307AE79E-936B-4E77-8219-E7563DE72385}" type="presParOf" srcId="{B33D451D-E7ED-453E-BBDD-2A7104931649}" destId="{F23F354F-B930-43EC-A3E6-2AA7B3937FDE}" srcOrd="0" destOrd="0" presId="urn:microsoft.com/office/officeart/2005/8/layout/cycle2"/>
-  </dgm:cxnLst>
-  <dgm:bg/>
-  <dgm:whole/>
-  <dgm:extLst>
-    <a:ext uri="http://schemas.microsoft.com/office/drawing/2008/diagram">
-      <dsp:dataModelExt xmlns:dsp="http://schemas.microsoft.com/office/drawing/2008/diagram" relId="rId6" minVer="http://schemas.openxmlformats.org/drawingml/2006/diagram"/>
-    </a:ext>
-  </dgm:extLst>
-</dgm:dataModel>
-</file>
-
 <file path=ppt/diagrams/drawing1.xml><?xml version="1.0" encoding="utf-8"?>
 <dsp:drawing xmlns:dgm="http://schemas.openxmlformats.org/drawingml/2006/diagram" xmlns:dsp="http://schemas.microsoft.com/office/drawing/2008/diagram" xmlns:a="http://schemas.openxmlformats.org/drawingml/2006/main">
   <dsp:spTree>
@@ -4143,2126 +1702,6 @@
 </dsp:drawing>
 </file>
 
-<file path=ppt/diagrams/drawing2.xml><?xml version="1.0" encoding="utf-8"?>
-<dsp:drawing xmlns:dgm="http://schemas.openxmlformats.org/drawingml/2006/diagram" xmlns:dsp="http://schemas.microsoft.com/office/drawing/2008/diagram" xmlns:a="http://schemas.openxmlformats.org/drawingml/2006/main">
-  <dsp:spTree>
-    <dsp:nvGrpSpPr>
-      <dsp:cNvPr id="0" name=""/>
-      <dsp:cNvGrpSpPr/>
-    </dsp:nvGrpSpPr>
-    <dsp:grpSpPr/>
-    <dsp:sp modelId="{189D6A4B-21E2-4FCD-A1A9-B0A37070679D}">
-      <dsp:nvSpPr>
-        <dsp:cNvPr id="0" name=""/>
-        <dsp:cNvSpPr/>
-      </dsp:nvSpPr>
-      <dsp:spPr>
-        <a:xfrm>
-          <a:off x="1130968" y="1295"/>
-          <a:ext cx="1845019" cy="461254"/>
-        </a:xfrm>
-        <a:prstGeom prst="roundRect">
-          <a:avLst>
-            <a:gd name="adj" fmla="val 10000"/>
-          </a:avLst>
-        </a:prstGeom>
-        <a:solidFill>
-          <a:schemeClr val="accent1">
-            <a:hueOff val="0"/>
-            <a:satOff val="0"/>
-            <a:lumOff val="0"/>
-            <a:alphaOff val="0"/>
-          </a:schemeClr>
-        </a:solidFill>
-        <a:ln w="12700" cap="flat" cmpd="sng" algn="ctr">
-          <a:solidFill>
-            <a:schemeClr val="lt1">
-              <a:hueOff val="0"/>
-              <a:satOff val="0"/>
-              <a:lumOff val="0"/>
-              <a:alphaOff val="0"/>
-            </a:schemeClr>
-          </a:solidFill>
-          <a:prstDash val="solid"/>
-          <a:miter lim="800000"/>
-        </a:ln>
-        <a:effectLst/>
-      </dsp:spPr>
-      <dsp:style>
-        <a:lnRef idx="2">
-          <a:scrgbClr r="0" g="0" b="0"/>
-        </a:lnRef>
-        <a:fillRef idx="1">
-          <a:scrgbClr r="0" g="0" b="0"/>
-        </a:fillRef>
-        <a:effectRef idx="0">
-          <a:scrgbClr r="0" g="0" b="0"/>
-        </a:effectRef>
-        <a:fontRef idx="minor">
-          <a:schemeClr val="lt1"/>
-        </a:fontRef>
-      </dsp:style>
-      <dsp:txBody>
-        <a:bodyPr spcFirstLastPara="0" vert="horz" wrap="square" lIns="38100" tIns="38100" rIns="38100" bIns="38100" numCol="1" spcCol="1270" anchor="ctr" anchorCtr="0">
-          <a:noAutofit/>
-        </a:bodyPr>
-        <a:lstStyle/>
-        <a:p>
-          <a:pPr marL="0" lvl="0" indent="0" algn="ctr" defTabSz="444500">
-            <a:lnSpc>
-              <a:spcPct val="90000"/>
-            </a:lnSpc>
-            <a:spcBef>
-              <a:spcPct val="0"/>
-            </a:spcBef>
-            <a:spcAft>
-              <a:spcPct val="35000"/>
-            </a:spcAft>
-            <a:buNone/>
-          </a:pPr>
-          <a:r>
-            <a:rPr lang="en-US" sz="1000" kern="1200"/>
-            <a:t>Preprocessed Input</a:t>
-          </a:r>
-        </a:p>
-      </dsp:txBody>
-      <dsp:txXfrm>
-        <a:off x="1144478" y="14805"/>
-        <a:ext cx="1817999" cy="434234"/>
-      </dsp:txXfrm>
-    </dsp:sp>
-    <dsp:sp modelId="{E5D9E9D1-B554-4B69-88C2-23DB15039166}">
-      <dsp:nvSpPr>
-        <dsp:cNvPr id="0" name=""/>
-        <dsp:cNvSpPr/>
-      </dsp:nvSpPr>
-      <dsp:spPr>
-        <a:xfrm rot="5400000">
-          <a:off x="1966992" y="474081"/>
-          <a:ext cx="172970" cy="207564"/>
-        </a:xfrm>
-        <a:prstGeom prst="rightArrow">
-          <a:avLst>
-            <a:gd name="adj1" fmla="val 60000"/>
-            <a:gd name="adj2" fmla="val 50000"/>
-          </a:avLst>
-        </a:prstGeom>
-        <a:solidFill>
-          <a:schemeClr val="accent1">
-            <a:tint val="60000"/>
-            <a:hueOff val="0"/>
-            <a:satOff val="0"/>
-            <a:lumOff val="0"/>
-            <a:alphaOff val="0"/>
-          </a:schemeClr>
-        </a:solidFill>
-        <a:ln>
-          <a:noFill/>
-        </a:ln>
-        <a:effectLst/>
-      </dsp:spPr>
-      <dsp:style>
-        <a:lnRef idx="0">
-          <a:scrgbClr r="0" g="0" b="0"/>
-        </a:lnRef>
-        <a:fillRef idx="1">
-          <a:scrgbClr r="0" g="0" b="0"/>
-        </a:fillRef>
-        <a:effectRef idx="0">
-          <a:scrgbClr r="0" g="0" b="0"/>
-        </a:effectRef>
-        <a:fontRef idx="minor">
-          <a:schemeClr val="lt1"/>
-        </a:fontRef>
-      </dsp:style>
-      <dsp:txBody>
-        <a:bodyPr spcFirstLastPara="0" vert="horz" wrap="square" lIns="0" tIns="0" rIns="0" bIns="0" numCol="1" spcCol="1270" anchor="ctr" anchorCtr="0">
-          <a:noAutofit/>
-        </a:bodyPr>
-        <a:lstStyle/>
-        <a:p>
-          <a:pPr marL="0" lvl="0" indent="0" algn="ctr" defTabSz="355600">
-            <a:lnSpc>
-              <a:spcPct val="90000"/>
-            </a:lnSpc>
-            <a:spcBef>
-              <a:spcPct val="0"/>
-            </a:spcBef>
-            <a:spcAft>
-              <a:spcPct val="35000"/>
-            </a:spcAft>
-            <a:buNone/>
-          </a:pPr>
-          <a:endParaRPr lang="en-US" sz="800" kern="1200"/>
-        </a:p>
-      </dsp:txBody>
-      <dsp:txXfrm rot="-5400000">
-        <a:off x="1991209" y="491378"/>
-        <a:ext cx="124538" cy="121079"/>
-      </dsp:txXfrm>
-    </dsp:sp>
-    <dsp:sp modelId="{D5C5BD5A-4727-46B4-AED3-2156E2F1911C}">
-      <dsp:nvSpPr>
-        <dsp:cNvPr id="0" name=""/>
-        <dsp:cNvSpPr/>
-      </dsp:nvSpPr>
-      <dsp:spPr>
-        <a:xfrm>
-          <a:off x="414418" y="693177"/>
-          <a:ext cx="3278119" cy="461254"/>
-        </a:xfrm>
-        <a:prstGeom prst="roundRect">
-          <a:avLst>
-            <a:gd name="adj" fmla="val 10000"/>
-          </a:avLst>
-        </a:prstGeom>
-        <a:solidFill>
-          <a:srgbClr val="00B0F0"/>
-        </a:solidFill>
-        <a:ln w="12700" cap="flat" cmpd="sng" algn="ctr">
-          <a:solidFill>
-            <a:schemeClr val="lt1">
-              <a:hueOff val="0"/>
-              <a:satOff val="0"/>
-              <a:lumOff val="0"/>
-              <a:alphaOff val="0"/>
-            </a:schemeClr>
-          </a:solidFill>
-          <a:prstDash val="solid"/>
-          <a:miter lim="800000"/>
-        </a:ln>
-        <a:effectLst/>
-      </dsp:spPr>
-      <dsp:style>
-        <a:lnRef idx="2">
-          <a:scrgbClr r="0" g="0" b="0"/>
-        </a:lnRef>
-        <a:fillRef idx="1">
-          <a:scrgbClr r="0" g="0" b="0"/>
-        </a:fillRef>
-        <a:effectRef idx="0">
-          <a:scrgbClr r="0" g="0" b="0"/>
-        </a:effectRef>
-        <a:fontRef idx="minor">
-          <a:schemeClr val="lt1"/>
-        </a:fontRef>
-      </dsp:style>
-      <dsp:txBody>
-        <a:bodyPr spcFirstLastPara="0" vert="horz" wrap="square" lIns="38100" tIns="38100" rIns="38100" bIns="38100" numCol="1" spcCol="1270" anchor="ctr" anchorCtr="0">
-          <a:noAutofit/>
-        </a:bodyPr>
-        <a:lstStyle/>
-        <a:p>
-          <a:pPr marL="0" lvl="0" indent="0" algn="ctr" defTabSz="444500">
-            <a:lnSpc>
-              <a:spcPct val="90000"/>
-            </a:lnSpc>
-            <a:spcBef>
-              <a:spcPct val="0"/>
-            </a:spcBef>
-            <a:spcAft>
-              <a:spcPct val="35000"/>
-            </a:spcAft>
-            <a:buNone/>
-          </a:pPr>
-          <a:r>
-            <a:rPr lang="en-US" sz="1000" kern="1200"/>
-            <a:t>Stage 1</a:t>
-          </a:r>
-        </a:p>
-        <a:p>
-          <a:pPr marL="0" lvl="0" indent="0" algn="ctr" defTabSz="444500">
-            <a:lnSpc>
-              <a:spcPct val="90000"/>
-            </a:lnSpc>
-            <a:spcBef>
-              <a:spcPct val="0"/>
-            </a:spcBef>
-            <a:spcAft>
-              <a:spcPct val="35000"/>
-            </a:spcAft>
-            <a:buNone/>
-          </a:pPr>
-          <a:r>
-            <a:rPr lang="en-US" sz="1000" kern="1200"/>
-            <a:t>Max-Conv2D filter on 64x64 kernel</a:t>
-          </a:r>
-        </a:p>
-      </dsp:txBody>
-      <dsp:txXfrm>
-        <a:off x="427928" y="706687"/>
-        <a:ext cx="3251099" cy="434234"/>
-      </dsp:txXfrm>
-    </dsp:sp>
-    <dsp:sp modelId="{70E8EFBD-24AF-49C1-AB74-E0E433B72786}">
-      <dsp:nvSpPr>
-        <dsp:cNvPr id="0" name=""/>
-        <dsp:cNvSpPr/>
-      </dsp:nvSpPr>
-      <dsp:spPr>
-        <a:xfrm rot="5400000">
-          <a:off x="1966992" y="1165964"/>
-          <a:ext cx="172970" cy="207564"/>
-        </a:xfrm>
-        <a:prstGeom prst="rightArrow">
-          <a:avLst>
-            <a:gd name="adj1" fmla="val 60000"/>
-            <a:gd name="adj2" fmla="val 50000"/>
-          </a:avLst>
-        </a:prstGeom>
-        <a:solidFill>
-          <a:schemeClr val="accent1">
-            <a:tint val="60000"/>
-            <a:hueOff val="0"/>
-            <a:satOff val="0"/>
-            <a:lumOff val="0"/>
-            <a:alphaOff val="0"/>
-          </a:schemeClr>
-        </a:solidFill>
-        <a:ln>
-          <a:noFill/>
-        </a:ln>
-        <a:effectLst/>
-      </dsp:spPr>
-      <dsp:style>
-        <a:lnRef idx="0">
-          <a:scrgbClr r="0" g="0" b="0"/>
-        </a:lnRef>
-        <a:fillRef idx="1">
-          <a:scrgbClr r="0" g="0" b="0"/>
-        </a:fillRef>
-        <a:effectRef idx="0">
-          <a:scrgbClr r="0" g="0" b="0"/>
-        </a:effectRef>
-        <a:fontRef idx="minor">
-          <a:schemeClr val="lt1"/>
-        </a:fontRef>
-      </dsp:style>
-      <dsp:txBody>
-        <a:bodyPr spcFirstLastPara="0" vert="horz" wrap="square" lIns="0" tIns="0" rIns="0" bIns="0" numCol="1" spcCol="1270" anchor="ctr" anchorCtr="0">
-          <a:noAutofit/>
-        </a:bodyPr>
-        <a:lstStyle/>
-        <a:p>
-          <a:pPr marL="0" lvl="0" indent="0" algn="ctr" defTabSz="355600">
-            <a:lnSpc>
-              <a:spcPct val="90000"/>
-            </a:lnSpc>
-            <a:spcBef>
-              <a:spcPct val="0"/>
-            </a:spcBef>
-            <a:spcAft>
-              <a:spcPct val="35000"/>
-            </a:spcAft>
-            <a:buNone/>
-          </a:pPr>
-          <a:endParaRPr lang="en-US" sz="800" kern="1200"/>
-        </a:p>
-      </dsp:txBody>
-      <dsp:txXfrm rot="-5400000">
-        <a:off x="1991209" y="1183261"/>
-        <a:ext cx="124538" cy="121079"/>
-      </dsp:txXfrm>
-    </dsp:sp>
-    <dsp:sp modelId="{5E07831F-96AB-45D4-BDD8-76735DEC4F3D}">
-      <dsp:nvSpPr>
-        <dsp:cNvPr id="0" name=""/>
-        <dsp:cNvSpPr/>
-      </dsp:nvSpPr>
-      <dsp:spPr>
-        <a:xfrm>
-          <a:off x="404842" y="1385060"/>
-          <a:ext cx="3297271" cy="461254"/>
-        </a:xfrm>
-        <a:prstGeom prst="roundRect">
-          <a:avLst>
-            <a:gd name="adj" fmla="val 10000"/>
-          </a:avLst>
-        </a:prstGeom>
-        <a:solidFill>
-          <a:srgbClr val="00B0F0"/>
-        </a:solidFill>
-        <a:ln w="12700" cap="flat" cmpd="sng" algn="ctr">
-          <a:solidFill>
-            <a:schemeClr val="lt1">
-              <a:hueOff val="0"/>
-              <a:satOff val="0"/>
-              <a:lumOff val="0"/>
-              <a:alphaOff val="0"/>
-            </a:schemeClr>
-          </a:solidFill>
-          <a:prstDash val="solid"/>
-          <a:miter lim="800000"/>
-        </a:ln>
-        <a:effectLst/>
-      </dsp:spPr>
-      <dsp:style>
-        <a:lnRef idx="2">
-          <a:scrgbClr r="0" g="0" b="0"/>
-        </a:lnRef>
-        <a:fillRef idx="1">
-          <a:scrgbClr r="0" g="0" b="0"/>
-        </a:fillRef>
-        <a:effectRef idx="0">
-          <a:scrgbClr r="0" g="0" b="0"/>
-        </a:effectRef>
-        <a:fontRef idx="minor">
-          <a:schemeClr val="lt1"/>
-        </a:fontRef>
-      </dsp:style>
-      <dsp:txBody>
-        <a:bodyPr spcFirstLastPara="0" vert="horz" wrap="square" lIns="38100" tIns="38100" rIns="38100" bIns="38100" numCol="1" spcCol="1270" anchor="ctr" anchorCtr="0">
-          <a:noAutofit/>
-        </a:bodyPr>
-        <a:lstStyle/>
-        <a:p>
-          <a:pPr marL="0" lvl="0" indent="0" algn="ctr" defTabSz="444500">
-            <a:lnSpc>
-              <a:spcPct val="90000"/>
-            </a:lnSpc>
-            <a:spcBef>
-              <a:spcPct val="0"/>
-            </a:spcBef>
-            <a:spcAft>
-              <a:spcPct val="35000"/>
-            </a:spcAft>
-            <a:buNone/>
-          </a:pPr>
-          <a:r>
-            <a:rPr lang="en-US" sz="1000" kern="1200"/>
-            <a:t>Stage2</a:t>
-          </a:r>
-        </a:p>
-        <a:p>
-          <a:pPr marL="0" lvl="0" indent="0" algn="ctr" defTabSz="444500">
-            <a:lnSpc>
-              <a:spcPct val="90000"/>
-            </a:lnSpc>
-            <a:spcBef>
-              <a:spcPct val="0"/>
-            </a:spcBef>
-            <a:spcAft>
-              <a:spcPct val="35000"/>
-            </a:spcAft>
-            <a:buNone/>
-          </a:pPr>
-          <a:r>
-            <a:rPr lang="en-US" sz="1000" kern="1200"/>
-            <a:t>Max-Conv2D filter on 32x32 kernel</a:t>
-          </a:r>
-        </a:p>
-      </dsp:txBody>
-      <dsp:txXfrm>
-        <a:off x="418352" y="1398570"/>
-        <a:ext cx="3270251" cy="434234"/>
-      </dsp:txXfrm>
-    </dsp:sp>
-    <dsp:sp modelId="{C3ADE6CA-9FE3-4A69-9EF9-3DEB92BC6215}">
-      <dsp:nvSpPr>
-        <dsp:cNvPr id="0" name=""/>
-        <dsp:cNvSpPr/>
-      </dsp:nvSpPr>
-      <dsp:spPr>
-        <a:xfrm rot="5400000">
-          <a:off x="1966992" y="1857846"/>
-          <a:ext cx="172970" cy="207564"/>
-        </a:xfrm>
-        <a:prstGeom prst="rightArrow">
-          <a:avLst>
-            <a:gd name="adj1" fmla="val 60000"/>
-            <a:gd name="adj2" fmla="val 50000"/>
-          </a:avLst>
-        </a:prstGeom>
-        <a:solidFill>
-          <a:schemeClr val="accent1">
-            <a:tint val="60000"/>
-            <a:hueOff val="0"/>
-            <a:satOff val="0"/>
-            <a:lumOff val="0"/>
-            <a:alphaOff val="0"/>
-          </a:schemeClr>
-        </a:solidFill>
-        <a:ln>
-          <a:noFill/>
-        </a:ln>
-        <a:effectLst/>
-      </dsp:spPr>
-      <dsp:style>
-        <a:lnRef idx="0">
-          <a:scrgbClr r="0" g="0" b="0"/>
-        </a:lnRef>
-        <a:fillRef idx="1">
-          <a:scrgbClr r="0" g="0" b="0"/>
-        </a:fillRef>
-        <a:effectRef idx="0">
-          <a:scrgbClr r="0" g="0" b="0"/>
-        </a:effectRef>
-        <a:fontRef idx="minor">
-          <a:schemeClr val="lt1"/>
-        </a:fontRef>
-      </dsp:style>
-      <dsp:txBody>
-        <a:bodyPr spcFirstLastPara="0" vert="horz" wrap="square" lIns="0" tIns="0" rIns="0" bIns="0" numCol="1" spcCol="1270" anchor="ctr" anchorCtr="0">
-          <a:noAutofit/>
-        </a:bodyPr>
-        <a:lstStyle/>
-        <a:p>
-          <a:pPr marL="0" lvl="0" indent="0" algn="ctr" defTabSz="355600">
-            <a:lnSpc>
-              <a:spcPct val="90000"/>
-            </a:lnSpc>
-            <a:spcBef>
-              <a:spcPct val="0"/>
-            </a:spcBef>
-            <a:spcAft>
-              <a:spcPct val="35000"/>
-            </a:spcAft>
-            <a:buNone/>
-          </a:pPr>
-          <a:endParaRPr lang="en-US" sz="800" kern="1200"/>
-        </a:p>
-      </dsp:txBody>
-      <dsp:txXfrm rot="-5400000">
-        <a:off x="1991209" y="1875143"/>
-        <a:ext cx="124538" cy="121079"/>
-      </dsp:txXfrm>
-    </dsp:sp>
-    <dsp:sp modelId="{015423F5-9245-4C68-91D2-E0D99B323ECB}">
-      <dsp:nvSpPr>
-        <dsp:cNvPr id="0" name=""/>
-        <dsp:cNvSpPr/>
-      </dsp:nvSpPr>
-      <dsp:spPr>
-        <a:xfrm>
-          <a:off x="378680" y="2076942"/>
-          <a:ext cx="3349595" cy="461254"/>
-        </a:xfrm>
-        <a:prstGeom prst="roundRect">
-          <a:avLst>
-            <a:gd name="adj" fmla="val 10000"/>
-          </a:avLst>
-        </a:prstGeom>
-        <a:solidFill>
-          <a:srgbClr val="00B0F0"/>
-        </a:solidFill>
-        <a:ln w="12700" cap="flat" cmpd="sng" algn="ctr">
-          <a:solidFill>
-            <a:schemeClr val="lt1">
-              <a:hueOff val="0"/>
-              <a:satOff val="0"/>
-              <a:lumOff val="0"/>
-              <a:alphaOff val="0"/>
-            </a:schemeClr>
-          </a:solidFill>
-          <a:prstDash val="solid"/>
-          <a:miter lim="800000"/>
-        </a:ln>
-        <a:effectLst/>
-      </dsp:spPr>
-      <dsp:style>
-        <a:lnRef idx="2">
-          <a:scrgbClr r="0" g="0" b="0"/>
-        </a:lnRef>
-        <a:fillRef idx="1">
-          <a:scrgbClr r="0" g="0" b="0"/>
-        </a:fillRef>
-        <a:effectRef idx="0">
-          <a:scrgbClr r="0" g="0" b="0"/>
-        </a:effectRef>
-        <a:fontRef idx="minor">
-          <a:schemeClr val="lt1"/>
-        </a:fontRef>
-      </dsp:style>
-      <dsp:txBody>
-        <a:bodyPr spcFirstLastPara="0" vert="horz" wrap="square" lIns="38100" tIns="38100" rIns="38100" bIns="38100" numCol="1" spcCol="1270" anchor="ctr" anchorCtr="0">
-          <a:noAutofit/>
-        </a:bodyPr>
-        <a:lstStyle/>
-        <a:p>
-          <a:pPr marL="0" lvl="0" indent="0" algn="ctr" defTabSz="444500">
-            <a:lnSpc>
-              <a:spcPct val="90000"/>
-            </a:lnSpc>
-            <a:spcBef>
-              <a:spcPct val="0"/>
-            </a:spcBef>
-            <a:spcAft>
-              <a:spcPct val="35000"/>
-            </a:spcAft>
-            <a:buNone/>
-          </a:pPr>
-          <a:r>
-            <a:rPr lang="en-US" sz="1000" kern="1200"/>
-            <a:t>Stage 3</a:t>
-          </a:r>
-        </a:p>
-        <a:p>
-          <a:pPr marL="0" lvl="0" indent="0" algn="ctr" defTabSz="444500">
-            <a:lnSpc>
-              <a:spcPct val="90000"/>
-            </a:lnSpc>
-            <a:spcBef>
-              <a:spcPct val="0"/>
-            </a:spcBef>
-            <a:spcAft>
-              <a:spcPct val="35000"/>
-            </a:spcAft>
-            <a:buNone/>
-          </a:pPr>
-          <a:r>
-            <a:rPr lang="en-US" sz="1000" kern="1200"/>
-            <a:t>Max-Conv2D filter on 16x16 kernel </a:t>
-          </a:r>
-        </a:p>
-      </dsp:txBody>
-      <dsp:txXfrm>
-        <a:off x="392190" y="2090452"/>
-        <a:ext cx="3322575" cy="434234"/>
-      </dsp:txXfrm>
-    </dsp:sp>
-    <dsp:sp modelId="{BB051662-59CA-41A7-A56A-FFBA00380174}">
-      <dsp:nvSpPr>
-        <dsp:cNvPr id="0" name=""/>
-        <dsp:cNvSpPr/>
-      </dsp:nvSpPr>
-      <dsp:spPr>
-        <a:xfrm rot="5400000">
-          <a:off x="1966992" y="2549728"/>
-          <a:ext cx="172970" cy="207564"/>
-        </a:xfrm>
-        <a:prstGeom prst="rightArrow">
-          <a:avLst>
-            <a:gd name="adj1" fmla="val 60000"/>
-            <a:gd name="adj2" fmla="val 50000"/>
-          </a:avLst>
-        </a:prstGeom>
-        <a:solidFill>
-          <a:schemeClr val="accent1">
-            <a:tint val="60000"/>
-            <a:hueOff val="0"/>
-            <a:satOff val="0"/>
-            <a:lumOff val="0"/>
-            <a:alphaOff val="0"/>
-          </a:schemeClr>
-        </a:solidFill>
-        <a:ln>
-          <a:noFill/>
-        </a:ln>
-        <a:effectLst/>
-      </dsp:spPr>
-      <dsp:style>
-        <a:lnRef idx="0">
-          <a:scrgbClr r="0" g="0" b="0"/>
-        </a:lnRef>
-        <a:fillRef idx="1">
-          <a:scrgbClr r="0" g="0" b="0"/>
-        </a:fillRef>
-        <a:effectRef idx="0">
-          <a:scrgbClr r="0" g="0" b="0"/>
-        </a:effectRef>
-        <a:fontRef idx="minor">
-          <a:schemeClr val="lt1"/>
-        </a:fontRef>
-      </dsp:style>
-      <dsp:txBody>
-        <a:bodyPr spcFirstLastPara="0" vert="horz" wrap="square" lIns="0" tIns="0" rIns="0" bIns="0" numCol="1" spcCol="1270" anchor="ctr" anchorCtr="0">
-          <a:noAutofit/>
-        </a:bodyPr>
-        <a:lstStyle/>
-        <a:p>
-          <a:pPr marL="0" lvl="0" indent="0" algn="ctr" defTabSz="355600">
-            <a:lnSpc>
-              <a:spcPct val="90000"/>
-            </a:lnSpc>
-            <a:spcBef>
-              <a:spcPct val="0"/>
-            </a:spcBef>
-            <a:spcAft>
-              <a:spcPct val="35000"/>
-            </a:spcAft>
-            <a:buNone/>
-          </a:pPr>
-          <a:endParaRPr lang="en-US" sz="800" kern="1200"/>
-        </a:p>
-      </dsp:txBody>
-      <dsp:txXfrm rot="-5400000">
-        <a:off x="1991209" y="2567025"/>
-        <a:ext cx="124538" cy="121079"/>
-      </dsp:txXfrm>
-    </dsp:sp>
-    <dsp:sp modelId="{DE8A9ADE-4EA7-4E5F-9B22-8F0A88EF3F94}">
-      <dsp:nvSpPr>
-        <dsp:cNvPr id="0" name=""/>
-        <dsp:cNvSpPr/>
-      </dsp:nvSpPr>
-      <dsp:spPr>
-        <a:xfrm>
-          <a:off x="351512" y="2768824"/>
-          <a:ext cx="3403931" cy="461254"/>
-        </a:xfrm>
-        <a:prstGeom prst="roundRect">
-          <a:avLst>
-            <a:gd name="adj" fmla="val 10000"/>
-          </a:avLst>
-        </a:prstGeom>
-        <a:solidFill>
-          <a:srgbClr val="00B0F0"/>
-        </a:solidFill>
-        <a:ln w="12700" cap="flat" cmpd="sng" algn="ctr">
-          <a:solidFill>
-            <a:schemeClr val="lt1">
-              <a:hueOff val="0"/>
-              <a:satOff val="0"/>
-              <a:lumOff val="0"/>
-              <a:alphaOff val="0"/>
-            </a:schemeClr>
-          </a:solidFill>
-          <a:prstDash val="solid"/>
-          <a:miter lim="800000"/>
-        </a:ln>
-        <a:effectLst/>
-      </dsp:spPr>
-      <dsp:style>
-        <a:lnRef idx="2">
-          <a:scrgbClr r="0" g="0" b="0"/>
-        </a:lnRef>
-        <a:fillRef idx="1">
-          <a:scrgbClr r="0" g="0" b="0"/>
-        </a:fillRef>
-        <a:effectRef idx="0">
-          <a:scrgbClr r="0" g="0" b="0"/>
-        </a:effectRef>
-        <a:fontRef idx="minor">
-          <a:schemeClr val="lt1"/>
-        </a:fontRef>
-      </dsp:style>
-      <dsp:txBody>
-        <a:bodyPr spcFirstLastPara="0" vert="horz" wrap="square" lIns="38100" tIns="38100" rIns="38100" bIns="38100" numCol="1" spcCol="1270" anchor="ctr" anchorCtr="0">
-          <a:noAutofit/>
-        </a:bodyPr>
-        <a:lstStyle/>
-        <a:p>
-          <a:pPr marL="0" lvl="0" indent="0" algn="ctr" defTabSz="444500">
-            <a:lnSpc>
-              <a:spcPct val="90000"/>
-            </a:lnSpc>
-            <a:spcBef>
-              <a:spcPct val="0"/>
-            </a:spcBef>
-            <a:spcAft>
-              <a:spcPct val="35000"/>
-            </a:spcAft>
-            <a:buNone/>
-          </a:pPr>
-          <a:r>
-            <a:rPr lang="en-US" sz="1000" kern="1200"/>
-            <a:t>Stage 4</a:t>
-          </a:r>
-        </a:p>
-        <a:p>
-          <a:pPr marL="0" lvl="0" indent="0" algn="ctr" defTabSz="444500">
-            <a:lnSpc>
-              <a:spcPct val="90000"/>
-            </a:lnSpc>
-            <a:spcBef>
-              <a:spcPct val="0"/>
-            </a:spcBef>
-            <a:spcAft>
-              <a:spcPct val="35000"/>
-            </a:spcAft>
-            <a:buNone/>
-          </a:pPr>
-          <a:r>
-            <a:rPr lang="en-US" sz="1000" kern="1200"/>
-            <a:t>Max-Conv2D filter on 8x8 kernel</a:t>
-          </a:r>
-        </a:p>
-      </dsp:txBody>
-      <dsp:txXfrm>
-        <a:off x="365022" y="2782334"/>
-        <a:ext cx="3376911" cy="434234"/>
-      </dsp:txXfrm>
-    </dsp:sp>
-    <dsp:sp modelId="{99F1D40A-DB5B-4C5D-98D8-82EDE31912FE}">
-      <dsp:nvSpPr>
-        <dsp:cNvPr id="0" name=""/>
-        <dsp:cNvSpPr/>
-      </dsp:nvSpPr>
-      <dsp:spPr>
-        <a:xfrm rot="5400000">
-          <a:off x="1966992" y="3241610"/>
-          <a:ext cx="172970" cy="207564"/>
-        </a:xfrm>
-        <a:prstGeom prst="rightArrow">
-          <a:avLst>
-            <a:gd name="adj1" fmla="val 60000"/>
-            <a:gd name="adj2" fmla="val 50000"/>
-          </a:avLst>
-        </a:prstGeom>
-        <a:solidFill>
-          <a:schemeClr val="accent1">
-            <a:tint val="60000"/>
-            <a:hueOff val="0"/>
-            <a:satOff val="0"/>
-            <a:lumOff val="0"/>
-            <a:alphaOff val="0"/>
-          </a:schemeClr>
-        </a:solidFill>
-        <a:ln>
-          <a:noFill/>
-        </a:ln>
-        <a:effectLst/>
-      </dsp:spPr>
-      <dsp:style>
-        <a:lnRef idx="0">
-          <a:scrgbClr r="0" g="0" b="0"/>
-        </a:lnRef>
-        <a:fillRef idx="1">
-          <a:scrgbClr r="0" g="0" b="0"/>
-        </a:fillRef>
-        <a:effectRef idx="0">
-          <a:scrgbClr r="0" g="0" b="0"/>
-        </a:effectRef>
-        <a:fontRef idx="minor">
-          <a:schemeClr val="lt1"/>
-        </a:fontRef>
-      </dsp:style>
-      <dsp:txBody>
-        <a:bodyPr spcFirstLastPara="0" vert="horz" wrap="square" lIns="0" tIns="0" rIns="0" bIns="0" numCol="1" spcCol="1270" anchor="ctr" anchorCtr="0">
-          <a:noAutofit/>
-        </a:bodyPr>
-        <a:lstStyle/>
-        <a:p>
-          <a:pPr marL="0" lvl="0" indent="0" algn="ctr" defTabSz="355600">
-            <a:lnSpc>
-              <a:spcPct val="90000"/>
-            </a:lnSpc>
-            <a:spcBef>
-              <a:spcPct val="0"/>
-            </a:spcBef>
-            <a:spcAft>
-              <a:spcPct val="35000"/>
-            </a:spcAft>
-            <a:buNone/>
-          </a:pPr>
-          <a:endParaRPr lang="en-US" sz="800" kern="1200"/>
-        </a:p>
-      </dsp:txBody>
-      <dsp:txXfrm rot="-5400000">
-        <a:off x="1991209" y="3258907"/>
-        <a:ext cx="124538" cy="121079"/>
-      </dsp:txXfrm>
-    </dsp:sp>
-    <dsp:sp modelId="{52BF1B02-38BA-490D-B49F-F7F428D4159F}">
-      <dsp:nvSpPr>
-        <dsp:cNvPr id="0" name=""/>
-        <dsp:cNvSpPr/>
-      </dsp:nvSpPr>
-      <dsp:spPr>
-        <a:xfrm>
-          <a:off x="361798" y="3460706"/>
-          <a:ext cx="3383359" cy="461254"/>
-        </a:xfrm>
-        <a:prstGeom prst="roundRect">
-          <a:avLst>
-            <a:gd name="adj" fmla="val 10000"/>
-          </a:avLst>
-        </a:prstGeom>
-        <a:solidFill>
-          <a:srgbClr val="00B0F0"/>
-        </a:solidFill>
-        <a:ln w="12700" cap="flat" cmpd="sng" algn="ctr">
-          <a:solidFill>
-            <a:schemeClr val="lt1">
-              <a:hueOff val="0"/>
-              <a:satOff val="0"/>
-              <a:lumOff val="0"/>
-              <a:alphaOff val="0"/>
-            </a:schemeClr>
-          </a:solidFill>
-          <a:prstDash val="solid"/>
-          <a:miter lim="800000"/>
-        </a:ln>
-        <a:effectLst/>
-      </dsp:spPr>
-      <dsp:style>
-        <a:lnRef idx="2">
-          <a:scrgbClr r="0" g="0" b="0"/>
-        </a:lnRef>
-        <a:fillRef idx="1">
-          <a:scrgbClr r="0" g="0" b="0"/>
-        </a:fillRef>
-        <a:effectRef idx="0">
-          <a:scrgbClr r="0" g="0" b="0"/>
-        </a:effectRef>
-        <a:fontRef idx="minor">
-          <a:schemeClr val="lt1"/>
-        </a:fontRef>
-      </dsp:style>
-      <dsp:txBody>
-        <a:bodyPr spcFirstLastPara="0" vert="horz" wrap="square" lIns="38100" tIns="38100" rIns="38100" bIns="38100" numCol="1" spcCol="1270" anchor="ctr" anchorCtr="0">
-          <a:noAutofit/>
-        </a:bodyPr>
-        <a:lstStyle/>
-        <a:p>
-          <a:pPr marL="0" lvl="0" indent="0" algn="ctr" defTabSz="444500">
-            <a:lnSpc>
-              <a:spcPct val="90000"/>
-            </a:lnSpc>
-            <a:spcBef>
-              <a:spcPct val="0"/>
-            </a:spcBef>
-            <a:spcAft>
-              <a:spcPct val="35000"/>
-            </a:spcAft>
-            <a:buNone/>
-          </a:pPr>
-          <a:r>
-            <a:rPr lang="en-US" sz="1000" kern="1200"/>
-            <a:t>Stage 5</a:t>
-          </a:r>
-        </a:p>
-        <a:p>
-          <a:pPr marL="0" lvl="0" indent="0" algn="ctr" defTabSz="444500">
-            <a:lnSpc>
-              <a:spcPct val="90000"/>
-            </a:lnSpc>
-            <a:spcBef>
-              <a:spcPct val="0"/>
-            </a:spcBef>
-            <a:spcAft>
-              <a:spcPct val="35000"/>
-            </a:spcAft>
-            <a:buNone/>
-          </a:pPr>
-          <a:r>
-            <a:rPr lang="en-US" sz="1000" kern="1200"/>
-            <a:t>Max-Conv2D filter on 4x4 kernel</a:t>
-          </a:r>
-        </a:p>
-      </dsp:txBody>
-      <dsp:txXfrm>
-        <a:off x="375308" y="3474216"/>
-        <a:ext cx="3356339" cy="434234"/>
-      </dsp:txXfrm>
-    </dsp:sp>
-    <dsp:sp modelId="{FFAB1546-EE89-4905-B200-014D9D15DEB5}">
-      <dsp:nvSpPr>
-        <dsp:cNvPr id="0" name=""/>
-        <dsp:cNvSpPr/>
-      </dsp:nvSpPr>
-      <dsp:spPr>
-        <a:xfrm rot="5400000">
-          <a:off x="1966992" y="3933493"/>
-          <a:ext cx="172970" cy="207564"/>
-        </a:xfrm>
-        <a:prstGeom prst="rightArrow">
-          <a:avLst>
-            <a:gd name="adj1" fmla="val 60000"/>
-            <a:gd name="adj2" fmla="val 50000"/>
-          </a:avLst>
-        </a:prstGeom>
-        <a:solidFill>
-          <a:schemeClr val="accent1">
-            <a:tint val="60000"/>
-            <a:hueOff val="0"/>
-            <a:satOff val="0"/>
-            <a:lumOff val="0"/>
-            <a:alphaOff val="0"/>
-          </a:schemeClr>
-        </a:solidFill>
-        <a:ln>
-          <a:noFill/>
-        </a:ln>
-        <a:effectLst/>
-      </dsp:spPr>
-      <dsp:style>
-        <a:lnRef idx="0">
-          <a:scrgbClr r="0" g="0" b="0"/>
-        </a:lnRef>
-        <a:fillRef idx="1">
-          <a:scrgbClr r="0" g="0" b="0"/>
-        </a:fillRef>
-        <a:effectRef idx="0">
-          <a:scrgbClr r="0" g="0" b="0"/>
-        </a:effectRef>
-        <a:fontRef idx="minor">
-          <a:schemeClr val="lt1"/>
-        </a:fontRef>
-      </dsp:style>
-      <dsp:txBody>
-        <a:bodyPr spcFirstLastPara="0" vert="horz" wrap="square" lIns="0" tIns="0" rIns="0" bIns="0" numCol="1" spcCol="1270" anchor="ctr" anchorCtr="0">
-          <a:noAutofit/>
-        </a:bodyPr>
-        <a:lstStyle/>
-        <a:p>
-          <a:pPr marL="0" lvl="0" indent="0" algn="ctr" defTabSz="355600">
-            <a:lnSpc>
-              <a:spcPct val="90000"/>
-            </a:lnSpc>
-            <a:spcBef>
-              <a:spcPct val="0"/>
-            </a:spcBef>
-            <a:spcAft>
-              <a:spcPct val="35000"/>
-            </a:spcAft>
-            <a:buNone/>
-          </a:pPr>
-          <a:endParaRPr lang="en-US" sz="800" kern="1200"/>
-        </a:p>
-      </dsp:txBody>
-      <dsp:txXfrm rot="-5400000">
-        <a:off x="1991209" y="3950790"/>
-        <a:ext cx="124538" cy="121079"/>
-      </dsp:txXfrm>
-    </dsp:sp>
-    <dsp:sp modelId="{CFBA9DB8-BD38-47A9-83E9-C039D73A7363}">
-      <dsp:nvSpPr>
-        <dsp:cNvPr id="0" name=""/>
-        <dsp:cNvSpPr/>
-      </dsp:nvSpPr>
-      <dsp:spPr>
-        <a:xfrm>
-          <a:off x="322766" y="4152589"/>
-          <a:ext cx="3461422" cy="461254"/>
-        </a:xfrm>
-        <a:prstGeom prst="roundRect">
-          <a:avLst>
-            <a:gd name="adj" fmla="val 10000"/>
-          </a:avLst>
-        </a:prstGeom>
-        <a:solidFill>
-          <a:srgbClr val="92D050"/>
-        </a:solidFill>
-        <a:ln w="12700" cap="flat" cmpd="sng" algn="ctr">
-          <a:solidFill>
-            <a:schemeClr val="lt1">
-              <a:hueOff val="0"/>
-              <a:satOff val="0"/>
-              <a:lumOff val="0"/>
-              <a:alphaOff val="0"/>
-            </a:schemeClr>
-          </a:solidFill>
-          <a:prstDash val="solid"/>
-          <a:miter lim="800000"/>
-        </a:ln>
-        <a:effectLst/>
-      </dsp:spPr>
-      <dsp:style>
-        <a:lnRef idx="2">
-          <a:scrgbClr r="0" g="0" b="0"/>
-        </a:lnRef>
-        <a:fillRef idx="1">
-          <a:scrgbClr r="0" g="0" b="0"/>
-        </a:fillRef>
-        <a:effectRef idx="0">
-          <a:scrgbClr r="0" g="0" b="0"/>
-        </a:effectRef>
-        <a:fontRef idx="minor">
-          <a:schemeClr val="lt1"/>
-        </a:fontRef>
-      </dsp:style>
-      <dsp:txBody>
-        <a:bodyPr spcFirstLastPara="0" vert="horz" wrap="square" lIns="38100" tIns="38100" rIns="38100" bIns="38100" numCol="1" spcCol="1270" anchor="ctr" anchorCtr="0">
-          <a:noAutofit/>
-        </a:bodyPr>
-        <a:lstStyle/>
-        <a:p>
-          <a:pPr marL="0" lvl="0" indent="0" algn="ctr" defTabSz="444500">
-            <a:lnSpc>
-              <a:spcPct val="90000"/>
-            </a:lnSpc>
-            <a:spcBef>
-              <a:spcPct val="0"/>
-            </a:spcBef>
-            <a:spcAft>
-              <a:spcPct val="35000"/>
-            </a:spcAft>
-            <a:buNone/>
-          </a:pPr>
-          <a:r>
-            <a:rPr lang="en-US" sz="1000" kern="1200"/>
-            <a:t>Stage 6</a:t>
-          </a:r>
-        </a:p>
-        <a:p>
-          <a:pPr marL="0" lvl="0" indent="0" algn="ctr" defTabSz="444500">
-            <a:lnSpc>
-              <a:spcPct val="90000"/>
-            </a:lnSpc>
-            <a:spcBef>
-              <a:spcPct val="0"/>
-            </a:spcBef>
-            <a:spcAft>
-              <a:spcPct val="35000"/>
-            </a:spcAft>
-            <a:buNone/>
-          </a:pPr>
-          <a:r>
-            <a:rPr lang="en-US" sz="1000" kern="1200"/>
-            <a:t>Conv2D Filter to reduce noise </a:t>
-          </a:r>
-        </a:p>
-      </dsp:txBody>
-      <dsp:txXfrm>
-        <a:off x="336276" y="4166099"/>
-        <a:ext cx="3434402" cy="434234"/>
-      </dsp:txXfrm>
-    </dsp:sp>
-    <dsp:sp modelId="{AA747EB2-8553-4BFB-A459-0AE4760BF603}">
-      <dsp:nvSpPr>
-        <dsp:cNvPr id="0" name=""/>
-        <dsp:cNvSpPr/>
-      </dsp:nvSpPr>
-      <dsp:spPr>
-        <a:xfrm rot="5400000">
-          <a:off x="1966992" y="4625375"/>
-          <a:ext cx="172970" cy="207564"/>
-        </a:xfrm>
-        <a:prstGeom prst="rightArrow">
-          <a:avLst>
-            <a:gd name="adj1" fmla="val 60000"/>
-            <a:gd name="adj2" fmla="val 50000"/>
-          </a:avLst>
-        </a:prstGeom>
-        <a:solidFill>
-          <a:schemeClr val="accent1">
-            <a:tint val="60000"/>
-            <a:hueOff val="0"/>
-            <a:satOff val="0"/>
-            <a:lumOff val="0"/>
-            <a:alphaOff val="0"/>
-          </a:schemeClr>
-        </a:solidFill>
-        <a:ln>
-          <a:noFill/>
-        </a:ln>
-        <a:effectLst/>
-      </dsp:spPr>
-      <dsp:style>
-        <a:lnRef idx="0">
-          <a:scrgbClr r="0" g="0" b="0"/>
-        </a:lnRef>
-        <a:fillRef idx="1">
-          <a:scrgbClr r="0" g="0" b="0"/>
-        </a:fillRef>
-        <a:effectRef idx="0">
-          <a:scrgbClr r="0" g="0" b="0"/>
-        </a:effectRef>
-        <a:fontRef idx="minor">
-          <a:schemeClr val="lt1"/>
-        </a:fontRef>
-      </dsp:style>
-      <dsp:txBody>
-        <a:bodyPr spcFirstLastPara="0" vert="horz" wrap="square" lIns="0" tIns="0" rIns="0" bIns="0" numCol="1" spcCol="1270" anchor="ctr" anchorCtr="0">
-          <a:noAutofit/>
-        </a:bodyPr>
-        <a:lstStyle/>
-        <a:p>
-          <a:pPr marL="0" lvl="0" indent="0" algn="ctr" defTabSz="355600">
-            <a:lnSpc>
-              <a:spcPct val="90000"/>
-            </a:lnSpc>
-            <a:spcBef>
-              <a:spcPct val="0"/>
-            </a:spcBef>
-            <a:spcAft>
-              <a:spcPct val="35000"/>
-            </a:spcAft>
-            <a:buNone/>
-          </a:pPr>
-          <a:endParaRPr lang="en-US" sz="800" kern="1200"/>
-        </a:p>
-      </dsp:txBody>
-      <dsp:txXfrm rot="-5400000">
-        <a:off x="1991209" y="4642672"/>
-        <a:ext cx="124538" cy="121079"/>
-      </dsp:txXfrm>
-    </dsp:sp>
-    <dsp:sp modelId="{C66BF0E9-CB5D-486D-B436-1555A05A59F0}">
-      <dsp:nvSpPr>
-        <dsp:cNvPr id="0" name=""/>
-        <dsp:cNvSpPr/>
-      </dsp:nvSpPr>
-      <dsp:spPr>
-        <a:xfrm>
-          <a:off x="1130968" y="4844471"/>
-          <a:ext cx="1845019" cy="461254"/>
-        </a:xfrm>
-        <a:prstGeom prst="roundRect">
-          <a:avLst>
-            <a:gd name="adj" fmla="val 10000"/>
-          </a:avLst>
-        </a:prstGeom>
-        <a:solidFill>
-          <a:schemeClr val="accent1">
-            <a:hueOff val="0"/>
-            <a:satOff val="0"/>
-            <a:lumOff val="0"/>
-            <a:alphaOff val="0"/>
-          </a:schemeClr>
-        </a:solidFill>
-        <a:ln w="12700" cap="flat" cmpd="sng" algn="ctr">
-          <a:solidFill>
-            <a:schemeClr val="lt1">
-              <a:hueOff val="0"/>
-              <a:satOff val="0"/>
-              <a:lumOff val="0"/>
-              <a:alphaOff val="0"/>
-            </a:schemeClr>
-          </a:solidFill>
-          <a:prstDash val="solid"/>
-          <a:miter lim="800000"/>
-        </a:ln>
-        <a:effectLst/>
-      </dsp:spPr>
-      <dsp:style>
-        <a:lnRef idx="2">
-          <a:scrgbClr r="0" g="0" b="0"/>
-        </a:lnRef>
-        <a:fillRef idx="1">
-          <a:scrgbClr r="0" g="0" b="0"/>
-        </a:fillRef>
-        <a:effectRef idx="0">
-          <a:scrgbClr r="0" g="0" b="0"/>
-        </a:effectRef>
-        <a:fontRef idx="minor">
-          <a:schemeClr val="lt1"/>
-        </a:fontRef>
-      </dsp:style>
-      <dsp:txBody>
-        <a:bodyPr spcFirstLastPara="0" vert="horz" wrap="square" lIns="38100" tIns="38100" rIns="38100" bIns="38100" numCol="1" spcCol="1270" anchor="ctr" anchorCtr="0">
-          <a:noAutofit/>
-        </a:bodyPr>
-        <a:lstStyle/>
-        <a:p>
-          <a:pPr marL="0" lvl="0" indent="0" algn="ctr" defTabSz="444500">
-            <a:lnSpc>
-              <a:spcPct val="90000"/>
-            </a:lnSpc>
-            <a:spcBef>
-              <a:spcPct val="0"/>
-            </a:spcBef>
-            <a:spcAft>
-              <a:spcPct val="35000"/>
-            </a:spcAft>
-            <a:buNone/>
-          </a:pPr>
-          <a:r>
-            <a:rPr lang="en-US" sz="1000" kern="1200"/>
-            <a:t>Output 2D Map</a:t>
-          </a:r>
-        </a:p>
-      </dsp:txBody>
-      <dsp:txXfrm>
-        <a:off x="1144478" y="4857981"/>
-        <a:ext cx="1817999" cy="434234"/>
-      </dsp:txXfrm>
-    </dsp:sp>
-  </dsp:spTree>
-</dsp:drawing>
-</file>
-
-<file path=ppt/diagrams/drawing3.xml><?xml version="1.0" encoding="utf-8"?>
-<dsp:drawing xmlns:dgm="http://schemas.openxmlformats.org/drawingml/2006/diagram" xmlns:dsp="http://schemas.microsoft.com/office/drawing/2008/diagram" xmlns:a="http://schemas.openxmlformats.org/drawingml/2006/main">
-  <dsp:spTree>
-    <dsp:nvGrpSpPr>
-      <dsp:cNvPr id="0" name=""/>
-      <dsp:cNvGrpSpPr/>
-    </dsp:nvGrpSpPr>
-    <dsp:grpSpPr/>
-    <dsp:sp modelId="{BE10170A-FDA7-46C6-8080-0CD272A11F79}">
-      <dsp:nvSpPr>
-        <dsp:cNvPr id="0" name=""/>
-        <dsp:cNvSpPr/>
-      </dsp:nvSpPr>
-      <dsp:spPr>
-        <a:xfrm>
-          <a:off x="3190020" y="1239"/>
-          <a:ext cx="1310556" cy="1310556"/>
-        </a:xfrm>
-        <a:prstGeom prst="ellipse">
-          <a:avLst/>
-        </a:prstGeom>
-        <a:solidFill>
-          <a:schemeClr val="accent1">
-            <a:hueOff val="0"/>
-            <a:satOff val="0"/>
-            <a:lumOff val="0"/>
-            <a:alphaOff val="0"/>
-          </a:schemeClr>
-        </a:solidFill>
-        <a:ln w="12700" cap="flat" cmpd="sng" algn="ctr">
-          <a:solidFill>
-            <a:schemeClr val="lt1">
-              <a:hueOff val="0"/>
-              <a:satOff val="0"/>
-              <a:lumOff val="0"/>
-              <a:alphaOff val="0"/>
-            </a:schemeClr>
-          </a:solidFill>
-          <a:prstDash val="solid"/>
-          <a:miter lim="800000"/>
-        </a:ln>
-        <a:effectLst/>
-      </dsp:spPr>
-      <dsp:style>
-        <a:lnRef idx="2">
-          <a:scrgbClr r="0" g="0" b="0"/>
-        </a:lnRef>
-        <a:fillRef idx="1">
-          <a:scrgbClr r="0" g="0" b="0"/>
-        </a:fillRef>
-        <a:effectRef idx="0">
-          <a:scrgbClr r="0" g="0" b="0"/>
-        </a:effectRef>
-        <a:fontRef idx="minor">
-          <a:schemeClr val="lt1"/>
-        </a:fontRef>
-      </dsp:style>
-      <dsp:txBody>
-        <a:bodyPr spcFirstLastPara="0" vert="horz" wrap="square" lIns="15240" tIns="15240" rIns="15240" bIns="15240" numCol="1" spcCol="1270" anchor="ctr" anchorCtr="0">
-          <a:noAutofit/>
-        </a:bodyPr>
-        <a:lstStyle/>
-        <a:p>
-          <a:pPr marL="0" lvl="0" indent="0" algn="ctr" defTabSz="533400">
-            <a:lnSpc>
-              <a:spcPct val="90000"/>
-            </a:lnSpc>
-            <a:spcBef>
-              <a:spcPct val="0"/>
-            </a:spcBef>
-            <a:spcAft>
-              <a:spcPct val="35000"/>
-            </a:spcAft>
-            <a:buNone/>
-          </a:pPr>
-          <a:r>
-            <a:rPr lang="en-US" sz="1200" kern="1200"/>
-            <a:t>Load scan Points from next scan file</a:t>
-          </a:r>
-        </a:p>
-      </dsp:txBody>
-      <dsp:txXfrm>
-        <a:off x="3381946" y="193165"/>
-        <a:ext cx="926704" cy="926704"/>
-      </dsp:txXfrm>
-    </dsp:sp>
-    <dsp:sp modelId="{9CB5DCF6-A9AB-46CF-8F54-44562297832B}">
-      <dsp:nvSpPr>
-        <dsp:cNvPr id="0" name=""/>
-        <dsp:cNvSpPr/>
-      </dsp:nvSpPr>
-      <dsp:spPr>
-        <a:xfrm rot="1800000">
-          <a:off x="4515036" y="922949"/>
-          <a:ext cx="349580" cy="442312"/>
-        </a:xfrm>
-        <a:prstGeom prst="rightArrow">
-          <a:avLst>
-            <a:gd name="adj1" fmla="val 60000"/>
-            <a:gd name="adj2" fmla="val 50000"/>
-          </a:avLst>
-        </a:prstGeom>
-        <a:solidFill>
-          <a:schemeClr val="accent1">
-            <a:tint val="60000"/>
-            <a:hueOff val="0"/>
-            <a:satOff val="0"/>
-            <a:lumOff val="0"/>
-            <a:alphaOff val="0"/>
-          </a:schemeClr>
-        </a:solidFill>
-        <a:ln>
-          <a:noFill/>
-        </a:ln>
-        <a:effectLst/>
-      </dsp:spPr>
-      <dsp:style>
-        <a:lnRef idx="0">
-          <a:scrgbClr r="0" g="0" b="0"/>
-        </a:lnRef>
-        <a:fillRef idx="1">
-          <a:scrgbClr r="0" g="0" b="0"/>
-        </a:fillRef>
-        <a:effectRef idx="0">
-          <a:scrgbClr r="0" g="0" b="0"/>
-        </a:effectRef>
-        <a:fontRef idx="minor">
-          <a:schemeClr val="lt1"/>
-        </a:fontRef>
-      </dsp:style>
-      <dsp:txBody>
-        <a:bodyPr spcFirstLastPara="0" vert="horz" wrap="square" lIns="0" tIns="0" rIns="0" bIns="0" numCol="1" spcCol="1270" anchor="ctr" anchorCtr="0">
-          <a:noAutofit/>
-        </a:bodyPr>
-        <a:lstStyle/>
-        <a:p>
-          <a:pPr marL="0" lvl="0" indent="0" algn="ctr" defTabSz="444500">
-            <a:lnSpc>
-              <a:spcPct val="90000"/>
-            </a:lnSpc>
-            <a:spcBef>
-              <a:spcPct val="0"/>
-            </a:spcBef>
-            <a:spcAft>
-              <a:spcPct val="35000"/>
-            </a:spcAft>
-            <a:buNone/>
-          </a:pPr>
-          <a:endParaRPr lang="en-US" sz="1000" kern="1200"/>
-        </a:p>
-      </dsp:txBody>
-      <dsp:txXfrm>
-        <a:off x="4522061" y="985193"/>
-        <a:ext cx="244706" cy="265388"/>
-      </dsp:txXfrm>
-    </dsp:sp>
-    <dsp:sp modelId="{10C40DD1-8F53-4982-AE25-5D301BBB4035}">
-      <dsp:nvSpPr>
-        <dsp:cNvPr id="0" name=""/>
-        <dsp:cNvSpPr/>
-      </dsp:nvSpPr>
-      <dsp:spPr>
-        <a:xfrm>
-          <a:off x="4896213" y="986310"/>
-          <a:ext cx="1310556" cy="1310556"/>
-        </a:xfrm>
-        <a:prstGeom prst="ellipse">
-          <a:avLst/>
-        </a:prstGeom>
-        <a:solidFill>
-          <a:schemeClr val="accent1">
-            <a:hueOff val="0"/>
-            <a:satOff val="0"/>
-            <a:lumOff val="0"/>
-            <a:alphaOff val="0"/>
-          </a:schemeClr>
-        </a:solidFill>
-        <a:ln w="12700" cap="flat" cmpd="sng" algn="ctr">
-          <a:solidFill>
-            <a:schemeClr val="lt1">
-              <a:hueOff val="0"/>
-              <a:satOff val="0"/>
-              <a:lumOff val="0"/>
-              <a:alphaOff val="0"/>
-            </a:schemeClr>
-          </a:solidFill>
-          <a:prstDash val="solid"/>
-          <a:miter lim="800000"/>
-        </a:ln>
-        <a:effectLst/>
-      </dsp:spPr>
-      <dsp:style>
-        <a:lnRef idx="2">
-          <a:scrgbClr r="0" g="0" b="0"/>
-        </a:lnRef>
-        <a:fillRef idx="1">
-          <a:scrgbClr r="0" g="0" b="0"/>
-        </a:fillRef>
-        <a:effectRef idx="0">
-          <a:scrgbClr r="0" g="0" b="0"/>
-        </a:effectRef>
-        <a:fontRef idx="minor">
-          <a:schemeClr val="lt1"/>
-        </a:fontRef>
-      </dsp:style>
-      <dsp:txBody>
-        <a:bodyPr spcFirstLastPara="0" vert="horz" wrap="square" lIns="15240" tIns="15240" rIns="15240" bIns="15240" numCol="1" spcCol="1270" anchor="ctr" anchorCtr="0">
-          <a:noAutofit/>
-        </a:bodyPr>
-        <a:lstStyle/>
-        <a:p>
-          <a:pPr marL="0" lvl="0" indent="0" algn="ctr" defTabSz="533400">
-            <a:lnSpc>
-              <a:spcPct val="90000"/>
-            </a:lnSpc>
-            <a:spcBef>
-              <a:spcPct val="0"/>
-            </a:spcBef>
-            <a:spcAft>
-              <a:spcPct val="35000"/>
-            </a:spcAft>
-            <a:buNone/>
-          </a:pPr>
-          <a:r>
-            <a:rPr lang="en-US" sz="1200" kern="1200"/>
-            <a:t>2D Map Conversion</a:t>
-          </a:r>
-        </a:p>
-      </dsp:txBody>
-      <dsp:txXfrm>
-        <a:off x="5088139" y="1178236"/>
-        <a:ext cx="926704" cy="926704"/>
-      </dsp:txXfrm>
-    </dsp:sp>
-    <dsp:sp modelId="{AF055774-033E-4FAB-99C5-EF82DA73AF6B}">
-      <dsp:nvSpPr>
-        <dsp:cNvPr id="0" name=""/>
-        <dsp:cNvSpPr/>
-      </dsp:nvSpPr>
-      <dsp:spPr>
-        <a:xfrm rot="5400000">
-          <a:off x="5376701" y="2395608"/>
-          <a:ext cx="349580" cy="442312"/>
-        </a:xfrm>
-        <a:prstGeom prst="rightArrow">
-          <a:avLst>
-            <a:gd name="adj1" fmla="val 60000"/>
-            <a:gd name="adj2" fmla="val 50000"/>
-          </a:avLst>
-        </a:prstGeom>
-        <a:solidFill>
-          <a:schemeClr val="accent1">
-            <a:tint val="60000"/>
-            <a:hueOff val="0"/>
-            <a:satOff val="0"/>
-            <a:lumOff val="0"/>
-            <a:alphaOff val="0"/>
-          </a:schemeClr>
-        </a:solidFill>
-        <a:ln>
-          <a:noFill/>
-        </a:ln>
-        <a:effectLst/>
-      </dsp:spPr>
-      <dsp:style>
-        <a:lnRef idx="0">
-          <a:scrgbClr r="0" g="0" b="0"/>
-        </a:lnRef>
-        <a:fillRef idx="1">
-          <a:scrgbClr r="0" g="0" b="0"/>
-        </a:fillRef>
-        <a:effectRef idx="0">
-          <a:scrgbClr r="0" g="0" b="0"/>
-        </a:effectRef>
-        <a:fontRef idx="minor">
-          <a:schemeClr val="lt1"/>
-        </a:fontRef>
-      </dsp:style>
-      <dsp:txBody>
-        <a:bodyPr spcFirstLastPara="0" vert="horz" wrap="square" lIns="0" tIns="0" rIns="0" bIns="0" numCol="1" spcCol="1270" anchor="ctr" anchorCtr="0">
-          <a:noAutofit/>
-        </a:bodyPr>
-        <a:lstStyle/>
-        <a:p>
-          <a:pPr marL="0" lvl="0" indent="0" algn="ctr" defTabSz="444500">
-            <a:lnSpc>
-              <a:spcPct val="90000"/>
-            </a:lnSpc>
-            <a:spcBef>
-              <a:spcPct val="0"/>
-            </a:spcBef>
-            <a:spcAft>
-              <a:spcPct val="35000"/>
-            </a:spcAft>
-            <a:buNone/>
-          </a:pPr>
-          <a:endParaRPr lang="en-US" sz="1000" kern="1200"/>
-        </a:p>
-      </dsp:txBody>
-      <dsp:txXfrm>
-        <a:off x="5429138" y="2431633"/>
-        <a:ext cx="244706" cy="265388"/>
-      </dsp:txXfrm>
-    </dsp:sp>
-    <dsp:sp modelId="{6B2B7F8F-AC97-4494-991D-C5A102C5BF61}">
-      <dsp:nvSpPr>
-        <dsp:cNvPr id="0" name=""/>
-        <dsp:cNvSpPr/>
-      </dsp:nvSpPr>
-      <dsp:spPr>
-        <a:xfrm>
-          <a:off x="4896213" y="2956450"/>
-          <a:ext cx="1310556" cy="1310556"/>
-        </a:xfrm>
-        <a:prstGeom prst="ellipse">
-          <a:avLst/>
-        </a:prstGeom>
-        <a:solidFill>
-          <a:schemeClr val="accent1">
-            <a:hueOff val="0"/>
-            <a:satOff val="0"/>
-            <a:lumOff val="0"/>
-            <a:alphaOff val="0"/>
-          </a:schemeClr>
-        </a:solidFill>
-        <a:ln w="12700" cap="flat" cmpd="sng" algn="ctr">
-          <a:solidFill>
-            <a:schemeClr val="lt1">
-              <a:hueOff val="0"/>
-              <a:satOff val="0"/>
-              <a:lumOff val="0"/>
-              <a:alphaOff val="0"/>
-            </a:schemeClr>
-          </a:solidFill>
-          <a:prstDash val="solid"/>
-          <a:miter lim="800000"/>
-        </a:ln>
-        <a:effectLst/>
-      </dsp:spPr>
-      <dsp:style>
-        <a:lnRef idx="2">
-          <a:scrgbClr r="0" g="0" b="0"/>
-        </a:lnRef>
-        <a:fillRef idx="1">
-          <a:scrgbClr r="0" g="0" b="0"/>
-        </a:fillRef>
-        <a:effectRef idx="0">
-          <a:scrgbClr r="0" g="0" b="0"/>
-        </a:effectRef>
-        <a:fontRef idx="minor">
-          <a:schemeClr val="lt1"/>
-        </a:fontRef>
-      </dsp:style>
-      <dsp:txBody>
-        <a:bodyPr spcFirstLastPara="0" vert="horz" wrap="square" lIns="15240" tIns="15240" rIns="15240" bIns="15240" numCol="1" spcCol="1270" anchor="ctr" anchorCtr="0">
-          <a:noAutofit/>
-        </a:bodyPr>
-        <a:lstStyle/>
-        <a:p>
-          <a:pPr marL="0" lvl="0" indent="0" algn="ctr" defTabSz="533400">
-            <a:lnSpc>
-              <a:spcPct val="90000"/>
-            </a:lnSpc>
-            <a:spcBef>
-              <a:spcPct val="0"/>
-            </a:spcBef>
-            <a:spcAft>
-              <a:spcPct val="35000"/>
-            </a:spcAft>
-            <a:buNone/>
-          </a:pPr>
-          <a:r>
-            <a:rPr lang="en-US" sz="1200" kern="1200"/>
-            <a:t>Interpolation</a:t>
-          </a:r>
-        </a:p>
-      </dsp:txBody>
-      <dsp:txXfrm>
-        <a:off x="5088139" y="3148376"/>
-        <a:ext cx="926704" cy="926704"/>
-      </dsp:txXfrm>
-    </dsp:sp>
-    <dsp:sp modelId="{8B3EA9F3-EF7C-4031-8349-AFC02CD2E8E9}">
-      <dsp:nvSpPr>
-        <dsp:cNvPr id="0" name=""/>
-        <dsp:cNvSpPr/>
-      </dsp:nvSpPr>
-      <dsp:spPr>
-        <a:xfrm rot="9000000">
-          <a:off x="4532173" y="3878161"/>
-          <a:ext cx="349580" cy="442312"/>
-        </a:xfrm>
-        <a:prstGeom prst="rightArrow">
-          <a:avLst>
-            <a:gd name="adj1" fmla="val 60000"/>
-            <a:gd name="adj2" fmla="val 50000"/>
-          </a:avLst>
-        </a:prstGeom>
-        <a:solidFill>
-          <a:schemeClr val="accent1">
-            <a:tint val="60000"/>
-            <a:hueOff val="0"/>
-            <a:satOff val="0"/>
-            <a:lumOff val="0"/>
-            <a:alphaOff val="0"/>
-          </a:schemeClr>
-        </a:solidFill>
-        <a:ln>
-          <a:noFill/>
-        </a:ln>
-        <a:effectLst/>
-      </dsp:spPr>
-      <dsp:style>
-        <a:lnRef idx="0">
-          <a:scrgbClr r="0" g="0" b="0"/>
-        </a:lnRef>
-        <a:fillRef idx="1">
-          <a:scrgbClr r="0" g="0" b="0"/>
-        </a:fillRef>
-        <a:effectRef idx="0">
-          <a:scrgbClr r="0" g="0" b="0"/>
-        </a:effectRef>
-        <a:fontRef idx="minor">
-          <a:schemeClr val="lt1"/>
-        </a:fontRef>
-      </dsp:style>
-      <dsp:txBody>
-        <a:bodyPr spcFirstLastPara="0" vert="horz" wrap="square" lIns="0" tIns="0" rIns="0" bIns="0" numCol="1" spcCol="1270" anchor="ctr" anchorCtr="0">
-          <a:noAutofit/>
-        </a:bodyPr>
-        <a:lstStyle/>
-        <a:p>
-          <a:pPr marL="0" lvl="0" indent="0" algn="ctr" defTabSz="444500">
-            <a:lnSpc>
-              <a:spcPct val="90000"/>
-            </a:lnSpc>
-            <a:spcBef>
-              <a:spcPct val="0"/>
-            </a:spcBef>
-            <a:spcAft>
-              <a:spcPct val="35000"/>
-            </a:spcAft>
-            <a:buNone/>
-          </a:pPr>
-          <a:endParaRPr lang="en-US" sz="1000" kern="1200"/>
-        </a:p>
-      </dsp:txBody>
-      <dsp:txXfrm rot="10800000">
-        <a:off x="4630022" y="3940405"/>
-        <a:ext cx="244706" cy="265388"/>
-      </dsp:txXfrm>
-    </dsp:sp>
-    <dsp:sp modelId="{B38A756C-2FBC-4753-8A72-C64909D7B55D}">
-      <dsp:nvSpPr>
-        <dsp:cNvPr id="0" name=""/>
-        <dsp:cNvSpPr/>
-      </dsp:nvSpPr>
-      <dsp:spPr>
-        <a:xfrm>
-          <a:off x="3190020" y="3941521"/>
-          <a:ext cx="1310556" cy="1310556"/>
-        </a:xfrm>
-        <a:prstGeom prst="ellipse">
-          <a:avLst/>
-        </a:prstGeom>
-        <a:solidFill>
-          <a:schemeClr val="accent1">
-            <a:hueOff val="0"/>
-            <a:satOff val="0"/>
-            <a:lumOff val="0"/>
-            <a:alphaOff val="0"/>
-          </a:schemeClr>
-        </a:solidFill>
-        <a:ln w="12700" cap="flat" cmpd="sng" algn="ctr">
-          <a:solidFill>
-            <a:schemeClr val="lt1">
-              <a:hueOff val="0"/>
-              <a:satOff val="0"/>
-              <a:lumOff val="0"/>
-              <a:alphaOff val="0"/>
-            </a:schemeClr>
-          </a:solidFill>
-          <a:prstDash val="solid"/>
-          <a:miter lim="800000"/>
-        </a:ln>
-        <a:effectLst/>
-      </dsp:spPr>
-      <dsp:style>
-        <a:lnRef idx="2">
-          <a:scrgbClr r="0" g="0" b="0"/>
-        </a:lnRef>
-        <a:fillRef idx="1">
-          <a:scrgbClr r="0" g="0" b="0"/>
-        </a:fillRef>
-        <a:effectRef idx="0">
-          <a:scrgbClr r="0" g="0" b="0"/>
-        </a:effectRef>
-        <a:fontRef idx="minor">
-          <a:schemeClr val="lt1"/>
-        </a:fontRef>
-      </dsp:style>
-      <dsp:txBody>
-        <a:bodyPr spcFirstLastPara="0" vert="horz" wrap="square" lIns="15240" tIns="15240" rIns="15240" bIns="15240" numCol="1" spcCol="1270" anchor="ctr" anchorCtr="0">
-          <a:noAutofit/>
-        </a:bodyPr>
-        <a:lstStyle/>
-        <a:p>
-          <a:pPr marL="0" lvl="0" indent="0" algn="ctr" defTabSz="533400">
-            <a:lnSpc>
-              <a:spcPct val="90000"/>
-            </a:lnSpc>
-            <a:spcBef>
-              <a:spcPct val="0"/>
-            </a:spcBef>
-            <a:spcAft>
-              <a:spcPct val="35000"/>
-            </a:spcAft>
-            <a:buNone/>
-          </a:pPr>
-          <a:r>
-            <a:rPr lang="en-US" sz="1200" kern="1200"/>
-            <a:t>Prediction on 1024x1024 input map</a:t>
-          </a:r>
-        </a:p>
-      </dsp:txBody>
-      <dsp:txXfrm>
-        <a:off x="3381946" y="4133447"/>
-        <a:ext cx="926704" cy="926704"/>
-      </dsp:txXfrm>
-    </dsp:sp>
-    <dsp:sp modelId="{C0492A94-958F-4DF2-8E31-D0E5D431B110}">
-      <dsp:nvSpPr>
-        <dsp:cNvPr id="0" name=""/>
-        <dsp:cNvSpPr/>
-      </dsp:nvSpPr>
-      <dsp:spPr>
-        <a:xfrm rot="12600000">
-          <a:off x="2825981" y="3888054"/>
-          <a:ext cx="349580" cy="442312"/>
-        </a:xfrm>
-        <a:prstGeom prst="rightArrow">
-          <a:avLst>
-            <a:gd name="adj1" fmla="val 60000"/>
-            <a:gd name="adj2" fmla="val 50000"/>
-          </a:avLst>
-        </a:prstGeom>
-        <a:solidFill>
-          <a:schemeClr val="accent1">
-            <a:tint val="60000"/>
-            <a:hueOff val="0"/>
-            <a:satOff val="0"/>
-            <a:lumOff val="0"/>
-            <a:alphaOff val="0"/>
-          </a:schemeClr>
-        </a:solidFill>
-        <a:ln>
-          <a:noFill/>
-        </a:ln>
-        <a:effectLst/>
-      </dsp:spPr>
-      <dsp:style>
-        <a:lnRef idx="0">
-          <a:scrgbClr r="0" g="0" b="0"/>
-        </a:lnRef>
-        <a:fillRef idx="1">
-          <a:scrgbClr r="0" g="0" b="0"/>
-        </a:fillRef>
-        <a:effectRef idx="0">
-          <a:scrgbClr r="0" g="0" b="0"/>
-        </a:effectRef>
-        <a:fontRef idx="minor">
-          <a:schemeClr val="lt1"/>
-        </a:fontRef>
-      </dsp:style>
-      <dsp:txBody>
-        <a:bodyPr spcFirstLastPara="0" vert="horz" wrap="square" lIns="0" tIns="0" rIns="0" bIns="0" numCol="1" spcCol="1270" anchor="ctr" anchorCtr="0">
-          <a:noAutofit/>
-        </a:bodyPr>
-        <a:lstStyle/>
-        <a:p>
-          <a:pPr marL="0" lvl="0" indent="0" algn="ctr" defTabSz="444500">
-            <a:lnSpc>
-              <a:spcPct val="90000"/>
-            </a:lnSpc>
-            <a:spcBef>
-              <a:spcPct val="0"/>
-            </a:spcBef>
-            <a:spcAft>
-              <a:spcPct val="35000"/>
-            </a:spcAft>
-            <a:buNone/>
-          </a:pPr>
-          <a:endParaRPr lang="en-US" sz="1000" kern="1200"/>
-        </a:p>
-      </dsp:txBody>
-      <dsp:txXfrm rot="10800000">
-        <a:off x="2923830" y="4002735"/>
-        <a:ext cx="244706" cy="265388"/>
-      </dsp:txXfrm>
-    </dsp:sp>
-    <dsp:sp modelId="{1AD34968-D5D1-4171-B98B-6A348B13B975}">
-      <dsp:nvSpPr>
-        <dsp:cNvPr id="0" name=""/>
-        <dsp:cNvSpPr/>
-      </dsp:nvSpPr>
-      <dsp:spPr>
-        <a:xfrm>
-          <a:off x="1483828" y="2956450"/>
-          <a:ext cx="1310556" cy="1310556"/>
-        </a:xfrm>
-        <a:prstGeom prst="ellipse">
-          <a:avLst/>
-        </a:prstGeom>
-        <a:solidFill>
-          <a:schemeClr val="accent1">
-            <a:hueOff val="0"/>
-            <a:satOff val="0"/>
-            <a:lumOff val="0"/>
-            <a:alphaOff val="0"/>
-          </a:schemeClr>
-        </a:solidFill>
-        <a:ln w="12700" cap="flat" cmpd="sng" algn="ctr">
-          <a:solidFill>
-            <a:schemeClr val="lt1">
-              <a:hueOff val="0"/>
-              <a:satOff val="0"/>
-              <a:lumOff val="0"/>
-              <a:alphaOff val="0"/>
-            </a:schemeClr>
-          </a:solidFill>
-          <a:prstDash val="solid"/>
-          <a:miter lim="800000"/>
-        </a:ln>
-        <a:effectLst/>
-      </dsp:spPr>
-      <dsp:style>
-        <a:lnRef idx="2">
-          <a:scrgbClr r="0" g="0" b="0"/>
-        </a:lnRef>
-        <a:fillRef idx="1">
-          <a:scrgbClr r="0" g="0" b="0"/>
-        </a:fillRef>
-        <a:effectRef idx="0">
-          <a:scrgbClr r="0" g="0" b="0"/>
-        </a:effectRef>
-        <a:fontRef idx="minor">
-          <a:schemeClr val="lt1"/>
-        </a:fontRef>
-      </dsp:style>
-      <dsp:txBody>
-        <a:bodyPr spcFirstLastPara="0" vert="horz" wrap="square" lIns="15240" tIns="15240" rIns="15240" bIns="15240" numCol="1" spcCol="1270" anchor="ctr" anchorCtr="0">
-          <a:noAutofit/>
-        </a:bodyPr>
-        <a:lstStyle/>
-        <a:p>
-          <a:pPr marL="0" lvl="0" indent="0" algn="ctr" defTabSz="533400">
-            <a:lnSpc>
-              <a:spcPct val="90000"/>
-            </a:lnSpc>
-            <a:spcBef>
-              <a:spcPct val="0"/>
-            </a:spcBef>
-            <a:spcAft>
-              <a:spcPct val="35000"/>
-            </a:spcAft>
-            <a:buNone/>
-          </a:pPr>
-          <a:r>
-            <a:rPr lang="en-US" sz="1200" kern="1200"/>
-            <a:t>Combining PNG image</a:t>
-          </a:r>
-        </a:p>
-      </dsp:txBody>
-      <dsp:txXfrm>
-        <a:off x="1675754" y="3148376"/>
-        <a:ext cx="926704" cy="926704"/>
-      </dsp:txXfrm>
-    </dsp:sp>
-    <dsp:sp modelId="{3FD4A819-E359-4474-A779-65CA5E4E5F5E}">
-      <dsp:nvSpPr>
-        <dsp:cNvPr id="0" name=""/>
-        <dsp:cNvSpPr/>
-      </dsp:nvSpPr>
-      <dsp:spPr>
-        <a:xfrm rot="16200000">
-          <a:off x="1964316" y="2415395"/>
-          <a:ext cx="349580" cy="442312"/>
-        </a:xfrm>
-        <a:prstGeom prst="rightArrow">
-          <a:avLst>
-            <a:gd name="adj1" fmla="val 60000"/>
-            <a:gd name="adj2" fmla="val 50000"/>
-          </a:avLst>
-        </a:prstGeom>
-        <a:solidFill>
-          <a:schemeClr val="accent1">
-            <a:tint val="60000"/>
-            <a:hueOff val="0"/>
-            <a:satOff val="0"/>
-            <a:lumOff val="0"/>
-            <a:alphaOff val="0"/>
-          </a:schemeClr>
-        </a:solidFill>
-        <a:ln>
-          <a:noFill/>
-        </a:ln>
-        <a:effectLst/>
-      </dsp:spPr>
-      <dsp:style>
-        <a:lnRef idx="0">
-          <a:scrgbClr r="0" g="0" b="0"/>
-        </a:lnRef>
-        <a:fillRef idx="1">
-          <a:scrgbClr r="0" g="0" b="0"/>
-        </a:fillRef>
-        <a:effectRef idx="0">
-          <a:scrgbClr r="0" g="0" b="0"/>
-        </a:effectRef>
-        <a:fontRef idx="minor">
-          <a:schemeClr val="lt1"/>
-        </a:fontRef>
-      </dsp:style>
-      <dsp:txBody>
-        <a:bodyPr spcFirstLastPara="0" vert="horz" wrap="square" lIns="0" tIns="0" rIns="0" bIns="0" numCol="1" spcCol="1270" anchor="ctr" anchorCtr="0">
-          <a:noAutofit/>
-        </a:bodyPr>
-        <a:lstStyle/>
-        <a:p>
-          <a:pPr marL="0" lvl="0" indent="0" algn="ctr" defTabSz="444500">
-            <a:lnSpc>
-              <a:spcPct val="90000"/>
-            </a:lnSpc>
-            <a:spcBef>
-              <a:spcPct val="0"/>
-            </a:spcBef>
-            <a:spcAft>
-              <a:spcPct val="35000"/>
-            </a:spcAft>
-            <a:buNone/>
-          </a:pPr>
-          <a:endParaRPr lang="en-US" sz="1000" kern="1200"/>
-        </a:p>
-      </dsp:txBody>
-      <dsp:txXfrm>
-        <a:off x="2016753" y="2556294"/>
-        <a:ext cx="244706" cy="265388"/>
-      </dsp:txXfrm>
-    </dsp:sp>
-    <dsp:sp modelId="{372A6A97-E412-4CCA-A607-235CF3A22C9C}">
-      <dsp:nvSpPr>
-        <dsp:cNvPr id="0" name=""/>
-        <dsp:cNvSpPr/>
-      </dsp:nvSpPr>
-      <dsp:spPr>
-        <a:xfrm>
-          <a:off x="1483828" y="986310"/>
-          <a:ext cx="1310556" cy="1310556"/>
-        </a:xfrm>
-        <a:prstGeom prst="ellipse">
-          <a:avLst/>
-        </a:prstGeom>
-        <a:solidFill>
-          <a:schemeClr val="accent1">
-            <a:hueOff val="0"/>
-            <a:satOff val="0"/>
-            <a:lumOff val="0"/>
-            <a:alphaOff val="0"/>
-          </a:schemeClr>
-        </a:solidFill>
-        <a:ln w="12700" cap="flat" cmpd="sng" algn="ctr">
-          <a:solidFill>
-            <a:schemeClr val="lt1">
-              <a:hueOff val="0"/>
-              <a:satOff val="0"/>
-              <a:lumOff val="0"/>
-              <a:alphaOff val="0"/>
-            </a:schemeClr>
-          </a:solidFill>
-          <a:prstDash val="solid"/>
-          <a:miter lim="800000"/>
-        </a:ln>
-        <a:effectLst/>
-      </dsp:spPr>
-      <dsp:style>
-        <a:lnRef idx="2">
-          <a:scrgbClr r="0" g="0" b="0"/>
-        </a:lnRef>
-        <a:fillRef idx="1">
-          <a:scrgbClr r="0" g="0" b="0"/>
-        </a:fillRef>
-        <a:effectRef idx="0">
-          <a:scrgbClr r="0" g="0" b="0"/>
-        </a:effectRef>
-        <a:fontRef idx="minor">
-          <a:schemeClr val="lt1"/>
-        </a:fontRef>
-      </dsp:style>
-      <dsp:txBody>
-        <a:bodyPr spcFirstLastPara="0" vert="horz" wrap="square" lIns="15240" tIns="15240" rIns="15240" bIns="15240" numCol="1" spcCol="1270" anchor="ctr" anchorCtr="0">
-          <a:noAutofit/>
-        </a:bodyPr>
-        <a:lstStyle/>
-        <a:p>
-          <a:pPr marL="0" lvl="0" indent="0" algn="ctr" defTabSz="533400">
-            <a:lnSpc>
-              <a:spcPct val="90000"/>
-            </a:lnSpc>
-            <a:spcBef>
-              <a:spcPct val="0"/>
-            </a:spcBef>
-            <a:spcAft>
-              <a:spcPct val="35000"/>
-            </a:spcAft>
-            <a:buNone/>
-          </a:pPr>
-          <a:r>
-            <a:rPr lang="en-US" sz="1200" kern="1200"/>
-            <a:t>Preload Exisiting PNG image</a:t>
-          </a:r>
-        </a:p>
-      </dsp:txBody>
-      <dsp:txXfrm>
-        <a:off x="1675754" y="1178236"/>
-        <a:ext cx="926704" cy="926704"/>
-      </dsp:txXfrm>
-    </dsp:sp>
-    <dsp:sp modelId="{B33D451D-E7ED-453E-BBDD-2A7104931649}">
-      <dsp:nvSpPr>
-        <dsp:cNvPr id="0" name=""/>
-        <dsp:cNvSpPr/>
-      </dsp:nvSpPr>
-      <dsp:spPr>
-        <a:xfrm rot="19800000">
-          <a:off x="2808844" y="932843"/>
-          <a:ext cx="349580" cy="442312"/>
-        </a:xfrm>
-        <a:prstGeom prst="rightArrow">
-          <a:avLst>
-            <a:gd name="adj1" fmla="val 60000"/>
-            <a:gd name="adj2" fmla="val 50000"/>
-          </a:avLst>
-        </a:prstGeom>
-        <a:solidFill>
-          <a:schemeClr val="accent1">
-            <a:tint val="60000"/>
-            <a:hueOff val="0"/>
-            <a:satOff val="0"/>
-            <a:lumOff val="0"/>
-            <a:alphaOff val="0"/>
-          </a:schemeClr>
-        </a:solidFill>
-        <a:ln>
-          <a:noFill/>
-        </a:ln>
-        <a:effectLst/>
-      </dsp:spPr>
-      <dsp:style>
-        <a:lnRef idx="0">
-          <a:scrgbClr r="0" g="0" b="0"/>
-        </a:lnRef>
-        <a:fillRef idx="1">
-          <a:scrgbClr r="0" g="0" b="0"/>
-        </a:fillRef>
-        <a:effectRef idx="0">
-          <a:scrgbClr r="0" g="0" b="0"/>
-        </a:effectRef>
-        <a:fontRef idx="minor">
-          <a:schemeClr val="lt1"/>
-        </a:fontRef>
-      </dsp:style>
-      <dsp:txBody>
-        <a:bodyPr spcFirstLastPara="0" vert="horz" wrap="square" lIns="0" tIns="0" rIns="0" bIns="0" numCol="1" spcCol="1270" anchor="ctr" anchorCtr="0">
-          <a:noAutofit/>
-        </a:bodyPr>
-        <a:lstStyle/>
-        <a:p>
-          <a:pPr marL="0" lvl="0" indent="0" algn="ctr" defTabSz="444500">
-            <a:lnSpc>
-              <a:spcPct val="90000"/>
-            </a:lnSpc>
-            <a:spcBef>
-              <a:spcPct val="0"/>
-            </a:spcBef>
-            <a:spcAft>
-              <a:spcPct val="35000"/>
-            </a:spcAft>
-            <a:buNone/>
-          </a:pPr>
-          <a:endParaRPr lang="en-US" sz="1000" kern="1200"/>
-        </a:p>
-      </dsp:txBody>
-      <dsp:txXfrm>
-        <a:off x="2815869" y="1047524"/>
-        <a:ext cx="244706" cy="265388"/>
-      </dsp:txXfrm>
-    </dsp:sp>
-  </dsp:spTree>
-</dsp:drawing>
-</file>
-
 <file path=ppt/diagrams/layout1.xml><?xml version="1.0" encoding="utf-8"?>
 <dgm:layoutDef xmlns:dgm="http://schemas.openxmlformats.org/drawingml/2006/diagram" xmlns:a="http://schemas.openxmlformats.org/drawingml/2006/main" uniqueId="urn:microsoft.com/office/officeart/2005/8/layout/process1">
   <dgm:title val=""/>
@@ -6409,2435 +1848,7 @@
 </dgm:layoutDef>
 </file>
 
-<file path=ppt/diagrams/layout2.xml><?xml version="1.0" encoding="utf-8"?>
-<dgm:layoutDef xmlns:dgm="http://schemas.openxmlformats.org/drawingml/2006/diagram" xmlns:a="http://schemas.openxmlformats.org/drawingml/2006/main" uniqueId="urn:microsoft.com/office/officeart/2005/8/layout/process2">
-  <dgm:title val=""/>
-  <dgm:desc val=""/>
-  <dgm:catLst>
-    <dgm:cat type="process" pri="13000"/>
-  </dgm:catLst>
-  <dgm:sampData useDef="1">
-    <dgm:dataModel>
-      <dgm:ptLst/>
-      <dgm:bg/>
-      <dgm:whole/>
-    </dgm:dataModel>
-  </dgm:sampData>
-  <dgm:styleData>
-    <dgm:dataModel>
-      <dgm:ptLst>
-        <dgm:pt modelId="0" type="doc"/>
-        <dgm:pt modelId="1"/>
-        <dgm:pt modelId="2"/>
-      </dgm:ptLst>
-      <dgm:cxnLst>
-        <dgm:cxn modelId="3" srcId="0" destId="1" srcOrd="0" destOrd="0"/>
-        <dgm:cxn modelId="4" srcId="0" destId="2" srcOrd="1" destOrd="0"/>
-      </dgm:cxnLst>
-      <dgm:bg/>
-      <dgm:whole/>
-    </dgm:dataModel>
-  </dgm:styleData>
-  <dgm:clrData>
-    <dgm:dataModel>
-      <dgm:ptLst>
-        <dgm:pt modelId="0" type="doc"/>
-        <dgm:pt modelId="1"/>
-        <dgm:pt modelId="2"/>
-        <dgm:pt modelId="3"/>
-        <dgm:pt modelId="4"/>
-      </dgm:ptLst>
-      <dgm:cxnLst>
-        <dgm:cxn modelId="5" srcId="0" destId="1" srcOrd="0" destOrd="0"/>
-        <dgm:cxn modelId="6" srcId="0" destId="2" srcOrd="1" destOrd="0"/>
-        <dgm:cxn modelId="7" srcId="0" destId="3" srcOrd="2" destOrd="0"/>
-        <dgm:cxn modelId="8" srcId="0" destId="4" srcOrd="3" destOrd="0"/>
-      </dgm:cxnLst>
-      <dgm:bg/>
-      <dgm:whole/>
-    </dgm:dataModel>
-  </dgm:clrData>
-  <dgm:layoutNode name="linearFlow">
-    <dgm:varLst>
-      <dgm:resizeHandles val="exact"/>
-    </dgm:varLst>
-    <dgm:alg type="lin">
-      <dgm:param type="linDir" val="fromT"/>
-    </dgm:alg>
-    <dgm:shape xmlns:r="http://schemas.openxmlformats.org/officeDocument/2006/relationships" r:blip="">
-      <dgm:adjLst/>
-    </dgm:shape>
-    <dgm:presOf/>
-    <dgm:constrLst>
-      <dgm:constr type="h" for="ch" ptType="node" refType="h"/>
-      <dgm:constr type="h" for="ch" ptType="sibTrans" refType="h" refFor="ch" refPtType="node" fact="0.5"/>
-      <dgm:constr type="w" for="ch" ptType="node" op="equ"/>
-      <dgm:constr type="primFontSz" for="ch" ptType="node" op="equ" val="65"/>
-      <dgm:constr type="primFontSz" for="des" forName="connectorText" op="equ" val="55"/>
-      <dgm:constr type="primFontSz" for="des" forName="connectorText" refType="primFontSz" refFor="ch" refPtType="node" op="lte" fact="0.8"/>
-    </dgm:constrLst>
-    <dgm:ruleLst/>
-    <dgm:forEach name="nodesForEach" axis="ch" ptType="node">
-      <dgm:layoutNode name="node">
-        <dgm:varLst>
-          <dgm:bulletEnabled val="1"/>
-        </dgm:varLst>
-        <dgm:choose name="Name0">
-          <dgm:if name="Name1" axis="root des" ptType="all node" func="maxDepth" op="gt" val="1">
-            <dgm:alg type="tx">
-              <dgm:param type="parTxLTRAlign" val="l"/>
-              <dgm:param type="parTxRTLAlign" val="r"/>
-              <dgm:param type="txAnchorVertCh" val="mid"/>
-            </dgm:alg>
-          </dgm:if>
-          <dgm:else name="Name2">
-            <dgm:alg type="tx"/>
-          </dgm:else>
-        </dgm:choose>
-        <dgm:shape xmlns:r="http://schemas.openxmlformats.org/officeDocument/2006/relationships" type="roundRect" r:blip="">
-          <dgm:adjLst>
-            <dgm:adj idx="1" val="0.1"/>
-          </dgm:adjLst>
-        </dgm:shape>
-        <dgm:presOf axis="desOrSelf" ptType="node"/>
-        <dgm:constrLst>
-          <dgm:constr type="w" refType="h" fact="1.8"/>
-          <dgm:constr type="tMarg" refType="primFontSz" fact="0.3"/>
-          <dgm:constr type="bMarg" refType="primFontSz" fact="0.3"/>
-          <dgm:constr type="lMarg" refType="primFontSz" fact="0.3"/>
-          <dgm:constr type="rMarg" refType="primFontSz" fact="0.3"/>
-        </dgm:constrLst>
-        <dgm:ruleLst>
-          <dgm:rule type="primFontSz" val="18" fact="NaN" max="NaN"/>
-          <dgm:rule type="w" val="NaN" fact="4" max="NaN"/>
-          <dgm:rule type="primFontSz" val="5" fact="NaN" max="NaN"/>
-        </dgm:ruleLst>
-      </dgm:layoutNode>
-      <dgm:forEach name="sibTransForEach" axis="followSib" ptType="sibTrans" cnt="1">
-        <dgm:layoutNode name="sibTrans">
-          <dgm:alg type="conn">
-            <dgm:param type="begPts" val="auto"/>
-            <dgm:param type="endPts" val="auto"/>
-          </dgm:alg>
-          <dgm:shape xmlns:r="http://schemas.openxmlformats.org/officeDocument/2006/relationships" type="conn" r:blip="">
-            <dgm:adjLst/>
-          </dgm:shape>
-          <dgm:presOf axis="self"/>
-          <dgm:constrLst>
-            <dgm:constr type="w" refType="h" fact="0.9"/>
-            <dgm:constr type="connDist"/>
-            <dgm:constr type="wArH" refType="w" fact="0.5"/>
-            <dgm:constr type="hArH" refType="w"/>
-            <dgm:constr type="stemThick" refType="w" fact="0.6"/>
-            <dgm:constr type="begPad" refType="connDist" fact="0.125"/>
-            <dgm:constr type="endPad" refType="connDist" fact="0.125"/>
-          </dgm:constrLst>
-          <dgm:ruleLst/>
-          <dgm:layoutNode name="connectorText">
-            <dgm:alg type="tx">
-              <dgm:param type="autoTxRot" val="upr"/>
-            </dgm:alg>
-            <dgm:shape xmlns:r="http://schemas.openxmlformats.org/officeDocument/2006/relationships" type="conn" r:blip="" hideGeom="1">
-              <dgm:adjLst/>
-            </dgm:shape>
-            <dgm:presOf axis="self"/>
-            <dgm:constrLst>
-              <dgm:constr type="lMarg"/>
-              <dgm:constr type="rMarg"/>
-              <dgm:constr type="tMarg"/>
-              <dgm:constr type="bMarg"/>
-            </dgm:constrLst>
-            <dgm:ruleLst>
-              <dgm:rule type="primFontSz" val="5" fact="NaN" max="NaN"/>
-            </dgm:ruleLst>
-          </dgm:layoutNode>
-        </dgm:layoutNode>
-      </dgm:forEach>
-    </dgm:forEach>
-  </dgm:layoutNode>
-</dgm:layoutDef>
-</file>
-
-<file path=ppt/diagrams/layout3.xml><?xml version="1.0" encoding="utf-8"?>
-<dgm:layoutDef xmlns:dgm="http://schemas.openxmlformats.org/drawingml/2006/diagram" xmlns:a="http://schemas.openxmlformats.org/drawingml/2006/main" uniqueId="urn:microsoft.com/office/officeart/2005/8/layout/cycle2">
-  <dgm:title val=""/>
-  <dgm:desc val=""/>
-  <dgm:catLst>
-    <dgm:cat type="cycle" pri="1000"/>
-    <dgm:cat type="convert" pri="10000"/>
-  </dgm:catLst>
-  <dgm:sampData>
-    <dgm:dataModel>
-      <dgm:ptLst>
-        <dgm:pt modelId="0" type="doc"/>
-        <dgm:pt modelId="1">
-          <dgm:prSet phldr="1"/>
-        </dgm:pt>
-        <dgm:pt modelId="2">
-          <dgm:prSet phldr="1"/>
-        </dgm:pt>
-        <dgm:pt modelId="3">
-          <dgm:prSet phldr="1"/>
-        </dgm:pt>
-        <dgm:pt modelId="4">
-          <dgm:prSet phldr="1"/>
-        </dgm:pt>
-        <dgm:pt modelId="5">
-          <dgm:prSet phldr="1"/>
-        </dgm:pt>
-      </dgm:ptLst>
-      <dgm:cxnLst>
-        <dgm:cxn modelId="6" srcId="0" destId="1" srcOrd="0" destOrd="0"/>
-        <dgm:cxn modelId="7" srcId="0" destId="2" srcOrd="1" destOrd="0"/>
-        <dgm:cxn modelId="8" srcId="0" destId="3" srcOrd="2" destOrd="0"/>
-        <dgm:cxn modelId="9" srcId="0" destId="4" srcOrd="3" destOrd="0"/>
-        <dgm:cxn modelId="10" srcId="0" destId="5" srcOrd="4" destOrd="0"/>
-      </dgm:cxnLst>
-      <dgm:bg/>
-      <dgm:whole/>
-    </dgm:dataModel>
-  </dgm:sampData>
-  <dgm:styleData>
-    <dgm:dataModel>
-      <dgm:ptLst>
-        <dgm:pt modelId="0" type="doc"/>
-        <dgm:pt modelId="1"/>
-        <dgm:pt modelId="2"/>
-        <dgm:pt modelId="3"/>
-      </dgm:ptLst>
-      <dgm:cxnLst>
-        <dgm:cxn modelId="4" srcId="0" destId="1" srcOrd="0" destOrd="0"/>
-        <dgm:cxn modelId="5" srcId="0" destId="2" srcOrd="1" destOrd="0"/>
-        <dgm:cxn modelId="6" srcId="0" destId="3" srcOrd="2" destOrd="0"/>
-      </dgm:cxnLst>
-      <dgm:bg/>
-      <dgm:whole/>
-    </dgm:dataModel>
-  </dgm:styleData>
-  <dgm:clrData>
-    <dgm:dataModel>
-      <dgm:ptLst>
-        <dgm:pt modelId="0" type="doc"/>
-        <dgm:pt modelId="1"/>
-        <dgm:pt modelId="2"/>
-        <dgm:pt modelId="3"/>
-        <dgm:pt modelId="4"/>
-        <dgm:pt modelId="5"/>
-        <dgm:pt modelId="6"/>
-      </dgm:ptLst>
-      <dgm:cxnLst>
-        <dgm:cxn modelId="7" srcId="0" destId="1" srcOrd="0" destOrd="0"/>
-        <dgm:cxn modelId="8" srcId="0" destId="2" srcOrd="1" destOrd="0"/>
-        <dgm:cxn modelId="9" srcId="0" destId="3" srcOrd="2" destOrd="0"/>
-        <dgm:cxn modelId="10" srcId="0" destId="4" srcOrd="3" destOrd="0"/>
-        <dgm:cxn modelId="11" srcId="0" destId="5" srcOrd="4" destOrd="0"/>
-        <dgm:cxn modelId="12" srcId="0" destId="6" srcOrd="5" destOrd="0"/>
-      </dgm:cxnLst>
-      <dgm:bg/>
-      <dgm:whole/>
-    </dgm:dataModel>
-  </dgm:clrData>
-  <dgm:layoutNode name="cycle">
-    <dgm:varLst>
-      <dgm:dir/>
-      <dgm:resizeHandles val="exact"/>
-    </dgm:varLst>
-    <dgm:choose name="Name0">
-      <dgm:if name="Name1" func="var" arg="dir" op="equ" val="norm">
-        <dgm:choose name="Name2">
-          <dgm:if name="Name3" axis="ch" ptType="node" func="cnt" op="gt" val="2">
-            <dgm:alg type="cycle">
-              <dgm:param type="stAng" val="0"/>
-              <dgm:param type="spanAng" val="360"/>
-            </dgm:alg>
-          </dgm:if>
-          <dgm:else name="Name4">
-            <dgm:alg type="cycle">
-              <dgm:param type="stAng" val="-90"/>
-              <dgm:param type="spanAng" val="360"/>
-            </dgm:alg>
-          </dgm:else>
-        </dgm:choose>
-      </dgm:if>
-      <dgm:else name="Name5">
-        <dgm:choose name="Name6">
-          <dgm:if name="Name7" axis="ch" ptType="node" func="cnt" op="gt" val="2">
-            <dgm:alg type="cycle">
-              <dgm:param type="stAng" val="0"/>
-              <dgm:param type="spanAng" val="-360"/>
-            </dgm:alg>
-          </dgm:if>
-          <dgm:else name="Name8">
-            <dgm:alg type="cycle">
-              <dgm:param type="stAng" val="90"/>
-              <dgm:param type="spanAng" val="-360"/>
-            </dgm:alg>
-          </dgm:else>
-        </dgm:choose>
-      </dgm:else>
-    </dgm:choose>
-    <dgm:shape xmlns:r="http://schemas.openxmlformats.org/officeDocument/2006/relationships" r:blip="">
-      <dgm:adjLst/>
-    </dgm:shape>
-    <dgm:presOf/>
-    <dgm:constrLst>
-      <dgm:constr type="w" for="ch" ptType="node" refType="w"/>
-      <dgm:constr type="w" for="ch" ptType="sibTrans" refType="w" refFor="ch" refPtType="node" op="equ" fact="0.25"/>
-      <dgm:constr type="sibSp" refType="w" refFor="ch" refPtType="node" fact="0.5"/>
-      <dgm:constr type="primFontSz" for="ch" ptType="node" op="equ" val="65"/>
-      <dgm:constr type="primFontSz" for="des" forName="connectorText" op="equ" val="55"/>
-      <dgm:constr type="primFontSz" for="des" forName="connectorText" refType="primFontSz" refFor="ch" refPtType="node" op="lte" fact="0.8"/>
-    </dgm:constrLst>
-    <dgm:ruleLst/>
-    <dgm:forEach name="nodesForEach" axis="ch" ptType="node">
-      <dgm:layoutNode name="node">
-        <dgm:varLst>
-          <dgm:bulletEnabled val="1"/>
-        </dgm:varLst>
-        <dgm:alg type="tx">
-          <dgm:param type="txAnchorVertCh" val="mid"/>
-        </dgm:alg>
-        <dgm:shape xmlns:r="http://schemas.openxmlformats.org/officeDocument/2006/relationships" type="ellipse" r:blip="">
-          <dgm:adjLst/>
-        </dgm:shape>
-        <dgm:presOf axis="desOrSelf" ptType="node"/>
-        <dgm:constrLst>
-          <dgm:constr type="h" refType="w"/>
-          <dgm:constr type="lMarg" refType="primFontSz" fact="0.1"/>
-          <dgm:constr type="rMarg" refType="primFontSz" fact="0.1"/>
-          <dgm:constr type="tMarg" refType="primFontSz" fact="0.1"/>
-          <dgm:constr type="bMarg" refType="primFontSz" fact="0.1"/>
-        </dgm:constrLst>
-        <dgm:ruleLst>
-          <dgm:rule type="primFontSz" val="5" fact="NaN" max="NaN"/>
-        </dgm:ruleLst>
-      </dgm:layoutNode>
-      <dgm:choose name="Name9">
-        <dgm:if name="Name10" axis="par ch" ptType="doc node" func="cnt" op="gt" val="1">
-          <dgm:forEach name="sibTransForEach" axis="followSib" ptType="sibTrans" hideLastTrans="0" cnt="1">
-            <dgm:layoutNode name="sibTrans">
-              <dgm:choose name="Name11">
-                <dgm:if name="Name12" axis="par ch" ptType="doc node" func="cnt" op="lt" val="3">
-                  <dgm:alg type="conn">
-                    <dgm:param type="begPts" val="radial"/>
-                    <dgm:param type="endPts" val="radial"/>
-                  </dgm:alg>
-                </dgm:if>
-                <dgm:else name="Name13">
-                  <dgm:alg type="conn">
-                    <dgm:param type="begPts" val="auto"/>
-                    <dgm:param type="endPts" val="auto"/>
-                  </dgm:alg>
-                </dgm:else>
-              </dgm:choose>
-              <dgm:shape xmlns:r="http://schemas.openxmlformats.org/officeDocument/2006/relationships" type="conn" r:blip="">
-                <dgm:adjLst/>
-              </dgm:shape>
-              <dgm:presOf axis="self"/>
-              <dgm:constrLst>
-                <dgm:constr type="h" refType="w" fact="1.35"/>
-                <dgm:constr type="connDist"/>
-                <dgm:constr type="w" for="ch" refType="connDist" fact="0.45"/>
-                <dgm:constr type="h" for="ch" refType="h"/>
-              </dgm:constrLst>
-              <dgm:ruleLst/>
-              <dgm:layoutNode name="connectorText">
-                <dgm:alg type="tx">
-                  <dgm:param type="autoTxRot" val="grav"/>
-                </dgm:alg>
-                <dgm:shape xmlns:r="http://schemas.openxmlformats.org/officeDocument/2006/relationships" type="conn" r:blip="" hideGeom="1">
-                  <dgm:adjLst/>
-                </dgm:shape>
-                <dgm:presOf axis="self"/>
-                <dgm:constrLst>
-                  <dgm:constr type="lMarg"/>
-                  <dgm:constr type="rMarg"/>
-                  <dgm:constr type="tMarg"/>
-                  <dgm:constr type="bMarg"/>
-                </dgm:constrLst>
-                <dgm:ruleLst>
-                  <dgm:rule type="primFontSz" val="5" fact="NaN" max="NaN"/>
-                </dgm:ruleLst>
-              </dgm:layoutNode>
-            </dgm:layoutNode>
-          </dgm:forEach>
-        </dgm:if>
-        <dgm:else name="Name14"/>
-      </dgm:choose>
-    </dgm:forEach>
-  </dgm:layoutNode>
-</dgm:layoutDef>
-</file>
-
 <file path=ppt/diagrams/quickStyle1.xml><?xml version="1.0" encoding="utf-8"?>
-<dgm:styleDef xmlns:dgm="http://schemas.openxmlformats.org/drawingml/2006/diagram" xmlns:a="http://schemas.openxmlformats.org/drawingml/2006/main" uniqueId="urn:microsoft.com/office/officeart/2005/8/quickstyle/simple1">
-  <dgm:title val=""/>
-  <dgm:desc val=""/>
-  <dgm:catLst>
-    <dgm:cat type="simple" pri="10100"/>
-  </dgm:catLst>
-  <dgm:scene3d>
-    <a:camera prst="orthographicFront"/>
-    <a:lightRig rig="threePt" dir="t"/>
-  </dgm:scene3d>
-  <dgm:styleLbl name="node0">
-    <dgm:scene3d>
-      <a:camera prst="orthographicFront"/>
-      <a:lightRig rig="threePt" dir="t"/>
-    </dgm:scene3d>
-    <dgm:sp3d/>
-    <dgm:txPr/>
-    <dgm:style>
-      <a:lnRef idx="2">
-        <a:scrgbClr r="0" g="0" b="0"/>
-      </a:lnRef>
-      <a:fillRef idx="1">
-        <a:scrgbClr r="0" g="0" b="0"/>
-      </a:fillRef>
-      <a:effectRef idx="0">
-        <a:scrgbClr r="0" g="0" b="0"/>
-      </a:effectRef>
-      <a:fontRef idx="minor">
-        <a:schemeClr val="lt1"/>
-      </a:fontRef>
-    </dgm:style>
-  </dgm:styleLbl>
-  <dgm:styleLbl name="lnNode1">
-    <dgm:scene3d>
-      <a:camera prst="orthographicFront"/>
-      <a:lightRig rig="threePt" dir="t"/>
-    </dgm:scene3d>
-    <dgm:sp3d/>
-    <dgm:txPr/>
-    <dgm:style>
-      <a:lnRef idx="2">
-        <a:scrgbClr r="0" g="0" b="0"/>
-      </a:lnRef>
-      <a:fillRef idx="1">
-        <a:scrgbClr r="0" g="0" b="0"/>
-      </a:fillRef>
-      <a:effectRef idx="0">
-        <a:scrgbClr r="0" g="0" b="0"/>
-      </a:effectRef>
-      <a:fontRef idx="minor">
-        <a:schemeClr val="lt1"/>
-      </a:fontRef>
-    </dgm:style>
-  </dgm:styleLbl>
-  <dgm:styleLbl name="vennNode1">
-    <dgm:scene3d>
-      <a:camera prst="orthographicFront"/>
-      <a:lightRig rig="threePt" dir="t"/>
-    </dgm:scene3d>
-    <dgm:sp3d/>
-    <dgm:txPr/>
-    <dgm:style>
-      <a:lnRef idx="2">
-        <a:scrgbClr r="0" g="0" b="0"/>
-      </a:lnRef>
-      <a:fillRef idx="1">
-        <a:scrgbClr r="0" g="0" b="0"/>
-      </a:fillRef>
-      <a:effectRef idx="0">
-        <a:scrgbClr r="0" g="0" b="0"/>
-      </a:effectRef>
-      <a:fontRef idx="minor">
-        <a:schemeClr val="tx1"/>
-      </a:fontRef>
-    </dgm:style>
-  </dgm:styleLbl>
-  <dgm:styleLbl name="alignNode1">
-    <dgm:scene3d>
-      <a:camera prst="orthographicFront"/>
-      <a:lightRig rig="threePt" dir="t"/>
-    </dgm:scene3d>
-    <dgm:sp3d/>
-    <dgm:txPr/>
-    <dgm:style>
-      <a:lnRef idx="2">
-        <a:scrgbClr r="0" g="0" b="0"/>
-      </a:lnRef>
-      <a:fillRef idx="1">
-        <a:scrgbClr r="0" g="0" b="0"/>
-      </a:fillRef>
-      <a:effectRef idx="0">
-        <a:scrgbClr r="0" g="0" b="0"/>
-      </a:effectRef>
-      <a:fontRef idx="minor">
-        <a:schemeClr val="lt1"/>
-      </a:fontRef>
-    </dgm:style>
-  </dgm:styleLbl>
-  <dgm:styleLbl name="node1">
-    <dgm:scene3d>
-      <a:camera prst="orthographicFront"/>
-      <a:lightRig rig="threePt" dir="t"/>
-    </dgm:scene3d>
-    <dgm:sp3d/>
-    <dgm:txPr/>
-    <dgm:style>
-      <a:lnRef idx="2">
-        <a:scrgbClr r="0" g="0" b="0"/>
-      </a:lnRef>
-      <a:fillRef idx="1">
-        <a:scrgbClr r="0" g="0" b="0"/>
-      </a:fillRef>
-      <a:effectRef idx="0">
-        <a:scrgbClr r="0" g="0" b="0"/>
-      </a:effectRef>
-      <a:fontRef idx="minor">
-        <a:schemeClr val="lt1"/>
-      </a:fontRef>
-    </dgm:style>
-  </dgm:styleLbl>
-  <dgm:styleLbl name="node2">
-    <dgm:scene3d>
-      <a:camera prst="orthographicFront"/>
-      <a:lightRig rig="threePt" dir="t"/>
-    </dgm:scene3d>
-    <dgm:sp3d/>
-    <dgm:txPr/>
-    <dgm:style>
-      <a:lnRef idx="2">
-        <a:scrgbClr r="0" g="0" b="0"/>
-      </a:lnRef>
-      <a:fillRef idx="1">
-        <a:scrgbClr r="0" g="0" b="0"/>
-      </a:fillRef>
-      <a:effectRef idx="0">
-        <a:scrgbClr r="0" g="0" b="0"/>
-      </a:effectRef>
-      <a:fontRef idx="minor">
-        <a:schemeClr val="lt1"/>
-      </a:fontRef>
-    </dgm:style>
-  </dgm:styleLbl>
-  <dgm:styleLbl name="node3">
-    <dgm:scene3d>
-      <a:camera prst="orthographicFront"/>
-      <a:lightRig rig="threePt" dir="t"/>
-    </dgm:scene3d>
-    <dgm:sp3d/>
-    <dgm:txPr/>
-    <dgm:style>
-      <a:lnRef idx="2">
-        <a:scrgbClr r="0" g="0" b="0"/>
-      </a:lnRef>
-      <a:fillRef idx="1">
-        <a:scrgbClr r="0" g="0" b="0"/>
-      </a:fillRef>
-      <a:effectRef idx="0">
-        <a:scrgbClr r="0" g="0" b="0"/>
-      </a:effectRef>
-      <a:fontRef idx="minor">
-        <a:schemeClr val="lt1"/>
-      </a:fontRef>
-    </dgm:style>
-  </dgm:styleLbl>
-  <dgm:styleLbl name="node4">
-    <dgm:scene3d>
-      <a:camera prst="orthographicFront"/>
-      <a:lightRig rig="threePt" dir="t"/>
-    </dgm:scene3d>
-    <dgm:sp3d/>
-    <dgm:txPr/>
-    <dgm:style>
-      <a:lnRef idx="2">
-        <a:scrgbClr r="0" g="0" b="0"/>
-      </a:lnRef>
-      <a:fillRef idx="1">
-        <a:scrgbClr r="0" g="0" b="0"/>
-      </a:fillRef>
-      <a:effectRef idx="0">
-        <a:scrgbClr r="0" g="0" b="0"/>
-      </a:effectRef>
-      <a:fontRef idx="minor">
-        <a:schemeClr val="lt1"/>
-      </a:fontRef>
-    </dgm:style>
-  </dgm:styleLbl>
-  <dgm:styleLbl name="fgImgPlace1">
-    <dgm:scene3d>
-      <a:camera prst="orthographicFront"/>
-      <a:lightRig rig="threePt" dir="t"/>
-    </dgm:scene3d>
-    <dgm:sp3d/>
-    <dgm:txPr/>
-    <dgm:style>
-      <a:lnRef idx="2">
-        <a:scrgbClr r="0" g="0" b="0"/>
-      </a:lnRef>
-      <a:fillRef idx="1">
-        <a:scrgbClr r="0" g="0" b="0"/>
-      </a:fillRef>
-      <a:effectRef idx="0">
-        <a:scrgbClr r="0" g="0" b="0"/>
-      </a:effectRef>
-      <a:fontRef idx="minor"/>
-    </dgm:style>
-  </dgm:styleLbl>
-  <dgm:styleLbl name="alignImgPlace1">
-    <dgm:scene3d>
-      <a:camera prst="orthographicFront"/>
-      <a:lightRig rig="threePt" dir="t"/>
-    </dgm:scene3d>
-    <dgm:sp3d/>
-    <dgm:txPr/>
-    <dgm:style>
-      <a:lnRef idx="2">
-        <a:scrgbClr r="0" g="0" b="0"/>
-      </a:lnRef>
-      <a:fillRef idx="1">
-        <a:scrgbClr r="0" g="0" b="0"/>
-      </a:fillRef>
-      <a:effectRef idx="0">
-        <a:scrgbClr r="0" g="0" b="0"/>
-      </a:effectRef>
-      <a:fontRef idx="minor"/>
-    </dgm:style>
-  </dgm:styleLbl>
-  <dgm:styleLbl name="bgImgPlace1">
-    <dgm:scene3d>
-      <a:camera prst="orthographicFront"/>
-      <a:lightRig rig="threePt" dir="t"/>
-    </dgm:scene3d>
-    <dgm:sp3d/>
-    <dgm:txPr/>
-    <dgm:style>
-      <a:lnRef idx="2">
-        <a:scrgbClr r="0" g="0" b="0"/>
-      </a:lnRef>
-      <a:fillRef idx="1">
-        <a:scrgbClr r="0" g="0" b="0"/>
-      </a:fillRef>
-      <a:effectRef idx="0">
-        <a:scrgbClr r="0" g="0" b="0"/>
-      </a:effectRef>
-      <a:fontRef idx="minor"/>
-    </dgm:style>
-  </dgm:styleLbl>
-  <dgm:styleLbl name="sibTrans2D1">
-    <dgm:scene3d>
-      <a:camera prst="orthographicFront"/>
-      <a:lightRig rig="threePt" dir="t"/>
-    </dgm:scene3d>
-    <dgm:sp3d/>
-    <dgm:txPr/>
-    <dgm:style>
-      <a:lnRef idx="0">
-        <a:scrgbClr r="0" g="0" b="0"/>
-      </a:lnRef>
-      <a:fillRef idx="1">
-        <a:scrgbClr r="0" g="0" b="0"/>
-      </a:fillRef>
-      <a:effectRef idx="0">
-        <a:scrgbClr r="0" g="0" b="0"/>
-      </a:effectRef>
-      <a:fontRef idx="minor">
-        <a:schemeClr val="lt1"/>
-      </a:fontRef>
-    </dgm:style>
-  </dgm:styleLbl>
-  <dgm:styleLbl name="fgSibTrans2D1">
-    <dgm:scene3d>
-      <a:camera prst="orthographicFront"/>
-      <a:lightRig rig="threePt" dir="t"/>
-    </dgm:scene3d>
-    <dgm:sp3d/>
-    <dgm:txPr/>
-    <dgm:style>
-      <a:lnRef idx="0">
-        <a:scrgbClr r="0" g="0" b="0"/>
-      </a:lnRef>
-      <a:fillRef idx="1">
-        <a:scrgbClr r="0" g="0" b="0"/>
-      </a:fillRef>
-      <a:effectRef idx="0">
-        <a:scrgbClr r="0" g="0" b="0"/>
-      </a:effectRef>
-      <a:fontRef idx="minor">
-        <a:schemeClr val="lt1"/>
-      </a:fontRef>
-    </dgm:style>
-  </dgm:styleLbl>
-  <dgm:styleLbl name="bgSibTrans2D1">
-    <dgm:scene3d>
-      <a:camera prst="orthographicFront"/>
-      <a:lightRig rig="threePt" dir="t"/>
-    </dgm:scene3d>
-    <dgm:sp3d/>
-    <dgm:txPr/>
-    <dgm:style>
-      <a:lnRef idx="0">
-        <a:scrgbClr r="0" g="0" b="0"/>
-      </a:lnRef>
-      <a:fillRef idx="1">
-        <a:scrgbClr r="0" g="0" b="0"/>
-      </a:fillRef>
-      <a:effectRef idx="0">
-        <a:scrgbClr r="0" g="0" b="0"/>
-      </a:effectRef>
-      <a:fontRef idx="minor">
-        <a:schemeClr val="lt1"/>
-      </a:fontRef>
-    </dgm:style>
-  </dgm:styleLbl>
-  <dgm:styleLbl name="sibTrans1D1">
-    <dgm:scene3d>
-      <a:camera prst="orthographicFront"/>
-      <a:lightRig rig="threePt" dir="t"/>
-    </dgm:scene3d>
-    <dgm:sp3d/>
-    <dgm:txPr/>
-    <dgm:style>
-      <a:lnRef idx="1">
-        <a:scrgbClr r="0" g="0" b="0"/>
-      </a:lnRef>
-      <a:fillRef idx="0">
-        <a:scrgbClr r="0" g="0" b="0"/>
-      </a:fillRef>
-      <a:effectRef idx="0">
-        <a:scrgbClr r="0" g="0" b="0"/>
-      </a:effectRef>
-      <a:fontRef idx="minor"/>
-    </dgm:style>
-  </dgm:styleLbl>
-  <dgm:styleLbl name="callout">
-    <dgm:scene3d>
-      <a:camera prst="orthographicFront"/>
-      <a:lightRig rig="threePt" dir="t"/>
-    </dgm:scene3d>
-    <dgm:sp3d/>
-    <dgm:txPr/>
-    <dgm:style>
-      <a:lnRef idx="2">
-        <a:scrgbClr r="0" g="0" b="0"/>
-      </a:lnRef>
-      <a:fillRef idx="1">
-        <a:scrgbClr r="0" g="0" b="0"/>
-      </a:fillRef>
-      <a:effectRef idx="0">
-        <a:scrgbClr r="0" g="0" b="0"/>
-      </a:effectRef>
-      <a:fontRef idx="minor"/>
-    </dgm:style>
-  </dgm:styleLbl>
-  <dgm:styleLbl name="asst0">
-    <dgm:scene3d>
-      <a:camera prst="orthographicFront"/>
-      <a:lightRig rig="threePt" dir="t"/>
-    </dgm:scene3d>
-    <dgm:sp3d/>
-    <dgm:txPr/>
-    <dgm:style>
-      <a:lnRef idx="2">
-        <a:scrgbClr r="0" g="0" b="0"/>
-      </a:lnRef>
-      <a:fillRef idx="1">
-        <a:scrgbClr r="0" g="0" b="0"/>
-      </a:fillRef>
-      <a:effectRef idx="0">
-        <a:scrgbClr r="0" g="0" b="0"/>
-      </a:effectRef>
-      <a:fontRef idx="minor">
-        <a:schemeClr val="lt1"/>
-      </a:fontRef>
-    </dgm:style>
-  </dgm:styleLbl>
-  <dgm:styleLbl name="asst1">
-    <dgm:scene3d>
-      <a:camera prst="orthographicFront"/>
-      <a:lightRig rig="threePt" dir="t"/>
-    </dgm:scene3d>
-    <dgm:sp3d/>
-    <dgm:txPr/>
-    <dgm:style>
-      <a:lnRef idx="2">
-        <a:scrgbClr r="0" g="0" b="0"/>
-      </a:lnRef>
-      <a:fillRef idx="1">
-        <a:scrgbClr r="0" g="0" b="0"/>
-      </a:fillRef>
-      <a:effectRef idx="0">
-        <a:scrgbClr r="0" g="0" b="0"/>
-      </a:effectRef>
-      <a:fontRef idx="minor">
-        <a:schemeClr val="lt1"/>
-      </a:fontRef>
-    </dgm:style>
-  </dgm:styleLbl>
-  <dgm:styleLbl name="asst2">
-    <dgm:scene3d>
-      <a:camera prst="orthographicFront"/>
-      <a:lightRig rig="threePt" dir="t"/>
-    </dgm:scene3d>
-    <dgm:sp3d/>
-    <dgm:txPr/>
-    <dgm:style>
-      <a:lnRef idx="2">
-        <a:scrgbClr r="0" g="0" b="0"/>
-      </a:lnRef>
-      <a:fillRef idx="1">
-        <a:scrgbClr r="0" g="0" b="0"/>
-      </a:fillRef>
-      <a:effectRef idx="0">
-        <a:scrgbClr r="0" g="0" b="0"/>
-      </a:effectRef>
-      <a:fontRef idx="minor">
-        <a:schemeClr val="lt1"/>
-      </a:fontRef>
-    </dgm:style>
-  </dgm:styleLbl>
-  <dgm:styleLbl name="asst3">
-    <dgm:scene3d>
-      <a:camera prst="orthographicFront"/>
-      <a:lightRig rig="threePt" dir="t"/>
-    </dgm:scene3d>
-    <dgm:sp3d/>
-    <dgm:txPr/>
-    <dgm:style>
-      <a:lnRef idx="2">
-        <a:scrgbClr r="0" g="0" b="0"/>
-      </a:lnRef>
-      <a:fillRef idx="1">
-        <a:scrgbClr r="0" g="0" b="0"/>
-      </a:fillRef>
-      <a:effectRef idx="0">
-        <a:scrgbClr r="0" g="0" b="0"/>
-      </a:effectRef>
-      <a:fontRef idx="minor">
-        <a:schemeClr val="lt1"/>
-      </a:fontRef>
-    </dgm:style>
-  </dgm:styleLbl>
-  <dgm:styleLbl name="asst4">
-    <dgm:scene3d>
-      <a:camera prst="orthographicFront"/>
-      <a:lightRig rig="threePt" dir="t"/>
-    </dgm:scene3d>
-    <dgm:sp3d/>
-    <dgm:txPr/>
-    <dgm:style>
-      <a:lnRef idx="2">
-        <a:scrgbClr r="0" g="0" b="0"/>
-      </a:lnRef>
-      <a:fillRef idx="1">
-        <a:scrgbClr r="0" g="0" b="0"/>
-      </a:fillRef>
-      <a:effectRef idx="0">
-        <a:scrgbClr r="0" g="0" b="0"/>
-      </a:effectRef>
-      <a:fontRef idx="minor">
-        <a:schemeClr val="lt1"/>
-      </a:fontRef>
-    </dgm:style>
-  </dgm:styleLbl>
-  <dgm:styleLbl name="parChTrans2D1">
-    <dgm:scene3d>
-      <a:camera prst="orthographicFront"/>
-      <a:lightRig rig="threePt" dir="t"/>
-    </dgm:scene3d>
-    <dgm:sp3d/>
-    <dgm:txPr/>
-    <dgm:style>
-      <a:lnRef idx="2">
-        <a:scrgbClr r="0" g="0" b="0"/>
-      </a:lnRef>
-      <a:fillRef idx="1">
-        <a:scrgbClr r="0" g="0" b="0"/>
-      </a:fillRef>
-      <a:effectRef idx="0">
-        <a:scrgbClr r="0" g="0" b="0"/>
-      </a:effectRef>
-      <a:fontRef idx="minor">
-        <a:schemeClr val="lt1"/>
-      </a:fontRef>
-    </dgm:style>
-  </dgm:styleLbl>
-  <dgm:styleLbl name="parChTrans2D2">
-    <dgm:scene3d>
-      <a:camera prst="orthographicFront"/>
-      <a:lightRig rig="threePt" dir="t"/>
-    </dgm:scene3d>
-    <dgm:sp3d/>
-    <dgm:txPr/>
-    <dgm:style>
-      <a:lnRef idx="2">
-        <a:scrgbClr r="0" g="0" b="0"/>
-      </a:lnRef>
-      <a:fillRef idx="1">
-        <a:scrgbClr r="0" g="0" b="0"/>
-      </a:fillRef>
-      <a:effectRef idx="0">
-        <a:scrgbClr r="0" g="0" b="0"/>
-      </a:effectRef>
-      <a:fontRef idx="minor">
-        <a:schemeClr val="lt1"/>
-      </a:fontRef>
-    </dgm:style>
-  </dgm:styleLbl>
-  <dgm:styleLbl name="parChTrans2D3">
-    <dgm:scene3d>
-      <a:camera prst="orthographicFront"/>
-      <a:lightRig rig="threePt" dir="t"/>
-    </dgm:scene3d>
-    <dgm:sp3d/>
-    <dgm:txPr/>
-    <dgm:style>
-      <a:lnRef idx="2">
-        <a:scrgbClr r="0" g="0" b="0"/>
-      </a:lnRef>
-      <a:fillRef idx="1">
-        <a:scrgbClr r="0" g="0" b="0"/>
-      </a:fillRef>
-      <a:effectRef idx="0">
-        <a:scrgbClr r="0" g="0" b="0"/>
-      </a:effectRef>
-      <a:fontRef idx="minor">
-        <a:schemeClr val="lt1"/>
-      </a:fontRef>
-    </dgm:style>
-  </dgm:styleLbl>
-  <dgm:styleLbl name="parChTrans2D4">
-    <dgm:scene3d>
-      <a:camera prst="orthographicFront"/>
-      <a:lightRig rig="threePt" dir="t"/>
-    </dgm:scene3d>
-    <dgm:sp3d/>
-    <dgm:txPr/>
-    <dgm:style>
-      <a:lnRef idx="2">
-        <a:scrgbClr r="0" g="0" b="0"/>
-      </a:lnRef>
-      <a:fillRef idx="1">
-        <a:scrgbClr r="0" g="0" b="0"/>
-      </a:fillRef>
-      <a:effectRef idx="0">
-        <a:scrgbClr r="0" g="0" b="0"/>
-      </a:effectRef>
-      <a:fontRef idx="minor">
-        <a:schemeClr val="lt1"/>
-      </a:fontRef>
-    </dgm:style>
-  </dgm:styleLbl>
-  <dgm:styleLbl name="parChTrans1D1">
-    <dgm:scene3d>
-      <a:camera prst="orthographicFront"/>
-      <a:lightRig rig="threePt" dir="t"/>
-    </dgm:scene3d>
-    <dgm:sp3d/>
-    <dgm:txPr/>
-    <dgm:style>
-      <a:lnRef idx="2">
-        <a:scrgbClr r="0" g="0" b="0"/>
-      </a:lnRef>
-      <a:fillRef idx="0">
-        <a:scrgbClr r="0" g="0" b="0"/>
-      </a:fillRef>
-      <a:effectRef idx="0">
-        <a:scrgbClr r="0" g="0" b="0"/>
-      </a:effectRef>
-      <a:fontRef idx="minor"/>
-    </dgm:style>
-  </dgm:styleLbl>
-  <dgm:styleLbl name="parChTrans1D2">
-    <dgm:scene3d>
-      <a:camera prst="orthographicFront"/>
-      <a:lightRig rig="threePt" dir="t"/>
-    </dgm:scene3d>
-    <dgm:sp3d/>
-    <dgm:txPr/>
-    <dgm:style>
-      <a:lnRef idx="2">
-        <a:scrgbClr r="0" g="0" b="0"/>
-      </a:lnRef>
-      <a:fillRef idx="0">
-        <a:scrgbClr r="0" g="0" b="0"/>
-      </a:fillRef>
-      <a:effectRef idx="0">
-        <a:scrgbClr r="0" g="0" b="0"/>
-      </a:effectRef>
-      <a:fontRef idx="minor"/>
-    </dgm:style>
-  </dgm:styleLbl>
-  <dgm:styleLbl name="parChTrans1D3">
-    <dgm:scene3d>
-      <a:camera prst="orthographicFront"/>
-      <a:lightRig rig="threePt" dir="t"/>
-    </dgm:scene3d>
-    <dgm:sp3d/>
-    <dgm:txPr/>
-    <dgm:style>
-      <a:lnRef idx="2">
-        <a:scrgbClr r="0" g="0" b="0"/>
-      </a:lnRef>
-      <a:fillRef idx="0">
-        <a:scrgbClr r="0" g="0" b="0"/>
-      </a:fillRef>
-      <a:effectRef idx="0">
-        <a:scrgbClr r="0" g="0" b="0"/>
-      </a:effectRef>
-      <a:fontRef idx="minor"/>
-    </dgm:style>
-  </dgm:styleLbl>
-  <dgm:styleLbl name="parChTrans1D4">
-    <dgm:scene3d>
-      <a:camera prst="orthographicFront"/>
-      <a:lightRig rig="threePt" dir="t"/>
-    </dgm:scene3d>
-    <dgm:sp3d/>
-    <dgm:txPr/>
-    <dgm:style>
-      <a:lnRef idx="2">
-        <a:scrgbClr r="0" g="0" b="0"/>
-      </a:lnRef>
-      <a:fillRef idx="0">
-        <a:scrgbClr r="0" g="0" b="0"/>
-      </a:fillRef>
-      <a:effectRef idx="0">
-        <a:scrgbClr r="0" g="0" b="0"/>
-      </a:effectRef>
-      <a:fontRef idx="minor"/>
-    </dgm:style>
-  </dgm:styleLbl>
-  <dgm:styleLbl name="fgAcc1">
-    <dgm:scene3d>
-      <a:camera prst="orthographicFront"/>
-      <a:lightRig rig="threePt" dir="t"/>
-    </dgm:scene3d>
-    <dgm:sp3d/>
-    <dgm:txPr/>
-    <dgm:style>
-      <a:lnRef idx="2">
-        <a:scrgbClr r="0" g="0" b="0"/>
-      </a:lnRef>
-      <a:fillRef idx="1">
-        <a:scrgbClr r="0" g="0" b="0"/>
-      </a:fillRef>
-      <a:effectRef idx="0">
-        <a:scrgbClr r="0" g="0" b="0"/>
-      </a:effectRef>
-      <a:fontRef idx="minor"/>
-    </dgm:style>
-  </dgm:styleLbl>
-  <dgm:styleLbl name="conFgAcc1">
-    <dgm:scene3d>
-      <a:camera prst="orthographicFront"/>
-      <a:lightRig rig="threePt" dir="t"/>
-    </dgm:scene3d>
-    <dgm:sp3d/>
-    <dgm:txPr/>
-    <dgm:style>
-      <a:lnRef idx="2">
-        <a:scrgbClr r="0" g="0" b="0"/>
-      </a:lnRef>
-      <a:fillRef idx="1">
-        <a:scrgbClr r="0" g="0" b="0"/>
-      </a:fillRef>
-      <a:effectRef idx="0">
-        <a:scrgbClr r="0" g="0" b="0"/>
-      </a:effectRef>
-      <a:fontRef idx="minor"/>
-    </dgm:style>
-  </dgm:styleLbl>
-  <dgm:styleLbl name="alignAcc1">
-    <dgm:scene3d>
-      <a:camera prst="orthographicFront"/>
-      <a:lightRig rig="threePt" dir="t"/>
-    </dgm:scene3d>
-    <dgm:sp3d/>
-    <dgm:txPr/>
-    <dgm:style>
-      <a:lnRef idx="2">
-        <a:scrgbClr r="0" g="0" b="0"/>
-      </a:lnRef>
-      <a:fillRef idx="1">
-        <a:scrgbClr r="0" g="0" b="0"/>
-      </a:fillRef>
-      <a:effectRef idx="0">
-        <a:scrgbClr r="0" g="0" b="0"/>
-      </a:effectRef>
-      <a:fontRef idx="minor"/>
-    </dgm:style>
-  </dgm:styleLbl>
-  <dgm:styleLbl name="trAlignAcc1">
-    <dgm:scene3d>
-      <a:camera prst="orthographicFront"/>
-      <a:lightRig rig="threePt" dir="t"/>
-    </dgm:scene3d>
-    <dgm:sp3d/>
-    <dgm:txPr/>
-    <dgm:style>
-      <a:lnRef idx="1">
-        <a:scrgbClr r="0" g="0" b="0"/>
-      </a:lnRef>
-      <a:fillRef idx="1">
-        <a:scrgbClr r="0" g="0" b="0"/>
-      </a:fillRef>
-      <a:effectRef idx="0">
-        <a:scrgbClr r="0" g="0" b="0"/>
-      </a:effectRef>
-      <a:fontRef idx="minor"/>
-    </dgm:style>
-  </dgm:styleLbl>
-  <dgm:styleLbl name="bgAcc1">
-    <dgm:scene3d>
-      <a:camera prst="orthographicFront"/>
-      <a:lightRig rig="threePt" dir="t"/>
-    </dgm:scene3d>
-    <dgm:sp3d/>
-    <dgm:txPr/>
-    <dgm:style>
-      <a:lnRef idx="2">
-        <a:scrgbClr r="0" g="0" b="0"/>
-      </a:lnRef>
-      <a:fillRef idx="1">
-        <a:scrgbClr r="0" g="0" b="0"/>
-      </a:fillRef>
-      <a:effectRef idx="0">
-        <a:scrgbClr r="0" g="0" b="0"/>
-      </a:effectRef>
-      <a:fontRef idx="minor"/>
-    </dgm:style>
-  </dgm:styleLbl>
-  <dgm:styleLbl name="solidFgAcc1">
-    <dgm:scene3d>
-      <a:camera prst="orthographicFront"/>
-      <a:lightRig rig="threePt" dir="t"/>
-    </dgm:scene3d>
-    <dgm:sp3d/>
-    <dgm:txPr/>
-    <dgm:style>
-      <a:lnRef idx="2">
-        <a:scrgbClr r="0" g="0" b="0"/>
-      </a:lnRef>
-      <a:fillRef idx="1">
-        <a:scrgbClr r="0" g="0" b="0"/>
-      </a:fillRef>
-      <a:effectRef idx="0">
-        <a:scrgbClr r="0" g="0" b="0"/>
-      </a:effectRef>
-      <a:fontRef idx="minor"/>
-    </dgm:style>
-  </dgm:styleLbl>
-  <dgm:styleLbl name="solidAlignAcc1">
-    <dgm:scene3d>
-      <a:camera prst="orthographicFront"/>
-      <a:lightRig rig="threePt" dir="t"/>
-    </dgm:scene3d>
-    <dgm:sp3d/>
-    <dgm:txPr/>
-    <dgm:style>
-      <a:lnRef idx="2">
-        <a:scrgbClr r="0" g="0" b="0"/>
-      </a:lnRef>
-      <a:fillRef idx="1">
-        <a:scrgbClr r="0" g="0" b="0"/>
-      </a:fillRef>
-      <a:effectRef idx="0">
-        <a:scrgbClr r="0" g="0" b="0"/>
-      </a:effectRef>
-      <a:fontRef idx="minor"/>
-    </dgm:style>
-  </dgm:styleLbl>
-  <dgm:styleLbl name="solidBgAcc1">
-    <dgm:scene3d>
-      <a:camera prst="orthographicFront"/>
-      <a:lightRig rig="threePt" dir="t"/>
-    </dgm:scene3d>
-    <dgm:sp3d/>
-    <dgm:txPr/>
-    <dgm:style>
-      <a:lnRef idx="2">
-        <a:scrgbClr r="0" g="0" b="0"/>
-      </a:lnRef>
-      <a:fillRef idx="1">
-        <a:scrgbClr r="0" g="0" b="0"/>
-      </a:fillRef>
-      <a:effectRef idx="0">
-        <a:scrgbClr r="0" g="0" b="0"/>
-      </a:effectRef>
-      <a:fontRef idx="minor"/>
-    </dgm:style>
-  </dgm:styleLbl>
-  <dgm:styleLbl name="fgAccFollowNode1">
-    <dgm:scene3d>
-      <a:camera prst="orthographicFront"/>
-      <a:lightRig rig="threePt" dir="t"/>
-    </dgm:scene3d>
-    <dgm:sp3d/>
-    <dgm:txPr/>
-    <dgm:style>
-      <a:lnRef idx="2">
-        <a:scrgbClr r="0" g="0" b="0"/>
-      </a:lnRef>
-      <a:fillRef idx="1">
-        <a:scrgbClr r="0" g="0" b="0"/>
-      </a:fillRef>
-      <a:effectRef idx="0">
-        <a:scrgbClr r="0" g="0" b="0"/>
-      </a:effectRef>
-      <a:fontRef idx="minor"/>
-    </dgm:style>
-  </dgm:styleLbl>
-  <dgm:styleLbl name="alignAccFollowNode1">
-    <dgm:scene3d>
-      <a:camera prst="orthographicFront"/>
-      <a:lightRig rig="threePt" dir="t"/>
-    </dgm:scene3d>
-    <dgm:sp3d/>
-    <dgm:txPr/>
-    <dgm:style>
-      <a:lnRef idx="2">
-        <a:scrgbClr r="0" g="0" b="0"/>
-      </a:lnRef>
-      <a:fillRef idx="1">
-        <a:scrgbClr r="0" g="0" b="0"/>
-      </a:fillRef>
-      <a:effectRef idx="0">
-        <a:scrgbClr r="0" g="0" b="0"/>
-      </a:effectRef>
-      <a:fontRef idx="minor"/>
-    </dgm:style>
-  </dgm:styleLbl>
-  <dgm:styleLbl name="bgAccFollowNode1">
-    <dgm:scene3d>
-      <a:camera prst="orthographicFront"/>
-      <a:lightRig rig="threePt" dir="t"/>
-    </dgm:scene3d>
-    <dgm:sp3d/>
-    <dgm:txPr/>
-    <dgm:style>
-      <a:lnRef idx="2">
-        <a:scrgbClr r="0" g="0" b="0"/>
-      </a:lnRef>
-      <a:fillRef idx="1">
-        <a:scrgbClr r="0" g="0" b="0"/>
-      </a:fillRef>
-      <a:effectRef idx="0">
-        <a:scrgbClr r="0" g="0" b="0"/>
-      </a:effectRef>
-      <a:fontRef idx="minor"/>
-    </dgm:style>
-  </dgm:styleLbl>
-  <dgm:styleLbl name="fgAcc0">
-    <dgm:scene3d>
-      <a:camera prst="orthographicFront"/>
-      <a:lightRig rig="threePt" dir="t"/>
-    </dgm:scene3d>
-    <dgm:sp3d/>
-    <dgm:txPr/>
-    <dgm:style>
-      <a:lnRef idx="2">
-        <a:scrgbClr r="0" g="0" b="0"/>
-      </a:lnRef>
-      <a:fillRef idx="1">
-        <a:scrgbClr r="0" g="0" b="0"/>
-      </a:fillRef>
-      <a:effectRef idx="0">
-        <a:scrgbClr r="0" g="0" b="0"/>
-      </a:effectRef>
-      <a:fontRef idx="minor"/>
-    </dgm:style>
-  </dgm:styleLbl>
-  <dgm:styleLbl name="fgAcc2">
-    <dgm:scene3d>
-      <a:camera prst="orthographicFront"/>
-      <a:lightRig rig="threePt" dir="t"/>
-    </dgm:scene3d>
-    <dgm:sp3d/>
-    <dgm:txPr/>
-    <dgm:style>
-      <a:lnRef idx="2">
-        <a:scrgbClr r="0" g="0" b="0"/>
-      </a:lnRef>
-      <a:fillRef idx="1">
-        <a:scrgbClr r="0" g="0" b="0"/>
-      </a:fillRef>
-      <a:effectRef idx="0">
-        <a:scrgbClr r="0" g="0" b="0"/>
-      </a:effectRef>
-      <a:fontRef idx="minor"/>
-    </dgm:style>
-  </dgm:styleLbl>
-  <dgm:styleLbl name="fgAcc3">
-    <dgm:scene3d>
-      <a:camera prst="orthographicFront"/>
-      <a:lightRig rig="threePt" dir="t"/>
-    </dgm:scene3d>
-    <dgm:sp3d/>
-    <dgm:txPr/>
-    <dgm:style>
-      <a:lnRef idx="2">
-        <a:scrgbClr r="0" g="0" b="0"/>
-      </a:lnRef>
-      <a:fillRef idx="1">
-        <a:scrgbClr r="0" g="0" b="0"/>
-      </a:fillRef>
-      <a:effectRef idx="0">
-        <a:scrgbClr r="0" g="0" b="0"/>
-      </a:effectRef>
-      <a:fontRef idx="minor"/>
-    </dgm:style>
-  </dgm:styleLbl>
-  <dgm:styleLbl name="fgAcc4">
-    <dgm:scene3d>
-      <a:camera prst="orthographicFront"/>
-      <a:lightRig rig="threePt" dir="t"/>
-    </dgm:scene3d>
-    <dgm:sp3d/>
-    <dgm:txPr/>
-    <dgm:style>
-      <a:lnRef idx="2">
-        <a:scrgbClr r="0" g="0" b="0"/>
-      </a:lnRef>
-      <a:fillRef idx="1">
-        <a:scrgbClr r="0" g="0" b="0"/>
-      </a:fillRef>
-      <a:effectRef idx="0">
-        <a:scrgbClr r="0" g="0" b="0"/>
-      </a:effectRef>
-      <a:fontRef idx="minor"/>
-    </dgm:style>
-  </dgm:styleLbl>
-  <dgm:styleLbl name="bgShp">
-    <dgm:scene3d>
-      <a:camera prst="orthographicFront"/>
-      <a:lightRig rig="threePt" dir="t"/>
-    </dgm:scene3d>
-    <dgm:sp3d/>
-    <dgm:txPr/>
-    <dgm:style>
-      <a:lnRef idx="0">
-        <a:scrgbClr r="0" g="0" b="0"/>
-      </a:lnRef>
-      <a:fillRef idx="1">
-        <a:scrgbClr r="0" g="0" b="0"/>
-      </a:fillRef>
-      <a:effectRef idx="0">
-        <a:scrgbClr r="0" g="0" b="0"/>
-      </a:effectRef>
-      <a:fontRef idx="minor"/>
-    </dgm:style>
-  </dgm:styleLbl>
-  <dgm:styleLbl name="dkBgShp">
-    <dgm:scene3d>
-      <a:camera prst="orthographicFront"/>
-      <a:lightRig rig="threePt" dir="t"/>
-    </dgm:scene3d>
-    <dgm:sp3d/>
-    <dgm:txPr/>
-    <dgm:style>
-      <a:lnRef idx="0">
-        <a:scrgbClr r="0" g="0" b="0"/>
-      </a:lnRef>
-      <a:fillRef idx="1">
-        <a:scrgbClr r="0" g="0" b="0"/>
-      </a:fillRef>
-      <a:effectRef idx="0">
-        <a:scrgbClr r="0" g="0" b="0"/>
-      </a:effectRef>
-      <a:fontRef idx="minor"/>
-    </dgm:style>
-  </dgm:styleLbl>
-  <dgm:styleLbl name="trBgShp">
-    <dgm:scene3d>
-      <a:camera prst="orthographicFront"/>
-      <a:lightRig rig="threePt" dir="t"/>
-    </dgm:scene3d>
-    <dgm:sp3d/>
-    <dgm:txPr/>
-    <dgm:style>
-      <a:lnRef idx="0">
-        <a:scrgbClr r="0" g="0" b="0"/>
-      </a:lnRef>
-      <a:fillRef idx="1">
-        <a:scrgbClr r="0" g="0" b="0"/>
-      </a:fillRef>
-      <a:effectRef idx="0">
-        <a:scrgbClr r="0" g="0" b="0"/>
-      </a:effectRef>
-      <a:fontRef idx="minor"/>
-    </dgm:style>
-  </dgm:styleLbl>
-  <dgm:styleLbl name="fgShp">
-    <dgm:scene3d>
-      <a:camera prst="orthographicFront"/>
-      <a:lightRig rig="threePt" dir="t"/>
-    </dgm:scene3d>
-    <dgm:sp3d/>
-    <dgm:txPr/>
-    <dgm:style>
-      <a:lnRef idx="2">
-        <a:scrgbClr r="0" g="0" b="0"/>
-      </a:lnRef>
-      <a:fillRef idx="1">
-        <a:scrgbClr r="0" g="0" b="0"/>
-      </a:fillRef>
-      <a:effectRef idx="0">
-        <a:scrgbClr r="0" g="0" b="0"/>
-      </a:effectRef>
-      <a:fontRef idx="minor"/>
-    </dgm:style>
-  </dgm:styleLbl>
-  <dgm:styleLbl name="revTx">
-    <dgm:scene3d>
-      <a:camera prst="orthographicFront"/>
-      <a:lightRig rig="threePt" dir="t"/>
-    </dgm:scene3d>
-    <dgm:sp3d/>
-    <dgm:txPr/>
-    <dgm:style>
-      <a:lnRef idx="0">
-        <a:scrgbClr r="0" g="0" b="0"/>
-      </a:lnRef>
-      <a:fillRef idx="0">
-        <a:scrgbClr r="0" g="0" b="0"/>
-      </a:fillRef>
-      <a:effectRef idx="0">
-        <a:scrgbClr r="0" g="0" b="0"/>
-      </a:effectRef>
-      <a:fontRef idx="minor"/>
-    </dgm:style>
-  </dgm:styleLbl>
-</dgm:styleDef>
-</file>
-
-<file path=ppt/diagrams/quickStyle2.xml><?xml version="1.0" encoding="utf-8"?>
-<dgm:styleDef xmlns:dgm="http://schemas.openxmlformats.org/drawingml/2006/diagram" xmlns:a="http://schemas.openxmlformats.org/drawingml/2006/main" uniqueId="urn:microsoft.com/office/officeart/2005/8/quickstyle/simple1">
-  <dgm:title val=""/>
-  <dgm:desc val=""/>
-  <dgm:catLst>
-    <dgm:cat type="simple" pri="10100"/>
-  </dgm:catLst>
-  <dgm:scene3d>
-    <a:camera prst="orthographicFront"/>
-    <a:lightRig rig="threePt" dir="t"/>
-  </dgm:scene3d>
-  <dgm:styleLbl name="node0">
-    <dgm:scene3d>
-      <a:camera prst="orthographicFront"/>
-      <a:lightRig rig="threePt" dir="t"/>
-    </dgm:scene3d>
-    <dgm:sp3d/>
-    <dgm:txPr/>
-    <dgm:style>
-      <a:lnRef idx="2">
-        <a:scrgbClr r="0" g="0" b="0"/>
-      </a:lnRef>
-      <a:fillRef idx="1">
-        <a:scrgbClr r="0" g="0" b="0"/>
-      </a:fillRef>
-      <a:effectRef idx="0">
-        <a:scrgbClr r="0" g="0" b="0"/>
-      </a:effectRef>
-      <a:fontRef idx="minor">
-        <a:schemeClr val="lt1"/>
-      </a:fontRef>
-    </dgm:style>
-  </dgm:styleLbl>
-  <dgm:styleLbl name="lnNode1">
-    <dgm:scene3d>
-      <a:camera prst="orthographicFront"/>
-      <a:lightRig rig="threePt" dir="t"/>
-    </dgm:scene3d>
-    <dgm:sp3d/>
-    <dgm:txPr/>
-    <dgm:style>
-      <a:lnRef idx="2">
-        <a:scrgbClr r="0" g="0" b="0"/>
-      </a:lnRef>
-      <a:fillRef idx="1">
-        <a:scrgbClr r="0" g="0" b="0"/>
-      </a:fillRef>
-      <a:effectRef idx="0">
-        <a:scrgbClr r="0" g="0" b="0"/>
-      </a:effectRef>
-      <a:fontRef idx="minor">
-        <a:schemeClr val="lt1"/>
-      </a:fontRef>
-    </dgm:style>
-  </dgm:styleLbl>
-  <dgm:styleLbl name="vennNode1">
-    <dgm:scene3d>
-      <a:camera prst="orthographicFront"/>
-      <a:lightRig rig="threePt" dir="t"/>
-    </dgm:scene3d>
-    <dgm:sp3d/>
-    <dgm:txPr/>
-    <dgm:style>
-      <a:lnRef idx="2">
-        <a:scrgbClr r="0" g="0" b="0"/>
-      </a:lnRef>
-      <a:fillRef idx="1">
-        <a:scrgbClr r="0" g="0" b="0"/>
-      </a:fillRef>
-      <a:effectRef idx="0">
-        <a:scrgbClr r="0" g="0" b="0"/>
-      </a:effectRef>
-      <a:fontRef idx="minor">
-        <a:schemeClr val="tx1"/>
-      </a:fontRef>
-    </dgm:style>
-  </dgm:styleLbl>
-  <dgm:styleLbl name="alignNode1">
-    <dgm:scene3d>
-      <a:camera prst="orthographicFront"/>
-      <a:lightRig rig="threePt" dir="t"/>
-    </dgm:scene3d>
-    <dgm:sp3d/>
-    <dgm:txPr/>
-    <dgm:style>
-      <a:lnRef idx="2">
-        <a:scrgbClr r="0" g="0" b="0"/>
-      </a:lnRef>
-      <a:fillRef idx="1">
-        <a:scrgbClr r="0" g="0" b="0"/>
-      </a:fillRef>
-      <a:effectRef idx="0">
-        <a:scrgbClr r="0" g="0" b="0"/>
-      </a:effectRef>
-      <a:fontRef idx="minor">
-        <a:schemeClr val="lt1"/>
-      </a:fontRef>
-    </dgm:style>
-  </dgm:styleLbl>
-  <dgm:styleLbl name="node1">
-    <dgm:scene3d>
-      <a:camera prst="orthographicFront"/>
-      <a:lightRig rig="threePt" dir="t"/>
-    </dgm:scene3d>
-    <dgm:sp3d/>
-    <dgm:txPr/>
-    <dgm:style>
-      <a:lnRef idx="2">
-        <a:scrgbClr r="0" g="0" b="0"/>
-      </a:lnRef>
-      <a:fillRef idx="1">
-        <a:scrgbClr r="0" g="0" b="0"/>
-      </a:fillRef>
-      <a:effectRef idx="0">
-        <a:scrgbClr r="0" g="0" b="0"/>
-      </a:effectRef>
-      <a:fontRef idx="minor">
-        <a:schemeClr val="lt1"/>
-      </a:fontRef>
-    </dgm:style>
-  </dgm:styleLbl>
-  <dgm:styleLbl name="node2">
-    <dgm:scene3d>
-      <a:camera prst="orthographicFront"/>
-      <a:lightRig rig="threePt" dir="t"/>
-    </dgm:scene3d>
-    <dgm:sp3d/>
-    <dgm:txPr/>
-    <dgm:style>
-      <a:lnRef idx="2">
-        <a:scrgbClr r="0" g="0" b="0"/>
-      </a:lnRef>
-      <a:fillRef idx="1">
-        <a:scrgbClr r="0" g="0" b="0"/>
-      </a:fillRef>
-      <a:effectRef idx="0">
-        <a:scrgbClr r="0" g="0" b="0"/>
-      </a:effectRef>
-      <a:fontRef idx="minor">
-        <a:schemeClr val="lt1"/>
-      </a:fontRef>
-    </dgm:style>
-  </dgm:styleLbl>
-  <dgm:styleLbl name="node3">
-    <dgm:scene3d>
-      <a:camera prst="orthographicFront"/>
-      <a:lightRig rig="threePt" dir="t"/>
-    </dgm:scene3d>
-    <dgm:sp3d/>
-    <dgm:txPr/>
-    <dgm:style>
-      <a:lnRef idx="2">
-        <a:scrgbClr r="0" g="0" b="0"/>
-      </a:lnRef>
-      <a:fillRef idx="1">
-        <a:scrgbClr r="0" g="0" b="0"/>
-      </a:fillRef>
-      <a:effectRef idx="0">
-        <a:scrgbClr r="0" g="0" b="0"/>
-      </a:effectRef>
-      <a:fontRef idx="minor">
-        <a:schemeClr val="lt1"/>
-      </a:fontRef>
-    </dgm:style>
-  </dgm:styleLbl>
-  <dgm:styleLbl name="node4">
-    <dgm:scene3d>
-      <a:camera prst="orthographicFront"/>
-      <a:lightRig rig="threePt" dir="t"/>
-    </dgm:scene3d>
-    <dgm:sp3d/>
-    <dgm:txPr/>
-    <dgm:style>
-      <a:lnRef idx="2">
-        <a:scrgbClr r="0" g="0" b="0"/>
-      </a:lnRef>
-      <a:fillRef idx="1">
-        <a:scrgbClr r="0" g="0" b="0"/>
-      </a:fillRef>
-      <a:effectRef idx="0">
-        <a:scrgbClr r="0" g="0" b="0"/>
-      </a:effectRef>
-      <a:fontRef idx="minor">
-        <a:schemeClr val="lt1"/>
-      </a:fontRef>
-    </dgm:style>
-  </dgm:styleLbl>
-  <dgm:styleLbl name="fgImgPlace1">
-    <dgm:scene3d>
-      <a:camera prst="orthographicFront"/>
-      <a:lightRig rig="threePt" dir="t"/>
-    </dgm:scene3d>
-    <dgm:sp3d/>
-    <dgm:txPr/>
-    <dgm:style>
-      <a:lnRef idx="2">
-        <a:scrgbClr r="0" g="0" b="0"/>
-      </a:lnRef>
-      <a:fillRef idx="1">
-        <a:scrgbClr r="0" g="0" b="0"/>
-      </a:fillRef>
-      <a:effectRef idx="0">
-        <a:scrgbClr r="0" g="0" b="0"/>
-      </a:effectRef>
-      <a:fontRef idx="minor"/>
-    </dgm:style>
-  </dgm:styleLbl>
-  <dgm:styleLbl name="alignImgPlace1">
-    <dgm:scene3d>
-      <a:camera prst="orthographicFront"/>
-      <a:lightRig rig="threePt" dir="t"/>
-    </dgm:scene3d>
-    <dgm:sp3d/>
-    <dgm:txPr/>
-    <dgm:style>
-      <a:lnRef idx="2">
-        <a:scrgbClr r="0" g="0" b="0"/>
-      </a:lnRef>
-      <a:fillRef idx="1">
-        <a:scrgbClr r="0" g="0" b="0"/>
-      </a:fillRef>
-      <a:effectRef idx="0">
-        <a:scrgbClr r="0" g="0" b="0"/>
-      </a:effectRef>
-      <a:fontRef idx="minor"/>
-    </dgm:style>
-  </dgm:styleLbl>
-  <dgm:styleLbl name="bgImgPlace1">
-    <dgm:scene3d>
-      <a:camera prst="orthographicFront"/>
-      <a:lightRig rig="threePt" dir="t"/>
-    </dgm:scene3d>
-    <dgm:sp3d/>
-    <dgm:txPr/>
-    <dgm:style>
-      <a:lnRef idx="2">
-        <a:scrgbClr r="0" g="0" b="0"/>
-      </a:lnRef>
-      <a:fillRef idx="1">
-        <a:scrgbClr r="0" g="0" b="0"/>
-      </a:fillRef>
-      <a:effectRef idx="0">
-        <a:scrgbClr r="0" g="0" b="0"/>
-      </a:effectRef>
-      <a:fontRef idx="minor"/>
-    </dgm:style>
-  </dgm:styleLbl>
-  <dgm:styleLbl name="sibTrans2D1">
-    <dgm:scene3d>
-      <a:camera prst="orthographicFront"/>
-      <a:lightRig rig="threePt" dir="t"/>
-    </dgm:scene3d>
-    <dgm:sp3d/>
-    <dgm:txPr/>
-    <dgm:style>
-      <a:lnRef idx="0">
-        <a:scrgbClr r="0" g="0" b="0"/>
-      </a:lnRef>
-      <a:fillRef idx="1">
-        <a:scrgbClr r="0" g="0" b="0"/>
-      </a:fillRef>
-      <a:effectRef idx="0">
-        <a:scrgbClr r="0" g="0" b="0"/>
-      </a:effectRef>
-      <a:fontRef idx="minor">
-        <a:schemeClr val="lt1"/>
-      </a:fontRef>
-    </dgm:style>
-  </dgm:styleLbl>
-  <dgm:styleLbl name="fgSibTrans2D1">
-    <dgm:scene3d>
-      <a:camera prst="orthographicFront"/>
-      <a:lightRig rig="threePt" dir="t"/>
-    </dgm:scene3d>
-    <dgm:sp3d/>
-    <dgm:txPr/>
-    <dgm:style>
-      <a:lnRef idx="0">
-        <a:scrgbClr r="0" g="0" b="0"/>
-      </a:lnRef>
-      <a:fillRef idx="1">
-        <a:scrgbClr r="0" g="0" b="0"/>
-      </a:fillRef>
-      <a:effectRef idx="0">
-        <a:scrgbClr r="0" g="0" b="0"/>
-      </a:effectRef>
-      <a:fontRef idx="minor">
-        <a:schemeClr val="lt1"/>
-      </a:fontRef>
-    </dgm:style>
-  </dgm:styleLbl>
-  <dgm:styleLbl name="bgSibTrans2D1">
-    <dgm:scene3d>
-      <a:camera prst="orthographicFront"/>
-      <a:lightRig rig="threePt" dir="t"/>
-    </dgm:scene3d>
-    <dgm:sp3d/>
-    <dgm:txPr/>
-    <dgm:style>
-      <a:lnRef idx="0">
-        <a:scrgbClr r="0" g="0" b="0"/>
-      </a:lnRef>
-      <a:fillRef idx="1">
-        <a:scrgbClr r="0" g="0" b="0"/>
-      </a:fillRef>
-      <a:effectRef idx="0">
-        <a:scrgbClr r="0" g="0" b="0"/>
-      </a:effectRef>
-      <a:fontRef idx="minor">
-        <a:schemeClr val="lt1"/>
-      </a:fontRef>
-    </dgm:style>
-  </dgm:styleLbl>
-  <dgm:styleLbl name="sibTrans1D1">
-    <dgm:scene3d>
-      <a:camera prst="orthographicFront"/>
-      <a:lightRig rig="threePt" dir="t"/>
-    </dgm:scene3d>
-    <dgm:sp3d/>
-    <dgm:txPr/>
-    <dgm:style>
-      <a:lnRef idx="1">
-        <a:scrgbClr r="0" g="0" b="0"/>
-      </a:lnRef>
-      <a:fillRef idx="0">
-        <a:scrgbClr r="0" g="0" b="0"/>
-      </a:fillRef>
-      <a:effectRef idx="0">
-        <a:scrgbClr r="0" g="0" b="0"/>
-      </a:effectRef>
-      <a:fontRef idx="minor"/>
-    </dgm:style>
-  </dgm:styleLbl>
-  <dgm:styleLbl name="callout">
-    <dgm:scene3d>
-      <a:camera prst="orthographicFront"/>
-      <a:lightRig rig="threePt" dir="t"/>
-    </dgm:scene3d>
-    <dgm:sp3d/>
-    <dgm:txPr/>
-    <dgm:style>
-      <a:lnRef idx="2">
-        <a:scrgbClr r="0" g="0" b="0"/>
-      </a:lnRef>
-      <a:fillRef idx="1">
-        <a:scrgbClr r="0" g="0" b="0"/>
-      </a:fillRef>
-      <a:effectRef idx="0">
-        <a:scrgbClr r="0" g="0" b="0"/>
-      </a:effectRef>
-      <a:fontRef idx="minor"/>
-    </dgm:style>
-  </dgm:styleLbl>
-  <dgm:styleLbl name="asst0">
-    <dgm:scene3d>
-      <a:camera prst="orthographicFront"/>
-      <a:lightRig rig="threePt" dir="t"/>
-    </dgm:scene3d>
-    <dgm:sp3d/>
-    <dgm:txPr/>
-    <dgm:style>
-      <a:lnRef idx="2">
-        <a:scrgbClr r="0" g="0" b="0"/>
-      </a:lnRef>
-      <a:fillRef idx="1">
-        <a:scrgbClr r="0" g="0" b="0"/>
-      </a:fillRef>
-      <a:effectRef idx="0">
-        <a:scrgbClr r="0" g="0" b="0"/>
-      </a:effectRef>
-      <a:fontRef idx="minor">
-        <a:schemeClr val="lt1"/>
-      </a:fontRef>
-    </dgm:style>
-  </dgm:styleLbl>
-  <dgm:styleLbl name="asst1">
-    <dgm:scene3d>
-      <a:camera prst="orthographicFront"/>
-      <a:lightRig rig="threePt" dir="t"/>
-    </dgm:scene3d>
-    <dgm:sp3d/>
-    <dgm:txPr/>
-    <dgm:style>
-      <a:lnRef idx="2">
-        <a:scrgbClr r="0" g="0" b="0"/>
-      </a:lnRef>
-      <a:fillRef idx="1">
-        <a:scrgbClr r="0" g="0" b="0"/>
-      </a:fillRef>
-      <a:effectRef idx="0">
-        <a:scrgbClr r="0" g="0" b="0"/>
-      </a:effectRef>
-      <a:fontRef idx="minor">
-        <a:schemeClr val="lt1"/>
-      </a:fontRef>
-    </dgm:style>
-  </dgm:styleLbl>
-  <dgm:styleLbl name="asst2">
-    <dgm:scene3d>
-      <a:camera prst="orthographicFront"/>
-      <a:lightRig rig="threePt" dir="t"/>
-    </dgm:scene3d>
-    <dgm:sp3d/>
-    <dgm:txPr/>
-    <dgm:style>
-      <a:lnRef idx="2">
-        <a:scrgbClr r="0" g="0" b="0"/>
-      </a:lnRef>
-      <a:fillRef idx="1">
-        <a:scrgbClr r="0" g="0" b="0"/>
-      </a:fillRef>
-      <a:effectRef idx="0">
-        <a:scrgbClr r="0" g="0" b="0"/>
-      </a:effectRef>
-      <a:fontRef idx="minor">
-        <a:schemeClr val="lt1"/>
-      </a:fontRef>
-    </dgm:style>
-  </dgm:styleLbl>
-  <dgm:styleLbl name="asst3">
-    <dgm:scene3d>
-      <a:camera prst="orthographicFront"/>
-      <a:lightRig rig="threePt" dir="t"/>
-    </dgm:scene3d>
-    <dgm:sp3d/>
-    <dgm:txPr/>
-    <dgm:style>
-      <a:lnRef idx="2">
-        <a:scrgbClr r="0" g="0" b="0"/>
-      </a:lnRef>
-      <a:fillRef idx="1">
-        <a:scrgbClr r="0" g="0" b="0"/>
-      </a:fillRef>
-      <a:effectRef idx="0">
-        <a:scrgbClr r="0" g="0" b="0"/>
-      </a:effectRef>
-      <a:fontRef idx="minor">
-        <a:schemeClr val="lt1"/>
-      </a:fontRef>
-    </dgm:style>
-  </dgm:styleLbl>
-  <dgm:styleLbl name="asst4">
-    <dgm:scene3d>
-      <a:camera prst="orthographicFront"/>
-      <a:lightRig rig="threePt" dir="t"/>
-    </dgm:scene3d>
-    <dgm:sp3d/>
-    <dgm:txPr/>
-    <dgm:style>
-      <a:lnRef idx="2">
-        <a:scrgbClr r="0" g="0" b="0"/>
-      </a:lnRef>
-      <a:fillRef idx="1">
-        <a:scrgbClr r="0" g="0" b="0"/>
-      </a:fillRef>
-      <a:effectRef idx="0">
-        <a:scrgbClr r="0" g="0" b="0"/>
-      </a:effectRef>
-      <a:fontRef idx="minor">
-        <a:schemeClr val="lt1"/>
-      </a:fontRef>
-    </dgm:style>
-  </dgm:styleLbl>
-  <dgm:styleLbl name="parChTrans2D1">
-    <dgm:scene3d>
-      <a:camera prst="orthographicFront"/>
-      <a:lightRig rig="threePt" dir="t"/>
-    </dgm:scene3d>
-    <dgm:sp3d/>
-    <dgm:txPr/>
-    <dgm:style>
-      <a:lnRef idx="2">
-        <a:scrgbClr r="0" g="0" b="0"/>
-      </a:lnRef>
-      <a:fillRef idx="1">
-        <a:scrgbClr r="0" g="0" b="0"/>
-      </a:fillRef>
-      <a:effectRef idx="0">
-        <a:scrgbClr r="0" g="0" b="0"/>
-      </a:effectRef>
-      <a:fontRef idx="minor">
-        <a:schemeClr val="lt1"/>
-      </a:fontRef>
-    </dgm:style>
-  </dgm:styleLbl>
-  <dgm:styleLbl name="parChTrans2D2">
-    <dgm:scene3d>
-      <a:camera prst="orthographicFront"/>
-      <a:lightRig rig="threePt" dir="t"/>
-    </dgm:scene3d>
-    <dgm:sp3d/>
-    <dgm:txPr/>
-    <dgm:style>
-      <a:lnRef idx="2">
-        <a:scrgbClr r="0" g="0" b="0"/>
-      </a:lnRef>
-      <a:fillRef idx="1">
-        <a:scrgbClr r="0" g="0" b="0"/>
-      </a:fillRef>
-      <a:effectRef idx="0">
-        <a:scrgbClr r="0" g="0" b="0"/>
-      </a:effectRef>
-      <a:fontRef idx="minor">
-        <a:schemeClr val="lt1"/>
-      </a:fontRef>
-    </dgm:style>
-  </dgm:styleLbl>
-  <dgm:styleLbl name="parChTrans2D3">
-    <dgm:scene3d>
-      <a:camera prst="orthographicFront"/>
-      <a:lightRig rig="threePt" dir="t"/>
-    </dgm:scene3d>
-    <dgm:sp3d/>
-    <dgm:txPr/>
-    <dgm:style>
-      <a:lnRef idx="2">
-        <a:scrgbClr r="0" g="0" b="0"/>
-      </a:lnRef>
-      <a:fillRef idx="1">
-        <a:scrgbClr r="0" g="0" b="0"/>
-      </a:fillRef>
-      <a:effectRef idx="0">
-        <a:scrgbClr r="0" g="0" b="0"/>
-      </a:effectRef>
-      <a:fontRef idx="minor">
-        <a:schemeClr val="lt1"/>
-      </a:fontRef>
-    </dgm:style>
-  </dgm:styleLbl>
-  <dgm:styleLbl name="parChTrans2D4">
-    <dgm:scene3d>
-      <a:camera prst="orthographicFront"/>
-      <a:lightRig rig="threePt" dir="t"/>
-    </dgm:scene3d>
-    <dgm:sp3d/>
-    <dgm:txPr/>
-    <dgm:style>
-      <a:lnRef idx="2">
-        <a:scrgbClr r="0" g="0" b="0"/>
-      </a:lnRef>
-      <a:fillRef idx="1">
-        <a:scrgbClr r="0" g="0" b="0"/>
-      </a:fillRef>
-      <a:effectRef idx="0">
-        <a:scrgbClr r="0" g="0" b="0"/>
-      </a:effectRef>
-      <a:fontRef idx="minor">
-        <a:schemeClr val="lt1"/>
-      </a:fontRef>
-    </dgm:style>
-  </dgm:styleLbl>
-  <dgm:styleLbl name="parChTrans1D1">
-    <dgm:scene3d>
-      <a:camera prst="orthographicFront"/>
-      <a:lightRig rig="threePt" dir="t"/>
-    </dgm:scene3d>
-    <dgm:sp3d/>
-    <dgm:txPr/>
-    <dgm:style>
-      <a:lnRef idx="2">
-        <a:scrgbClr r="0" g="0" b="0"/>
-      </a:lnRef>
-      <a:fillRef idx="0">
-        <a:scrgbClr r="0" g="0" b="0"/>
-      </a:fillRef>
-      <a:effectRef idx="0">
-        <a:scrgbClr r="0" g="0" b="0"/>
-      </a:effectRef>
-      <a:fontRef idx="minor"/>
-    </dgm:style>
-  </dgm:styleLbl>
-  <dgm:styleLbl name="parChTrans1D2">
-    <dgm:scene3d>
-      <a:camera prst="orthographicFront"/>
-      <a:lightRig rig="threePt" dir="t"/>
-    </dgm:scene3d>
-    <dgm:sp3d/>
-    <dgm:txPr/>
-    <dgm:style>
-      <a:lnRef idx="2">
-        <a:scrgbClr r="0" g="0" b="0"/>
-      </a:lnRef>
-      <a:fillRef idx="0">
-        <a:scrgbClr r="0" g="0" b="0"/>
-      </a:fillRef>
-      <a:effectRef idx="0">
-        <a:scrgbClr r="0" g="0" b="0"/>
-      </a:effectRef>
-      <a:fontRef idx="minor"/>
-    </dgm:style>
-  </dgm:styleLbl>
-  <dgm:styleLbl name="parChTrans1D3">
-    <dgm:scene3d>
-      <a:camera prst="orthographicFront"/>
-      <a:lightRig rig="threePt" dir="t"/>
-    </dgm:scene3d>
-    <dgm:sp3d/>
-    <dgm:txPr/>
-    <dgm:style>
-      <a:lnRef idx="2">
-        <a:scrgbClr r="0" g="0" b="0"/>
-      </a:lnRef>
-      <a:fillRef idx="0">
-        <a:scrgbClr r="0" g="0" b="0"/>
-      </a:fillRef>
-      <a:effectRef idx="0">
-        <a:scrgbClr r="0" g="0" b="0"/>
-      </a:effectRef>
-      <a:fontRef idx="minor"/>
-    </dgm:style>
-  </dgm:styleLbl>
-  <dgm:styleLbl name="parChTrans1D4">
-    <dgm:scene3d>
-      <a:camera prst="orthographicFront"/>
-      <a:lightRig rig="threePt" dir="t"/>
-    </dgm:scene3d>
-    <dgm:sp3d/>
-    <dgm:txPr/>
-    <dgm:style>
-      <a:lnRef idx="2">
-        <a:scrgbClr r="0" g="0" b="0"/>
-      </a:lnRef>
-      <a:fillRef idx="0">
-        <a:scrgbClr r="0" g="0" b="0"/>
-      </a:fillRef>
-      <a:effectRef idx="0">
-        <a:scrgbClr r="0" g="0" b="0"/>
-      </a:effectRef>
-      <a:fontRef idx="minor"/>
-    </dgm:style>
-  </dgm:styleLbl>
-  <dgm:styleLbl name="fgAcc1">
-    <dgm:scene3d>
-      <a:camera prst="orthographicFront"/>
-      <a:lightRig rig="threePt" dir="t"/>
-    </dgm:scene3d>
-    <dgm:sp3d/>
-    <dgm:txPr/>
-    <dgm:style>
-      <a:lnRef idx="2">
-        <a:scrgbClr r="0" g="0" b="0"/>
-      </a:lnRef>
-      <a:fillRef idx="1">
-        <a:scrgbClr r="0" g="0" b="0"/>
-      </a:fillRef>
-      <a:effectRef idx="0">
-        <a:scrgbClr r="0" g="0" b="0"/>
-      </a:effectRef>
-      <a:fontRef idx="minor"/>
-    </dgm:style>
-  </dgm:styleLbl>
-  <dgm:styleLbl name="conFgAcc1">
-    <dgm:scene3d>
-      <a:camera prst="orthographicFront"/>
-      <a:lightRig rig="threePt" dir="t"/>
-    </dgm:scene3d>
-    <dgm:sp3d/>
-    <dgm:txPr/>
-    <dgm:style>
-      <a:lnRef idx="2">
-        <a:scrgbClr r="0" g="0" b="0"/>
-      </a:lnRef>
-      <a:fillRef idx="1">
-        <a:scrgbClr r="0" g="0" b="0"/>
-      </a:fillRef>
-      <a:effectRef idx="0">
-        <a:scrgbClr r="0" g="0" b="0"/>
-      </a:effectRef>
-      <a:fontRef idx="minor"/>
-    </dgm:style>
-  </dgm:styleLbl>
-  <dgm:styleLbl name="alignAcc1">
-    <dgm:scene3d>
-      <a:camera prst="orthographicFront"/>
-      <a:lightRig rig="threePt" dir="t"/>
-    </dgm:scene3d>
-    <dgm:sp3d/>
-    <dgm:txPr/>
-    <dgm:style>
-      <a:lnRef idx="2">
-        <a:scrgbClr r="0" g="0" b="0"/>
-      </a:lnRef>
-      <a:fillRef idx="1">
-        <a:scrgbClr r="0" g="0" b="0"/>
-      </a:fillRef>
-      <a:effectRef idx="0">
-        <a:scrgbClr r="0" g="0" b="0"/>
-      </a:effectRef>
-      <a:fontRef idx="minor"/>
-    </dgm:style>
-  </dgm:styleLbl>
-  <dgm:styleLbl name="trAlignAcc1">
-    <dgm:scene3d>
-      <a:camera prst="orthographicFront"/>
-      <a:lightRig rig="threePt" dir="t"/>
-    </dgm:scene3d>
-    <dgm:sp3d/>
-    <dgm:txPr/>
-    <dgm:style>
-      <a:lnRef idx="1">
-        <a:scrgbClr r="0" g="0" b="0"/>
-      </a:lnRef>
-      <a:fillRef idx="1">
-        <a:scrgbClr r="0" g="0" b="0"/>
-      </a:fillRef>
-      <a:effectRef idx="0">
-        <a:scrgbClr r="0" g="0" b="0"/>
-      </a:effectRef>
-      <a:fontRef idx="minor"/>
-    </dgm:style>
-  </dgm:styleLbl>
-  <dgm:styleLbl name="bgAcc1">
-    <dgm:scene3d>
-      <a:camera prst="orthographicFront"/>
-      <a:lightRig rig="threePt" dir="t"/>
-    </dgm:scene3d>
-    <dgm:sp3d/>
-    <dgm:txPr/>
-    <dgm:style>
-      <a:lnRef idx="2">
-        <a:scrgbClr r="0" g="0" b="0"/>
-      </a:lnRef>
-      <a:fillRef idx="1">
-        <a:scrgbClr r="0" g="0" b="0"/>
-      </a:fillRef>
-      <a:effectRef idx="0">
-        <a:scrgbClr r="0" g="0" b="0"/>
-      </a:effectRef>
-      <a:fontRef idx="minor"/>
-    </dgm:style>
-  </dgm:styleLbl>
-  <dgm:styleLbl name="solidFgAcc1">
-    <dgm:scene3d>
-      <a:camera prst="orthographicFront"/>
-      <a:lightRig rig="threePt" dir="t"/>
-    </dgm:scene3d>
-    <dgm:sp3d/>
-    <dgm:txPr/>
-    <dgm:style>
-      <a:lnRef idx="2">
-        <a:scrgbClr r="0" g="0" b="0"/>
-      </a:lnRef>
-      <a:fillRef idx="1">
-        <a:scrgbClr r="0" g="0" b="0"/>
-      </a:fillRef>
-      <a:effectRef idx="0">
-        <a:scrgbClr r="0" g="0" b="0"/>
-      </a:effectRef>
-      <a:fontRef idx="minor"/>
-    </dgm:style>
-  </dgm:styleLbl>
-  <dgm:styleLbl name="solidAlignAcc1">
-    <dgm:scene3d>
-      <a:camera prst="orthographicFront"/>
-      <a:lightRig rig="threePt" dir="t"/>
-    </dgm:scene3d>
-    <dgm:sp3d/>
-    <dgm:txPr/>
-    <dgm:style>
-      <a:lnRef idx="2">
-        <a:scrgbClr r="0" g="0" b="0"/>
-      </a:lnRef>
-      <a:fillRef idx="1">
-        <a:scrgbClr r="0" g="0" b="0"/>
-      </a:fillRef>
-      <a:effectRef idx="0">
-        <a:scrgbClr r="0" g="0" b="0"/>
-      </a:effectRef>
-      <a:fontRef idx="minor"/>
-    </dgm:style>
-  </dgm:styleLbl>
-  <dgm:styleLbl name="solidBgAcc1">
-    <dgm:scene3d>
-      <a:camera prst="orthographicFront"/>
-      <a:lightRig rig="threePt" dir="t"/>
-    </dgm:scene3d>
-    <dgm:sp3d/>
-    <dgm:txPr/>
-    <dgm:style>
-      <a:lnRef idx="2">
-        <a:scrgbClr r="0" g="0" b="0"/>
-      </a:lnRef>
-      <a:fillRef idx="1">
-        <a:scrgbClr r="0" g="0" b="0"/>
-      </a:fillRef>
-      <a:effectRef idx="0">
-        <a:scrgbClr r="0" g="0" b="0"/>
-      </a:effectRef>
-      <a:fontRef idx="minor"/>
-    </dgm:style>
-  </dgm:styleLbl>
-  <dgm:styleLbl name="fgAccFollowNode1">
-    <dgm:scene3d>
-      <a:camera prst="orthographicFront"/>
-      <a:lightRig rig="threePt" dir="t"/>
-    </dgm:scene3d>
-    <dgm:sp3d/>
-    <dgm:txPr/>
-    <dgm:style>
-      <a:lnRef idx="2">
-        <a:scrgbClr r="0" g="0" b="0"/>
-      </a:lnRef>
-      <a:fillRef idx="1">
-        <a:scrgbClr r="0" g="0" b="0"/>
-      </a:fillRef>
-      <a:effectRef idx="0">
-        <a:scrgbClr r="0" g="0" b="0"/>
-      </a:effectRef>
-      <a:fontRef idx="minor"/>
-    </dgm:style>
-  </dgm:styleLbl>
-  <dgm:styleLbl name="alignAccFollowNode1">
-    <dgm:scene3d>
-      <a:camera prst="orthographicFront"/>
-      <a:lightRig rig="threePt" dir="t"/>
-    </dgm:scene3d>
-    <dgm:sp3d/>
-    <dgm:txPr/>
-    <dgm:style>
-      <a:lnRef idx="2">
-        <a:scrgbClr r="0" g="0" b="0"/>
-      </a:lnRef>
-      <a:fillRef idx="1">
-        <a:scrgbClr r="0" g="0" b="0"/>
-      </a:fillRef>
-      <a:effectRef idx="0">
-        <a:scrgbClr r="0" g="0" b="0"/>
-      </a:effectRef>
-      <a:fontRef idx="minor"/>
-    </dgm:style>
-  </dgm:styleLbl>
-  <dgm:styleLbl name="bgAccFollowNode1">
-    <dgm:scene3d>
-      <a:camera prst="orthographicFront"/>
-      <a:lightRig rig="threePt" dir="t"/>
-    </dgm:scene3d>
-    <dgm:sp3d/>
-    <dgm:txPr/>
-    <dgm:style>
-      <a:lnRef idx="2">
-        <a:scrgbClr r="0" g="0" b="0"/>
-      </a:lnRef>
-      <a:fillRef idx="1">
-        <a:scrgbClr r="0" g="0" b="0"/>
-      </a:fillRef>
-      <a:effectRef idx="0">
-        <a:scrgbClr r="0" g="0" b="0"/>
-      </a:effectRef>
-      <a:fontRef idx="minor"/>
-    </dgm:style>
-  </dgm:styleLbl>
-  <dgm:styleLbl name="fgAcc0">
-    <dgm:scene3d>
-      <a:camera prst="orthographicFront"/>
-      <a:lightRig rig="threePt" dir="t"/>
-    </dgm:scene3d>
-    <dgm:sp3d/>
-    <dgm:txPr/>
-    <dgm:style>
-      <a:lnRef idx="2">
-        <a:scrgbClr r="0" g="0" b="0"/>
-      </a:lnRef>
-      <a:fillRef idx="1">
-        <a:scrgbClr r="0" g="0" b="0"/>
-      </a:fillRef>
-      <a:effectRef idx="0">
-        <a:scrgbClr r="0" g="0" b="0"/>
-      </a:effectRef>
-      <a:fontRef idx="minor"/>
-    </dgm:style>
-  </dgm:styleLbl>
-  <dgm:styleLbl name="fgAcc2">
-    <dgm:scene3d>
-      <a:camera prst="orthographicFront"/>
-      <a:lightRig rig="threePt" dir="t"/>
-    </dgm:scene3d>
-    <dgm:sp3d/>
-    <dgm:txPr/>
-    <dgm:style>
-      <a:lnRef idx="2">
-        <a:scrgbClr r="0" g="0" b="0"/>
-      </a:lnRef>
-      <a:fillRef idx="1">
-        <a:scrgbClr r="0" g="0" b="0"/>
-      </a:fillRef>
-      <a:effectRef idx="0">
-        <a:scrgbClr r="0" g="0" b="0"/>
-      </a:effectRef>
-      <a:fontRef idx="minor"/>
-    </dgm:style>
-  </dgm:styleLbl>
-  <dgm:styleLbl name="fgAcc3">
-    <dgm:scene3d>
-      <a:camera prst="orthographicFront"/>
-      <a:lightRig rig="threePt" dir="t"/>
-    </dgm:scene3d>
-    <dgm:sp3d/>
-    <dgm:txPr/>
-    <dgm:style>
-      <a:lnRef idx="2">
-        <a:scrgbClr r="0" g="0" b="0"/>
-      </a:lnRef>
-      <a:fillRef idx="1">
-        <a:scrgbClr r="0" g="0" b="0"/>
-      </a:fillRef>
-      <a:effectRef idx="0">
-        <a:scrgbClr r="0" g="0" b="0"/>
-      </a:effectRef>
-      <a:fontRef idx="minor"/>
-    </dgm:style>
-  </dgm:styleLbl>
-  <dgm:styleLbl name="fgAcc4">
-    <dgm:scene3d>
-      <a:camera prst="orthographicFront"/>
-      <a:lightRig rig="threePt" dir="t"/>
-    </dgm:scene3d>
-    <dgm:sp3d/>
-    <dgm:txPr/>
-    <dgm:style>
-      <a:lnRef idx="2">
-        <a:scrgbClr r="0" g="0" b="0"/>
-      </a:lnRef>
-      <a:fillRef idx="1">
-        <a:scrgbClr r="0" g="0" b="0"/>
-      </a:fillRef>
-      <a:effectRef idx="0">
-        <a:scrgbClr r="0" g="0" b="0"/>
-      </a:effectRef>
-      <a:fontRef idx="minor"/>
-    </dgm:style>
-  </dgm:styleLbl>
-  <dgm:styleLbl name="bgShp">
-    <dgm:scene3d>
-      <a:camera prst="orthographicFront"/>
-      <a:lightRig rig="threePt" dir="t"/>
-    </dgm:scene3d>
-    <dgm:sp3d/>
-    <dgm:txPr/>
-    <dgm:style>
-      <a:lnRef idx="0">
-        <a:scrgbClr r="0" g="0" b="0"/>
-      </a:lnRef>
-      <a:fillRef idx="1">
-        <a:scrgbClr r="0" g="0" b="0"/>
-      </a:fillRef>
-      <a:effectRef idx="0">
-        <a:scrgbClr r="0" g="0" b="0"/>
-      </a:effectRef>
-      <a:fontRef idx="minor"/>
-    </dgm:style>
-  </dgm:styleLbl>
-  <dgm:styleLbl name="dkBgShp">
-    <dgm:scene3d>
-      <a:camera prst="orthographicFront"/>
-      <a:lightRig rig="threePt" dir="t"/>
-    </dgm:scene3d>
-    <dgm:sp3d/>
-    <dgm:txPr/>
-    <dgm:style>
-      <a:lnRef idx="0">
-        <a:scrgbClr r="0" g="0" b="0"/>
-      </a:lnRef>
-      <a:fillRef idx="1">
-        <a:scrgbClr r="0" g="0" b="0"/>
-      </a:fillRef>
-      <a:effectRef idx="0">
-        <a:scrgbClr r="0" g="0" b="0"/>
-      </a:effectRef>
-      <a:fontRef idx="minor"/>
-    </dgm:style>
-  </dgm:styleLbl>
-  <dgm:styleLbl name="trBgShp">
-    <dgm:scene3d>
-      <a:camera prst="orthographicFront"/>
-      <a:lightRig rig="threePt" dir="t"/>
-    </dgm:scene3d>
-    <dgm:sp3d/>
-    <dgm:txPr/>
-    <dgm:style>
-      <a:lnRef idx="0">
-        <a:scrgbClr r="0" g="0" b="0"/>
-      </a:lnRef>
-      <a:fillRef idx="1">
-        <a:scrgbClr r="0" g="0" b="0"/>
-      </a:fillRef>
-      <a:effectRef idx="0">
-        <a:scrgbClr r="0" g="0" b="0"/>
-      </a:effectRef>
-      <a:fontRef idx="minor"/>
-    </dgm:style>
-  </dgm:styleLbl>
-  <dgm:styleLbl name="fgShp">
-    <dgm:scene3d>
-      <a:camera prst="orthographicFront"/>
-      <a:lightRig rig="threePt" dir="t"/>
-    </dgm:scene3d>
-    <dgm:sp3d/>
-    <dgm:txPr/>
-    <dgm:style>
-      <a:lnRef idx="2">
-        <a:scrgbClr r="0" g="0" b="0"/>
-      </a:lnRef>
-      <a:fillRef idx="1">
-        <a:scrgbClr r="0" g="0" b="0"/>
-      </a:fillRef>
-      <a:effectRef idx="0">
-        <a:scrgbClr r="0" g="0" b="0"/>
-      </a:effectRef>
-      <a:fontRef idx="minor"/>
-    </dgm:style>
-  </dgm:styleLbl>
-  <dgm:styleLbl name="revTx">
-    <dgm:scene3d>
-      <a:camera prst="orthographicFront"/>
-      <a:lightRig rig="threePt" dir="t"/>
-    </dgm:scene3d>
-    <dgm:sp3d/>
-    <dgm:txPr/>
-    <dgm:style>
-      <a:lnRef idx="0">
-        <a:scrgbClr r="0" g="0" b="0"/>
-      </a:lnRef>
-      <a:fillRef idx="0">
-        <a:scrgbClr r="0" g="0" b="0"/>
-      </a:fillRef>
-      <a:effectRef idx="0">
-        <a:scrgbClr r="0" g="0" b="0"/>
-      </a:effectRef>
-      <a:fontRef idx="minor"/>
-    </dgm:style>
-  </dgm:styleLbl>
-</dgm:styleDef>
-</file>
-
-<file path=ppt/diagrams/quickStyle3.xml><?xml version="1.0" encoding="utf-8"?>
 <dgm:styleDef xmlns:dgm="http://schemas.openxmlformats.org/drawingml/2006/diagram" xmlns:a="http://schemas.openxmlformats.org/drawingml/2006/main" uniqueId="urn:microsoft.com/office/officeart/2005/8/quickstyle/simple1">
   <dgm:title val=""/>
   <dgm:desc val=""/>
@@ -9953,7 +2964,7 @@
           <a:p>
             <a:fld id="{43F1A4C9-FB5C-B247-A357-650712A3F0A8}" type="datetimeFigureOut">
               <a:rPr lang="en-US" smtClean="0"/>
-              <a:t>10/21/2020</a:t>
+              <a:t>10/24/2020</a:t>
             </a:fld>
             <a:endParaRPr lang="en-US" dirty="0"/>
           </a:p>
@@ -10118,7 +3129,7 @@
           <a:p>
             <a:fld id="{EA4960E5-F060-4C88-B1C5-5A6F5890BEF6}" type="datetimeFigureOut">
               <a:rPr lang="en-SG" smtClean="0"/>
-              <a:t>21/10/2020</a:t>
+              <a:t>24/10/2020</a:t>
             </a:fld>
             <a:endParaRPr lang="en-SG" dirty="0"/>
           </a:p>
@@ -14089,6 +7100,45 @@
           </a:p>
         </p:txBody>
       </p:sp>
+      <p:pic>
+        <p:nvPicPr>
+          <p:cNvPr id="6" name="Picture 5">
+            <a:extLst>
+              <a:ext uri="{FF2B5EF4-FFF2-40B4-BE49-F238E27FC236}">
+                <a16:creationId xmlns:a16="http://schemas.microsoft.com/office/drawing/2014/main" id="{69D69FA5-C3EE-42C9-BC7F-B2768BBB6469}"/>
+              </a:ext>
+            </a:extLst>
+          </p:cNvPr>
+          <p:cNvPicPr/>
+          <p:nvPr/>
+        </p:nvPicPr>
+        <p:blipFill>
+          <a:blip r:embed="rId2">
+            <a:extLst>
+              <a:ext uri="{28A0092B-C50C-407E-A947-70E740481C1C}">
+                <a14:useLocalDpi xmlns:a14="http://schemas.microsoft.com/office/drawing/2010/main" val="0"/>
+              </a:ext>
+            </a:extLst>
+          </a:blip>
+          <a:srcRect/>
+          <a:stretch>
+            <a:fillRect/>
+          </a:stretch>
+        </p:blipFill>
+        <p:spPr bwMode="auto">
+          <a:xfrm>
+            <a:off x="2253868" y="2768116"/>
+            <a:ext cx="4852105" cy="2798860"/>
+          </a:xfrm>
+          <a:prstGeom prst="rect">
+            <a:avLst/>
+          </a:prstGeom>
+          <a:noFill/>
+          <a:ln>
+            <a:noFill/>
+          </a:ln>
+        </p:spPr>
+      </p:pic>
     </p:spTree>
     <p:extLst>
       <p:ext uri="{BB962C8B-B14F-4D97-AF65-F5344CB8AC3E}">
@@ -14215,34 +7265,114 @@
           </a:p>
         </p:txBody>
       </p:sp>
-      <p:graphicFrame>
-        <p:nvGraphicFramePr>
-          <p:cNvPr id="7" name="Diagram 6">
-            <a:extLst>
-              <a:ext uri="{FF2B5EF4-FFF2-40B4-BE49-F238E27FC236}">
-                <a16:creationId xmlns:a16="http://schemas.microsoft.com/office/drawing/2014/main" id="{2F2FD2DA-2940-48FA-81AD-017BD4A561FD}"/>
-              </a:ext>
-            </a:extLst>
-          </p:cNvPr>
-          <p:cNvGraphicFramePr/>
-          <p:nvPr>
-            <p:extLst>
-              <p:ext uri="{D42A27DB-BD31-4B8C-83A1-F6EECF244321}">
-                <p14:modId xmlns:p14="http://schemas.microsoft.com/office/powerpoint/2010/main" val="827953378"/>
-              </p:ext>
-            </p:extLst>
-          </p:nvPr>
-        </p:nvGraphicFramePr>
-        <p:xfrm>
-          <a:off x="2534604" y="1185862"/>
-          <a:ext cx="4106956" cy="5307022"/>
-        </p:xfrm>
-        <a:graphic>
-          <a:graphicData uri="http://schemas.openxmlformats.org/drawingml/2006/diagram">
-            <dgm:relIds xmlns:dgm="http://schemas.openxmlformats.org/drawingml/2006/diagram" xmlns:r="http://schemas.openxmlformats.org/officeDocument/2006/relationships" r:dm="rId2" r:lo="rId3" r:qs="rId4" r:cs="rId5"/>
-          </a:graphicData>
-        </a:graphic>
-      </p:graphicFrame>
+      <p:pic>
+        <p:nvPicPr>
+          <p:cNvPr id="23" name="Picture 22">
+            <a:extLst>
+              <a:ext uri="{FF2B5EF4-FFF2-40B4-BE49-F238E27FC236}">
+                <a16:creationId xmlns:a16="http://schemas.microsoft.com/office/drawing/2014/main" id="{4EAB2DCF-DF00-4F61-8E03-9D4DF7D6286B}"/>
+              </a:ext>
+            </a:extLst>
+          </p:cNvPr>
+          <p:cNvPicPr>
+            <a:picLocks noChangeAspect="1"/>
+          </p:cNvPicPr>
+          <p:nvPr/>
+        </p:nvPicPr>
+        <p:blipFill>
+          <a:blip r:embed="rId2"/>
+          <a:stretch>
+            <a:fillRect/>
+          </a:stretch>
+        </p:blipFill>
+        <p:spPr>
+          <a:xfrm>
+            <a:off x="1279397" y="1185839"/>
+            <a:ext cx="6585205" cy="4486321"/>
+          </a:xfrm>
+          <a:prstGeom prst="rect">
+            <a:avLst/>
+          </a:prstGeom>
+        </p:spPr>
+      </p:pic>
+      <p:pic>
+        <p:nvPicPr>
+          <p:cNvPr id="25" name="Picture 24">
+            <a:extLst>
+              <a:ext uri="{FF2B5EF4-FFF2-40B4-BE49-F238E27FC236}">
+                <a16:creationId xmlns:a16="http://schemas.microsoft.com/office/drawing/2014/main" id="{C46B3ECD-D09C-43CB-864E-BE32915FD96B}"/>
+              </a:ext>
+            </a:extLst>
+          </p:cNvPr>
+          <p:cNvPicPr/>
+          <p:nvPr/>
+        </p:nvPicPr>
+        <p:blipFill>
+          <a:blip r:embed="rId3">
+            <a:extLst>
+              <a:ext uri="{28A0092B-C50C-407E-A947-70E740481C1C}">
+                <a14:useLocalDpi xmlns:a14="http://schemas.microsoft.com/office/drawing/2010/main" val="0"/>
+              </a:ext>
+            </a:extLst>
+          </a:blip>
+          <a:srcRect/>
+          <a:stretch>
+            <a:fillRect/>
+          </a:stretch>
+        </p:blipFill>
+        <p:spPr bwMode="auto">
+          <a:xfrm>
+            <a:off x="4856245" y="968160"/>
+            <a:ext cx="3256915" cy="3371850"/>
+          </a:xfrm>
+          <a:prstGeom prst="rect">
+            <a:avLst/>
+          </a:prstGeom>
+          <a:noFill/>
+          <a:ln>
+            <a:noFill/>
+          </a:ln>
+        </p:spPr>
+      </p:pic>
+      <p:pic>
+        <p:nvPicPr>
+          <p:cNvPr id="26" name="Picture 25">
+            <a:extLst>
+              <a:ext uri="{FF2B5EF4-FFF2-40B4-BE49-F238E27FC236}">
+                <a16:creationId xmlns:a16="http://schemas.microsoft.com/office/drawing/2014/main" id="{B796BFCB-6A2C-4B66-B7EA-869132267DC9}"/>
+              </a:ext>
+            </a:extLst>
+          </p:cNvPr>
+          <p:cNvPicPr/>
+          <p:nvPr/>
+        </p:nvPicPr>
+        <p:blipFill>
+          <a:blip r:embed="rId4">
+            <a:extLst>
+              <a:ext uri="{28A0092B-C50C-407E-A947-70E740481C1C}">
+                <a14:useLocalDpi xmlns:a14="http://schemas.microsoft.com/office/drawing/2010/main" val="0"/>
+              </a:ext>
+            </a:extLst>
+          </a:blip>
+          <a:srcRect/>
+          <a:stretch>
+            <a:fillRect/>
+          </a:stretch>
+        </p:blipFill>
+        <p:spPr bwMode="auto">
+          <a:xfrm>
+            <a:off x="4856245" y="4729455"/>
+            <a:ext cx="3291840" cy="752475"/>
+          </a:xfrm>
+          <a:prstGeom prst="rect">
+            <a:avLst/>
+          </a:prstGeom>
+          <a:noFill/>
+          <a:ln>
+            <a:noFill/>
+          </a:ln>
+        </p:spPr>
+      </p:pic>
     </p:spTree>
     <p:extLst>
       <p:ext uri="{BB962C8B-B14F-4D97-AF65-F5344CB8AC3E}">
@@ -14918,7 +8048,7 @@
         </p:blipFill>
         <p:spPr bwMode="auto">
           <a:xfrm>
-            <a:off x="4721947" y="2061276"/>
+            <a:off x="3048130" y="2326312"/>
             <a:ext cx="2864473" cy="2205376"/>
           </a:xfrm>
           <a:prstGeom prst="rect">
@@ -14957,8 +8087,47 @@
         </p:blipFill>
         <p:spPr bwMode="auto">
           <a:xfrm>
-            <a:off x="1022888" y="1945037"/>
+            <a:off x="0" y="2107769"/>
             <a:ext cx="3399167" cy="2321614"/>
+          </a:xfrm>
+          <a:prstGeom prst="rect">
+            <a:avLst/>
+          </a:prstGeom>
+          <a:noFill/>
+          <a:ln>
+            <a:noFill/>
+          </a:ln>
+        </p:spPr>
+      </p:pic>
+      <p:pic>
+        <p:nvPicPr>
+          <p:cNvPr id="8" name="Picture 7">
+            <a:extLst>
+              <a:ext uri="{FF2B5EF4-FFF2-40B4-BE49-F238E27FC236}">
+                <a16:creationId xmlns:a16="http://schemas.microsoft.com/office/drawing/2014/main" id="{C9ED1B22-0006-4156-A77D-46259D049D59}"/>
+              </a:ext>
+            </a:extLst>
+          </p:cNvPr>
+          <p:cNvPicPr/>
+          <p:nvPr/>
+        </p:nvPicPr>
+        <p:blipFill>
+          <a:blip r:embed="rId4">
+            <a:extLst>
+              <a:ext uri="{28A0092B-C50C-407E-A947-70E740481C1C}">
+                <a14:useLocalDpi xmlns:a14="http://schemas.microsoft.com/office/drawing/2010/main" val="0"/>
+              </a:ext>
+            </a:extLst>
+          </a:blip>
+          <a:srcRect/>
+          <a:stretch>
+            <a:fillRect/>
+          </a:stretch>
+        </p:blipFill>
+        <p:spPr bwMode="auto">
+          <a:xfrm>
+            <a:off x="5744835" y="2224008"/>
+            <a:ext cx="3200400" cy="2628900"/>
           </a:xfrm>
           <a:prstGeom prst="rect">
             <a:avLst/>
@@ -15642,34 +8811,36 @@
           </a:p>
         </p:txBody>
       </p:sp>
-      <p:graphicFrame>
-        <p:nvGraphicFramePr>
-          <p:cNvPr id="8" name="Diagram 7">
-            <a:extLst>
-              <a:ext uri="{FF2B5EF4-FFF2-40B4-BE49-F238E27FC236}">
-                <a16:creationId xmlns:a16="http://schemas.microsoft.com/office/drawing/2014/main" id="{1907E522-6697-4764-BCF9-41F1CEB2BEB8}"/>
-              </a:ext>
-            </a:extLst>
-          </p:cNvPr>
-          <p:cNvGraphicFramePr/>
-          <p:nvPr>
-            <p:extLst>
-              <p:ext uri="{D42A27DB-BD31-4B8C-83A1-F6EECF244321}">
-                <p14:modId xmlns:p14="http://schemas.microsoft.com/office/powerpoint/2010/main" val="465054895"/>
-              </p:ext>
-            </p:extLst>
-          </p:nvPr>
-        </p:nvGraphicFramePr>
-        <p:xfrm>
-          <a:off x="824753" y="1075764"/>
-          <a:ext cx="7690598" cy="5253317"/>
-        </p:xfrm>
-        <a:graphic>
-          <a:graphicData uri="http://schemas.openxmlformats.org/drawingml/2006/diagram">
-            <dgm:relIds xmlns:dgm="http://schemas.openxmlformats.org/drawingml/2006/diagram" xmlns:r="http://schemas.openxmlformats.org/officeDocument/2006/relationships" r:dm="rId2" r:lo="rId3" r:qs="rId4" r:cs="rId5"/>
-          </a:graphicData>
-        </a:graphic>
-      </p:graphicFrame>
+      <p:pic>
+        <p:nvPicPr>
+          <p:cNvPr id="20" name="Picture 19">
+            <a:extLst>
+              <a:ext uri="{FF2B5EF4-FFF2-40B4-BE49-F238E27FC236}">
+                <a16:creationId xmlns:a16="http://schemas.microsoft.com/office/drawing/2014/main" id="{98CF52B6-1016-4BB9-BDCB-D0C5D951114E}"/>
+              </a:ext>
+            </a:extLst>
+          </p:cNvPr>
+          <p:cNvPicPr>
+            <a:picLocks noChangeAspect="1"/>
+          </p:cNvPicPr>
+          <p:nvPr/>
+        </p:nvPicPr>
+        <p:blipFill>
+          <a:blip r:embed="rId2"/>
+          <a:stretch>
+            <a:fillRect/>
+          </a:stretch>
+        </p:blipFill>
+        <p:spPr>
+          <a:xfrm>
+            <a:off x="2488265" y="1931348"/>
+            <a:ext cx="8059189" cy="3950259"/>
+          </a:xfrm>
+          <a:prstGeom prst="rect">
+            <a:avLst/>
+          </a:prstGeom>
+        </p:spPr>
+      </p:pic>
     </p:spTree>
     <p:extLst>
       <p:ext uri="{BB962C8B-B14F-4D97-AF65-F5344CB8AC3E}">
@@ -16369,7 +9540,7 @@
           <a:graphicData uri="http://schemas.openxmlformats.org/presentationml/2006/ole">
             <mc:AlternateContent xmlns:mc="http://schemas.openxmlformats.org/markup-compatibility/2006">
               <mc:Choice xmlns:v="urn:schemas-microsoft-com:vml" Requires="v">
-                <p:oleObj spid="_x0000_s2068" name="Bitmap Image" r:id="rId3" imgW="5014395" imgH="4572396" progId="Paint.Picture">
+                <p:oleObj spid="_x0000_s2072" name="Bitmap Image" r:id="rId3" imgW="5014395" imgH="4572396" progId="Paint.Picture">
                   <p:embed/>
                 </p:oleObj>
               </mc:Choice>
@@ -16750,7 +9921,7 @@
           <a:graphicData uri="http://schemas.openxmlformats.org/presentationml/2006/ole">
             <mc:AlternateContent xmlns:mc="http://schemas.openxmlformats.org/markup-compatibility/2006">
               <mc:Choice xmlns:v="urn:schemas-microsoft-com:vml" Requires="v">
-                <p:oleObj spid="_x0000_s6150" name="Bitmap Image" r:id="rId3" imgW="4915326" imgH="3505504" progId="Paint.Picture">
+                <p:oleObj spid="_x0000_s6154" name="Bitmap Image" r:id="rId3" imgW="4915326" imgH="3505504" progId="Paint.Picture">
                   <p:embed/>
                 </p:oleObj>
               </mc:Choice>

--- a/PracticeModule_Presentation.pptx
+++ b/PracticeModule_Presentation.pptx
@@ -5,10 +5,10 @@
     <p:sldMasterId id="2147483684" r:id="rId1"/>
   </p:sldMasterIdLst>
   <p:notesMasterIdLst>
-    <p:notesMasterId r:id="rId29"/>
+    <p:notesMasterId r:id="rId30"/>
   </p:notesMasterIdLst>
   <p:handoutMasterIdLst>
-    <p:handoutMasterId r:id="rId30"/>
+    <p:handoutMasterId r:id="rId31"/>
   </p:handoutMasterIdLst>
   <p:sldIdLst>
     <p:sldId id="281" r:id="rId2"/>
@@ -37,12 +37,13 @@
     <p:sldId id="516" r:id="rId25"/>
     <p:sldId id="507" r:id="rId26"/>
     <p:sldId id="508" r:id="rId27"/>
-    <p:sldId id="370" r:id="rId28"/>
+    <p:sldId id="517" r:id="rId28"/>
+    <p:sldId id="370" r:id="rId29"/>
   </p:sldIdLst>
   <p:sldSz cx="9144000" cy="6858000" type="screen4x3"/>
   <p:notesSz cx="7099300" cy="10234613"/>
   <p:custDataLst>
-    <p:tags r:id="rId31"/>
+    <p:tags r:id="rId32"/>
   </p:custDataLst>
   <p:defaultTextStyle>
     <a:defPPr>
@@ -9540,7 +9541,7 @@
           <a:graphicData uri="http://schemas.openxmlformats.org/presentationml/2006/ole">
             <mc:AlternateContent xmlns:mc="http://schemas.openxmlformats.org/markup-compatibility/2006">
               <mc:Choice xmlns:v="urn:schemas-microsoft-com:vml" Requires="v">
-                <p:oleObj spid="_x0000_s2072" name="Bitmap Image" r:id="rId3" imgW="5014395" imgH="4572396" progId="Paint.Picture">
+                <p:oleObj spid="_x0000_s2073" name="Bitmap Image" r:id="rId3" imgW="5014395" imgH="4572396" progId="Paint.Picture">
                   <p:embed/>
                 </p:oleObj>
               </mc:Choice>
@@ -9921,7 +9922,7 @@
           <a:graphicData uri="http://schemas.openxmlformats.org/presentationml/2006/ole">
             <mc:AlternateContent xmlns:mc="http://schemas.openxmlformats.org/markup-compatibility/2006">
               <mc:Choice xmlns:v="urn:schemas-microsoft-com:vml" Requires="v">
-                <p:oleObj spid="_x0000_s6154" name="Bitmap Image" r:id="rId3" imgW="4915326" imgH="3505504" progId="Paint.Picture">
+                <p:oleObj spid="_x0000_s6155" name="Bitmap Image" r:id="rId3" imgW="4915326" imgH="3505504" progId="Paint.Picture">
                   <p:embed/>
                 </p:oleObj>
               </mc:Choice>
@@ -11343,6 +11344,835 @@
       </p:grpSpPr>
       <p:sp>
         <p:nvSpPr>
+          <p:cNvPr id="2" name="Title 1">
+            <a:extLst>
+              <a:ext uri="{FF2B5EF4-FFF2-40B4-BE49-F238E27FC236}">
+                <a16:creationId xmlns:a16="http://schemas.microsoft.com/office/drawing/2014/main" id="{049F1383-99AC-409F-A6E3-EE83FF9D27F5}"/>
+              </a:ext>
+            </a:extLst>
+          </p:cNvPr>
+          <p:cNvSpPr>
+            <a:spLocks noGrp="1"/>
+          </p:cNvSpPr>
+          <p:nvPr>
+            <p:ph type="title"/>
+          </p:nvPr>
+        </p:nvSpPr>
+        <p:spPr/>
+        <p:txBody>
+          <a:bodyPr/>
+          <a:lstStyle/>
+          <a:p>
+            <a:r>
+              <a:rPr lang="en-US" dirty="0"/>
+              <a:t>Testing Result</a:t>
+            </a:r>
+            <a:endParaRPr lang="en-SG" dirty="0"/>
+          </a:p>
+        </p:txBody>
+      </p:sp>
+      <p:sp>
+        <p:nvSpPr>
+          <p:cNvPr id="4" name="Footer Placeholder 3">
+            <a:extLst>
+              <a:ext uri="{FF2B5EF4-FFF2-40B4-BE49-F238E27FC236}">
+                <a16:creationId xmlns:a16="http://schemas.microsoft.com/office/drawing/2014/main" id="{05D0A230-97B6-49E0-B1A3-8C63933BF90B}"/>
+              </a:ext>
+            </a:extLst>
+          </p:cNvPr>
+          <p:cNvSpPr>
+            <a:spLocks noGrp="1"/>
+          </p:cNvSpPr>
+          <p:nvPr>
+            <p:ph type="ftr" sz="quarter" idx="15"/>
+          </p:nvPr>
+        </p:nvSpPr>
+        <p:spPr/>
+        <p:txBody>
+          <a:bodyPr/>
+          <a:lstStyle/>
+          <a:p>
+            <a:pPr algn="l"/>
+            <a:r>
+              <a:rPr lang="en-SG" sz="1000" dirty="0"/>
+              <a:t>© 2018 National University of Singapore. All Rights Reserved</a:t>
+            </a:r>
+            <a:endParaRPr lang="en-SG" dirty="0"/>
+          </a:p>
+        </p:txBody>
+      </p:sp>
+      <p:sp>
+        <p:nvSpPr>
+          <p:cNvPr id="5" name="Slide Number Placeholder 4">
+            <a:extLst>
+              <a:ext uri="{FF2B5EF4-FFF2-40B4-BE49-F238E27FC236}">
+                <a16:creationId xmlns:a16="http://schemas.microsoft.com/office/drawing/2014/main" id="{2091C43B-FAE4-4E69-A40A-FD296928683C}"/>
+              </a:ext>
+            </a:extLst>
+          </p:cNvPr>
+          <p:cNvSpPr>
+            <a:spLocks noGrp="1"/>
+          </p:cNvSpPr>
+          <p:nvPr>
+            <p:ph type="sldNum" sz="quarter" idx="16"/>
+          </p:nvPr>
+        </p:nvSpPr>
+        <p:spPr/>
+        <p:txBody>
+          <a:bodyPr/>
+          <a:lstStyle/>
+          <a:p>
+            <a:fld id="{2F63C605-4FC6-46DE-BC90-871762EA3F52}" type="slidenum">
+              <a:rPr lang="en-SG" smtClean="0"/>
+              <a:pPr/>
+              <a:t>27</a:t>
+            </a:fld>
+            <a:endParaRPr lang="en-SG" dirty="0"/>
+          </a:p>
+        </p:txBody>
+      </p:sp>
+      <p:sp>
+        <p:nvSpPr>
+          <p:cNvPr id="8" name="Rectangle 2">
+            <a:extLst>
+              <a:ext uri="{FF2B5EF4-FFF2-40B4-BE49-F238E27FC236}">
+                <a16:creationId xmlns:a16="http://schemas.microsoft.com/office/drawing/2014/main" id="{5DC4C39A-8687-4F1F-9092-6710B894D423}"/>
+              </a:ext>
+            </a:extLst>
+          </p:cNvPr>
+          <p:cNvSpPr>
+            <a:spLocks noChangeArrowheads="1"/>
+          </p:cNvSpPr>
+          <p:nvPr/>
+        </p:nvSpPr>
+        <p:spPr bwMode="auto">
+          <a:xfrm>
+            <a:off x="286871" y="1379536"/>
+            <a:ext cx="11560352" cy="45719"/>
+          </a:xfrm>
+          <a:prstGeom prst="rect">
+            <a:avLst/>
+          </a:prstGeom>
+          <a:noFill/>
+          <a:ln>
+            <a:noFill/>
+          </a:ln>
+          <a:effectLst/>
+          <a:extLst>
+            <a:ext uri="{909E8E84-426E-40DD-AFC4-6F175D3DCCD1}">
+              <a14:hiddenFill xmlns:a14="http://schemas.microsoft.com/office/drawing/2010/main">
+                <a:solidFill>
+                  <a:schemeClr val="accent1"/>
+                </a:solidFill>
+              </a14:hiddenFill>
+            </a:ext>
+            <a:ext uri="{91240B29-F687-4F45-9708-019B960494DF}">
+              <a14:hiddenLine xmlns:a14="http://schemas.microsoft.com/office/drawing/2010/main" w="9525">
+                <a:solidFill>
+                  <a:schemeClr val="tx1"/>
+                </a:solidFill>
+                <a:miter lim="800000"/>
+                <a:headEnd/>
+                <a:tailEnd/>
+              </a14:hiddenLine>
+            </a:ext>
+            <a:ext uri="{AF507438-7753-43E0-B8FC-AC1667EBCBE1}">
+              <a14:hiddenEffects xmlns:a14="http://schemas.microsoft.com/office/drawing/2010/main">
+                <a:effectLst>
+                  <a:outerShdw dist="35921" dir="2700000" algn="ctr" rotWithShape="0">
+                    <a:schemeClr val="bg2"/>
+                  </a:outerShdw>
+                </a:effectLst>
+              </a14:hiddenEffects>
+            </a:ext>
+          </a:extLst>
+        </p:spPr>
+        <p:txBody>
+          <a:bodyPr vert="horz" wrap="square" lIns="91440" tIns="45720" rIns="91440" bIns="45720" numCol="1" anchor="ctr" anchorCtr="0" compatLnSpc="1">
+            <a:prstTxWarp prst="textNoShape">
+              <a:avLst/>
+            </a:prstTxWarp>
+            <a:spAutoFit/>
+          </a:bodyPr>
+          <a:lstStyle/>
+          <a:p>
+            <a:endParaRPr lang="en-US"/>
+          </a:p>
+        </p:txBody>
+      </p:sp>
+      <p:sp>
+        <p:nvSpPr>
+          <p:cNvPr id="10" name="Rectangle 4">
+            <a:extLst>
+              <a:ext uri="{FF2B5EF4-FFF2-40B4-BE49-F238E27FC236}">
+                <a16:creationId xmlns:a16="http://schemas.microsoft.com/office/drawing/2014/main" id="{5B61D517-C802-42B1-A6BB-949A98D2FF62}"/>
+              </a:ext>
+            </a:extLst>
+          </p:cNvPr>
+          <p:cNvSpPr>
+            <a:spLocks noChangeArrowheads="1"/>
+          </p:cNvSpPr>
+          <p:nvPr/>
+        </p:nvSpPr>
+        <p:spPr bwMode="auto">
+          <a:xfrm>
+            <a:off x="4902740" y="1379534"/>
+            <a:ext cx="9878537" cy="45719"/>
+          </a:xfrm>
+          <a:prstGeom prst="rect">
+            <a:avLst/>
+          </a:prstGeom>
+          <a:noFill/>
+          <a:ln>
+            <a:noFill/>
+          </a:ln>
+          <a:effectLst/>
+          <a:extLst>
+            <a:ext uri="{909E8E84-426E-40DD-AFC4-6F175D3DCCD1}">
+              <a14:hiddenFill xmlns:a14="http://schemas.microsoft.com/office/drawing/2010/main">
+                <a:solidFill>
+                  <a:schemeClr val="accent1"/>
+                </a:solidFill>
+              </a14:hiddenFill>
+            </a:ext>
+            <a:ext uri="{91240B29-F687-4F45-9708-019B960494DF}">
+              <a14:hiddenLine xmlns:a14="http://schemas.microsoft.com/office/drawing/2010/main" w="9525">
+                <a:solidFill>
+                  <a:schemeClr val="tx1"/>
+                </a:solidFill>
+                <a:miter lim="800000"/>
+                <a:headEnd/>
+                <a:tailEnd/>
+              </a14:hiddenLine>
+            </a:ext>
+            <a:ext uri="{AF507438-7753-43E0-B8FC-AC1667EBCBE1}">
+              <a14:hiddenEffects xmlns:a14="http://schemas.microsoft.com/office/drawing/2010/main">
+                <a:effectLst>
+                  <a:outerShdw dist="35921" dir="2700000" algn="ctr" rotWithShape="0">
+                    <a:schemeClr val="bg2"/>
+                  </a:outerShdw>
+                </a:effectLst>
+              </a14:hiddenEffects>
+            </a:ext>
+          </a:extLst>
+        </p:spPr>
+        <p:txBody>
+          <a:bodyPr vert="horz" wrap="square" lIns="91440" tIns="45720" rIns="91440" bIns="45720" numCol="1" anchor="ctr" anchorCtr="0" compatLnSpc="1">
+            <a:prstTxWarp prst="textNoShape">
+              <a:avLst/>
+            </a:prstTxWarp>
+            <a:spAutoFit/>
+          </a:bodyPr>
+          <a:lstStyle/>
+          <a:p>
+            <a:endParaRPr lang="en-US"/>
+          </a:p>
+        </p:txBody>
+      </p:sp>
+      <p:graphicFrame>
+        <p:nvGraphicFramePr>
+          <p:cNvPr id="7" name="Table 6">
+            <a:extLst>
+              <a:ext uri="{FF2B5EF4-FFF2-40B4-BE49-F238E27FC236}">
+                <a16:creationId xmlns:a16="http://schemas.microsoft.com/office/drawing/2014/main" id="{E540D72F-F1D4-4D50-A345-B86BCF16BB14}"/>
+              </a:ext>
+            </a:extLst>
+          </p:cNvPr>
+          <p:cNvGraphicFramePr>
+            <a:graphicFrameLocks noGrp="1"/>
+          </p:cNvGraphicFramePr>
+          <p:nvPr>
+            <p:extLst>
+              <p:ext uri="{D42A27DB-BD31-4B8C-83A1-F6EECF244321}">
+                <p14:modId xmlns:p14="http://schemas.microsoft.com/office/powerpoint/2010/main" val="3898690641"/>
+              </p:ext>
+            </p:extLst>
+          </p:nvPr>
+        </p:nvGraphicFramePr>
+        <p:xfrm>
+          <a:off x="2964145" y="2685552"/>
+          <a:ext cx="3215709" cy="1727220"/>
+        </p:xfrm>
+        <a:graphic>
+          <a:graphicData uri="http://schemas.openxmlformats.org/drawingml/2006/table">
+            <a:tbl>
+              <a:tblPr firstRow="1" firstCol="1" bandRow="1"/>
+              <a:tblGrid>
+                <a:gridCol w="2142954">
+                  <a:extLst>
+                    <a:ext uri="{9D8B030D-6E8A-4147-A177-3AD203B41FA5}">
+                      <a16:colId xmlns:a16="http://schemas.microsoft.com/office/drawing/2014/main" val="739539058"/>
+                    </a:ext>
+                  </a:extLst>
+                </a:gridCol>
+                <a:gridCol w="1072755">
+                  <a:extLst>
+                    <a:ext uri="{9D8B030D-6E8A-4147-A177-3AD203B41FA5}">
+                      <a16:colId xmlns:a16="http://schemas.microsoft.com/office/drawing/2014/main" val="897061400"/>
+                    </a:ext>
+                  </a:extLst>
+                </a:gridCol>
+              </a:tblGrid>
+              <a:tr h="287870">
+                <a:tc>
+                  <a:txBody>
+                    <a:bodyPr/>
+                    <a:lstStyle/>
+                    <a:p>
+                      <a:pPr marL="0" marR="0" indent="0" algn="just">
+                        <a:spcBef>
+                          <a:spcPts val="0"/>
+                        </a:spcBef>
+                        <a:spcAft>
+                          <a:spcPts val="0"/>
+                        </a:spcAft>
+                      </a:pPr>
+                      <a:r>
+                        <a:rPr lang="en-US" sz="800">
+                          <a:effectLst/>
+                          <a:latin typeface="Times New Roman" panose="02020603050405020304" pitchFamily="18" charset="0"/>
+                          <a:ea typeface="Times New Roman" panose="02020603050405020304" pitchFamily="18" charset="0"/>
+                        </a:rPr>
+                        <a:t> </a:t>
+                      </a:r>
+                    </a:p>
+                  </a:txBody>
+                  <a:tcPr marL="68580" marR="68580" marT="0" marB="0">
+                    <a:lnL w="12700" cap="flat" cmpd="sng" algn="ctr">
+                      <a:solidFill>
+                        <a:srgbClr val="000000"/>
+                      </a:solidFill>
+                      <a:prstDash val="solid"/>
+                      <a:round/>
+                      <a:headEnd type="none" w="med" len="med"/>
+                      <a:tailEnd type="none" w="med" len="med"/>
+                    </a:lnL>
+                    <a:lnR w="12700" cap="flat" cmpd="sng" algn="ctr">
+                      <a:solidFill>
+                        <a:srgbClr val="000000"/>
+                      </a:solidFill>
+                      <a:prstDash val="solid"/>
+                      <a:round/>
+                      <a:headEnd type="none" w="med" len="med"/>
+                      <a:tailEnd type="none" w="med" len="med"/>
+                    </a:lnR>
+                    <a:lnT w="12700" cap="flat" cmpd="sng" algn="ctr">
+                      <a:solidFill>
+                        <a:srgbClr val="000000"/>
+                      </a:solidFill>
+                      <a:prstDash val="solid"/>
+                      <a:round/>
+                      <a:headEnd type="none" w="med" len="med"/>
+                      <a:tailEnd type="none" w="med" len="med"/>
+                    </a:lnT>
+                    <a:lnB w="12700" cap="flat" cmpd="sng" algn="ctr">
+                      <a:solidFill>
+                        <a:srgbClr val="000000"/>
+                      </a:solidFill>
+                      <a:prstDash val="solid"/>
+                      <a:round/>
+                      <a:headEnd type="none" w="med" len="med"/>
+                      <a:tailEnd type="none" w="med" len="med"/>
+                    </a:lnB>
+                  </a:tcPr>
+                </a:tc>
+                <a:tc>
+                  <a:txBody>
+                    <a:bodyPr/>
+                    <a:lstStyle/>
+                    <a:p>
+                      <a:pPr marL="0" marR="0" indent="0" algn="just">
+                        <a:spcBef>
+                          <a:spcPts val="0"/>
+                        </a:spcBef>
+                        <a:spcAft>
+                          <a:spcPts val="0"/>
+                        </a:spcAft>
+                      </a:pPr>
+                      <a:r>
+                        <a:rPr lang="en-US" sz="800">
+                          <a:effectLst/>
+                          <a:latin typeface="Times New Roman" panose="02020603050405020304" pitchFamily="18" charset="0"/>
+                          <a:ea typeface="Times New Roman" panose="02020603050405020304" pitchFamily="18" charset="0"/>
+                        </a:rPr>
+                        <a:t>Accuracy</a:t>
+                      </a:r>
+                    </a:p>
+                  </a:txBody>
+                  <a:tcPr marL="68580" marR="68580" marT="0" marB="0">
+                    <a:lnL w="12700" cap="flat" cmpd="sng" algn="ctr">
+                      <a:solidFill>
+                        <a:srgbClr val="000000"/>
+                      </a:solidFill>
+                      <a:prstDash val="solid"/>
+                      <a:round/>
+                      <a:headEnd type="none" w="med" len="med"/>
+                      <a:tailEnd type="none" w="med" len="med"/>
+                    </a:lnL>
+                    <a:lnR w="12700" cap="flat" cmpd="sng" algn="ctr">
+                      <a:solidFill>
+                        <a:srgbClr val="000000"/>
+                      </a:solidFill>
+                      <a:prstDash val="solid"/>
+                      <a:round/>
+                      <a:headEnd type="none" w="med" len="med"/>
+                      <a:tailEnd type="none" w="med" len="med"/>
+                    </a:lnR>
+                    <a:lnT w="12700" cap="flat" cmpd="sng" algn="ctr">
+                      <a:solidFill>
+                        <a:srgbClr val="000000"/>
+                      </a:solidFill>
+                      <a:prstDash val="solid"/>
+                      <a:round/>
+                      <a:headEnd type="none" w="med" len="med"/>
+                      <a:tailEnd type="none" w="med" len="med"/>
+                    </a:lnT>
+                    <a:lnB w="12700" cap="flat" cmpd="sng" algn="ctr">
+                      <a:solidFill>
+                        <a:srgbClr val="000000"/>
+                      </a:solidFill>
+                      <a:prstDash val="solid"/>
+                      <a:round/>
+                      <a:headEnd type="none" w="med" len="med"/>
+                      <a:tailEnd type="none" w="med" len="med"/>
+                    </a:lnB>
+                  </a:tcPr>
+                </a:tc>
+                <a:extLst>
+                  <a:ext uri="{0D108BD9-81ED-4DB2-BD59-A6C34878D82A}">
+                    <a16:rowId xmlns:a16="http://schemas.microsoft.com/office/drawing/2014/main" val="2474751739"/>
+                  </a:ext>
+                </a:extLst>
+              </a:tr>
+              <a:tr h="575740">
+                <a:tc>
+                  <a:txBody>
+                    <a:bodyPr/>
+                    <a:lstStyle/>
+                    <a:p>
+                      <a:pPr marL="0" marR="0" indent="0" algn="just">
+                        <a:spcBef>
+                          <a:spcPts val="0"/>
+                        </a:spcBef>
+                        <a:spcAft>
+                          <a:spcPts val="0"/>
+                        </a:spcAft>
+                      </a:pPr>
+                      <a:r>
+                        <a:rPr lang="en-US" sz="800">
+                          <a:effectLst/>
+                          <a:latin typeface="Times New Roman" panose="02020603050405020304" pitchFamily="18" charset="0"/>
+                          <a:ea typeface="Times New Roman" panose="02020603050405020304" pitchFamily="18" charset="0"/>
+                        </a:rPr>
+                        <a:t>Neural Network (without RESNET)</a:t>
+                      </a:r>
+                    </a:p>
+                  </a:txBody>
+                  <a:tcPr marL="68580" marR="68580" marT="0" marB="0">
+                    <a:lnL w="12700" cap="flat" cmpd="sng" algn="ctr">
+                      <a:solidFill>
+                        <a:srgbClr val="000000"/>
+                      </a:solidFill>
+                      <a:prstDash val="solid"/>
+                      <a:round/>
+                      <a:headEnd type="none" w="med" len="med"/>
+                      <a:tailEnd type="none" w="med" len="med"/>
+                    </a:lnL>
+                    <a:lnR w="12700" cap="flat" cmpd="sng" algn="ctr">
+                      <a:solidFill>
+                        <a:srgbClr val="000000"/>
+                      </a:solidFill>
+                      <a:prstDash val="solid"/>
+                      <a:round/>
+                      <a:headEnd type="none" w="med" len="med"/>
+                      <a:tailEnd type="none" w="med" len="med"/>
+                    </a:lnR>
+                    <a:lnT w="12700" cap="flat" cmpd="sng" algn="ctr">
+                      <a:solidFill>
+                        <a:srgbClr val="000000"/>
+                      </a:solidFill>
+                      <a:prstDash val="solid"/>
+                      <a:round/>
+                      <a:headEnd type="none" w="med" len="med"/>
+                      <a:tailEnd type="none" w="med" len="med"/>
+                    </a:lnT>
+                    <a:lnB w="12700" cap="flat" cmpd="sng" algn="ctr">
+                      <a:solidFill>
+                        <a:srgbClr val="000000"/>
+                      </a:solidFill>
+                      <a:prstDash val="solid"/>
+                      <a:round/>
+                      <a:headEnd type="none" w="med" len="med"/>
+                      <a:tailEnd type="none" w="med" len="med"/>
+                    </a:lnB>
+                  </a:tcPr>
+                </a:tc>
+                <a:tc>
+                  <a:txBody>
+                    <a:bodyPr/>
+                    <a:lstStyle/>
+                    <a:p>
+                      <a:pPr marL="0" marR="0" indent="0" algn="just">
+                        <a:spcBef>
+                          <a:spcPts val="0"/>
+                        </a:spcBef>
+                        <a:spcAft>
+                          <a:spcPts val="0"/>
+                        </a:spcAft>
+                      </a:pPr>
+                      <a:r>
+                        <a:rPr lang="en-US" sz="800">
+                          <a:effectLst/>
+                          <a:latin typeface="Times New Roman" panose="02020603050405020304" pitchFamily="18" charset="0"/>
+                          <a:ea typeface="Times New Roman" panose="02020603050405020304" pitchFamily="18" charset="0"/>
+                        </a:rPr>
+                        <a:t>93.0%</a:t>
+                      </a:r>
+                    </a:p>
+                  </a:txBody>
+                  <a:tcPr marL="68580" marR="68580" marT="0" marB="0">
+                    <a:lnL w="12700" cap="flat" cmpd="sng" algn="ctr">
+                      <a:solidFill>
+                        <a:srgbClr val="000000"/>
+                      </a:solidFill>
+                      <a:prstDash val="solid"/>
+                      <a:round/>
+                      <a:headEnd type="none" w="med" len="med"/>
+                      <a:tailEnd type="none" w="med" len="med"/>
+                    </a:lnL>
+                    <a:lnR w="12700" cap="flat" cmpd="sng" algn="ctr">
+                      <a:solidFill>
+                        <a:srgbClr val="000000"/>
+                      </a:solidFill>
+                      <a:prstDash val="solid"/>
+                      <a:round/>
+                      <a:headEnd type="none" w="med" len="med"/>
+                      <a:tailEnd type="none" w="med" len="med"/>
+                    </a:lnR>
+                    <a:lnT w="12700" cap="flat" cmpd="sng" algn="ctr">
+                      <a:solidFill>
+                        <a:srgbClr val="000000"/>
+                      </a:solidFill>
+                      <a:prstDash val="solid"/>
+                      <a:round/>
+                      <a:headEnd type="none" w="med" len="med"/>
+                      <a:tailEnd type="none" w="med" len="med"/>
+                    </a:lnT>
+                    <a:lnB w="12700" cap="flat" cmpd="sng" algn="ctr">
+                      <a:solidFill>
+                        <a:srgbClr val="000000"/>
+                      </a:solidFill>
+                      <a:prstDash val="solid"/>
+                      <a:round/>
+                      <a:headEnd type="none" w="med" len="med"/>
+                      <a:tailEnd type="none" w="med" len="med"/>
+                    </a:lnB>
+                  </a:tcPr>
+                </a:tc>
+                <a:extLst>
+                  <a:ext uri="{0D108BD9-81ED-4DB2-BD59-A6C34878D82A}">
+                    <a16:rowId xmlns:a16="http://schemas.microsoft.com/office/drawing/2014/main" val="72878464"/>
+                  </a:ext>
+                </a:extLst>
+              </a:tr>
+              <a:tr h="575740">
+                <a:tc>
+                  <a:txBody>
+                    <a:bodyPr/>
+                    <a:lstStyle/>
+                    <a:p>
+                      <a:pPr marL="0" marR="0" indent="0" algn="just">
+                        <a:spcBef>
+                          <a:spcPts val="0"/>
+                        </a:spcBef>
+                        <a:spcAft>
+                          <a:spcPts val="0"/>
+                        </a:spcAft>
+                      </a:pPr>
+                      <a:r>
+                        <a:rPr lang="en-US" sz="800">
+                          <a:effectLst/>
+                          <a:latin typeface="Times New Roman" panose="02020603050405020304" pitchFamily="18" charset="0"/>
+                          <a:ea typeface="Times New Roman" panose="02020603050405020304" pitchFamily="18" charset="0"/>
+                        </a:rPr>
+                        <a:t>RESNET Enhanced Neural Network</a:t>
+                      </a:r>
+                    </a:p>
+                  </a:txBody>
+                  <a:tcPr marL="68580" marR="68580" marT="0" marB="0">
+                    <a:lnL w="12700" cap="flat" cmpd="sng" algn="ctr">
+                      <a:solidFill>
+                        <a:srgbClr val="000000"/>
+                      </a:solidFill>
+                      <a:prstDash val="solid"/>
+                      <a:round/>
+                      <a:headEnd type="none" w="med" len="med"/>
+                      <a:tailEnd type="none" w="med" len="med"/>
+                    </a:lnL>
+                    <a:lnR w="12700" cap="flat" cmpd="sng" algn="ctr">
+                      <a:solidFill>
+                        <a:srgbClr val="000000"/>
+                      </a:solidFill>
+                      <a:prstDash val="solid"/>
+                      <a:round/>
+                      <a:headEnd type="none" w="med" len="med"/>
+                      <a:tailEnd type="none" w="med" len="med"/>
+                    </a:lnR>
+                    <a:lnT w="12700" cap="flat" cmpd="sng" algn="ctr">
+                      <a:solidFill>
+                        <a:srgbClr val="000000"/>
+                      </a:solidFill>
+                      <a:prstDash val="solid"/>
+                      <a:round/>
+                      <a:headEnd type="none" w="med" len="med"/>
+                      <a:tailEnd type="none" w="med" len="med"/>
+                    </a:lnT>
+                    <a:lnB w="12700" cap="flat" cmpd="sng" algn="ctr">
+                      <a:solidFill>
+                        <a:srgbClr val="000000"/>
+                      </a:solidFill>
+                      <a:prstDash val="solid"/>
+                      <a:round/>
+                      <a:headEnd type="none" w="med" len="med"/>
+                      <a:tailEnd type="none" w="med" len="med"/>
+                    </a:lnB>
+                  </a:tcPr>
+                </a:tc>
+                <a:tc>
+                  <a:txBody>
+                    <a:bodyPr/>
+                    <a:lstStyle/>
+                    <a:p>
+                      <a:pPr marL="0" marR="0" indent="0" algn="just">
+                        <a:spcBef>
+                          <a:spcPts val="0"/>
+                        </a:spcBef>
+                        <a:spcAft>
+                          <a:spcPts val="0"/>
+                        </a:spcAft>
+                      </a:pPr>
+                      <a:r>
+                        <a:rPr lang="en-US" sz="800">
+                          <a:effectLst/>
+                          <a:latin typeface="Times New Roman" panose="02020603050405020304" pitchFamily="18" charset="0"/>
+                          <a:ea typeface="Times New Roman" panose="02020603050405020304" pitchFamily="18" charset="0"/>
+                        </a:rPr>
+                        <a:t>94.8%</a:t>
+                      </a:r>
+                    </a:p>
+                  </a:txBody>
+                  <a:tcPr marL="68580" marR="68580" marT="0" marB="0">
+                    <a:lnL w="12700" cap="flat" cmpd="sng" algn="ctr">
+                      <a:solidFill>
+                        <a:srgbClr val="000000"/>
+                      </a:solidFill>
+                      <a:prstDash val="solid"/>
+                      <a:round/>
+                      <a:headEnd type="none" w="med" len="med"/>
+                      <a:tailEnd type="none" w="med" len="med"/>
+                    </a:lnL>
+                    <a:lnR w="12700" cap="flat" cmpd="sng" algn="ctr">
+                      <a:solidFill>
+                        <a:srgbClr val="000000"/>
+                      </a:solidFill>
+                      <a:prstDash val="solid"/>
+                      <a:round/>
+                      <a:headEnd type="none" w="med" len="med"/>
+                      <a:tailEnd type="none" w="med" len="med"/>
+                    </a:lnR>
+                    <a:lnT w="12700" cap="flat" cmpd="sng" algn="ctr">
+                      <a:solidFill>
+                        <a:srgbClr val="000000"/>
+                      </a:solidFill>
+                      <a:prstDash val="solid"/>
+                      <a:round/>
+                      <a:headEnd type="none" w="med" len="med"/>
+                      <a:tailEnd type="none" w="med" len="med"/>
+                    </a:lnT>
+                    <a:lnB w="12700" cap="flat" cmpd="sng" algn="ctr">
+                      <a:solidFill>
+                        <a:srgbClr val="000000"/>
+                      </a:solidFill>
+                      <a:prstDash val="solid"/>
+                      <a:round/>
+                      <a:headEnd type="none" w="med" len="med"/>
+                      <a:tailEnd type="none" w="med" len="med"/>
+                    </a:lnB>
+                  </a:tcPr>
+                </a:tc>
+                <a:extLst>
+                  <a:ext uri="{0D108BD9-81ED-4DB2-BD59-A6C34878D82A}">
+                    <a16:rowId xmlns:a16="http://schemas.microsoft.com/office/drawing/2014/main" val="3676038690"/>
+                  </a:ext>
+                </a:extLst>
+              </a:tr>
+              <a:tr h="287870">
+                <a:tc>
+                  <a:txBody>
+                    <a:bodyPr/>
+                    <a:lstStyle/>
+                    <a:p>
+                      <a:pPr marL="0" marR="0" indent="0" algn="just">
+                        <a:spcBef>
+                          <a:spcPts val="0"/>
+                        </a:spcBef>
+                        <a:spcAft>
+                          <a:spcPts val="0"/>
+                        </a:spcAft>
+                      </a:pPr>
+                      <a:r>
+                        <a:rPr lang="en-US" sz="800">
+                          <a:effectLst/>
+                          <a:latin typeface="Times New Roman" panose="02020603050405020304" pitchFamily="18" charset="0"/>
+                          <a:ea typeface="Times New Roman" panose="02020603050405020304" pitchFamily="18" charset="0"/>
+                        </a:rPr>
+                        <a:t>K-Means</a:t>
+                      </a:r>
+                    </a:p>
+                  </a:txBody>
+                  <a:tcPr marL="68580" marR="68580" marT="0" marB="0">
+                    <a:lnL w="12700" cap="flat" cmpd="sng" algn="ctr">
+                      <a:solidFill>
+                        <a:srgbClr val="000000"/>
+                      </a:solidFill>
+                      <a:prstDash val="solid"/>
+                      <a:round/>
+                      <a:headEnd type="none" w="med" len="med"/>
+                      <a:tailEnd type="none" w="med" len="med"/>
+                    </a:lnL>
+                    <a:lnR w="12700" cap="flat" cmpd="sng" algn="ctr">
+                      <a:solidFill>
+                        <a:srgbClr val="000000"/>
+                      </a:solidFill>
+                      <a:prstDash val="solid"/>
+                      <a:round/>
+                      <a:headEnd type="none" w="med" len="med"/>
+                      <a:tailEnd type="none" w="med" len="med"/>
+                    </a:lnR>
+                    <a:lnT w="12700" cap="flat" cmpd="sng" algn="ctr">
+                      <a:solidFill>
+                        <a:srgbClr val="000000"/>
+                      </a:solidFill>
+                      <a:prstDash val="solid"/>
+                      <a:round/>
+                      <a:headEnd type="none" w="med" len="med"/>
+                      <a:tailEnd type="none" w="med" len="med"/>
+                    </a:lnT>
+                    <a:lnB w="12700" cap="flat" cmpd="sng" algn="ctr">
+                      <a:solidFill>
+                        <a:srgbClr val="000000"/>
+                      </a:solidFill>
+                      <a:prstDash val="solid"/>
+                      <a:round/>
+                      <a:headEnd type="none" w="med" len="med"/>
+                      <a:tailEnd type="none" w="med" len="med"/>
+                    </a:lnB>
+                  </a:tcPr>
+                </a:tc>
+                <a:tc>
+                  <a:txBody>
+                    <a:bodyPr/>
+                    <a:lstStyle/>
+                    <a:p>
+                      <a:pPr marL="0" marR="0" indent="0" algn="just">
+                        <a:spcBef>
+                          <a:spcPts val="0"/>
+                        </a:spcBef>
+                        <a:spcAft>
+                          <a:spcPts val="0"/>
+                        </a:spcAft>
+                      </a:pPr>
+                      <a:r>
+                        <a:rPr lang="en-US" sz="800" dirty="0">
+                          <a:effectLst/>
+                          <a:latin typeface="Times New Roman" panose="02020603050405020304" pitchFamily="18" charset="0"/>
+                          <a:ea typeface="Times New Roman" panose="02020603050405020304" pitchFamily="18" charset="0"/>
+                        </a:rPr>
+                        <a:t>70%</a:t>
+                      </a:r>
+                    </a:p>
+                  </a:txBody>
+                  <a:tcPr marL="68580" marR="68580" marT="0" marB="0">
+                    <a:lnL w="12700" cap="flat" cmpd="sng" algn="ctr">
+                      <a:solidFill>
+                        <a:srgbClr val="000000"/>
+                      </a:solidFill>
+                      <a:prstDash val="solid"/>
+                      <a:round/>
+                      <a:headEnd type="none" w="med" len="med"/>
+                      <a:tailEnd type="none" w="med" len="med"/>
+                    </a:lnL>
+                    <a:lnR w="12700" cap="flat" cmpd="sng" algn="ctr">
+                      <a:solidFill>
+                        <a:srgbClr val="000000"/>
+                      </a:solidFill>
+                      <a:prstDash val="solid"/>
+                      <a:round/>
+                      <a:headEnd type="none" w="med" len="med"/>
+                      <a:tailEnd type="none" w="med" len="med"/>
+                    </a:lnR>
+                    <a:lnT w="12700" cap="flat" cmpd="sng" algn="ctr">
+                      <a:solidFill>
+                        <a:srgbClr val="000000"/>
+                      </a:solidFill>
+                      <a:prstDash val="solid"/>
+                      <a:round/>
+                      <a:headEnd type="none" w="med" len="med"/>
+                      <a:tailEnd type="none" w="med" len="med"/>
+                    </a:lnT>
+                    <a:lnB w="12700" cap="flat" cmpd="sng" algn="ctr">
+                      <a:solidFill>
+                        <a:srgbClr val="000000"/>
+                      </a:solidFill>
+                      <a:prstDash val="solid"/>
+                      <a:round/>
+                      <a:headEnd type="none" w="med" len="med"/>
+                      <a:tailEnd type="none" w="med" len="med"/>
+                    </a:lnB>
+                  </a:tcPr>
+                </a:tc>
+                <a:extLst>
+                  <a:ext uri="{0D108BD9-81ED-4DB2-BD59-A6C34878D82A}">
+                    <a16:rowId xmlns:a16="http://schemas.microsoft.com/office/drawing/2014/main" val="289881299"/>
+                  </a:ext>
+                </a:extLst>
+              </a:tr>
+            </a:tbl>
+          </a:graphicData>
+        </a:graphic>
+      </p:graphicFrame>
+    </p:spTree>
+    <p:extLst>
+      <p:ext uri="{BB962C8B-B14F-4D97-AF65-F5344CB8AC3E}">
+        <p14:creationId xmlns:p14="http://schemas.microsoft.com/office/powerpoint/2010/main" val="3673623770"/>
+      </p:ext>
+    </p:extLst>
+  </p:cSld>
+  <p:clrMapOvr>
+    <a:masterClrMapping/>
+  </p:clrMapOvr>
+</p:sld>
+</file>
+
+<file path=ppt/slides/slide28.xml><?xml version="1.0" encoding="utf-8"?>
+<p:sld xmlns:a="http://schemas.openxmlformats.org/drawingml/2006/main" xmlns:r="http://schemas.openxmlformats.org/officeDocument/2006/relationships" xmlns:p="http://schemas.openxmlformats.org/presentationml/2006/main">
+  <p:cSld>
+    <p:spTree>
+      <p:nvGrpSpPr>
+        <p:cNvPr id="1" name=""/>
+        <p:cNvGrpSpPr/>
+        <p:nvPr/>
+      </p:nvGrpSpPr>
+      <p:grpSpPr>
+        <a:xfrm>
+          <a:off x="0" y="0"/>
+          <a:ext cx="0" cy="0"/>
+          <a:chOff x="0" y="0"/>
+          <a:chExt cx="0" cy="0"/>
+        </a:xfrm>
+      </p:grpSpPr>
+      <p:sp>
+        <p:nvSpPr>
           <p:cNvPr id="2" name="Title 1"/>
           <p:cNvSpPr>
             <a:spLocks noGrp="1"/>
@@ -11417,7 +12247,7 @@
             <a:fld id="{2F63C605-4FC6-46DE-BC90-871762EA3F52}" type="slidenum">
               <a:rPr lang="en-SG" smtClean="0"/>
               <a:pPr/>
-              <a:t>27</a:t>
+              <a:t>28</a:t>
             </a:fld>
             <a:endParaRPr lang="en-SG" dirty="0"/>
           </a:p>

--- a/PracticeModule_Presentation.pptx
+++ b/PracticeModule_Presentation.pptx
@@ -5,10 +5,10 @@
     <p:sldMasterId id="2147483684" r:id="rId1"/>
   </p:sldMasterIdLst>
   <p:notesMasterIdLst>
-    <p:notesMasterId r:id="rId30"/>
+    <p:notesMasterId r:id="rId34"/>
   </p:notesMasterIdLst>
   <p:handoutMasterIdLst>
-    <p:handoutMasterId r:id="rId31"/>
+    <p:handoutMasterId r:id="rId35"/>
   </p:handoutMasterIdLst>
   <p:sldIdLst>
     <p:sldId id="281" r:id="rId2"/>
@@ -38,12 +38,16 @@
     <p:sldId id="507" r:id="rId26"/>
     <p:sldId id="508" r:id="rId27"/>
     <p:sldId id="517" r:id="rId28"/>
-    <p:sldId id="370" r:id="rId29"/>
+    <p:sldId id="518" r:id="rId29"/>
+    <p:sldId id="519" r:id="rId30"/>
+    <p:sldId id="520" r:id="rId31"/>
+    <p:sldId id="521" r:id="rId32"/>
+    <p:sldId id="370" r:id="rId33"/>
   </p:sldIdLst>
   <p:sldSz cx="9144000" cy="6858000" type="screen4x3"/>
   <p:notesSz cx="7099300" cy="10234613"/>
   <p:custDataLst>
-    <p:tags r:id="rId32"/>
+    <p:tags r:id="rId36"/>
   </p:custDataLst>
   <p:defaultTextStyle>
     <a:defPPr>
@@ -1084,14 +1088,35 @@
         </dgm:presLayoutVars>
       </dgm:prSet>
       <dgm:spPr/>
+      <dgm:t>
+        <a:bodyPr/>
+        <a:lstStyle/>
+        <a:p>
+          <a:endParaRPr lang="en-US"/>
+        </a:p>
+      </dgm:t>
     </dgm:pt>
     <dgm:pt modelId="{4B5D39CA-8147-4B81-8770-5E31FC6D1CFB}" type="pres">
       <dgm:prSet presAssocID="{91D0FCC9-0385-42AC-A8E5-78283D5D669C}" presName="sibTrans" presStyleLbl="sibTrans2D1" presStyleIdx="0" presStyleCnt="3"/>
       <dgm:spPr/>
+      <dgm:t>
+        <a:bodyPr/>
+        <a:lstStyle/>
+        <a:p>
+          <a:endParaRPr lang="en-US"/>
+        </a:p>
+      </dgm:t>
     </dgm:pt>
     <dgm:pt modelId="{41341A21-0806-411D-A443-625FA97E4491}" type="pres">
       <dgm:prSet presAssocID="{91D0FCC9-0385-42AC-A8E5-78283D5D669C}" presName="connectorText" presStyleLbl="sibTrans2D1" presStyleIdx="0" presStyleCnt="3"/>
       <dgm:spPr/>
+      <dgm:t>
+        <a:bodyPr/>
+        <a:lstStyle/>
+        <a:p>
+          <a:endParaRPr lang="en-US"/>
+        </a:p>
+      </dgm:t>
     </dgm:pt>
     <dgm:pt modelId="{EA5BC1ED-EB03-45BA-BC56-621EEE9BEBD1}" type="pres">
       <dgm:prSet presAssocID="{92249E20-58D4-4E75-BB12-FE5FBD54F135}" presName="node" presStyleLbl="node1" presStyleIdx="1" presStyleCnt="4">
@@ -1100,14 +1125,35 @@
         </dgm:presLayoutVars>
       </dgm:prSet>
       <dgm:spPr/>
+      <dgm:t>
+        <a:bodyPr/>
+        <a:lstStyle/>
+        <a:p>
+          <a:endParaRPr lang="en-US"/>
+        </a:p>
+      </dgm:t>
     </dgm:pt>
     <dgm:pt modelId="{95B3EF49-35D3-4519-9F1F-B39D5A0566E4}" type="pres">
       <dgm:prSet presAssocID="{0B72DC99-4E95-4ADB-960C-E769354E6A5D}" presName="sibTrans" presStyleLbl="sibTrans2D1" presStyleIdx="1" presStyleCnt="3"/>
       <dgm:spPr/>
+      <dgm:t>
+        <a:bodyPr/>
+        <a:lstStyle/>
+        <a:p>
+          <a:endParaRPr lang="en-US"/>
+        </a:p>
+      </dgm:t>
     </dgm:pt>
     <dgm:pt modelId="{9B203DD1-3145-4590-8ACC-2517ACFE25A8}" type="pres">
       <dgm:prSet presAssocID="{0B72DC99-4E95-4ADB-960C-E769354E6A5D}" presName="connectorText" presStyleLbl="sibTrans2D1" presStyleIdx="1" presStyleCnt="3"/>
       <dgm:spPr/>
+      <dgm:t>
+        <a:bodyPr/>
+        <a:lstStyle/>
+        <a:p>
+          <a:endParaRPr lang="en-US"/>
+        </a:p>
+      </dgm:t>
     </dgm:pt>
     <dgm:pt modelId="{A37733E1-C31E-4430-AEEA-7CC4BDFAF84B}" type="pres">
       <dgm:prSet presAssocID="{38DD500D-6BEB-44F1-A480-39EBC85B7D1B}" presName="node" presStyleLbl="node1" presStyleIdx="2" presStyleCnt="4">
@@ -1116,14 +1162,35 @@
         </dgm:presLayoutVars>
       </dgm:prSet>
       <dgm:spPr/>
+      <dgm:t>
+        <a:bodyPr/>
+        <a:lstStyle/>
+        <a:p>
+          <a:endParaRPr lang="en-US"/>
+        </a:p>
+      </dgm:t>
     </dgm:pt>
     <dgm:pt modelId="{7300E7F4-ED3F-436A-A1F0-90BEABB46E71}" type="pres">
       <dgm:prSet presAssocID="{6D1E928F-781F-462C-A8AC-2A960BFDA67A}" presName="sibTrans" presStyleLbl="sibTrans2D1" presStyleIdx="2" presStyleCnt="3"/>
       <dgm:spPr/>
+      <dgm:t>
+        <a:bodyPr/>
+        <a:lstStyle/>
+        <a:p>
+          <a:endParaRPr lang="en-US"/>
+        </a:p>
+      </dgm:t>
     </dgm:pt>
     <dgm:pt modelId="{D7B13FD1-4A98-4993-ACFA-933B70FB5D81}" type="pres">
       <dgm:prSet presAssocID="{6D1E928F-781F-462C-A8AC-2A960BFDA67A}" presName="connectorText" presStyleLbl="sibTrans2D1" presStyleIdx="2" presStyleCnt="3"/>
       <dgm:spPr/>
+      <dgm:t>
+        <a:bodyPr/>
+        <a:lstStyle/>
+        <a:p>
+          <a:endParaRPr lang="en-US"/>
+        </a:p>
+      </dgm:t>
     </dgm:pt>
     <dgm:pt modelId="{F65F4BF1-A7B9-4C27-8B28-16C04C25982E}" type="pres">
       <dgm:prSet presAssocID="{764C4D4F-B7F7-4995-9F46-8E01C62C581B}" presName="node" presStyleLbl="node1" presStyleIdx="3" presStyleCnt="4">
@@ -1132,23 +1199,30 @@
         </dgm:presLayoutVars>
       </dgm:prSet>
       <dgm:spPr/>
+      <dgm:t>
+        <a:bodyPr/>
+        <a:lstStyle/>
+        <a:p>
+          <a:endParaRPr lang="en-US"/>
+        </a:p>
+      </dgm:t>
     </dgm:pt>
   </dgm:ptLst>
   <dgm:cxnLst>
+    <dgm:cxn modelId="{3EBFAACE-A4CF-4057-9EC8-3A59330D069F}" type="presOf" srcId="{69C95212-ACBD-498E-A011-59076A4285CB}" destId="{4D4E5D9B-DE30-46F3-864F-B20CBCB47B81}" srcOrd="0" destOrd="0" presId="urn:microsoft.com/office/officeart/2005/8/layout/process1"/>
+    <dgm:cxn modelId="{2D076695-4491-4B11-95EC-7786C59603C3}" type="presOf" srcId="{0B72DC99-4E95-4ADB-960C-E769354E6A5D}" destId="{95B3EF49-35D3-4519-9F1F-B39D5A0566E4}" srcOrd="0" destOrd="0" presId="urn:microsoft.com/office/officeart/2005/8/layout/process1"/>
+    <dgm:cxn modelId="{05EBE6A4-21D9-4E6D-96DC-9D3E50C88595}" type="presOf" srcId="{38DD500D-6BEB-44F1-A480-39EBC85B7D1B}" destId="{A37733E1-C31E-4430-AEEA-7CC4BDFAF84B}" srcOrd="0" destOrd="0" presId="urn:microsoft.com/office/officeart/2005/8/layout/process1"/>
+    <dgm:cxn modelId="{B7AF3A68-AEB3-4860-978B-B262BEBB9ECB}" type="presOf" srcId="{6D1E928F-781F-462C-A8AC-2A960BFDA67A}" destId="{7300E7F4-ED3F-436A-A1F0-90BEABB46E71}" srcOrd="0" destOrd="0" presId="urn:microsoft.com/office/officeart/2005/8/layout/process1"/>
+    <dgm:cxn modelId="{31005A28-3819-43FC-A794-27C122A41925}" srcId="{9496E0A2-784B-483A-9A32-E68AF617843D}" destId="{38DD500D-6BEB-44F1-A480-39EBC85B7D1B}" srcOrd="2" destOrd="0" parTransId="{3CE2BC79-A484-4240-A2CB-1BC232A1E53F}" sibTransId="{6D1E928F-781F-462C-A8AC-2A960BFDA67A}"/>
+    <dgm:cxn modelId="{01F09420-6EB0-4A7F-B4CE-2315FD06751C}" type="presOf" srcId="{6D1E928F-781F-462C-A8AC-2A960BFDA67A}" destId="{D7B13FD1-4A98-4993-ACFA-933B70FB5D81}" srcOrd="1" destOrd="0" presId="urn:microsoft.com/office/officeart/2005/8/layout/process1"/>
+    <dgm:cxn modelId="{1530AF90-D573-4EFA-A3BC-840C3370D71B}" srcId="{9496E0A2-784B-483A-9A32-E68AF617843D}" destId="{764C4D4F-B7F7-4995-9F46-8E01C62C581B}" srcOrd="3" destOrd="0" parTransId="{A6A82594-4016-4707-8656-642BA426B3D4}" sibTransId="{356D9044-9DCA-4929-92DF-A2BDE3B61A47}"/>
+    <dgm:cxn modelId="{D1CF8BBB-F3E6-4482-8B69-D1BE9774788E}" type="presOf" srcId="{91D0FCC9-0385-42AC-A8E5-78283D5D669C}" destId="{4B5D39CA-8147-4B81-8770-5E31FC6D1CFB}" srcOrd="0" destOrd="0" presId="urn:microsoft.com/office/officeart/2005/8/layout/process1"/>
+    <dgm:cxn modelId="{5E0FD1A2-149D-4CF9-AEE7-688223EDC542}" type="presOf" srcId="{764C4D4F-B7F7-4995-9F46-8E01C62C581B}" destId="{F65F4BF1-A7B9-4C27-8B28-16C04C25982E}" srcOrd="0" destOrd="0" presId="urn:microsoft.com/office/officeart/2005/8/layout/process1"/>
+    <dgm:cxn modelId="{79D506E8-F752-4BA4-B280-EF0BEBC86F63}" srcId="{9496E0A2-784B-483A-9A32-E68AF617843D}" destId="{92249E20-58D4-4E75-BB12-FE5FBD54F135}" srcOrd="1" destOrd="0" parTransId="{105B3AA3-CBE4-4ECA-BC44-B6DCA5E7A036}" sibTransId="{0B72DC99-4E95-4ADB-960C-E769354E6A5D}"/>
     <dgm:cxn modelId="{23BC981F-CC7C-4D5F-91BD-DE6EC72DB040}" srcId="{9496E0A2-784B-483A-9A32-E68AF617843D}" destId="{69C95212-ACBD-498E-A011-59076A4285CB}" srcOrd="0" destOrd="0" parTransId="{BF3D5BE3-835C-4027-9271-54CEA95A0702}" sibTransId="{91D0FCC9-0385-42AC-A8E5-78283D5D669C}"/>
-    <dgm:cxn modelId="{01F09420-6EB0-4A7F-B4CE-2315FD06751C}" type="presOf" srcId="{6D1E928F-781F-462C-A8AC-2A960BFDA67A}" destId="{D7B13FD1-4A98-4993-ACFA-933B70FB5D81}" srcOrd="1" destOrd="0" presId="urn:microsoft.com/office/officeart/2005/8/layout/process1"/>
-    <dgm:cxn modelId="{31005A28-3819-43FC-A794-27C122A41925}" srcId="{9496E0A2-784B-483A-9A32-E68AF617843D}" destId="{38DD500D-6BEB-44F1-A480-39EBC85B7D1B}" srcOrd="2" destOrd="0" parTransId="{3CE2BC79-A484-4240-A2CB-1BC232A1E53F}" sibTransId="{6D1E928F-781F-462C-A8AC-2A960BFDA67A}"/>
-    <dgm:cxn modelId="{B7AF3A68-AEB3-4860-978B-B262BEBB9ECB}" type="presOf" srcId="{6D1E928F-781F-462C-A8AC-2A960BFDA67A}" destId="{7300E7F4-ED3F-436A-A1F0-90BEABB46E71}" srcOrd="0" destOrd="0" presId="urn:microsoft.com/office/officeart/2005/8/layout/process1"/>
     <dgm:cxn modelId="{F4BB5269-9705-4D80-8BF8-3B73A8F8EE8D}" type="presOf" srcId="{91D0FCC9-0385-42AC-A8E5-78283D5D669C}" destId="{41341A21-0806-411D-A443-625FA97E4491}" srcOrd="1" destOrd="0" presId="urn:microsoft.com/office/officeart/2005/8/layout/process1"/>
     <dgm:cxn modelId="{FEAE6454-4E5D-4190-8A76-D27FC4FC4790}" type="presOf" srcId="{9496E0A2-784B-483A-9A32-E68AF617843D}" destId="{9EA8A120-7984-4A2B-9532-24393BA5D7A2}" srcOrd="0" destOrd="0" presId="urn:microsoft.com/office/officeart/2005/8/layout/process1"/>
     <dgm:cxn modelId="{F8BD9F76-8AA1-4A33-B686-C2C5DEA97305}" type="presOf" srcId="{0B72DC99-4E95-4ADB-960C-E769354E6A5D}" destId="{9B203DD1-3145-4590-8ACC-2517ACFE25A8}" srcOrd="1" destOrd="0" presId="urn:microsoft.com/office/officeart/2005/8/layout/process1"/>
-    <dgm:cxn modelId="{1530AF90-D573-4EFA-A3BC-840C3370D71B}" srcId="{9496E0A2-784B-483A-9A32-E68AF617843D}" destId="{764C4D4F-B7F7-4995-9F46-8E01C62C581B}" srcOrd="3" destOrd="0" parTransId="{A6A82594-4016-4707-8656-642BA426B3D4}" sibTransId="{356D9044-9DCA-4929-92DF-A2BDE3B61A47}"/>
-    <dgm:cxn modelId="{2D076695-4491-4B11-95EC-7786C59603C3}" type="presOf" srcId="{0B72DC99-4E95-4ADB-960C-E769354E6A5D}" destId="{95B3EF49-35D3-4519-9F1F-B39D5A0566E4}" srcOrd="0" destOrd="0" presId="urn:microsoft.com/office/officeart/2005/8/layout/process1"/>
-    <dgm:cxn modelId="{5E0FD1A2-149D-4CF9-AEE7-688223EDC542}" type="presOf" srcId="{764C4D4F-B7F7-4995-9F46-8E01C62C581B}" destId="{F65F4BF1-A7B9-4C27-8B28-16C04C25982E}" srcOrd="0" destOrd="0" presId="urn:microsoft.com/office/officeart/2005/8/layout/process1"/>
-    <dgm:cxn modelId="{05EBE6A4-21D9-4E6D-96DC-9D3E50C88595}" type="presOf" srcId="{38DD500D-6BEB-44F1-A480-39EBC85B7D1B}" destId="{A37733E1-C31E-4430-AEEA-7CC4BDFAF84B}" srcOrd="0" destOrd="0" presId="urn:microsoft.com/office/officeart/2005/8/layout/process1"/>
-    <dgm:cxn modelId="{D1CF8BBB-F3E6-4482-8B69-D1BE9774788E}" type="presOf" srcId="{91D0FCC9-0385-42AC-A8E5-78283D5D669C}" destId="{4B5D39CA-8147-4B81-8770-5E31FC6D1CFB}" srcOrd="0" destOrd="0" presId="urn:microsoft.com/office/officeart/2005/8/layout/process1"/>
-    <dgm:cxn modelId="{3EBFAACE-A4CF-4057-9EC8-3A59330D069F}" type="presOf" srcId="{69C95212-ACBD-498E-A011-59076A4285CB}" destId="{4D4E5D9B-DE30-46F3-864F-B20CBCB47B81}" srcOrd="0" destOrd="0" presId="urn:microsoft.com/office/officeart/2005/8/layout/process1"/>
-    <dgm:cxn modelId="{79D506E8-F752-4BA4-B280-EF0BEBC86F63}" srcId="{9496E0A2-784B-483A-9A32-E68AF617843D}" destId="{92249E20-58D4-4E75-BB12-FE5FBD54F135}" srcOrd="1" destOrd="0" parTransId="{105B3AA3-CBE4-4ECA-BC44-B6DCA5E7A036}" sibTransId="{0B72DC99-4E95-4ADB-960C-E769354E6A5D}"/>
     <dgm:cxn modelId="{099D99FB-52B2-434C-BA10-1675505A420B}" type="presOf" srcId="{92249E20-58D4-4E75-BB12-FE5FBD54F135}" destId="{EA5BC1ED-EB03-45BA-BC56-621EEE9BEBD1}" srcOrd="0" destOrd="0" presId="urn:microsoft.com/office/officeart/2005/8/layout/process1"/>
     <dgm:cxn modelId="{DA8115C2-D2F4-4CCB-9D90-0A509018B8F1}" type="presParOf" srcId="{9EA8A120-7984-4A2B-9532-24393BA5D7A2}" destId="{4D4E5D9B-DE30-46F3-864F-B20CBCB47B81}" srcOrd="0" destOrd="0" presId="urn:microsoft.com/office/officeart/2005/8/layout/process1"/>
     <dgm:cxn modelId="{0C3F32CC-6A85-4291-B66A-941971627454}" type="presParOf" srcId="{9EA8A120-7984-4A2B-9532-24393BA5D7A2}" destId="{4B5D39CA-8147-4B81-8770-5E31FC6D1CFB}" srcOrd="1" destOrd="0" presId="urn:microsoft.com/office/officeart/2005/8/layout/process1"/>
@@ -1236,7 +1310,7 @@
         </a:bodyPr>
         <a:lstStyle/>
         <a:p>
-          <a:pPr marL="0" lvl="0" indent="0" algn="ctr" defTabSz="844550">
+          <a:pPr lvl="0" algn="ctr" defTabSz="844550">
             <a:lnSpc>
               <a:spcPct val="90000"/>
             </a:lnSpc>
@@ -1246,7 +1320,6 @@
             <a:spcAft>
               <a:spcPct val="35000"/>
             </a:spcAft>
-            <a:buNone/>
           </a:pPr>
           <a:r>
             <a:rPr lang="en-US" sz="1900" kern="1200"/>
@@ -1309,7 +1382,7 @@
         </a:bodyPr>
         <a:lstStyle/>
         <a:p>
-          <a:pPr marL="0" lvl="0" indent="0" algn="ctr" defTabSz="666750">
+          <a:pPr lvl="0" algn="ctr" defTabSz="666750">
             <a:lnSpc>
               <a:spcPct val="90000"/>
             </a:lnSpc>
@@ -1319,7 +1392,6 @@
             <a:spcAft>
               <a:spcPct val="35000"/>
             </a:spcAft>
-            <a:buNone/>
           </a:pPr>
           <a:endParaRPr lang="en-US" sz="1500" kern="1200"/>
         </a:p>
@@ -1381,7 +1453,7 @@
         </a:bodyPr>
         <a:lstStyle/>
         <a:p>
-          <a:pPr marL="0" lvl="0" indent="0" algn="ctr" defTabSz="844550">
+          <a:pPr lvl="0" algn="ctr" defTabSz="844550">
             <a:lnSpc>
               <a:spcPct val="90000"/>
             </a:lnSpc>
@@ -1391,7 +1463,6 @@
             <a:spcAft>
               <a:spcPct val="35000"/>
             </a:spcAft>
-            <a:buNone/>
           </a:pPr>
           <a:r>
             <a:rPr lang="en-US" sz="1900" kern="1200"/>
@@ -1454,7 +1525,7 @@
         </a:bodyPr>
         <a:lstStyle/>
         <a:p>
-          <a:pPr marL="0" lvl="0" indent="0" algn="ctr" defTabSz="666750">
+          <a:pPr lvl="0" algn="ctr" defTabSz="666750">
             <a:lnSpc>
               <a:spcPct val="90000"/>
             </a:lnSpc>
@@ -1464,7 +1535,6 @@
             <a:spcAft>
               <a:spcPct val="35000"/>
             </a:spcAft>
-            <a:buNone/>
           </a:pPr>
           <a:endParaRPr lang="en-US" sz="1500" kern="1200"/>
         </a:p>
@@ -1526,7 +1596,7 @@
         </a:bodyPr>
         <a:lstStyle/>
         <a:p>
-          <a:pPr marL="0" lvl="0" indent="0" algn="ctr" defTabSz="844550">
+          <a:pPr lvl="0" algn="ctr" defTabSz="844550">
             <a:lnSpc>
               <a:spcPct val="90000"/>
             </a:lnSpc>
@@ -1536,7 +1606,6 @@
             <a:spcAft>
               <a:spcPct val="35000"/>
             </a:spcAft>
-            <a:buNone/>
           </a:pPr>
           <a:r>
             <a:rPr lang="en-US" sz="1900" kern="1200"/>
@@ -1599,7 +1668,7 @@
         </a:bodyPr>
         <a:lstStyle/>
         <a:p>
-          <a:pPr marL="0" lvl="0" indent="0" algn="ctr" defTabSz="666750">
+          <a:pPr lvl="0" algn="ctr" defTabSz="666750">
             <a:lnSpc>
               <a:spcPct val="90000"/>
             </a:lnSpc>
@@ -1609,7 +1678,6 @@
             <a:spcAft>
               <a:spcPct val="35000"/>
             </a:spcAft>
-            <a:buNone/>
           </a:pPr>
           <a:endParaRPr lang="en-US" sz="1500" kern="1200"/>
         </a:p>
@@ -1676,7 +1744,7 @@
         </a:bodyPr>
         <a:lstStyle/>
         <a:p>
-          <a:pPr marL="0" lvl="0" indent="0" algn="ctr" defTabSz="844550">
+          <a:pPr lvl="0" algn="ctr" defTabSz="844550">
             <a:lnSpc>
               <a:spcPct val="90000"/>
             </a:lnSpc>
@@ -1686,7 +1754,6 @@
             <a:spcAft>
               <a:spcPct val="35000"/>
             </a:spcAft>
-            <a:buNone/>
           </a:pPr>
           <a:r>
             <a:rPr lang="en-US" sz="1900" kern="1200"/>
@@ -3130,7 +3197,7 @@
           <a:p>
             <a:fld id="{EA4960E5-F060-4C88-B1C5-5A6F5890BEF6}" type="datetimeFigureOut">
               <a:rPr lang="en-SG" smtClean="0"/>
-              <a:t>24/10/2020</a:t>
+              <a:t>10/24/2020</a:t>
             </a:fld>
             <a:endParaRPr lang="en-SG" dirty="0"/>
           </a:p>
@@ -9541,7 +9608,7 @@
           <a:graphicData uri="http://schemas.openxmlformats.org/presentationml/2006/ole">
             <mc:AlternateContent xmlns:mc="http://schemas.openxmlformats.org/markup-compatibility/2006">
               <mc:Choice xmlns:v="urn:schemas-microsoft-com:vml" Requires="v">
-                <p:oleObj spid="_x0000_s2073" name="Bitmap Image" r:id="rId3" imgW="5014395" imgH="4572396" progId="Paint.Picture">
+                <p:oleObj spid="_x0000_s2074" name="Bitmap Image" r:id="rId3" imgW="5014395" imgH="4572396" progId="Paint.Picture">
                   <p:embed/>
                 </p:oleObj>
               </mc:Choice>
@@ -9922,7 +9989,7 @@
           <a:graphicData uri="http://schemas.openxmlformats.org/presentationml/2006/ole">
             <mc:AlternateContent xmlns:mc="http://schemas.openxmlformats.org/markup-compatibility/2006">
               <mc:Choice xmlns:v="urn:schemas-microsoft-com:vml" Requires="v">
-                <p:oleObj spid="_x0000_s6155" name="Bitmap Image" r:id="rId3" imgW="4915326" imgH="3505504" progId="Paint.Picture">
+                <p:oleObj spid="_x0000_s6156" name="Bitmap Image" r:id="rId3" imgW="4915326" imgH="3505504" progId="Paint.Picture">
                   <p:embed/>
                 </p:oleObj>
               </mc:Choice>
@@ -12181,26 +12248,43 @@
             <p:ph type="title"/>
           </p:nvPr>
         </p:nvSpPr>
-        <p:spPr>
-          <a:xfrm>
-            <a:off x="2573601" y="3053030"/>
-            <a:ext cx="4648197" cy="545561"/>
-          </a:xfrm>
-        </p:spPr>
+        <p:spPr/>
+        <p:txBody>
+          <a:bodyPr>
+            <a:normAutofit fontScale="90000"/>
+          </a:bodyPr>
+          <a:lstStyle/>
+          <a:p>
+            <a:r>
+              <a:rPr lang="en-US" dirty="0" smtClean="0"/>
+              <a:t>System Design -</a:t>
+            </a:r>
+            <a:br>
+              <a:rPr lang="en-US" dirty="0" smtClean="0"/>
+            </a:br>
+            <a:r>
+              <a:rPr lang="en-US" dirty="0" smtClean="0"/>
+              <a:t>Visualization</a:t>
+            </a:r>
+            <a:endParaRPr lang="en-SG" dirty="0"/>
+          </a:p>
+        </p:txBody>
+      </p:sp>
+      <p:sp>
+        <p:nvSpPr>
+          <p:cNvPr id="3" name="Content Placeholder 2"/>
+          <p:cNvSpPr>
+            <a:spLocks noGrp="1"/>
+          </p:cNvSpPr>
+          <p:nvPr>
+            <p:ph sz="quarter" idx="13"/>
+          </p:nvPr>
+        </p:nvSpPr>
+        <p:spPr/>
         <p:txBody>
           <a:bodyPr/>
           <a:lstStyle/>
           <a:p>
-            <a:r>
-              <a:rPr lang="en-US" dirty="0"/>
-              <a:t>Thank you! </a:t>
-            </a:r>
-            <a:r>
-              <a:rPr lang="en-US" dirty="0">
-                <a:sym typeface="Wingdings" panose="05000000000000000000" pitchFamily="2" charset="2"/>
-              </a:rPr>
-              <a:t> </a:t>
-            </a:r>
             <a:endParaRPr lang="en-SG" dirty="0"/>
           </a:p>
         </p:txBody>
@@ -12222,7 +12306,7 @@
           <a:p>
             <a:pPr algn="l"/>
             <a:r>
-              <a:rPr lang="en-SG" sz="1000" dirty="0"/>
+              <a:rPr lang="en-SG" sz="1000" smtClean="0"/>
               <a:t>© 2018 National University of Singapore. All Rights Reserved</a:t>
             </a:r>
             <a:endParaRPr lang="en-SG" dirty="0"/>
@@ -12253,10 +12337,329 @@
           </a:p>
         </p:txBody>
       </p:sp>
+      <p:pic>
+        <p:nvPicPr>
+          <p:cNvPr id="10" name="Picture 9"/>
+          <p:cNvPicPr>
+            <a:picLocks noChangeAspect="1"/>
+          </p:cNvPicPr>
+          <p:nvPr/>
+        </p:nvPicPr>
+        <p:blipFill>
+          <a:blip r:embed="rId2"/>
+          <a:stretch>
+            <a:fillRect/>
+          </a:stretch>
+        </p:blipFill>
+        <p:spPr>
+          <a:xfrm>
+            <a:off x="1072874" y="1313382"/>
+            <a:ext cx="6998251" cy="4520201"/>
+          </a:xfrm>
+          <a:prstGeom prst="rect">
+            <a:avLst/>
+          </a:prstGeom>
+        </p:spPr>
+      </p:pic>
     </p:spTree>
     <p:extLst>
       <p:ext uri="{BB962C8B-B14F-4D97-AF65-F5344CB8AC3E}">
-        <p14:creationId xmlns:p14="http://schemas.microsoft.com/office/powerpoint/2010/main" val="3351845363"/>
+        <p14:creationId xmlns:p14="http://schemas.microsoft.com/office/powerpoint/2010/main" val="1199322699"/>
+      </p:ext>
+    </p:extLst>
+  </p:cSld>
+  <p:clrMapOvr>
+    <a:masterClrMapping/>
+  </p:clrMapOvr>
+</p:sld>
+</file>
+
+<file path=ppt/slides/slide29.xml><?xml version="1.0" encoding="utf-8"?>
+<p:sld xmlns:a="http://schemas.openxmlformats.org/drawingml/2006/main" xmlns:r="http://schemas.openxmlformats.org/officeDocument/2006/relationships" xmlns:p="http://schemas.openxmlformats.org/presentationml/2006/main">
+  <p:cSld>
+    <p:spTree>
+      <p:nvGrpSpPr>
+        <p:cNvPr id="1" name=""/>
+        <p:cNvGrpSpPr/>
+        <p:nvPr/>
+      </p:nvGrpSpPr>
+      <p:grpSpPr>
+        <a:xfrm>
+          <a:off x="0" y="0"/>
+          <a:ext cx="0" cy="0"/>
+          <a:chOff x="0" y="0"/>
+          <a:chExt cx="0" cy="0"/>
+        </a:xfrm>
+      </p:grpSpPr>
+      <p:sp>
+        <p:nvSpPr>
+          <p:cNvPr id="2" name="Title 1"/>
+          <p:cNvSpPr>
+            <a:spLocks noGrp="1"/>
+          </p:cNvSpPr>
+          <p:nvPr>
+            <p:ph type="title"/>
+          </p:nvPr>
+        </p:nvSpPr>
+        <p:spPr/>
+        <p:txBody>
+          <a:bodyPr/>
+          <a:lstStyle/>
+          <a:p>
+            <a:r>
+              <a:rPr lang="en-US" dirty="0" smtClean="0"/>
+              <a:t>Open3D Visualizer</a:t>
+            </a:r>
+            <a:endParaRPr lang="en-SG" dirty="0"/>
+          </a:p>
+        </p:txBody>
+      </p:sp>
+      <p:sp>
+        <p:nvSpPr>
+          <p:cNvPr id="3" name="Content Placeholder 2"/>
+          <p:cNvSpPr>
+            <a:spLocks noGrp="1"/>
+          </p:cNvSpPr>
+          <p:nvPr>
+            <p:ph sz="quarter" idx="13"/>
+          </p:nvPr>
+        </p:nvSpPr>
+        <p:spPr/>
+        <p:txBody>
+          <a:bodyPr>
+            <a:normAutofit/>
+          </a:bodyPr>
+          <a:lstStyle/>
+          <a:p>
+            <a:r>
+              <a:rPr lang="en-US" dirty="0" smtClean="0">
+                <a:solidFill>
+                  <a:schemeClr val="tx1"/>
+                </a:solidFill>
+              </a:rPr>
+              <a:t>Input Data</a:t>
+            </a:r>
+            <a:endParaRPr lang="en-US" dirty="0" smtClean="0">
+              <a:solidFill>
+                <a:schemeClr val="tx1"/>
+              </a:solidFill>
+            </a:endParaRPr>
+          </a:p>
+          <a:p>
+            <a:pPr lvl="1"/>
+            <a:r>
+              <a:rPr lang="en-US" dirty="0" smtClean="0">
+                <a:solidFill>
+                  <a:schemeClr val="tx1"/>
+                </a:solidFill>
+              </a:rPr>
+              <a:t>Grayscale </a:t>
+            </a:r>
+            <a:r>
+              <a:rPr lang="en-US" dirty="0" smtClean="0">
+                <a:solidFill>
+                  <a:schemeClr val="tx1"/>
+                </a:solidFill>
+              </a:rPr>
+              <a:t>2D map</a:t>
+            </a:r>
+          </a:p>
+          <a:p>
+            <a:pPr lvl="1"/>
+            <a:r>
+              <a:rPr lang="en-US" dirty="0" smtClean="0">
+                <a:solidFill>
+                  <a:schemeClr val="tx1"/>
+                </a:solidFill>
+              </a:rPr>
+              <a:t>Robot localization</a:t>
+            </a:r>
+            <a:endParaRPr lang="en-US" dirty="0">
+              <a:solidFill>
+                <a:schemeClr val="tx1"/>
+              </a:solidFill>
+            </a:endParaRPr>
+          </a:p>
+          <a:p>
+            <a:pPr lvl="2"/>
+            <a:r>
+              <a:rPr lang="en-US" dirty="0">
+                <a:solidFill>
+                  <a:schemeClr val="tx1"/>
+                </a:solidFill>
+              </a:rPr>
+              <a:t>robot position</a:t>
+            </a:r>
+          </a:p>
+          <a:p>
+            <a:pPr lvl="2"/>
+            <a:r>
+              <a:rPr lang="en-US" dirty="0">
+                <a:solidFill>
+                  <a:schemeClr val="tx1"/>
+                </a:solidFill>
+              </a:rPr>
+              <a:t>orientation</a:t>
+            </a:r>
+            <a:endParaRPr lang="en-SG" dirty="0">
+              <a:solidFill>
+                <a:schemeClr val="tx1"/>
+              </a:solidFill>
+            </a:endParaRPr>
+          </a:p>
+          <a:p>
+            <a:r>
+              <a:rPr lang="en-US" dirty="0" smtClean="0">
+                <a:solidFill>
+                  <a:schemeClr val="tx1"/>
+                </a:solidFill>
+              </a:rPr>
+              <a:t>Output Views</a:t>
+            </a:r>
+            <a:endParaRPr lang="en-US" dirty="0" smtClean="0">
+              <a:solidFill>
+                <a:schemeClr val="tx1"/>
+              </a:solidFill>
+            </a:endParaRPr>
+          </a:p>
+          <a:p>
+            <a:pPr lvl="1"/>
+            <a:r>
+              <a:rPr lang="en-US" dirty="0" smtClean="0">
+                <a:solidFill>
+                  <a:schemeClr val="tx1"/>
+                </a:solidFill>
+              </a:rPr>
+              <a:t>Map</a:t>
+            </a:r>
+            <a:endParaRPr lang="en-US" dirty="0" smtClean="0">
+              <a:solidFill>
+                <a:schemeClr val="tx1"/>
+              </a:solidFill>
+            </a:endParaRPr>
+          </a:p>
+          <a:p>
+            <a:pPr lvl="1"/>
+            <a:r>
+              <a:rPr lang="en-US" dirty="0" smtClean="0">
+                <a:solidFill>
+                  <a:schemeClr val="tx1"/>
+                </a:solidFill>
+              </a:rPr>
+              <a:t>Front / Rear </a:t>
+            </a:r>
+            <a:r>
+              <a:rPr lang="en-US" dirty="0" smtClean="0">
+                <a:solidFill>
+                  <a:schemeClr val="tx1"/>
+                </a:solidFill>
+              </a:rPr>
+              <a:t>View</a:t>
+            </a:r>
+            <a:endParaRPr lang="en-SG" dirty="0">
+              <a:solidFill>
+                <a:schemeClr val="tx1"/>
+              </a:solidFill>
+            </a:endParaRPr>
+          </a:p>
+        </p:txBody>
+      </p:sp>
+      <p:sp>
+        <p:nvSpPr>
+          <p:cNvPr id="4" name="Footer Placeholder 3"/>
+          <p:cNvSpPr>
+            <a:spLocks noGrp="1"/>
+          </p:cNvSpPr>
+          <p:nvPr>
+            <p:ph type="ftr" sz="quarter" idx="15"/>
+          </p:nvPr>
+        </p:nvSpPr>
+        <p:spPr/>
+        <p:txBody>
+          <a:bodyPr/>
+          <a:lstStyle/>
+          <a:p>
+            <a:pPr algn="l"/>
+            <a:r>
+              <a:rPr lang="en-SG" sz="1000" smtClean="0"/>
+              <a:t>© 2018 National University of Singapore. All Rights Reserved</a:t>
+            </a:r>
+            <a:endParaRPr lang="en-SG" dirty="0"/>
+          </a:p>
+        </p:txBody>
+      </p:sp>
+      <p:sp>
+        <p:nvSpPr>
+          <p:cNvPr id="5" name="Slide Number Placeholder 4"/>
+          <p:cNvSpPr>
+            <a:spLocks noGrp="1"/>
+          </p:cNvSpPr>
+          <p:nvPr>
+            <p:ph type="sldNum" sz="quarter" idx="16"/>
+          </p:nvPr>
+        </p:nvSpPr>
+        <p:spPr/>
+        <p:txBody>
+          <a:bodyPr/>
+          <a:lstStyle/>
+          <a:p>
+            <a:fld id="{2F63C605-4FC6-46DE-BC90-871762EA3F52}" type="slidenum">
+              <a:rPr lang="en-SG" smtClean="0"/>
+              <a:pPr/>
+              <a:t>29</a:t>
+            </a:fld>
+            <a:endParaRPr lang="en-SG" dirty="0"/>
+          </a:p>
+        </p:txBody>
+      </p:sp>
+      <p:pic>
+        <p:nvPicPr>
+          <p:cNvPr id="8" name="Picture 7"/>
+          <p:cNvPicPr/>
+          <p:nvPr/>
+        </p:nvPicPr>
+        <p:blipFill>
+          <a:blip r:embed="rId2"/>
+          <a:stretch>
+            <a:fillRect/>
+          </a:stretch>
+        </p:blipFill>
+        <p:spPr>
+          <a:xfrm>
+            <a:off x="5168692" y="1242516"/>
+            <a:ext cx="1861321" cy="2213273"/>
+          </a:xfrm>
+          <a:prstGeom prst="rect">
+            <a:avLst/>
+          </a:prstGeom>
+        </p:spPr>
+      </p:pic>
+      <p:pic>
+        <p:nvPicPr>
+          <p:cNvPr id="9" name="Picture 8"/>
+          <p:cNvPicPr/>
+          <p:nvPr/>
+        </p:nvPicPr>
+        <p:blipFill>
+          <a:blip r:embed="rId3"/>
+          <a:stretch>
+            <a:fillRect/>
+          </a:stretch>
+        </p:blipFill>
+        <p:spPr>
+          <a:xfrm>
+            <a:off x="4998720" y="3264831"/>
+            <a:ext cx="2710992" cy="2423756"/>
+          </a:xfrm>
+          <a:prstGeom prst="rect">
+            <a:avLst/>
+          </a:prstGeom>
+        </p:spPr>
+      </p:pic>
+    </p:spTree>
+    <p:extLst>
+      <p:ext uri="{BB962C8B-B14F-4D97-AF65-F5344CB8AC3E}">
+        <p14:creationId xmlns:p14="http://schemas.microsoft.com/office/powerpoint/2010/main" val="2599344292"/>
       </p:ext>
     </p:extLst>
   </p:cSld>
@@ -12414,6 +12817,767 @@
     <p:extLst>
       <p:ext uri="{BB962C8B-B14F-4D97-AF65-F5344CB8AC3E}">
         <p14:creationId xmlns:p14="http://schemas.microsoft.com/office/powerpoint/2010/main" val="1105590467"/>
+      </p:ext>
+    </p:extLst>
+  </p:cSld>
+  <p:clrMapOvr>
+    <a:masterClrMapping/>
+  </p:clrMapOvr>
+</p:sld>
+</file>
+
+<file path=ppt/slides/slide30.xml><?xml version="1.0" encoding="utf-8"?>
+<p:sld xmlns:a="http://schemas.openxmlformats.org/drawingml/2006/main" xmlns:r="http://schemas.openxmlformats.org/officeDocument/2006/relationships" xmlns:p="http://schemas.openxmlformats.org/presentationml/2006/main">
+  <p:cSld>
+    <p:spTree>
+      <p:nvGrpSpPr>
+        <p:cNvPr id="1" name=""/>
+        <p:cNvGrpSpPr/>
+        <p:nvPr/>
+      </p:nvGrpSpPr>
+      <p:grpSpPr>
+        <a:xfrm>
+          <a:off x="0" y="0"/>
+          <a:ext cx="0" cy="0"/>
+          <a:chOff x="0" y="0"/>
+          <a:chExt cx="0" cy="0"/>
+        </a:xfrm>
+      </p:grpSpPr>
+      <p:sp>
+        <p:nvSpPr>
+          <p:cNvPr id="2" name="Title 1"/>
+          <p:cNvSpPr>
+            <a:spLocks noGrp="1"/>
+          </p:cNvSpPr>
+          <p:nvPr>
+            <p:ph type="title"/>
+          </p:nvPr>
+        </p:nvSpPr>
+        <p:spPr/>
+        <p:txBody>
+          <a:bodyPr/>
+          <a:lstStyle/>
+          <a:p>
+            <a:r>
+              <a:rPr lang="en-US" dirty="0" smtClean="0"/>
+              <a:t>Map Tracking Viewer</a:t>
+            </a:r>
+            <a:endParaRPr lang="en-SG" dirty="0"/>
+          </a:p>
+        </p:txBody>
+      </p:sp>
+      <p:sp>
+        <p:nvSpPr>
+          <p:cNvPr id="3" name="Content Placeholder 2"/>
+          <p:cNvSpPr>
+            <a:spLocks noGrp="1"/>
+          </p:cNvSpPr>
+          <p:nvPr>
+            <p:ph sz="quarter" idx="13"/>
+          </p:nvPr>
+        </p:nvSpPr>
+        <p:spPr/>
+        <p:txBody>
+          <a:bodyPr/>
+          <a:lstStyle/>
+          <a:p>
+            <a:r>
+              <a:rPr lang="en-US" dirty="0" smtClean="0">
+                <a:solidFill>
+                  <a:schemeClr val="tx1"/>
+                </a:solidFill>
+              </a:rPr>
+              <a:t>Python </a:t>
+            </a:r>
+            <a:r>
+              <a:rPr lang="en-US" dirty="0" err="1" smtClean="0">
+                <a:solidFill>
+                  <a:schemeClr val="tx1"/>
+                </a:solidFill>
+              </a:rPr>
+              <a:t>Tkinter</a:t>
+            </a:r>
+            <a:r>
+              <a:rPr lang="en-US" dirty="0" smtClean="0">
+                <a:solidFill>
+                  <a:schemeClr val="tx1"/>
+                </a:solidFill>
+              </a:rPr>
+              <a:t> GUI</a:t>
+            </a:r>
+          </a:p>
+          <a:p>
+            <a:r>
+              <a:rPr lang="en-US" dirty="0" smtClean="0">
+                <a:solidFill>
+                  <a:schemeClr val="tx1"/>
+                </a:solidFill>
+              </a:rPr>
+              <a:t>Robot Simulation</a:t>
+            </a:r>
+            <a:endParaRPr lang="en-US" dirty="0" smtClean="0">
+              <a:solidFill>
+                <a:schemeClr val="tx1"/>
+              </a:solidFill>
+            </a:endParaRPr>
+          </a:p>
+          <a:p>
+            <a:pPr lvl="1"/>
+            <a:r>
+              <a:rPr lang="en-US" dirty="0" smtClean="0">
+                <a:solidFill>
+                  <a:schemeClr val="tx1"/>
+                </a:solidFill>
+              </a:rPr>
+              <a:t>Position</a:t>
+            </a:r>
+          </a:p>
+          <a:p>
+            <a:pPr lvl="1"/>
+            <a:r>
+              <a:rPr lang="en-US" dirty="0" smtClean="0">
+                <a:solidFill>
+                  <a:schemeClr val="tx1"/>
+                </a:solidFill>
+              </a:rPr>
+              <a:t>Orientation</a:t>
+            </a:r>
+          </a:p>
+          <a:p>
+            <a:r>
+              <a:rPr lang="en-US" dirty="0" smtClean="0">
+                <a:solidFill>
+                  <a:schemeClr val="tx1"/>
+                </a:solidFill>
+              </a:rPr>
+              <a:t>Visualization </a:t>
+            </a:r>
+            <a:endParaRPr lang="en-US" dirty="0" smtClean="0">
+              <a:solidFill>
+                <a:schemeClr val="tx1"/>
+              </a:solidFill>
+            </a:endParaRPr>
+          </a:p>
+          <a:p>
+            <a:pPr lvl="1"/>
+            <a:r>
+              <a:rPr lang="en-US" dirty="0" smtClean="0">
+                <a:solidFill>
+                  <a:schemeClr val="tx1"/>
+                </a:solidFill>
+              </a:rPr>
+              <a:t>Map</a:t>
+            </a:r>
+            <a:endParaRPr lang="en-US" dirty="0" smtClean="0">
+              <a:solidFill>
+                <a:schemeClr val="tx1"/>
+              </a:solidFill>
+            </a:endParaRPr>
+          </a:p>
+          <a:p>
+            <a:pPr lvl="1"/>
+            <a:r>
+              <a:rPr lang="en-US" dirty="0" smtClean="0">
+                <a:solidFill>
+                  <a:schemeClr val="tx1"/>
+                </a:solidFill>
+              </a:rPr>
+              <a:t>Front / Rear View</a:t>
+            </a:r>
+          </a:p>
+          <a:p>
+            <a:pPr lvl="1"/>
+            <a:endParaRPr lang="en-US" dirty="0">
+              <a:solidFill>
+                <a:schemeClr val="tx1"/>
+              </a:solidFill>
+            </a:endParaRPr>
+          </a:p>
+        </p:txBody>
+      </p:sp>
+      <p:sp>
+        <p:nvSpPr>
+          <p:cNvPr id="4" name="Footer Placeholder 3"/>
+          <p:cNvSpPr>
+            <a:spLocks noGrp="1"/>
+          </p:cNvSpPr>
+          <p:nvPr>
+            <p:ph type="ftr" sz="quarter" idx="15"/>
+          </p:nvPr>
+        </p:nvSpPr>
+        <p:spPr/>
+        <p:txBody>
+          <a:bodyPr/>
+          <a:lstStyle/>
+          <a:p>
+            <a:pPr algn="l"/>
+            <a:r>
+              <a:rPr lang="en-SG" sz="1000" smtClean="0"/>
+              <a:t>© 2018 National University of Singapore. All Rights Reserved</a:t>
+            </a:r>
+            <a:endParaRPr lang="en-SG" dirty="0"/>
+          </a:p>
+        </p:txBody>
+      </p:sp>
+      <p:sp>
+        <p:nvSpPr>
+          <p:cNvPr id="5" name="Slide Number Placeholder 4"/>
+          <p:cNvSpPr>
+            <a:spLocks noGrp="1"/>
+          </p:cNvSpPr>
+          <p:nvPr>
+            <p:ph type="sldNum" sz="quarter" idx="16"/>
+          </p:nvPr>
+        </p:nvSpPr>
+        <p:spPr/>
+        <p:txBody>
+          <a:bodyPr/>
+          <a:lstStyle/>
+          <a:p>
+            <a:fld id="{2F63C605-4FC6-46DE-BC90-871762EA3F52}" type="slidenum">
+              <a:rPr lang="en-SG" smtClean="0"/>
+              <a:pPr/>
+              <a:t>30</a:t>
+            </a:fld>
+            <a:endParaRPr lang="en-SG" dirty="0"/>
+          </a:p>
+        </p:txBody>
+      </p:sp>
+      <p:pic>
+        <p:nvPicPr>
+          <p:cNvPr id="6" name="Picture 5"/>
+          <p:cNvPicPr>
+            <a:picLocks noChangeAspect="1"/>
+          </p:cNvPicPr>
+          <p:nvPr/>
+        </p:nvPicPr>
+        <p:blipFill>
+          <a:blip r:embed="rId2"/>
+          <a:stretch>
+            <a:fillRect/>
+          </a:stretch>
+        </p:blipFill>
+        <p:spPr>
+          <a:xfrm>
+            <a:off x="4406537" y="2369685"/>
+            <a:ext cx="4442822" cy="2791595"/>
+          </a:xfrm>
+          <a:prstGeom prst="rect">
+            <a:avLst/>
+          </a:prstGeom>
+        </p:spPr>
+      </p:pic>
+    </p:spTree>
+    <p:extLst>
+      <p:ext uri="{BB962C8B-B14F-4D97-AF65-F5344CB8AC3E}">
+        <p14:creationId xmlns:p14="http://schemas.microsoft.com/office/powerpoint/2010/main" val="4110882693"/>
+      </p:ext>
+    </p:extLst>
+  </p:cSld>
+  <p:clrMapOvr>
+    <a:masterClrMapping/>
+  </p:clrMapOvr>
+</p:sld>
+</file>
+
+<file path=ppt/slides/slide31.xml><?xml version="1.0" encoding="utf-8"?>
+<p:sld xmlns:a="http://schemas.openxmlformats.org/drawingml/2006/main" xmlns:r="http://schemas.openxmlformats.org/officeDocument/2006/relationships" xmlns:p="http://schemas.openxmlformats.org/presentationml/2006/main">
+  <p:cSld>
+    <p:spTree>
+      <p:nvGrpSpPr>
+        <p:cNvPr id="1" name=""/>
+        <p:cNvGrpSpPr/>
+        <p:nvPr/>
+      </p:nvGrpSpPr>
+      <p:grpSpPr>
+        <a:xfrm>
+          <a:off x="0" y="0"/>
+          <a:ext cx="0" cy="0"/>
+          <a:chOff x="0" y="0"/>
+          <a:chExt cx="0" cy="0"/>
+        </a:xfrm>
+      </p:grpSpPr>
+      <p:sp>
+        <p:nvSpPr>
+          <p:cNvPr id="2" name="Title 1"/>
+          <p:cNvSpPr>
+            <a:spLocks noGrp="1"/>
+          </p:cNvSpPr>
+          <p:nvPr>
+            <p:ph type="title"/>
+          </p:nvPr>
+        </p:nvSpPr>
+        <p:spPr/>
+        <p:txBody>
+          <a:bodyPr/>
+          <a:lstStyle/>
+          <a:p>
+            <a:r>
+              <a:rPr lang="en-US" dirty="0" smtClean="0"/>
+              <a:t>Future Usage</a:t>
+            </a:r>
+            <a:endParaRPr lang="en-SG" dirty="0"/>
+          </a:p>
+        </p:txBody>
+      </p:sp>
+      <p:sp>
+        <p:nvSpPr>
+          <p:cNvPr id="3" name="Content Placeholder 2"/>
+          <p:cNvSpPr>
+            <a:spLocks noGrp="1"/>
+          </p:cNvSpPr>
+          <p:nvPr>
+            <p:ph sz="quarter" idx="13"/>
+          </p:nvPr>
+        </p:nvSpPr>
+        <p:spPr/>
+        <p:txBody>
+          <a:bodyPr>
+            <a:normAutofit fontScale="55000" lnSpcReduction="20000"/>
+          </a:bodyPr>
+          <a:lstStyle/>
+          <a:p>
+            <a:r>
+              <a:rPr lang="en-US" dirty="0" smtClean="0">
+                <a:solidFill>
+                  <a:schemeClr val="tx1"/>
+                </a:solidFill>
+              </a:rPr>
+              <a:t>Localization Algorithms</a:t>
+            </a:r>
+          </a:p>
+          <a:p>
+            <a:pPr lvl="1"/>
+            <a:r>
+              <a:rPr lang="en-US" dirty="0" smtClean="0">
+                <a:solidFill>
+                  <a:schemeClr val="tx1"/>
+                </a:solidFill>
+              </a:rPr>
+              <a:t>Monte </a:t>
+            </a:r>
+            <a:r>
+              <a:rPr lang="en-US" dirty="0">
+                <a:solidFill>
+                  <a:schemeClr val="tx1"/>
+                </a:solidFill>
+              </a:rPr>
+              <a:t>Carlo </a:t>
+            </a:r>
+            <a:r>
+              <a:rPr lang="en-US" dirty="0" smtClean="0">
+                <a:solidFill>
+                  <a:schemeClr val="tx1"/>
+                </a:solidFill>
+              </a:rPr>
+              <a:t>Localization (MCL)</a:t>
+            </a:r>
+          </a:p>
+          <a:p>
+            <a:pPr lvl="2"/>
+            <a:r>
+              <a:rPr lang="en-US" dirty="0" smtClean="0">
+                <a:solidFill>
+                  <a:schemeClr val="tx1"/>
+                </a:solidFill>
+              </a:rPr>
+              <a:t>Most popular in robot localization</a:t>
+            </a:r>
+          </a:p>
+          <a:p>
+            <a:pPr lvl="2"/>
+            <a:r>
+              <a:rPr lang="en-US" dirty="0">
+                <a:solidFill>
+                  <a:schemeClr val="tx1"/>
+                </a:solidFill>
+              </a:rPr>
+              <a:t>Also referred to as Particle Filter</a:t>
+            </a:r>
+          </a:p>
+          <a:p>
+            <a:pPr lvl="2"/>
+            <a:r>
+              <a:rPr lang="en-US" dirty="0">
+                <a:solidFill>
+                  <a:schemeClr val="tx1"/>
+                </a:solidFill>
+              </a:rPr>
+              <a:t>Relies on </a:t>
+            </a:r>
+          </a:p>
+          <a:p>
+            <a:pPr lvl="3"/>
+            <a:r>
+              <a:rPr lang="en-US" dirty="0">
+                <a:solidFill>
+                  <a:schemeClr val="tx1"/>
+                </a:solidFill>
+              </a:rPr>
+              <a:t>Accurate Environment Map</a:t>
+            </a:r>
+          </a:p>
+          <a:p>
+            <a:pPr lvl="3"/>
+            <a:r>
+              <a:rPr lang="en-US" dirty="0">
+                <a:solidFill>
+                  <a:schemeClr val="tx1"/>
+                </a:solidFill>
+              </a:rPr>
+              <a:t>Particle position and </a:t>
+            </a:r>
+            <a:r>
+              <a:rPr lang="en-US" dirty="0" smtClean="0">
+                <a:solidFill>
+                  <a:schemeClr val="tx1"/>
+                </a:solidFill>
+              </a:rPr>
+              <a:t>orientation</a:t>
+            </a:r>
+          </a:p>
+          <a:p>
+            <a:pPr lvl="1"/>
+            <a:r>
+              <a:rPr lang="en-US" dirty="0">
+                <a:solidFill>
+                  <a:schemeClr val="tx1"/>
+                </a:solidFill>
+              </a:rPr>
+              <a:t>Adaptive Monte Carlo </a:t>
+            </a:r>
+            <a:r>
+              <a:rPr lang="en-US" dirty="0" smtClean="0">
+                <a:solidFill>
+                  <a:schemeClr val="tx1"/>
+                </a:solidFill>
+              </a:rPr>
+              <a:t>Localization (AMCL)</a:t>
+            </a:r>
+          </a:p>
+          <a:p>
+            <a:pPr lvl="2"/>
+            <a:r>
+              <a:rPr lang="en-US" dirty="0" smtClean="0">
+                <a:solidFill>
+                  <a:schemeClr val="tx1"/>
+                </a:solidFill>
+              </a:rPr>
+              <a:t>Improved version of MCL</a:t>
+            </a:r>
+          </a:p>
+          <a:p>
+            <a:pPr lvl="2"/>
+            <a:endParaRPr lang="en-US" dirty="0" smtClean="0">
+              <a:solidFill>
+                <a:schemeClr val="tx1"/>
+              </a:solidFill>
+            </a:endParaRPr>
+          </a:p>
+          <a:p>
+            <a:r>
+              <a:rPr lang="en-SG" dirty="0" smtClean="0">
+                <a:solidFill>
+                  <a:schemeClr val="tx1"/>
+                </a:solidFill>
+              </a:rPr>
+              <a:t>Deep </a:t>
+            </a:r>
+            <a:r>
+              <a:rPr lang="en-SG" dirty="0">
+                <a:solidFill>
+                  <a:schemeClr val="tx1"/>
+                </a:solidFill>
+              </a:rPr>
+              <a:t>Neural Network Robotic </a:t>
+            </a:r>
+            <a:r>
+              <a:rPr lang="en-SG" dirty="0" smtClean="0">
+                <a:solidFill>
+                  <a:schemeClr val="tx1"/>
+                </a:solidFill>
+              </a:rPr>
+              <a:t>Mapping</a:t>
+            </a:r>
+          </a:p>
+          <a:p>
+            <a:pPr lvl="1"/>
+            <a:r>
+              <a:rPr lang="en-US" dirty="0" smtClean="0">
+                <a:solidFill>
+                  <a:schemeClr val="tx1"/>
+                </a:solidFill>
+              </a:rPr>
+              <a:t>Produces </a:t>
+            </a:r>
+            <a:r>
+              <a:rPr lang="en-US" dirty="0" smtClean="0">
+                <a:solidFill>
+                  <a:schemeClr val="tx1"/>
+                </a:solidFill>
+              </a:rPr>
+              <a:t>more accuracy map</a:t>
+            </a:r>
+          </a:p>
+          <a:p>
+            <a:pPr lvl="2"/>
+            <a:r>
+              <a:rPr lang="en-US" dirty="0" smtClean="0">
+                <a:solidFill>
+                  <a:schemeClr val="tx1"/>
+                </a:solidFill>
+              </a:rPr>
+              <a:t>Comparing with traditional approach such as k-means</a:t>
+            </a:r>
+          </a:p>
+          <a:p>
+            <a:pPr lvl="2"/>
+            <a:endParaRPr lang="en-US" dirty="0">
+              <a:solidFill>
+                <a:schemeClr val="tx1"/>
+              </a:solidFill>
+            </a:endParaRPr>
+          </a:p>
+          <a:p>
+            <a:r>
+              <a:rPr lang="en-US" dirty="0" smtClean="0">
+                <a:solidFill>
+                  <a:schemeClr val="tx1"/>
+                </a:solidFill>
+              </a:rPr>
+              <a:t>Therefore, </a:t>
+            </a:r>
+            <a:r>
+              <a:rPr lang="en-SG" dirty="0" smtClean="0">
+                <a:solidFill>
+                  <a:schemeClr val="tx1"/>
+                </a:solidFill>
+              </a:rPr>
+              <a:t>Deep </a:t>
+            </a:r>
+            <a:r>
+              <a:rPr lang="en-SG" dirty="0">
+                <a:solidFill>
+                  <a:schemeClr val="tx1"/>
+                </a:solidFill>
+              </a:rPr>
+              <a:t>Neural Network Robotic </a:t>
+            </a:r>
+            <a:r>
+              <a:rPr lang="en-SG" dirty="0" smtClean="0">
+                <a:solidFill>
+                  <a:schemeClr val="tx1"/>
+                </a:solidFill>
+              </a:rPr>
+              <a:t>Mapping </a:t>
+            </a:r>
+            <a:r>
+              <a:rPr lang="en-SG" dirty="0" smtClean="0">
+                <a:solidFill>
+                  <a:schemeClr val="tx1"/>
+                </a:solidFill>
+              </a:rPr>
+              <a:t>will benefit </a:t>
+            </a:r>
+            <a:r>
+              <a:rPr lang="en-US" dirty="0">
+                <a:solidFill>
+                  <a:schemeClr val="tx1"/>
+                </a:solidFill>
+              </a:rPr>
+              <a:t>AMCL </a:t>
+            </a:r>
+            <a:r>
+              <a:rPr lang="en-US" dirty="0" smtClean="0">
+                <a:solidFill>
+                  <a:schemeClr val="tx1"/>
+                </a:solidFill>
+              </a:rPr>
+              <a:t>with more accurate </a:t>
+            </a:r>
+            <a:r>
+              <a:rPr lang="en-SG" dirty="0" smtClean="0">
+                <a:solidFill>
+                  <a:schemeClr val="tx1"/>
+                </a:solidFill>
+              </a:rPr>
+              <a:t>map, and will provide map when map is not available</a:t>
+            </a:r>
+            <a:endParaRPr lang="en-US" dirty="0">
+              <a:solidFill>
+                <a:schemeClr val="tx1"/>
+              </a:solidFill>
+            </a:endParaRPr>
+          </a:p>
+          <a:p>
+            <a:endParaRPr lang="en-SG" dirty="0"/>
+          </a:p>
+        </p:txBody>
+      </p:sp>
+      <p:sp>
+        <p:nvSpPr>
+          <p:cNvPr id="4" name="Footer Placeholder 3"/>
+          <p:cNvSpPr>
+            <a:spLocks noGrp="1"/>
+          </p:cNvSpPr>
+          <p:nvPr>
+            <p:ph type="ftr" sz="quarter" idx="15"/>
+          </p:nvPr>
+        </p:nvSpPr>
+        <p:spPr/>
+        <p:txBody>
+          <a:bodyPr/>
+          <a:lstStyle/>
+          <a:p>
+            <a:pPr algn="l"/>
+            <a:r>
+              <a:rPr lang="en-SG" sz="1000" smtClean="0"/>
+              <a:t>© 2018 National University of Singapore. All Rights Reserved</a:t>
+            </a:r>
+            <a:endParaRPr lang="en-SG" dirty="0"/>
+          </a:p>
+        </p:txBody>
+      </p:sp>
+      <p:sp>
+        <p:nvSpPr>
+          <p:cNvPr id="5" name="Slide Number Placeholder 4"/>
+          <p:cNvSpPr>
+            <a:spLocks noGrp="1"/>
+          </p:cNvSpPr>
+          <p:nvPr>
+            <p:ph type="sldNum" sz="quarter" idx="16"/>
+          </p:nvPr>
+        </p:nvSpPr>
+        <p:spPr/>
+        <p:txBody>
+          <a:bodyPr/>
+          <a:lstStyle/>
+          <a:p>
+            <a:fld id="{2F63C605-4FC6-46DE-BC90-871762EA3F52}" type="slidenum">
+              <a:rPr lang="en-SG" smtClean="0"/>
+              <a:pPr/>
+              <a:t>31</a:t>
+            </a:fld>
+            <a:endParaRPr lang="en-SG" dirty="0"/>
+          </a:p>
+        </p:txBody>
+      </p:sp>
+    </p:spTree>
+    <p:extLst>
+      <p:ext uri="{BB962C8B-B14F-4D97-AF65-F5344CB8AC3E}">
+        <p14:creationId xmlns:p14="http://schemas.microsoft.com/office/powerpoint/2010/main" val="1383113111"/>
+      </p:ext>
+    </p:extLst>
+  </p:cSld>
+  <p:clrMapOvr>
+    <a:masterClrMapping/>
+  </p:clrMapOvr>
+</p:sld>
+</file>
+
+<file path=ppt/slides/slide32.xml><?xml version="1.0" encoding="utf-8"?>
+<p:sld xmlns:a="http://schemas.openxmlformats.org/drawingml/2006/main" xmlns:r="http://schemas.openxmlformats.org/officeDocument/2006/relationships" xmlns:p="http://schemas.openxmlformats.org/presentationml/2006/main">
+  <p:cSld>
+    <p:spTree>
+      <p:nvGrpSpPr>
+        <p:cNvPr id="1" name=""/>
+        <p:cNvGrpSpPr/>
+        <p:nvPr/>
+      </p:nvGrpSpPr>
+      <p:grpSpPr>
+        <a:xfrm>
+          <a:off x="0" y="0"/>
+          <a:ext cx="0" cy="0"/>
+          <a:chOff x="0" y="0"/>
+          <a:chExt cx="0" cy="0"/>
+        </a:xfrm>
+      </p:grpSpPr>
+      <p:sp>
+        <p:nvSpPr>
+          <p:cNvPr id="2" name="Title 1"/>
+          <p:cNvSpPr>
+            <a:spLocks noGrp="1"/>
+          </p:cNvSpPr>
+          <p:nvPr>
+            <p:ph type="title"/>
+          </p:nvPr>
+        </p:nvSpPr>
+        <p:spPr>
+          <a:xfrm>
+            <a:off x="2573601" y="3053030"/>
+            <a:ext cx="4648197" cy="545561"/>
+          </a:xfrm>
+        </p:spPr>
+        <p:txBody>
+          <a:bodyPr/>
+          <a:lstStyle/>
+          <a:p>
+            <a:r>
+              <a:rPr lang="en-US" dirty="0"/>
+              <a:t>Thank you! </a:t>
+            </a:r>
+            <a:r>
+              <a:rPr lang="en-US" dirty="0">
+                <a:sym typeface="Wingdings" panose="05000000000000000000" pitchFamily="2" charset="2"/>
+              </a:rPr>
+              <a:t> </a:t>
+            </a:r>
+            <a:endParaRPr lang="en-SG" dirty="0"/>
+          </a:p>
+        </p:txBody>
+      </p:sp>
+      <p:sp>
+        <p:nvSpPr>
+          <p:cNvPr id="4" name="Footer Placeholder 3"/>
+          <p:cNvSpPr>
+            <a:spLocks noGrp="1"/>
+          </p:cNvSpPr>
+          <p:nvPr>
+            <p:ph type="ftr" sz="quarter" idx="15"/>
+          </p:nvPr>
+        </p:nvSpPr>
+        <p:spPr/>
+        <p:txBody>
+          <a:bodyPr/>
+          <a:lstStyle/>
+          <a:p>
+            <a:pPr algn="l"/>
+            <a:r>
+              <a:rPr lang="en-SG" sz="1000" dirty="0"/>
+              <a:t>© 2018 National University of Singapore. All Rights Reserved</a:t>
+            </a:r>
+            <a:endParaRPr lang="en-SG" dirty="0"/>
+          </a:p>
+        </p:txBody>
+      </p:sp>
+      <p:sp>
+        <p:nvSpPr>
+          <p:cNvPr id="5" name="Slide Number Placeholder 4"/>
+          <p:cNvSpPr>
+            <a:spLocks noGrp="1"/>
+          </p:cNvSpPr>
+          <p:nvPr>
+            <p:ph type="sldNum" sz="quarter" idx="16"/>
+          </p:nvPr>
+        </p:nvSpPr>
+        <p:spPr/>
+        <p:txBody>
+          <a:bodyPr/>
+          <a:lstStyle/>
+          <a:p>
+            <a:fld id="{2F63C605-4FC6-46DE-BC90-871762EA3F52}" type="slidenum">
+              <a:rPr lang="en-SG" smtClean="0"/>
+              <a:pPr/>
+              <a:t>32</a:t>
+            </a:fld>
+            <a:endParaRPr lang="en-SG" dirty="0"/>
+          </a:p>
+        </p:txBody>
+      </p:sp>
+    </p:spTree>
+    <p:extLst>
+      <p:ext uri="{BB962C8B-B14F-4D97-AF65-F5344CB8AC3E}">
+        <p14:creationId xmlns:p14="http://schemas.microsoft.com/office/powerpoint/2010/main" val="3351845363"/>
       </p:ext>
     </p:extLst>
   </p:cSld>

--- a/PracticeModule_Presentation.pptx
+++ b/PracticeModule_Presentation.pptx
@@ -5,49 +5,50 @@
     <p:sldMasterId id="2147483684" r:id="rId1"/>
   </p:sldMasterIdLst>
   <p:notesMasterIdLst>
-    <p:notesMasterId r:id="rId34"/>
+    <p:notesMasterId r:id="rId35"/>
   </p:notesMasterIdLst>
   <p:handoutMasterIdLst>
-    <p:handoutMasterId r:id="rId35"/>
+    <p:handoutMasterId r:id="rId36"/>
   </p:handoutMasterIdLst>
   <p:sldIdLst>
     <p:sldId id="281" r:id="rId2"/>
     <p:sldId id="371" r:id="rId3"/>
     <p:sldId id="495" r:id="rId4"/>
     <p:sldId id="493" r:id="rId5"/>
-    <p:sldId id="514" r:id="rId6"/>
-    <p:sldId id="494" r:id="rId7"/>
-    <p:sldId id="491" r:id="rId8"/>
-    <p:sldId id="496" r:id="rId9"/>
-    <p:sldId id="497" r:id="rId10"/>
-    <p:sldId id="498" r:id="rId11"/>
-    <p:sldId id="482" r:id="rId12"/>
-    <p:sldId id="499" r:id="rId13"/>
-    <p:sldId id="500" r:id="rId14"/>
-    <p:sldId id="509" r:id="rId15"/>
-    <p:sldId id="510" r:id="rId16"/>
-    <p:sldId id="511" r:id="rId17"/>
-    <p:sldId id="501" r:id="rId18"/>
-    <p:sldId id="503" r:id="rId19"/>
-    <p:sldId id="504" r:id="rId20"/>
-    <p:sldId id="505" r:id="rId21"/>
-    <p:sldId id="506" r:id="rId22"/>
-    <p:sldId id="515" r:id="rId23"/>
-    <p:sldId id="512" r:id="rId24"/>
-    <p:sldId id="516" r:id="rId25"/>
-    <p:sldId id="507" r:id="rId26"/>
-    <p:sldId id="508" r:id="rId27"/>
-    <p:sldId id="517" r:id="rId28"/>
-    <p:sldId id="518" r:id="rId29"/>
-    <p:sldId id="519" r:id="rId30"/>
-    <p:sldId id="520" r:id="rId31"/>
-    <p:sldId id="521" r:id="rId32"/>
-    <p:sldId id="370" r:id="rId33"/>
+    <p:sldId id="522" r:id="rId6"/>
+    <p:sldId id="514" r:id="rId7"/>
+    <p:sldId id="494" r:id="rId8"/>
+    <p:sldId id="491" r:id="rId9"/>
+    <p:sldId id="496" r:id="rId10"/>
+    <p:sldId id="497" r:id="rId11"/>
+    <p:sldId id="498" r:id="rId12"/>
+    <p:sldId id="482" r:id="rId13"/>
+    <p:sldId id="499" r:id="rId14"/>
+    <p:sldId id="500" r:id="rId15"/>
+    <p:sldId id="509" r:id="rId16"/>
+    <p:sldId id="510" r:id="rId17"/>
+    <p:sldId id="511" r:id="rId18"/>
+    <p:sldId id="501" r:id="rId19"/>
+    <p:sldId id="503" r:id="rId20"/>
+    <p:sldId id="504" r:id="rId21"/>
+    <p:sldId id="505" r:id="rId22"/>
+    <p:sldId id="506" r:id="rId23"/>
+    <p:sldId id="515" r:id="rId24"/>
+    <p:sldId id="512" r:id="rId25"/>
+    <p:sldId id="516" r:id="rId26"/>
+    <p:sldId id="507" r:id="rId27"/>
+    <p:sldId id="508" r:id="rId28"/>
+    <p:sldId id="523" r:id="rId29"/>
+    <p:sldId id="518" r:id="rId30"/>
+    <p:sldId id="519" r:id="rId31"/>
+    <p:sldId id="520" r:id="rId32"/>
+    <p:sldId id="521" r:id="rId33"/>
+    <p:sldId id="370" r:id="rId34"/>
   </p:sldIdLst>
   <p:sldSz cx="9144000" cy="6858000" type="screen4x3"/>
   <p:notesSz cx="7099300" cy="10234613"/>
   <p:custDataLst>
-    <p:tags r:id="rId36"/>
+    <p:tags r:id="rId37"/>
   </p:custDataLst>
   <p:defaultTextStyle>
     <a:defPPr>
@@ -1088,35 +1089,14 @@
         </dgm:presLayoutVars>
       </dgm:prSet>
       <dgm:spPr/>
-      <dgm:t>
-        <a:bodyPr/>
-        <a:lstStyle/>
-        <a:p>
-          <a:endParaRPr lang="en-US"/>
-        </a:p>
-      </dgm:t>
     </dgm:pt>
     <dgm:pt modelId="{4B5D39CA-8147-4B81-8770-5E31FC6D1CFB}" type="pres">
       <dgm:prSet presAssocID="{91D0FCC9-0385-42AC-A8E5-78283D5D669C}" presName="sibTrans" presStyleLbl="sibTrans2D1" presStyleIdx="0" presStyleCnt="3"/>
       <dgm:spPr/>
-      <dgm:t>
-        <a:bodyPr/>
-        <a:lstStyle/>
-        <a:p>
-          <a:endParaRPr lang="en-US"/>
-        </a:p>
-      </dgm:t>
     </dgm:pt>
     <dgm:pt modelId="{41341A21-0806-411D-A443-625FA97E4491}" type="pres">
       <dgm:prSet presAssocID="{91D0FCC9-0385-42AC-A8E5-78283D5D669C}" presName="connectorText" presStyleLbl="sibTrans2D1" presStyleIdx="0" presStyleCnt="3"/>
       <dgm:spPr/>
-      <dgm:t>
-        <a:bodyPr/>
-        <a:lstStyle/>
-        <a:p>
-          <a:endParaRPr lang="en-US"/>
-        </a:p>
-      </dgm:t>
     </dgm:pt>
     <dgm:pt modelId="{EA5BC1ED-EB03-45BA-BC56-621EEE9BEBD1}" type="pres">
       <dgm:prSet presAssocID="{92249E20-58D4-4E75-BB12-FE5FBD54F135}" presName="node" presStyleLbl="node1" presStyleIdx="1" presStyleCnt="4">
@@ -1125,35 +1105,14 @@
         </dgm:presLayoutVars>
       </dgm:prSet>
       <dgm:spPr/>
-      <dgm:t>
-        <a:bodyPr/>
-        <a:lstStyle/>
-        <a:p>
-          <a:endParaRPr lang="en-US"/>
-        </a:p>
-      </dgm:t>
     </dgm:pt>
     <dgm:pt modelId="{95B3EF49-35D3-4519-9F1F-B39D5A0566E4}" type="pres">
       <dgm:prSet presAssocID="{0B72DC99-4E95-4ADB-960C-E769354E6A5D}" presName="sibTrans" presStyleLbl="sibTrans2D1" presStyleIdx="1" presStyleCnt="3"/>
       <dgm:spPr/>
-      <dgm:t>
-        <a:bodyPr/>
-        <a:lstStyle/>
-        <a:p>
-          <a:endParaRPr lang="en-US"/>
-        </a:p>
-      </dgm:t>
     </dgm:pt>
     <dgm:pt modelId="{9B203DD1-3145-4590-8ACC-2517ACFE25A8}" type="pres">
       <dgm:prSet presAssocID="{0B72DC99-4E95-4ADB-960C-E769354E6A5D}" presName="connectorText" presStyleLbl="sibTrans2D1" presStyleIdx="1" presStyleCnt="3"/>
       <dgm:spPr/>
-      <dgm:t>
-        <a:bodyPr/>
-        <a:lstStyle/>
-        <a:p>
-          <a:endParaRPr lang="en-US"/>
-        </a:p>
-      </dgm:t>
     </dgm:pt>
     <dgm:pt modelId="{A37733E1-C31E-4430-AEEA-7CC4BDFAF84B}" type="pres">
       <dgm:prSet presAssocID="{38DD500D-6BEB-44F1-A480-39EBC85B7D1B}" presName="node" presStyleLbl="node1" presStyleIdx="2" presStyleCnt="4">
@@ -1162,35 +1121,14 @@
         </dgm:presLayoutVars>
       </dgm:prSet>
       <dgm:spPr/>
-      <dgm:t>
-        <a:bodyPr/>
-        <a:lstStyle/>
-        <a:p>
-          <a:endParaRPr lang="en-US"/>
-        </a:p>
-      </dgm:t>
     </dgm:pt>
     <dgm:pt modelId="{7300E7F4-ED3F-436A-A1F0-90BEABB46E71}" type="pres">
       <dgm:prSet presAssocID="{6D1E928F-781F-462C-A8AC-2A960BFDA67A}" presName="sibTrans" presStyleLbl="sibTrans2D1" presStyleIdx="2" presStyleCnt="3"/>
       <dgm:spPr/>
-      <dgm:t>
-        <a:bodyPr/>
-        <a:lstStyle/>
-        <a:p>
-          <a:endParaRPr lang="en-US"/>
-        </a:p>
-      </dgm:t>
     </dgm:pt>
     <dgm:pt modelId="{D7B13FD1-4A98-4993-ACFA-933B70FB5D81}" type="pres">
       <dgm:prSet presAssocID="{6D1E928F-781F-462C-A8AC-2A960BFDA67A}" presName="connectorText" presStyleLbl="sibTrans2D1" presStyleIdx="2" presStyleCnt="3"/>
       <dgm:spPr/>
-      <dgm:t>
-        <a:bodyPr/>
-        <a:lstStyle/>
-        <a:p>
-          <a:endParaRPr lang="en-US"/>
-        </a:p>
-      </dgm:t>
     </dgm:pt>
     <dgm:pt modelId="{F65F4BF1-A7B9-4C27-8B28-16C04C25982E}" type="pres">
       <dgm:prSet presAssocID="{764C4D4F-B7F7-4995-9F46-8E01C62C581B}" presName="node" presStyleLbl="node1" presStyleIdx="3" presStyleCnt="4">
@@ -1199,30 +1137,23 @@
         </dgm:presLayoutVars>
       </dgm:prSet>
       <dgm:spPr/>
-      <dgm:t>
-        <a:bodyPr/>
-        <a:lstStyle/>
-        <a:p>
-          <a:endParaRPr lang="en-US"/>
-        </a:p>
-      </dgm:t>
     </dgm:pt>
   </dgm:ptLst>
   <dgm:cxnLst>
-    <dgm:cxn modelId="{3EBFAACE-A4CF-4057-9EC8-3A59330D069F}" type="presOf" srcId="{69C95212-ACBD-498E-A011-59076A4285CB}" destId="{4D4E5D9B-DE30-46F3-864F-B20CBCB47B81}" srcOrd="0" destOrd="0" presId="urn:microsoft.com/office/officeart/2005/8/layout/process1"/>
-    <dgm:cxn modelId="{2D076695-4491-4B11-95EC-7786C59603C3}" type="presOf" srcId="{0B72DC99-4E95-4ADB-960C-E769354E6A5D}" destId="{95B3EF49-35D3-4519-9F1F-B39D5A0566E4}" srcOrd="0" destOrd="0" presId="urn:microsoft.com/office/officeart/2005/8/layout/process1"/>
-    <dgm:cxn modelId="{05EBE6A4-21D9-4E6D-96DC-9D3E50C88595}" type="presOf" srcId="{38DD500D-6BEB-44F1-A480-39EBC85B7D1B}" destId="{A37733E1-C31E-4430-AEEA-7CC4BDFAF84B}" srcOrd="0" destOrd="0" presId="urn:microsoft.com/office/officeart/2005/8/layout/process1"/>
+    <dgm:cxn modelId="{23BC981F-CC7C-4D5F-91BD-DE6EC72DB040}" srcId="{9496E0A2-784B-483A-9A32-E68AF617843D}" destId="{69C95212-ACBD-498E-A011-59076A4285CB}" srcOrd="0" destOrd="0" parTransId="{BF3D5BE3-835C-4027-9271-54CEA95A0702}" sibTransId="{91D0FCC9-0385-42AC-A8E5-78283D5D669C}"/>
+    <dgm:cxn modelId="{01F09420-6EB0-4A7F-B4CE-2315FD06751C}" type="presOf" srcId="{6D1E928F-781F-462C-A8AC-2A960BFDA67A}" destId="{D7B13FD1-4A98-4993-ACFA-933B70FB5D81}" srcOrd="1" destOrd="0" presId="urn:microsoft.com/office/officeart/2005/8/layout/process1"/>
+    <dgm:cxn modelId="{31005A28-3819-43FC-A794-27C122A41925}" srcId="{9496E0A2-784B-483A-9A32-E68AF617843D}" destId="{38DD500D-6BEB-44F1-A480-39EBC85B7D1B}" srcOrd="2" destOrd="0" parTransId="{3CE2BC79-A484-4240-A2CB-1BC232A1E53F}" sibTransId="{6D1E928F-781F-462C-A8AC-2A960BFDA67A}"/>
     <dgm:cxn modelId="{B7AF3A68-AEB3-4860-978B-B262BEBB9ECB}" type="presOf" srcId="{6D1E928F-781F-462C-A8AC-2A960BFDA67A}" destId="{7300E7F4-ED3F-436A-A1F0-90BEABB46E71}" srcOrd="0" destOrd="0" presId="urn:microsoft.com/office/officeart/2005/8/layout/process1"/>
-    <dgm:cxn modelId="{31005A28-3819-43FC-A794-27C122A41925}" srcId="{9496E0A2-784B-483A-9A32-E68AF617843D}" destId="{38DD500D-6BEB-44F1-A480-39EBC85B7D1B}" srcOrd="2" destOrd="0" parTransId="{3CE2BC79-A484-4240-A2CB-1BC232A1E53F}" sibTransId="{6D1E928F-781F-462C-A8AC-2A960BFDA67A}"/>
-    <dgm:cxn modelId="{01F09420-6EB0-4A7F-B4CE-2315FD06751C}" type="presOf" srcId="{6D1E928F-781F-462C-A8AC-2A960BFDA67A}" destId="{D7B13FD1-4A98-4993-ACFA-933B70FB5D81}" srcOrd="1" destOrd="0" presId="urn:microsoft.com/office/officeart/2005/8/layout/process1"/>
-    <dgm:cxn modelId="{1530AF90-D573-4EFA-A3BC-840C3370D71B}" srcId="{9496E0A2-784B-483A-9A32-E68AF617843D}" destId="{764C4D4F-B7F7-4995-9F46-8E01C62C581B}" srcOrd="3" destOrd="0" parTransId="{A6A82594-4016-4707-8656-642BA426B3D4}" sibTransId="{356D9044-9DCA-4929-92DF-A2BDE3B61A47}"/>
-    <dgm:cxn modelId="{D1CF8BBB-F3E6-4482-8B69-D1BE9774788E}" type="presOf" srcId="{91D0FCC9-0385-42AC-A8E5-78283D5D669C}" destId="{4B5D39CA-8147-4B81-8770-5E31FC6D1CFB}" srcOrd="0" destOrd="0" presId="urn:microsoft.com/office/officeart/2005/8/layout/process1"/>
-    <dgm:cxn modelId="{5E0FD1A2-149D-4CF9-AEE7-688223EDC542}" type="presOf" srcId="{764C4D4F-B7F7-4995-9F46-8E01C62C581B}" destId="{F65F4BF1-A7B9-4C27-8B28-16C04C25982E}" srcOrd="0" destOrd="0" presId="urn:microsoft.com/office/officeart/2005/8/layout/process1"/>
-    <dgm:cxn modelId="{79D506E8-F752-4BA4-B280-EF0BEBC86F63}" srcId="{9496E0A2-784B-483A-9A32-E68AF617843D}" destId="{92249E20-58D4-4E75-BB12-FE5FBD54F135}" srcOrd="1" destOrd="0" parTransId="{105B3AA3-CBE4-4ECA-BC44-B6DCA5E7A036}" sibTransId="{0B72DC99-4E95-4ADB-960C-E769354E6A5D}"/>
-    <dgm:cxn modelId="{23BC981F-CC7C-4D5F-91BD-DE6EC72DB040}" srcId="{9496E0A2-784B-483A-9A32-E68AF617843D}" destId="{69C95212-ACBD-498E-A011-59076A4285CB}" srcOrd="0" destOrd="0" parTransId="{BF3D5BE3-835C-4027-9271-54CEA95A0702}" sibTransId="{91D0FCC9-0385-42AC-A8E5-78283D5D669C}"/>
     <dgm:cxn modelId="{F4BB5269-9705-4D80-8BF8-3B73A8F8EE8D}" type="presOf" srcId="{91D0FCC9-0385-42AC-A8E5-78283D5D669C}" destId="{41341A21-0806-411D-A443-625FA97E4491}" srcOrd="1" destOrd="0" presId="urn:microsoft.com/office/officeart/2005/8/layout/process1"/>
     <dgm:cxn modelId="{FEAE6454-4E5D-4190-8A76-D27FC4FC4790}" type="presOf" srcId="{9496E0A2-784B-483A-9A32-E68AF617843D}" destId="{9EA8A120-7984-4A2B-9532-24393BA5D7A2}" srcOrd="0" destOrd="0" presId="urn:microsoft.com/office/officeart/2005/8/layout/process1"/>
     <dgm:cxn modelId="{F8BD9F76-8AA1-4A33-B686-C2C5DEA97305}" type="presOf" srcId="{0B72DC99-4E95-4ADB-960C-E769354E6A5D}" destId="{9B203DD1-3145-4590-8ACC-2517ACFE25A8}" srcOrd="1" destOrd="0" presId="urn:microsoft.com/office/officeart/2005/8/layout/process1"/>
+    <dgm:cxn modelId="{1530AF90-D573-4EFA-A3BC-840C3370D71B}" srcId="{9496E0A2-784B-483A-9A32-E68AF617843D}" destId="{764C4D4F-B7F7-4995-9F46-8E01C62C581B}" srcOrd="3" destOrd="0" parTransId="{A6A82594-4016-4707-8656-642BA426B3D4}" sibTransId="{356D9044-9DCA-4929-92DF-A2BDE3B61A47}"/>
+    <dgm:cxn modelId="{2D076695-4491-4B11-95EC-7786C59603C3}" type="presOf" srcId="{0B72DC99-4E95-4ADB-960C-E769354E6A5D}" destId="{95B3EF49-35D3-4519-9F1F-B39D5A0566E4}" srcOrd="0" destOrd="0" presId="urn:microsoft.com/office/officeart/2005/8/layout/process1"/>
+    <dgm:cxn modelId="{5E0FD1A2-149D-4CF9-AEE7-688223EDC542}" type="presOf" srcId="{764C4D4F-B7F7-4995-9F46-8E01C62C581B}" destId="{F65F4BF1-A7B9-4C27-8B28-16C04C25982E}" srcOrd="0" destOrd="0" presId="urn:microsoft.com/office/officeart/2005/8/layout/process1"/>
+    <dgm:cxn modelId="{05EBE6A4-21D9-4E6D-96DC-9D3E50C88595}" type="presOf" srcId="{38DD500D-6BEB-44F1-A480-39EBC85B7D1B}" destId="{A37733E1-C31E-4430-AEEA-7CC4BDFAF84B}" srcOrd="0" destOrd="0" presId="urn:microsoft.com/office/officeart/2005/8/layout/process1"/>
+    <dgm:cxn modelId="{D1CF8BBB-F3E6-4482-8B69-D1BE9774788E}" type="presOf" srcId="{91D0FCC9-0385-42AC-A8E5-78283D5D669C}" destId="{4B5D39CA-8147-4B81-8770-5E31FC6D1CFB}" srcOrd="0" destOrd="0" presId="urn:microsoft.com/office/officeart/2005/8/layout/process1"/>
+    <dgm:cxn modelId="{3EBFAACE-A4CF-4057-9EC8-3A59330D069F}" type="presOf" srcId="{69C95212-ACBD-498E-A011-59076A4285CB}" destId="{4D4E5D9B-DE30-46F3-864F-B20CBCB47B81}" srcOrd="0" destOrd="0" presId="urn:microsoft.com/office/officeart/2005/8/layout/process1"/>
+    <dgm:cxn modelId="{79D506E8-F752-4BA4-B280-EF0BEBC86F63}" srcId="{9496E0A2-784B-483A-9A32-E68AF617843D}" destId="{92249E20-58D4-4E75-BB12-FE5FBD54F135}" srcOrd="1" destOrd="0" parTransId="{105B3AA3-CBE4-4ECA-BC44-B6DCA5E7A036}" sibTransId="{0B72DC99-4E95-4ADB-960C-E769354E6A5D}"/>
     <dgm:cxn modelId="{099D99FB-52B2-434C-BA10-1675505A420B}" type="presOf" srcId="{92249E20-58D4-4E75-BB12-FE5FBD54F135}" destId="{EA5BC1ED-EB03-45BA-BC56-621EEE9BEBD1}" srcOrd="0" destOrd="0" presId="urn:microsoft.com/office/officeart/2005/8/layout/process1"/>
     <dgm:cxn modelId="{DA8115C2-D2F4-4CCB-9D90-0A509018B8F1}" type="presParOf" srcId="{9EA8A120-7984-4A2B-9532-24393BA5D7A2}" destId="{4D4E5D9B-DE30-46F3-864F-B20CBCB47B81}" srcOrd="0" destOrd="0" presId="urn:microsoft.com/office/officeart/2005/8/layout/process1"/>
     <dgm:cxn modelId="{0C3F32CC-6A85-4291-B66A-941971627454}" type="presParOf" srcId="{9EA8A120-7984-4A2B-9532-24393BA5D7A2}" destId="{4B5D39CA-8147-4B81-8770-5E31FC6D1CFB}" srcOrd="1" destOrd="0" presId="urn:microsoft.com/office/officeart/2005/8/layout/process1"/>
@@ -1310,7 +1241,7 @@
         </a:bodyPr>
         <a:lstStyle/>
         <a:p>
-          <a:pPr lvl="0" algn="ctr" defTabSz="844550">
+          <a:pPr marL="0" lvl="0" indent="0" algn="ctr" defTabSz="844550">
             <a:lnSpc>
               <a:spcPct val="90000"/>
             </a:lnSpc>
@@ -1320,6 +1251,7 @@
             <a:spcAft>
               <a:spcPct val="35000"/>
             </a:spcAft>
+            <a:buNone/>
           </a:pPr>
           <a:r>
             <a:rPr lang="en-US" sz="1900" kern="1200"/>
@@ -1382,7 +1314,7 @@
         </a:bodyPr>
         <a:lstStyle/>
         <a:p>
-          <a:pPr lvl="0" algn="ctr" defTabSz="666750">
+          <a:pPr marL="0" lvl="0" indent="0" algn="ctr" defTabSz="666750">
             <a:lnSpc>
               <a:spcPct val="90000"/>
             </a:lnSpc>
@@ -1392,6 +1324,7 @@
             <a:spcAft>
               <a:spcPct val="35000"/>
             </a:spcAft>
+            <a:buNone/>
           </a:pPr>
           <a:endParaRPr lang="en-US" sz="1500" kern="1200"/>
         </a:p>
@@ -1453,7 +1386,7 @@
         </a:bodyPr>
         <a:lstStyle/>
         <a:p>
-          <a:pPr lvl="0" algn="ctr" defTabSz="844550">
+          <a:pPr marL="0" lvl="0" indent="0" algn="ctr" defTabSz="844550">
             <a:lnSpc>
               <a:spcPct val="90000"/>
             </a:lnSpc>
@@ -1463,6 +1396,7 @@
             <a:spcAft>
               <a:spcPct val="35000"/>
             </a:spcAft>
+            <a:buNone/>
           </a:pPr>
           <a:r>
             <a:rPr lang="en-US" sz="1900" kern="1200"/>
@@ -1525,7 +1459,7 @@
         </a:bodyPr>
         <a:lstStyle/>
         <a:p>
-          <a:pPr lvl="0" algn="ctr" defTabSz="666750">
+          <a:pPr marL="0" lvl="0" indent="0" algn="ctr" defTabSz="666750">
             <a:lnSpc>
               <a:spcPct val="90000"/>
             </a:lnSpc>
@@ -1535,6 +1469,7 @@
             <a:spcAft>
               <a:spcPct val="35000"/>
             </a:spcAft>
+            <a:buNone/>
           </a:pPr>
           <a:endParaRPr lang="en-US" sz="1500" kern="1200"/>
         </a:p>
@@ -1596,7 +1531,7 @@
         </a:bodyPr>
         <a:lstStyle/>
         <a:p>
-          <a:pPr lvl="0" algn="ctr" defTabSz="844550">
+          <a:pPr marL="0" lvl="0" indent="0" algn="ctr" defTabSz="844550">
             <a:lnSpc>
               <a:spcPct val="90000"/>
             </a:lnSpc>
@@ -1606,6 +1541,7 @@
             <a:spcAft>
               <a:spcPct val="35000"/>
             </a:spcAft>
+            <a:buNone/>
           </a:pPr>
           <a:r>
             <a:rPr lang="en-US" sz="1900" kern="1200"/>
@@ -1668,7 +1604,7 @@
         </a:bodyPr>
         <a:lstStyle/>
         <a:p>
-          <a:pPr lvl="0" algn="ctr" defTabSz="666750">
+          <a:pPr marL="0" lvl="0" indent="0" algn="ctr" defTabSz="666750">
             <a:lnSpc>
               <a:spcPct val="90000"/>
             </a:lnSpc>
@@ -1678,6 +1614,7 @@
             <a:spcAft>
               <a:spcPct val="35000"/>
             </a:spcAft>
+            <a:buNone/>
           </a:pPr>
           <a:endParaRPr lang="en-US" sz="1500" kern="1200"/>
         </a:p>
@@ -1744,7 +1681,7 @@
         </a:bodyPr>
         <a:lstStyle/>
         <a:p>
-          <a:pPr lvl="0" algn="ctr" defTabSz="844550">
+          <a:pPr marL="0" lvl="0" indent="0" algn="ctr" defTabSz="844550">
             <a:lnSpc>
               <a:spcPct val="90000"/>
             </a:lnSpc>
@@ -1754,6 +1691,7 @@
             <a:spcAft>
               <a:spcPct val="35000"/>
             </a:spcAft>
+            <a:buNone/>
           </a:pPr>
           <a:r>
             <a:rPr lang="en-US" sz="1900" kern="1200"/>
@@ -3032,7 +2970,7 @@
           <a:p>
             <a:fld id="{43F1A4C9-FB5C-B247-A357-650712A3F0A8}" type="datetimeFigureOut">
               <a:rPr lang="en-US" smtClean="0"/>
-              <a:t>10/24/2020</a:t>
+              <a:t>10/31/2020</a:t>
             </a:fld>
             <a:endParaRPr lang="en-US" dirty="0"/>
           </a:p>
@@ -3197,7 +3135,7 @@
           <a:p>
             <a:fld id="{EA4960E5-F060-4C88-B1C5-5A6F5890BEF6}" type="datetimeFigureOut">
               <a:rPr lang="en-SG" smtClean="0"/>
-              <a:t>10/24/2020</a:t>
+              <a:t>31/10/2020</a:t>
             </a:fld>
             <a:endParaRPr lang="en-SG" dirty="0"/>
           </a:p>
@@ -6901,13 +6839,13 @@
           <a:p>
             <a:r>
               <a:rPr lang="en-US" dirty="0"/>
-              <a:t>Name: Ong Boon Ping , Cao Liang</a:t>
+              <a:t>Name: Ong Boon Ping (A0195172B), Cao Liang</a:t>
             </a:r>
           </a:p>
           <a:p>
             <a:r>
               <a:rPr lang="en-US" dirty="0"/>
-              <a:t>Date: 10 Oct 2020</a:t>
+              <a:t>Date: 7 Nov 2020</a:t>
             </a:r>
           </a:p>
         </p:txBody>
@@ -7097,6 +7035,192 @@
           <a:p>
             <a:r>
               <a:rPr lang="en-US" dirty="0"/>
+              <a:t>Interpolation area is identified through the Max-Pooling2D and Conv2D filters</a:t>
+            </a:r>
+          </a:p>
+        </p:txBody>
+      </p:sp>
+      <p:sp>
+        <p:nvSpPr>
+          <p:cNvPr id="4" name="Footer Placeholder 3">
+            <a:extLst>
+              <a:ext uri="{FF2B5EF4-FFF2-40B4-BE49-F238E27FC236}">
+                <a16:creationId xmlns:a16="http://schemas.microsoft.com/office/drawing/2014/main" id="{05D0A230-97B6-49E0-B1A3-8C63933BF90B}"/>
+              </a:ext>
+            </a:extLst>
+          </p:cNvPr>
+          <p:cNvSpPr>
+            <a:spLocks noGrp="1"/>
+          </p:cNvSpPr>
+          <p:nvPr>
+            <p:ph type="ftr" sz="quarter" idx="15"/>
+          </p:nvPr>
+        </p:nvSpPr>
+        <p:spPr/>
+        <p:txBody>
+          <a:bodyPr/>
+          <a:lstStyle/>
+          <a:p>
+            <a:pPr algn="l"/>
+            <a:r>
+              <a:rPr lang="en-SG" sz="1000" dirty="0"/>
+              <a:t>© 2018 National University of Singapore. All Rights Reserved</a:t>
+            </a:r>
+            <a:endParaRPr lang="en-SG" dirty="0"/>
+          </a:p>
+        </p:txBody>
+      </p:sp>
+      <p:sp>
+        <p:nvSpPr>
+          <p:cNvPr id="5" name="Slide Number Placeholder 4">
+            <a:extLst>
+              <a:ext uri="{FF2B5EF4-FFF2-40B4-BE49-F238E27FC236}">
+                <a16:creationId xmlns:a16="http://schemas.microsoft.com/office/drawing/2014/main" id="{2091C43B-FAE4-4E69-A40A-FD296928683C}"/>
+              </a:ext>
+            </a:extLst>
+          </p:cNvPr>
+          <p:cNvSpPr>
+            <a:spLocks noGrp="1"/>
+          </p:cNvSpPr>
+          <p:nvPr>
+            <p:ph type="sldNum" sz="quarter" idx="16"/>
+          </p:nvPr>
+        </p:nvSpPr>
+        <p:spPr/>
+        <p:txBody>
+          <a:bodyPr/>
+          <a:lstStyle/>
+          <a:p>
+            <a:fld id="{2F63C605-4FC6-46DE-BC90-871762EA3F52}" type="slidenum">
+              <a:rPr lang="en-SG" smtClean="0"/>
+              <a:pPr/>
+              <a:t>10</a:t>
+            </a:fld>
+            <a:endParaRPr lang="en-SG" dirty="0"/>
+          </a:p>
+        </p:txBody>
+      </p:sp>
+      <p:pic>
+        <p:nvPicPr>
+          <p:cNvPr id="8" name="Picture 7">
+            <a:extLst>
+              <a:ext uri="{FF2B5EF4-FFF2-40B4-BE49-F238E27FC236}">
+                <a16:creationId xmlns:a16="http://schemas.microsoft.com/office/drawing/2014/main" id="{4DC4665D-5029-4520-B0A1-5462E0FA570C}"/>
+              </a:ext>
+            </a:extLst>
+          </p:cNvPr>
+          <p:cNvPicPr/>
+          <p:nvPr/>
+        </p:nvPicPr>
+        <p:blipFill>
+          <a:blip r:embed="rId2">
+            <a:extLst>
+              <a:ext uri="{28A0092B-C50C-407E-A947-70E740481C1C}">
+                <a14:useLocalDpi xmlns:a14="http://schemas.microsoft.com/office/drawing/2010/main" val="0"/>
+              </a:ext>
+            </a:extLst>
+          </a:blip>
+          <a:srcRect/>
+          <a:stretch>
+            <a:fillRect/>
+          </a:stretch>
+        </p:blipFill>
+        <p:spPr bwMode="auto">
+          <a:xfrm>
+            <a:off x="3024938" y="2101608"/>
+            <a:ext cx="2425603" cy="4143375"/>
+          </a:xfrm>
+          <a:prstGeom prst="rect">
+            <a:avLst/>
+          </a:prstGeom>
+          <a:noFill/>
+          <a:ln>
+            <a:noFill/>
+          </a:ln>
+        </p:spPr>
+      </p:pic>
+    </p:spTree>
+    <p:extLst>
+      <p:ext uri="{BB962C8B-B14F-4D97-AF65-F5344CB8AC3E}">
+        <p14:creationId xmlns:p14="http://schemas.microsoft.com/office/powerpoint/2010/main" val="2724985140"/>
+      </p:ext>
+    </p:extLst>
+  </p:cSld>
+  <p:clrMapOvr>
+    <a:masterClrMapping/>
+  </p:clrMapOvr>
+</p:sld>
+</file>
+
+<file path=ppt/slides/slide11.xml><?xml version="1.0" encoding="utf-8"?>
+<p:sld xmlns:a="http://schemas.openxmlformats.org/drawingml/2006/main" xmlns:r="http://schemas.openxmlformats.org/officeDocument/2006/relationships" xmlns:p="http://schemas.openxmlformats.org/presentationml/2006/main">
+  <p:cSld>
+    <p:spTree>
+      <p:nvGrpSpPr>
+        <p:cNvPr id="1" name=""/>
+        <p:cNvGrpSpPr/>
+        <p:nvPr/>
+      </p:nvGrpSpPr>
+      <p:grpSpPr>
+        <a:xfrm>
+          <a:off x="0" y="0"/>
+          <a:ext cx="0" cy="0"/>
+          <a:chOff x="0" y="0"/>
+          <a:chExt cx="0" cy="0"/>
+        </a:xfrm>
+      </p:grpSpPr>
+      <p:sp>
+        <p:nvSpPr>
+          <p:cNvPr id="2" name="Title 1">
+            <a:extLst>
+              <a:ext uri="{FF2B5EF4-FFF2-40B4-BE49-F238E27FC236}">
+                <a16:creationId xmlns:a16="http://schemas.microsoft.com/office/drawing/2014/main" id="{049F1383-99AC-409F-A6E3-EE83FF9D27F5}"/>
+              </a:ext>
+            </a:extLst>
+          </p:cNvPr>
+          <p:cNvSpPr>
+            <a:spLocks noGrp="1"/>
+          </p:cNvSpPr>
+          <p:nvPr>
+            <p:ph type="title"/>
+          </p:nvPr>
+        </p:nvSpPr>
+        <p:spPr/>
+        <p:txBody>
+          <a:bodyPr/>
+          <a:lstStyle/>
+          <a:p>
+            <a:r>
+              <a:rPr lang="en-US" dirty="0"/>
+              <a:t>Design Idea</a:t>
+            </a:r>
+            <a:endParaRPr lang="en-SG" dirty="0"/>
+          </a:p>
+        </p:txBody>
+      </p:sp>
+      <p:sp>
+        <p:nvSpPr>
+          <p:cNvPr id="3" name="Text Placeholder 2">
+            <a:extLst>
+              <a:ext uri="{FF2B5EF4-FFF2-40B4-BE49-F238E27FC236}">
+                <a16:creationId xmlns:a16="http://schemas.microsoft.com/office/drawing/2014/main" id="{0975D2C9-6230-4ED3-A49E-4BFEF8730CB9}"/>
+              </a:ext>
+            </a:extLst>
+          </p:cNvPr>
+          <p:cNvSpPr>
+            <a:spLocks noGrp="1"/>
+          </p:cNvSpPr>
+          <p:nvPr>
+            <p:ph type="body" sz="quarter" idx="13"/>
+          </p:nvPr>
+        </p:nvSpPr>
+        <p:spPr/>
+        <p:txBody>
+          <a:bodyPr/>
+          <a:lstStyle/>
+          <a:p>
+            <a:r>
+              <a:rPr lang="en-US" dirty="0"/>
               <a:t>After the interpolation area is identified, the value of the pixel can be refined thru stages of Conv2D layers.</a:t>
             </a:r>
           </a:p>
@@ -7162,7 +7286,7 @@
             <a:fld id="{2F63C605-4FC6-46DE-BC90-871762EA3F52}" type="slidenum">
               <a:rPr lang="en-SG" smtClean="0"/>
               <a:pPr/>
-              <a:t>10</a:t>
+              <a:t>11</a:t>
             </a:fld>
             <a:endParaRPr lang="en-SG" dirty="0"/>
           </a:p>
@@ -7220,7 +7344,7 @@
 </p:sld>
 </file>
 
-<file path=ppt/slides/slide11.xml><?xml version="1.0" encoding="utf-8"?>
+<file path=ppt/slides/slide12.xml><?xml version="1.0" encoding="utf-8"?>
 <p:sld xmlns:a="http://schemas.openxmlformats.org/drawingml/2006/main" xmlns:r="http://schemas.openxmlformats.org/officeDocument/2006/relationships" xmlns:p="http://schemas.openxmlformats.org/presentationml/2006/main">
   <p:cSld>
     <p:spTree>
@@ -7327,7 +7451,7 @@
             <a:fld id="{2F63C605-4FC6-46DE-BC90-871762EA3F52}" type="slidenum">
               <a:rPr lang="en-SG" smtClean="0"/>
               <a:pPr/>
-              <a:t>11</a:t>
+              <a:t>12</a:t>
             </a:fld>
             <a:endParaRPr lang="en-SG" dirty="0"/>
           </a:p>
@@ -7454,173 +7578,6 @@
 </p:sld>
 </file>
 
-<file path=ppt/slides/slide12.xml><?xml version="1.0" encoding="utf-8"?>
-<p:sld xmlns:a="http://schemas.openxmlformats.org/drawingml/2006/main" xmlns:r="http://schemas.openxmlformats.org/officeDocument/2006/relationships" xmlns:p="http://schemas.openxmlformats.org/presentationml/2006/main">
-  <p:cSld>
-    <p:spTree>
-      <p:nvGrpSpPr>
-        <p:cNvPr id="1" name=""/>
-        <p:cNvGrpSpPr/>
-        <p:nvPr/>
-      </p:nvGrpSpPr>
-      <p:grpSpPr>
-        <a:xfrm>
-          <a:off x="0" y="0"/>
-          <a:ext cx="0" cy="0"/>
-          <a:chOff x="0" y="0"/>
-          <a:chExt cx="0" cy="0"/>
-        </a:xfrm>
-      </p:grpSpPr>
-      <p:sp>
-        <p:nvSpPr>
-          <p:cNvPr id="2" name="Title 1">
-            <a:extLst>
-              <a:ext uri="{FF2B5EF4-FFF2-40B4-BE49-F238E27FC236}">
-                <a16:creationId xmlns:a16="http://schemas.microsoft.com/office/drawing/2014/main" id="{049F1383-99AC-409F-A6E3-EE83FF9D27F5}"/>
-              </a:ext>
-            </a:extLst>
-          </p:cNvPr>
-          <p:cNvSpPr>
-            <a:spLocks noGrp="1"/>
-          </p:cNvSpPr>
-          <p:nvPr>
-            <p:ph type="title"/>
-          </p:nvPr>
-        </p:nvSpPr>
-        <p:spPr/>
-        <p:txBody>
-          <a:bodyPr/>
-          <a:lstStyle/>
-          <a:p>
-            <a:r>
-              <a:rPr lang="en-US" dirty="0"/>
-              <a:t>Training</a:t>
-            </a:r>
-            <a:endParaRPr lang="en-SG" dirty="0"/>
-          </a:p>
-        </p:txBody>
-      </p:sp>
-      <p:sp>
-        <p:nvSpPr>
-          <p:cNvPr id="3" name="Text Placeholder 2">
-            <a:extLst>
-              <a:ext uri="{FF2B5EF4-FFF2-40B4-BE49-F238E27FC236}">
-                <a16:creationId xmlns:a16="http://schemas.microsoft.com/office/drawing/2014/main" id="{0975D2C9-6230-4ED3-A49E-4BFEF8730CB9}"/>
-              </a:ext>
-            </a:extLst>
-          </p:cNvPr>
-          <p:cNvSpPr>
-            <a:spLocks noGrp="1"/>
-          </p:cNvSpPr>
-          <p:nvPr>
-            <p:ph type="body" sz="quarter" idx="13"/>
-          </p:nvPr>
-        </p:nvSpPr>
-        <p:spPr/>
-        <p:txBody>
-          <a:bodyPr>
-            <a:normAutofit lnSpcReduction="10000"/>
-          </a:bodyPr>
-          <a:lstStyle/>
-          <a:p>
-            <a:r>
-              <a:rPr lang="en-US" dirty="0"/>
-              <a:t>The neural network is trained using 640 2D Lidar maps. Each map is taken from lidar scan on wall and various building surfaces.</a:t>
-            </a:r>
-          </a:p>
-          <a:p>
-            <a:r>
-              <a:rPr lang="en-US" dirty="0"/>
-              <a:t>The scan points are all collected from a single point cloud scan. The sensor is placed at different angle from the wall or building surfaces.</a:t>
-            </a:r>
-          </a:p>
-          <a:p>
-            <a:r>
-              <a:rPr lang="en-US" dirty="0"/>
-              <a:t>Each 2D lidar map has a matching terrain map. As a result, the 2D lidar map serves as input to the network while the expected output is the matching 2D terrain map.</a:t>
-            </a:r>
-          </a:p>
-          <a:p>
-            <a:pPr marL="0" indent="0">
-              <a:buNone/>
-            </a:pPr>
-            <a:endParaRPr lang="en-US" dirty="0"/>
-          </a:p>
-        </p:txBody>
-      </p:sp>
-      <p:sp>
-        <p:nvSpPr>
-          <p:cNvPr id="4" name="Footer Placeholder 3">
-            <a:extLst>
-              <a:ext uri="{FF2B5EF4-FFF2-40B4-BE49-F238E27FC236}">
-                <a16:creationId xmlns:a16="http://schemas.microsoft.com/office/drawing/2014/main" id="{05D0A230-97B6-49E0-B1A3-8C63933BF90B}"/>
-              </a:ext>
-            </a:extLst>
-          </p:cNvPr>
-          <p:cNvSpPr>
-            <a:spLocks noGrp="1"/>
-          </p:cNvSpPr>
-          <p:nvPr>
-            <p:ph type="ftr" sz="quarter" idx="15"/>
-          </p:nvPr>
-        </p:nvSpPr>
-        <p:spPr/>
-        <p:txBody>
-          <a:bodyPr/>
-          <a:lstStyle/>
-          <a:p>
-            <a:pPr algn="l"/>
-            <a:r>
-              <a:rPr lang="en-SG" sz="1000" dirty="0"/>
-              <a:t>© 2018 National University of Singapore. All Rights Reserved</a:t>
-            </a:r>
-            <a:endParaRPr lang="en-SG" dirty="0"/>
-          </a:p>
-        </p:txBody>
-      </p:sp>
-      <p:sp>
-        <p:nvSpPr>
-          <p:cNvPr id="5" name="Slide Number Placeholder 4">
-            <a:extLst>
-              <a:ext uri="{FF2B5EF4-FFF2-40B4-BE49-F238E27FC236}">
-                <a16:creationId xmlns:a16="http://schemas.microsoft.com/office/drawing/2014/main" id="{2091C43B-FAE4-4E69-A40A-FD296928683C}"/>
-              </a:ext>
-            </a:extLst>
-          </p:cNvPr>
-          <p:cNvSpPr>
-            <a:spLocks noGrp="1"/>
-          </p:cNvSpPr>
-          <p:nvPr>
-            <p:ph type="sldNum" sz="quarter" idx="16"/>
-          </p:nvPr>
-        </p:nvSpPr>
-        <p:spPr/>
-        <p:txBody>
-          <a:bodyPr/>
-          <a:lstStyle/>
-          <a:p>
-            <a:fld id="{2F63C605-4FC6-46DE-BC90-871762EA3F52}" type="slidenum">
-              <a:rPr lang="en-SG" smtClean="0"/>
-              <a:pPr/>
-              <a:t>12</a:t>
-            </a:fld>
-            <a:endParaRPr lang="en-SG" dirty="0"/>
-          </a:p>
-        </p:txBody>
-      </p:sp>
-    </p:spTree>
-    <p:extLst>
-      <p:ext uri="{BB962C8B-B14F-4D97-AF65-F5344CB8AC3E}">
-        <p14:creationId xmlns:p14="http://schemas.microsoft.com/office/powerpoint/2010/main" val="2811073022"/>
-      </p:ext>
-    </p:extLst>
-  </p:cSld>
-  <p:clrMapOvr>
-    <a:masterClrMapping/>
-  </p:clrMapOvr>
-</p:sld>
-</file>
-
 <file path=ppt/slides/slide13.xml><?xml version="1.0" encoding="utf-8"?>
 <p:sld xmlns:a="http://schemas.openxmlformats.org/drawingml/2006/main" xmlns:r="http://schemas.openxmlformats.org/officeDocument/2006/relationships" xmlns:p="http://schemas.openxmlformats.org/presentationml/2006/main">
   <p:cSld>
@@ -7661,9 +7618,57 @@
           <a:p>
             <a:r>
               <a:rPr lang="en-US" dirty="0"/>
-              <a:t>Training Result</a:t>
+              <a:t>Training</a:t>
             </a:r>
             <a:endParaRPr lang="en-SG" dirty="0"/>
+          </a:p>
+        </p:txBody>
+      </p:sp>
+      <p:sp>
+        <p:nvSpPr>
+          <p:cNvPr id="3" name="Text Placeholder 2">
+            <a:extLst>
+              <a:ext uri="{FF2B5EF4-FFF2-40B4-BE49-F238E27FC236}">
+                <a16:creationId xmlns:a16="http://schemas.microsoft.com/office/drawing/2014/main" id="{0975D2C9-6230-4ED3-A49E-4BFEF8730CB9}"/>
+              </a:ext>
+            </a:extLst>
+          </p:cNvPr>
+          <p:cNvSpPr>
+            <a:spLocks noGrp="1"/>
+          </p:cNvSpPr>
+          <p:nvPr>
+            <p:ph type="body" sz="quarter" idx="13"/>
+          </p:nvPr>
+        </p:nvSpPr>
+        <p:spPr/>
+        <p:txBody>
+          <a:bodyPr>
+            <a:normAutofit lnSpcReduction="10000"/>
+          </a:bodyPr>
+          <a:lstStyle/>
+          <a:p>
+            <a:r>
+              <a:rPr lang="en-US" dirty="0"/>
+              <a:t>The neural network is trained using 640 2D Lidar maps. Each map is taken from lidar scan on wall and various building surfaces.</a:t>
+            </a:r>
+          </a:p>
+          <a:p>
+            <a:r>
+              <a:rPr lang="en-US" dirty="0"/>
+              <a:t>The scan points are all collected from a single point cloud scan. The sensor is placed at different angle from the wall or building surfaces.</a:t>
+            </a:r>
+          </a:p>
+          <a:p>
+            <a:r>
+              <a:rPr lang="en-US" dirty="0"/>
+              <a:t>Each 2D lidar map has a matching terrain map. As a result, the 2D lidar map serves as input to the network while the expected output is the matching 2D terrain map.</a:t>
+            </a:r>
+          </a:p>
+          <a:p>
+            <a:pPr marL="0" indent="0">
+              <a:buNone/>
+            </a:pPr>
+            <a:endParaRPr lang="en-US" dirty="0"/>
           </a:p>
         </p:txBody>
       </p:sp>
@@ -7722,6 +7727,125 @@
               <a:rPr lang="en-SG" smtClean="0"/>
               <a:pPr/>
               <a:t>13</a:t>
+            </a:fld>
+            <a:endParaRPr lang="en-SG" dirty="0"/>
+          </a:p>
+        </p:txBody>
+      </p:sp>
+    </p:spTree>
+    <p:extLst>
+      <p:ext uri="{BB962C8B-B14F-4D97-AF65-F5344CB8AC3E}">
+        <p14:creationId xmlns:p14="http://schemas.microsoft.com/office/powerpoint/2010/main" val="2811073022"/>
+      </p:ext>
+    </p:extLst>
+  </p:cSld>
+  <p:clrMapOvr>
+    <a:masterClrMapping/>
+  </p:clrMapOvr>
+</p:sld>
+</file>
+
+<file path=ppt/slides/slide14.xml><?xml version="1.0" encoding="utf-8"?>
+<p:sld xmlns:a="http://schemas.openxmlformats.org/drawingml/2006/main" xmlns:r="http://schemas.openxmlformats.org/officeDocument/2006/relationships" xmlns:p="http://schemas.openxmlformats.org/presentationml/2006/main">
+  <p:cSld>
+    <p:spTree>
+      <p:nvGrpSpPr>
+        <p:cNvPr id="1" name=""/>
+        <p:cNvGrpSpPr/>
+        <p:nvPr/>
+      </p:nvGrpSpPr>
+      <p:grpSpPr>
+        <a:xfrm>
+          <a:off x="0" y="0"/>
+          <a:ext cx="0" cy="0"/>
+          <a:chOff x="0" y="0"/>
+          <a:chExt cx="0" cy="0"/>
+        </a:xfrm>
+      </p:grpSpPr>
+      <p:sp>
+        <p:nvSpPr>
+          <p:cNvPr id="2" name="Title 1">
+            <a:extLst>
+              <a:ext uri="{FF2B5EF4-FFF2-40B4-BE49-F238E27FC236}">
+                <a16:creationId xmlns:a16="http://schemas.microsoft.com/office/drawing/2014/main" id="{049F1383-99AC-409F-A6E3-EE83FF9D27F5}"/>
+              </a:ext>
+            </a:extLst>
+          </p:cNvPr>
+          <p:cNvSpPr>
+            <a:spLocks noGrp="1"/>
+          </p:cNvSpPr>
+          <p:nvPr>
+            <p:ph type="title"/>
+          </p:nvPr>
+        </p:nvSpPr>
+        <p:spPr/>
+        <p:txBody>
+          <a:bodyPr/>
+          <a:lstStyle/>
+          <a:p>
+            <a:r>
+              <a:rPr lang="en-US" dirty="0"/>
+              <a:t>Training Result</a:t>
+            </a:r>
+            <a:endParaRPr lang="en-SG" dirty="0"/>
+          </a:p>
+        </p:txBody>
+      </p:sp>
+      <p:sp>
+        <p:nvSpPr>
+          <p:cNvPr id="4" name="Footer Placeholder 3">
+            <a:extLst>
+              <a:ext uri="{FF2B5EF4-FFF2-40B4-BE49-F238E27FC236}">
+                <a16:creationId xmlns:a16="http://schemas.microsoft.com/office/drawing/2014/main" id="{05D0A230-97B6-49E0-B1A3-8C63933BF90B}"/>
+              </a:ext>
+            </a:extLst>
+          </p:cNvPr>
+          <p:cNvSpPr>
+            <a:spLocks noGrp="1"/>
+          </p:cNvSpPr>
+          <p:nvPr>
+            <p:ph type="ftr" sz="quarter" idx="15"/>
+          </p:nvPr>
+        </p:nvSpPr>
+        <p:spPr/>
+        <p:txBody>
+          <a:bodyPr/>
+          <a:lstStyle/>
+          <a:p>
+            <a:pPr algn="l"/>
+            <a:r>
+              <a:rPr lang="en-SG" sz="1000" dirty="0"/>
+              <a:t>© 2018 National University of Singapore. All Rights Reserved</a:t>
+            </a:r>
+            <a:endParaRPr lang="en-SG" dirty="0"/>
+          </a:p>
+        </p:txBody>
+      </p:sp>
+      <p:sp>
+        <p:nvSpPr>
+          <p:cNvPr id="5" name="Slide Number Placeholder 4">
+            <a:extLst>
+              <a:ext uri="{FF2B5EF4-FFF2-40B4-BE49-F238E27FC236}">
+                <a16:creationId xmlns:a16="http://schemas.microsoft.com/office/drawing/2014/main" id="{2091C43B-FAE4-4E69-A40A-FD296928683C}"/>
+              </a:ext>
+            </a:extLst>
+          </p:cNvPr>
+          <p:cNvSpPr>
+            <a:spLocks noGrp="1"/>
+          </p:cNvSpPr>
+          <p:nvPr>
+            <p:ph type="sldNum" sz="quarter" idx="16"/>
+          </p:nvPr>
+        </p:nvSpPr>
+        <p:spPr/>
+        <p:txBody>
+          <a:bodyPr/>
+          <a:lstStyle/>
+          <a:p>
+            <a:fld id="{2F63C605-4FC6-46DE-BC90-871762EA3F52}" type="slidenum">
+              <a:rPr lang="en-SG" smtClean="0"/>
+              <a:pPr/>
+              <a:t>14</a:t>
             </a:fld>
             <a:endParaRPr lang="en-SG" dirty="0"/>
           </a:p>
@@ -7818,172 +7942,6 @@
 </p:sld>
 </file>
 
-<file path=ppt/slides/slide14.xml><?xml version="1.0" encoding="utf-8"?>
-<p:sld xmlns:a="http://schemas.openxmlformats.org/drawingml/2006/main" xmlns:r="http://schemas.openxmlformats.org/officeDocument/2006/relationships" xmlns:p="http://schemas.openxmlformats.org/presentationml/2006/main">
-  <p:cSld>
-    <p:spTree>
-      <p:nvGrpSpPr>
-        <p:cNvPr id="1" name=""/>
-        <p:cNvGrpSpPr/>
-        <p:nvPr/>
-      </p:nvGrpSpPr>
-      <p:grpSpPr>
-        <a:xfrm>
-          <a:off x="0" y="0"/>
-          <a:ext cx="0" cy="0"/>
-          <a:chOff x="0" y="0"/>
-          <a:chExt cx="0" cy="0"/>
-        </a:xfrm>
-      </p:grpSpPr>
-      <p:sp>
-        <p:nvSpPr>
-          <p:cNvPr id="2" name="Title 1">
-            <a:extLst>
-              <a:ext uri="{FF2B5EF4-FFF2-40B4-BE49-F238E27FC236}">
-                <a16:creationId xmlns:a16="http://schemas.microsoft.com/office/drawing/2014/main" id="{504F8314-FC0E-4D83-A3C2-C65A5EDE4010}"/>
-              </a:ext>
-            </a:extLst>
-          </p:cNvPr>
-          <p:cNvSpPr>
-            <a:spLocks noGrp="1"/>
-          </p:cNvSpPr>
-          <p:nvPr>
-            <p:ph type="title"/>
-          </p:nvPr>
-        </p:nvSpPr>
-        <p:spPr/>
-        <p:txBody>
-          <a:bodyPr/>
-          <a:lstStyle/>
-          <a:p>
-            <a:r>
-              <a:rPr lang="en-US" dirty="0"/>
-              <a:t>Network Refinement</a:t>
-            </a:r>
-          </a:p>
-        </p:txBody>
-      </p:sp>
-      <p:sp>
-        <p:nvSpPr>
-          <p:cNvPr id="3" name="Text Placeholder 2">
-            <a:extLst>
-              <a:ext uri="{FF2B5EF4-FFF2-40B4-BE49-F238E27FC236}">
-                <a16:creationId xmlns:a16="http://schemas.microsoft.com/office/drawing/2014/main" id="{1E1F0735-ABA3-4079-8200-94CABB6157C0}"/>
-              </a:ext>
-            </a:extLst>
-          </p:cNvPr>
-          <p:cNvSpPr>
-            <a:spLocks noGrp="1"/>
-          </p:cNvSpPr>
-          <p:nvPr>
-            <p:ph type="body" sz="quarter" idx="13"/>
-          </p:nvPr>
-        </p:nvSpPr>
-        <p:spPr/>
-        <p:txBody>
-          <a:bodyPr>
-            <a:normAutofit/>
-          </a:bodyPr>
-          <a:lstStyle/>
-          <a:p>
-            <a:r>
-              <a:rPr lang="en-US" dirty="0"/>
-              <a:t>The design of stage 6 is further enhanced by changing the Conv2D with 6 residual blocks. </a:t>
-            </a:r>
-          </a:p>
-          <a:p>
-            <a:r>
-              <a:rPr lang="en-US" dirty="0"/>
-              <a:t>Each residual block is having 2 Conv2D layers with 3x3 kernel. </a:t>
-            </a:r>
-          </a:p>
-          <a:p>
-            <a:r>
-              <a:rPr lang="en-US" dirty="0"/>
-              <a:t>Residual blocks also reduce overfitting and hence provide better performance than simple Conv2D layer. </a:t>
-            </a:r>
-          </a:p>
-          <a:p>
-            <a:r>
-              <a:rPr lang="en-US" dirty="0"/>
-              <a:t>As a result, RESNET enhancement of the neural network</a:t>
-            </a:r>
-          </a:p>
-        </p:txBody>
-      </p:sp>
-      <p:sp>
-        <p:nvSpPr>
-          <p:cNvPr id="4" name="Footer Placeholder 3">
-            <a:extLst>
-              <a:ext uri="{FF2B5EF4-FFF2-40B4-BE49-F238E27FC236}">
-                <a16:creationId xmlns:a16="http://schemas.microsoft.com/office/drawing/2014/main" id="{BE3FDDE5-64EF-4D31-B9D7-DC84381AE4FB}"/>
-              </a:ext>
-            </a:extLst>
-          </p:cNvPr>
-          <p:cNvSpPr>
-            <a:spLocks noGrp="1"/>
-          </p:cNvSpPr>
-          <p:nvPr>
-            <p:ph type="ftr" sz="quarter" idx="15"/>
-          </p:nvPr>
-        </p:nvSpPr>
-        <p:spPr/>
-        <p:txBody>
-          <a:bodyPr/>
-          <a:lstStyle/>
-          <a:p>
-            <a:pPr algn="l"/>
-            <a:r>
-              <a:rPr lang="en-SG" sz="1000"/>
-              <a:t>© 2018 National University of Singapore. All Rights Reserved</a:t>
-            </a:r>
-            <a:endParaRPr lang="en-SG" dirty="0"/>
-          </a:p>
-        </p:txBody>
-      </p:sp>
-      <p:sp>
-        <p:nvSpPr>
-          <p:cNvPr id="5" name="Slide Number Placeholder 4">
-            <a:extLst>
-              <a:ext uri="{FF2B5EF4-FFF2-40B4-BE49-F238E27FC236}">
-                <a16:creationId xmlns:a16="http://schemas.microsoft.com/office/drawing/2014/main" id="{F01EE628-1670-4ABE-9528-D3B1019C2134}"/>
-              </a:ext>
-            </a:extLst>
-          </p:cNvPr>
-          <p:cNvSpPr>
-            <a:spLocks noGrp="1"/>
-          </p:cNvSpPr>
-          <p:nvPr>
-            <p:ph type="sldNum" sz="quarter" idx="16"/>
-          </p:nvPr>
-        </p:nvSpPr>
-        <p:spPr/>
-        <p:txBody>
-          <a:bodyPr/>
-          <a:lstStyle/>
-          <a:p>
-            <a:fld id="{2F63C605-4FC6-46DE-BC90-871762EA3F52}" type="slidenum">
-              <a:rPr lang="en-SG" smtClean="0"/>
-              <a:pPr/>
-              <a:t>14</a:t>
-            </a:fld>
-            <a:endParaRPr lang="en-SG" dirty="0"/>
-          </a:p>
-        </p:txBody>
-      </p:sp>
-    </p:spTree>
-    <p:extLst>
-      <p:ext uri="{BB962C8B-B14F-4D97-AF65-F5344CB8AC3E}">
-        <p14:creationId xmlns:p14="http://schemas.microsoft.com/office/powerpoint/2010/main" val="1190326422"/>
-      </p:ext>
-    </p:extLst>
-  </p:cSld>
-  <p:clrMapOvr>
-    <a:masterClrMapping/>
-  </p:clrMapOvr>
-</p:sld>
-</file>
-
 <file path=ppt/slides/slide15.xml><?xml version="1.0" encoding="utf-8"?>
 <p:sld xmlns:a="http://schemas.openxmlformats.org/drawingml/2006/main" xmlns:r="http://schemas.openxmlformats.org/officeDocument/2006/relationships" xmlns:p="http://schemas.openxmlformats.org/presentationml/2006/main">
   <p:cSld>
@@ -8031,6 +7989,54 @@
       </p:sp>
       <p:sp>
         <p:nvSpPr>
+          <p:cNvPr id="3" name="Text Placeholder 2">
+            <a:extLst>
+              <a:ext uri="{FF2B5EF4-FFF2-40B4-BE49-F238E27FC236}">
+                <a16:creationId xmlns:a16="http://schemas.microsoft.com/office/drawing/2014/main" id="{1E1F0735-ABA3-4079-8200-94CABB6157C0}"/>
+              </a:ext>
+            </a:extLst>
+          </p:cNvPr>
+          <p:cNvSpPr>
+            <a:spLocks noGrp="1"/>
+          </p:cNvSpPr>
+          <p:nvPr>
+            <p:ph type="body" sz="quarter" idx="13"/>
+          </p:nvPr>
+        </p:nvSpPr>
+        <p:spPr/>
+        <p:txBody>
+          <a:bodyPr>
+            <a:normAutofit/>
+          </a:bodyPr>
+          <a:lstStyle/>
+          <a:p>
+            <a:r>
+              <a:rPr lang="en-US" dirty="0"/>
+              <a:t>The design of stage 6 is further enhanced by changing the Conv2D with 6 residual blocks. </a:t>
+            </a:r>
+          </a:p>
+          <a:p>
+            <a:r>
+              <a:rPr lang="en-US" dirty="0"/>
+              <a:t>Each residual block is having 2 Conv2D layers with 3x3 kernel. </a:t>
+            </a:r>
+          </a:p>
+          <a:p>
+            <a:r>
+              <a:rPr lang="en-US" dirty="0"/>
+              <a:t>Residual blocks also reduce overfitting and hence provide better performance than simple Conv2D layer. </a:t>
+            </a:r>
+          </a:p>
+          <a:p>
+            <a:r>
+              <a:rPr lang="en-US" dirty="0"/>
+              <a:t>As a result, RESNET enhancement of the neural network</a:t>
+            </a:r>
+          </a:p>
+        </p:txBody>
+      </p:sp>
+      <p:sp>
+        <p:nvSpPr>
           <p:cNvPr id="4" name="Footer Placeholder 3">
             <a:extLst>
               <a:ext uri="{FF2B5EF4-FFF2-40B4-BE49-F238E27FC236}">
@@ -8084,6 +8090,124 @@
               <a:rPr lang="en-SG" smtClean="0"/>
               <a:pPr/>
               <a:t>15</a:t>
+            </a:fld>
+            <a:endParaRPr lang="en-SG" dirty="0"/>
+          </a:p>
+        </p:txBody>
+      </p:sp>
+    </p:spTree>
+    <p:extLst>
+      <p:ext uri="{BB962C8B-B14F-4D97-AF65-F5344CB8AC3E}">
+        <p14:creationId xmlns:p14="http://schemas.microsoft.com/office/powerpoint/2010/main" val="1190326422"/>
+      </p:ext>
+    </p:extLst>
+  </p:cSld>
+  <p:clrMapOvr>
+    <a:masterClrMapping/>
+  </p:clrMapOvr>
+</p:sld>
+</file>
+
+<file path=ppt/slides/slide16.xml><?xml version="1.0" encoding="utf-8"?>
+<p:sld xmlns:a="http://schemas.openxmlformats.org/drawingml/2006/main" xmlns:r="http://schemas.openxmlformats.org/officeDocument/2006/relationships" xmlns:p="http://schemas.openxmlformats.org/presentationml/2006/main">
+  <p:cSld>
+    <p:spTree>
+      <p:nvGrpSpPr>
+        <p:cNvPr id="1" name=""/>
+        <p:cNvGrpSpPr/>
+        <p:nvPr/>
+      </p:nvGrpSpPr>
+      <p:grpSpPr>
+        <a:xfrm>
+          <a:off x="0" y="0"/>
+          <a:ext cx="0" cy="0"/>
+          <a:chOff x="0" y="0"/>
+          <a:chExt cx="0" cy="0"/>
+        </a:xfrm>
+      </p:grpSpPr>
+      <p:sp>
+        <p:nvSpPr>
+          <p:cNvPr id="2" name="Title 1">
+            <a:extLst>
+              <a:ext uri="{FF2B5EF4-FFF2-40B4-BE49-F238E27FC236}">
+                <a16:creationId xmlns:a16="http://schemas.microsoft.com/office/drawing/2014/main" id="{504F8314-FC0E-4D83-A3C2-C65A5EDE4010}"/>
+              </a:ext>
+            </a:extLst>
+          </p:cNvPr>
+          <p:cNvSpPr>
+            <a:spLocks noGrp="1"/>
+          </p:cNvSpPr>
+          <p:nvPr>
+            <p:ph type="title"/>
+          </p:nvPr>
+        </p:nvSpPr>
+        <p:spPr/>
+        <p:txBody>
+          <a:bodyPr/>
+          <a:lstStyle/>
+          <a:p>
+            <a:r>
+              <a:rPr lang="en-US" dirty="0"/>
+              <a:t>Network Refinement</a:t>
+            </a:r>
+          </a:p>
+        </p:txBody>
+      </p:sp>
+      <p:sp>
+        <p:nvSpPr>
+          <p:cNvPr id="4" name="Footer Placeholder 3">
+            <a:extLst>
+              <a:ext uri="{FF2B5EF4-FFF2-40B4-BE49-F238E27FC236}">
+                <a16:creationId xmlns:a16="http://schemas.microsoft.com/office/drawing/2014/main" id="{BE3FDDE5-64EF-4D31-B9D7-DC84381AE4FB}"/>
+              </a:ext>
+            </a:extLst>
+          </p:cNvPr>
+          <p:cNvSpPr>
+            <a:spLocks noGrp="1"/>
+          </p:cNvSpPr>
+          <p:nvPr>
+            <p:ph type="ftr" sz="quarter" idx="15"/>
+          </p:nvPr>
+        </p:nvSpPr>
+        <p:spPr/>
+        <p:txBody>
+          <a:bodyPr/>
+          <a:lstStyle/>
+          <a:p>
+            <a:pPr algn="l"/>
+            <a:r>
+              <a:rPr lang="en-SG" sz="1000"/>
+              <a:t>© 2018 National University of Singapore. All Rights Reserved</a:t>
+            </a:r>
+            <a:endParaRPr lang="en-SG" dirty="0"/>
+          </a:p>
+        </p:txBody>
+      </p:sp>
+      <p:sp>
+        <p:nvSpPr>
+          <p:cNvPr id="5" name="Slide Number Placeholder 4">
+            <a:extLst>
+              <a:ext uri="{FF2B5EF4-FFF2-40B4-BE49-F238E27FC236}">
+                <a16:creationId xmlns:a16="http://schemas.microsoft.com/office/drawing/2014/main" id="{F01EE628-1670-4ABE-9528-D3B1019C2134}"/>
+              </a:ext>
+            </a:extLst>
+          </p:cNvPr>
+          <p:cNvSpPr>
+            <a:spLocks noGrp="1"/>
+          </p:cNvSpPr>
+          <p:nvPr>
+            <p:ph type="sldNum" sz="quarter" idx="16"/>
+          </p:nvPr>
+        </p:nvSpPr>
+        <p:spPr/>
+        <p:txBody>
+          <a:bodyPr/>
+          <a:lstStyle/>
+          <a:p>
+            <a:fld id="{2F63C605-4FC6-46DE-BC90-871762EA3F52}" type="slidenum">
+              <a:rPr lang="en-SG" smtClean="0"/>
+              <a:pPr/>
+              <a:t>16</a:t>
             </a:fld>
             <a:endParaRPr lang="en-SG" dirty="0"/>
           </a:p>
@@ -8219,238 +8343,6 @@
 </p:sld>
 </file>
 
-<file path=ppt/slides/slide16.xml><?xml version="1.0" encoding="utf-8"?>
-<p:sld xmlns:a="http://schemas.openxmlformats.org/drawingml/2006/main" xmlns:r="http://schemas.openxmlformats.org/officeDocument/2006/relationships" xmlns:p="http://schemas.openxmlformats.org/presentationml/2006/main">
-  <p:cSld>
-    <p:spTree>
-      <p:nvGrpSpPr>
-        <p:cNvPr id="1" name=""/>
-        <p:cNvGrpSpPr/>
-        <p:nvPr/>
-      </p:nvGrpSpPr>
-      <p:grpSpPr>
-        <a:xfrm>
-          <a:off x="0" y="0"/>
-          <a:ext cx="0" cy="0"/>
-          <a:chOff x="0" y="0"/>
-          <a:chExt cx="0" cy="0"/>
-        </a:xfrm>
-      </p:grpSpPr>
-      <p:sp>
-        <p:nvSpPr>
-          <p:cNvPr id="2" name="Title 1">
-            <a:extLst>
-              <a:ext uri="{FF2B5EF4-FFF2-40B4-BE49-F238E27FC236}">
-                <a16:creationId xmlns:a16="http://schemas.microsoft.com/office/drawing/2014/main" id="{049F1383-99AC-409F-A6E3-EE83FF9D27F5}"/>
-              </a:ext>
-            </a:extLst>
-          </p:cNvPr>
-          <p:cNvSpPr>
-            <a:spLocks noGrp="1"/>
-          </p:cNvSpPr>
-          <p:nvPr>
-            <p:ph type="title"/>
-          </p:nvPr>
-        </p:nvSpPr>
-        <p:spPr/>
-        <p:txBody>
-          <a:bodyPr/>
-          <a:lstStyle/>
-          <a:p>
-            <a:r>
-              <a:rPr lang="en-US" dirty="0"/>
-              <a:t>Training Result</a:t>
-            </a:r>
-            <a:endParaRPr lang="en-SG" dirty="0"/>
-          </a:p>
-        </p:txBody>
-      </p:sp>
-      <p:sp>
-        <p:nvSpPr>
-          <p:cNvPr id="4" name="Footer Placeholder 3">
-            <a:extLst>
-              <a:ext uri="{FF2B5EF4-FFF2-40B4-BE49-F238E27FC236}">
-                <a16:creationId xmlns:a16="http://schemas.microsoft.com/office/drawing/2014/main" id="{05D0A230-97B6-49E0-B1A3-8C63933BF90B}"/>
-              </a:ext>
-            </a:extLst>
-          </p:cNvPr>
-          <p:cNvSpPr>
-            <a:spLocks noGrp="1"/>
-          </p:cNvSpPr>
-          <p:nvPr>
-            <p:ph type="ftr" sz="quarter" idx="15"/>
-          </p:nvPr>
-        </p:nvSpPr>
-        <p:spPr/>
-        <p:txBody>
-          <a:bodyPr/>
-          <a:lstStyle/>
-          <a:p>
-            <a:pPr algn="l"/>
-            <a:r>
-              <a:rPr lang="en-SG" sz="1000" dirty="0"/>
-              <a:t>© 2018 National University of Singapore. All Rights Reserved</a:t>
-            </a:r>
-            <a:endParaRPr lang="en-SG" dirty="0"/>
-          </a:p>
-        </p:txBody>
-      </p:sp>
-      <p:sp>
-        <p:nvSpPr>
-          <p:cNvPr id="5" name="Slide Number Placeholder 4">
-            <a:extLst>
-              <a:ext uri="{FF2B5EF4-FFF2-40B4-BE49-F238E27FC236}">
-                <a16:creationId xmlns:a16="http://schemas.microsoft.com/office/drawing/2014/main" id="{2091C43B-FAE4-4E69-A40A-FD296928683C}"/>
-              </a:ext>
-            </a:extLst>
-          </p:cNvPr>
-          <p:cNvSpPr>
-            <a:spLocks noGrp="1"/>
-          </p:cNvSpPr>
-          <p:nvPr>
-            <p:ph type="sldNum" sz="quarter" idx="16"/>
-          </p:nvPr>
-        </p:nvSpPr>
-        <p:spPr/>
-        <p:txBody>
-          <a:bodyPr/>
-          <a:lstStyle/>
-          <a:p>
-            <a:fld id="{2F63C605-4FC6-46DE-BC90-871762EA3F52}" type="slidenum">
-              <a:rPr lang="en-SG" smtClean="0"/>
-              <a:pPr/>
-              <a:t>16</a:t>
-            </a:fld>
-            <a:endParaRPr lang="en-SG" dirty="0"/>
-          </a:p>
-        </p:txBody>
-      </p:sp>
-      <p:pic>
-        <p:nvPicPr>
-          <p:cNvPr id="8" name="Picture 7">
-            <a:extLst>
-              <a:ext uri="{FF2B5EF4-FFF2-40B4-BE49-F238E27FC236}">
-                <a16:creationId xmlns:a16="http://schemas.microsoft.com/office/drawing/2014/main" id="{E0029B7A-9350-4239-9378-0E8AFE18584C}"/>
-              </a:ext>
-            </a:extLst>
-          </p:cNvPr>
-          <p:cNvPicPr/>
-          <p:nvPr/>
-        </p:nvPicPr>
-        <p:blipFill>
-          <a:blip r:embed="rId2">
-            <a:extLst>
-              <a:ext uri="{28A0092B-C50C-407E-A947-70E740481C1C}">
-                <a14:useLocalDpi xmlns:a14="http://schemas.microsoft.com/office/drawing/2010/main" val="0"/>
-              </a:ext>
-            </a:extLst>
-          </a:blip>
-          <a:srcRect/>
-          <a:stretch>
-            <a:fillRect/>
-          </a:stretch>
-        </p:blipFill>
-        <p:spPr bwMode="auto">
-          <a:xfrm>
-            <a:off x="976544" y="2094387"/>
-            <a:ext cx="6738152" cy="2192783"/>
-          </a:xfrm>
-          <a:prstGeom prst="rect">
-            <a:avLst/>
-          </a:prstGeom>
-          <a:noFill/>
-          <a:ln>
-            <a:noFill/>
-          </a:ln>
-        </p:spPr>
-      </p:pic>
-      <p:pic>
-        <p:nvPicPr>
-          <p:cNvPr id="9" name="Picture 8">
-            <a:extLst>
-              <a:ext uri="{FF2B5EF4-FFF2-40B4-BE49-F238E27FC236}">
-                <a16:creationId xmlns:a16="http://schemas.microsoft.com/office/drawing/2014/main" id="{27261D0A-FEFB-4D00-B142-EB6F5F30B93F}"/>
-              </a:ext>
-            </a:extLst>
-          </p:cNvPr>
-          <p:cNvPicPr/>
-          <p:nvPr/>
-        </p:nvPicPr>
-        <p:blipFill>
-          <a:blip r:embed="rId3">
-            <a:extLst>
-              <a:ext uri="{28A0092B-C50C-407E-A947-70E740481C1C}">
-                <a14:useLocalDpi xmlns:a14="http://schemas.microsoft.com/office/drawing/2010/main" val="0"/>
-              </a:ext>
-            </a:extLst>
-          </a:blip>
-          <a:srcRect/>
-          <a:stretch>
-            <a:fillRect/>
-          </a:stretch>
-        </p:blipFill>
-        <p:spPr bwMode="auto">
-          <a:xfrm>
-            <a:off x="2307288" y="4501193"/>
-            <a:ext cx="4529424" cy="1784285"/>
-          </a:xfrm>
-          <a:prstGeom prst="rect">
-            <a:avLst/>
-          </a:prstGeom>
-          <a:noFill/>
-          <a:ln>
-            <a:noFill/>
-          </a:ln>
-        </p:spPr>
-      </p:pic>
-      <p:sp>
-        <p:nvSpPr>
-          <p:cNvPr id="10" name="Text Placeholder 2">
-            <a:extLst>
-              <a:ext uri="{FF2B5EF4-FFF2-40B4-BE49-F238E27FC236}">
-                <a16:creationId xmlns:a16="http://schemas.microsoft.com/office/drawing/2014/main" id="{FB7A3B92-3A61-4E3E-A89B-47C278575079}"/>
-              </a:ext>
-            </a:extLst>
-          </p:cNvPr>
-          <p:cNvSpPr>
-            <a:spLocks noGrp="1"/>
-          </p:cNvSpPr>
-          <p:nvPr>
-            <p:ph type="body" sz="quarter" idx="13"/>
-          </p:nvPr>
-        </p:nvSpPr>
-        <p:spPr>
-          <a:xfrm>
-            <a:off x="628650" y="1167037"/>
-            <a:ext cx="7886700" cy="4143375"/>
-          </a:xfrm>
-        </p:spPr>
-        <p:txBody>
-          <a:bodyPr>
-            <a:normAutofit/>
-          </a:bodyPr>
-          <a:lstStyle/>
-          <a:p>
-            <a:r>
-              <a:rPr lang="en-US" dirty="0"/>
-              <a:t>The RESNET has helped to increase the accuracy to 86.2%.</a:t>
-            </a:r>
-          </a:p>
-        </p:txBody>
-      </p:sp>
-    </p:spTree>
-    <p:extLst>
-      <p:ext uri="{BB962C8B-B14F-4D97-AF65-F5344CB8AC3E}">
-        <p14:creationId xmlns:p14="http://schemas.microsoft.com/office/powerpoint/2010/main" val="2780270187"/>
-      </p:ext>
-    </p:extLst>
-  </p:cSld>
-  <p:clrMapOvr>
-    <a:masterClrMapping/>
-  </p:clrMapOvr>
-</p:sld>
-</file>
-
 <file path=ppt/slides/slide17.xml><?xml version="1.0" encoding="utf-8"?>
 <p:sld xmlns:a="http://schemas.openxmlformats.org/drawingml/2006/main" xmlns:r="http://schemas.openxmlformats.org/officeDocument/2006/relationships" xmlns:p="http://schemas.openxmlformats.org/presentationml/2006/main">
   <p:cSld>
@@ -8491,51 +8383,9 @@
           <a:p>
             <a:r>
               <a:rPr lang="en-US" dirty="0"/>
-              <a:t>Application</a:t>
+              <a:t>Training Result</a:t>
             </a:r>
             <a:endParaRPr lang="en-SG" dirty="0"/>
-          </a:p>
-        </p:txBody>
-      </p:sp>
-      <p:sp>
-        <p:nvSpPr>
-          <p:cNvPr id="3" name="Text Placeholder 2">
-            <a:extLst>
-              <a:ext uri="{FF2B5EF4-FFF2-40B4-BE49-F238E27FC236}">
-                <a16:creationId xmlns:a16="http://schemas.microsoft.com/office/drawing/2014/main" id="{0975D2C9-6230-4ED3-A49E-4BFEF8730CB9}"/>
-              </a:ext>
-            </a:extLst>
-          </p:cNvPr>
-          <p:cNvSpPr>
-            <a:spLocks noGrp="1"/>
-          </p:cNvSpPr>
-          <p:nvPr>
-            <p:ph type="body" sz="quarter" idx="13"/>
-          </p:nvPr>
-        </p:nvSpPr>
-        <p:spPr/>
-        <p:txBody>
-          <a:bodyPr>
-            <a:normAutofit lnSpcReduction="10000"/>
-          </a:bodyPr>
-          <a:lstStyle/>
-          <a:p>
-            <a:r>
-              <a:rPr lang="en-US" dirty="0"/>
-              <a:t>The neural network is applied on the point cloud scan data gathered in Leibnitz University using autonomous robot. </a:t>
-            </a:r>
-          </a:p>
-          <a:p>
-            <a:r>
-              <a:rPr lang="en-US" dirty="0"/>
-              <a:t>During testing, the network model and weights are preloaded during system initialization. </a:t>
-            </a:r>
-          </a:p>
-          <a:p>
-            <a:r>
-              <a:rPr lang="en-US" dirty="0"/>
-              <a:t>Python script will be converting point cloud scan data into 2D map. Interpolation is made on the newly created 2D map from the scan point to the source point</a:t>
-            </a:r>
           </a:p>
         </p:txBody>
       </p:sp>
@@ -8599,10 +8449,453 @@
           </a:p>
         </p:txBody>
       </p:sp>
+      <p:pic>
+        <p:nvPicPr>
+          <p:cNvPr id="8" name="Picture 7">
+            <a:extLst>
+              <a:ext uri="{FF2B5EF4-FFF2-40B4-BE49-F238E27FC236}">
+                <a16:creationId xmlns:a16="http://schemas.microsoft.com/office/drawing/2014/main" id="{E0029B7A-9350-4239-9378-0E8AFE18584C}"/>
+              </a:ext>
+            </a:extLst>
+          </p:cNvPr>
+          <p:cNvPicPr/>
+          <p:nvPr/>
+        </p:nvPicPr>
+        <p:blipFill>
+          <a:blip r:embed="rId2">
+            <a:extLst>
+              <a:ext uri="{28A0092B-C50C-407E-A947-70E740481C1C}">
+                <a14:useLocalDpi xmlns:a14="http://schemas.microsoft.com/office/drawing/2010/main" val="0"/>
+              </a:ext>
+            </a:extLst>
+          </a:blip>
+          <a:srcRect/>
+          <a:stretch>
+            <a:fillRect/>
+          </a:stretch>
+        </p:blipFill>
+        <p:spPr bwMode="auto">
+          <a:xfrm>
+            <a:off x="976544" y="2094387"/>
+            <a:ext cx="6378761" cy="2036163"/>
+          </a:xfrm>
+          <a:prstGeom prst="rect">
+            <a:avLst/>
+          </a:prstGeom>
+          <a:noFill/>
+          <a:ln>
+            <a:noFill/>
+          </a:ln>
+        </p:spPr>
+      </p:pic>
+      <p:pic>
+        <p:nvPicPr>
+          <p:cNvPr id="9" name="Picture 8">
+            <a:extLst>
+              <a:ext uri="{FF2B5EF4-FFF2-40B4-BE49-F238E27FC236}">
+                <a16:creationId xmlns:a16="http://schemas.microsoft.com/office/drawing/2014/main" id="{27261D0A-FEFB-4D00-B142-EB6F5F30B93F}"/>
+              </a:ext>
+            </a:extLst>
+          </p:cNvPr>
+          <p:cNvPicPr/>
+          <p:nvPr/>
+        </p:nvPicPr>
+        <p:blipFill>
+          <a:blip r:embed="rId3">
+            <a:extLst>
+              <a:ext uri="{28A0092B-C50C-407E-A947-70E740481C1C}">
+                <a14:useLocalDpi xmlns:a14="http://schemas.microsoft.com/office/drawing/2010/main" val="0"/>
+              </a:ext>
+            </a:extLst>
+          </a:blip>
+          <a:srcRect/>
+          <a:stretch>
+            <a:fillRect/>
+          </a:stretch>
+        </p:blipFill>
+        <p:spPr bwMode="auto">
+          <a:xfrm>
+            <a:off x="1194450" y="4165757"/>
+            <a:ext cx="4529424" cy="1784285"/>
+          </a:xfrm>
+          <a:prstGeom prst="rect">
+            <a:avLst/>
+          </a:prstGeom>
+          <a:noFill/>
+          <a:ln>
+            <a:noFill/>
+          </a:ln>
+        </p:spPr>
+      </p:pic>
+      <p:sp>
+        <p:nvSpPr>
+          <p:cNvPr id="10" name="Text Placeholder 2">
+            <a:extLst>
+              <a:ext uri="{FF2B5EF4-FFF2-40B4-BE49-F238E27FC236}">
+                <a16:creationId xmlns:a16="http://schemas.microsoft.com/office/drawing/2014/main" id="{FB7A3B92-3A61-4E3E-A89B-47C278575079}"/>
+              </a:ext>
+            </a:extLst>
+          </p:cNvPr>
+          <p:cNvSpPr>
+            <a:spLocks noGrp="1"/>
+          </p:cNvSpPr>
+          <p:nvPr>
+            <p:ph type="body" sz="quarter" idx="13"/>
+          </p:nvPr>
+        </p:nvSpPr>
+        <p:spPr>
+          <a:xfrm>
+            <a:off x="628650" y="1167037"/>
+            <a:ext cx="7886700" cy="4143375"/>
+          </a:xfrm>
+        </p:spPr>
+        <p:txBody>
+          <a:bodyPr>
+            <a:normAutofit/>
+          </a:bodyPr>
+          <a:lstStyle/>
+          <a:p>
+            <a:r>
+              <a:rPr lang="en-US" dirty="0"/>
+              <a:t>The RESNET has helped to increase the accuracy to 86.2%.</a:t>
+            </a:r>
+          </a:p>
+        </p:txBody>
+      </p:sp>
+      <p:graphicFrame>
+        <p:nvGraphicFramePr>
+          <p:cNvPr id="3" name="Table 2">
+            <a:extLst>
+              <a:ext uri="{FF2B5EF4-FFF2-40B4-BE49-F238E27FC236}">
+                <a16:creationId xmlns:a16="http://schemas.microsoft.com/office/drawing/2014/main" id="{FA8E6DFF-9FDD-4870-9E61-35F12087026A}"/>
+              </a:ext>
+            </a:extLst>
+          </p:cNvPr>
+          <p:cNvGraphicFramePr>
+            <a:graphicFrameLocks noGrp="1"/>
+          </p:cNvGraphicFramePr>
+          <p:nvPr>
+            <p:extLst>
+              <p:ext uri="{D42A27DB-BD31-4B8C-83A1-F6EECF244321}">
+                <p14:modId xmlns:p14="http://schemas.microsoft.com/office/powerpoint/2010/main" val="1760303445"/>
+              </p:ext>
+            </p:extLst>
+          </p:nvPr>
+        </p:nvGraphicFramePr>
+        <p:xfrm>
+          <a:off x="5596208" y="4456971"/>
+          <a:ext cx="2745686" cy="1085574"/>
+        </p:xfrm>
+        <a:graphic>
+          <a:graphicData uri="http://schemas.openxmlformats.org/drawingml/2006/table">
+            <a:tbl>
+              <a:tblPr firstRow="1" firstCol="1" bandRow="1">
+                <a:tableStyleId>{8A107856-5554-42FB-B03E-39F5DBC370BA}</a:tableStyleId>
+              </a:tblPr>
+              <a:tblGrid>
+                <a:gridCol w="1312916">
+                  <a:extLst>
+                    <a:ext uri="{9D8B030D-6E8A-4147-A177-3AD203B41FA5}">
+                      <a16:colId xmlns:a16="http://schemas.microsoft.com/office/drawing/2014/main" val="163532138"/>
+                    </a:ext>
+                  </a:extLst>
+                </a:gridCol>
+                <a:gridCol w="657241">
+                  <a:extLst>
+                    <a:ext uri="{9D8B030D-6E8A-4147-A177-3AD203B41FA5}">
+                      <a16:colId xmlns:a16="http://schemas.microsoft.com/office/drawing/2014/main" val="1740003801"/>
+                    </a:ext>
+                  </a:extLst>
+                </a:gridCol>
+                <a:gridCol w="775529">
+                  <a:extLst>
+                    <a:ext uri="{9D8B030D-6E8A-4147-A177-3AD203B41FA5}">
+                      <a16:colId xmlns:a16="http://schemas.microsoft.com/office/drawing/2014/main" val="2287448264"/>
+                    </a:ext>
+                  </a:extLst>
+                </a:gridCol>
+              </a:tblGrid>
+              <a:tr h="310164">
+                <a:tc>
+                  <a:txBody>
+                    <a:bodyPr/>
+                    <a:lstStyle/>
+                    <a:p>
+                      <a:pPr marL="0" marR="0" indent="0" algn="just">
+                        <a:spcBef>
+                          <a:spcPts val="0"/>
+                        </a:spcBef>
+                        <a:spcAft>
+                          <a:spcPts val="0"/>
+                        </a:spcAft>
+                      </a:pPr>
+                      <a:r>
+                        <a:rPr lang="en-US" sz="800">
+                          <a:effectLst/>
+                        </a:rPr>
+                        <a:t> </a:t>
+                      </a:r>
+                      <a:endParaRPr lang="en-US" sz="800">
+                        <a:effectLst/>
+                        <a:latin typeface="Times New Roman" panose="02020603050405020304" pitchFamily="18" charset="0"/>
+                        <a:ea typeface="Times New Roman" panose="02020603050405020304" pitchFamily="18" charset="0"/>
+                      </a:endParaRPr>
+                    </a:p>
+                  </a:txBody>
+                  <a:tcPr marL="68580" marR="68580" marT="0" marB="0"/>
+                </a:tc>
+                <a:tc>
+                  <a:txBody>
+                    <a:bodyPr/>
+                    <a:lstStyle/>
+                    <a:p>
+                      <a:pPr marL="0" marR="0" indent="0" algn="just">
+                        <a:spcBef>
+                          <a:spcPts val="0"/>
+                        </a:spcBef>
+                        <a:spcAft>
+                          <a:spcPts val="0"/>
+                        </a:spcAft>
+                      </a:pPr>
+                      <a:r>
+                        <a:rPr lang="en-US" sz="800">
+                          <a:effectLst/>
+                        </a:rPr>
+                        <a:t>Accuracy</a:t>
+                      </a:r>
+                      <a:endParaRPr lang="en-US" sz="800">
+                        <a:effectLst/>
+                        <a:latin typeface="Times New Roman" panose="02020603050405020304" pitchFamily="18" charset="0"/>
+                        <a:ea typeface="Times New Roman" panose="02020603050405020304" pitchFamily="18" charset="0"/>
+                      </a:endParaRPr>
+                    </a:p>
+                  </a:txBody>
+                  <a:tcPr marL="68580" marR="68580" marT="0" marB="0"/>
+                </a:tc>
+                <a:tc>
+                  <a:txBody>
+                    <a:bodyPr/>
+                    <a:lstStyle/>
+                    <a:p>
+                      <a:pPr marL="0" marR="0" indent="0" algn="just">
+                        <a:spcBef>
+                          <a:spcPts val="0"/>
+                        </a:spcBef>
+                        <a:spcAft>
+                          <a:spcPts val="0"/>
+                        </a:spcAft>
+                      </a:pPr>
+                      <a:r>
+                        <a:rPr lang="en-US" sz="800">
+                          <a:effectLst/>
+                        </a:rPr>
+                        <a:t>RMS Error</a:t>
+                      </a:r>
+                      <a:endParaRPr lang="en-US" sz="800">
+                        <a:effectLst/>
+                        <a:latin typeface="Times New Roman" panose="02020603050405020304" pitchFamily="18" charset="0"/>
+                        <a:ea typeface="Times New Roman" panose="02020603050405020304" pitchFamily="18" charset="0"/>
+                      </a:endParaRPr>
+                    </a:p>
+                  </a:txBody>
+                  <a:tcPr marL="68580" marR="68580" marT="0" marB="0"/>
+                </a:tc>
+                <a:extLst>
+                  <a:ext uri="{0D108BD9-81ED-4DB2-BD59-A6C34878D82A}">
+                    <a16:rowId xmlns:a16="http://schemas.microsoft.com/office/drawing/2014/main" val="573268993"/>
+                  </a:ext>
+                </a:extLst>
+              </a:tr>
+              <a:tr h="310164">
+                <a:tc>
+                  <a:txBody>
+                    <a:bodyPr/>
+                    <a:lstStyle/>
+                    <a:p>
+                      <a:pPr marL="0" marR="0" indent="0" algn="just">
+                        <a:spcBef>
+                          <a:spcPts val="0"/>
+                        </a:spcBef>
+                        <a:spcAft>
+                          <a:spcPts val="0"/>
+                        </a:spcAft>
+                      </a:pPr>
+                      <a:r>
+                        <a:rPr lang="en-US" sz="800">
+                          <a:effectLst/>
+                        </a:rPr>
+                        <a:t>Neural Network (without RESNET)</a:t>
+                      </a:r>
+                      <a:endParaRPr lang="en-US" sz="800">
+                        <a:effectLst/>
+                        <a:latin typeface="Times New Roman" panose="02020603050405020304" pitchFamily="18" charset="0"/>
+                        <a:ea typeface="Times New Roman" panose="02020603050405020304" pitchFamily="18" charset="0"/>
+                      </a:endParaRPr>
+                    </a:p>
+                  </a:txBody>
+                  <a:tcPr marL="68580" marR="68580" marT="0" marB="0"/>
+                </a:tc>
+                <a:tc>
+                  <a:txBody>
+                    <a:bodyPr/>
+                    <a:lstStyle/>
+                    <a:p>
+                      <a:pPr marL="0" marR="0" indent="0" algn="just">
+                        <a:spcBef>
+                          <a:spcPts val="0"/>
+                        </a:spcBef>
+                        <a:spcAft>
+                          <a:spcPts val="0"/>
+                        </a:spcAft>
+                      </a:pPr>
+                      <a:r>
+                        <a:rPr lang="en-US" sz="800">
+                          <a:effectLst/>
+                        </a:rPr>
+                        <a:t>85.0%</a:t>
+                      </a:r>
+                      <a:endParaRPr lang="en-US" sz="800">
+                        <a:effectLst/>
+                        <a:latin typeface="Times New Roman" panose="02020603050405020304" pitchFamily="18" charset="0"/>
+                        <a:ea typeface="Times New Roman" panose="02020603050405020304" pitchFamily="18" charset="0"/>
+                      </a:endParaRPr>
+                    </a:p>
+                  </a:txBody>
+                  <a:tcPr marL="68580" marR="68580" marT="0" marB="0"/>
+                </a:tc>
+                <a:tc>
+                  <a:txBody>
+                    <a:bodyPr/>
+                    <a:lstStyle/>
+                    <a:p>
+                      <a:pPr marL="0" marR="0" indent="0" algn="just">
+                        <a:spcBef>
+                          <a:spcPts val="0"/>
+                        </a:spcBef>
+                        <a:spcAft>
+                          <a:spcPts val="0"/>
+                        </a:spcAft>
+                      </a:pPr>
+                      <a:r>
+                        <a:rPr lang="en-US" sz="800">
+                          <a:effectLst/>
+                        </a:rPr>
+                        <a:t>0.0051</a:t>
+                      </a:r>
+                      <a:endParaRPr lang="en-US" sz="800">
+                        <a:effectLst/>
+                        <a:latin typeface="Times New Roman" panose="02020603050405020304" pitchFamily="18" charset="0"/>
+                        <a:ea typeface="Times New Roman" panose="02020603050405020304" pitchFamily="18" charset="0"/>
+                      </a:endParaRPr>
+                    </a:p>
+                  </a:txBody>
+                  <a:tcPr marL="68580" marR="68580" marT="0" marB="0"/>
+                </a:tc>
+                <a:extLst>
+                  <a:ext uri="{0D108BD9-81ED-4DB2-BD59-A6C34878D82A}">
+                    <a16:rowId xmlns:a16="http://schemas.microsoft.com/office/drawing/2014/main" val="3858301182"/>
+                  </a:ext>
+                </a:extLst>
+              </a:tr>
+              <a:tr h="465246">
+                <a:tc>
+                  <a:txBody>
+                    <a:bodyPr/>
+                    <a:lstStyle/>
+                    <a:p>
+                      <a:pPr marL="0" marR="0" indent="0" algn="just">
+                        <a:spcBef>
+                          <a:spcPts val="0"/>
+                        </a:spcBef>
+                        <a:spcAft>
+                          <a:spcPts val="0"/>
+                        </a:spcAft>
+                      </a:pPr>
+                      <a:r>
+                        <a:rPr lang="en-US" sz="800">
+                          <a:effectLst/>
+                        </a:rPr>
+                        <a:t>RESNET Enhanced Neural Network</a:t>
+                      </a:r>
+                      <a:endParaRPr lang="en-US" sz="800">
+                        <a:effectLst/>
+                        <a:latin typeface="Times New Roman" panose="02020603050405020304" pitchFamily="18" charset="0"/>
+                        <a:ea typeface="Times New Roman" panose="02020603050405020304" pitchFamily="18" charset="0"/>
+                      </a:endParaRPr>
+                    </a:p>
+                  </a:txBody>
+                  <a:tcPr marL="68580" marR="68580" marT="0" marB="0"/>
+                </a:tc>
+                <a:tc>
+                  <a:txBody>
+                    <a:bodyPr/>
+                    <a:lstStyle/>
+                    <a:p>
+                      <a:pPr marL="0" marR="0" indent="0" algn="just">
+                        <a:spcBef>
+                          <a:spcPts val="0"/>
+                        </a:spcBef>
+                        <a:spcAft>
+                          <a:spcPts val="0"/>
+                        </a:spcAft>
+                      </a:pPr>
+                      <a:r>
+                        <a:rPr lang="en-US" sz="800">
+                          <a:effectLst/>
+                        </a:rPr>
+                        <a:t>86.2%</a:t>
+                      </a:r>
+                      <a:endParaRPr lang="en-US" sz="800">
+                        <a:effectLst/>
+                        <a:latin typeface="Times New Roman" panose="02020603050405020304" pitchFamily="18" charset="0"/>
+                        <a:ea typeface="Times New Roman" panose="02020603050405020304" pitchFamily="18" charset="0"/>
+                      </a:endParaRPr>
+                    </a:p>
+                  </a:txBody>
+                  <a:tcPr marL="68580" marR="68580" marT="0" marB="0"/>
+                </a:tc>
+                <a:tc>
+                  <a:txBody>
+                    <a:bodyPr/>
+                    <a:lstStyle/>
+                    <a:p>
+                      <a:pPr marL="0" marR="0" indent="0" algn="just">
+                        <a:spcBef>
+                          <a:spcPts val="0"/>
+                        </a:spcBef>
+                        <a:spcAft>
+                          <a:spcPts val="0"/>
+                        </a:spcAft>
+                      </a:pPr>
+                      <a:r>
+                        <a:rPr lang="en-US" sz="800" dirty="0">
+                          <a:effectLst/>
+                        </a:rPr>
+                        <a:t>0.0044</a:t>
+                      </a:r>
+                      <a:endParaRPr lang="en-US" sz="800" dirty="0">
+                        <a:effectLst/>
+                        <a:latin typeface="Times New Roman" panose="02020603050405020304" pitchFamily="18" charset="0"/>
+                        <a:ea typeface="Times New Roman" panose="02020603050405020304" pitchFamily="18" charset="0"/>
+                      </a:endParaRPr>
+                    </a:p>
+                  </a:txBody>
+                  <a:tcPr marL="68580" marR="68580" marT="0" marB="0"/>
+                </a:tc>
+                <a:extLst>
+                  <a:ext uri="{0D108BD9-81ED-4DB2-BD59-A6C34878D82A}">
+                    <a16:rowId xmlns:a16="http://schemas.microsoft.com/office/drawing/2014/main" val="1883694354"/>
+                  </a:ext>
+                </a:extLst>
+              </a:tr>
+            </a:tbl>
+          </a:graphicData>
+        </a:graphic>
+      </p:graphicFrame>
     </p:spTree>
     <p:extLst>
       <p:ext uri="{BB962C8B-B14F-4D97-AF65-F5344CB8AC3E}">
-        <p14:creationId xmlns:p14="http://schemas.microsoft.com/office/powerpoint/2010/main" val="2001288368"/>
+        <p14:creationId xmlns:p14="http://schemas.microsoft.com/office/powerpoint/2010/main" val="2780270187"/>
       </p:ext>
     </p:extLst>
   </p:cSld>
@@ -8674,7 +8967,12 @@
             <p:ph type="body" sz="quarter" idx="13"/>
           </p:nvPr>
         </p:nvSpPr>
-        <p:spPr/>
+        <p:spPr>
+          <a:xfrm>
+            <a:off x="628650" y="1167037"/>
+            <a:ext cx="7949682" cy="4335405"/>
+          </a:xfrm>
+        </p:spPr>
         <p:txBody>
           <a:bodyPr>
             <a:normAutofit/>
@@ -8683,19 +8981,25 @@
           <a:p>
             <a:r>
               <a:rPr lang="en-US" dirty="0"/>
-              <a:t>After all the regions are processed by neural network, all the PNG image will be combined into one single output terrain map.</a:t>
+              <a:t>The neural network is applied on the point cloud scan data gathered in Leibnitz University using autonomous robot. </a:t>
             </a:r>
           </a:p>
           <a:p>
             <a:r>
               <a:rPr lang="en-US" dirty="0"/>
-              <a:t>Since there are multiple scan files, previous output saved in PNG image will be preloaded before subsequent scan points are loaded. </a:t>
+              <a:t>During testing, the network model and weights are preloaded during system initialization. </a:t>
             </a:r>
           </a:p>
           <a:p>
             <a:r>
               <a:rPr lang="en-US" dirty="0"/>
-              <a:t>The latest scan points will be overriding the existing values.</a:t>
+              <a:t>Python script will be converting point cloud scan data into 2D map. </a:t>
+            </a:r>
+          </a:p>
+          <a:p>
+            <a:r>
+              <a:rPr lang="en-US" dirty="0"/>
+              <a:t>Interpolation is made on the newly created 2D map from the scan point to the source point</a:t>
             </a:r>
           </a:p>
         </p:txBody>
@@ -8763,7 +9067,7 @@
     </p:spTree>
     <p:extLst>
       <p:ext uri="{BB962C8B-B14F-4D97-AF65-F5344CB8AC3E}">
-        <p14:creationId xmlns:p14="http://schemas.microsoft.com/office/powerpoint/2010/main" val="867367384"/>
+        <p14:creationId xmlns:p14="http://schemas.microsoft.com/office/powerpoint/2010/main" val="2001288368"/>
       </p:ext>
     </p:extLst>
   </p:cSld>
@@ -8813,9 +9117,51 @@
           <a:p>
             <a:r>
               <a:rPr lang="en-US" dirty="0"/>
-              <a:t>Testing Process</a:t>
+              <a:t>Application</a:t>
             </a:r>
             <a:endParaRPr lang="en-SG" dirty="0"/>
+          </a:p>
+        </p:txBody>
+      </p:sp>
+      <p:sp>
+        <p:nvSpPr>
+          <p:cNvPr id="3" name="Text Placeholder 2">
+            <a:extLst>
+              <a:ext uri="{FF2B5EF4-FFF2-40B4-BE49-F238E27FC236}">
+                <a16:creationId xmlns:a16="http://schemas.microsoft.com/office/drawing/2014/main" id="{0975D2C9-6230-4ED3-A49E-4BFEF8730CB9}"/>
+              </a:ext>
+            </a:extLst>
+          </p:cNvPr>
+          <p:cNvSpPr>
+            <a:spLocks noGrp="1"/>
+          </p:cNvSpPr>
+          <p:nvPr>
+            <p:ph type="body" sz="quarter" idx="13"/>
+          </p:nvPr>
+        </p:nvSpPr>
+        <p:spPr/>
+        <p:txBody>
+          <a:bodyPr>
+            <a:normAutofit/>
+          </a:bodyPr>
+          <a:lstStyle/>
+          <a:p>
+            <a:r>
+              <a:rPr lang="en-US" dirty="0"/>
+              <a:t>After all the regions are processed by neural network, all the PNG image will be combined into one single output terrain map.</a:t>
+            </a:r>
+          </a:p>
+          <a:p>
+            <a:r>
+              <a:rPr lang="en-US" dirty="0"/>
+              <a:t>Since there are multiple scan files, previous output saved in PNG image will be preloaded before subsequent scan points are loaded. </a:t>
+            </a:r>
+          </a:p>
+          <a:p>
+            <a:r>
+              <a:rPr lang="en-US" dirty="0"/>
+              <a:t>The latest scan points will be overriding the existing values.</a:t>
+            </a:r>
           </a:p>
         </p:txBody>
       </p:sp>
@@ -8874,6 +9220,288 @@
               <a:rPr lang="en-SG" smtClean="0"/>
               <a:pPr/>
               <a:t>19</a:t>
+            </a:fld>
+            <a:endParaRPr lang="en-SG" dirty="0"/>
+          </a:p>
+        </p:txBody>
+      </p:sp>
+    </p:spTree>
+    <p:extLst>
+      <p:ext uri="{BB962C8B-B14F-4D97-AF65-F5344CB8AC3E}">
+        <p14:creationId xmlns:p14="http://schemas.microsoft.com/office/powerpoint/2010/main" val="867367384"/>
+      </p:ext>
+    </p:extLst>
+  </p:cSld>
+  <p:clrMapOvr>
+    <a:masterClrMapping/>
+  </p:clrMapOvr>
+</p:sld>
+</file>
+
+<file path=ppt/slides/slide2.xml><?xml version="1.0" encoding="utf-8"?>
+<p:sld xmlns:a="http://schemas.openxmlformats.org/drawingml/2006/main" xmlns:r="http://schemas.openxmlformats.org/officeDocument/2006/relationships" xmlns:p="http://schemas.openxmlformats.org/presentationml/2006/main">
+  <p:cSld>
+    <p:spTree>
+      <p:nvGrpSpPr>
+        <p:cNvPr id="1" name=""/>
+        <p:cNvGrpSpPr/>
+        <p:nvPr/>
+      </p:nvGrpSpPr>
+      <p:grpSpPr>
+        <a:xfrm>
+          <a:off x="0" y="0"/>
+          <a:ext cx="0" cy="0"/>
+          <a:chOff x="0" y="0"/>
+          <a:chExt cx="0" cy="0"/>
+        </a:xfrm>
+      </p:grpSpPr>
+      <p:sp>
+        <p:nvSpPr>
+          <p:cNvPr id="2" name="Title 1">
+            <a:extLst>
+              <a:ext uri="{FF2B5EF4-FFF2-40B4-BE49-F238E27FC236}">
+                <a16:creationId xmlns:a16="http://schemas.microsoft.com/office/drawing/2014/main" id="{305B34F7-12CB-4413-B6EE-1213C77B8667}"/>
+              </a:ext>
+            </a:extLst>
+          </p:cNvPr>
+          <p:cNvSpPr>
+            <a:spLocks noGrp="1"/>
+          </p:cNvSpPr>
+          <p:nvPr>
+            <p:ph type="title"/>
+          </p:nvPr>
+        </p:nvSpPr>
+        <p:spPr>
+          <a:xfrm>
+            <a:off x="628655" y="250833"/>
+            <a:ext cx="4567599" cy="681152"/>
+          </a:xfrm>
+        </p:spPr>
+        <p:txBody>
+          <a:bodyPr>
+            <a:normAutofit/>
+          </a:bodyPr>
+          <a:lstStyle/>
+          <a:p>
+            <a:r>
+              <a:rPr lang="en-US" dirty="0"/>
+              <a:t>Introduction</a:t>
+            </a:r>
+            <a:endParaRPr lang="en-SG" dirty="0"/>
+          </a:p>
+        </p:txBody>
+      </p:sp>
+      <p:sp>
+        <p:nvSpPr>
+          <p:cNvPr id="4" name="Footer Placeholder 3">
+            <a:extLst>
+              <a:ext uri="{FF2B5EF4-FFF2-40B4-BE49-F238E27FC236}">
+                <a16:creationId xmlns:a16="http://schemas.microsoft.com/office/drawing/2014/main" id="{DFF7D98E-5B1F-4E10-AB97-58406D48EF6C}"/>
+              </a:ext>
+            </a:extLst>
+          </p:cNvPr>
+          <p:cNvSpPr>
+            <a:spLocks noGrp="1"/>
+          </p:cNvSpPr>
+          <p:nvPr>
+            <p:ph type="ftr" sz="quarter" idx="15"/>
+          </p:nvPr>
+        </p:nvSpPr>
+        <p:spPr/>
+        <p:txBody>
+          <a:bodyPr/>
+          <a:lstStyle/>
+          <a:p>
+            <a:pPr algn="l"/>
+            <a:r>
+              <a:rPr lang="en-SG" sz="1000" dirty="0"/>
+              <a:t>© 2018 National University of Singapore. All Rights Reserved</a:t>
+            </a:r>
+            <a:endParaRPr lang="en-SG" dirty="0"/>
+          </a:p>
+        </p:txBody>
+      </p:sp>
+      <p:sp>
+        <p:nvSpPr>
+          <p:cNvPr id="5" name="Slide Number Placeholder 4">
+            <a:extLst>
+              <a:ext uri="{FF2B5EF4-FFF2-40B4-BE49-F238E27FC236}">
+                <a16:creationId xmlns:a16="http://schemas.microsoft.com/office/drawing/2014/main" id="{2B209DE3-A460-48DC-8DFB-3F1EEB83EC47}"/>
+              </a:ext>
+            </a:extLst>
+          </p:cNvPr>
+          <p:cNvSpPr>
+            <a:spLocks noGrp="1"/>
+          </p:cNvSpPr>
+          <p:nvPr>
+            <p:ph type="sldNum" sz="quarter" idx="16"/>
+          </p:nvPr>
+        </p:nvSpPr>
+        <p:spPr/>
+        <p:txBody>
+          <a:bodyPr/>
+          <a:lstStyle/>
+          <a:p>
+            <a:fld id="{2F63C605-4FC6-46DE-BC90-871762EA3F52}" type="slidenum">
+              <a:rPr lang="en-SG" smtClean="0"/>
+              <a:pPr/>
+              <a:t>2</a:t>
+            </a:fld>
+            <a:endParaRPr lang="en-SG" dirty="0"/>
+          </a:p>
+        </p:txBody>
+      </p:sp>
+      <p:sp>
+        <p:nvSpPr>
+          <p:cNvPr id="7" name="Text Placeholder 6">
+            <a:extLst>
+              <a:ext uri="{FF2B5EF4-FFF2-40B4-BE49-F238E27FC236}">
+                <a16:creationId xmlns:a16="http://schemas.microsoft.com/office/drawing/2014/main" id="{CDFEDDD0-9A12-4545-B6D2-BB3ED3130654}"/>
+              </a:ext>
+            </a:extLst>
+          </p:cNvPr>
+          <p:cNvSpPr>
+            <a:spLocks noGrp="1"/>
+          </p:cNvSpPr>
+          <p:nvPr>
+            <p:ph type="body" sz="quarter" idx="13"/>
+          </p:nvPr>
+        </p:nvSpPr>
+        <p:spPr/>
+        <p:txBody>
+          <a:bodyPr>
+            <a:normAutofit/>
+          </a:bodyPr>
+          <a:lstStyle/>
+          <a:p>
+            <a:r>
+              <a:rPr lang="en-US" dirty="0"/>
+              <a:t>Currently, SLAM can be performed with Kalman filter, particle filter and K-Means method.</a:t>
+            </a:r>
+          </a:p>
+          <a:p>
+            <a:r>
+              <a:rPr lang="en-US" dirty="0"/>
+              <a:t>With development of deep neural network, it is possible to train a neural network that can predict the mapping based on point cloud or lidar data. </a:t>
+            </a:r>
+            <a:endParaRPr lang="en-SG" dirty="0"/>
+          </a:p>
+        </p:txBody>
+      </p:sp>
+    </p:spTree>
+    <p:extLst>
+      <p:ext uri="{BB962C8B-B14F-4D97-AF65-F5344CB8AC3E}">
+        <p14:creationId xmlns:p14="http://schemas.microsoft.com/office/powerpoint/2010/main" val="3435903193"/>
+      </p:ext>
+    </p:extLst>
+  </p:cSld>
+  <p:clrMapOvr>
+    <a:masterClrMapping/>
+  </p:clrMapOvr>
+</p:sld>
+</file>
+
+<file path=ppt/slides/slide20.xml><?xml version="1.0" encoding="utf-8"?>
+<p:sld xmlns:a="http://schemas.openxmlformats.org/drawingml/2006/main" xmlns:r="http://schemas.openxmlformats.org/officeDocument/2006/relationships" xmlns:p="http://schemas.openxmlformats.org/presentationml/2006/main">
+  <p:cSld>
+    <p:spTree>
+      <p:nvGrpSpPr>
+        <p:cNvPr id="1" name=""/>
+        <p:cNvGrpSpPr/>
+        <p:nvPr/>
+      </p:nvGrpSpPr>
+      <p:grpSpPr>
+        <a:xfrm>
+          <a:off x="0" y="0"/>
+          <a:ext cx="0" cy="0"/>
+          <a:chOff x="0" y="0"/>
+          <a:chExt cx="0" cy="0"/>
+        </a:xfrm>
+      </p:grpSpPr>
+      <p:sp>
+        <p:nvSpPr>
+          <p:cNvPr id="2" name="Title 1">
+            <a:extLst>
+              <a:ext uri="{FF2B5EF4-FFF2-40B4-BE49-F238E27FC236}">
+                <a16:creationId xmlns:a16="http://schemas.microsoft.com/office/drawing/2014/main" id="{049F1383-99AC-409F-A6E3-EE83FF9D27F5}"/>
+              </a:ext>
+            </a:extLst>
+          </p:cNvPr>
+          <p:cNvSpPr>
+            <a:spLocks noGrp="1"/>
+          </p:cNvSpPr>
+          <p:nvPr>
+            <p:ph type="title"/>
+          </p:nvPr>
+        </p:nvSpPr>
+        <p:spPr/>
+        <p:txBody>
+          <a:bodyPr/>
+          <a:lstStyle/>
+          <a:p>
+            <a:r>
+              <a:rPr lang="en-US" dirty="0"/>
+              <a:t>Testing Process</a:t>
+            </a:r>
+            <a:endParaRPr lang="en-SG" dirty="0"/>
+          </a:p>
+        </p:txBody>
+      </p:sp>
+      <p:sp>
+        <p:nvSpPr>
+          <p:cNvPr id="4" name="Footer Placeholder 3">
+            <a:extLst>
+              <a:ext uri="{FF2B5EF4-FFF2-40B4-BE49-F238E27FC236}">
+                <a16:creationId xmlns:a16="http://schemas.microsoft.com/office/drawing/2014/main" id="{05D0A230-97B6-49E0-B1A3-8C63933BF90B}"/>
+              </a:ext>
+            </a:extLst>
+          </p:cNvPr>
+          <p:cNvSpPr>
+            <a:spLocks noGrp="1"/>
+          </p:cNvSpPr>
+          <p:nvPr>
+            <p:ph type="ftr" sz="quarter" idx="15"/>
+          </p:nvPr>
+        </p:nvSpPr>
+        <p:spPr/>
+        <p:txBody>
+          <a:bodyPr/>
+          <a:lstStyle/>
+          <a:p>
+            <a:pPr algn="l"/>
+            <a:r>
+              <a:rPr lang="en-SG" sz="1000" dirty="0"/>
+              <a:t>© 2018 National University of Singapore. All Rights Reserved</a:t>
+            </a:r>
+            <a:endParaRPr lang="en-SG" dirty="0"/>
+          </a:p>
+        </p:txBody>
+      </p:sp>
+      <p:sp>
+        <p:nvSpPr>
+          <p:cNvPr id="5" name="Slide Number Placeholder 4">
+            <a:extLst>
+              <a:ext uri="{FF2B5EF4-FFF2-40B4-BE49-F238E27FC236}">
+                <a16:creationId xmlns:a16="http://schemas.microsoft.com/office/drawing/2014/main" id="{2091C43B-FAE4-4E69-A40A-FD296928683C}"/>
+              </a:ext>
+            </a:extLst>
+          </p:cNvPr>
+          <p:cNvSpPr>
+            <a:spLocks noGrp="1"/>
+          </p:cNvSpPr>
+          <p:nvPr>
+            <p:ph type="sldNum" sz="quarter" idx="16"/>
+          </p:nvPr>
+        </p:nvSpPr>
+        <p:spPr/>
+        <p:txBody>
+          <a:bodyPr/>
+          <a:lstStyle/>
+          <a:p>
+            <a:fld id="{2F63C605-4FC6-46DE-BC90-871762EA3F52}" type="slidenum">
+              <a:rPr lang="en-SG" smtClean="0"/>
+              <a:pPr/>
+              <a:t>20</a:t>
             </a:fld>
             <a:endParaRPr lang="en-SG" dirty="0"/>
           </a:p>
@@ -8922,336 +9550,6 @@
 </p:sld>
 </file>
 
-<file path=ppt/slides/slide2.xml><?xml version="1.0" encoding="utf-8"?>
-<p:sld xmlns:a="http://schemas.openxmlformats.org/drawingml/2006/main" xmlns:r="http://schemas.openxmlformats.org/officeDocument/2006/relationships" xmlns:p="http://schemas.openxmlformats.org/presentationml/2006/main">
-  <p:cSld>
-    <p:spTree>
-      <p:nvGrpSpPr>
-        <p:cNvPr id="1" name=""/>
-        <p:cNvGrpSpPr/>
-        <p:nvPr/>
-      </p:nvGrpSpPr>
-      <p:grpSpPr>
-        <a:xfrm>
-          <a:off x="0" y="0"/>
-          <a:ext cx="0" cy="0"/>
-          <a:chOff x="0" y="0"/>
-          <a:chExt cx="0" cy="0"/>
-        </a:xfrm>
-      </p:grpSpPr>
-      <p:sp>
-        <p:nvSpPr>
-          <p:cNvPr id="2" name="Title 1">
-            <a:extLst>
-              <a:ext uri="{FF2B5EF4-FFF2-40B4-BE49-F238E27FC236}">
-                <a16:creationId xmlns:a16="http://schemas.microsoft.com/office/drawing/2014/main" id="{305B34F7-12CB-4413-B6EE-1213C77B8667}"/>
-              </a:ext>
-            </a:extLst>
-          </p:cNvPr>
-          <p:cNvSpPr>
-            <a:spLocks noGrp="1"/>
-          </p:cNvSpPr>
-          <p:nvPr>
-            <p:ph type="title"/>
-          </p:nvPr>
-        </p:nvSpPr>
-        <p:spPr>
-          <a:xfrm>
-            <a:off x="628655" y="250833"/>
-            <a:ext cx="4567599" cy="681152"/>
-          </a:xfrm>
-        </p:spPr>
-        <p:txBody>
-          <a:bodyPr>
-            <a:normAutofit/>
-          </a:bodyPr>
-          <a:lstStyle/>
-          <a:p>
-            <a:r>
-              <a:rPr lang="en-US" dirty="0"/>
-              <a:t>Introduction</a:t>
-            </a:r>
-            <a:endParaRPr lang="en-SG" dirty="0"/>
-          </a:p>
-        </p:txBody>
-      </p:sp>
-      <p:sp>
-        <p:nvSpPr>
-          <p:cNvPr id="4" name="Footer Placeholder 3">
-            <a:extLst>
-              <a:ext uri="{FF2B5EF4-FFF2-40B4-BE49-F238E27FC236}">
-                <a16:creationId xmlns:a16="http://schemas.microsoft.com/office/drawing/2014/main" id="{DFF7D98E-5B1F-4E10-AB97-58406D48EF6C}"/>
-              </a:ext>
-            </a:extLst>
-          </p:cNvPr>
-          <p:cNvSpPr>
-            <a:spLocks noGrp="1"/>
-          </p:cNvSpPr>
-          <p:nvPr>
-            <p:ph type="ftr" sz="quarter" idx="15"/>
-          </p:nvPr>
-        </p:nvSpPr>
-        <p:spPr/>
-        <p:txBody>
-          <a:bodyPr/>
-          <a:lstStyle/>
-          <a:p>
-            <a:pPr algn="l"/>
-            <a:r>
-              <a:rPr lang="en-SG" sz="1000" dirty="0"/>
-              <a:t>© 2018 National University of Singapore. All Rights Reserved</a:t>
-            </a:r>
-            <a:endParaRPr lang="en-SG" dirty="0"/>
-          </a:p>
-        </p:txBody>
-      </p:sp>
-      <p:sp>
-        <p:nvSpPr>
-          <p:cNvPr id="5" name="Slide Number Placeholder 4">
-            <a:extLst>
-              <a:ext uri="{FF2B5EF4-FFF2-40B4-BE49-F238E27FC236}">
-                <a16:creationId xmlns:a16="http://schemas.microsoft.com/office/drawing/2014/main" id="{2B209DE3-A460-48DC-8DFB-3F1EEB83EC47}"/>
-              </a:ext>
-            </a:extLst>
-          </p:cNvPr>
-          <p:cNvSpPr>
-            <a:spLocks noGrp="1"/>
-          </p:cNvSpPr>
-          <p:nvPr>
-            <p:ph type="sldNum" sz="quarter" idx="16"/>
-          </p:nvPr>
-        </p:nvSpPr>
-        <p:spPr/>
-        <p:txBody>
-          <a:bodyPr/>
-          <a:lstStyle/>
-          <a:p>
-            <a:fld id="{2F63C605-4FC6-46DE-BC90-871762EA3F52}" type="slidenum">
-              <a:rPr lang="en-SG" smtClean="0"/>
-              <a:pPr/>
-              <a:t>2</a:t>
-            </a:fld>
-            <a:endParaRPr lang="en-SG" dirty="0"/>
-          </a:p>
-        </p:txBody>
-      </p:sp>
-      <p:sp>
-        <p:nvSpPr>
-          <p:cNvPr id="7" name="Text Placeholder 6">
-            <a:extLst>
-              <a:ext uri="{FF2B5EF4-FFF2-40B4-BE49-F238E27FC236}">
-                <a16:creationId xmlns:a16="http://schemas.microsoft.com/office/drawing/2014/main" id="{CDFEDDD0-9A12-4545-B6D2-BB3ED3130654}"/>
-              </a:ext>
-            </a:extLst>
-          </p:cNvPr>
-          <p:cNvSpPr>
-            <a:spLocks noGrp="1"/>
-          </p:cNvSpPr>
-          <p:nvPr>
-            <p:ph type="body" sz="quarter" idx="13"/>
-          </p:nvPr>
-        </p:nvSpPr>
-        <p:spPr/>
-        <p:txBody>
-          <a:bodyPr>
-            <a:normAutofit/>
-          </a:bodyPr>
-          <a:lstStyle/>
-          <a:p>
-            <a:r>
-              <a:rPr lang="en-US" dirty="0"/>
-              <a:t>Currently, SLAM can be performed with Kalman filter, particle filter and K-Means method.</a:t>
-            </a:r>
-          </a:p>
-          <a:p>
-            <a:r>
-              <a:rPr lang="en-US" dirty="0"/>
-              <a:t>With development of deep neural network, it is possible to train a neural network that can predict the mapping based on point cloud or lidar data. </a:t>
-            </a:r>
-            <a:endParaRPr lang="en-SG" dirty="0"/>
-          </a:p>
-        </p:txBody>
-      </p:sp>
-    </p:spTree>
-    <p:extLst>
-      <p:ext uri="{BB962C8B-B14F-4D97-AF65-F5344CB8AC3E}">
-        <p14:creationId xmlns:p14="http://schemas.microsoft.com/office/powerpoint/2010/main" val="3435903193"/>
-      </p:ext>
-    </p:extLst>
-  </p:cSld>
-  <p:clrMapOvr>
-    <a:masterClrMapping/>
-  </p:clrMapOvr>
-</p:sld>
-</file>
-
-<file path=ppt/slides/slide20.xml><?xml version="1.0" encoding="utf-8"?>
-<p:sld xmlns:a="http://schemas.openxmlformats.org/drawingml/2006/main" xmlns:r="http://schemas.openxmlformats.org/officeDocument/2006/relationships" xmlns:p="http://schemas.openxmlformats.org/presentationml/2006/main">
-  <p:cSld>
-    <p:spTree>
-      <p:nvGrpSpPr>
-        <p:cNvPr id="1" name=""/>
-        <p:cNvGrpSpPr/>
-        <p:nvPr/>
-      </p:nvGrpSpPr>
-      <p:grpSpPr>
-        <a:xfrm>
-          <a:off x="0" y="0"/>
-          <a:ext cx="0" cy="0"/>
-          <a:chOff x="0" y="0"/>
-          <a:chExt cx="0" cy="0"/>
-        </a:xfrm>
-      </p:grpSpPr>
-      <p:sp>
-        <p:nvSpPr>
-          <p:cNvPr id="2" name="Title 1">
-            <a:extLst>
-              <a:ext uri="{FF2B5EF4-FFF2-40B4-BE49-F238E27FC236}">
-                <a16:creationId xmlns:a16="http://schemas.microsoft.com/office/drawing/2014/main" id="{049F1383-99AC-409F-A6E3-EE83FF9D27F5}"/>
-              </a:ext>
-            </a:extLst>
-          </p:cNvPr>
-          <p:cNvSpPr>
-            <a:spLocks noGrp="1"/>
-          </p:cNvSpPr>
-          <p:nvPr>
-            <p:ph type="title"/>
-          </p:nvPr>
-        </p:nvSpPr>
-        <p:spPr/>
-        <p:txBody>
-          <a:bodyPr/>
-          <a:lstStyle/>
-          <a:p>
-            <a:r>
-              <a:rPr lang="en-US" dirty="0"/>
-              <a:t>Testing Result</a:t>
-            </a:r>
-            <a:endParaRPr lang="en-SG" dirty="0"/>
-          </a:p>
-        </p:txBody>
-      </p:sp>
-      <p:sp>
-        <p:nvSpPr>
-          <p:cNvPr id="3" name="Text Placeholder 2">
-            <a:extLst>
-              <a:ext uri="{FF2B5EF4-FFF2-40B4-BE49-F238E27FC236}">
-                <a16:creationId xmlns:a16="http://schemas.microsoft.com/office/drawing/2014/main" id="{0975D2C9-6230-4ED3-A49E-4BFEF8730CB9}"/>
-              </a:ext>
-            </a:extLst>
-          </p:cNvPr>
-          <p:cNvSpPr>
-            <a:spLocks noGrp="1"/>
-          </p:cNvSpPr>
-          <p:nvPr>
-            <p:ph type="body" sz="quarter" idx="13"/>
-          </p:nvPr>
-        </p:nvSpPr>
-        <p:spPr/>
-        <p:txBody>
-          <a:bodyPr>
-            <a:normAutofit/>
-          </a:bodyPr>
-          <a:lstStyle/>
-          <a:p>
-            <a:r>
-              <a:rPr lang="en-US" dirty="0"/>
-              <a:t>The neural network predicts the height value in unknown grid points. </a:t>
-            </a:r>
-          </a:p>
-          <a:p>
-            <a:r>
-              <a:rPr lang="en-US" dirty="0"/>
-              <a:t>The testing accuracy is 93% when comparing the generated map against the expect mapping. </a:t>
-            </a:r>
-          </a:p>
-          <a:p>
-            <a:r>
-              <a:rPr lang="en-US" dirty="0"/>
-              <a:t>Inaccuracy comes from noise reflected by the tree leaves and other objects. </a:t>
-            </a:r>
-          </a:p>
-          <a:p>
-            <a:r>
-              <a:rPr lang="en-US" dirty="0"/>
-              <a:t>Due to slicing, certain bordering pixel is not showing intended pixel.</a:t>
-            </a:r>
-          </a:p>
-        </p:txBody>
-      </p:sp>
-      <p:sp>
-        <p:nvSpPr>
-          <p:cNvPr id="4" name="Footer Placeholder 3">
-            <a:extLst>
-              <a:ext uri="{FF2B5EF4-FFF2-40B4-BE49-F238E27FC236}">
-                <a16:creationId xmlns:a16="http://schemas.microsoft.com/office/drawing/2014/main" id="{05D0A230-97B6-49E0-B1A3-8C63933BF90B}"/>
-              </a:ext>
-            </a:extLst>
-          </p:cNvPr>
-          <p:cNvSpPr>
-            <a:spLocks noGrp="1"/>
-          </p:cNvSpPr>
-          <p:nvPr>
-            <p:ph type="ftr" sz="quarter" idx="15"/>
-          </p:nvPr>
-        </p:nvSpPr>
-        <p:spPr/>
-        <p:txBody>
-          <a:bodyPr/>
-          <a:lstStyle/>
-          <a:p>
-            <a:pPr algn="l"/>
-            <a:r>
-              <a:rPr lang="en-SG" sz="1000" dirty="0"/>
-              <a:t>© 2018 National University of Singapore. All Rights Reserved</a:t>
-            </a:r>
-            <a:endParaRPr lang="en-SG" dirty="0"/>
-          </a:p>
-        </p:txBody>
-      </p:sp>
-      <p:sp>
-        <p:nvSpPr>
-          <p:cNvPr id="5" name="Slide Number Placeholder 4">
-            <a:extLst>
-              <a:ext uri="{FF2B5EF4-FFF2-40B4-BE49-F238E27FC236}">
-                <a16:creationId xmlns:a16="http://schemas.microsoft.com/office/drawing/2014/main" id="{2091C43B-FAE4-4E69-A40A-FD296928683C}"/>
-              </a:ext>
-            </a:extLst>
-          </p:cNvPr>
-          <p:cNvSpPr>
-            <a:spLocks noGrp="1"/>
-          </p:cNvSpPr>
-          <p:nvPr>
-            <p:ph type="sldNum" sz="quarter" idx="16"/>
-          </p:nvPr>
-        </p:nvSpPr>
-        <p:spPr/>
-        <p:txBody>
-          <a:bodyPr/>
-          <a:lstStyle/>
-          <a:p>
-            <a:fld id="{2F63C605-4FC6-46DE-BC90-871762EA3F52}" type="slidenum">
-              <a:rPr lang="en-SG" smtClean="0"/>
-              <a:pPr/>
-              <a:t>20</a:t>
-            </a:fld>
-            <a:endParaRPr lang="en-SG" dirty="0"/>
-          </a:p>
-        </p:txBody>
-      </p:sp>
-    </p:spTree>
-    <p:extLst>
-      <p:ext uri="{BB962C8B-B14F-4D97-AF65-F5344CB8AC3E}">
-        <p14:creationId xmlns:p14="http://schemas.microsoft.com/office/powerpoint/2010/main" val="3036631076"/>
-      </p:ext>
-    </p:extLst>
-  </p:cSld>
-  <p:clrMapOvr>
-    <a:masterClrMapping/>
-  </p:clrMapOvr>
-</p:sld>
-</file>
-
 <file path=ppt/slides/slide21.xml><?xml version="1.0" encoding="utf-8"?>
 <p:sld xmlns:a="http://schemas.openxmlformats.org/drawingml/2006/main" xmlns:r="http://schemas.openxmlformats.org/officeDocument/2006/relationships" xmlns:p="http://schemas.openxmlformats.org/presentationml/2006/main">
   <p:cSld>
@@ -9300,6 +9598,54 @@
       </p:sp>
       <p:sp>
         <p:nvSpPr>
+          <p:cNvPr id="3" name="Text Placeholder 2">
+            <a:extLst>
+              <a:ext uri="{FF2B5EF4-FFF2-40B4-BE49-F238E27FC236}">
+                <a16:creationId xmlns:a16="http://schemas.microsoft.com/office/drawing/2014/main" id="{0975D2C9-6230-4ED3-A49E-4BFEF8730CB9}"/>
+              </a:ext>
+            </a:extLst>
+          </p:cNvPr>
+          <p:cNvSpPr>
+            <a:spLocks noGrp="1"/>
+          </p:cNvSpPr>
+          <p:nvPr>
+            <p:ph type="body" sz="quarter" idx="13"/>
+          </p:nvPr>
+        </p:nvSpPr>
+        <p:spPr/>
+        <p:txBody>
+          <a:bodyPr>
+            <a:normAutofit/>
+          </a:bodyPr>
+          <a:lstStyle/>
+          <a:p>
+            <a:r>
+              <a:rPr lang="en-US" dirty="0"/>
+              <a:t>The neural network predicts the height value in unknown grid points. </a:t>
+            </a:r>
+          </a:p>
+          <a:p>
+            <a:r>
+              <a:rPr lang="en-US" dirty="0"/>
+              <a:t>The testing accuracy is 93% when comparing the generated map against the expect mapping. </a:t>
+            </a:r>
+          </a:p>
+          <a:p>
+            <a:r>
+              <a:rPr lang="en-US" dirty="0"/>
+              <a:t>Inaccuracy comes from noise reflected by the tree leaves and other objects. </a:t>
+            </a:r>
+          </a:p>
+          <a:p>
+            <a:r>
+              <a:rPr lang="en-US" dirty="0"/>
+              <a:t>Due to slicing, certain bordering pixel is not showing intended pixel.</a:t>
+            </a:r>
+          </a:p>
+        </p:txBody>
+      </p:sp>
+      <p:sp>
+        <p:nvSpPr>
           <p:cNvPr id="4" name="Footer Placeholder 3">
             <a:extLst>
               <a:ext uri="{FF2B5EF4-FFF2-40B4-BE49-F238E27FC236}">
@@ -9353,6 +9699,125 @@
               <a:rPr lang="en-SG" smtClean="0"/>
               <a:pPr/>
               <a:t>21</a:t>
+            </a:fld>
+            <a:endParaRPr lang="en-SG" dirty="0"/>
+          </a:p>
+        </p:txBody>
+      </p:sp>
+    </p:spTree>
+    <p:extLst>
+      <p:ext uri="{BB962C8B-B14F-4D97-AF65-F5344CB8AC3E}">
+        <p14:creationId xmlns:p14="http://schemas.microsoft.com/office/powerpoint/2010/main" val="3036631076"/>
+      </p:ext>
+    </p:extLst>
+  </p:cSld>
+  <p:clrMapOvr>
+    <a:masterClrMapping/>
+  </p:clrMapOvr>
+</p:sld>
+</file>
+
+<file path=ppt/slides/slide22.xml><?xml version="1.0" encoding="utf-8"?>
+<p:sld xmlns:a="http://schemas.openxmlformats.org/drawingml/2006/main" xmlns:r="http://schemas.openxmlformats.org/officeDocument/2006/relationships" xmlns:p="http://schemas.openxmlformats.org/presentationml/2006/main">
+  <p:cSld>
+    <p:spTree>
+      <p:nvGrpSpPr>
+        <p:cNvPr id="1" name=""/>
+        <p:cNvGrpSpPr/>
+        <p:nvPr/>
+      </p:nvGrpSpPr>
+      <p:grpSpPr>
+        <a:xfrm>
+          <a:off x="0" y="0"/>
+          <a:ext cx="0" cy="0"/>
+          <a:chOff x="0" y="0"/>
+          <a:chExt cx="0" cy="0"/>
+        </a:xfrm>
+      </p:grpSpPr>
+      <p:sp>
+        <p:nvSpPr>
+          <p:cNvPr id="2" name="Title 1">
+            <a:extLst>
+              <a:ext uri="{FF2B5EF4-FFF2-40B4-BE49-F238E27FC236}">
+                <a16:creationId xmlns:a16="http://schemas.microsoft.com/office/drawing/2014/main" id="{049F1383-99AC-409F-A6E3-EE83FF9D27F5}"/>
+              </a:ext>
+            </a:extLst>
+          </p:cNvPr>
+          <p:cNvSpPr>
+            <a:spLocks noGrp="1"/>
+          </p:cNvSpPr>
+          <p:nvPr>
+            <p:ph type="title"/>
+          </p:nvPr>
+        </p:nvSpPr>
+        <p:spPr/>
+        <p:txBody>
+          <a:bodyPr/>
+          <a:lstStyle/>
+          <a:p>
+            <a:r>
+              <a:rPr lang="en-US" dirty="0"/>
+              <a:t>Testing Result</a:t>
+            </a:r>
+            <a:endParaRPr lang="en-SG" dirty="0"/>
+          </a:p>
+        </p:txBody>
+      </p:sp>
+      <p:sp>
+        <p:nvSpPr>
+          <p:cNvPr id="4" name="Footer Placeholder 3">
+            <a:extLst>
+              <a:ext uri="{FF2B5EF4-FFF2-40B4-BE49-F238E27FC236}">
+                <a16:creationId xmlns:a16="http://schemas.microsoft.com/office/drawing/2014/main" id="{05D0A230-97B6-49E0-B1A3-8C63933BF90B}"/>
+              </a:ext>
+            </a:extLst>
+          </p:cNvPr>
+          <p:cNvSpPr>
+            <a:spLocks noGrp="1"/>
+          </p:cNvSpPr>
+          <p:nvPr>
+            <p:ph type="ftr" sz="quarter" idx="15"/>
+          </p:nvPr>
+        </p:nvSpPr>
+        <p:spPr/>
+        <p:txBody>
+          <a:bodyPr/>
+          <a:lstStyle/>
+          <a:p>
+            <a:pPr algn="l"/>
+            <a:r>
+              <a:rPr lang="en-SG" sz="1000" dirty="0"/>
+              <a:t>© 2018 National University of Singapore. All Rights Reserved</a:t>
+            </a:r>
+            <a:endParaRPr lang="en-SG" dirty="0"/>
+          </a:p>
+        </p:txBody>
+      </p:sp>
+      <p:sp>
+        <p:nvSpPr>
+          <p:cNvPr id="5" name="Slide Number Placeholder 4">
+            <a:extLst>
+              <a:ext uri="{FF2B5EF4-FFF2-40B4-BE49-F238E27FC236}">
+                <a16:creationId xmlns:a16="http://schemas.microsoft.com/office/drawing/2014/main" id="{2091C43B-FAE4-4E69-A40A-FD296928683C}"/>
+              </a:ext>
+            </a:extLst>
+          </p:cNvPr>
+          <p:cNvSpPr>
+            <a:spLocks noGrp="1"/>
+          </p:cNvSpPr>
+          <p:nvPr>
+            <p:ph type="sldNum" sz="quarter" idx="16"/>
+          </p:nvPr>
+        </p:nvSpPr>
+        <p:spPr/>
+        <p:txBody>
+          <a:bodyPr/>
+          <a:lstStyle/>
+          <a:p>
+            <a:fld id="{2F63C605-4FC6-46DE-BC90-871762EA3F52}" type="slidenum">
+              <a:rPr lang="en-SG" smtClean="0"/>
+              <a:pPr/>
+              <a:t>22</a:t>
             </a:fld>
             <a:endParaRPr lang="en-SG" dirty="0"/>
           </a:p>
@@ -9608,7 +10073,7 @@
           <a:graphicData uri="http://schemas.openxmlformats.org/presentationml/2006/ole">
             <mc:AlternateContent xmlns:mc="http://schemas.openxmlformats.org/markup-compatibility/2006">
               <mc:Choice xmlns:v="urn:schemas-microsoft-com:vml" Requires="v">
-                <p:oleObj spid="_x0000_s2074" name="Bitmap Image" r:id="rId3" imgW="5014395" imgH="4572396" progId="Paint.Picture">
+                <p:oleObj spid="_x0000_s2080" name="Bitmap Image" r:id="rId3" imgW="5014395" imgH="4572396" progId="Paint.Picture">
                   <p:embed/>
                 </p:oleObj>
               </mc:Choice>
@@ -9792,7 +10257,7 @@
 </p:sld>
 </file>
 
-<file path=ppt/slides/slide22.xml><?xml version="1.0" encoding="utf-8"?>
+<file path=ppt/slides/slide23.xml><?xml version="1.0" encoding="utf-8"?>
 <p:sld xmlns:a="http://schemas.openxmlformats.org/drawingml/2006/main" xmlns:r="http://schemas.openxmlformats.org/officeDocument/2006/relationships" xmlns:p="http://schemas.openxmlformats.org/presentationml/2006/main">
   <p:cSld>
     <p:spTree>
@@ -9892,7 +10357,7 @@
             <a:fld id="{2F63C605-4FC6-46DE-BC90-871762EA3F52}" type="slidenum">
               <a:rPr lang="en-SG" smtClean="0"/>
               <a:pPr/>
-              <a:t>22</a:t>
+              <a:t>23</a:t>
             </a:fld>
             <a:endParaRPr lang="en-SG" dirty="0"/>
           </a:p>
@@ -9989,7 +10454,7 @@
           <a:graphicData uri="http://schemas.openxmlformats.org/presentationml/2006/ole">
             <mc:AlternateContent xmlns:mc="http://schemas.openxmlformats.org/markup-compatibility/2006">
               <mc:Choice xmlns:v="urn:schemas-microsoft-com:vml" Requires="v">
-                <p:oleObj spid="_x0000_s6156" name="Bitmap Image" r:id="rId3" imgW="4915326" imgH="3505504" progId="Paint.Picture">
+                <p:oleObj spid="_x0000_s6162" name="Bitmap Image" r:id="rId3" imgW="4915326" imgH="3505504" progId="Paint.Picture">
                   <p:embed/>
                 </p:oleObj>
               </mc:Choice>
@@ -10245,161 +10710,6 @@
 </p:sld>
 </file>
 
-<file path=ppt/slides/slide23.xml><?xml version="1.0" encoding="utf-8"?>
-<p:sld xmlns:a="http://schemas.openxmlformats.org/drawingml/2006/main" xmlns:r="http://schemas.openxmlformats.org/officeDocument/2006/relationships" xmlns:p="http://schemas.openxmlformats.org/presentationml/2006/main">
-  <p:cSld>
-    <p:spTree>
-      <p:nvGrpSpPr>
-        <p:cNvPr id="1" name=""/>
-        <p:cNvGrpSpPr/>
-        <p:nvPr/>
-      </p:nvGrpSpPr>
-      <p:grpSpPr>
-        <a:xfrm>
-          <a:off x="0" y="0"/>
-          <a:ext cx="0" cy="0"/>
-          <a:chOff x="0" y="0"/>
-          <a:chExt cx="0" cy="0"/>
-        </a:xfrm>
-      </p:grpSpPr>
-      <p:sp>
-        <p:nvSpPr>
-          <p:cNvPr id="2" name="Title 1">
-            <a:extLst>
-              <a:ext uri="{FF2B5EF4-FFF2-40B4-BE49-F238E27FC236}">
-                <a16:creationId xmlns:a16="http://schemas.microsoft.com/office/drawing/2014/main" id="{049F1383-99AC-409F-A6E3-EE83FF9D27F5}"/>
-              </a:ext>
-            </a:extLst>
-          </p:cNvPr>
-          <p:cNvSpPr>
-            <a:spLocks noGrp="1"/>
-          </p:cNvSpPr>
-          <p:nvPr>
-            <p:ph type="title"/>
-          </p:nvPr>
-        </p:nvSpPr>
-        <p:spPr/>
-        <p:txBody>
-          <a:bodyPr/>
-          <a:lstStyle/>
-          <a:p>
-            <a:r>
-              <a:rPr lang="en-US" dirty="0"/>
-              <a:t>Testing Result</a:t>
-            </a:r>
-            <a:endParaRPr lang="en-SG" dirty="0"/>
-          </a:p>
-        </p:txBody>
-      </p:sp>
-      <p:sp>
-        <p:nvSpPr>
-          <p:cNvPr id="3" name="Text Placeholder 2">
-            <a:extLst>
-              <a:ext uri="{FF2B5EF4-FFF2-40B4-BE49-F238E27FC236}">
-                <a16:creationId xmlns:a16="http://schemas.microsoft.com/office/drawing/2014/main" id="{0975D2C9-6230-4ED3-A49E-4BFEF8730CB9}"/>
-              </a:ext>
-            </a:extLst>
-          </p:cNvPr>
-          <p:cNvSpPr>
-            <a:spLocks noGrp="1"/>
-          </p:cNvSpPr>
-          <p:nvPr>
-            <p:ph type="body" sz="quarter" idx="13"/>
-          </p:nvPr>
-        </p:nvSpPr>
-        <p:spPr/>
-        <p:txBody>
-          <a:bodyPr>
-            <a:normAutofit/>
-          </a:bodyPr>
-          <a:lstStyle/>
-          <a:p>
-            <a:r>
-              <a:rPr lang="en-US" dirty="0"/>
-              <a:t>The RESNET enhanced neural network is having higher testing accuracy of 94.8% when comparing the generated map against the non-RESNET neural network. </a:t>
-            </a:r>
-          </a:p>
-          <a:p>
-            <a:r>
-              <a:rPr lang="en-US" dirty="0"/>
-              <a:t>Noise reflected by the tree leaves and other objects has been reduced.</a:t>
-            </a:r>
-          </a:p>
-        </p:txBody>
-      </p:sp>
-      <p:sp>
-        <p:nvSpPr>
-          <p:cNvPr id="4" name="Footer Placeholder 3">
-            <a:extLst>
-              <a:ext uri="{FF2B5EF4-FFF2-40B4-BE49-F238E27FC236}">
-                <a16:creationId xmlns:a16="http://schemas.microsoft.com/office/drawing/2014/main" id="{05D0A230-97B6-49E0-B1A3-8C63933BF90B}"/>
-              </a:ext>
-            </a:extLst>
-          </p:cNvPr>
-          <p:cNvSpPr>
-            <a:spLocks noGrp="1"/>
-          </p:cNvSpPr>
-          <p:nvPr>
-            <p:ph type="ftr" sz="quarter" idx="15"/>
-          </p:nvPr>
-        </p:nvSpPr>
-        <p:spPr/>
-        <p:txBody>
-          <a:bodyPr/>
-          <a:lstStyle/>
-          <a:p>
-            <a:pPr algn="l"/>
-            <a:r>
-              <a:rPr lang="en-SG" sz="1000" dirty="0"/>
-              <a:t>© 2018 National University of Singapore. All Rights Reserved</a:t>
-            </a:r>
-            <a:endParaRPr lang="en-SG" dirty="0"/>
-          </a:p>
-        </p:txBody>
-      </p:sp>
-      <p:sp>
-        <p:nvSpPr>
-          <p:cNvPr id="5" name="Slide Number Placeholder 4">
-            <a:extLst>
-              <a:ext uri="{FF2B5EF4-FFF2-40B4-BE49-F238E27FC236}">
-                <a16:creationId xmlns:a16="http://schemas.microsoft.com/office/drawing/2014/main" id="{2091C43B-FAE4-4E69-A40A-FD296928683C}"/>
-              </a:ext>
-            </a:extLst>
-          </p:cNvPr>
-          <p:cNvSpPr>
-            <a:spLocks noGrp="1"/>
-          </p:cNvSpPr>
-          <p:nvPr>
-            <p:ph type="sldNum" sz="quarter" idx="16"/>
-          </p:nvPr>
-        </p:nvSpPr>
-        <p:spPr/>
-        <p:txBody>
-          <a:bodyPr/>
-          <a:lstStyle/>
-          <a:p>
-            <a:fld id="{2F63C605-4FC6-46DE-BC90-871762EA3F52}" type="slidenum">
-              <a:rPr lang="en-SG" smtClean="0"/>
-              <a:pPr/>
-              <a:t>23</a:t>
-            </a:fld>
-            <a:endParaRPr lang="en-SG" dirty="0"/>
-          </a:p>
-        </p:txBody>
-      </p:sp>
-    </p:spTree>
-    <p:extLst>
-      <p:ext uri="{BB962C8B-B14F-4D97-AF65-F5344CB8AC3E}">
-        <p14:creationId xmlns:p14="http://schemas.microsoft.com/office/powerpoint/2010/main" val="731084996"/>
-      </p:ext>
-    </p:extLst>
-  </p:cSld>
-  <p:clrMapOvr>
-    <a:masterClrMapping/>
-  </p:clrMapOvr>
-</p:sld>
-</file>
-
 <file path=ppt/slides/slide24.xml><?xml version="1.0" encoding="utf-8"?>
 <p:sld xmlns:a="http://schemas.openxmlformats.org/drawingml/2006/main" xmlns:r="http://schemas.openxmlformats.org/officeDocument/2006/relationships" xmlns:p="http://schemas.openxmlformats.org/presentationml/2006/main">
   <p:cSld>
@@ -10448,6 +10758,42 @@
       </p:sp>
       <p:sp>
         <p:nvSpPr>
+          <p:cNvPr id="3" name="Text Placeholder 2">
+            <a:extLst>
+              <a:ext uri="{FF2B5EF4-FFF2-40B4-BE49-F238E27FC236}">
+                <a16:creationId xmlns:a16="http://schemas.microsoft.com/office/drawing/2014/main" id="{0975D2C9-6230-4ED3-A49E-4BFEF8730CB9}"/>
+              </a:ext>
+            </a:extLst>
+          </p:cNvPr>
+          <p:cNvSpPr>
+            <a:spLocks noGrp="1"/>
+          </p:cNvSpPr>
+          <p:nvPr>
+            <p:ph type="body" sz="quarter" idx="13"/>
+          </p:nvPr>
+        </p:nvSpPr>
+        <p:spPr/>
+        <p:txBody>
+          <a:bodyPr>
+            <a:normAutofit/>
+          </a:bodyPr>
+          <a:lstStyle/>
+          <a:p>
+            <a:r>
+              <a:rPr lang="en-US" dirty="0"/>
+              <a:t>The RESNET enhanced neural network is having higher testing accuracy of 94.8% when comparing the generated map against the non-RESNET neural network. </a:t>
+            </a:r>
+          </a:p>
+          <a:p>
+            <a:r>
+              <a:rPr lang="en-US" dirty="0"/>
+              <a:t>Noise reflected by the tree leaves and other objects has been reduced.</a:t>
+            </a:r>
+          </a:p>
+        </p:txBody>
+      </p:sp>
+      <p:sp>
+        <p:nvSpPr>
           <p:cNvPr id="4" name="Footer Placeholder 3">
             <a:extLst>
               <a:ext uri="{FF2B5EF4-FFF2-40B4-BE49-F238E27FC236}">
@@ -10501,6 +10847,125 @@
               <a:rPr lang="en-SG" smtClean="0"/>
               <a:pPr/>
               <a:t>24</a:t>
+            </a:fld>
+            <a:endParaRPr lang="en-SG" dirty="0"/>
+          </a:p>
+        </p:txBody>
+      </p:sp>
+    </p:spTree>
+    <p:extLst>
+      <p:ext uri="{BB962C8B-B14F-4D97-AF65-F5344CB8AC3E}">
+        <p14:creationId xmlns:p14="http://schemas.microsoft.com/office/powerpoint/2010/main" val="731084996"/>
+      </p:ext>
+    </p:extLst>
+  </p:cSld>
+  <p:clrMapOvr>
+    <a:masterClrMapping/>
+  </p:clrMapOvr>
+</p:sld>
+</file>
+
+<file path=ppt/slides/slide25.xml><?xml version="1.0" encoding="utf-8"?>
+<p:sld xmlns:a="http://schemas.openxmlformats.org/drawingml/2006/main" xmlns:r="http://schemas.openxmlformats.org/officeDocument/2006/relationships" xmlns:p="http://schemas.openxmlformats.org/presentationml/2006/main">
+  <p:cSld>
+    <p:spTree>
+      <p:nvGrpSpPr>
+        <p:cNvPr id="1" name=""/>
+        <p:cNvGrpSpPr/>
+        <p:nvPr/>
+      </p:nvGrpSpPr>
+      <p:grpSpPr>
+        <a:xfrm>
+          <a:off x="0" y="0"/>
+          <a:ext cx="0" cy="0"/>
+          <a:chOff x="0" y="0"/>
+          <a:chExt cx="0" cy="0"/>
+        </a:xfrm>
+      </p:grpSpPr>
+      <p:sp>
+        <p:nvSpPr>
+          <p:cNvPr id="2" name="Title 1">
+            <a:extLst>
+              <a:ext uri="{FF2B5EF4-FFF2-40B4-BE49-F238E27FC236}">
+                <a16:creationId xmlns:a16="http://schemas.microsoft.com/office/drawing/2014/main" id="{049F1383-99AC-409F-A6E3-EE83FF9D27F5}"/>
+              </a:ext>
+            </a:extLst>
+          </p:cNvPr>
+          <p:cNvSpPr>
+            <a:spLocks noGrp="1"/>
+          </p:cNvSpPr>
+          <p:nvPr>
+            <p:ph type="title"/>
+          </p:nvPr>
+        </p:nvSpPr>
+        <p:spPr/>
+        <p:txBody>
+          <a:bodyPr/>
+          <a:lstStyle/>
+          <a:p>
+            <a:r>
+              <a:rPr lang="en-US" dirty="0"/>
+              <a:t>Testing Result</a:t>
+            </a:r>
+            <a:endParaRPr lang="en-SG" dirty="0"/>
+          </a:p>
+        </p:txBody>
+      </p:sp>
+      <p:sp>
+        <p:nvSpPr>
+          <p:cNvPr id="4" name="Footer Placeholder 3">
+            <a:extLst>
+              <a:ext uri="{FF2B5EF4-FFF2-40B4-BE49-F238E27FC236}">
+                <a16:creationId xmlns:a16="http://schemas.microsoft.com/office/drawing/2014/main" id="{05D0A230-97B6-49E0-B1A3-8C63933BF90B}"/>
+              </a:ext>
+            </a:extLst>
+          </p:cNvPr>
+          <p:cNvSpPr>
+            <a:spLocks noGrp="1"/>
+          </p:cNvSpPr>
+          <p:nvPr>
+            <p:ph type="ftr" sz="quarter" idx="15"/>
+          </p:nvPr>
+        </p:nvSpPr>
+        <p:spPr/>
+        <p:txBody>
+          <a:bodyPr/>
+          <a:lstStyle/>
+          <a:p>
+            <a:pPr algn="l"/>
+            <a:r>
+              <a:rPr lang="en-SG" sz="1000" dirty="0"/>
+              <a:t>© 2018 National University of Singapore. All Rights Reserved</a:t>
+            </a:r>
+            <a:endParaRPr lang="en-SG" dirty="0"/>
+          </a:p>
+        </p:txBody>
+      </p:sp>
+      <p:sp>
+        <p:nvSpPr>
+          <p:cNvPr id="5" name="Slide Number Placeholder 4">
+            <a:extLst>
+              <a:ext uri="{FF2B5EF4-FFF2-40B4-BE49-F238E27FC236}">
+                <a16:creationId xmlns:a16="http://schemas.microsoft.com/office/drawing/2014/main" id="{2091C43B-FAE4-4E69-A40A-FD296928683C}"/>
+              </a:ext>
+            </a:extLst>
+          </p:cNvPr>
+          <p:cNvSpPr>
+            <a:spLocks noGrp="1"/>
+          </p:cNvSpPr>
+          <p:nvPr>
+            <p:ph type="sldNum" sz="quarter" idx="16"/>
+          </p:nvPr>
+        </p:nvSpPr>
+        <p:spPr/>
+        <p:txBody>
+          <a:bodyPr/>
+          <a:lstStyle/>
+          <a:p>
+            <a:fld id="{2F63C605-4FC6-46DE-BC90-871762EA3F52}" type="slidenum">
+              <a:rPr lang="en-SG" smtClean="0"/>
+              <a:pPr/>
+              <a:t>25</a:t>
             </a:fld>
             <a:endParaRPr lang="en-SG" dirty="0"/>
           </a:p>
@@ -10819,167 +11284,6 @@
 </p:sld>
 </file>
 
-<file path=ppt/slides/slide25.xml><?xml version="1.0" encoding="utf-8"?>
-<p:sld xmlns:a="http://schemas.openxmlformats.org/drawingml/2006/main" xmlns:r="http://schemas.openxmlformats.org/officeDocument/2006/relationships" xmlns:p="http://schemas.openxmlformats.org/presentationml/2006/main">
-  <p:cSld>
-    <p:spTree>
-      <p:nvGrpSpPr>
-        <p:cNvPr id="1" name=""/>
-        <p:cNvGrpSpPr/>
-        <p:nvPr/>
-      </p:nvGrpSpPr>
-      <p:grpSpPr>
-        <a:xfrm>
-          <a:off x="0" y="0"/>
-          <a:ext cx="0" cy="0"/>
-          <a:chOff x="0" y="0"/>
-          <a:chExt cx="0" cy="0"/>
-        </a:xfrm>
-      </p:grpSpPr>
-      <p:sp>
-        <p:nvSpPr>
-          <p:cNvPr id="2" name="Title 1">
-            <a:extLst>
-              <a:ext uri="{FF2B5EF4-FFF2-40B4-BE49-F238E27FC236}">
-                <a16:creationId xmlns:a16="http://schemas.microsoft.com/office/drawing/2014/main" id="{049F1383-99AC-409F-A6E3-EE83FF9D27F5}"/>
-              </a:ext>
-            </a:extLst>
-          </p:cNvPr>
-          <p:cNvSpPr>
-            <a:spLocks noGrp="1"/>
-          </p:cNvSpPr>
-          <p:nvPr>
-            <p:ph type="title"/>
-          </p:nvPr>
-        </p:nvSpPr>
-        <p:spPr/>
-        <p:txBody>
-          <a:bodyPr/>
-          <a:lstStyle/>
-          <a:p>
-            <a:r>
-              <a:rPr lang="en-US" dirty="0"/>
-              <a:t>Testing Result</a:t>
-            </a:r>
-            <a:endParaRPr lang="en-SG" dirty="0"/>
-          </a:p>
-        </p:txBody>
-      </p:sp>
-      <p:sp>
-        <p:nvSpPr>
-          <p:cNvPr id="3" name="Text Placeholder 2">
-            <a:extLst>
-              <a:ext uri="{FF2B5EF4-FFF2-40B4-BE49-F238E27FC236}">
-                <a16:creationId xmlns:a16="http://schemas.microsoft.com/office/drawing/2014/main" id="{0975D2C9-6230-4ED3-A49E-4BFEF8730CB9}"/>
-              </a:ext>
-            </a:extLst>
-          </p:cNvPr>
-          <p:cNvSpPr>
-            <a:spLocks noGrp="1"/>
-          </p:cNvSpPr>
-          <p:nvPr>
-            <p:ph type="body" sz="quarter" idx="13"/>
-          </p:nvPr>
-        </p:nvSpPr>
-        <p:spPr/>
-        <p:txBody>
-          <a:bodyPr>
-            <a:normAutofit/>
-          </a:bodyPr>
-          <a:lstStyle/>
-          <a:p>
-            <a:r>
-              <a:rPr lang="en-US" dirty="0"/>
-              <a:t>K-means algorithm is also used to generate the result. </a:t>
-            </a:r>
-          </a:p>
-          <a:p>
-            <a:r>
-              <a:rPr lang="en-US" dirty="0"/>
-              <a:t>The testing accuracy is 70%. The method is using Means of nearest 7 neighbors. </a:t>
-            </a:r>
-          </a:p>
-          <a:p>
-            <a:r>
-              <a:rPr lang="en-US" dirty="0"/>
-              <a:t>Hence, neural network can generate the 2D mapping better than the K-means filter on Lidar/Point cloud scan data.</a:t>
-            </a:r>
-          </a:p>
-        </p:txBody>
-      </p:sp>
-      <p:sp>
-        <p:nvSpPr>
-          <p:cNvPr id="4" name="Footer Placeholder 3">
-            <a:extLst>
-              <a:ext uri="{FF2B5EF4-FFF2-40B4-BE49-F238E27FC236}">
-                <a16:creationId xmlns:a16="http://schemas.microsoft.com/office/drawing/2014/main" id="{05D0A230-97B6-49E0-B1A3-8C63933BF90B}"/>
-              </a:ext>
-            </a:extLst>
-          </p:cNvPr>
-          <p:cNvSpPr>
-            <a:spLocks noGrp="1"/>
-          </p:cNvSpPr>
-          <p:nvPr>
-            <p:ph type="ftr" sz="quarter" idx="15"/>
-          </p:nvPr>
-        </p:nvSpPr>
-        <p:spPr/>
-        <p:txBody>
-          <a:bodyPr/>
-          <a:lstStyle/>
-          <a:p>
-            <a:pPr algn="l"/>
-            <a:r>
-              <a:rPr lang="en-SG" sz="1000" dirty="0"/>
-              <a:t>© 2018 National University of Singapore. All Rights Reserved</a:t>
-            </a:r>
-            <a:endParaRPr lang="en-SG" dirty="0"/>
-          </a:p>
-        </p:txBody>
-      </p:sp>
-      <p:sp>
-        <p:nvSpPr>
-          <p:cNvPr id="5" name="Slide Number Placeholder 4">
-            <a:extLst>
-              <a:ext uri="{FF2B5EF4-FFF2-40B4-BE49-F238E27FC236}">
-                <a16:creationId xmlns:a16="http://schemas.microsoft.com/office/drawing/2014/main" id="{2091C43B-FAE4-4E69-A40A-FD296928683C}"/>
-              </a:ext>
-            </a:extLst>
-          </p:cNvPr>
-          <p:cNvSpPr>
-            <a:spLocks noGrp="1"/>
-          </p:cNvSpPr>
-          <p:nvPr>
-            <p:ph type="sldNum" sz="quarter" idx="16"/>
-          </p:nvPr>
-        </p:nvSpPr>
-        <p:spPr/>
-        <p:txBody>
-          <a:bodyPr/>
-          <a:lstStyle/>
-          <a:p>
-            <a:fld id="{2F63C605-4FC6-46DE-BC90-871762EA3F52}" type="slidenum">
-              <a:rPr lang="en-SG" smtClean="0"/>
-              <a:pPr/>
-              <a:t>25</a:t>
-            </a:fld>
-            <a:endParaRPr lang="en-SG" dirty="0"/>
-          </a:p>
-        </p:txBody>
-      </p:sp>
-    </p:spTree>
-    <p:extLst>
-      <p:ext uri="{BB962C8B-B14F-4D97-AF65-F5344CB8AC3E}">
-        <p14:creationId xmlns:p14="http://schemas.microsoft.com/office/powerpoint/2010/main" val="1377824517"/>
-      </p:ext>
-    </p:extLst>
-  </p:cSld>
-  <p:clrMapOvr>
-    <a:masterClrMapping/>
-  </p:clrMapOvr>
-</p:sld>
-</file>
-
 <file path=ppt/slides/slide26.xml><?xml version="1.0" encoding="utf-8"?>
 <p:sld xmlns:a="http://schemas.openxmlformats.org/drawingml/2006/main" xmlns:r="http://schemas.openxmlformats.org/officeDocument/2006/relationships" xmlns:p="http://schemas.openxmlformats.org/presentationml/2006/main">
   <p:cSld>
@@ -11028,6 +11332,48 @@
       </p:sp>
       <p:sp>
         <p:nvSpPr>
+          <p:cNvPr id="3" name="Text Placeholder 2">
+            <a:extLst>
+              <a:ext uri="{FF2B5EF4-FFF2-40B4-BE49-F238E27FC236}">
+                <a16:creationId xmlns:a16="http://schemas.microsoft.com/office/drawing/2014/main" id="{0975D2C9-6230-4ED3-A49E-4BFEF8730CB9}"/>
+              </a:ext>
+            </a:extLst>
+          </p:cNvPr>
+          <p:cNvSpPr>
+            <a:spLocks noGrp="1"/>
+          </p:cNvSpPr>
+          <p:nvPr>
+            <p:ph type="body" sz="quarter" idx="13"/>
+          </p:nvPr>
+        </p:nvSpPr>
+        <p:spPr/>
+        <p:txBody>
+          <a:bodyPr>
+            <a:normAutofit/>
+          </a:bodyPr>
+          <a:lstStyle/>
+          <a:p>
+            <a:r>
+              <a:rPr lang="en-US" dirty="0"/>
+              <a:t>K-means algorithm is also used to generate the result. </a:t>
+            </a:r>
+          </a:p>
+          <a:p>
+            <a:r>
+              <a:rPr lang="en-US" dirty="0"/>
+              <a:t>The testing accuracy is 70%. The method is using Means of nearest 7 neighbors. </a:t>
+            </a:r>
+          </a:p>
+          <a:p>
+            <a:r>
+              <a:rPr lang="en-US" dirty="0"/>
+              <a:t>Hence, neural network can generate the 2D mapping better than the K-means filter on Lidar/Point cloud scan data.</a:t>
+            </a:r>
+          </a:p>
+        </p:txBody>
+      </p:sp>
+      <p:sp>
+        <p:nvSpPr>
           <p:cNvPr id="4" name="Footer Placeholder 3">
             <a:extLst>
               <a:ext uri="{FF2B5EF4-FFF2-40B4-BE49-F238E27FC236}">
@@ -11081,6 +11427,125 @@
               <a:rPr lang="en-SG" smtClean="0"/>
               <a:pPr/>
               <a:t>26</a:t>
+            </a:fld>
+            <a:endParaRPr lang="en-SG" dirty="0"/>
+          </a:p>
+        </p:txBody>
+      </p:sp>
+    </p:spTree>
+    <p:extLst>
+      <p:ext uri="{BB962C8B-B14F-4D97-AF65-F5344CB8AC3E}">
+        <p14:creationId xmlns:p14="http://schemas.microsoft.com/office/powerpoint/2010/main" val="1377824517"/>
+      </p:ext>
+    </p:extLst>
+  </p:cSld>
+  <p:clrMapOvr>
+    <a:masterClrMapping/>
+  </p:clrMapOvr>
+</p:sld>
+</file>
+
+<file path=ppt/slides/slide27.xml><?xml version="1.0" encoding="utf-8"?>
+<p:sld xmlns:a="http://schemas.openxmlformats.org/drawingml/2006/main" xmlns:r="http://schemas.openxmlformats.org/officeDocument/2006/relationships" xmlns:p="http://schemas.openxmlformats.org/presentationml/2006/main">
+  <p:cSld>
+    <p:spTree>
+      <p:nvGrpSpPr>
+        <p:cNvPr id="1" name=""/>
+        <p:cNvGrpSpPr/>
+        <p:nvPr/>
+      </p:nvGrpSpPr>
+      <p:grpSpPr>
+        <a:xfrm>
+          <a:off x="0" y="0"/>
+          <a:ext cx="0" cy="0"/>
+          <a:chOff x="0" y="0"/>
+          <a:chExt cx="0" cy="0"/>
+        </a:xfrm>
+      </p:grpSpPr>
+      <p:sp>
+        <p:nvSpPr>
+          <p:cNvPr id="2" name="Title 1">
+            <a:extLst>
+              <a:ext uri="{FF2B5EF4-FFF2-40B4-BE49-F238E27FC236}">
+                <a16:creationId xmlns:a16="http://schemas.microsoft.com/office/drawing/2014/main" id="{049F1383-99AC-409F-A6E3-EE83FF9D27F5}"/>
+              </a:ext>
+            </a:extLst>
+          </p:cNvPr>
+          <p:cNvSpPr>
+            <a:spLocks noGrp="1"/>
+          </p:cNvSpPr>
+          <p:nvPr>
+            <p:ph type="title"/>
+          </p:nvPr>
+        </p:nvSpPr>
+        <p:spPr/>
+        <p:txBody>
+          <a:bodyPr/>
+          <a:lstStyle/>
+          <a:p>
+            <a:r>
+              <a:rPr lang="en-US" dirty="0"/>
+              <a:t>Testing Result</a:t>
+            </a:r>
+            <a:endParaRPr lang="en-SG" dirty="0"/>
+          </a:p>
+        </p:txBody>
+      </p:sp>
+      <p:sp>
+        <p:nvSpPr>
+          <p:cNvPr id="4" name="Footer Placeholder 3">
+            <a:extLst>
+              <a:ext uri="{FF2B5EF4-FFF2-40B4-BE49-F238E27FC236}">
+                <a16:creationId xmlns:a16="http://schemas.microsoft.com/office/drawing/2014/main" id="{05D0A230-97B6-49E0-B1A3-8C63933BF90B}"/>
+              </a:ext>
+            </a:extLst>
+          </p:cNvPr>
+          <p:cNvSpPr>
+            <a:spLocks noGrp="1"/>
+          </p:cNvSpPr>
+          <p:nvPr>
+            <p:ph type="ftr" sz="quarter" idx="15"/>
+          </p:nvPr>
+        </p:nvSpPr>
+        <p:spPr/>
+        <p:txBody>
+          <a:bodyPr/>
+          <a:lstStyle/>
+          <a:p>
+            <a:pPr algn="l"/>
+            <a:r>
+              <a:rPr lang="en-SG" sz="1000" dirty="0"/>
+              <a:t>© 2018 National University of Singapore. All Rights Reserved</a:t>
+            </a:r>
+            <a:endParaRPr lang="en-SG" dirty="0"/>
+          </a:p>
+        </p:txBody>
+      </p:sp>
+      <p:sp>
+        <p:nvSpPr>
+          <p:cNvPr id="5" name="Slide Number Placeholder 4">
+            <a:extLst>
+              <a:ext uri="{FF2B5EF4-FFF2-40B4-BE49-F238E27FC236}">
+                <a16:creationId xmlns:a16="http://schemas.microsoft.com/office/drawing/2014/main" id="{2091C43B-FAE4-4E69-A40A-FD296928683C}"/>
+              </a:ext>
+            </a:extLst>
+          </p:cNvPr>
+          <p:cNvSpPr>
+            <a:spLocks noGrp="1"/>
+          </p:cNvSpPr>
+          <p:nvPr>
+            <p:ph type="sldNum" sz="quarter" idx="16"/>
+          </p:nvPr>
+        </p:nvSpPr>
+        <p:spPr/>
+        <p:txBody>
+          <a:bodyPr/>
+          <a:lstStyle/>
+          <a:p>
+            <a:fld id="{2F63C605-4FC6-46DE-BC90-871762EA3F52}" type="slidenum">
+              <a:rPr lang="en-SG" smtClean="0"/>
+              <a:pPr/>
+              <a:t>27</a:t>
             </a:fld>
             <a:endParaRPr lang="en-SG" dirty="0"/>
           </a:p>
@@ -11392,7 +11857,7 @@
 </p:sld>
 </file>
 
-<file path=ppt/slides/slide27.xml><?xml version="1.0" encoding="utf-8"?>
+<file path=ppt/slides/slide28.xml><?xml version="1.0" encoding="utf-8"?>
 <p:sld xmlns:a="http://schemas.openxmlformats.org/drawingml/2006/main" xmlns:r="http://schemas.openxmlformats.org/officeDocument/2006/relationships" xmlns:p="http://schemas.openxmlformats.org/presentationml/2006/main">
   <p:cSld>
     <p:spTree>
@@ -11440,6 +11905,65 @@
       </p:sp>
       <p:sp>
         <p:nvSpPr>
+          <p:cNvPr id="3" name="Text Placeholder 2">
+            <a:extLst>
+              <a:ext uri="{FF2B5EF4-FFF2-40B4-BE49-F238E27FC236}">
+                <a16:creationId xmlns:a16="http://schemas.microsoft.com/office/drawing/2014/main" id="{0975D2C9-6230-4ED3-A49E-4BFEF8730CB9}"/>
+              </a:ext>
+            </a:extLst>
+          </p:cNvPr>
+          <p:cNvSpPr>
+            <a:spLocks noGrp="1"/>
+          </p:cNvSpPr>
+          <p:nvPr>
+            <p:ph type="body" sz="quarter" idx="13"/>
+          </p:nvPr>
+        </p:nvSpPr>
+        <p:spPr/>
+        <p:txBody>
+          <a:bodyPr>
+            <a:normAutofit fontScale="92500" lnSpcReduction="20000"/>
+          </a:bodyPr>
+          <a:lstStyle/>
+          <a:p>
+            <a:r>
+              <a:rPr lang="en-US" dirty="0"/>
+              <a:t>K-Means method is not able to make prediction accurately when the distance between scan points are further away. (clustered with wrong points at boundary)</a:t>
+            </a:r>
+          </a:p>
+          <a:p>
+            <a:r>
+              <a:rPr lang="en-US" dirty="0"/>
+              <a:t>In comparison, 1</a:t>
+            </a:r>
+            <a:r>
+              <a:rPr lang="en-US" baseline="30000" dirty="0"/>
+              <a:t>st</a:t>
+            </a:r>
+            <a:r>
+              <a:rPr lang="en-US" dirty="0"/>
+              <a:t> MaxPooling2D layers have a pooling area of 64x64 pixels. It allows the prediction to be made in between scan points that have distance of 64 pixels. </a:t>
+            </a:r>
+          </a:p>
+          <a:p>
+            <a:r>
+              <a:rPr lang="en-US" dirty="0"/>
+              <a:t>Hence, neural network is performing better than the K-Means method.</a:t>
+            </a:r>
+          </a:p>
+          <a:p>
+            <a:r>
+              <a:rPr lang="en-US" dirty="0"/>
+              <a:t>The RESNET enhanced neural network is performed better since it has deeper layers than the non-RESNET enhanced neural network. </a:t>
+            </a:r>
+          </a:p>
+          <a:p>
+            <a:endParaRPr lang="en-US" dirty="0"/>
+          </a:p>
+        </p:txBody>
+      </p:sp>
+      <p:sp>
+        <p:nvSpPr>
           <p:cNvPr id="4" name="Footer Placeholder 3">
             <a:extLst>
               <a:ext uri="{FF2B5EF4-FFF2-40B4-BE49-F238E27FC236}">
@@ -11492,156 +12016,18 @@
             <a:fld id="{2F63C605-4FC6-46DE-BC90-871762EA3F52}" type="slidenum">
               <a:rPr lang="en-SG" smtClean="0"/>
               <a:pPr/>
-              <a:t>27</a:t>
+              <a:t>28</a:t>
             </a:fld>
             <a:endParaRPr lang="en-SG" dirty="0"/>
           </a:p>
         </p:txBody>
       </p:sp>
-      <p:sp>
-        <p:nvSpPr>
-          <p:cNvPr id="8" name="Rectangle 2">
-            <a:extLst>
-              <a:ext uri="{FF2B5EF4-FFF2-40B4-BE49-F238E27FC236}">
-                <a16:creationId xmlns:a16="http://schemas.microsoft.com/office/drawing/2014/main" id="{5DC4C39A-8687-4F1F-9092-6710B894D423}"/>
-              </a:ext>
-            </a:extLst>
-          </p:cNvPr>
-          <p:cNvSpPr>
-            <a:spLocks noChangeArrowheads="1"/>
-          </p:cNvSpPr>
-          <p:nvPr/>
-        </p:nvSpPr>
-        <p:spPr bwMode="auto">
-          <a:xfrm>
-            <a:off x="286871" y="1379536"/>
-            <a:ext cx="11560352" cy="45719"/>
-          </a:xfrm>
-          <a:prstGeom prst="rect">
-            <a:avLst/>
-          </a:prstGeom>
-          <a:noFill/>
-          <a:ln>
-            <a:noFill/>
-          </a:ln>
-          <a:effectLst/>
-          <a:extLst>
-            <a:ext uri="{909E8E84-426E-40DD-AFC4-6F175D3DCCD1}">
-              <a14:hiddenFill xmlns:a14="http://schemas.microsoft.com/office/drawing/2010/main">
-                <a:solidFill>
-                  <a:schemeClr val="accent1"/>
-                </a:solidFill>
-              </a14:hiddenFill>
-            </a:ext>
-            <a:ext uri="{91240B29-F687-4F45-9708-019B960494DF}">
-              <a14:hiddenLine xmlns:a14="http://schemas.microsoft.com/office/drawing/2010/main" w="9525">
-                <a:solidFill>
-                  <a:schemeClr val="tx1"/>
-                </a:solidFill>
-                <a:miter lim="800000"/>
-                <a:headEnd/>
-                <a:tailEnd/>
-              </a14:hiddenLine>
-            </a:ext>
-            <a:ext uri="{AF507438-7753-43E0-B8FC-AC1667EBCBE1}">
-              <a14:hiddenEffects xmlns:a14="http://schemas.microsoft.com/office/drawing/2010/main">
-                <a:effectLst>
-                  <a:outerShdw dist="35921" dir="2700000" algn="ctr" rotWithShape="0">
-                    <a:schemeClr val="bg2"/>
-                  </a:outerShdw>
-                </a:effectLst>
-              </a14:hiddenEffects>
-            </a:ext>
-          </a:extLst>
-        </p:spPr>
-        <p:txBody>
-          <a:bodyPr vert="horz" wrap="square" lIns="91440" tIns="45720" rIns="91440" bIns="45720" numCol="1" anchor="ctr" anchorCtr="0" compatLnSpc="1">
-            <a:prstTxWarp prst="textNoShape">
-              <a:avLst/>
-            </a:prstTxWarp>
-            <a:spAutoFit/>
-          </a:bodyPr>
-          <a:lstStyle/>
-          <a:p>
-            <a:endParaRPr lang="en-US"/>
-          </a:p>
-        </p:txBody>
-      </p:sp>
-      <p:sp>
-        <p:nvSpPr>
-          <p:cNvPr id="10" name="Rectangle 4">
-            <a:extLst>
-              <a:ext uri="{FF2B5EF4-FFF2-40B4-BE49-F238E27FC236}">
-                <a16:creationId xmlns:a16="http://schemas.microsoft.com/office/drawing/2014/main" id="{5B61D517-C802-42B1-A6BB-949A98D2FF62}"/>
-              </a:ext>
-            </a:extLst>
-          </p:cNvPr>
-          <p:cNvSpPr>
-            <a:spLocks noChangeArrowheads="1"/>
-          </p:cNvSpPr>
-          <p:nvPr/>
-        </p:nvSpPr>
-        <p:spPr bwMode="auto">
-          <a:xfrm>
-            <a:off x="4902740" y="1379534"/>
-            <a:ext cx="9878537" cy="45719"/>
-          </a:xfrm>
-          <a:prstGeom prst="rect">
-            <a:avLst/>
-          </a:prstGeom>
-          <a:noFill/>
-          <a:ln>
-            <a:noFill/>
-          </a:ln>
-          <a:effectLst/>
-          <a:extLst>
-            <a:ext uri="{909E8E84-426E-40DD-AFC4-6F175D3DCCD1}">
-              <a14:hiddenFill xmlns:a14="http://schemas.microsoft.com/office/drawing/2010/main">
-                <a:solidFill>
-                  <a:schemeClr val="accent1"/>
-                </a:solidFill>
-              </a14:hiddenFill>
-            </a:ext>
-            <a:ext uri="{91240B29-F687-4F45-9708-019B960494DF}">
-              <a14:hiddenLine xmlns:a14="http://schemas.microsoft.com/office/drawing/2010/main" w="9525">
-                <a:solidFill>
-                  <a:schemeClr val="tx1"/>
-                </a:solidFill>
-                <a:miter lim="800000"/>
-                <a:headEnd/>
-                <a:tailEnd/>
-              </a14:hiddenLine>
-            </a:ext>
-            <a:ext uri="{AF507438-7753-43E0-B8FC-AC1667EBCBE1}">
-              <a14:hiddenEffects xmlns:a14="http://schemas.microsoft.com/office/drawing/2010/main">
-                <a:effectLst>
-                  <a:outerShdw dist="35921" dir="2700000" algn="ctr" rotWithShape="0">
-                    <a:schemeClr val="bg2"/>
-                  </a:outerShdw>
-                </a:effectLst>
-              </a14:hiddenEffects>
-            </a:ext>
-          </a:extLst>
-        </p:spPr>
-        <p:txBody>
-          <a:bodyPr vert="horz" wrap="square" lIns="91440" tIns="45720" rIns="91440" bIns="45720" numCol="1" anchor="ctr" anchorCtr="0" compatLnSpc="1">
-            <a:prstTxWarp prst="textNoShape">
-              <a:avLst/>
-            </a:prstTxWarp>
-            <a:spAutoFit/>
-          </a:bodyPr>
-          <a:lstStyle/>
-          <a:p>
-            <a:endParaRPr lang="en-US"/>
-          </a:p>
-        </p:txBody>
-      </p:sp>
       <p:graphicFrame>
         <p:nvGraphicFramePr>
-          <p:cNvPr id="7" name="Table 6">
+          <p:cNvPr id="6" name="Table 5">
             <a:extLst>
               <a:ext uri="{FF2B5EF4-FFF2-40B4-BE49-F238E27FC236}">
-                <a16:creationId xmlns:a16="http://schemas.microsoft.com/office/drawing/2014/main" id="{E540D72F-F1D4-4D50-A345-B86BCF16BB14}"/>
+                <a16:creationId xmlns:a16="http://schemas.microsoft.com/office/drawing/2014/main" id="{51448D81-930D-41B0-9CB7-293A4B6A8A9E}"/>
               </a:ext>
             </a:extLst>
           </p:cNvPr>
@@ -11651,36 +12037,38 @@
           <p:nvPr>
             <p:extLst>
               <p:ext uri="{D42A27DB-BD31-4B8C-83A1-F6EECF244321}">
-                <p14:modId xmlns:p14="http://schemas.microsoft.com/office/powerpoint/2010/main" val="3898690641"/>
+                <p14:modId xmlns:p14="http://schemas.microsoft.com/office/powerpoint/2010/main" val="3273190811"/>
               </p:ext>
             </p:extLst>
           </p:nvPr>
         </p:nvGraphicFramePr>
         <p:xfrm>
-          <a:off x="2964145" y="2685552"/>
-          <a:ext cx="3215709" cy="1727220"/>
+          <a:off x="2598820" y="5458276"/>
+          <a:ext cx="4245237" cy="942525"/>
         </p:xfrm>
         <a:graphic>
           <a:graphicData uri="http://schemas.openxmlformats.org/drawingml/2006/table">
             <a:tbl>
-              <a:tblPr firstRow="1" firstCol="1" bandRow="1"/>
+              <a:tblPr firstRow="1" firstCol="1" bandRow="1">
+                <a:tableStyleId>{8A107856-5554-42FB-B03E-39F5DBC370BA}</a:tableStyleId>
+              </a:tblPr>
               <a:tblGrid>
-                <a:gridCol w="2142954">
+                <a:gridCol w="2424964">
                   <a:extLst>
                     <a:ext uri="{9D8B030D-6E8A-4147-A177-3AD203B41FA5}">
-                      <a16:colId xmlns:a16="http://schemas.microsoft.com/office/drawing/2014/main" val="739539058"/>
+                      <a16:colId xmlns:a16="http://schemas.microsoft.com/office/drawing/2014/main" val="2535454640"/>
                     </a:ext>
                   </a:extLst>
                 </a:gridCol>
-                <a:gridCol w="1072755">
+                <a:gridCol w="1820273">
                   <a:extLst>
                     <a:ext uri="{9D8B030D-6E8A-4147-A177-3AD203B41FA5}">
-                      <a16:colId xmlns:a16="http://schemas.microsoft.com/office/drawing/2014/main" val="897061400"/>
+                      <a16:colId xmlns:a16="http://schemas.microsoft.com/office/drawing/2014/main" val="2465753838"/>
                     </a:ext>
                   </a:extLst>
                 </a:gridCol>
               </a:tblGrid>
-              <a:tr h="287870">
+              <a:tr h="230506">
                 <a:tc>
                   <a:txBody>
                     <a:bodyPr/>
@@ -11695,53 +12083,19 @@
                         </a:spcAft>
                       </a:pPr>
                       <a:r>
-                        <a:rPr lang="en-US" sz="800">
+                        <a:rPr lang="en-US" sz="800" dirty="0">
                           <a:effectLst/>
-                          <a:latin typeface="Times New Roman" panose="02020603050405020304" pitchFamily="18" charset="0"/>
-                          <a:ea typeface="Times New Roman" panose="02020603050405020304" pitchFamily="18" charset="0"/>
                         </a:rPr>
-                        <a:t> </a:t>
+                        <a:t> Network</a:t>
                       </a:r>
+                      <a:endParaRPr lang="en-US" sz="800" dirty="0">
+                        <a:effectLst/>
+                        <a:latin typeface="Times New Roman" panose="02020603050405020304" pitchFamily="18" charset="0"/>
+                        <a:ea typeface="Times New Roman" panose="02020603050405020304" pitchFamily="18" charset="0"/>
+                      </a:endParaRPr>
                     </a:p>
                   </a:txBody>
-                  <a:tcPr marL="68580" marR="68580" marT="0" marB="0">
-                    <a:lnL w="12700" cap="flat" cmpd="sng" algn="ctr">
-                      <a:solidFill>
-                        <a:srgbClr val="000000"/>
-                      </a:solidFill>
-                      <a:prstDash val="solid"/>
-                      <a:round/>
-                      <a:headEnd type="none" w="med" len="med"/>
-                      <a:tailEnd type="none" w="med" len="med"/>
-                    </a:lnL>
-                    <a:lnR w="12700" cap="flat" cmpd="sng" algn="ctr">
-                      <a:solidFill>
-                        <a:srgbClr val="000000"/>
-                      </a:solidFill>
-                      <a:prstDash val="solid"/>
-                      <a:round/>
-                      <a:headEnd type="none" w="med" len="med"/>
-                      <a:tailEnd type="none" w="med" len="med"/>
-                    </a:lnR>
-                    <a:lnT w="12700" cap="flat" cmpd="sng" algn="ctr">
-                      <a:solidFill>
-                        <a:srgbClr val="000000"/>
-                      </a:solidFill>
-                      <a:prstDash val="solid"/>
-                      <a:round/>
-                      <a:headEnd type="none" w="med" len="med"/>
-                      <a:tailEnd type="none" w="med" len="med"/>
-                    </a:lnT>
-                    <a:lnB w="12700" cap="flat" cmpd="sng" algn="ctr">
-                      <a:solidFill>
-                        <a:srgbClr val="000000"/>
-                      </a:solidFill>
-                      <a:prstDash val="solid"/>
-                      <a:round/>
-                      <a:headEnd type="none" w="med" len="med"/>
-                      <a:tailEnd type="none" w="med" len="med"/>
-                    </a:lnB>
-                  </a:tcPr>
+                  <a:tcPr marL="68580" marR="68580" marT="0" marB="0"/>
                 </a:tc>
                 <a:tc>
                   <a:txBody>
@@ -11759,59 +12113,25 @@
                       <a:r>
                         <a:rPr lang="en-US" sz="800">
                           <a:effectLst/>
-                          <a:latin typeface="Times New Roman" panose="02020603050405020304" pitchFamily="18" charset="0"/>
-                          <a:ea typeface="Times New Roman" panose="02020603050405020304" pitchFamily="18" charset="0"/>
                         </a:rPr>
                         <a:t>Accuracy</a:t>
                       </a:r>
+                      <a:endParaRPr lang="en-US" sz="800">
+                        <a:effectLst/>
+                        <a:latin typeface="Times New Roman" panose="02020603050405020304" pitchFamily="18" charset="0"/>
+                        <a:ea typeface="Times New Roman" panose="02020603050405020304" pitchFamily="18" charset="0"/>
+                      </a:endParaRPr>
                     </a:p>
                   </a:txBody>
-                  <a:tcPr marL="68580" marR="68580" marT="0" marB="0">
-                    <a:lnL w="12700" cap="flat" cmpd="sng" algn="ctr">
-                      <a:solidFill>
-                        <a:srgbClr val="000000"/>
-                      </a:solidFill>
-                      <a:prstDash val="solid"/>
-                      <a:round/>
-                      <a:headEnd type="none" w="med" len="med"/>
-                      <a:tailEnd type="none" w="med" len="med"/>
-                    </a:lnL>
-                    <a:lnR w="12700" cap="flat" cmpd="sng" algn="ctr">
-                      <a:solidFill>
-                        <a:srgbClr val="000000"/>
-                      </a:solidFill>
-                      <a:prstDash val="solid"/>
-                      <a:round/>
-                      <a:headEnd type="none" w="med" len="med"/>
-                      <a:tailEnd type="none" w="med" len="med"/>
-                    </a:lnR>
-                    <a:lnT w="12700" cap="flat" cmpd="sng" algn="ctr">
-                      <a:solidFill>
-                        <a:srgbClr val="000000"/>
-                      </a:solidFill>
-                      <a:prstDash val="solid"/>
-                      <a:round/>
-                      <a:headEnd type="none" w="med" len="med"/>
-                      <a:tailEnd type="none" w="med" len="med"/>
-                    </a:lnT>
-                    <a:lnB w="12700" cap="flat" cmpd="sng" algn="ctr">
-                      <a:solidFill>
-                        <a:srgbClr val="000000"/>
-                      </a:solidFill>
-                      <a:prstDash val="solid"/>
-                      <a:round/>
-                      <a:headEnd type="none" w="med" len="med"/>
-                      <a:tailEnd type="none" w="med" len="med"/>
-                    </a:lnB>
-                  </a:tcPr>
+                  <a:tcPr marL="68580" marR="68580" marT="0" marB="0"/>
                 </a:tc>
                 <a:extLst>
                   <a:ext uri="{0D108BD9-81ED-4DB2-BD59-A6C34878D82A}">
-                    <a16:rowId xmlns:a16="http://schemas.microsoft.com/office/drawing/2014/main" val="2474751739"/>
+                    <a16:rowId xmlns:a16="http://schemas.microsoft.com/office/drawing/2014/main" val="3057218155"/>
                   </a:ext>
                 </a:extLst>
               </a:tr>
-              <a:tr h="575740">
+              <a:tr h="248174">
                 <a:tc>
                   <a:txBody>
                     <a:bodyPr/>
@@ -11828,313 +12148,17 @@
                       <a:r>
                         <a:rPr lang="en-US" sz="800">
                           <a:effectLst/>
-                          <a:latin typeface="Times New Roman" panose="02020603050405020304" pitchFamily="18" charset="0"/>
-                          <a:ea typeface="Times New Roman" panose="02020603050405020304" pitchFamily="18" charset="0"/>
                         </a:rPr>
                         <a:t>Neural Network (without RESNET)</a:t>
                       </a:r>
+                      <a:endParaRPr lang="en-US" sz="800">
+                        <a:effectLst/>
+                        <a:latin typeface="Times New Roman" panose="02020603050405020304" pitchFamily="18" charset="0"/>
+                        <a:ea typeface="Times New Roman" panose="02020603050405020304" pitchFamily="18" charset="0"/>
+                      </a:endParaRPr>
                     </a:p>
                   </a:txBody>
-                  <a:tcPr marL="68580" marR="68580" marT="0" marB="0">
-                    <a:lnL w="12700" cap="flat" cmpd="sng" algn="ctr">
-                      <a:solidFill>
-                        <a:srgbClr val="000000"/>
-                      </a:solidFill>
-                      <a:prstDash val="solid"/>
-                      <a:round/>
-                      <a:headEnd type="none" w="med" len="med"/>
-                      <a:tailEnd type="none" w="med" len="med"/>
-                    </a:lnL>
-                    <a:lnR w="12700" cap="flat" cmpd="sng" algn="ctr">
-                      <a:solidFill>
-                        <a:srgbClr val="000000"/>
-                      </a:solidFill>
-                      <a:prstDash val="solid"/>
-                      <a:round/>
-                      <a:headEnd type="none" w="med" len="med"/>
-                      <a:tailEnd type="none" w="med" len="med"/>
-                    </a:lnR>
-                    <a:lnT w="12700" cap="flat" cmpd="sng" algn="ctr">
-                      <a:solidFill>
-                        <a:srgbClr val="000000"/>
-                      </a:solidFill>
-                      <a:prstDash val="solid"/>
-                      <a:round/>
-                      <a:headEnd type="none" w="med" len="med"/>
-                      <a:tailEnd type="none" w="med" len="med"/>
-                    </a:lnT>
-                    <a:lnB w="12700" cap="flat" cmpd="sng" algn="ctr">
-                      <a:solidFill>
-                        <a:srgbClr val="000000"/>
-                      </a:solidFill>
-                      <a:prstDash val="solid"/>
-                      <a:round/>
-                      <a:headEnd type="none" w="med" len="med"/>
-                      <a:tailEnd type="none" w="med" len="med"/>
-                    </a:lnB>
-                  </a:tcPr>
-                </a:tc>
-                <a:tc>
-                  <a:txBody>
-                    <a:bodyPr/>
-                    <a:lstStyle/>
-                    <a:p>
-                      <a:pPr marL="0" marR="0" indent="0" algn="just">
-                        <a:spcBef>
-                          <a:spcPts val="0"/>
-                        </a:spcBef>
-                        <a:spcAft>
-                          <a:spcPts val="0"/>
-                        </a:spcAft>
-                      </a:pPr>
-                      <a:r>
-                        <a:rPr lang="en-US" sz="800">
-                          <a:effectLst/>
-                          <a:latin typeface="Times New Roman" panose="02020603050405020304" pitchFamily="18" charset="0"/>
-                          <a:ea typeface="Times New Roman" panose="02020603050405020304" pitchFamily="18" charset="0"/>
-                        </a:rPr>
-                        <a:t>93.0%</a:t>
-                      </a:r>
-                    </a:p>
-                  </a:txBody>
-                  <a:tcPr marL="68580" marR="68580" marT="0" marB="0">
-                    <a:lnL w="12700" cap="flat" cmpd="sng" algn="ctr">
-                      <a:solidFill>
-                        <a:srgbClr val="000000"/>
-                      </a:solidFill>
-                      <a:prstDash val="solid"/>
-                      <a:round/>
-                      <a:headEnd type="none" w="med" len="med"/>
-                      <a:tailEnd type="none" w="med" len="med"/>
-                    </a:lnL>
-                    <a:lnR w="12700" cap="flat" cmpd="sng" algn="ctr">
-                      <a:solidFill>
-                        <a:srgbClr val="000000"/>
-                      </a:solidFill>
-                      <a:prstDash val="solid"/>
-                      <a:round/>
-                      <a:headEnd type="none" w="med" len="med"/>
-                      <a:tailEnd type="none" w="med" len="med"/>
-                    </a:lnR>
-                    <a:lnT w="12700" cap="flat" cmpd="sng" algn="ctr">
-                      <a:solidFill>
-                        <a:srgbClr val="000000"/>
-                      </a:solidFill>
-                      <a:prstDash val="solid"/>
-                      <a:round/>
-                      <a:headEnd type="none" w="med" len="med"/>
-                      <a:tailEnd type="none" w="med" len="med"/>
-                    </a:lnT>
-                    <a:lnB w="12700" cap="flat" cmpd="sng" algn="ctr">
-                      <a:solidFill>
-                        <a:srgbClr val="000000"/>
-                      </a:solidFill>
-                      <a:prstDash val="solid"/>
-                      <a:round/>
-                      <a:headEnd type="none" w="med" len="med"/>
-                      <a:tailEnd type="none" w="med" len="med"/>
-                    </a:lnB>
-                  </a:tcPr>
-                </a:tc>
-                <a:extLst>
-                  <a:ext uri="{0D108BD9-81ED-4DB2-BD59-A6C34878D82A}">
-                    <a16:rowId xmlns:a16="http://schemas.microsoft.com/office/drawing/2014/main" val="72878464"/>
-                  </a:ext>
-                </a:extLst>
-              </a:tr>
-              <a:tr h="575740">
-                <a:tc>
-                  <a:txBody>
-                    <a:bodyPr/>
-                    <a:lstStyle/>
-                    <a:p>
-                      <a:pPr marL="0" marR="0" indent="0" algn="just">
-                        <a:spcBef>
-                          <a:spcPts val="0"/>
-                        </a:spcBef>
-                        <a:spcAft>
-                          <a:spcPts val="0"/>
-                        </a:spcAft>
-                      </a:pPr>
-                      <a:r>
-                        <a:rPr lang="en-US" sz="800">
-                          <a:effectLst/>
-                          <a:latin typeface="Times New Roman" panose="02020603050405020304" pitchFamily="18" charset="0"/>
-                          <a:ea typeface="Times New Roman" panose="02020603050405020304" pitchFamily="18" charset="0"/>
-                        </a:rPr>
-                        <a:t>RESNET Enhanced Neural Network</a:t>
-                      </a:r>
-                    </a:p>
-                  </a:txBody>
-                  <a:tcPr marL="68580" marR="68580" marT="0" marB="0">
-                    <a:lnL w="12700" cap="flat" cmpd="sng" algn="ctr">
-                      <a:solidFill>
-                        <a:srgbClr val="000000"/>
-                      </a:solidFill>
-                      <a:prstDash val="solid"/>
-                      <a:round/>
-                      <a:headEnd type="none" w="med" len="med"/>
-                      <a:tailEnd type="none" w="med" len="med"/>
-                    </a:lnL>
-                    <a:lnR w="12700" cap="flat" cmpd="sng" algn="ctr">
-                      <a:solidFill>
-                        <a:srgbClr val="000000"/>
-                      </a:solidFill>
-                      <a:prstDash val="solid"/>
-                      <a:round/>
-                      <a:headEnd type="none" w="med" len="med"/>
-                      <a:tailEnd type="none" w="med" len="med"/>
-                    </a:lnR>
-                    <a:lnT w="12700" cap="flat" cmpd="sng" algn="ctr">
-                      <a:solidFill>
-                        <a:srgbClr val="000000"/>
-                      </a:solidFill>
-                      <a:prstDash val="solid"/>
-                      <a:round/>
-                      <a:headEnd type="none" w="med" len="med"/>
-                      <a:tailEnd type="none" w="med" len="med"/>
-                    </a:lnT>
-                    <a:lnB w="12700" cap="flat" cmpd="sng" algn="ctr">
-                      <a:solidFill>
-                        <a:srgbClr val="000000"/>
-                      </a:solidFill>
-                      <a:prstDash val="solid"/>
-                      <a:round/>
-                      <a:headEnd type="none" w="med" len="med"/>
-                      <a:tailEnd type="none" w="med" len="med"/>
-                    </a:lnB>
-                  </a:tcPr>
-                </a:tc>
-                <a:tc>
-                  <a:txBody>
-                    <a:bodyPr/>
-                    <a:lstStyle/>
-                    <a:p>
-                      <a:pPr marL="0" marR="0" indent="0" algn="just">
-                        <a:spcBef>
-                          <a:spcPts val="0"/>
-                        </a:spcBef>
-                        <a:spcAft>
-                          <a:spcPts val="0"/>
-                        </a:spcAft>
-                      </a:pPr>
-                      <a:r>
-                        <a:rPr lang="en-US" sz="800">
-                          <a:effectLst/>
-                          <a:latin typeface="Times New Roman" panose="02020603050405020304" pitchFamily="18" charset="0"/>
-                          <a:ea typeface="Times New Roman" panose="02020603050405020304" pitchFamily="18" charset="0"/>
-                        </a:rPr>
-                        <a:t>94.8%</a:t>
-                      </a:r>
-                    </a:p>
-                  </a:txBody>
-                  <a:tcPr marL="68580" marR="68580" marT="0" marB="0">
-                    <a:lnL w="12700" cap="flat" cmpd="sng" algn="ctr">
-                      <a:solidFill>
-                        <a:srgbClr val="000000"/>
-                      </a:solidFill>
-                      <a:prstDash val="solid"/>
-                      <a:round/>
-                      <a:headEnd type="none" w="med" len="med"/>
-                      <a:tailEnd type="none" w="med" len="med"/>
-                    </a:lnL>
-                    <a:lnR w="12700" cap="flat" cmpd="sng" algn="ctr">
-                      <a:solidFill>
-                        <a:srgbClr val="000000"/>
-                      </a:solidFill>
-                      <a:prstDash val="solid"/>
-                      <a:round/>
-                      <a:headEnd type="none" w="med" len="med"/>
-                      <a:tailEnd type="none" w="med" len="med"/>
-                    </a:lnR>
-                    <a:lnT w="12700" cap="flat" cmpd="sng" algn="ctr">
-                      <a:solidFill>
-                        <a:srgbClr val="000000"/>
-                      </a:solidFill>
-                      <a:prstDash val="solid"/>
-                      <a:round/>
-                      <a:headEnd type="none" w="med" len="med"/>
-                      <a:tailEnd type="none" w="med" len="med"/>
-                    </a:lnT>
-                    <a:lnB w="12700" cap="flat" cmpd="sng" algn="ctr">
-                      <a:solidFill>
-                        <a:srgbClr val="000000"/>
-                      </a:solidFill>
-                      <a:prstDash val="solid"/>
-                      <a:round/>
-                      <a:headEnd type="none" w="med" len="med"/>
-                      <a:tailEnd type="none" w="med" len="med"/>
-                    </a:lnB>
-                  </a:tcPr>
-                </a:tc>
-                <a:extLst>
-                  <a:ext uri="{0D108BD9-81ED-4DB2-BD59-A6C34878D82A}">
-                    <a16:rowId xmlns:a16="http://schemas.microsoft.com/office/drawing/2014/main" val="3676038690"/>
-                  </a:ext>
-                </a:extLst>
-              </a:tr>
-              <a:tr h="287870">
-                <a:tc>
-                  <a:txBody>
-                    <a:bodyPr/>
-                    <a:lstStyle/>
-                    <a:p>
-                      <a:pPr marL="0" marR="0" indent="0" algn="just">
-                        <a:spcBef>
-                          <a:spcPts val="0"/>
-                        </a:spcBef>
-                        <a:spcAft>
-                          <a:spcPts val="0"/>
-                        </a:spcAft>
-                      </a:pPr>
-                      <a:r>
-                        <a:rPr lang="en-US" sz="800">
-                          <a:effectLst/>
-                          <a:latin typeface="Times New Roman" panose="02020603050405020304" pitchFamily="18" charset="0"/>
-                          <a:ea typeface="Times New Roman" panose="02020603050405020304" pitchFamily="18" charset="0"/>
-                        </a:rPr>
-                        <a:t>K-Means</a:t>
-                      </a:r>
-                    </a:p>
-                  </a:txBody>
-                  <a:tcPr marL="68580" marR="68580" marT="0" marB="0">
-                    <a:lnL w="12700" cap="flat" cmpd="sng" algn="ctr">
-                      <a:solidFill>
-                        <a:srgbClr val="000000"/>
-                      </a:solidFill>
-                      <a:prstDash val="solid"/>
-                      <a:round/>
-                      <a:headEnd type="none" w="med" len="med"/>
-                      <a:tailEnd type="none" w="med" len="med"/>
-                    </a:lnL>
-                    <a:lnR w="12700" cap="flat" cmpd="sng" algn="ctr">
-                      <a:solidFill>
-                        <a:srgbClr val="000000"/>
-                      </a:solidFill>
-                      <a:prstDash val="solid"/>
-                      <a:round/>
-                      <a:headEnd type="none" w="med" len="med"/>
-                      <a:tailEnd type="none" w="med" len="med"/>
-                    </a:lnR>
-                    <a:lnT w="12700" cap="flat" cmpd="sng" algn="ctr">
-                      <a:solidFill>
-                        <a:srgbClr val="000000"/>
-                      </a:solidFill>
-                      <a:prstDash val="solid"/>
-                      <a:round/>
-                      <a:headEnd type="none" w="med" len="med"/>
-                      <a:tailEnd type="none" w="med" len="med"/>
-                    </a:lnT>
-                    <a:lnB w="12700" cap="flat" cmpd="sng" algn="ctr">
-                      <a:solidFill>
-                        <a:srgbClr val="000000"/>
-                      </a:solidFill>
-                      <a:prstDash val="solid"/>
-                      <a:round/>
-                      <a:headEnd type="none" w="med" len="med"/>
-                      <a:tailEnd type="none" w="med" len="med"/>
-                    </a:lnB>
-                  </a:tcPr>
+                  <a:tcPr marL="68580" marR="68580" marT="0" marB="0"/>
                 </a:tc>
                 <a:tc>
                   <a:txBody>
@@ -12152,55 +12176,147 @@
                       <a:r>
                         <a:rPr lang="en-US" sz="800" dirty="0">
                           <a:effectLst/>
-                          <a:latin typeface="Times New Roman" panose="02020603050405020304" pitchFamily="18" charset="0"/>
-                          <a:ea typeface="Times New Roman" panose="02020603050405020304" pitchFamily="18" charset="0"/>
+                        </a:rPr>
+                        <a:t>93.0%</a:t>
+                      </a:r>
+                      <a:endParaRPr lang="en-US" sz="800" dirty="0">
+                        <a:effectLst/>
+                        <a:latin typeface="Times New Roman" panose="02020603050405020304" pitchFamily="18" charset="0"/>
+                        <a:ea typeface="Times New Roman" panose="02020603050405020304" pitchFamily="18" charset="0"/>
+                      </a:endParaRPr>
+                    </a:p>
+                  </a:txBody>
+                  <a:tcPr marL="68580" marR="68580" marT="0" marB="0"/>
+                </a:tc>
+                <a:extLst>
+                  <a:ext uri="{0D108BD9-81ED-4DB2-BD59-A6C34878D82A}">
+                    <a16:rowId xmlns:a16="http://schemas.microsoft.com/office/drawing/2014/main" val="3365440779"/>
+                  </a:ext>
+                </a:extLst>
+              </a:tr>
+              <a:tr h="248157">
+                <a:tc>
+                  <a:txBody>
+                    <a:bodyPr/>
+                    <a:lstStyle/>
+                    <a:p>
+                      <a:pPr marL="0" marR="0" indent="0" algn="just">
+                        <a:spcBef>
+                          <a:spcPts val="0"/>
+                        </a:spcBef>
+                        <a:spcAft>
+                          <a:spcPts val="0"/>
+                        </a:spcAft>
+                      </a:pPr>
+                      <a:r>
+                        <a:rPr lang="en-US" sz="800">
+                          <a:effectLst/>
+                        </a:rPr>
+                        <a:t>RESNET Enhanced Neural Network</a:t>
+                      </a:r>
+                      <a:endParaRPr lang="en-US" sz="800">
+                        <a:effectLst/>
+                        <a:latin typeface="Times New Roman" panose="02020603050405020304" pitchFamily="18" charset="0"/>
+                        <a:ea typeface="Times New Roman" panose="02020603050405020304" pitchFamily="18" charset="0"/>
+                      </a:endParaRPr>
+                    </a:p>
+                  </a:txBody>
+                  <a:tcPr marL="68580" marR="68580" marT="0" marB="0"/>
+                </a:tc>
+                <a:tc>
+                  <a:txBody>
+                    <a:bodyPr/>
+                    <a:lstStyle/>
+                    <a:p>
+                      <a:pPr marL="0" marR="0" indent="0" algn="just">
+                        <a:spcBef>
+                          <a:spcPts val="0"/>
+                        </a:spcBef>
+                        <a:spcAft>
+                          <a:spcPts val="0"/>
+                        </a:spcAft>
+                      </a:pPr>
+                      <a:r>
+                        <a:rPr lang="en-US" sz="800" dirty="0">
+                          <a:effectLst/>
+                        </a:rPr>
+                        <a:t>94.8%</a:t>
+                      </a:r>
+                      <a:endParaRPr lang="en-US" sz="800" dirty="0">
+                        <a:effectLst/>
+                        <a:latin typeface="Times New Roman" panose="02020603050405020304" pitchFamily="18" charset="0"/>
+                        <a:ea typeface="Times New Roman" panose="02020603050405020304" pitchFamily="18" charset="0"/>
+                      </a:endParaRPr>
+                    </a:p>
+                  </a:txBody>
+                  <a:tcPr marL="68580" marR="68580" marT="0" marB="0"/>
+                </a:tc>
+                <a:extLst>
+                  <a:ext uri="{0D108BD9-81ED-4DB2-BD59-A6C34878D82A}">
+                    <a16:rowId xmlns:a16="http://schemas.microsoft.com/office/drawing/2014/main" val="1269454573"/>
+                  </a:ext>
+                </a:extLst>
+              </a:tr>
+              <a:tr h="215688">
+                <a:tc>
+                  <a:txBody>
+                    <a:bodyPr/>
+                    <a:lstStyle/>
+                    <a:p>
+                      <a:pPr marL="0" marR="0" indent="0" algn="just">
+                        <a:spcBef>
+                          <a:spcPts val="0"/>
+                        </a:spcBef>
+                        <a:spcAft>
+                          <a:spcPts val="0"/>
+                        </a:spcAft>
+                      </a:pPr>
+                      <a:r>
+                        <a:rPr lang="en-US" sz="800">
+                          <a:effectLst/>
+                        </a:rPr>
+                        <a:t>K-Means</a:t>
+                      </a:r>
+                      <a:endParaRPr lang="en-US" sz="800">
+                        <a:effectLst/>
+                        <a:latin typeface="Times New Roman" panose="02020603050405020304" pitchFamily="18" charset="0"/>
+                        <a:ea typeface="Times New Roman" panose="02020603050405020304" pitchFamily="18" charset="0"/>
+                      </a:endParaRPr>
+                    </a:p>
+                  </a:txBody>
+                  <a:tcPr marL="68580" marR="68580" marT="0" marB="0"/>
+                </a:tc>
+                <a:tc>
+                  <a:txBody>
+                    <a:bodyPr/>
+                    <a:lstStyle/>
+                    <a:p>
+                      <a:pPr marL="0" marR="0" indent="0" algn="just">
+                        <a:spcBef>
+                          <a:spcPts val="0"/>
+                        </a:spcBef>
+                        <a:spcAft>
+                          <a:spcPts val="0"/>
+                        </a:spcAft>
+                      </a:pPr>
+                      <a:r>
+                        <a:rPr lang="en-US" sz="800" dirty="0">
+                          <a:effectLst/>
                         </a:rPr>
                         <a:t>70%</a:t>
                       </a:r>
+                      <a:endParaRPr lang="en-US" sz="800" dirty="0">
+                        <a:effectLst/>
+                        <a:latin typeface="Times New Roman" panose="02020603050405020304" pitchFamily="18" charset="0"/>
+                        <a:ea typeface="Times New Roman" panose="02020603050405020304" pitchFamily="18" charset="0"/>
+                      </a:endParaRPr>
                     </a:p>
                   </a:txBody>
-                  <a:tcPr marL="68580" marR="68580" marT="0" marB="0">
-                    <a:lnL w="12700" cap="flat" cmpd="sng" algn="ctr">
-                      <a:solidFill>
-                        <a:srgbClr val="000000"/>
-                      </a:solidFill>
-                      <a:prstDash val="solid"/>
-                      <a:round/>
-                      <a:headEnd type="none" w="med" len="med"/>
-                      <a:tailEnd type="none" w="med" len="med"/>
-                    </a:lnL>
-                    <a:lnR w="12700" cap="flat" cmpd="sng" algn="ctr">
-                      <a:solidFill>
-                        <a:srgbClr val="000000"/>
-                      </a:solidFill>
-                      <a:prstDash val="solid"/>
-                      <a:round/>
-                      <a:headEnd type="none" w="med" len="med"/>
-                      <a:tailEnd type="none" w="med" len="med"/>
-                    </a:lnR>
-                    <a:lnT w="12700" cap="flat" cmpd="sng" algn="ctr">
-                      <a:solidFill>
-                        <a:srgbClr val="000000"/>
-                      </a:solidFill>
-                      <a:prstDash val="solid"/>
-                      <a:round/>
-                      <a:headEnd type="none" w="med" len="med"/>
-                      <a:tailEnd type="none" w="med" len="med"/>
-                    </a:lnT>
-                    <a:lnB w="12700" cap="flat" cmpd="sng" algn="ctr">
-                      <a:solidFill>
-                        <a:srgbClr val="000000"/>
-                      </a:solidFill>
-                      <a:prstDash val="solid"/>
-                      <a:round/>
-                      <a:headEnd type="none" w="med" len="med"/>
-                      <a:tailEnd type="none" w="med" len="med"/>
-                    </a:lnB>
-                  </a:tcPr>
+                  <a:tcPr marL="68580" marR="68580" marT="0" marB="0"/>
                 </a:tc>
                 <a:extLst>
                   <a:ext uri="{0D108BD9-81ED-4DB2-BD59-A6C34878D82A}">
-                    <a16:rowId xmlns:a16="http://schemas.microsoft.com/office/drawing/2014/main" val="289881299"/>
+                    <a16:rowId xmlns:a16="http://schemas.microsoft.com/office/drawing/2014/main" val="448090779"/>
                   </a:ext>
                 </a:extLst>
               </a:tr>
@@ -12211,7 +12327,7 @@
     </p:spTree>
     <p:extLst>
       <p:ext uri="{BB962C8B-B14F-4D97-AF65-F5344CB8AC3E}">
-        <p14:creationId xmlns:p14="http://schemas.microsoft.com/office/powerpoint/2010/main" val="3673623770"/>
+        <p14:creationId xmlns:p14="http://schemas.microsoft.com/office/powerpoint/2010/main" val="2082635844"/>
       </p:ext>
     </p:extLst>
   </p:cSld>
@@ -12221,7 +12337,7 @@
 </p:sld>
 </file>
 
-<file path=ppt/slides/slide28.xml><?xml version="1.0" encoding="utf-8"?>
+<file path=ppt/slides/slide29.xml><?xml version="1.0" encoding="utf-8"?>
 <p:sld xmlns:a="http://schemas.openxmlformats.org/drawingml/2006/main" xmlns:r="http://schemas.openxmlformats.org/officeDocument/2006/relationships" xmlns:p="http://schemas.openxmlformats.org/presentationml/2006/main">
   <p:cSld>
     <p:spTree>
@@ -12256,14 +12372,14 @@
           <a:lstStyle/>
           <a:p>
             <a:r>
-              <a:rPr lang="en-US" dirty="0" smtClean="0"/>
+              <a:rPr lang="en-US" dirty="0"/>
               <a:t>System Design -</a:t>
             </a:r>
             <a:br>
-              <a:rPr lang="en-US" dirty="0" smtClean="0"/>
+              <a:rPr lang="en-US" dirty="0"/>
             </a:br>
             <a:r>
-              <a:rPr lang="en-US" dirty="0" smtClean="0"/>
+              <a:rPr lang="en-US" dirty="0"/>
               <a:t>Visualization</a:t>
             </a:r>
             <a:endParaRPr lang="en-SG" dirty="0"/>
@@ -12306,7 +12422,7 @@
           <a:p>
             <a:pPr algn="l"/>
             <a:r>
-              <a:rPr lang="en-SG" sz="1000" smtClean="0"/>
+              <a:rPr lang="en-SG" sz="1000"/>
               <a:t>© 2018 National University of Singapore. All Rights Reserved</a:t>
             </a:r>
             <a:endParaRPr lang="en-SG" dirty="0"/>
@@ -12331,7 +12447,7 @@
             <a:fld id="{2F63C605-4FC6-46DE-BC90-871762EA3F52}" type="slidenum">
               <a:rPr lang="en-SG" smtClean="0"/>
               <a:pPr/>
-              <a:t>28</a:t>
+              <a:t>29</a:t>
             </a:fld>
             <a:endParaRPr lang="en-SG" dirty="0"/>
           </a:p>
@@ -12374,7 +12490,7 @@
 </p:sld>
 </file>
 
-<file path=ppt/slides/slide29.xml><?xml version="1.0" encoding="utf-8"?>
+<file path=ppt/slides/slide3.xml><?xml version="1.0" encoding="utf-8"?>
 <p:sld xmlns:a="http://schemas.openxmlformats.org/drawingml/2006/main" xmlns:r="http://schemas.openxmlformats.org/officeDocument/2006/relationships" xmlns:p="http://schemas.openxmlformats.org/presentationml/2006/main">
   <p:cSld>
     <p:spTree>
@@ -12393,7 +12509,13 @@
       </p:grpSpPr>
       <p:sp>
         <p:nvSpPr>
-          <p:cNvPr id="2" name="Title 1"/>
+          <p:cNvPr id="2" name="Title 1">
+            <a:extLst>
+              <a:ext uri="{FF2B5EF4-FFF2-40B4-BE49-F238E27FC236}">
+                <a16:creationId xmlns:a16="http://schemas.microsoft.com/office/drawing/2014/main" id="{305B34F7-12CB-4413-B6EE-1213C77B8667}"/>
+              </a:ext>
+            </a:extLst>
+          </p:cNvPr>
           <p:cNvSpPr>
             <a:spLocks noGrp="1"/>
           </p:cNvSpPr>
@@ -12401,30 +12523,12 @@
             <p:ph type="title"/>
           </p:nvPr>
         </p:nvSpPr>
-        <p:spPr/>
-        <p:txBody>
-          <a:bodyPr/>
-          <a:lstStyle/>
-          <a:p>
-            <a:r>
-              <a:rPr lang="en-US" dirty="0" smtClean="0"/>
-              <a:t>Open3D Visualizer</a:t>
-            </a:r>
-            <a:endParaRPr lang="en-SG" dirty="0"/>
-          </a:p>
-        </p:txBody>
-      </p:sp>
-      <p:sp>
-        <p:nvSpPr>
-          <p:cNvPr id="3" name="Content Placeholder 2"/>
-          <p:cNvSpPr>
-            <a:spLocks noGrp="1"/>
-          </p:cNvSpPr>
-          <p:nvPr>
-            <p:ph sz="quarter" idx="13"/>
-          </p:nvPr>
-        </p:nvSpPr>
-        <p:spPr/>
+        <p:spPr>
+          <a:xfrm>
+            <a:off x="628655" y="250833"/>
+            <a:ext cx="4567599" cy="681152"/>
+          </a:xfrm>
+        </p:spPr>
         <p:txBody>
           <a:bodyPr>
             <a:normAutofit/>
@@ -12432,53 +12536,204 @@
           <a:lstStyle/>
           <a:p>
             <a:r>
-              <a:rPr lang="en-US" dirty="0" smtClean="0">
+              <a:rPr lang="en-US" dirty="0"/>
+              <a:t>Objective</a:t>
+            </a:r>
+            <a:endParaRPr lang="en-SG" dirty="0"/>
+          </a:p>
+        </p:txBody>
+      </p:sp>
+      <p:sp>
+        <p:nvSpPr>
+          <p:cNvPr id="4" name="Footer Placeholder 3">
+            <a:extLst>
+              <a:ext uri="{FF2B5EF4-FFF2-40B4-BE49-F238E27FC236}">
+                <a16:creationId xmlns:a16="http://schemas.microsoft.com/office/drawing/2014/main" id="{DFF7D98E-5B1F-4E10-AB97-58406D48EF6C}"/>
+              </a:ext>
+            </a:extLst>
+          </p:cNvPr>
+          <p:cNvSpPr>
+            <a:spLocks noGrp="1"/>
+          </p:cNvSpPr>
+          <p:nvPr>
+            <p:ph type="ftr" sz="quarter" idx="15"/>
+          </p:nvPr>
+        </p:nvSpPr>
+        <p:spPr/>
+        <p:txBody>
+          <a:bodyPr/>
+          <a:lstStyle/>
+          <a:p>
+            <a:pPr algn="l"/>
+            <a:r>
+              <a:rPr lang="en-SG" sz="1000" dirty="0"/>
+              <a:t>© 2018 National University of Singapore. All Rights Reserved</a:t>
+            </a:r>
+            <a:endParaRPr lang="en-SG" dirty="0"/>
+          </a:p>
+        </p:txBody>
+      </p:sp>
+      <p:sp>
+        <p:nvSpPr>
+          <p:cNvPr id="5" name="Slide Number Placeholder 4">
+            <a:extLst>
+              <a:ext uri="{FF2B5EF4-FFF2-40B4-BE49-F238E27FC236}">
+                <a16:creationId xmlns:a16="http://schemas.microsoft.com/office/drawing/2014/main" id="{2B209DE3-A460-48DC-8DFB-3F1EEB83EC47}"/>
+              </a:ext>
+            </a:extLst>
+          </p:cNvPr>
+          <p:cNvSpPr>
+            <a:spLocks noGrp="1"/>
+          </p:cNvSpPr>
+          <p:nvPr>
+            <p:ph type="sldNum" sz="quarter" idx="16"/>
+          </p:nvPr>
+        </p:nvSpPr>
+        <p:spPr/>
+        <p:txBody>
+          <a:bodyPr/>
+          <a:lstStyle/>
+          <a:p>
+            <a:fld id="{2F63C605-4FC6-46DE-BC90-871762EA3F52}" type="slidenum">
+              <a:rPr lang="en-SG" smtClean="0"/>
+              <a:pPr/>
+              <a:t>3</a:t>
+            </a:fld>
+            <a:endParaRPr lang="en-SG" dirty="0"/>
+          </a:p>
+        </p:txBody>
+      </p:sp>
+      <p:sp>
+        <p:nvSpPr>
+          <p:cNvPr id="7" name="Text Placeholder 6">
+            <a:extLst>
+              <a:ext uri="{FF2B5EF4-FFF2-40B4-BE49-F238E27FC236}">
+                <a16:creationId xmlns:a16="http://schemas.microsoft.com/office/drawing/2014/main" id="{CDFEDDD0-9A12-4545-B6D2-BB3ED3130654}"/>
+              </a:ext>
+            </a:extLst>
+          </p:cNvPr>
+          <p:cNvSpPr>
+            <a:spLocks noGrp="1"/>
+          </p:cNvSpPr>
+          <p:nvPr>
+            <p:ph type="body" sz="quarter" idx="13"/>
+          </p:nvPr>
+        </p:nvSpPr>
+        <p:spPr/>
+        <p:txBody>
+          <a:bodyPr>
+            <a:normAutofit/>
+          </a:bodyPr>
+          <a:lstStyle/>
+          <a:p>
+            <a:r>
+              <a:rPr lang="en-US" dirty="0"/>
+              <a:t>The project is aimed to predict the 2D terrain and re-generate front/rear view image using neural network based on point cloud/Lidar data.</a:t>
+            </a:r>
+            <a:endParaRPr lang="en-SG" dirty="0"/>
+          </a:p>
+        </p:txBody>
+      </p:sp>
+    </p:spTree>
+    <p:extLst>
+      <p:ext uri="{BB962C8B-B14F-4D97-AF65-F5344CB8AC3E}">
+        <p14:creationId xmlns:p14="http://schemas.microsoft.com/office/powerpoint/2010/main" val="1105590467"/>
+      </p:ext>
+    </p:extLst>
+  </p:cSld>
+  <p:clrMapOvr>
+    <a:masterClrMapping/>
+  </p:clrMapOvr>
+</p:sld>
+</file>
+
+<file path=ppt/slides/slide30.xml><?xml version="1.0" encoding="utf-8"?>
+<p:sld xmlns:a="http://schemas.openxmlformats.org/drawingml/2006/main" xmlns:r="http://schemas.openxmlformats.org/officeDocument/2006/relationships" xmlns:p="http://schemas.openxmlformats.org/presentationml/2006/main">
+  <p:cSld>
+    <p:spTree>
+      <p:nvGrpSpPr>
+        <p:cNvPr id="1" name=""/>
+        <p:cNvGrpSpPr/>
+        <p:nvPr/>
+      </p:nvGrpSpPr>
+      <p:grpSpPr>
+        <a:xfrm>
+          <a:off x="0" y="0"/>
+          <a:ext cx="0" cy="0"/>
+          <a:chOff x="0" y="0"/>
+          <a:chExt cx="0" cy="0"/>
+        </a:xfrm>
+      </p:grpSpPr>
+      <p:sp>
+        <p:nvSpPr>
+          <p:cNvPr id="2" name="Title 1"/>
+          <p:cNvSpPr>
+            <a:spLocks noGrp="1"/>
+          </p:cNvSpPr>
+          <p:nvPr>
+            <p:ph type="title"/>
+          </p:nvPr>
+        </p:nvSpPr>
+        <p:spPr/>
+        <p:txBody>
+          <a:bodyPr/>
+          <a:lstStyle/>
+          <a:p>
+            <a:r>
+              <a:rPr lang="en-US" dirty="0"/>
+              <a:t>Open3D Visualizer</a:t>
+            </a:r>
+            <a:endParaRPr lang="en-SG" dirty="0"/>
+          </a:p>
+        </p:txBody>
+      </p:sp>
+      <p:sp>
+        <p:nvSpPr>
+          <p:cNvPr id="3" name="Content Placeholder 2"/>
+          <p:cNvSpPr>
+            <a:spLocks noGrp="1"/>
+          </p:cNvSpPr>
+          <p:nvPr>
+            <p:ph sz="quarter" idx="13"/>
+          </p:nvPr>
+        </p:nvSpPr>
+        <p:spPr/>
+        <p:txBody>
+          <a:bodyPr>
+            <a:normAutofit/>
+          </a:bodyPr>
+          <a:lstStyle/>
+          <a:p>
+            <a:r>
+              <a:rPr lang="en-US" dirty="0">
                 <a:solidFill>
                   <a:schemeClr val="tx1"/>
                 </a:solidFill>
               </a:rPr>
               <a:t>Input Data</a:t>
             </a:r>
-            <a:endParaRPr lang="en-US" dirty="0" smtClean="0">
-              <a:solidFill>
-                <a:schemeClr val="tx1"/>
-              </a:solidFill>
-            </a:endParaRPr>
           </a:p>
           <a:p>
             <a:pPr lvl="1"/>
             <a:r>
-              <a:rPr lang="en-US" dirty="0" smtClean="0">
+              <a:rPr lang="en-US" dirty="0">
                 <a:solidFill>
                   <a:schemeClr val="tx1"/>
                 </a:solidFill>
               </a:rPr>
-              <a:t>Grayscale </a:t>
-            </a:r>
-            <a:r>
-              <a:rPr lang="en-US" dirty="0" smtClean="0">
-                <a:solidFill>
-                  <a:schemeClr val="tx1"/>
-                </a:solidFill>
-              </a:rPr>
-              <a:t>2D map</a:t>
+              <a:t>Grayscale 2D map</a:t>
             </a:r>
           </a:p>
           <a:p>
             <a:pPr lvl="1"/>
             <a:r>
-              <a:rPr lang="en-US" dirty="0" smtClean="0">
+              <a:rPr lang="en-US" dirty="0">
                 <a:solidFill>
                   <a:schemeClr val="tx1"/>
                 </a:solidFill>
               </a:rPr>
               <a:t>Robot localization</a:t>
             </a:r>
-            <a:endParaRPr lang="en-US" dirty="0">
-              <a:solidFill>
-                <a:schemeClr val="tx1"/>
-              </a:solidFill>
-            </a:endParaRPr>
           </a:p>
           <a:p>
             <a:pPr lvl="2"/>
@@ -12509,52 +12764,34 @@
           </a:p>
           <a:p>
             <a:r>
-              <a:rPr lang="en-US" dirty="0" smtClean="0">
+              <a:rPr lang="en-US" dirty="0">
                 <a:solidFill>
                   <a:schemeClr val="tx1"/>
                 </a:solidFill>
               </a:rPr>
               <a:t>Output Views</a:t>
             </a:r>
-            <a:endParaRPr lang="en-US" dirty="0" smtClean="0">
-              <a:solidFill>
-                <a:schemeClr val="tx1"/>
-              </a:solidFill>
-            </a:endParaRPr>
           </a:p>
           <a:p>
             <a:pPr lvl="1"/>
             <a:r>
-              <a:rPr lang="en-US" dirty="0" smtClean="0">
+              <a:rPr lang="en-US" dirty="0">
                 <a:solidFill>
                   <a:schemeClr val="tx1"/>
                 </a:solidFill>
               </a:rPr>
               <a:t>Map</a:t>
             </a:r>
-            <a:endParaRPr lang="en-US" dirty="0" smtClean="0">
-              <a:solidFill>
-                <a:schemeClr val="tx1"/>
-              </a:solidFill>
-            </a:endParaRPr>
           </a:p>
           <a:p>
             <a:pPr lvl="1"/>
             <a:r>
-              <a:rPr lang="en-US" dirty="0" smtClean="0">
+              <a:rPr lang="en-US" dirty="0">
                 <a:solidFill>
                   <a:schemeClr val="tx1"/>
                 </a:solidFill>
               </a:rPr>
-              <a:t>Front / Rear </a:t>
-            </a:r>
-            <a:r>
-              <a:rPr lang="en-US" dirty="0" smtClean="0">
-                <a:solidFill>
-                  <a:schemeClr val="tx1"/>
-                </a:solidFill>
-              </a:rPr>
-              <a:t>View</a:t>
+              <a:t>Front / Rear View</a:t>
             </a:r>
             <a:endParaRPr lang="en-SG" dirty="0">
               <a:solidFill>
@@ -12581,7 +12818,7 @@
           <a:p>
             <a:pPr algn="l"/>
             <a:r>
-              <a:rPr lang="en-SG" sz="1000" smtClean="0"/>
+              <a:rPr lang="en-SG" sz="1000"/>
               <a:t>© 2018 National University of Singapore. All Rights Reserved</a:t>
             </a:r>
             <a:endParaRPr lang="en-SG" dirty="0"/>
@@ -12606,7 +12843,7 @@
             <a:fld id="{2F63C605-4FC6-46DE-BC90-871762EA3F52}" type="slidenum">
               <a:rPr lang="en-SG" smtClean="0"/>
               <a:pPr/>
-              <a:t>29</a:t>
+              <a:t>30</a:t>
             </a:fld>
             <a:endParaRPr lang="en-SG" dirty="0"/>
           </a:p>
@@ -12669,7 +12906,7 @@
 </p:sld>
 </file>
 
-<file path=ppt/slides/slide3.xml><?xml version="1.0" encoding="utf-8"?>
+<file path=ppt/slides/slide31.xml><?xml version="1.0" encoding="utf-8"?>
 <p:sld xmlns:a="http://schemas.openxmlformats.org/drawingml/2006/main" xmlns:r="http://schemas.openxmlformats.org/officeDocument/2006/relationships" xmlns:p="http://schemas.openxmlformats.org/presentationml/2006/main">
   <p:cSld>
     <p:spTree>
@@ -12688,13 +12925,7 @@
       </p:grpSpPr>
       <p:sp>
         <p:nvSpPr>
-          <p:cNvPr id="2" name="Title 1">
-            <a:extLst>
-              <a:ext uri="{FF2B5EF4-FFF2-40B4-BE49-F238E27FC236}">
-                <a16:creationId xmlns:a16="http://schemas.microsoft.com/office/drawing/2014/main" id="{305B34F7-12CB-4413-B6EE-1213C77B8667}"/>
-              </a:ext>
-            </a:extLst>
-          </p:cNvPr>
+          <p:cNvPr id="2" name="Title 1"/>
           <p:cNvSpPr>
             <a:spLocks noGrp="1"/>
           </p:cNvSpPr>
@@ -12702,21 +12933,14 @@
             <p:ph type="title"/>
           </p:nvPr>
         </p:nvSpPr>
-        <p:spPr>
-          <a:xfrm>
-            <a:off x="628655" y="250833"/>
-            <a:ext cx="4567599" cy="681152"/>
-          </a:xfrm>
-        </p:spPr>
-        <p:txBody>
-          <a:bodyPr>
-            <a:normAutofit/>
-          </a:bodyPr>
+        <p:spPr/>
+        <p:txBody>
+          <a:bodyPr/>
           <a:lstStyle/>
           <a:p>
             <a:r>
               <a:rPr lang="en-US" dirty="0"/>
-              <a:t>Objective</a:t>
+              <a:t>Map Tracking Viewer</a:t>
             </a:r>
             <a:endParaRPr lang="en-SG" dirty="0"/>
           </a:p>
@@ -12724,18 +12948,12 @@
       </p:sp>
       <p:sp>
         <p:nvSpPr>
-          <p:cNvPr id="4" name="Footer Placeholder 3">
-            <a:extLst>
-              <a:ext uri="{FF2B5EF4-FFF2-40B4-BE49-F238E27FC236}">
-                <a16:creationId xmlns:a16="http://schemas.microsoft.com/office/drawing/2014/main" id="{DFF7D98E-5B1F-4E10-AB97-58406D48EF6C}"/>
-              </a:ext>
-            </a:extLst>
-          </p:cNvPr>
-          <p:cNvSpPr>
-            <a:spLocks noGrp="1"/>
-          </p:cNvSpPr>
-          <p:nvPr>
-            <p:ph type="ftr" sz="quarter" idx="15"/>
+          <p:cNvPr id="3" name="Content Placeholder 2"/>
+          <p:cNvSpPr>
+            <a:spLocks noGrp="1"/>
+          </p:cNvSpPr>
+          <p:nvPr>
+            <p:ph sz="quarter" idx="13"/>
           </p:nvPr>
         </p:nvSpPr>
         <p:spPr/>
@@ -12743,146 +12961,8 @@
           <a:bodyPr/>
           <a:lstStyle/>
           <a:p>
-            <a:pPr algn="l"/>
-            <a:r>
-              <a:rPr lang="en-SG" sz="1000" dirty="0"/>
-              <a:t>© 2018 National University of Singapore. All Rights Reserved</a:t>
-            </a:r>
-            <a:endParaRPr lang="en-SG" dirty="0"/>
-          </a:p>
-        </p:txBody>
-      </p:sp>
-      <p:sp>
-        <p:nvSpPr>
-          <p:cNvPr id="5" name="Slide Number Placeholder 4">
-            <a:extLst>
-              <a:ext uri="{FF2B5EF4-FFF2-40B4-BE49-F238E27FC236}">
-                <a16:creationId xmlns:a16="http://schemas.microsoft.com/office/drawing/2014/main" id="{2B209DE3-A460-48DC-8DFB-3F1EEB83EC47}"/>
-              </a:ext>
-            </a:extLst>
-          </p:cNvPr>
-          <p:cNvSpPr>
-            <a:spLocks noGrp="1"/>
-          </p:cNvSpPr>
-          <p:nvPr>
-            <p:ph type="sldNum" sz="quarter" idx="16"/>
-          </p:nvPr>
-        </p:nvSpPr>
-        <p:spPr/>
-        <p:txBody>
-          <a:bodyPr/>
-          <a:lstStyle/>
-          <a:p>
-            <a:fld id="{2F63C605-4FC6-46DE-BC90-871762EA3F52}" type="slidenum">
-              <a:rPr lang="en-SG" smtClean="0"/>
-              <a:pPr/>
-              <a:t>3</a:t>
-            </a:fld>
-            <a:endParaRPr lang="en-SG" dirty="0"/>
-          </a:p>
-        </p:txBody>
-      </p:sp>
-      <p:sp>
-        <p:nvSpPr>
-          <p:cNvPr id="7" name="Text Placeholder 6">
-            <a:extLst>
-              <a:ext uri="{FF2B5EF4-FFF2-40B4-BE49-F238E27FC236}">
-                <a16:creationId xmlns:a16="http://schemas.microsoft.com/office/drawing/2014/main" id="{CDFEDDD0-9A12-4545-B6D2-BB3ED3130654}"/>
-              </a:ext>
-            </a:extLst>
-          </p:cNvPr>
-          <p:cNvSpPr>
-            <a:spLocks noGrp="1"/>
-          </p:cNvSpPr>
-          <p:nvPr>
-            <p:ph type="body" sz="quarter" idx="13"/>
-          </p:nvPr>
-        </p:nvSpPr>
-        <p:spPr/>
-        <p:txBody>
-          <a:bodyPr>
-            <a:normAutofit/>
-          </a:bodyPr>
-          <a:lstStyle/>
-          <a:p>
-            <a:r>
-              <a:rPr lang="en-US" dirty="0"/>
-              <a:t>The project is aimed to predict the 2D terrain and re-generate front/rear view image using neural network based on point cloud/Lidar data.</a:t>
-            </a:r>
-            <a:endParaRPr lang="en-SG" dirty="0"/>
-          </a:p>
-        </p:txBody>
-      </p:sp>
-    </p:spTree>
-    <p:extLst>
-      <p:ext uri="{BB962C8B-B14F-4D97-AF65-F5344CB8AC3E}">
-        <p14:creationId xmlns:p14="http://schemas.microsoft.com/office/powerpoint/2010/main" val="1105590467"/>
-      </p:ext>
-    </p:extLst>
-  </p:cSld>
-  <p:clrMapOvr>
-    <a:masterClrMapping/>
-  </p:clrMapOvr>
-</p:sld>
-</file>
-
-<file path=ppt/slides/slide30.xml><?xml version="1.0" encoding="utf-8"?>
-<p:sld xmlns:a="http://schemas.openxmlformats.org/drawingml/2006/main" xmlns:r="http://schemas.openxmlformats.org/officeDocument/2006/relationships" xmlns:p="http://schemas.openxmlformats.org/presentationml/2006/main">
-  <p:cSld>
-    <p:spTree>
-      <p:nvGrpSpPr>
-        <p:cNvPr id="1" name=""/>
-        <p:cNvGrpSpPr/>
-        <p:nvPr/>
-      </p:nvGrpSpPr>
-      <p:grpSpPr>
-        <a:xfrm>
-          <a:off x="0" y="0"/>
-          <a:ext cx="0" cy="0"/>
-          <a:chOff x="0" y="0"/>
-          <a:chExt cx="0" cy="0"/>
-        </a:xfrm>
-      </p:grpSpPr>
-      <p:sp>
-        <p:nvSpPr>
-          <p:cNvPr id="2" name="Title 1"/>
-          <p:cNvSpPr>
-            <a:spLocks noGrp="1"/>
-          </p:cNvSpPr>
-          <p:nvPr>
-            <p:ph type="title"/>
-          </p:nvPr>
-        </p:nvSpPr>
-        <p:spPr/>
-        <p:txBody>
-          <a:bodyPr/>
-          <a:lstStyle/>
-          <a:p>
-            <a:r>
-              <a:rPr lang="en-US" dirty="0" smtClean="0"/>
-              <a:t>Map Tracking Viewer</a:t>
-            </a:r>
-            <a:endParaRPr lang="en-SG" dirty="0"/>
-          </a:p>
-        </p:txBody>
-      </p:sp>
-      <p:sp>
-        <p:nvSpPr>
-          <p:cNvPr id="3" name="Content Placeholder 2"/>
-          <p:cNvSpPr>
-            <a:spLocks noGrp="1"/>
-          </p:cNvSpPr>
-          <p:nvPr>
-            <p:ph sz="quarter" idx="13"/>
-          </p:nvPr>
-        </p:nvSpPr>
-        <p:spPr/>
-        <p:txBody>
-          <a:bodyPr/>
-          <a:lstStyle/>
-          <a:p>
-            <a:r>
-              <a:rPr lang="en-US" dirty="0" smtClean="0">
+            <a:r>
+              <a:rPr lang="en-US" dirty="0">
                 <a:solidFill>
                   <a:schemeClr val="tx1"/>
                 </a:solidFill>
@@ -12890,7 +12970,7 @@
               <a:t>Python </a:t>
             </a:r>
             <a:r>
-              <a:rPr lang="en-US" dirty="0" err="1" smtClean="0">
+              <a:rPr lang="en-US" dirty="0" err="1">
                 <a:solidFill>
                   <a:schemeClr val="tx1"/>
                 </a:solidFill>
@@ -12898,7 +12978,7 @@
               <a:t>Tkinter</a:t>
             </a:r>
             <a:r>
-              <a:rPr lang="en-US" dirty="0" smtClean="0">
+              <a:rPr lang="en-US" dirty="0">
                 <a:solidFill>
                   <a:schemeClr val="tx1"/>
                 </a:solidFill>
@@ -12908,23 +12988,18 @@
           </a:p>
           <a:p>
             <a:r>
-              <a:rPr lang="en-US" dirty="0" smtClean="0">
+              <a:rPr lang="en-US" dirty="0">
                 <a:solidFill>
                   <a:schemeClr val="tx1"/>
                 </a:solidFill>
               </a:rPr>
               <a:t>Robot Simulation</a:t>
             </a:r>
-            <a:endParaRPr lang="en-US" dirty="0" smtClean="0">
-              <a:solidFill>
-                <a:schemeClr val="tx1"/>
-              </a:solidFill>
-            </a:endParaRPr>
           </a:p>
           <a:p>
             <a:pPr lvl="1"/>
             <a:r>
-              <a:rPr lang="en-US" dirty="0" smtClean="0">
+              <a:rPr lang="en-US" dirty="0">
                 <a:solidFill>
                   <a:schemeClr val="tx1"/>
                 </a:solidFill>
@@ -12935,7 +13010,7 @@
           <a:p>
             <a:pPr lvl="1"/>
             <a:r>
-              <a:rPr lang="en-US" dirty="0" smtClean="0">
+              <a:rPr lang="en-US" dirty="0">
                 <a:solidFill>
                   <a:schemeClr val="tx1"/>
                 </a:solidFill>
@@ -12945,39 +13020,29 @@
           </a:p>
           <a:p>
             <a:r>
-              <a:rPr lang="en-US" dirty="0" smtClean="0">
+              <a:rPr lang="en-US" dirty="0">
                 <a:solidFill>
                   <a:schemeClr val="tx1"/>
                 </a:solidFill>
               </a:rPr>
               <a:t>Visualization </a:t>
             </a:r>
-            <a:endParaRPr lang="en-US" dirty="0" smtClean="0">
-              <a:solidFill>
-                <a:schemeClr val="tx1"/>
-              </a:solidFill>
-            </a:endParaRPr>
           </a:p>
           <a:p>
             <a:pPr lvl="1"/>
             <a:r>
-              <a:rPr lang="en-US" dirty="0" smtClean="0">
+              <a:rPr lang="en-US" dirty="0">
                 <a:solidFill>
                   <a:schemeClr val="tx1"/>
                 </a:solidFill>
               </a:rPr>
               <a:t>Map</a:t>
             </a:r>
-            <a:endParaRPr lang="en-US" dirty="0" smtClean="0">
-              <a:solidFill>
-                <a:schemeClr val="tx1"/>
-              </a:solidFill>
-            </a:endParaRPr>
           </a:p>
           <a:p>
             <a:pPr lvl="1"/>
             <a:r>
-              <a:rPr lang="en-US" dirty="0" smtClean="0">
+              <a:rPr lang="en-US" dirty="0">
                 <a:solidFill>
                   <a:schemeClr val="tx1"/>
                 </a:solidFill>
@@ -13012,7 +13077,7 @@
           <a:p>
             <a:pPr algn="l"/>
             <a:r>
-              <a:rPr lang="en-SG" sz="1000" smtClean="0"/>
+              <a:rPr lang="en-SG" sz="1000"/>
               <a:t>© 2018 National University of Singapore. All Rights Reserved</a:t>
             </a:r>
             <a:endParaRPr lang="en-SG" dirty="0"/>
@@ -13037,7 +13102,7 @@
             <a:fld id="{2F63C605-4FC6-46DE-BC90-871762EA3F52}" type="slidenum">
               <a:rPr lang="en-SG" smtClean="0"/>
               <a:pPr/>
-              <a:t>30</a:t>
+              <a:t>31</a:t>
             </a:fld>
             <a:endParaRPr lang="en-SG" dirty="0"/>
           </a:p>
@@ -13080,401 +13145,6 @@
 </p:sld>
 </file>
 
-<file path=ppt/slides/slide31.xml><?xml version="1.0" encoding="utf-8"?>
-<p:sld xmlns:a="http://schemas.openxmlformats.org/drawingml/2006/main" xmlns:r="http://schemas.openxmlformats.org/officeDocument/2006/relationships" xmlns:p="http://schemas.openxmlformats.org/presentationml/2006/main">
-  <p:cSld>
-    <p:spTree>
-      <p:nvGrpSpPr>
-        <p:cNvPr id="1" name=""/>
-        <p:cNvGrpSpPr/>
-        <p:nvPr/>
-      </p:nvGrpSpPr>
-      <p:grpSpPr>
-        <a:xfrm>
-          <a:off x="0" y="0"/>
-          <a:ext cx="0" cy="0"/>
-          <a:chOff x="0" y="0"/>
-          <a:chExt cx="0" cy="0"/>
-        </a:xfrm>
-      </p:grpSpPr>
-      <p:sp>
-        <p:nvSpPr>
-          <p:cNvPr id="2" name="Title 1"/>
-          <p:cNvSpPr>
-            <a:spLocks noGrp="1"/>
-          </p:cNvSpPr>
-          <p:nvPr>
-            <p:ph type="title"/>
-          </p:nvPr>
-        </p:nvSpPr>
-        <p:spPr/>
-        <p:txBody>
-          <a:bodyPr/>
-          <a:lstStyle/>
-          <a:p>
-            <a:r>
-              <a:rPr lang="en-US" dirty="0" smtClean="0"/>
-              <a:t>Future Usage</a:t>
-            </a:r>
-            <a:endParaRPr lang="en-SG" dirty="0"/>
-          </a:p>
-        </p:txBody>
-      </p:sp>
-      <p:sp>
-        <p:nvSpPr>
-          <p:cNvPr id="3" name="Content Placeholder 2"/>
-          <p:cNvSpPr>
-            <a:spLocks noGrp="1"/>
-          </p:cNvSpPr>
-          <p:nvPr>
-            <p:ph sz="quarter" idx="13"/>
-          </p:nvPr>
-        </p:nvSpPr>
-        <p:spPr/>
-        <p:txBody>
-          <a:bodyPr>
-            <a:normAutofit fontScale="55000" lnSpcReduction="20000"/>
-          </a:bodyPr>
-          <a:lstStyle/>
-          <a:p>
-            <a:r>
-              <a:rPr lang="en-US" dirty="0" smtClean="0">
-                <a:solidFill>
-                  <a:schemeClr val="tx1"/>
-                </a:solidFill>
-              </a:rPr>
-              <a:t>Localization Algorithms</a:t>
-            </a:r>
-          </a:p>
-          <a:p>
-            <a:pPr lvl="1"/>
-            <a:r>
-              <a:rPr lang="en-US" dirty="0" smtClean="0">
-                <a:solidFill>
-                  <a:schemeClr val="tx1"/>
-                </a:solidFill>
-              </a:rPr>
-              <a:t>Monte </a:t>
-            </a:r>
-            <a:r>
-              <a:rPr lang="en-US" dirty="0">
-                <a:solidFill>
-                  <a:schemeClr val="tx1"/>
-                </a:solidFill>
-              </a:rPr>
-              <a:t>Carlo </a:t>
-            </a:r>
-            <a:r>
-              <a:rPr lang="en-US" dirty="0" smtClean="0">
-                <a:solidFill>
-                  <a:schemeClr val="tx1"/>
-                </a:solidFill>
-              </a:rPr>
-              <a:t>Localization (MCL)</a:t>
-            </a:r>
-          </a:p>
-          <a:p>
-            <a:pPr lvl="2"/>
-            <a:r>
-              <a:rPr lang="en-US" dirty="0" smtClean="0">
-                <a:solidFill>
-                  <a:schemeClr val="tx1"/>
-                </a:solidFill>
-              </a:rPr>
-              <a:t>Most popular in robot localization</a:t>
-            </a:r>
-          </a:p>
-          <a:p>
-            <a:pPr lvl="2"/>
-            <a:r>
-              <a:rPr lang="en-US" dirty="0">
-                <a:solidFill>
-                  <a:schemeClr val="tx1"/>
-                </a:solidFill>
-              </a:rPr>
-              <a:t>Also referred to as Particle Filter</a:t>
-            </a:r>
-          </a:p>
-          <a:p>
-            <a:pPr lvl="2"/>
-            <a:r>
-              <a:rPr lang="en-US" dirty="0">
-                <a:solidFill>
-                  <a:schemeClr val="tx1"/>
-                </a:solidFill>
-              </a:rPr>
-              <a:t>Relies on </a:t>
-            </a:r>
-          </a:p>
-          <a:p>
-            <a:pPr lvl="3"/>
-            <a:r>
-              <a:rPr lang="en-US" dirty="0">
-                <a:solidFill>
-                  <a:schemeClr val="tx1"/>
-                </a:solidFill>
-              </a:rPr>
-              <a:t>Accurate Environment Map</a:t>
-            </a:r>
-          </a:p>
-          <a:p>
-            <a:pPr lvl="3"/>
-            <a:r>
-              <a:rPr lang="en-US" dirty="0">
-                <a:solidFill>
-                  <a:schemeClr val="tx1"/>
-                </a:solidFill>
-              </a:rPr>
-              <a:t>Particle position and </a:t>
-            </a:r>
-            <a:r>
-              <a:rPr lang="en-US" dirty="0" smtClean="0">
-                <a:solidFill>
-                  <a:schemeClr val="tx1"/>
-                </a:solidFill>
-              </a:rPr>
-              <a:t>orientation</a:t>
-            </a:r>
-          </a:p>
-          <a:p>
-            <a:pPr lvl="1"/>
-            <a:r>
-              <a:rPr lang="en-US" dirty="0">
-                <a:solidFill>
-                  <a:schemeClr val="tx1"/>
-                </a:solidFill>
-              </a:rPr>
-              <a:t>Adaptive Monte Carlo </a:t>
-            </a:r>
-            <a:r>
-              <a:rPr lang="en-US" dirty="0" smtClean="0">
-                <a:solidFill>
-                  <a:schemeClr val="tx1"/>
-                </a:solidFill>
-              </a:rPr>
-              <a:t>Localization (AMCL)</a:t>
-            </a:r>
-          </a:p>
-          <a:p>
-            <a:pPr lvl="2"/>
-            <a:r>
-              <a:rPr lang="en-US" dirty="0" smtClean="0">
-                <a:solidFill>
-                  <a:schemeClr val="tx1"/>
-                </a:solidFill>
-              </a:rPr>
-              <a:t>Improved version of MCL</a:t>
-            </a:r>
-          </a:p>
-          <a:p>
-            <a:pPr lvl="2"/>
-            <a:endParaRPr lang="en-US" dirty="0" smtClean="0">
-              <a:solidFill>
-                <a:schemeClr val="tx1"/>
-              </a:solidFill>
-            </a:endParaRPr>
-          </a:p>
-          <a:p>
-            <a:r>
-              <a:rPr lang="en-SG" dirty="0" smtClean="0">
-                <a:solidFill>
-                  <a:schemeClr val="tx1"/>
-                </a:solidFill>
-              </a:rPr>
-              <a:t>Deep </a:t>
-            </a:r>
-            <a:r>
-              <a:rPr lang="en-SG" dirty="0">
-                <a:solidFill>
-                  <a:schemeClr val="tx1"/>
-                </a:solidFill>
-              </a:rPr>
-              <a:t>Neural Network Robotic </a:t>
-            </a:r>
-            <a:r>
-              <a:rPr lang="en-SG" dirty="0" smtClean="0">
-                <a:solidFill>
-                  <a:schemeClr val="tx1"/>
-                </a:solidFill>
-              </a:rPr>
-              <a:t>Mapping</a:t>
-            </a:r>
-          </a:p>
-          <a:p>
-            <a:pPr lvl="1"/>
-            <a:r>
-              <a:rPr lang="en-US" dirty="0" smtClean="0">
-                <a:solidFill>
-                  <a:schemeClr val="tx1"/>
-                </a:solidFill>
-              </a:rPr>
-              <a:t>Produces </a:t>
-            </a:r>
-            <a:r>
-              <a:rPr lang="en-US" dirty="0" smtClean="0">
-                <a:solidFill>
-                  <a:schemeClr val="tx1"/>
-                </a:solidFill>
-              </a:rPr>
-              <a:t>more accuracy map</a:t>
-            </a:r>
-          </a:p>
-          <a:p>
-            <a:pPr lvl="2"/>
-            <a:r>
-              <a:rPr lang="en-US" dirty="0" smtClean="0">
-                <a:solidFill>
-                  <a:schemeClr val="tx1"/>
-                </a:solidFill>
-              </a:rPr>
-              <a:t>Comparing with traditional approach such as k-means</a:t>
-            </a:r>
-          </a:p>
-          <a:p>
-            <a:pPr lvl="2"/>
-            <a:endParaRPr lang="en-US" dirty="0">
-              <a:solidFill>
-                <a:schemeClr val="tx1"/>
-              </a:solidFill>
-            </a:endParaRPr>
-          </a:p>
-          <a:p>
-            <a:r>
-              <a:rPr lang="en-US" dirty="0" smtClean="0">
-                <a:solidFill>
-                  <a:schemeClr val="tx1"/>
-                </a:solidFill>
-              </a:rPr>
-              <a:t>Therefore, </a:t>
-            </a:r>
-            <a:r>
-              <a:rPr lang="en-SG" dirty="0" smtClean="0">
-                <a:solidFill>
-                  <a:schemeClr val="tx1"/>
-                </a:solidFill>
-              </a:rPr>
-              <a:t>Deep </a:t>
-            </a:r>
-            <a:r>
-              <a:rPr lang="en-SG" dirty="0">
-                <a:solidFill>
-                  <a:schemeClr val="tx1"/>
-                </a:solidFill>
-              </a:rPr>
-              <a:t>Neural Network Robotic </a:t>
-            </a:r>
-            <a:r>
-              <a:rPr lang="en-SG" dirty="0" smtClean="0">
-                <a:solidFill>
-                  <a:schemeClr val="tx1"/>
-                </a:solidFill>
-              </a:rPr>
-              <a:t>Mapping </a:t>
-            </a:r>
-            <a:r>
-              <a:rPr lang="en-SG" dirty="0" smtClean="0">
-                <a:solidFill>
-                  <a:schemeClr val="tx1"/>
-                </a:solidFill>
-              </a:rPr>
-              <a:t>will benefit </a:t>
-            </a:r>
-            <a:r>
-              <a:rPr lang="en-US" dirty="0">
-                <a:solidFill>
-                  <a:schemeClr val="tx1"/>
-                </a:solidFill>
-              </a:rPr>
-              <a:t>AMCL </a:t>
-            </a:r>
-            <a:r>
-              <a:rPr lang="en-US" dirty="0" smtClean="0">
-                <a:solidFill>
-                  <a:schemeClr val="tx1"/>
-                </a:solidFill>
-              </a:rPr>
-              <a:t>with more accurate </a:t>
-            </a:r>
-            <a:r>
-              <a:rPr lang="en-SG" dirty="0" smtClean="0">
-                <a:solidFill>
-                  <a:schemeClr val="tx1"/>
-                </a:solidFill>
-              </a:rPr>
-              <a:t>map, and will provide map when map is not available</a:t>
-            </a:r>
-            <a:endParaRPr lang="en-US" dirty="0">
-              <a:solidFill>
-                <a:schemeClr val="tx1"/>
-              </a:solidFill>
-            </a:endParaRPr>
-          </a:p>
-          <a:p>
-            <a:endParaRPr lang="en-SG" dirty="0"/>
-          </a:p>
-        </p:txBody>
-      </p:sp>
-      <p:sp>
-        <p:nvSpPr>
-          <p:cNvPr id="4" name="Footer Placeholder 3"/>
-          <p:cNvSpPr>
-            <a:spLocks noGrp="1"/>
-          </p:cNvSpPr>
-          <p:nvPr>
-            <p:ph type="ftr" sz="quarter" idx="15"/>
-          </p:nvPr>
-        </p:nvSpPr>
-        <p:spPr/>
-        <p:txBody>
-          <a:bodyPr/>
-          <a:lstStyle/>
-          <a:p>
-            <a:pPr algn="l"/>
-            <a:r>
-              <a:rPr lang="en-SG" sz="1000" smtClean="0"/>
-              <a:t>© 2018 National University of Singapore. All Rights Reserved</a:t>
-            </a:r>
-            <a:endParaRPr lang="en-SG" dirty="0"/>
-          </a:p>
-        </p:txBody>
-      </p:sp>
-      <p:sp>
-        <p:nvSpPr>
-          <p:cNvPr id="5" name="Slide Number Placeholder 4"/>
-          <p:cNvSpPr>
-            <a:spLocks noGrp="1"/>
-          </p:cNvSpPr>
-          <p:nvPr>
-            <p:ph type="sldNum" sz="quarter" idx="16"/>
-          </p:nvPr>
-        </p:nvSpPr>
-        <p:spPr/>
-        <p:txBody>
-          <a:bodyPr/>
-          <a:lstStyle/>
-          <a:p>
-            <a:fld id="{2F63C605-4FC6-46DE-BC90-871762EA3F52}" type="slidenum">
-              <a:rPr lang="en-SG" smtClean="0"/>
-              <a:pPr/>
-              <a:t>31</a:t>
-            </a:fld>
-            <a:endParaRPr lang="en-SG" dirty="0"/>
-          </a:p>
-        </p:txBody>
-      </p:sp>
-    </p:spTree>
-    <p:extLst>
-      <p:ext uri="{BB962C8B-B14F-4D97-AF65-F5344CB8AC3E}">
-        <p14:creationId xmlns:p14="http://schemas.microsoft.com/office/powerpoint/2010/main" val="1383113111"/>
-      </p:ext>
-    </p:extLst>
-  </p:cSld>
-  <p:clrMapOvr>
-    <a:masterClrMapping/>
-  </p:clrMapOvr>
-</p:sld>
-</file>
-
 <file path=ppt/slides/slide32.xml><?xml version="1.0" encoding="utf-8"?>
 <p:sld xmlns:a="http://schemas.openxmlformats.org/drawingml/2006/main" xmlns:r="http://schemas.openxmlformats.org/officeDocument/2006/relationships" xmlns:p="http://schemas.openxmlformats.org/presentationml/2006/main">
   <p:cSld>
@@ -13502,6 +13172,313 @@
             <p:ph type="title"/>
           </p:nvPr>
         </p:nvSpPr>
+        <p:spPr/>
+        <p:txBody>
+          <a:bodyPr/>
+          <a:lstStyle/>
+          <a:p>
+            <a:r>
+              <a:rPr lang="en-US" dirty="0"/>
+              <a:t>Future Usage</a:t>
+            </a:r>
+            <a:endParaRPr lang="en-SG" dirty="0"/>
+          </a:p>
+        </p:txBody>
+      </p:sp>
+      <p:sp>
+        <p:nvSpPr>
+          <p:cNvPr id="3" name="Content Placeholder 2"/>
+          <p:cNvSpPr>
+            <a:spLocks noGrp="1"/>
+          </p:cNvSpPr>
+          <p:nvPr>
+            <p:ph sz="quarter" idx="13"/>
+          </p:nvPr>
+        </p:nvSpPr>
+        <p:spPr/>
+        <p:txBody>
+          <a:bodyPr>
+            <a:normAutofit fontScale="55000" lnSpcReduction="20000"/>
+          </a:bodyPr>
+          <a:lstStyle/>
+          <a:p>
+            <a:r>
+              <a:rPr lang="en-US" dirty="0">
+                <a:solidFill>
+                  <a:schemeClr val="tx1"/>
+                </a:solidFill>
+              </a:rPr>
+              <a:t>Localization Algorithms</a:t>
+            </a:r>
+          </a:p>
+          <a:p>
+            <a:pPr lvl="1"/>
+            <a:r>
+              <a:rPr lang="en-US" dirty="0">
+                <a:solidFill>
+                  <a:schemeClr val="tx1"/>
+                </a:solidFill>
+              </a:rPr>
+              <a:t>Monte Carlo Localization (MCL)</a:t>
+            </a:r>
+          </a:p>
+          <a:p>
+            <a:pPr lvl="2"/>
+            <a:r>
+              <a:rPr lang="en-US" dirty="0">
+                <a:solidFill>
+                  <a:schemeClr val="tx1"/>
+                </a:solidFill>
+              </a:rPr>
+              <a:t>Most popular in robot localization</a:t>
+            </a:r>
+          </a:p>
+          <a:p>
+            <a:pPr lvl="2"/>
+            <a:r>
+              <a:rPr lang="en-US" dirty="0">
+                <a:solidFill>
+                  <a:schemeClr val="tx1"/>
+                </a:solidFill>
+              </a:rPr>
+              <a:t>Also referred to as Particle Filter</a:t>
+            </a:r>
+          </a:p>
+          <a:p>
+            <a:pPr lvl="2"/>
+            <a:r>
+              <a:rPr lang="en-US" dirty="0">
+                <a:solidFill>
+                  <a:schemeClr val="tx1"/>
+                </a:solidFill>
+              </a:rPr>
+              <a:t>Relies on </a:t>
+            </a:r>
+          </a:p>
+          <a:p>
+            <a:pPr lvl="3"/>
+            <a:r>
+              <a:rPr lang="en-US" dirty="0">
+                <a:solidFill>
+                  <a:schemeClr val="tx1"/>
+                </a:solidFill>
+              </a:rPr>
+              <a:t>Accurate Environment Map</a:t>
+            </a:r>
+          </a:p>
+          <a:p>
+            <a:pPr lvl="3"/>
+            <a:r>
+              <a:rPr lang="en-US" dirty="0">
+                <a:solidFill>
+                  <a:schemeClr val="tx1"/>
+                </a:solidFill>
+              </a:rPr>
+              <a:t>Particle position and orientation</a:t>
+            </a:r>
+          </a:p>
+          <a:p>
+            <a:pPr lvl="1"/>
+            <a:r>
+              <a:rPr lang="en-US" dirty="0">
+                <a:solidFill>
+                  <a:schemeClr val="tx1"/>
+                </a:solidFill>
+              </a:rPr>
+              <a:t>Adaptive Monte Carlo Localization (AMCL)</a:t>
+            </a:r>
+          </a:p>
+          <a:p>
+            <a:pPr lvl="2"/>
+            <a:r>
+              <a:rPr lang="en-US" dirty="0">
+                <a:solidFill>
+                  <a:schemeClr val="tx1"/>
+                </a:solidFill>
+              </a:rPr>
+              <a:t>Improved version of MCL</a:t>
+            </a:r>
+          </a:p>
+          <a:p>
+            <a:pPr lvl="2"/>
+            <a:endParaRPr lang="en-US" dirty="0">
+              <a:solidFill>
+                <a:schemeClr val="tx1"/>
+              </a:solidFill>
+            </a:endParaRPr>
+          </a:p>
+          <a:p>
+            <a:r>
+              <a:rPr lang="en-SG" dirty="0">
+                <a:solidFill>
+                  <a:schemeClr val="tx1"/>
+                </a:solidFill>
+              </a:rPr>
+              <a:t>Deep Neural Network Robotic Mapping</a:t>
+            </a:r>
+          </a:p>
+          <a:p>
+            <a:pPr lvl="1"/>
+            <a:r>
+              <a:rPr lang="en-US" dirty="0">
+                <a:solidFill>
+                  <a:schemeClr val="tx1"/>
+                </a:solidFill>
+              </a:rPr>
+              <a:t>Produces more accuracy map</a:t>
+            </a:r>
+          </a:p>
+          <a:p>
+            <a:pPr lvl="2"/>
+            <a:r>
+              <a:rPr lang="en-US" dirty="0">
+                <a:solidFill>
+                  <a:schemeClr val="tx1"/>
+                </a:solidFill>
+              </a:rPr>
+              <a:t>Comparing with traditional approach such as k-means</a:t>
+            </a:r>
+          </a:p>
+          <a:p>
+            <a:pPr lvl="2"/>
+            <a:endParaRPr lang="en-US" dirty="0">
+              <a:solidFill>
+                <a:schemeClr val="tx1"/>
+              </a:solidFill>
+            </a:endParaRPr>
+          </a:p>
+          <a:p>
+            <a:r>
+              <a:rPr lang="en-US" dirty="0">
+                <a:solidFill>
+                  <a:schemeClr val="tx1"/>
+                </a:solidFill>
+              </a:rPr>
+              <a:t>Therefore, </a:t>
+            </a:r>
+            <a:r>
+              <a:rPr lang="en-SG" dirty="0">
+                <a:solidFill>
+                  <a:schemeClr val="tx1"/>
+                </a:solidFill>
+              </a:rPr>
+              <a:t>Deep Neural Network Robotic Mapping will benefit </a:t>
+            </a:r>
+            <a:r>
+              <a:rPr lang="en-US" dirty="0">
+                <a:solidFill>
+                  <a:schemeClr val="tx1"/>
+                </a:solidFill>
+              </a:rPr>
+              <a:t>AMCL with more accurate </a:t>
+            </a:r>
+            <a:r>
+              <a:rPr lang="en-SG" dirty="0">
+                <a:solidFill>
+                  <a:schemeClr val="tx1"/>
+                </a:solidFill>
+              </a:rPr>
+              <a:t>map, and will provide map when map is not available</a:t>
+            </a:r>
+            <a:endParaRPr lang="en-US" dirty="0">
+              <a:solidFill>
+                <a:schemeClr val="tx1"/>
+              </a:solidFill>
+            </a:endParaRPr>
+          </a:p>
+          <a:p>
+            <a:endParaRPr lang="en-SG" dirty="0"/>
+          </a:p>
+        </p:txBody>
+      </p:sp>
+      <p:sp>
+        <p:nvSpPr>
+          <p:cNvPr id="4" name="Footer Placeholder 3"/>
+          <p:cNvSpPr>
+            <a:spLocks noGrp="1"/>
+          </p:cNvSpPr>
+          <p:nvPr>
+            <p:ph type="ftr" sz="quarter" idx="15"/>
+          </p:nvPr>
+        </p:nvSpPr>
+        <p:spPr/>
+        <p:txBody>
+          <a:bodyPr/>
+          <a:lstStyle/>
+          <a:p>
+            <a:pPr algn="l"/>
+            <a:r>
+              <a:rPr lang="en-SG" sz="1000"/>
+              <a:t>© 2018 National University of Singapore. All Rights Reserved</a:t>
+            </a:r>
+            <a:endParaRPr lang="en-SG" dirty="0"/>
+          </a:p>
+        </p:txBody>
+      </p:sp>
+      <p:sp>
+        <p:nvSpPr>
+          <p:cNvPr id="5" name="Slide Number Placeholder 4"/>
+          <p:cNvSpPr>
+            <a:spLocks noGrp="1"/>
+          </p:cNvSpPr>
+          <p:nvPr>
+            <p:ph type="sldNum" sz="quarter" idx="16"/>
+          </p:nvPr>
+        </p:nvSpPr>
+        <p:spPr/>
+        <p:txBody>
+          <a:bodyPr/>
+          <a:lstStyle/>
+          <a:p>
+            <a:fld id="{2F63C605-4FC6-46DE-BC90-871762EA3F52}" type="slidenum">
+              <a:rPr lang="en-SG" smtClean="0"/>
+              <a:pPr/>
+              <a:t>32</a:t>
+            </a:fld>
+            <a:endParaRPr lang="en-SG" dirty="0"/>
+          </a:p>
+        </p:txBody>
+      </p:sp>
+    </p:spTree>
+    <p:extLst>
+      <p:ext uri="{BB962C8B-B14F-4D97-AF65-F5344CB8AC3E}">
+        <p14:creationId xmlns:p14="http://schemas.microsoft.com/office/powerpoint/2010/main" val="1383113111"/>
+      </p:ext>
+    </p:extLst>
+  </p:cSld>
+  <p:clrMapOvr>
+    <a:masterClrMapping/>
+  </p:clrMapOvr>
+</p:sld>
+</file>
+
+<file path=ppt/slides/slide33.xml><?xml version="1.0" encoding="utf-8"?>
+<p:sld xmlns:a="http://schemas.openxmlformats.org/drawingml/2006/main" xmlns:r="http://schemas.openxmlformats.org/officeDocument/2006/relationships" xmlns:p="http://schemas.openxmlformats.org/presentationml/2006/main">
+  <p:cSld>
+    <p:spTree>
+      <p:nvGrpSpPr>
+        <p:cNvPr id="1" name=""/>
+        <p:cNvGrpSpPr/>
+        <p:nvPr/>
+      </p:nvGrpSpPr>
+      <p:grpSpPr>
+        <a:xfrm>
+          <a:off x="0" y="0"/>
+          <a:ext cx="0" cy="0"/>
+          <a:chOff x="0" y="0"/>
+          <a:chExt cx="0" cy="0"/>
+        </a:xfrm>
+      </p:grpSpPr>
+      <p:sp>
+        <p:nvSpPr>
+          <p:cNvPr id="2" name="Title 1"/>
+          <p:cNvSpPr>
+            <a:spLocks noGrp="1"/>
+          </p:cNvSpPr>
+          <p:nvPr>
+            <p:ph type="title"/>
+          </p:nvPr>
+        </p:nvSpPr>
         <p:spPr>
           <a:xfrm>
             <a:off x="2573601" y="3053030"/>
@@ -13568,7 +13545,7 @@
             <a:fld id="{2F63C605-4FC6-46DE-BC90-871762EA3F52}" type="slidenum">
               <a:rPr lang="en-SG" smtClean="0"/>
               <a:pPr/>
-              <a:t>32</a:t>
+              <a:t>33</a:t>
             </a:fld>
             <a:endParaRPr lang="en-SG" dirty="0"/>
           </a:p>
@@ -13779,6 +13756,155 @@
           <p:cNvPr id="2" name="Title 1">
             <a:extLst>
               <a:ext uri="{FF2B5EF4-FFF2-40B4-BE49-F238E27FC236}">
+                <a16:creationId xmlns:a16="http://schemas.microsoft.com/office/drawing/2014/main" id="{AF8CA3C2-B89C-4273-9968-1E26DDBEB0FE}"/>
+              </a:ext>
+            </a:extLst>
+          </p:cNvPr>
+          <p:cNvSpPr>
+            <a:spLocks noGrp="1"/>
+          </p:cNvSpPr>
+          <p:nvPr>
+            <p:ph type="title"/>
+          </p:nvPr>
+        </p:nvSpPr>
+        <p:spPr/>
+        <p:txBody>
+          <a:bodyPr/>
+          <a:lstStyle/>
+          <a:p>
+            <a:r>
+              <a:rPr lang="en-US" sz="2900" dirty="0"/>
+              <a:t>Dataset Preprocessing</a:t>
+            </a:r>
+            <a:endParaRPr lang="en-US" dirty="0"/>
+          </a:p>
+        </p:txBody>
+      </p:sp>
+      <p:sp>
+        <p:nvSpPr>
+          <p:cNvPr id="4" name="Footer Placeholder 3">
+            <a:extLst>
+              <a:ext uri="{FF2B5EF4-FFF2-40B4-BE49-F238E27FC236}">
+                <a16:creationId xmlns:a16="http://schemas.microsoft.com/office/drawing/2014/main" id="{0E6FF1CB-D8C2-492A-A362-B82A459813AE}"/>
+              </a:ext>
+            </a:extLst>
+          </p:cNvPr>
+          <p:cNvSpPr>
+            <a:spLocks noGrp="1"/>
+          </p:cNvSpPr>
+          <p:nvPr>
+            <p:ph type="ftr" sz="quarter" idx="15"/>
+          </p:nvPr>
+        </p:nvSpPr>
+        <p:spPr/>
+        <p:txBody>
+          <a:bodyPr/>
+          <a:lstStyle/>
+          <a:p>
+            <a:pPr algn="l"/>
+            <a:r>
+              <a:rPr lang="en-SG" sz="1000"/>
+              <a:t>© 2018 National University of Singapore. All Rights Reserved</a:t>
+            </a:r>
+            <a:endParaRPr lang="en-SG" dirty="0"/>
+          </a:p>
+        </p:txBody>
+      </p:sp>
+      <p:sp>
+        <p:nvSpPr>
+          <p:cNvPr id="5" name="Slide Number Placeholder 4">
+            <a:extLst>
+              <a:ext uri="{FF2B5EF4-FFF2-40B4-BE49-F238E27FC236}">
+                <a16:creationId xmlns:a16="http://schemas.microsoft.com/office/drawing/2014/main" id="{4A742A3A-B3F4-41C2-AEB2-F80A5D987A19}"/>
+              </a:ext>
+            </a:extLst>
+          </p:cNvPr>
+          <p:cNvSpPr>
+            <a:spLocks noGrp="1"/>
+          </p:cNvSpPr>
+          <p:nvPr>
+            <p:ph type="sldNum" sz="quarter" idx="16"/>
+          </p:nvPr>
+        </p:nvSpPr>
+        <p:spPr/>
+        <p:txBody>
+          <a:bodyPr/>
+          <a:lstStyle/>
+          <a:p>
+            <a:fld id="{2F63C605-4FC6-46DE-BC90-871762EA3F52}" type="slidenum">
+              <a:rPr lang="en-SG" smtClean="0"/>
+              <a:pPr/>
+              <a:t>5</a:t>
+            </a:fld>
+            <a:endParaRPr lang="en-SG" dirty="0"/>
+          </a:p>
+        </p:txBody>
+      </p:sp>
+      <p:pic>
+        <p:nvPicPr>
+          <p:cNvPr id="6" name="Picture 5">
+            <a:extLst>
+              <a:ext uri="{FF2B5EF4-FFF2-40B4-BE49-F238E27FC236}">
+                <a16:creationId xmlns:a16="http://schemas.microsoft.com/office/drawing/2014/main" id="{62A71CA4-8B74-45F6-B040-058CCDF00487}"/>
+              </a:ext>
+            </a:extLst>
+          </p:cNvPr>
+          <p:cNvPicPr>
+            <a:picLocks noChangeAspect="1"/>
+          </p:cNvPicPr>
+          <p:nvPr/>
+        </p:nvPicPr>
+        <p:blipFill>
+          <a:blip r:embed="rId2"/>
+          <a:stretch>
+            <a:fillRect/>
+          </a:stretch>
+        </p:blipFill>
+        <p:spPr>
+          <a:xfrm>
+            <a:off x="2823972" y="933855"/>
+            <a:ext cx="3223902" cy="5673312"/>
+          </a:xfrm>
+          <a:prstGeom prst="rect">
+            <a:avLst/>
+          </a:prstGeom>
+        </p:spPr>
+      </p:pic>
+    </p:spTree>
+    <p:extLst>
+      <p:ext uri="{BB962C8B-B14F-4D97-AF65-F5344CB8AC3E}">
+        <p14:creationId xmlns:p14="http://schemas.microsoft.com/office/powerpoint/2010/main" val="2562163292"/>
+      </p:ext>
+    </p:extLst>
+  </p:cSld>
+  <p:clrMapOvr>
+    <a:masterClrMapping/>
+  </p:clrMapOvr>
+</p:sld>
+</file>
+
+<file path=ppt/slides/slide6.xml><?xml version="1.0" encoding="utf-8"?>
+<p:sld xmlns:a="http://schemas.openxmlformats.org/drawingml/2006/main" xmlns:r="http://schemas.openxmlformats.org/officeDocument/2006/relationships" xmlns:p="http://schemas.openxmlformats.org/presentationml/2006/main">
+  <p:cSld>
+    <p:spTree>
+      <p:nvGrpSpPr>
+        <p:cNvPr id="1" name=""/>
+        <p:cNvGrpSpPr/>
+        <p:nvPr/>
+      </p:nvGrpSpPr>
+      <p:grpSpPr>
+        <a:xfrm>
+          <a:off x="0" y="0"/>
+          <a:ext cx="0" cy="0"/>
+          <a:chOff x="0" y="0"/>
+          <a:chExt cx="0" cy="0"/>
+        </a:xfrm>
+      </p:grpSpPr>
+      <p:sp>
+        <p:nvSpPr>
+          <p:cNvPr id="2" name="Title 1">
+            <a:extLst>
+              <a:ext uri="{FF2B5EF4-FFF2-40B4-BE49-F238E27FC236}">
                 <a16:creationId xmlns:a16="http://schemas.microsoft.com/office/drawing/2014/main" id="{305B34F7-12CB-4413-B6EE-1213C77B8667}"/>
               </a:ext>
             </a:extLst>
@@ -13864,7 +13990,7 @@
             <a:fld id="{2F63C605-4FC6-46DE-BC90-871762EA3F52}" type="slidenum">
               <a:rPr lang="en-SG" smtClean="0"/>
               <a:pPr/>
-              <a:t>5</a:t>
+              <a:t>6</a:t>
             </a:fld>
             <a:endParaRPr lang="en-SG" dirty="0"/>
           </a:p>
@@ -13955,7 +14081,7 @@
 </p:sld>
 </file>
 
-<file path=ppt/slides/slide6.xml><?xml version="1.0" encoding="utf-8"?>
+<file path=ppt/slides/slide7.xml><?xml version="1.0" encoding="utf-8"?>
 <p:sld xmlns:a="http://schemas.openxmlformats.org/drawingml/2006/main" xmlns:r="http://schemas.openxmlformats.org/officeDocument/2006/relationships" xmlns:p="http://schemas.openxmlformats.org/presentationml/2006/main">
   <p:cSld>
     <p:spTree>
@@ -14062,7 +14188,7 @@
             <a:fld id="{2F63C605-4FC6-46DE-BC90-871762EA3F52}" type="slidenum">
               <a:rPr lang="en-SG" smtClean="0"/>
               <a:pPr/>
-              <a:t>6</a:t>
+              <a:t>7</a:t>
             </a:fld>
             <a:endParaRPr lang="en-SG" dirty="0"/>
           </a:p>
@@ -14162,181 +14288,6 @@
 </p:sld>
 </file>
 
-<file path=ppt/slides/slide7.xml><?xml version="1.0" encoding="utf-8"?>
-<p:sld xmlns:a="http://schemas.openxmlformats.org/drawingml/2006/main" xmlns:r="http://schemas.openxmlformats.org/officeDocument/2006/relationships" xmlns:p="http://schemas.openxmlformats.org/presentationml/2006/main">
-  <p:cSld>
-    <p:spTree>
-      <p:nvGrpSpPr>
-        <p:cNvPr id="1" name=""/>
-        <p:cNvGrpSpPr/>
-        <p:nvPr/>
-      </p:nvGrpSpPr>
-      <p:grpSpPr>
-        <a:xfrm>
-          <a:off x="0" y="0"/>
-          <a:ext cx="0" cy="0"/>
-          <a:chOff x="0" y="0"/>
-          <a:chExt cx="0" cy="0"/>
-        </a:xfrm>
-      </p:grpSpPr>
-      <p:sp>
-        <p:nvSpPr>
-          <p:cNvPr id="2" name="Title 1">
-            <a:extLst>
-              <a:ext uri="{FF2B5EF4-FFF2-40B4-BE49-F238E27FC236}">
-                <a16:creationId xmlns:a16="http://schemas.microsoft.com/office/drawing/2014/main" id="{049F1383-99AC-409F-A6E3-EE83FF9D27F5}"/>
-              </a:ext>
-            </a:extLst>
-          </p:cNvPr>
-          <p:cNvSpPr>
-            <a:spLocks noGrp="1"/>
-          </p:cNvSpPr>
-          <p:nvPr>
-            <p:ph type="title"/>
-          </p:nvPr>
-        </p:nvSpPr>
-        <p:spPr/>
-        <p:txBody>
-          <a:bodyPr/>
-          <a:lstStyle/>
-          <a:p>
-            <a:r>
-              <a:rPr lang="en-US" dirty="0"/>
-              <a:t>Design Idea</a:t>
-            </a:r>
-            <a:endParaRPr lang="en-SG" dirty="0"/>
-          </a:p>
-        </p:txBody>
-      </p:sp>
-      <p:sp>
-        <p:nvSpPr>
-          <p:cNvPr id="3" name="Text Placeholder 2">
-            <a:extLst>
-              <a:ext uri="{FF2B5EF4-FFF2-40B4-BE49-F238E27FC236}">
-                <a16:creationId xmlns:a16="http://schemas.microsoft.com/office/drawing/2014/main" id="{0975D2C9-6230-4ED3-A49E-4BFEF8730CB9}"/>
-              </a:ext>
-            </a:extLst>
-          </p:cNvPr>
-          <p:cNvSpPr>
-            <a:spLocks noGrp="1"/>
-          </p:cNvSpPr>
-          <p:nvPr>
-            <p:ph type="body" sz="quarter" idx="13"/>
-          </p:nvPr>
-        </p:nvSpPr>
-        <p:spPr/>
-        <p:txBody>
-          <a:bodyPr/>
-          <a:lstStyle/>
-          <a:p>
-            <a:r>
-              <a:rPr lang="en-SG" dirty="0"/>
-              <a:t>To process the 2D map prediction for the autonomous vehicle from pre-processed 2D map, we have 2 phases of neural network</a:t>
-            </a:r>
-          </a:p>
-        </p:txBody>
-      </p:sp>
-      <p:sp>
-        <p:nvSpPr>
-          <p:cNvPr id="4" name="Footer Placeholder 3">
-            <a:extLst>
-              <a:ext uri="{FF2B5EF4-FFF2-40B4-BE49-F238E27FC236}">
-                <a16:creationId xmlns:a16="http://schemas.microsoft.com/office/drawing/2014/main" id="{05D0A230-97B6-49E0-B1A3-8C63933BF90B}"/>
-              </a:ext>
-            </a:extLst>
-          </p:cNvPr>
-          <p:cNvSpPr>
-            <a:spLocks noGrp="1"/>
-          </p:cNvSpPr>
-          <p:nvPr>
-            <p:ph type="ftr" sz="quarter" idx="15"/>
-          </p:nvPr>
-        </p:nvSpPr>
-        <p:spPr/>
-        <p:txBody>
-          <a:bodyPr/>
-          <a:lstStyle/>
-          <a:p>
-            <a:pPr algn="l"/>
-            <a:r>
-              <a:rPr lang="en-SG" sz="1000" dirty="0"/>
-              <a:t>© 2018 National University of Singapore. All Rights Reserved</a:t>
-            </a:r>
-            <a:endParaRPr lang="en-SG" dirty="0"/>
-          </a:p>
-        </p:txBody>
-      </p:sp>
-      <p:sp>
-        <p:nvSpPr>
-          <p:cNvPr id="5" name="Slide Number Placeholder 4">
-            <a:extLst>
-              <a:ext uri="{FF2B5EF4-FFF2-40B4-BE49-F238E27FC236}">
-                <a16:creationId xmlns:a16="http://schemas.microsoft.com/office/drawing/2014/main" id="{2091C43B-FAE4-4E69-A40A-FD296928683C}"/>
-              </a:ext>
-            </a:extLst>
-          </p:cNvPr>
-          <p:cNvSpPr>
-            <a:spLocks noGrp="1"/>
-          </p:cNvSpPr>
-          <p:nvPr>
-            <p:ph type="sldNum" sz="quarter" idx="16"/>
-          </p:nvPr>
-        </p:nvSpPr>
-        <p:spPr/>
-        <p:txBody>
-          <a:bodyPr/>
-          <a:lstStyle/>
-          <a:p>
-            <a:fld id="{2F63C605-4FC6-46DE-BC90-871762EA3F52}" type="slidenum">
-              <a:rPr lang="en-SG" smtClean="0"/>
-              <a:pPr/>
-              <a:t>7</a:t>
-            </a:fld>
-            <a:endParaRPr lang="en-SG" dirty="0"/>
-          </a:p>
-        </p:txBody>
-      </p:sp>
-      <p:graphicFrame>
-        <p:nvGraphicFramePr>
-          <p:cNvPr id="6" name="Diagram 5">
-            <a:extLst>
-              <a:ext uri="{FF2B5EF4-FFF2-40B4-BE49-F238E27FC236}">
-                <a16:creationId xmlns:a16="http://schemas.microsoft.com/office/drawing/2014/main" id="{911058A8-9EAF-436B-B3E6-7CE1FC9C31E2}"/>
-              </a:ext>
-            </a:extLst>
-          </p:cNvPr>
-          <p:cNvGraphicFramePr/>
-          <p:nvPr>
-            <p:extLst>
-              <p:ext uri="{D42A27DB-BD31-4B8C-83A1-F6EECF244321}">
-                <p14:modId xmlns:p14="http://schemas.microsoft.com/office/powerpoint/2010/main" val="2432084893"/>
-              </p:ext>
-            </p:extLst>
-          </p:nvPr>
-        </p:nvGraphicFramePr>
-        <p:xfrm>
-          <a:off x="335903" y="2612571"/>
-          <a:ext cx="8242430" cy="2697841"/>
-        </p:xfrm>
-        <a:graphic>
-          <a:graphicData uri="http://schemas.openxmlformats.org/drawingml/2006/diagram">
-            <dgm:relIds xmlns:dgm="http://schemas.openxmlformats.org/drawingml/2006/diagram" xmlns:r="http://schemas.openxmlformats.org/officeDocument/2006/relationships" r:dm="rId2" r:lo="rId3" r:qs="rId4" r:cs="rId5"/>
-          </a:graphicData>
-        </a:graphic>
-      </p:graphicFrame>
-    </p:spTree>
-    <p:extLst>
-      <p:ext uri="{BB962C8B-B14F-4D97-AF65-F5344CB8AC3E}">
-        <p14:creationId xmlns:p14="http://schemas.microsoft.com/office/powerpoint/2010/main" val="1409244604"/>
-      </p:ext>
-    </p:extLst>
-  </p:cSld>
-  <p:clrMapOvr>
-    <a:masterClrMapping/>
-  </p:clrMapOvr>
-</p:sld>
-</file>
-
 <file path=ppt/slides/slide8.xml><?xml version="1.0" encoding="utf-8"?>
 <p:sld xmlns:a="http://schemas.openxmlformats.org/drawingml/2006/main" xmlns:r="http://schemas.openxmlformats.org/officeDocument/2006/relationships" xmlns:p="http://schemas.openxmlformats.org/presentationml/2006/main">
   <p:cSld>
@@ -14405,14 +14356,8 @@
           <a:lstStyle/>
           <a:p>
             <a:r>
-              <a:rPr lang="en-US" dirty="0"/>
-              <a:t>Interpolation area identifier focus on identification of unknown points that are in the interpolation bound. </a:t>
-            </a:r>
-          </a:p>
-          <a:p>
-            <a:r>
-              <a:rPr lang="en-US" dirty="0"/>
-              <a:t>A point which is out of interpolation bound can be wrongly predicted based on nearest scan point value. </a:t>
+              <a:rPr lang="en-SG" dirty="0"/>
+              <a:t>To process the 2D map prediction for the autonomous vehicle from pre-processed 2D map, we have 2 phases of neural network</a:t>
             </a:r>
           </a:p>
         </p:txBody>
@@ -14477,49 +14422,38 @@
           </a:p>
         </p:txBody>
       </p:sp>
-      <p:pic>
-        <p:nvPicPr>
-          <p:cNvPr id="7" name="Picture 6">
+      <p:graphicFrame>
+        <p:nvGraphicFramePr>
+          <p:cNvPr id="6" name="Diagram 5">
             <a:extLst>
               <a:ext uri="{FF2B5EF4-FFF2-40B4-BE49-F238E27FC236}">
-                <a16:creationId xmlns:a16="http://schemas.microsoft.com/office/drawing/2014/main" id="{BF943489-E0D2-4749-92A0-D9163C51BC14}"/>
+                <a16:creationId xmlns:a16="http://schemas.microsoft.com/office/drawing/2014/main" id="{911058A8-9EAF-436B-B3E6-7CE1FC9C31E2}"/>
               </a:ext>
             </a:extLst>
           </p:cNvPr>
-          <p:cNvPicPr/>
-          <p:nvPr/>
-        </p:nvPicPr>
-        <p:blipFill>
-          <a:blip r:embed="rId2">
-            <a:extLst>
-              <a:ext uri="{28A0092B-C50C-407E-A947-70E740481C1C}">
-                <a14:useLocalDpi xmlns:a14="http://schemas.microsoft.com/office/drawing/2010/main" val="0"/>
-              </a:ext>
-            </a:extLst>
-          </a:blip>
-          <a:srcRect/>
-          <a:stretch>
-            <a:fillRect/>
-          </a:stretch>
-        </p:blipFill>
-        <p:spPr bwMode="auto">
-          <a:xfrm>
-            <a:off x="2412346" y="4112371"/>
-            <a:ext cx="5028360" cy="2144993"/>
-          </a:xfrm>
-          <a:prstGeom prst="rect">
-            <a:avLst/>
-          </a:prstGeom>
-          <a:noFill/>
-          <a:ln>
-            <a:noFill/>
-          </a:ln>
-        </p:spPr>
-      </p:pic>
+          <p:cNvGraphicFramePr/>
+          <p:nvPr>
+            <p:extLst>
+              <p:ext uri="{D42A27DB-BD31-4B8C-83A1-F6EECF244321}">
+                <p14:modId xmlns:p14="http://schemas.microsoft.com/office/powerpoint/2010/main" val="2432084893"/>
+              </p:ext>
+            </p:extLst>
+          </p:nvPr>
+        </p:nvGraphicFramePr>
+        <p:xfrm>
+          <a:off x="335903" y="2612571"/>
+          <a:ext cx="8242430" cy="2697841"/>
+        </p:xfrm>
+        <a:graphic>
+          <a:graphicData uri="http://schemas.openxmlformats.org/drawingml/2006/diagram">
+            <dgm:relIds xmlns:dgm="http://schemas.openxmlformats.org/drawingml/2006/diagram" xmlns:r="http://schemas.openxmlformats.org/officeDocument/2006/relationships" r:dm="rId2" r:lo="rId3" r:qs="rId4" r:cs="rId5"/>
+          </a:graphicData>
+        </a:graphic>
+      </p:graphicFrame>
     </p:spTree>
     <p:extLst>
       <p:ext uri="{BB962C8B-B14F-4D97-AF65-F5344CB8AC3E}">
-        <p14:creationId xmlns:p14="http://schemas.microsoft.com/office/powerpoint/2010/main" val="1789265395"/>
+        <p14:creationId xmlns:p14="http://schemas.microsoft.com/office/powerpoint/2010/main" val="1409244604"/>
       </p:ext>
     </p:extLst>
   </p:cSld>
@@ -14598,7 +14532,13 @@
           <a:p>
             <a:r>
               <a:rPr lang="en-US" dirty="0"/>
-              <a:t>Interpolation area is identified through the Max-Pooling2D and Conv2D filters</a:t>
+              <a:t>Interpolation area identifier focus on identification of unknown points that are in the interpolation bound. </a:t>
+            </a:r>
+          </a:p>
+          <a:p>
+            <a:r>
+              <a:rPr lang="en-US" dirty="0"/>
+              <a:t>A point which is out of interpolation bound can be wrongly predicted based on nearest scan point value. </a:t>
             </a:r>
           </a:p>
         </p:txBody>
@@ -14665,10 +14605,10 @@
       </p:sp>
       <p:pic>
         <p:nvPicPr>
-          <p:cNvPr id="8" name="Picture 7">
+          <p:cNvPr id="7" name="Picture 6">
             <a:extLst>
               <a:ext uri="{FF2B5EF4-FFF2-40B4-BE49-F238E27FC236}">
-                <a16:creationId xmlns:a16="http://schemas.microsoft.com/office/drawing/2014/main" id="{4DC4665D-5029-4520-B0A1-5462E0FA570C}"/>
+                <a16:creationId xmlns:a16="http://schemas.microsoft.com/office/drawing/2014/main" id="{BF943489-E0D2-4749-92A0-D9163C51BC14}"/>
               </a:ext>
             </a:extLst>
           </p:cNvPr>
@@ -14690,8 +14630,8 @@
         </p:blipFill>
         <p:spPr bwMode="auto">
           <a:xfrm>
-            <a:off x="3024938" y="2101608"/>
-            <a:ext cx="2425603" cy="4143375"/>
+            <a:off x="2412346" y="4112371"/>
+            <a:ext cx="5028360" cy="2144993"/>
           </a:xfrm>
           <a:prstGeom prst="rect">
             <a:avLst/>
@@ -14705,7 +14645,7 @@
     </p:spTree>
     <p:extLst>
       <p:ext uri="{BB962C8B-B14F-4D97-AF65-F5344CB8AC3E}">
-        <p14:creationId xmlns:p14="http://schemas.microsoft.com/office/powerpoint/2010/main" val="2724985140"/>
+        <p14:creationId xmlns:p14="http://schemas.microsoft.com/office/powerpoint/2010/main" val="1789265395"/>
       </p:ext>
     </p:extLst>
   </p:cSld>

--- a/PracticeModule_Presentation.pptx
+++ b/PracticeModule_Presentation.pptx
@@ -6827,8 +6827,8 @@
         </p:nvSpPr>
         <p:spPr>
           <a:xfrm>
-            <a:off x="1148556" y="3429000"/>
-            <a:ext cx="6846887" cy="670891"/>
+            <a:off x="583842" y="3429000"/>
+            <a:ext cx="7411601" cy="670891"/>
           </a:xfrm>
         </p:spPr>
         <p:txBody>
@@ -7643,13 +7643,13 @@
         <p:spPr/>
         <p:txBody>
           <a:bodyPr>
-            <a:normAutofit lnSpcReduction="10000"/>
+            <a:normAutofit fontScale="92500"/>
           </a:bodyPr>
           <a:lstStyle/>
           <a:p>
             <a:r>
               <a:rPr lang="en-US" dirty="0"/>
-              <a:t>The neural network is trained using 640 2D Lidar maps. Each map is taken from lidar scan on wall and various building surfaces.</a:t>
+              <a:t>The neural network is trained using 640 2D Point Cloud maps. Each map is taken from lidar scan on wall and various building surfaces.</a:t>
             </a:r>
           </a:p>
           <a:p>
@@ -7661,7 +7661,7 @@
           <a:p>
             <a:r>
               <a:rPr lang="en-US" dirty="0"/>
-              <a:t>Each 2D lidar map has a matching terrain map. As a result, the 2D lidar map serves as input to the network while the expected output is the matching 2D terrain map.</a:t>
+              <a:t>Each 2D Point Cloud map has a matching terrain map. As a result, the 2D Point Cloud map serves as input to the network while the expected output is the matching 2D terrain map.</a:t>
             </a:r>
           </a:p>
           <a:p>
@@ -9142,9 +9142,15 @@
         <p:spPr/>
         <p:txBody>
           <a:bodyPr>
-            <a:normAutofit/>
+            <a:normAutofit lnSpcReduction="10000"/>
           </a:bodyPr>
           <a:lstStyle/>
+          <a:p>
+            <a:r>
+              <a:rPr lang="en-US" dirty="0"/>
+              <a:t>Due to processing limitation, input is sliced into 1024x1024 regions.</a:t>
+            </a:r>
+          </a:p>
           <a:p>
             <a:r>
               <a:rPr lang="en-US" dirty="0"/>
@@ -10073,7 +10079,7 @@
           <a:graphicData uri="http://schemas.openxmlformats.org/presentationml/2006/ole">
             <mc:AlternateContent xmlns:mc="http://schemas.openxmlformats.org/markup-compatibility/2006">
               <mc:Choice xmlns:v="urn:schemas-microsoft-com:vml" Requires="v">
-                <p:oleObj spid="_x0000_s2080" name="Bitmap Image" r:id="rId3" imgW="5014395" imgH="4572396" progId="Paint.Picture">
+                <p:oleObj spid="_x0000_s2084" name="Bitmap Image" r:id="rId3" imgW="5014395" imgH="4572396" progId="Paint.Picture">
                   <p:embed/>
                 </p:oleObj>
               </mc:Choice>
@@ -10454,7 +10460,7 @@
           <a:graphicData uri="http://schemas.openxmlformats.org/presentationml/2006/ole">
             <mc:AlternateContent xmlns:mc="http://schemas.openxmlformats.org/markup-compatibility/2006">
               <mc:Choice xmlns:v="urn:schemas-microsoft-com:vml" Requires="v">
-                <p:oleObj spid="_x0000_s6162" name="Bitmap Image" r:id="rId3" imgW="4915326" imgH="3505504" progId="Paint.Picture">
+                <p:oleObj spid="_x0000_s6166" name="Bitmap Image" r:id="rId3" imgW="4915326" imgH="3505504" progId="Paint.Picture">
                   <p:embed/>
                 </p:oleObj>
               </mc:Choice>
@@ -13707,7 +13713,15 @@
           <a:p>
             <a:r>
               <a:rPr lang="en-US" dirty="0"/>
-              <a:t>The scan data are coordinates based on local frame centered at the 3-point cloud sensor.</a:t>
+              <a:t>The scan data are coordinates based on local frame centered at </a:t>
+            </a:r>
+            <a:r>
+              <a:rPr lang="en-US"/>
+              <a:t>the point cloud </a:t>
+            </a:r>
+            <a:r>
+              <a:rPr lang="en-US" dirty="0"/>
+              <a:t>sensor.</a:t>
             </a:r>
           </a:p>
           <a:p>

--- a/PracticeModule_Presentation.pptx
+++ b/PracticeModule_Presentation.pptx
@@ -39,10 +39,10 @@
     <p:sldId id="507" r:id="rId27"/>
     <p:sldId id="508" r:id="rId28"/>
     <p:sldId id="523" r:id="rId29"/>
-    <p:sldId id="518" r:id="rId30"/>
-    <p:sldId id="519" r:id="rId31"/>
-    <p:sldId id="520" r:id="rId32"/>
-    <p:sldId id="521" r:id="rId33"/>
+    <p:sldId id="524" r:id="rId30"/>
+    <p:sldId id="525" r:id="rId31"/>
+    <p:sldId id="526" r:id="rId32"/>
+    <p:sldId id="527" r:id="rId33"/>
     <p:sldId id="370" r:id="rId34"/>
   </p:sldIdLst>
   <p:sldSz cx="9144000" cy="6858000" type="screen4x3"/>
@@ -1089,14 +1089,35 @@
         </dgm:presLayoutVars>
       </dgm:prSet>
       <dgm:spPr/>
+      <dgm:t>
+        <a:bodyPr/>
+        <a:lstStyle/>
+        <a:p>
+          <a:endParaRPr lang="en-US"/>
+        </a:p>
+      </dgm:t>
     </dgm:pt>
     <dgm:pt modelId="{4B5D39CA-8147-4B81-8770-5E31FC6D1CFB}" type="pres">
       <dgm:prSet presAssocID="{91D0FCC9-0385-42AC-A8E5-78283D5D669C}" presName="sibTrans" presStyleLbl="sibTrans2D1" presStyleIdx="0" presStyleCnt="3"/>
       <dgm:spPr/>
+      <dgm:t>
+        <a:bodyPr/>
+        <a:lstStyle/>
+        <a:p>
+          <a:endParaRPr lang="en-US"/>
+        </a:p>
+      </dgm:t>
     </dgm:pt>
     <dgm:pt modelId="{41341A21-0806-411D-A443-625FA97E4491}" type="pres">
       <dgm:prSet presAssocID="{91D0FCC9-0385-42AC-A8E5-78283D5D669C}" presName="connectorText" presStyleLbl="sibTrans2D1" presStyleIdx="0" presStyleCnt="3"/>
       <dgm:spPr/>
+      <dgm:t>
+        <a:bodyPr/>
+        <a:lstStyle/>
+        <a:p>
+          <a:endParaRPr lang="en-US"/>
+        </a:p>
+      </dgm:t>
     </dgm:pt>
     <dgm:pt modelId="{EA5BC1ED-EB03-45BA-BC56-621EEE9BEBD1}" type="pres">
       <dgm:prSet presAssocID="{92249E20-58D4-4E75-BB12-FE5FBD54F135}" presName="node" presStyleLbl="node1" presStyleIdx="1" presStyleCnt="4">
@@ -1105,14 +1126,35 @@
         </dgm:presLayoutVars>
       </dgm:prSet>
       <dgm:spPr/>
+      <dgm:t>
+        <a:bodyPr/>
+        <a:lstStyle/>
+        <a:p>
+          <a:endParaRPr lang="en-US"/>
+        </a:p>
+      </dgm:t>
     </dgm:pt>
     <dgm:pt modelId="{95B3EF49-35D3-4519-9F1F-B39D5A0566E4}" type="pres">
       <dgm:prSet presAssocID="{0B72DC99-4E95-4ADB-960C-E769354E6A5D}" presName="sibTrans" presStyleLbl="sibTrans2D1" presStyleIdx="1" presStyleCnt="3"/>
       <dgm:spPr/>
+      <dgm:t>
+        <a:bodyPr/>
+        <a:lstStyle/>
+        <a:p>
+          <a:endParaRPr lang="en-US"/>
+        </a:p>
+      </dgm:t>
     </dgm:pt>
     <dgm:pt modelId="{9B203DD1-3145-4590-8ACC-2517ACFE25A8}" type="pres">
       <dgm:prSet presAssocID="{0B72DC99-4E95-4ADB-960C-E769354E6A5D}" presName="connectorText" presStyleLbl="sibTrans2D1" presStyleIdx="1" presStyleCnt="3"/>
       <dgm:spPr/>
+      <dgm:t>
+        <a:bodyPr/>
+        <a:lstStyle/>
+        <a:p>
+          <a:endParaRPr lang="en-US"/>
+        </a:p>
+      </dgm:t>
     </dgm:pt>
     <dgm:pt modelId="{A37733E1-C31E-4430-AEEA-7CC4BDFAF84B}" type="pres">
       <dgm:prSet presAssocID="{38DD500D-6BEB-44F1-A480-39EBC85B7D1B}" presName="node" presStyleLbl="node1" presStyleIdx="2" presStyleCnt="4">
@@ -1121,14 +1163,35 @@
         </dgm:presLayoutVars>
       </dgm:prSet>
       <dgm:spPr/>
+      <dgm:t>
+        <a:bodyPr/>
+        <a:lstStyle/>
+        <a:p>
+          <a:endParaRPr lang="en-US"/>
+        </a:p>
+      </dgm:t>
     </dgm:pt>
     <dgm:pt modelId="{7300E7F4-ED3F-436A-A1F0-90BEABB46E71}" type="pres">
       <dgm:prSet presAssocID="{6D1E928F-781F-462C-A8AC-2A960BFDA67A}" presName="sibTrans" presStyleLbl="sibTrans2D1" presStyleIdx="2" presStyleCnt="3"/>
       <dgm:spPr/>
+      <dgm:t>
+        <a:bodyPr/>
+        <a:lstStyle/>
+        <a:p>
+          <a:endParaRPr lang="en-US"/>
+        </a:p>
+      </dgm:t>
     </dgm:pt>
     <dgm:pt modelId="{D7B13FD1-4A98-4993-ACFA-933B70FB5D81}" type="pres">
       <dgm:prSet presAssocID="{6D1E928F-781F-462C-A8AC-2A960BFDA67A}" presName="connectorText" presStyleLbl="sibTrans2D1" presStyleIdx="2" presStyleCnt="3"/>
       <dgm:spPr/>
+      <dgm:t>
+        <a:bodyPr/>
+        <a:lstStyle/>
+        <a:p>
+          <a:endParaRPr lang="en-US"/>
+        </a:p>
+      </dgm:t>
     </dgm:pt>
     <dgm:pt modelId="{F65F4BF1-A7B9-4C27-8B28-16C04C25982E}" type="pres">
       <dgm:prSet presAssocID="{764C4D4F-B7F7-4995-9F46-8E01C62C581B}" presName="node" presStyleLbl="node1" presStyleIdx="3" presStyleCnt="4">
@@ -1137,23 +1200,30 @@
         </dgm:presLayoutVars>
       </dgm:prSet>
       <dgm:spPr/>
+      <dgm:t>
+        <a:bodyPr/>
+        <a:lstStyle/>
+        <a:p>
+          <a:endParaRPr lang="en-US"/>
+        </a:p>
+      </dgm:t>
     </dgm:pt>
   </dgm:ptLst>
   <dgm:cxnLst>
+    <dgm:cxn modelId="{3EBFAACE-A4CF-4057-9EC8-3A59330D069F}" type="presOf" srcId="{69C95212-ACBD-498E-A011-59076A4285CB}" destId="{4D4E5D9B-DE30-46F3-864F-B20CBCB47B81}" srcOrd="0" destOrd="0" presId="urn:microsoft.com/office/officeart/2005/8/layout/process1"/>
+    <dgm:cxn modelId="{2D076695-4491-4B11-95EC-7786C59603C3}" type="presOf" srcId="{0B72DC99-4E95-4ADB-960C-E769354E6A5D}" destId="{95B3EF49-35D3-4519-9F1F-B39D5A0566E4}" srcOrd="0" destOrd="0" presId="urn:microsoft.com/office/officeart/2005/8/layout/process1"/>
+    <dgm:cxn modelId="{05EBE6A4-21D9-4E6D-96DC-9D3E50C88595}" type="presOf" srcId="{38DD500D-6BEB-44F1-A480-39EBC85B7D1B}" destId="{A37733E1-C31E-4430-AEEA-7CC4BDFAF84B}" srcOrd="0" destOrd="0" presId="urn:microsoft.com/office/officeart/2005/8/layout/process1"/>
+    <dgm:cxn modelId="{B7AF3A68-AEB3-4860-978B-B262BEBB9ECB}" type="presOf" srcId="{6D1E928F-781F-462C-A8AC-2A960BFDA67A}" destId="{7300E7F4-ED3F-436A-A1F0-90BEABB46E71}" srcOrd="0" destOrd="0" presId="urn:microsoft.com/office/officeart/2005/8/layout/process1"/>
+    <dgm:cxn modelId="{31005A28-3819-43FC-A794-27C122A41925}" srcId="{9496E0A2-784B-483A-9A32-E68AF617843D}" destId="{38DD500D-6BEB-44F1-A480-39EBC85B7D1B}" srcOrd="2" destOrd="0" parTransId="{3CE2BC79-A484-4240-A2CB-1BC232A1E53F}" sibTransId="{6D1E928F-781F-462C-A8AC-2A960BFDA67A}"/>
+    <dgm:cxn modelId="{01F09420-6EB0-4A7F-B4CE-2315FD06751C}" type="presOf" srcId="{6D1E928F-781F-462C-A8AC-2A960BFDA67A}" destId="{D7B13FD1-4A98-4993-ACFA-933B70FB5D81}" srcOrd="1" destOrd="0" presId="urn:microsoft.com/office/officeart/2005/8/layout/process1"/>
+    <dgm:cxn modelId="{1530AF90-D573-4EFA-A3BC-840C3370D71B}" srcId="{9496E0A2-784B-483A-9A32-E68AF617843D}" destId="{764C4D4F-B7F7-4995-9F46-8E01C62C581B}" srcOrd="3" destOrd="0" parTransId="{A6A82594-4016-4707-8656-642BA426B3D4}" sibTransId="{356D9044-9DCA-4929-92DF-A2BDE3B61A47}"/>
+    <dgm:cxn modelId="{D1CF8BBB-F3E6-4482-8B69-D1BE9774788E}" type="presOf" srcId="{91D0FCC9-0385-42AC-A8E5-78283D5D669C}" destId="{4B5D39CA-8147-4B81-8770-5E31FC6D1CFB}" srcOrd="0" destOrd="0" presId="urn:microsoft.com/office/officeart/2005/8/layout/process1"/>
+    <dgm:cxn modelId="{5E0FD1A2-149D-4CF9-AEE7-688223EDC542}" type="presOf" srcId="{764C4D4F-B7F7-4995-9F46-8E01C62C581B}" destId="{F65F4BF1-A7B9-4C27-8B28-16C04C25982E}" srcOrd="0" destOrd="0" presId="urn:microsoft.com/office/officeart/2005/8/layout/process1"/>
+    <dgm:cxn modelId="{79D506E8-F752-4BA4-B280-EF0BEBC86F63}" srcId="{9496E0A2-784B-483A-9A32-E68AF617843D}" destId="{92249E20-58D4-4E75-BB12-FE5FBD54F135}" srcOrd="1" destOrd="0" parTransId="{105B3AA3-CBE4-4ECA-BC44-B6DCA5E7A036}" sibTransId="{0B72DC99-4E95-4ADB-960C-E769354E6A5D}"/>
     <dgm:cxn modelId="{23BC981F-CC7C-4D5F-91BD-DE6EC72DB040}" srcId="{9496E0A2-784B-483A-9A32-E68AF617843D}" destId="{69C95212-ACBD-498E-A011-59076A4285CB}" srcOrd="0" destOrd="0" parTransId="{BF3D5BE3-835C-4027-9271-54CEA95A0702}" sibTransId="{91D0FCC9-0385-42AC-A8E5-78283D5D669C}"/>
-    <dgm:cxn modelId="{01F09420-6EB0-4A7F-B4CE-2315FD06751C}" type="presOf" srcId="{6D1E928F-781F-462C-A8AC-2A960BFDA67A}" destId="{D7B13FD1-4A98-4993-ACFA-933B70FB5D81}" srcOrd="1" destOrd="0" presId="urn:microsoft.com/office/officeart/2005/8/layout/process1"/>
-    <dgm:cxn modelId="{31005A28-3819-43FC-A794-27C122A41925}" srcId="{9496E0A2-784B-483A-9A32-E68AF617843D}" destId="{38DD500D-6BEB-44F1-A480-39EBC85B7D1B}" srcOrd="2" destOrd="0" parTransId="{3CE2BC79-A484-4240-A2CB-1BC232A1E53F}" sibTransId="{6D1E928F-781F-462C-A8AC-2A960BFDA67A}"/>
-    <dgm:cxn modelId="{B7AF3A68-AEB3-4860-978B-B262BEBB9ECB}" type="presOf" srcId="{6D1E928F-781F-462C-A8AC-2A960BFDA67A}" destId="{7300E7F4-ED3F-436A-A1F0-90BEABB46E71}" srcOrd="0" destOrd="0" presId="urn:microsoft.com/office/officeart/2005/8/layout/process1"/>
     <dgm:cxn modelId="{F4BB5269-9705-4D80-8BF8-3B73A8F8EE8D}" type="presOf" srcId="{91D0FCC9-0385-42AC-A8E5-78283D5D669C}" destId="{41341A21-0806-411D-A443-625FA97E4491}" srcOrd="1" destOrd="0" presId="urn:microsoft.com/office/officeart/2005/8/layout/process1"/>
     <dgm:cxn modelId="{FEAE6454-4E5D-4190-8A76-D27FC4FC4790}" type="presOf" srcId="{9496E0A2-784B-483A-9A32-E68AF617843D}" destId="{9EA8A120-7984-4A2B-9532-24393BA5D7A2}" srcOrd="0" destOrd="0" presId="urn:microsoft.com/office/officeart/2005/8/layout/process1"/>
     <dgm:cxn modelId="{F8BD9F76-8AA1-4A33-B686-C2C5DEA97305}" type="presOf" srcId="{0B72DC99-4E95-4ADB-960C-E769354E6A5D}" destId="{9B203DD1-3145-4590-8ACC-2517ACFE25A8}" srcOrd="1" destOrd="0" presId="urn:microsoft.com/office/officeart/2005/8/layout/process1"/>
-    <dgm:cxn modelId="{1530AF90-D573-4EFA-A3BC-840C3370D71B}" srcId="{9496E0A2-784B-483A-9A32-E68AF617843D}" destId="{764C4D4F-B7F7-4995-9F46-8E01C62C581B}" srcOrd="3" destOrd="0" parTransId="{A6A82594-4016-4707-8656-642BA426B3D4}" sibTransId="{356D9044-9DCA-4929-92DF-A2BDE3B61A47}"/>
-    <dgm:cxn modelId="{2D076695-4491-4B11-95EC-7786C59603C3}" type="presOf" srcId="{0B72DC99-4E95-4ADB-960C-E769354E6A5D}" destId="{95B3EF49-35D3-4519-9F1F-B39D5A0566E4}" srcOrd="0" destOrd="0" presId="urn:microsoft.com/office/officeart/2005/8/layout/process1"/>
-    <dgm:cxn modelId="{5E0FD1A2-149D-4CF9-AEE7-688223EDC542}" type="presOf" srcId="{764C4D4F-B7F7-4995-9F46-8E01C62C581B}" destId="{F65F4BF1-A7B9-4C27-8B28-16C04C25982E}" srcOrd="0" destOrd="0" presId="urn:microsoft.com/office/officeart/2005/8/layout/process1"/>
-    <dgm:cxn modelId="{05EBE6A4-21D9-4E6D-96DC-9D3E50C88595}" type="presOf" srcId="{38DD500D-6BEB-44F1-A480-39EBC85B7D1B}" destId="{A37733E1-C31E-4430-AEEA-7CC4BDFAF84B}" srcOrd="0" destOrd="0" presId="urn:microsoft.com/office/officeart/2005/8/layout/process1"/>
-    <dgm:cxn modelId="{D1CF8BBB-F3E6-4482-8B69-D1BE9774788E}" type="presOf" srcId="{91D0FCC9-0385-42AC-A8E5-78283D5D669C}" destId="{4B5D39CA-8147-4B81-8770-5E31FC6D1CFB}" srcOrd="0" destOrd="0" presId="urn:microsoft.com/office/officeart/2005/8/layout/process1"/>
-    <dgm:cxn modelId="{3EBFAACE-A4CF-4057-9EC8-3A59330D069F}" type="presOf" srcId="{69C95212-ACBD-498E-A011-59076A4285CB}" destId="{4D4E5D9B-DE30-46F3-864F-B20CBCB47B81}" srcOrd="0" destOrd="0" presId="urn:microsoft.com/office/officeart/2005/8/layout/process1"/>
-    <dgm:cxn modelId="{79D506E8-F752-4BA4-B280-EF0BEBC86F63}" srcId="{9496E0A2-784B-483A-9A32-E68AF617843D}" destId="{92249E20-58D4-4E75-BB12-FE5FBD54F135}" srcOrd="1" destOrd="0" parTransId="{105B3AA3-CBE4-4ECA-BC44-B6DCA5E7A036}" sibTransId="{0B72DC99-4E95-4ADB-960C-E769354E6A5D}"/>
     <dgm:cxn modelId="{099D99FB-52B2-434C-BA10-1675505A420B}" type="presOf" srcId="{92249E20-58D4-4E75-BB12-FE5FBD54F135}" destId="{EA5BC1ED-EB03-45BA-BC56-621EEE9BEBD1}" srcOrd="0" destOrd="0" presId="urn:microsoft.com/office/officeart/2005/8/layout/process1"/>
     <dgm:cxn modelId="{DA8115C2-D2F4-4CCB-9D90-0A509018B8F1}" type="presParOf" srcId="{9EA8A120-7984-4A2B-9532-24393BA5D7A2}" destId="{4D4E5D9B-DE30-46F3-864F-B20CBCB47B81}" srcOrd="0" destOrd="0" presId="urn:microsoft.com/office/officeart/2005/8/layout/process1"/>
     <dgm:cxn modelId="{0C3F32CC-6A85-4291-B66A-941971627454}" type="presParOf" srcId="{9EA8A120-7984-4A2B-9532-24393BA5D7A2}" destId="{4B5D39CA-8147-4B81-8770-5E31FC6D1CFB}" srcOrd="1" destOrd="0" presId="urn:microsoft.com/office/officeart/2005/8/layout/process1"/>
@@ -1241,7 +1311,7 @@
         </a:bodyPr>
         <a:lstStyle/>
         <a:p>
-          <a:pPr marL="0" lvl="0" indent="0" algn="ctr" defTabSz="844550">
+          <a:pPr lvl="0" algn="ctr" defTabSz="844550">
             <a:lnSpc>
               <a:spcPct val="90000"/>
             </a:lnSpc>
@@ -1251,7 +1321,6 @@
             <a:spcAft>
               <a:spcPct val="35000"/>
             </a:spcAft>
-            <a:buNone/>
           </a:pPr>
           <a:r>
             <a:rPr lang="en-US" sz="1900" kern="1200"/>
@@ -1314,7 +1383,7 @@
         </a:bodyPr>
         <a:lstStyle/>
         <a:p>
-          <a:pPr marL="0" lvl="0" indent="0" algn="ctr" defTabSz="666750">
+          <a:pPr lvl="0" algn="ctr" defTabSz="666750">
             <a:lnSpc>
               <a:spcPct val="90000"/>
             </a:lnSpc>
@@ -1324,7 +1393,6 @@
             <a:spcAft>
               <a:spcPct val="35000"/>
             </a:spcAft>
-            <a:buNone/>
           </a:pPr>
           <a:endParaRPr lang="en-US" sz="1500" kern="1200"/>
         </a:p>
@@ -1386,7 +1454,7 @@
         </a:bodyPr>
         <a:lstStyle/>
         <a:p>
-          <a:pPr marL="0" lvl="0" indent="0" algn="ctr" defTabSz="844550">
+          <a:pPr lvl="0" algn="ctr" defTabSz="844550">
             <a:lnSpc>
               <a:spcPct val="90000"/>
             </a:lnSpc>
@@ -1396,7 +1464,6 @@
             <a:spcAft>
               <a:spcPct val="35000"/>
             </a:spcAft>
-            <a:buNone/>
           </a:pPr>
           <a:r>
             <a:rPr lang="en-US" sz="1900" kern="1200"/>
@@ -1459,7 +1526,7 @@
         </a:bodyPr>
         <a:lstStyle/>
         <a:p>
-          <a:pPr marL="0" lvl="0" indent="0" algn="ctr" defTabSz="666750">
+          <a:pPr lvl="0" algn="ctr" defTabSz="666750">
             <a:lnSpc>
               <a:spcPct val="90000"/>
             </a:lnSpc>
@@ -1469,7 +1536,6 @@
             <a:spcAft>
               <a:spcPct val="35000"/>
             </a:spcAft>
-            <a:buNone/>
           </a:pPr>
           <a:endParaRPr lang="en-US" sz="1500" kern="1200"/>
         </a:p>
@@ -1531,7 +1597,7 @@
         </a:bodyPr>
         <a:lstStyle/>
         <a:p>
-          <a:pPr marL="0" lvl="0" indent="0" algn="ctr" defTabSz="844550">
+          <a:pPr lvl="0" algn="ctr" defTabSz="844550">
             <a:lnSpc>
               <a:spcPct val="90000"/>
             </a:lnSpc>
@@ -1541,7 +1607,6 @@
             <a:spcAft>
               <a:spcPct val="35000"/>
             </a:spcAft>
-            <a:buNone/>
           </a:pPr>
           <a:r>
             <a:rPr lang="en-US" sz="1900" kern="1200"/>
@@ -1604,7 +1669,7 @@
         </a:bodyPr>
         <a:lstStyle/>
         <a:p>
-          <a:pPr marL="0" lvl="0" indent="0" algn="ctr" defTabSz="666750">
+          <a:pPr lvl="0" algn="ctr" defTabSz="666750">
             <a:lnSpc>
               <a:spcPct val="90000"/>
             </a:lnSpc>
@@ -1614,7 +1679,6 @@
             <a:spcAft>
               <a:spcPct val="35000"/>
             </a:spcAft>
-            <a:buNone/>
           </a:pPr>
           <a:endParaRPr lang="en-US" sz="1500" kern="1200"/>
         </a:p>
@@ -1681,7 +1745,7 @@
         </a:bodyPr>
         <a:lstStyle/>
         <a:p>
-          <a:pPr marL="0" lvl="0" indent="0" algn="ctr" defTabSz="844550">
+          <a:pPr lvl="0" algn="ctr" defTabSz="844550">
             <a:lnSpc>
               <a:spcPct val="90000"/>
             </a:lnSpc>
@@ -1691,7 +1755,6 @@
             <a:spcAft>
               <a:spcPct val="35000"/>
             </a:spcAft>
-            <a:buNone/>
           </a:pPr>
           <a:r>
             <a:rPr lang="en-US" sz="1900" kern="1200"/>
@@ -2970,7 +3033,7 @@
           <a:p>
             <a:fld id="{43F1A4C9-FB5C-B247-A357-650712A3F0A8}" type="datetimeFigureOut">
               <a:rPr lang="en-US" smtClean="0"/>
-              <a:t>10/31/2020</a:t>
+              <a:t>11/1/2020</a:t>
             </a:fld>
             <a:endParaRPr lang="en-US" dirty="0"/>
           </a:p>
@@ -3135,7 +3198,7 @@
           <a:p>
             <a:fld id="{EA4960E5-F060-4C88-B1C5-5A6F5890BEF6}" type="datetimeFigureOut">
               <a:rPr lang="en-SG" smtClean="0"/>
-              <a:t>31/10/2020</a:t>
+              <a:t>11/1/2020</a:t>
             </a:fld>
             <a:endParaRPr lang="en-SG" dirty="0"/>
           </a:p>
@@ -10079,7 +10142,7 @@
           <a:graphicData uri="http://schemas.openxmlformats.org/presentationml/2006/ole">
             <mc:AlternateContent xmlns:mc="http://schemas.openxmlformats.org/markup-compatibility/2006">
               <mc:Choice xmlns:v="urn:schemas-microsoft-com:vml" Requires="v">
-                <p:oleObj spid="_x0000_s2084" name="Bitmap Image" r:id="rId3" imgW="5014395" imgH="4572396" progId="Paint.Picture">
+                <p:oleObj spid="_x0000_s2085" name="Bitmap Image" r:id="rId3" imgW="5014395" imgH="4572396" progId="Paint.Picture">
                   <p:embed/>
                 </p:oleObj>
               </mc:Choice>
@@ -10460,7 +10523,7 @@
           <a:graphicData uri="http://schemas.openxmlformats.org/presentationml/2006/ole">
             <mc:AlternateContent xmlns:mc="http://schemas.openxmlformats.org/markup-compatibility/2006">
               <mc:Choice xmlns:v="urn:schemas-microsoft-com:vml" Requires="v">
-                <p:oleObj spid="_x0000_s6166" name="Bitmap Image" r:id="rId3" imgW="4915326" imgH="3505504" progId="Paint.Picture">
+                <p:oleObj spid="_x0000_s6167" name="Bitmap Image" r:id="rId3" imgW="4915326" imgH="3505504" progId="Paint.Picture">
                   <p:embed/>
                 </p:oleObj>
               </mc:Choice>
@@ -12486,7 +12549,7 @@
     </p:spTree>
     <p:extLst>
       <p:ext uri="{BB962C8B-B14F-4D97-AF65-F5344CB8AC3E}">
-        <p14:creationId xmlns:p14="http://schemas.microsoft.com/office/powerpoint/2010/main" val="1199322699"/>
+        <p14:creationId xmlns:p14="http://schemas.microsoft.com/office/powerpoint/2010/main" val="501727066"/>
       </p:ext>
     </p:extLst>
   </p:cSld>
@@ -12706,99 +12769,166 @@
         <p:spPr/>
         <p:txBody>
           <a:bodyPr>
-            <a:normAutofit/>
+            <a:normAutofit fontScale="92500" lnSpcReduction="10000"/>
           </a:bodyPr>
           <a:lstStyle/>
           <a:p>
+            <a:r>
+              <a:rPr lang="en-US" dirty="0" smtClean="0">
+                <a:solidFill>
+                  <a:schemeClr val="tx1"/>
+                </a:solidFill>
+              </a:rPr>
+              <a:t>Open3D 3D Mesh</a:t>
+            </a:r>
+          </a:p>
+          <a:p>
+            <a:pPr lvl="1">
+              <a:buFont typeface="Wingdings" panose="05000000000000000000" pitchFamily="2" charset="2"/>
+              <a:buChar char="Ø"/>
+            </a:pPr>
             <a:r>
               <a:rPr lang="en-US" dirty="0">
                 <a:solidFill>
                   <a:schemeClr val="tx1"/>
                 </a:solidFill>
               </a:rPr>
-              <a:t>Input Data</a:t>
-            </a:r>
-          </a:p>
-          <a:p>
-            <a:pPr lvl="1"/>
+              <a:t>Grayscale 2D </a:t>
+            </a:r>
+            <a:r>
+              <a:rPr lang="en-US" dirty="0" smtClean="0">
+                <a:solidFill>
+                  <a:schemeClr val="tx1"/>
+                </a:solidFill>
+              </a:rPr>
+              <a:t>map</a:t>
+            </a:r>
+          </a:p>
+          <a:p>
+            <a:r>
+              <a:rPr lang="en-US" dirty="0" smtClean="0">
+                <a:solidFill>
+                  <a:schemeClr val="tx1"/>
+                </a:solidFill>
+              </a:rPr>
+              <a:t> Input Parameters</a:t>
+            </a:r>
+          </a:p>
+          <a:p>
+            <a:pPr lvl="1">
+              <a:buFont typeface="Wingdings" panose="05000000000000000000" pitchFamily="2" charset="2"/>
+              <a:buChar char="Ø"/>
+            </a:pPr>
+            <a:r>
+              <a:rPr lang="en-US" dirty="0" smtClean="0">
+                <a:solidFill>
+                  <a:schemeClr val="tx1"/>
+                </a:solidFill>
+              </a:rPr>
+              <a:t>Received from Backend Services</a:t>
+            </a:r>
+          </a:p>
+          <a:p>
+            <a:pPr lvl="1">
+              <a:buFont typeface="Wingdings" panose="05000000000000000000" pitchFamily="2" charset="2"/>
+              <a:buChar char="Ø"/>
+            </a:pPr>
+            <a:r>
+              <a:rPr lang="en-US" dirty="0" smtClean="0">
+                <a:solidFill>
+                  <a:schemeClr val="tx1"/>
+                </a:solidFill>
+              </a:rPr>
+              <a:t>Contain</a:t>
+            </a:r>
+          </a:p>
+          <a:p>
+            <a:pPr lvl="2"/>
+            <a:r>
+              <a:rPr lang="en-US" dirty="0" smtClean="0">
+                <a:solidFill>
+                  <a:schemeClr val="tx1"/>
+                </a:solidFill>
+              </a:rPr>
+              <a:t>Position</a:t>
+            </a:r>
+          </a:p>
+          <a:p>
+            <a:pPr lvl="2"/>
+            <a:r>
+              <a:rPr lang="en-US" smtClean="0">
+                <a:solidFill>
+                  <a:schemeClr val="tx1"/>
+                </a:solidFill>
+              </a:rPr>
+              <a:t>Orientation</a:t>
+            </a:r>
+            <a:endParaRPr lang="en-US" dirty="0" smtClean="0">
+              <a:solidFill>
+                <a:schemeClr val="tx1"/>
+              </a:solidFill>
+            </a:endParaRPr>
+          </a:p>
+          <a:p>
+            <a:r>
+              <a:rPr lang="en-US" dirty="0" smtClean="0">
+                <a:solidFill>
+                  <a:schemeClr val="tx1"/>
+                </a:solidFill>
+              </a:rPr>
+              <a:t>Output </a:t>
+            </a:r>
             <a:r>
               <a:rPr lang="en-US" dirty="0">
                 <a:solidFill>
                   <a:schemeClr val="tx1"/>
                 </a:solidFill>
               </a:rPr>
-              <a:t>Grayscale 2D map</a:t>
-            </a:r>
-          </a:p>
-          <a:p>
-            <a:pPr lvl="1"/>
+              <a:t>Views</a:t>
+            </a:r>
+          </a:p>
+          <a:p>
+            <a:pPr lvl="1">
+              <a:buFont typeface="Wingdings" panose="05000000000000000000" pitchFamily="2" charset="2"/>
+              <a:buChar char="Ø"/>
+            </a:pPr>
+            <a:r>
+              <a:rPr lang="en-US" dirty="0" smtClean="0">
+                <a:solidFill>
+                  <a:schemeClr val="tx1"/>
+                </a:solidFill>
+              </a:rPr>
+              <a:t>2D Map</a:t>
+            </a:r>
+            <a:endParaRPr lang="en-US" dirty="0">
+              <a:solidFill>
+                <a:schemeClr val="tx1"/>
+              </a:solidFill>
+            </a:endParaRPr>
+          </a:p>
+          <a:p>
+            <a:pPr lvl="1">
+              <a:buFont typeface="Wingdings" panose="05000000000000000000" pitchFamily="2" charset="2"/>
+              <a:buChar char="Ø"/>
+            </a:pPr>
             <a:r>
               <a:rPr lang="en-US" dirty="0">
                 <a:solidFill>
                   <a:schemeClr val="tx1"/>
                 </a:solidFill>
               </a:rPr>
-              <a:t>Robot localization</a:t>
-            </a:r>
-          </a:p>
-          <a:p>
-            <a:pPr lvl="2"/>
-            <a:r>
-              <a:rPr lang="en-US" dirty="0">
+              <a:t>Front / Rear </a:t>
+            </a:r>
+            <a:r>
+              <a:rPr lang="en-US" dirty="0" smtClean="0">
                 <a:solidFill>
                   <a:schemeClr val="tx1"/>
                 </a:solidFill>
               </a:rPr>
-              <a:t>robot position</a:t>
-            </a:r>
-          </a:p>
-          <a:p>
-            <a:pPr lvl="2"/>
-            <a:r>
-              <a:rPr lang="en-US" dirty="0">
-                <a:solidFill>
-                  <a:schemeClr val="tx1"/>
-                </a:solidFill>
-              </a:rPr>
-              <a:t>orientation</a:t>
-            </a:r>
-            <a:endParaRPr lang="en-SG" dirty="0">
-              <a:solidFill>
-                <a:schemeClr val="tx1"/>
-              </a:solidFill>
-            </a:endParaRPr>
-          </a:p>
-          <a:p>
-            <a:r>
-              <a:rPr lang="en-US" dirty="0">
-                <a:solidFill>
-                  <a:schemeClr val="tx1"/>
-                </a:solidFill>
-              </a:rPr>
-              <a:t>Output Views</a:t>
-            </a:r>
-          </a:p>
-          <a:p>
-            <a:pPr lvl="1"/>
-            <a:r>
-              <a:rPr lang="en-US" dirty="0">
-                <a:solidFill>
-                  <a:schemeClr val="tx1"/>
-                </a:solidFill>
-              </a:rPr>
-              <a:t>Map</a:t>
-            </a:r>
-          </a:p>
-          <a:p>
-            <a:pPr lvl="1"/>
-            <a:r>
-              <a:rPr lang="en-US" dirty="0">
-                <a:solidFill>
-                  <a:schemeClr val="tx1"/>
-                </a:solidFill>
-              </a:rPr>
-              <a:t>Front / Rear View</a:t>
-            </a:r>
+              <a:t>View</a:t>
+            </a:r>
+          </a:p>
+          <a:p>
             <a:endParaRPr lang="en-SG" dirty="0">
               <a:solidFill>
                 <a:schemeClr val="tx1"/>
@@ -12869,7 +12999,7 @@
         </p:blipFill>
         <p:spPr>
           <a:xfrm>
-            <a:off x="5168692" y="1242516"/>
+            <a:off x="6126188" y="1116883"/>
             <a:ext cx="1861321" cy="2213273"/>
           </a:xfrm>
           <a:prstGeom prst="rect">
@@ -12891,7 +13021,7 @@
         </p:blipFill>
         <p:spPr>
           <a:xfrm>
-            <a:off x="4998720" y="3264831"/>
+            <a:off x="5276517" y="3409827"/>
             <a:ext cx="2710992" cy="2423756"/>
           </a:xfrm>
           <a:prstGeom prst="rect">
@@ -12902,7 +13032,7 @@
     </p:spTree>
     <p:extLst>
       <p:ext uri="{BB962C8B-B14F-4D97-AF65-F5344CB8AC3E}">
-        <p14:creationId xmlns:p14="http://schemas.microsoft.com/office/powerpoint/2010/main" val="2599344292"/>
+        <p14:creationId xmlns:p14="http://schemas.microsoft.com/office/powerpoint/2010/main" val="1823497535"/>
       </p:ext>
     </p:extLst>
   </p:cSld>
@@ -12994,35 +13124,56 @@
           </a:p>
           <a:p>
             <a:r>
-              <a:rPr lang="en-US" dirty="0">
+              <a:rPr lang="en-US" dirty="0" smtClean="0">
                 <a:solidFill>
                   <a:schemeClr val="tx1"/>
                 </a:solidFill>
               </a:rPr>
-              <a:t>Robot Simulation</a:t>
-            </a:r>
-          </a:p>
-          <a:p>
-            <a:pPr lvl="1"/>
-            <a:r>
-              <a:rPr lang="en-US" dirty="0">
+              <a:t>Simulation</a:t>
+            </a:r>
+            <a:endParaRPr lang="en-US" dirty="0">
+              <a:solidFill>
+                <a:schemeClr val="tx1"/>
+              </a:solidFill>
+            </a:endParaRPr>
+          </a:p>
+          <a:p>
+            <a:pPr lvl="1">
+              <a:buFont typeface="Wingdings" panose="05000000000000000000" pitchFamily="2" charset="2"/>
+              <a:buChar char="Ø"/>
+            </a:pPr>
+            <a:r>
+              <a:rPr lang="en-US" dirty="0" smtClean="0">
                 <a:solidFill>
                   <a:schemeClr val="tx1"/>
                 </a:solidFill>
               </a:rPr>
               <a:t>Position</a:t>
             </a:r>
-          </a:p>
-          <a:p>
-            <a:pPr lvl="1"/>
-            <a:r>
-              <a:rPr lang="en-US" dirty="0">
+            <a:endParaRPr lang="en-US" dirty="0">
+              <a:solidFill>
+                <a:schemeClr val="tx1"/>
+              </a:solidFill>
+            </a:endParaRPr>
+          </a:p>
+          <a:p>
+            <a:pPr lvl="1">
+              <a:buFont typeface="Wingdings" panose="05000000000000000000" pitchFamily="2" charset="2"/>
+              <a:buChar char="Ø"/>
+            </a:pPr>
+            <a:r>
+              <a:rPr lang="en-US" dirty="0" smtClean="0">
                 <a:solidFill>
                   <a:schemeClr val="tx1"/>
                 </a:solidFill>
               </a:rPr>
               <a:t>Orientation</a:t>
             </a:r>
+            <a:endParaRPr lang="en-US" dirty="0">
+              <a:solidFill>
+                <a:schemeClr val="tx1"/>
+              </a:solidFill>
+            </a:endParaRPr>
           </a:p>
           <a:p>
             <a:r>
@@ -13035,18 +13186,29 @@
             </a:r>
           </a:p>
           <a:p>
-            <a:pPr lvl="1"/>
-            <a:r>
-              <a:rPr lang="en-US" dirty="0">
+            <a:pPr lvl="1">
+              <a:buFont typeface="Wingdings" panose="05000000000000000000" pitchFamily="2" charset="2"/>
+              <a:buChar char="Ø"/>
+            </a:pPr>
+            <a:r>
+              <a:rPr lang="en-US" dirty="0" smtClean="0">
                 <a:solidFill>
                   <a:schemeClr val="tx1"/>
                 </a:solidFill>
               </a:rPr>
-              <a:t>Map</a:t>
-            </a:r>
-          </a:p>
-          <a:p>
-            <a:pPr lvl="1"/>
+              <a:t>Map View</a:t>
+            </a:r>
+            <a:endParaRPr lang="en-US" dirty="0">
+              <a:solidFill>
+                <a:schemeClr val="tx1"/>
+              </a:solidFill>
+            </a:endParaRPr>
+          </a:p>
+          <a:p>
+            <a:pPr lvl="1">
+              <a:buFont typeface="Wingdings" panose="05000000000000000000" pitchFamily="2" charset="2"/>
+              <a:buChar char="Ø"/>
+            </a:pPr>
             <a:r>
               <a:rPr lang="en-US" dirty="0">
                 <a:solidFill>
@@ -13141,7 +13303,7 @@
     </p:spTree>
     <p:extLst>
       <p:ext uri="{BB962C8B-B14F-4D97-AF65-F5344CB8AC3E}">
-        <p14:creationId xmlns:p14="http://schemas.microsoft.com/office/powerpoint/2010/main" val="4110882693"/>
+        <p14:creationId xmlns:p14="http://schemas.microsoft.com/office/powerpoint/2010/main" val="767067021"/>
       </p:ext>
     </p:extLst>
   </p:cSld>
@@ -13185,7 +13347,11 @@
           <a:p>
             <a:r>
               <a:rPr lang="en-US" dirty="0"/>
-              <a:t>Future Usage</a:t>
+              <a:t>Future </a:t>
+            </a:r>
+            <a:r>
+              <a:rPr lang="en-US" dirty="0" smtClean="0"/>
+              <a:t>Work</a:t>
             </a:r>
             <a:endParaRPr lang="en-SG" dirty="0"/>
           </a:p>
@@ -13204,150 +13370,85 @@
         <p:spPr/>
         <p:txBody>
           <a:bodyPr>
-            <a:normAutofit fontScale="55000" lnSpcReduction="20000"/>
+            <a:normAutofit fontScale="85000" lnSpcReduction="20000"/>
           </a:bodyPr>
           <a:lstStyle/>
           <a:p>
             <a:r>
-              <a:rPr lang="en-US" dirty="0">
+              <a:rPr lang="en-SG" dirty="0" smtClean="0">
                 <a:solidFill>
                   <a:schemeClr val="tx1"/>
                 </a:solidFill>
               </a:rPr>
-              <a:t>Localization Algorithms</a:t>
-            </a:r>
-          </a:p>
-          <a:p>
-            <a:pPr lvl="1"/>
-            <a:r>
-              <a:rPr lang="en-US" dirty="0">
-                <a:solidFill>
-                  <a:schemeClr val="tx1"/>
-                </a:solidFill>
-              </a:rPr>
-              <a:t>Monte Carlo Localization (MCL)</a:t>
-            </a:r>
-          </a:p>
-          <a:p>
-            <a:pPr lvl="2"/>
-            <a:r>
-              <a:rPr lang="en-US" dirty="0">
-                <a:solidFill>
-                  <a:schemeClr val="tx1"/>
-                </a:solidFill>
-              </a:rPr>
-              <a:t>Most popular in robot localization</a:t>
-            </a:r>
-          </a:p>
-          <a:p>
-            <a:pPr lvl="2"/>
-            <a:r>
-              <a:rPr lang="en-US" dirty="0">
-                <a:solidFill>
-                  <a:schemeClr val="tx1"/>
-                </a:solidFill>
-              </a:rPr>
-              <a:t>Also referred to as Particle Filter</a:t>
-            </a:r>
-          </a:p>
-          <a:p>
-            <a:pPr lvl="2"/>
-            <a:r>
-              <a:rPr lang="en-US" dirty="0">
-                <a:solidFill>
-                  <a:schemeClr val="tx1"/>
-                </a:solidFill>
-              </a:rPr>
-              <a:t>Relies on </a:t>
-            </a:r>
-          </a:p>
-          <a:p>
-            <a:pPr lvl="3"/>
-            <a:r>
-              <a:rPr lang="en-US" dirty="0">
-                <a:solidFill>
-                  <a:schemeClr val="tx1"/>
-                </a:solidFill>
-              </a:rPr>
-              <a:t>Accurate Environment Map</a:t>
-            </a:r>
-          </a:p>
-          <a:p>
-            <a:pPr lvl="3"/>
-            <a:r>
-              <a:rPr lang="en-US" dirty="0">
-                <a:solidFill>
-                  <a:schemeClr val="tx1"/>
-                </a:solidFill>
-              </a:rPr>
-              <a:t>Particle position and orientation</a:t>
-            </a:r>
-          </a:p>
-          <a:p>
-            <a:pPr lvl="1"/>
-            <a:r>
-              <a:rPr lang="en-US" dirty="0">
-                <a:solidFill>
-                  <a:schemeClr val="tx1"/>
-                </a:solidFill>
-              </a:rPr>
-              <a:t>Adaptive Monte Carlo Localization (AMCL)</a:t>
-            </a:r>
-          </a:p>
-          <a:p>
-            <a:pPr lvl="2"/>
-            <a:r>
-              <a:rPr lang="en-US" dirty="0">
-                <a:solidFill>
-                  <a:schemeClr val="tx1"/>
-                </a:solidFill>
-              </a:rPr>
-              <a:t>Improved version of MCL</a:t>
-            </a:r>
-          </a:p>
-          <a:p>
-            <a:pPr lvl="2"/>
-            <a:endParaRPr lang="en-US" dirty="0">
-              <a:solidFill>
-                <a:schemeClr val="tx1"/>
-              </a:solidFill>
-            </a:endParaRPr>
-          </a:p>
-          <a:p>
+              <a:t>Improvement on </a:t>
+            </a:r>
             <a:r>
               <a:rPr lang="en-SG" dirty="0">
                 <a:solidFill>
                   <a:schemeClr val="tx1"/>
                 </a:solidFill>
               </a:rPr>
-              <a:t>Deep Neural Network Robotic Mapping</a:t>
-            </a:r>
-          </a:p>
-          <a:p>
-            <a:pPr lvl="1"/>
-            <a:r>
-              <a:rPr lang="en-US" dirty="0">
+              <a:t>reduced edge </a:t>
+            </a:r>
+            <a:r>
+              <a:rPr lang="en-SG" dirty="0" smtClean="0">
                 <a:solidFill>
                   <a:schemeClr val="tx1"/>
                 </a:solidFill>
               </a:rPr>
-              <a:t>Produces more accuracy map</a:t>
-            </a:r>
-          </a:p>
-          <a:p>
-            <a:pPr lvl="2"/>
-            <a:r>
-              <a:rPr lang="en-US" dirty="0">
+              <a:t>noises</a:t>
+            </a:r>
+          </a:p>
+          <a:p>
+            <a:pPr lvl="1">
+              <a:buFont typeface="Wingdings" panose="05000000000000000000" pitchFamily="2" charset="2"/>
+              <a:buChar char="Ø"/>
+            </a:pPr>
+            <a:r>
+              <a:rPr lang="en-SG" dirty="0" smtClean="0">
                 <a:solidFill>
                   <a:schemeClr val="tx1"/>
                 </a:solidFill>
               </a:rPr>
-              <a:t>Comparing with traditional approach such as k-means</a:t>
-            </a:r>
-          </a:p>
-          <a:p>
-            <a:pPr lvl="2"/>
-            <a:endParaRPr lang="en-US" dirty="0">
+              <a:t>Edge noises due </a:t>
+            </a:r>
+            <a:r>
+              <a:rPr lang="en-SG" smtClean="0">
+                <a:solidFill>
+                  <a:schemeClr val="tx1"/>
+                </a:solidFill>
+              </a:rPr>
+              <a:t>to 1024 </a:t>
+            </a:r>
+            <a:r>
+              <a:rPr lang="en-SG" dirty="0" smtClean="0">
+                <a:solidFill>
+                  <a:schemeClr val="tx1"/>
+                </a:solidFill>
+              </a:rPr>
+              <a:t>x 1024 grid</a:t>
+            </a:r>
+          </a:p>
+          <a:p>
+            <a:pPr lvl="1">
+              <a:buFont typeface="Wingdings" panose="05000000000000000000" pitchFamily="2" charset="2"/>
+              <a:buChar char="Ø"/>
+            </a:pPr>
+            <a:r>
+              <a:rPr lang="en-SG" dirty="0" smtClean="0">
+                <a:solidFill>
+                  <a:schemeClr val="tx1"/>
+                </a:solidFill>
+              </a:rPr>
+              <a:t>Optimizing with different padding size and grid size </a:t>
+            </a:r>
+          </a:p>
+          <a:p>
+            <a:pPr lvl="1">
+              <a:buFont typeface="Wingdings" panose="05000000000000000000" pitchFamily="2" charset="2"/>
+              <a:buChar char="Ø"/>
+            </a:pPr>
+            <a:endParaRPr lang="en-SG" dirty="0">
               <a:solidFill>
                 <a:schemeClr val="tx1"/>
               </a:solidFill>
@@ -13355,12 +13456,12 @@
           </a:p>
           <a:p>
             <a:r>
-              <a:rPr lang="en-US" dirty="0">
+              <a:rPr lang="en-SG" dirty="0" smtClean="0">
                 <a:solidFill>
                   <a:schemeClr val="tx1"/>
                 </a:solidFill>
               </a:rPr>
-              <a:t>Therefore, </a:t>
+              <a:t>Reduce GPU power with </a:t>
             </a:r>
             <a:r>
               <a:rPr lang="en-SG" dirty="0">
@@ -13368,15 +13469,90 @@
                   <a:schemeClr val="tx1"/>
                 </a:solidFill>
               </a:rPr>
-              <a:t>Deep Neural Network Robotic Mapping will benefit </a:t>
-            </a:r>
-            <a:r>
-              <a:rPr lang="en-US" dirty="0">
+              <a:t>MobileNetV2</a:t>
+            </a:r>
+            <a:endParaRPr lang="en-SG" dirty="0" smtClean="0">
+              <a:solidFill>
+                <a:schemeClr val="tx1"/>
+              </a:solidFill>
+            </a:endParaRPr>
+          </a:p>
+          <a:p>
+            <a:pPr lvl="1">
+              <a:buFont typeface="Wingdings" panose="05000000000000000000" pitchFamily="2" charset="2"/>
+              <a:buChar char="Ø"/>
+            </a:pPr>
+            <a:r>
+              <a:rPr lang="en-SG" dirty="0" smtClean="0">
                 <a:solidFill>
                   <a:schemeClr val="tx1"/>
                 </a:solidFill>
               </a:rPr>
-              <a:t>AMCL with more accurate </a:t>
+              <a:t>MobileNetV2 advantages</a:t>
+            </a:r>
+          </a:p>
+          <a:p>
+            <a:pPr lvl="2"/>
+            <a:r>
+              <a:rPr lang="en-SG" dirty="0" smtClean="0">
+                <a:solidFill>
+                  <a:schemeClr val="tx1"/>
+                </a:solidFill>
+              </a:rPr>
+              <a:t>Fewer parameters</a:t>
+            </a:r>
+          </a:p>
+          <a:p>
+            <a:pPr lvl="2"/>
+            <a:r>
+              <a:rPr lang="en-SG" dirty="0" smtClean="0">
+                <a:solidFill>
+                  <a:schemeClr val="tx1"/>
+                </a:solidFill>
+              </a:rPr>
+              <a:t>Mobile platform support </a:t>
+            </a:r>
+          </a:p>
+          <a:p>
+            <a:pPr marL="804824" lvl="2" indent="0">
+              <a:buNone/>
+            </a:pPr>
+            <a:r>
+              <a:rPr lang="en-SG" dirty="0" smtClean="0">
+                <a:solidFill>
+                  <a:schemeClr val="tx1"/>
+                </a:solidFill>
+              </a:rPr>
+              <a:t> </a:t>
+            </a:r>
+            <a:endParaRPr lang="en-SG" dirty="0">
+              <a:solidFill>
+                <a:schemeClr val="tx1"/>
+              </a:solidFill>
+            </a:endParaRPr>
+          </a:p>
+          <a:p>
+            <a:r>
+              <a:rPr lang="en-SG" dirty="0" smtClean="0">
+                <a:solidFill>
+                  <a:schemeClr val="tx1"/>
+                </a:solidFill>
+              </a:rPr>
+              <a:t>Implement ROS packages</a:t>
+            </a:r>
+          </a:p>
+          <a:p>
+            <a:pPr lvl="1">
+              <a:buFont typeface="Wingdings" panose="05000000000000000000" pitchFamily="2" charset="2"/>
+              <a:buChar char="Ø"/>
+            </a:pPr>
+            <a:r>
+              <a:rPr lang="en-SG" dirty="0" smtClean="0">
+                <a:solidFill>
+                  <a:schemeClr val="tx1"/>
+                </a:solidFill>
+              </a:rPr>
+              <a:t>Reduce time </a:t>
             </a:r>
             <a:r>
               <a:rPr lang="en-SG" dirty="0">
@@ -13384,9 +13560,36 @@
                   <a:schemeClr val="tx1"/>
                 </a:solidFill>
               </a:rPr>
-              <a:t>map, and will provide map when map is not available</a:t>
-            </a:r>
-            <a:endParaRPr lang="en-US" dirty="0">
+              <a:t>and </a:t>
+            </a:r>
+            <a:r>
+              <a:rPr lang="en-SG" dirty="0" smtClean="0">
+                <a:solidFill>
+                  <a:schemeClr val="tx1"/>
+                </a:solidFill>
+              </a:rPr>
+              <a:t>effort for utilizing </a:t>
+            </a:r>
+            <a:r>
+              <a:rPr lang="en-SG" dirty="0" err="1" smtClean="0">
+                <a:solidFill>
+                  <a:schemeClr val="tx1"/>
+                </a:solidFill>
+              </a:rPr>
+              <a:t>Keras</a:t>
+            </a:r>
+            <a:r>
+              <a:rPr lang="en-SG" dirty="0" smtClean="0">
+                <a:solidFill>
+                  <a:schemeClr val="tx1"/>
+                </a:solidFill>
+              </a:rPr>
+              <a:t> neural network solution</a:t>
+            </a:r>
+          </a:p>
+          <a:p>
+            <a:pPr lvl="1"/>
+            <a:endParaRPr lang="en-SG" dirty="0" smtClean="0">
               <a:solidFill>
                 <a:schemeClr val="tx1"/>
               </a:solidFill>
@@ -13448,7 +13651,7 @@
     </p:spTree>
     <p:extLst>
       <p:ext uri="{BB962C8B-B14F-4D97-AF65-F5344CB8AC3E}">
-        <p14:creationId xmlns:p14="http://schemas.microsoft.com/office/powerpoint/2010/main" val="1383113111"/>
+        <p14:creationId xmlns:p14="http://schemas.microsoft.com/office/powerpoint/2010/main" val="2448486839"/>
       </p:ext>
     </p:extLst>
   </p:cSld>

--- a/PracticeModule_Presentation.pptx
+++ b/PracticeModule_Presentation.pptx
@@ -6902,8 +6902,13 @@
           <a:p>
             <a:r>
               <a:rPr lang="en-US" dirty="0"/>
-              <a:t>Name: Ong Boon Ping (A0195172B), Cao Liang</a:t>
-            </a:r>
+              <a:t>Name: Ong Boon Ping (A0195172B), Cao </a:t>
+            </a:r>
+            <a:r>
+              <a:rPr lang="en-US" dirty="0"/>
+              <a:t>Liang (AA0012884E)</a:t>
+            </a:r>
+            <a:endParaRPr lang="en-US" dirty="0"/>
           </a:p>
           <a:p>
             <a:r>
@@ -10142,7 +10147,7 @@
           <a:graphicData uri="http://schemas.openxmlformats.org/presentationml/2006/ole">
             <mc:AlternateContent xmlns:mc="http://schemas.openxmlformats.org/markup-compatibility/2006">
               <mc:Choice xmlns:v="urn:schemas-microsoft-com:vml" Requires="v">
-                <p:oleObj spid="_x0000_s2085" name="Bitmap Image" r:id="rId3" imgW="5014395" imgH="4572396" progId="Paint.Picture">
+                <p:oleObj spid="_x0000_s2086" name="Bitmap Image" r:id="rId3" imgW="5014395" imgH="4572396" progId="Paint.Picture">
                   <p:embed/>
                 </p:oleObj>
               </mc:Choice>
@@ -10523,7 +10528,7 @@
           <a:graphicData uri="http://schemas.openxmlformats.org/presentationml/2006/ole">
             <mc:AlternateContent xmlns:mc="http://schemas.openxmlformats.org/markup-compatibility/2006">
               <mc:Choice xmlns:v="urn:schemas-microsoft-com:vml" Requires="v">
-                <p:oleObj spid="_x0000_s6167" name="Bitmap Image" r:id="rId3" imgW="4915326" imgH="3505504" progId="Paint.Picture">
+                <p:oleObj spid="_x0000_s6168" name="Bitmap Image" r:id="rId3" imgW="4915326" imgH="3505504" progId="Paint.Picture">
                   <p:embed/>
                 </p:oleObj>
               </mc:Choice>

--- a/PracticeModule_Presentation.pptx
+++ b/PracticeModule_Presentation.pptx
@@ -1089,35 +1089,14 @@
         </dgm:presLayoutVars>
       </dgm:prSet>
       <dgm:spPr/>
-      <dgm:t>
-        <a:bodyPr/>
-        <a:lstStyle/>
-        <a:p>
-          <a:endParaRPr lang="en-US"/>
-        </a:p>
-      </dgm:t>
     </dgm:pt>
     <dgm:pt modelId="{4B5D39CA-8147-4B81-8770-5E31FC6D1CFB}" type="pres">
       <dgm:prSet presAssocID="{91D0FCC9-0385-42AC-A8E5-78283D5D669C}" presName="sibTrans" presStyleLbl="sibTrans2D1" presStyleIdx="0" presStyleCnt="3"/>
       <dgm:spPr/>
-      <dgm:t>
-        <a:bodyPr/>
-        <a:lstStyle/>
-        <a:p>
-          <a:endParaRPr lang="en-US"/>
-        </a:p>
-      </dgm:t>
     </dgm:pt>
     <dgm:pt modelId="{41341A21-0806-411D-A443-625FA97E4491}" type="pres">
       <dgm:prSet presAssocID="{91D0FCC9-0385-42AC-A8E5-78283D5D669C}" presName="connectorText" presStyleLbl="sibTrans2D1" presStyleIdx="0" presStyleCnt="3"/>
       <dgm:spPr/>
-      <dgm:t>
-        <a:bodyPr/>
-        <a:lstStyle/>
-        <a:p>
-          <a:endParaRPr lang="en-US"/>
-        </a:p>
-      </dgm:t>
     </dgm:pt>
     <dgm:pt modelId="{EA5BC1ED-EB03-45BA-BC56-621EEE9BEBD1}" type="pres">
       <dgm:prSet presAssocID="{92249E20-58D4-4E75-BB12-FE5FBD54F135}" presName="node" presStyleLbl="node1" presStyleIdx="1" presStyleCnt="4">
@@ -1126,35 +1105,14 @@
         </dgm:presLayoutVars>
       </dgm:prSet>
       <dgm:spPr/>
-      <dgm:t>
-        <a:bodyPr/>
-        <a:lstStyle/>
-        <a:p>
-          <a:endParaRPr lang="en-US"/>
-        </a:p>
-      </dgm:t>
     </dgm:pt>
     <dgm:pt modelId="{95B3EF49-35D3-4519-9F1F-B39D5A0566E4}" type="pres">
       <dgm:prSet presAssocID="{0B72DC99-4E95-4ADB-960C-E769354E6A5D}" presName="sibTrans" presStyleLbl="sibTrans2D1" presStyleIdx="1" presStyleCnt="3"/>
       <dgm:spPr/>
-      <dgm:t>
-        <a:bodyPr/>
-        <a:lstStyle/>
-        <a:p>
-          <a:endParaRPr lang="en-US"/>
-        </a:p>
-      </dgm:t>
     </dgm:pt>
     <dgm:pt modelId="{9B203DD1-3145-4590-8ACC-2517ACFE25A8}" type="pres">
       <dgm:prSet presAssocID="{0B72DC99-4E95-4ADB-960C-E769354E6A5D}" presName="connectorText" presStyleLbl="sibTrans2D1" presStyleIdx="1" presStyleCnt="3"/>
       <dgm:spPr/>
-      <dgm:t>
-        <a:bodyPr/>
-        <a:lstStyle/>
-        <a:p>
-          <a:endParaRPr lang="en-US"/>
-        </a:p>
-      </dgm:t>
     </dgm:pt>
     <dgm:pt modelId="{A37733E1-C31E-4430-AEEA-7CC4BDFAF84B}" type="pres">
       <dgm:prSet presAssocID="{38DD500D-6BEB-44F1-A480-39EBC85B7D1B}" presName="node" presStyleLbl="node1" presStyleIdx="2" presStyleCnt="4">
@@ -1163,35 +1121,14 @@
         </dgm:presLayoutVars>
       </dgm:prSet>
       <dgm:spPr/>
-      <dgm:t>
-        <a:bodyPr/>
-        <a:lstStyle/>
-        <a:p>
-          <a:endParaRPr lang="en-US"/>
-        </a:p>
-      </dgm:t>
     </dgm:pt>
     <dgm:pt modelId="{7300E7F4-ED3F-436A-A1F0-90BEABB46E71}" type="pres">
       <dgm:prSet presAssocID="{6D1E928F-781F-462C-A8AC-2A960BFDA67A}" presName="sibTrans" presStyleLbl="sibTrans2D1" presStyleIdx="2" presStyleCnt="3"/>
       <dgm:spPr/>
-      <dgm:t>
-        <a:bodyPr/>
-        <a:lstStyle/>
-        <a:p>
-          <a:endParaRPr lang="en-US"/>
-        </a:p>
-      </dgm:t>
     </dgm:pt>
     <dgm:pt modelId="{D7B13FD1-4A98-4993-ACFA-933B70FB5D81}" type="pres">
       <dgm:prSet presAssocID="{6D1E928F-781F-462C-A8AC-2A960BFDA67A}" presName="connectorText" presStyleLbl="sibTrans2D1" presStyleIdx="2" presStyleCnt="3"/>
       <dgm:spPr/>
-      <dgm:t>
-        <a:bodyPr/>
-        <a:lstStyle/>
-        <a:p>
-          <a:endParaRPr lang="en-US"/>
-        </a:p>
-      </dgm:t>
     </dgm:pt>
     <dgm:pt modelId="{F65F4BF1-A7B9-4C27-8B28-16C04C25982E}" type="pres">
       <dgm:prSet presAssocID="{764C4D4F-B7F7-4995-9F46-8E01C62C581B}" presName="node" presStyleLbl="node1" presStyleIdx="3" presStyleCnt="4">
@@ -1200,30 +1137,23 @@
         </dgm:presLayoutVars>
       </dgm:prSet>
       <dgm:spPr/>
-      <dgm:t>
-        <a:bodyPr/>
-        <a:lstStyle/>
-        <a:p>
-          <a:endParaRPr lang="en-US"/>
-        </a:p>
-      </dgm:t>
     </dgm:pt>
   </dgm:ptLst>
   <dgm:cxnLst>
-    <dgm:cxn modelId="{3EBFAACE-A4CF-4057-9EC8-3A59330D069F}" type="presOf" srcId="{69C95212-ACBD-498E-A011-59076A4285CB}" destId="{4D4E5D9B-DE30-46F3-864F-B20CBCB47B81}" srcOrd="0" destOrd="0" presId="urn:microsoft.com/office/officeart/2005/8/layout/process1"/>
-    <dgm:cxn modelId="{2D076695-4491-4B11-95EC-7786C59603C3}" type="presOf" srcId="{0B72DC99-4E95-4ADB-960C-E769354E6A5D}" destId="{95B3EF49-35D3-4519-9F1F-B39D5A0566E4}" srcOrd="0" destOrd="0" presId="urn:microsoft.com/office/officeart/2005/8/layout/process1"/>
-    <dgm:cxn modelId="{05EBE6A4-21D9-4E6D-96DC-9D3E50C88595}" type="presOf" srcId="{38DD500D-6BEB-44F1-A480-39EBC85B7D1B}" destId="{A37733E1-C31E-4430-AEEA-7CC4BDFAF84B}" srcOrd="0" destOrd="0" presId="urn:microsoft.com/office/officeart/2005/8/layout/process1"/>
+    <dgm:cxn modelId="{23BC981F-CC7C-4D5F-91BD-DE6EC72DB040}" srcId="{9496E0A2-784B-483A-9A32-E68AF617843D}" destId="{69C95212-ACBD-498E-A011-59076A4285CB}" srcOrd="0" destOrd="0" parTransId="{BF3D5BE3-835C-4027-9271-54CEA95A0702}" sibTransId="{91D0FCC9-0385-42AC-A8E5-78283D5D669C}"/>
+    <dgm:cxn modelId="{01F09420-6EB0-4A7F-B4CE-2315FD06751C}" type="presOf" srcId="{6D1E928F-781F-462C-A8AC-2A960BFDA67A}" destId="{D7B13FD1-4A98-4993-ACFA-933B70FB5D81}" srcOrd="1" destOrd="0" presId="urn:microsoft.com/office/officeart/2005/8/layout/process1"/>
+    <dgm:cxn modelId="{31005A28-3819-43FC-A794-27C122A41925}" srcId="{9496E0A2-784B-483A-9A32-E68AF617843D}" destId="{38DD500D-6BEB-44F1-A480-39EBC85B7D1B}" srcOrd="2" destOrd="0" parTransId="{3CE2BC79-A484-4240-A2CB-1BC232A1E53F}" sibTransId="{6D1E928F-781F-462C-A8AC-2A960BFDA67A}"/>
     <dgm:cxn modelId="{B7AF3A68-AEB3-4860-978B-B262BEBB9ECB}" type="presOf" srcId="{6D1E928F-781F-462C-A8AC-2A960BFDA67A}" destId="{7300E7F4-ED3F-436A-A1F0-90BEABB46E71}" srcOrd="0" destOrd="0" presId="urn:microsoft.com/office/officeart/2005/8/layout/process1"/>
-    <dgm:cxn modelId="{31005A28-3819-43FC-A794-27C122A41925}" srcId="{9496E0A2-784B-483A-9A32-E68AF617843D}" destId="{38DD500D-6BEB-44F1-A480-39EBC85B7D1B}" srcOrd="2" destOrd="0" parTransId="{3CE2BC79-A484-4240-A2CB-1BC232A1E53F}" sibTransId="{6D1E928F-781F-462C-A8AC-2A960BFDA67A}"/>
-    <dgm:cxn modelId="{01F09420-6EB0-4A7F-B4CE-2315FD06751C}" type="presOf" srcId="{6D1E928F-781F-462C-A8AC-2A960BFDA67A}" destId="{D7B13FD1-4A98-4993-ACFA-933B70FB5D81}" srcOrd="1" destOrd="0" presId="urn:microsoft.com/office/officeart/2005/8/layout/process1"/>
-    <dgm:cxn modelId="{1530AF90-D573-4EFA-A3BC-840C3370D71B}" srcId="{9496E0A2-784B-483A-9A32-E68AF617843D}" destId="{764C4D4F-B7F7-4995-9F46-8E01C62C581B}" srcOrd="3" destOrd="0" parTransId="{A6A82594-4016-4707-8656-642BA426B3D4}" sibTransId="{356D9044-9DCA-4929-92DF-A2BDE3B61A47}"/>
-    <dgm:cxn modelId="{D1CF8BBB-F3E6-4482-8B69-D1BE9774788E}" type="presOf" srcId="{91D0FCC9-0385-42AC-A8E5-78283D5D669C}" destId="{4B5D39CA-8147-4B81-8770-5E31FC6D1CFB}" srcOrd="0" destOrd="0" presId="urn:microsoft.com/office/officeart/2005/8/layout/process1"/>
-    <dgm:cxn modelId="{5E0FD1A2-149D-4CF9-AEE7-688223EDC542}" type="presOf" srcId="{764C4D4F-B7F7-4995-9F46-8E01C62C581B}" destId="{F65F4BF1-A7B9-4C27-8B28-16C04C25982E}" srcOrd="0" destOrd="0" presId="urn:microsoft.com/office/officeart/2005/8/layout/process1"/>
-    <dgm:cxn modelId="{79D506E8-F752-4BA4-B280-EF0BEBC86F63}" srcId="{9496E0A2-784B-483A-9A32-E68AF617843D}" destId="{92249E20-58D4-4E75-BB12-FE5FBD54F135}" srcOrd="1" destOrd="0" parTransId="{105B3AA3-CBE4-4ECA-BC44-B6DCA5E7A036}" sibTransId="{0B72DC99-4E95-4ADB-960C-E769354E6A5D}"/>
-    <dgm:cxn modelId="{23BC981F-CC7C-4D5F-91BD-DE6EC72DB040}" srcId="{9496E0A2-784B-483A-9A32-E68AF617843D}" destId="{69C95212-ACBD-498E-A011-59076A4285CB}" srcOrd="0" destOrd="0" parTransId="{BF3D5BE3-835C-4027-9271-54CEA95A0702}" sibTransId="{91D0FCC9-0385-42AC-A8E5-78283D5D669C}"/>
     <dgm:cxn modelId="{F4BB5269-9705-4D80-8BF8-3B73A8F8EE8D}" type="presOf" srcId="{91D0FCC9-0385-42AC-A8E5-78283D5D669C}" destId="{41341A21-0806-411D-A443-625FA97E4491}" srcOrd="1" destOrd="0" presId="urn:microsoft.com/office/officeart/2005/8/layout/process1"/>
     <dgm:cxn modelId="{FEAE6454-4E5D-4190-8A76-D27FC4FC4790}" type="presOf" srcId="{9496E0A2-784B-483A-9A32-E68AF617843D}" destId="{9EA8A120-7984-4A2B-9532-24393BA5D7A2}" srcOrd="0" destOrd="0" presId="urn:microsoft.com/office/officeart/2005/8/layout/process1"/>
     <dgm:cxn modelId="{F8BD9F76-8AA1-4A33-B686-C2C5DEA97305}" type="presOf" srcId="{0B72DC99-4E95-4ADB-960C-E769354E6A5D}" destId="{9B203DD1-3145-4590-8ACC-2517ACFE25A8}" srcOrd="1" destOrd="0" presId="urn:microsoft.com/office/officeart/2005/8/layout/process1"/>
+    <dgm:cxn modelId="{1530AF90-D573-4EFA-A3BC-840C3370D71B}" srcId="{9496E0A2-784B-483A-9A32-E68AF617843D}" destId="{764C4D4F-B7F7-4995-9F46-8E01C62C581B}" srcOrd="3" destOrd="0" parTransId="{A6A82594-4016-4707-8656-642BA426B3D4}" sibTransId="{356D9044-9DCA-4929-92DF-A2BDE3B61A47}"/>
+    <dgm:cxn modelId="{2D076695-4491-4B11-95EC-7786C59603C3}" type="presOf" srcId="{0B72DC99-4E95-4ADB-960C-E769354E6A5D}" destId="{95B3EF49-35D3-4519-9F1F-B39D5A0566E4}" srcOrd="0" destOrd="0" presId="urn:microsoft.com/office/officeart/2005/8/layout/process1"/>
+    <dgm:cxn modelId="{5E0FD1A2-149D-4CF9-AEE7-688223EDC542}" type="presOf" srcId="{764C4D4F-B7F7-4995-9F46-8E01C62C581B}" destId="{F65F4BF1-A7B9-4C27-8B28-16C04C25982E}" srcOrd="0" destOrd="0" presId="urn:microsoft.com/office/officeart/2005/8/layout/process1"/>
+    <dgm:cxn modelId="{05EBE6A4-21D9-4E6D-96DC-9D3E50C88595}" type="presOf" srcId="{38DD500D-6BEB-44F1-A480-39EBC85B7D1B}" destId="{A37733E1-C31E-4430-AEEA-7CC4BDFAF84B}" srcOrd="0" destOrd="0" presId="urn:microsoft.com/office/officeart/2005/8/layout/process1"/>
+    <dgm:cxn modelId="{D1CF8BBB-F3E6-4482-8B69-D1BE9774788E}" type="presOf" srcId="{91D0FCC9-0385-42AC-A8E5-78283D5D669C}" destId="{4B5D39CA-8147-4B81-8770-5E31FC6D1CFB}" srcOrd="0" destOrd="0" presId="urn:microsoft.com/office/officeart/2005/8/layout/process1"/>
+    <dgm:cxn modelId="{3EBFAACE-A4CF-4057-9EC8-3A59330D069F}" type="presOf" srcId="{69C95212-ACBD-498E-A011-59076A4285CB}" destId="{4D4E5D9B-DE30-46F3-864F-B20CBCB47B81}" srcOrd="0" destOrd="0" presId="urn:microsoft.com/office/officeart/2005/8/layout/process1"/>
+    <dgm:cxn modelId="{79D506E8-F752-4BA4-B280-EF0BEBC86F63}" srcId="{9496E0A2-784B-483A-9A32-E68AF617843D}" destId="{92249E20-58D4-4E75-BB12-FE5FBD54F135}" srcOrd="1" destOrd="0" parTransId="{105B3AA3-CBE4-4ECA-BC44-B6DCA5E7A036}" sibTransId="{0B72DC99-4E95-4ADB-960C-E769354E6A5D}"/>
     <dgm:cxn modelId="{099D99FB-52B2-434C-BA10-1675505A420B}" type="presOf" srcId="{92249E20-58D4-4E75-BB12-FE5FBD54F135}" destId="{EA5BC1ED-EB03-45BA-BC56-621EEE9BEBD1}" srcOrd="0" destOrd="0" presId="urn:microsoft.com/office/officeart/2005/8/layout/process1"/>
     <dgm:cxn modelId="{DA8115C2-D2F4-4CCB-9D90-0A509018B8F1}" type="presParOf" srcId="{9EA8A120-7984-4A2B-9532-24393BA5D7A2}" destId="{4D4E5D9B-DE30-46F3-864F-B20CBCB47B81}" srcOrd="0" destOrd="0" presId="urn:microsoft.com/office/officeart/2005/8/layout/process1"/>
     <dgm:cxn modelId="{0C3F32CC-6A85-4291-B66A-941971627454}" type="presParOf" srcId="{9EA8A120-7984-4A2B-9532-24393BA5D7A2}" destId="{4B5D39CA-8147-4B81-8770-5E31FC6D1CFB}" srcOrd="1" destOrd="0" presId="urn:microsoft.com/office/officeart/2005/8/layout/process1"/>
@@ -1311,7 +1241,7 @@
         </a:bodyPr>
         <a:lstStyle/>
         <a:p>
-          <a:pPr lvl="0" algn="ctr" defTabSz="844550">
+          <a:pPr marL="0" lvl="0" indent="0" algn="ctr" defTabSz="844550">
             <a:lnSpc>
               <a:spcPct val="90000"/>
             </a:lnSpc>
@@ -1321,6 +1251,7 @@
             <a:spcAft>
               <a:spcPct val="35000"/>
             </a:spcAft>
+            <a:buNone/>
           </a:pPr>
           <a:r>
             <a:rPr lang="en-US" sz="1900" kern="1200"/>
@@ -1383,7 +1314,7 @@
         </a:bodyPr>
         <a:lstStyle/>
         <a:p>
-          <a:pPr lvl="0" algn="ctr" defTabSz="666750">
+          <a:pPr marL="0" lvl="0" indent="0" algn="ctr" defTabSz="666750">
             <a:lnSpc>
               <a:spcPct val="90000"/>
             </a:lnSpc>
@@ -1393,6 +1324,7 @@
             <a:spcAft>
               <a:spcPct val="35000"/>
             </a:spcAft>
+            <a:buNone/>
           </a:pPr>
           <a:endParaRPr lang="en-US" sz="1500" kern="1200"/>
         </a:p>
@@ -1454,7 +1386,7 @@
         </a:bodyPr>
         <a:lstStyle/>
         <a:p>
-          <a:pPr lvl="0" algn="ctr" defTabSz="844550">
+          <a:pPr marL="0" lvl="0" indent="0" algn="ctr" defTabSz="844550">
             <a:lnSpc>
               <a:spcPct val="90000"/>
             </a:lnSpc>
@@ -1464,6 +1396,7 @@
             <a:spcAft>
               <a:spcPct val="35000"/>
             </a:spcAft>
+            <a:buNone/>
           </a:pPr>
           <a:r>
             <a:rPr lang="en-US" sz="1900" kern="1200"/>
@@ -1526,7 +1459,7 @@
         </a:bodyPr>
         <a:lstStyle/>
         <a:p>
-          <a:pPr lvl="0" algn="ctr" defTabSz="666750">
+          <a:pPr marL="0" lvl="0" indent="0" algn="ctr" defTabSz="666750">
             <a:lnSpc>
               <a:spcPct val="90000"/>
             </a:lnSpc>
@@ -1536,6 +1469,7 @@
             <a:spcAft>
               <a:spcPct val="35000"/>
             </a:spcAft>
+            <a:buNone/>
           </a:pPr>
           <a:endParaRPr lang="en-US" sz="1500" kern="1200"/>
         </a:p>
@@ -1597,7 +1531,7 @@
         </a:bodyPr>
         <a:lstStyle/>
         <a:p>
-          <a:pPr lvl="0" algn="ctr" defTabSz="844550">
+          <a:pPr marL="0" lvl="0" indent="0" algn="ctr" defTabSz="844550">
             <a:lnSpc>
               <a:spcPct val="90000"/>
             </a:lnSpc>
@@ -1607,6 +1541,7 @@
             <a:spcAft>
               <a:spcPct val="35000"/>
             </a:spcAft>
+            <a:buNone/>
           </a:pPr>
           <a:r>
             <a:rPr lang="en-US" sz="1900" kern="1200"/>
@@ -1669,7 +1604,7 @@
         </a:bodyPr>
         <a:lstStyle/>
         <a:p>
-          <a:pPr lvl="0" algn="ctr" defTabSz="666750">
+          <a:pPr marL="0" lvl="0" indent="0" algn="ctr" defTabSz="666750">
             <a:lnSpc>
               <a:spcPct val="90000"/>
             </a:lnSpc>
@@ -1679,6 +1614,7 @@
             <a:spcAft>
               <a:spcPct val="35000"/>
             </a:spcAft>
+            <a:buNone/>
           </a:pPr>
           <a:endParaRPr lang="en-US" sz="1500" kern="1200"/>
         </a:p>
@@ -1745,7 +1681,7 @@
         </a:bodyPr>
         <a:lstStyle/>
         <a:p>
-          <a:pPr lvl="0" algn="ctr" defTabSz="844550">
+          <a:pPr marL="0" lvl="0" indent="0" algn="ctr" defTabSz="844550">
             <a:lnSpc>
               <a:spcPct val="90000"/>
             </a:lnSpc>
@@ -1755,6 +1691,7 @@
             <a:spcAft>
               <a:spcPct val="35000"/>
             </a:spcAft>
+            <a:buNone/>
           </a:pPr>
           <a:r>
             <a:rPr lang="en-US" sz="1900" kern="1200"/>
@@ -3198,7 +3135,7 @@
           <a:p>
             <a:fld id="{EA4960E5-F060-4C88-B1C5-5A6F5890BEF6}" type="datetimeFigureOut">
               <a:rPr lang="en-SG" smtClean="0"/>
-              <a:t>11/1/2020</a:t>
+              <a:t>1/11/2020</a:t>
             </a:fld>
             <a:endParaRPr lang="en-SG" dirty="0"/>
           </a:p>
@@ -6902,13 +6839,8 @@
           <a:p>
             <a:r>
               <a:rPr lang="en-US" dirty="0"/>
-              <a:t>Name: Ong Boon Ping (A0195172B), Cao </a:t>
-            </a:r>
-            <a:r>
-              <a:rPr lang="en-US" dirty="0"/>
-              <a:t>Liang (AA0012884E)</a:t>
-            </a:r>
-            <a:endParaRPr lang="en-US" dirty="0"/>
+              <a:t>Name: Ong Boon Ping (A0195172B), Cao Liang (A0012884E)</a:t>
+            </a:r>
           </a:p>
           <a:p>
             <a:r>
@@ -7711,25 +7643,25 @@
         <p:spPr/>
         <p:txBody>
           <a:bodyPr>
-            <a:normAutofit fontScale="92500"/>
+            <a:normAutofit fontScale="92500" lnSpcReduction="10000"/>
           </a:bodyPr>
           <a:lstStyle/>
           <a:p>
             <a:r>
               <a:rPr lang="en-US" dirty="0"/>
-              <a:t>The neural network is trained using 640 2D Point Cloud maps. Each map is taken from lidar scan on wall and various building surfaces.</a:t>
+              <a:t>The neural network is trained using 640 2D maps generated from point cloud/lidar data. Each map is taken from point cloud/lidar scan on wall and various building surfaces.</a:t>
             </a:r>
           </a:p>
           <a:p>
             <a:r>
               <a:rPr lang="en-US" dirty="0"/>
-              <a:t>The scan points are all collected from a single point cloud scan. The sensor is placed at different angle from the wall or building surfaces.</a:t>
+              <a:t>The scan points are all collected from a single point cloud/lidar scan. The sensor is placed at different angle from the wall or building surfaces.</a:t>
             </a:r>
           </a:p>
           <a:p>
             <a:r>
               <a:rPr lang="en-US" dirty="0"/>
-              <a:t>Each 2D Point Cloud map has a matching terrain map. As a result, the 2D Point Cloud map serves as input to the network while the expected output is the matching 2D terrain map.</a:t>
+              <a:t>Each 2D map has a matching terrain map. As a result, the 2D map serves as input to the network while the expected output is the matching 2D terrain map.</a:t>
             </a:r>
           </a:p>
           <a:p>
@@ -10147,7 +10079,7 @@
           <a:graphicData uri="http://schemas.openxmlformats.org/presentationml/2006/ole">
             <mc:AlternateContent xmlns:mc="http://schemas.openxmlformats.org/markup-compatibility/2006">
               <mc:Choice xmlns:v="urn:schemas-microsoft-com:vml" Requires="v">
-                <p:oleObj spid="_x0000_s2086" name="Bitmap Image" r:id="rId3" imgW="5014395" imgH="4572396" progId="Paint.Picture">
+                <p:oleObj spid="_x0000_s2090" name="Bitmap Image" r:id="rId3" imgW="5014395" imgH="4572396" progId="Paint.Picture">
                   <p:embed/>
                 </p:oleObj>
               </mc:Choice>
@@ -10528,7 +10460,7 @@
           <a:graphicData uri="http://schemas.openxmlformats.org/presentationml/2006/ole">
             <mc:AlternateContent xmlns:mc="http://schemas.openxmlformats.org/markup-compatibility/2006">
               <mc:Choice xmlns:v="urn:schemas-microsoft-com:vml" Requires="v">
-                <p:oleObj spid="_x0000_s6168" name="Bitmap Image" r:id="rId3" imgW="4915326" imgH="3505504" progId="Paint.Picture">
+                <p:oleObj spid="_x0000_s6172" name="Bitmap Image" r:id="rId3" imgW="4915326" imgH="3505504" progId="Paint.Picture">
                   <p:embed/>
                 </p:oleObj>
               </mc:Choice>
@@ -11435,7 +11367,7 @@
           <a:p>
             <a:r>
               <a:rPr lang="en-US" dirty="0"/>
-              <a:t>The testing accuracy is 70%. The method is using Means of nearest 7 neighbors. </a:t>
+              <a:t>The testing accuracy is 70% with K=7 (cluster number)</a:t>
             </a:r>
           </a:p>
           <a:p>
@@ -12779,7 +12711,7 @@
           <a:lstStyle/>
           <a:p>
             <a:r>
-              <a:rPr lang="en-US" dirty="0" smtClean="0">
+              <a:rPr lang="en-US" dirty="0">
                 <a:solidFill>
                   <a:schemeClr val="tx1"/>
                 </a:solidFill>
@@ -12798,20 +12730,12 @@
                   <a:schemeClr val="tx1"/>
                 </a:solidFill>
               </a:rPr>
-              <a:t>Grayscale 2D </a:t>
-            </a:r>
-            <a:r>
-              <a:rPr lang="en-US" dirty="0" smtClean="0">
-                <a:solidFill>
-                  <a:schemeClr val="tx1"/>
-                </a:solidFill>
-              </a:rPr>
-              <a:t>map</a:t>
-            </a:r>
-          </a:p>
-          <a:p>
-            <a:r>
-              <a:rPr lang="en-US" dirty="0" smtClean="0">
+              <a:t>Grayscale 2D map</a:t>
+            </a:r>
+          </a:p>
+          <a:p>
+            <a:r>
+              <a:rPr lang="en-US" dirty="0">
                 <a:solidFill>
                   <a:schemeClr val="tx1"/>
                 </a:solidFill>
@@ -12825,7 +12749,7 @@
               <a:buChar char="Ø"/>
             </a:pPr>
             <a:r>
-              <a:rPr lang="en-US" dirty="0" smtClean="0">
+              <a:rPr lang="en-US" dirty="0">
                 <a:solidFill>
                   <a:schemeClr val="tx1"/>
                 </a:solidFill>
@@ -12839,7 +12763,7 @@
               <a:buChar char="Ø"/>
             </a:pPr>
             <a:r>
-              <a:rPr lang="en-US" dirty="0" smtClean="0">
+              <a:rPr lang="en-US" dirty="0">
                 <a:solidFill>
                   <a:schemeClr val="tx1"/>
                 </a:solidFill>
@@ -12850,7 +12774,7 @@
           <a:p>
             <a:pPr lvl="2"/>
             <a:r>
-              <a:rPr lang="en-US" dirty="0" smtClean="0">
+              <a:rPr lang="en-US" dirty="0">
                 <a:solidFill>
                   <a:schemeClr val="tx1"/>
                 </a:solidFill>
@@ -12861,35 +12785,27 @@
           <a:p>
             <a:pPr lvl="2"/>
             <a:r>
-              <a:rPr lang="en-US" smtClean="0">
+              <a:rPr lang="en-US">
                 <a:solidFill>
                   <a:schemeClr val="tx1"/>
                 </a:solidFill>
               </a:rPr>
               <a:t>Orientation</a:t>
             </a:r>
-            <a:endParaRPr lang="en-US" dirty="0" smtClean="0">
+            <a:endParaRPr lang="en-US" dirty="0">
               <a:solidFill>
                 <a:schemeClr val="tx1"/>
               </a:solidFill>
             </a:endParaRPr>
           </a:p>
           <a:p>
-            <a:r>
-              <a:rPr lang="en-US" dirty="0" smtClean="0">
-                <a:solidFill>
-                  <a:schemeClr val="tx1"/>
-                </a:solidFill>
-              </a:rPr>
-              <a:t>Output </a:t>
-            </a:r>
             <a:r>
               <a:rPr lang="en-US" dirty="0">
                 <a:solidFill>
                   <a:schemeClr val="tx1"/>
                 </a:solidFill>
               </a:rPr>
-              <a:t>Views</a:t>
+              <a:t>Output Views</a:t>
             </a:r>
           </a:p>
           <a:p>
@@ -12898,18 +12814,13 @@
               <a:buChar char="Ø"/>
             </a:pPr>
             <a:r>
-              <a:rPr lang="en-US" dirty="0" smtClean="0">
+              <a:rPr lang="en-US" dirty="0">
                 <a:solidFill>
                   <a:schemeClr val="tx1"/>
                 </a:solidFill>
               </a:rPr>
               <a:t>2D Map</a:t>
             </a:r>
-            <a:endParaRPr lang="en-US" dirty="0">
-              <a:solidFill>
-                <a:schemeClr val="tx1"/>
-              </a:solidFill>
-            </a:endParaRPr>
           </a:p>
           <a:p>
             <a:pPr lvl="1">
@@ -12922,15 +12833,7 @@
                   <a:schemeClr val="tx1"/>
                 </a:solidFill>
               </a:rPr>
-              <a:t>Front / Rear </a:t>
-            </a:r>
-            <a:r>
-              <a:rPr lang="en-US" dirty="0" smtClean="0">
-                <a:solidFill>
-                  <a:schemeClr val="tx1"/>
-                </a:solidFill>
-              </a:rPr>
-              <a:t>View</a:t>
+              <a:t>Front / Rear View</a:t>
             </a:r>
           </a:p>
           <a:p>
@@ -13129,18 +13032,13 @@
           </a:p>
           <a:p>
             <a:r>
-              <a:rPr lang="en-US" dirty="0" smtClean="0">
+              <a:rPr lang="en-US" dirty="0">
                 <a:solidFill>
                   <a:schemeClr val="tx1"/>
                 </a:solidFill>
               </a:rPr>
               <a:t>Simulation</a:t>
             </a:r>
-            <a:endParaRPr lang="en-US" dirty="0">
-              <a:solidFill>
-                <a:schemeClr val="tx1"/>
-              </a:solidFill>
-            </a:endParaRPr>
           </a:p>
           <a:p>
             <a:pPr lvl="1">
@@ -13148,18 +13046,13 @@
               <a:buChar char="Ø"/>
             </a:pPr>
             <a:r>
-              <a:rPr lang="en-US" dirty="0" smtClean="0">
+              <a:rPr lang="en-US" dirty="0">
                 <a:solidFill>
                   <a:schemeClr val="tx1"/>
                 </a:solidFill>
               </a:rPr>
               <a:t>Position</a:t>
             </a:r>
-            <a:endParaRPr lang="en-US" dirty="0">
-              <a:solidFill>
-                <a:schemeClr val="tx1"/>
-              </a:solidFill>
-            </a:endParaRPr>
           </a:p>
           <a:p>
             <a:pPr lvl="1">
@@ -13167,18 +13060,13 @@
               <a:buChar char="Ø"/>
             </a:pPr>
             <a:r>
-              <a:rPr lang="en-US" dirty="0" smtClean="0">
+              <a:rPr lang="en-US" dirty="0">
                 <a:solidFill>
                   <a:schemeClr val="tx1"/>
                 </a:solidFill>
               </a:rPr>
               <a:t>Orientation</a:t>
             </a:r>
-            <a:endParaRPr lang="en-US" dirty="0">
-              <a:solidFill>
-                <a:schemeClr val="tx1"/>
-              </a:solidFill>
-            </a:endParaRPr>
           </a:p>
           <a:p>
             <a:r>
@@ -13196,18 +13084,13 @@
               <a:buChar char="Ø"/>
             </a:pPr>
             <a:r>
-              <a:rPr lang="en-US" dirty="0" smtClean="0">
+              <a:rPr lang="en-US" dirty="0">
                 <a:solidFill>
                   <a:schemeClr val="tx1"/>
                 </a:solidFill>
               </a:rPr>
               <a:t>Map View</a:t>
             </a:r>
-            <a:endParaRPr lang="en-US" dirty="0">
-              <a:solidFill>
-                <a:schemeClr val="tx1"/>
-              </a:solidFill>
-            </a:endParaRPr>
           </a:p>
           <a:p>
             <a:pPr lvl="1">
@@ -13352,11 +13235,7 @@
           <a:p>
             <a:r>
               <a:rPr lang="en-US" dirty="0"/>
-              <a:t>Future </a:t>
-            </a:r>
-            <a:r>
-              <a:rPr lang="en-US" dirty="0" smtClean="0"/>
-              <a:t>Work</a:t>
+              <a:t>Future Work</a:t>
             </a:r>
             <a:endParaRPr lang="en-SG" dirty="0"/>
           </a:p>
@@ -13379,29 +13258,13 @@
           </a:bodyPr>
           <a:lstStyle/>
           <a:p>
-            <a:r>
-              <a:rPr lang="en-SG" dirty="0" smtClean="0">
-                <a:solidFill>
-                  <a:schemeClr val="tx1"/>
-                </a:solidFill>
-              </a:rPr>
-              <a:t>Improvement on </a:t>
-            </a:r>
             <a:r>
               <a:rPr lang="en-SG" dirty="0">
                 <a:solidFill>
                   <a:schemeClr val="tx1"/>
                 </a:solidFill>
               </a:rPr>
-              <a:t>reduced edge </a:t>
-            </a:r>
-            <a:r>
-              <a:rPr lang="en-SG" dirty="0" smtClean="0">
-                <a:solidFill>
-                  <a:schemeClr val="tx1"/>
-                </a:solidFill>
-              </a:rPr>
-              <a:t>noises</a:t>
+              <a:t>Improvement on reduced edge noises</a:t>
             </a:r>
           </a:p>
           <a:p>
@@ -13410,7 +13273,7 @@
               <a:buChar char="Ø"/>
             </a:pPr>
             <a:r>
-              <a:rPr lang="en-SG" dirty="0" smtClean="0">
+              <a:rPr lang="en-SG" dirty="0">
                 <a:solidFill>
                   <a:schemeClr val="tx1"/>
                 </a:solidFill>
@@ -13418,7 +13281,7 @@
               <a:t>Edge noises due </a:t>
             </a:r>
             <a:r>
-              <a:rPr lang="en-SG" smtClean="0">
+              <a:rPr lang="en-SG">
                 <a:solidFill>
                   <a:schemeClr val="tx1"/>
                 </a:solidFill>
@@ -13426,7 +13289,7 @@
               <a:t>to 1024 </a:t>
             </a:r>
             <a:r>
-              <a:rPr lang="en-SG" dirty="0" smtClean="0">
+              <a:rPr lang="en-SG" dirty="0">
                 <a:solidFill>
                   <a:schemeClr val="tx1"/>
                 </a:solidFill>
@@ -13440,7 +13303,7 @@
               <a:buChar char="Ø"/>
             </a:pPr>
             <a:r>
-              <a:rPr lang="en-SG" dirty="0" smtClean="0">
+              <a:rPr lang="en-SG" dirty="0">
                 <a:solidFill>
                   <a:schemeClr val="tx1"/>
                 </a:solidFill>
@@ -13461,26 +13324,13 @@
           </a:p>
           <a:p>
             <a:r>
-              <a:rPr lang="en-SG" dirty="0" smtClean="0">
-                <a:solidFill>
-                  <a:schemeClr val="tx1"/>
-                </a:solidFill>
-              </a:rPr>
-              <a:t>Reduce GPU power with </a:t>
-            </a:r>
-            <a:r>
               <a:rPr lang="en-SG" dirty="0">
                 <a:solidFill>
                   <a:schemeClr val="tx1"/>
                 </a:solidFill>
               </a:rPr>
-              <a:t>MobileNetV2</a:t>
-            </a:r>
-            <a:endParaRPr lang="en-SG" dirty="0" smtClean="0">
-              <a:solidFill>
-                <a:schemeClr val="tx1"/>
-              </a:solidFill>
-            </a:endParaRPr>
+              <a:t>Reduce GPU power with MobileNetV2</a:t>
+            </a:r>
           </a:p>
           <a:p>
             <a:pPr lvl="1">
@@ -13488,7 +13338,7 @@
               <a:buChar char="Ø"/>
             </a:pPr>
             <a:r>
-              <a:rPr lang="en-SG" dirty="0" smtClean="0">
+              <a:rPr lang="en-SG" dirty="0">
                 <a:solidFill>
                   <a:schemeClr val="tx1"/>
                 </a:solidFill>
@@ -13499,7 +13349,7 @@
           <a:p>
             <a:pPr lvl="2"/>
             <a:r>
-              <a:rPr lang="en-SG" dirty="0" smtClean="0">
+              <a:rPr lang="en-SG" dirty="0">
                 <a:solidFill>
                   <a:schemeClr val="tx1"/>
                 </a:solidFill>
@@ -13510,7 +13360,7 @@
           <a:p>
             <a:pPr lvl="2"/>
             <a:r>
-              <a:rPr lang="en-SG" dirty="0" smtClean="0">
+              <a:rPr lang="en-SG" dirty="0">
                 <a:solidFill>
                   <a:schemeClr val="tx1"/>
                 </a:solidFill>
@@ -13523,22 +13373,17 @@
               <a:buNone/>
             </a:pPr>
             <a:r>
-              <a:rPr lang="en-SG" dirty="0" smtClean="0">
+              <a:rPr lang="en-SG" dirty="0">
                 <a:solidFill>
                   <a:schemeClr val="tx1"/>
                 </a:solidFill>
               </a:rPr>
               <a:t> </a:t>
             </a:r>
-            <a:endParaRPr lang="en-SG" dirty="0">
-              <a:solidFill>
-                <a:schemeClr val="tx1"/>
-              </a:solidFill>
-            </a:endParaRPr>
-          </a:p>
-          <a:p>
-            <a:r>
-              <a:rPr lang="en-SG" dirty="0" smtClean="0">
+          </a:p>
+          <a:p>
+            <a:r>
+              <a:rPr lang="en-SG" dirty="0">
                 <a:solidFill>
                   <a:schemeClr val="tx1"/>
                 </a:solidFill>
@@ -13552,31 +13397,15 @@
               <a:buChar char="Ø"/>
             </a:pPr>
             <a:r>
-              <a:rPr lang="en-SG" dirty="0" smtClean="0">
-                <a:solidFill>
-                  <a:schemeClr val="tx1"/>
-                </a:solidFill>
-              </a:rPr>
-              <a:t>Reduce time </a:t>
-            </a:r>
-            <a:r>
               <a:rPr lang="en-SG" dirty="0">
                 <a:solidFill>
                   <a:schemeClr val="tx1"/>
                 </a:solidFill>
               </a:rPr>
-              <a:t>and </a:t>
-            </a:r>
-            <a:r>
-              <a:rPr lang="en-SG" dirty="0" smtClean="0">
-                <a:solidFill>
-                  <a:schemeClr val="tx1"/>
-                </a:solidFill>
-              </a:rPr>
-              <a:t>effort for utilizing </a:t>
-            </a:r>
-            <a:r>
-              <a:rPr lang="en-SG" dirty="0" err="1" smtClean="0">
+              <a:t>Reduce time and effort for utilizing </a:t>
+            </a:r>
+            <a:r>
+              <a:rPr lang="en-SG" dirty="0" err="1">
                 <a:solidFill>
                   <a:schemeClr val="tx1"/>
                 </a:solidFill>
@@ -13584,7 +13413,7 @@
               <a:t>Keras</a:t>
             </a:r>
             <a:r>
-              <a:rPr lang="en-SG" dirty="0" smtClean="0">
+              <a:rPr lang="en-SG" dirty="0">
                 <a:solidFill>
                   <a:schemeClr val="tx1"/>
                 </a:solidFill>
@@ -13594,7 +13423,7 @@
           </a:p>
           <a:p>
             <a:pPr lvl="1"/>
-            <a:endParaRPr lang="en-SG" dirty="0" smtClean="0">
+            <a:endParaRPr lang="en-SG" dirty="0">
               <a:solidFill>
                 <a:schemeClr val="tx1"/>
               </a:solidFill>

--- a/PracticeModule_Presentation.pptx
+++ b/PracticeModule_Presentation.pptx
@@ -1089,14 +1089,35 @@
         </dgm:presLayoutVars>
       </dgm:prSet>
       <dgm:spPr/>
+      <dgm:t>
+        <a:bodyPr/>
+        <a:lstStyle/>
+        <a:p>
+          <a:endParaRPr lang="en-US"/>
+        </a:p>
+      </dgm:t>
     </dgm:pt>
     <dgm:pt modelId="{4B5D39CA-8147-4B81-8770-5E31FC6D1CFB}" type="pres">
       <dgm:prSet presAssocID="{91D0FCC9-0385-42AC-A8E5-78283D5D669C}" presName="sibTrans" presStyleLbl="sibTrans2D1" presStyleIdx="0" presStyleCnt="3"/>
       <dgm:spPr/>
+      <dgm:t>
+        <a:bodyPr/>
+        <a:lstStyle/>
+        <a:p>
+          <a:endParaRPr lang="en-US"/>
+        </a:p>
+      </dgm:t>
     </dgm:pt>
     <dgm:pt modelId="{41341A21-0806-411D-A443-625FA97E4491}" type="pres">
       <dgm:prSet presAssocID="{91D0FCC9-0385-42AC-A8E5-78283D5D669C}" presName="connectorText" presStyleLbl="sibTrans2D1" presStyleIdx="0" presStyleCnt="3"/>
       <dgm:spPr/>
+      <dgm:t>
+        <a:bodyPr/>
+        <a:lstStyle/>
+        <a:p>
+          <a:endParaRPr lang="en-US"/>
+        </a:p>
+      </dgm:t>
     </dgm:pt>
     <dgm:pt modelId="{EA5BC1ED-EB03-45BA-BC56-621EEE9BEBD1}" type="pres">
       <dgm:prSet presAssocID="{92249E20-58D4-4E75-BB12-FE5FBD54F135}" presName="node" presStyleLbl="node1" presStyleIdx="1" presStyleCnt="4">
@@ -1105,14 +1126,35 @@
         </dgm:presLayoutVars>
       </dgm:prSet>
       <dgm:spPr/>
+      <dgm:t>
+        <a:bodyPr/>
+        <a:lstStyle/>
+        <a:p>
+          <a:endParaRPr lang="en-US"/>
+        </a:p>
+      </dgm:t>
     </dgm:pt>
     <dgm:pt modelId="{95B3EF49-35D3-4519-9F1F-B39D5A0566E4}" type="pres">
       <dgm:prSet presAssocID="{0B72DC99-4E95-4ADB-960C-E769354E6A5D}" presName="sibTrans" presStyleLbl="sibTrans2D1" presStyleIdx="1" presStyleCnt="3"/>
       <dgm:spPr/>
+      <dgm:t>
+        <a:bodyPr/>
+        <a:lstStyle/>
+        <a:p>
+          <a:endParaRPr lang="en-US"/>
+        </a:p>
+      </dgm:t>
     </dgm:pt>
     <dgm:pt modelId="{9B203DD1-3145-4590-8ACC-2517ACFE25A8}" type="pres">
       <dgm:prSet presAssocID="{0B72DC99-4E95-4ADB-960C-E769354E6A5D}" presName="connectorText" presStyleLbl="sibTrans2D1" presStyleIdx="1" presStyleCnt="3"/>
       <dgm:spPr/>
+      <dgm:t>
+        <a:bodyPr/>
+        <a:lstStyle/>
+        <a:p>
+          <a:endParaRPr lang="en-US"/>
+        </a:p>
+      </dgm:t>
     </dgm:pt>
     <dgm:pt modelId="{A37733E1-C31E-4430-AEEA-7CC4BDFAF84B}" type="pres">
       <dgm:prSet presAssocID="{38DD500D-6BEB-44F1-A480-39EBC85B7D1B}" presName="node" presStyleLbl="node1" presStyleIdx="2" presStyleCnt="4">
@@ -1121,14 +1163,35 @@
         </dgm:presLayoutVars>
       </dgm:prSet>
       <dgm:spPr/>
+      <dgm:t>
+        <a:bodyPr/>
+        <a:lstStyle/>
+        <a:p>
+          <a:endParaRPr lang="en-US"/>
+        </a:p>
+      </dgm:t>
     </dgm:pt>
     <dgm:pt modelId="{7300E7F4-ED3F-436A-A1F0-90BEABB46E71}" type="pres">
       <dgm:prSet presAssocID="{6D1E928F-781F-462C-A8AC-2A960BFDA67A}" presName="sibTrans" presStyleLbl="sibTrans2D1" presStyleIdx="2" presStyleCnt="3"/>
       <dgm:spPr/>
+      <dgm:t>
+        <a:bodyPr/>
+        <a:lstStyle/>
+        <a:p>
+          <a:endParaRPr lang="en-US"/>
+        </a:p>
+      </dgm:t>
     </dgm:pt>
     <dgm:pt modelId="{D7B13FD1-4A98-4993-ACFA-933B70FB5D81}" type="pres">
       <dgm:prSet presAssocID="{6D1E928F-781F-462C-A8AC-2A960BFDA67A}" presName="connectorText" presStyleLbl="sibTrans2D1" presStyleIdx="2" presStyleCnt="3"/>
       <dgm:spPr/>
+      <dgm:t>
+        <a:bodyPr/>
+        <a:lstStyle/>
+        <a:p>
+          <a:endParaRPr lang="en-US"/>
+        </a:p>
+      </dgm:t>
     </dgm:pt>
     <dgm:pt modelId="{F65F4BF1-A7B9-4C27-8B28-16C04C25982E}" type="pres">
       <dgm:prSet presAssocID="{764C4D4F-B7F7-4995-9F46-8E01C62C581B}" presName="node" presStyleLbl="node1" presStyleIdx="3" presStyleCnt="4">
@@ -1137,23 +1200,30 @@
         </dgm:presLayoutVars>
       </dgm:prSet>
       <dgm:spPr/>
+      <dgm:t>
+        <a:bodyPr/>
+        <a:lstStyle/>
+        <a:p>
+          <a:endParaRPr lang="en-US"/>
+        </a:p>
+      </dgm:t>
     </dgm:pt>
   </dgm:ptLst>
   <dgm:cxnLst>
+    <dgm:cxn modelId="{3EBFAACE-A4CF-4057-9EC8-3A59330D069F}" type="presOf" srcId="{69C95212-ACBD-498E-A011-59076A4285CB}" destId="{4D4E5D9B-DE30-46F3-864F-B20CBCB47B81}" srcOrd="0" destOrd="0" presId="urn:microsoft.com/office/officeart/2005/8/layout/process1"/>
+    <dgm:cxn modelId="{2D076695-4491-4B11-95EC-7786C59603C3}" type="presOf" srcId="{0B72DC99-4E95-4ADB-960C-E769354E6A5D}" destId="{95B3EF49-35D3-4519-9F1F-B39D5A0566E4}" srcOrd="0" destOrd="0" presId="urn:microsoft.com/office/officeart/2005/8/layout/process1"/>
+    <dgm:cxn modelId="{05EBE6A4-21D9-4E6D-96DC-9D3E50C88595}" type="presOf" srcId="{38DD500D-6BEB-44F1-A480-39EBC85B7D1B}" destId="{A37733E1-C31E-4430-AEEA-7CC4BDFAF84B}" srcOrd="0" destOrd="0" presId="urn:microsoft.com/office/officeart/2005/8/layout/process1"/>
+    <dgm:cxn modelId="{B7AF3A68-AEB3-4860-978B-B262BEBB9ECB}" type="presOf" srcId="{6D1E928F-781F-462C-A8AC-2A960BFDA67A}" destId="{7300E7F4-ED3F-436A-A1F0-90BEABB46E71}" srcOrd="0" destOrd="0" presId="urn:microsoft.com/office/officeart/2005/8/layout/process1"/>
+    <dgm:cxn modelId="{31005A28-3819-43FC-A794-27C122A41925}" srcId="{9496E0A2-784B-483A-9A32-E68AF617843D}" destId="{38DD500D-6BEB-44F1-A480-39EBC85B7D1B}" srcOrd="2" destOrd="0" parTransId="{3CE2BC79-A484-4240-A2CB-1BC232A1E53F}" sibTransId="{6D1E928F-781F-462C-A8AC-2A960BFDA67A}"/>
+    <dgm:cxn modelId="{01F09420-6EB0-4A7F-B4CE-2315FD06751C}" type="presOf" srcId="{6D1E928F-781F-462C-A8AC-2A960BFDA67A}" destId="{D7B13FD1-4A98-4993-ACFA-933B70FB5D81}" srcOrd="1" destOrd="0" presId="urn:microsoft.com/office/officeart/2005/8/layout/process1"/>
+    <dgm:cxn modelId="{1530AF90-D573-4EFA-A3BC-840C3370D71B}" srcId="{9496E0A2-784B-483A-9A32-E68AF617843D}" destId="{764C4D4F-B7F7-4995-9F46-8E01C62C581B}" srcOrd="3" destOrd="0" parTransId="{A6A82594-4016-4707-8656-642BA426B3D4}" sibTransId="{356D9044-9DCA-4929-92DF-A2BDE3B61A47}"/>
+    <dgm:cxn modelId="{D1CF8BBB-F3E6-4482-8B69-D1BE9774788E}" type="presOf" srcId="{91D0FCC9-0385-42AC-A8E5-78283D5D669C}" destId="{4B5D39CA-8147-4B81-8770-5E31FC6D1CFB}" srcOrd="0" destOrd="0" presId="urn:microsoft.com/office/officeart/2005/8/layout/process1"/>
+    <dgm:cxn modelId="{5E0FD1A2-149D-4CF9-AEE7-688223EDC542}" type="presOf" srcId="{764C4D4F-B7F7-4995-9F46-8E01C62C581B}" destId="{F65F4BF1-A7B9-4C27-8B28-16C04C25982E}" srcOrd="0" destOrd="0" presId="urn:microsoft.com/office/officeart/2005/8/layout/process1"/>
+    <dgm:cxn modelId="{79D506E8-F752-4BA4-B280-EF0BEBC86F63}" srcId="{9496E0A2-784B-483A-9A32-E68AF617843D}" destId="{92249E20-58D4-4E75-BB12-FE5FBD54F135}" srcOrd="1" destOrd="0" parTransId="{105B3AA3-CBE4-4ECA-BC44-B6DCA5E7A036}" sibTransId="{0B72DC99-4E95-4ADB-960C-E769354E6A5D}"/>
     <dgm:cxn modelId="{23BC981F-CC7C-4D5F-91BD-DE6EC72DB040}" srcId="{9496E0A2-784B-483A-9A32-E68AF617843D}" destId="{69C95212-ACBD-498E-A011-59076A4285CB}" srcOrd="0" destOrd="0" parTransId="{BF3D5BE3-835C-4027-9271-54CEA95A0702}" sibTransId="{91D0FCC9-0385-42AC-A8E5-78283D5D669C}"/>
-    <dgm:cxn modelId="{01F09420-6EB0-4A7F-B4CE-2315FD06751C}" type="presOf" srcId="{6D1E928F-781F-462C-A8AC-2A960BFDA67A}" destId="{D7B13FD1-4A98-4993-ACFA-933B70FB5D81}" srcOrd="1" destOrd="0" presId="urn:microsoft.com/office/officeart/2005/8/layout/process1"/>
-    <dgm:cxn modelId="{31005A28-3819-43FC-A794-27C122A41925}" srcId="{9496E0A2-784B-483A-9A32-E68AF617843D}" destId="{38DD500D-6BEB-44F1-A480-39EBC85B7D1B}" srcOrd="2" destOrd="0" parTransId="{3CE2BC79-A484-4240-A2CB-1BC232A1E53F}" sibTransId="{6D1E928F-781F-462C-A8AC-2A960BFDA67A}"/>
-    <dgm:cxn modelId="{B7AF3A68-AEB3-4860-978B-B262BEBB9ECB}" type="presOf" srcId="{6D1E928F-781F-462C-A8AC-2A960BFDA67A}" destId="{7300E7F4-ED3F-436A-A1F0-90BEABB46E71}" srcOrd="0" destOrd="0" presId="urn:microsoft.com/office/officeart/2005/8/layout/process1"/>
     <dgm:cxn modelId="{F4BB5269-9705-4D80-8BF8-3B73A8F8EE8D}" type="presOf" srcId="{91D0FCC9-0385-42AC-A8E5-78283D5D669C}" destId="{41341A21-0806-411D-A443-625FA97E4491}" srcOrd="1" destOrd="0" presId="urn:microsoft.com/office/officeart/2005/8/layout/process1"/>
     <dgm:cxn modelId="{FEAE6454-4E5D-4190-8A76-D27FC4FC4790}" type="presOf" srcId="{9496E0A2-784B-483A-9A32-E68AF617843D}" destId="{9EA8A120-7984-4A2B-9532-24393BA5D7A2}" srcOrd="0" destOrd="0" presId="urn:microsoft.com/office/officeart/2005/8/layout/process1"/>
     <dgm:cxn modelId="{F8BD9F76-8AA1-4A33-B686-C2C5DEA97305}" type="presOf" srcId="{0B72DC99-4E95-4ADB-960C-E769354E6A5D}" destId="{9B203DD1-3145-4590-8ACC-2517ACFE25A8}" srcOrd="1" destOrd="0" presId="urn:microsoft.com/office/officeart/2005/8/layout/process1"/>
-    <dgm:cxn modelId="{1530AF90-D573-4EFA-A3BC-840C3370D71B}" srcId="{9496E0A2-784B-483A-9A32-E68AF617843D}" destId="{764C4D4F-B7F7-4995-9F46-8E01C62C581B}" srcOrd="3" destOrd="0" parTransId="{A6A82594-4016-4707-8656-642BA426B3D4}" sibTransId="{356D9044-9DCA-4929-92DF-A2BDE3B61A47}"/>
-    <dgm:cxn modelId="{2D076695-4491-4B11-95EC-7786C59603C3}" type="presOf" srcId="{0B72DC99-4E95-4ADB-960C-E769354E6A5D}" destId="{95B3EF49-35D3-4519-9F1F-B39D5A0566E4}" srcOrd="0" destOrd="0" presId="urn:microsoft.com/office/officeart/2005/8/layout/process1"/>
-    <dgm:cxn modelId="{5E0FD1A2-149D-4CF9-AEE7-688223EDC542}" type="presOf" srcId="{764C4D4F-B7F7-4995-9F46-8E01C62C581B}" destId="{F65F4BF1-A7B9-4C27-8B28-16C04C25982E}" srcOrd="0" destOrd="0" presId="urn:microsoft.com/office/officeart/2005/8/layout/process1"/>
-    <dgm:cxn modelId="{05EBE6A4-21D9-4E6D-96DC-9D3E50C88595}" type="presOf" srcId="{38DD500D-6BEB-44F1-A480-39EBC85B7D1B}" destId="{A37733E1-C31E-4430-AEEA-7CC4BDFAF84B}" srcOrd="0" destOrd="0" presId="urn:microsoft.com/office/officeart/2005/8/layout/process1"/>
-    <dgm:cxn modelId="{D1CF8BBB-F3E6-4482-8B69-D1BE9774788E}" type="presOf" srcId="{91D0FCC9-0385-42AC-A8E5-78283D5D669C}" destId="{4B5D39CA-8147-4B81-8770-5E31FC6D1CFB}" srcOrd="0" destOrd="0" presId="urn:microsoft.com/office/officeart/2005/8/layout/process1"/>
-    <dgm:cxn modelId="{3EBFAACE-A4CF-4057-9EC8-3A59330D069F}" type="presOf" srcId="{69C95212-ACBD-498E-A011-59076A4285CB}" destId="{4D4E5D9B-DE30-46F3-864F-B20CBCB47B81}" srcOrd="0" destOrd="0" presId="urn:microsoft.com/office/officeart/2005/8/layout/process1"/>
-    <dgm:cxn modelId="{79D506E8-F752-4BA4-B280-EF0BEBC86F63}" srcId="{9496E0A2-784B-483A-9A32-E68AF617843D}" destId="{92249E20-58D4-4E75-BB12-FE5FBD54F135}" srcOrd="1" destOrd="0" parTransId="{105B3AA3-CBE4-4ECA-BC44-B6DCA5E7A036}" sibTransId="{0B72DC99-4E95-4ADB-960C-E769354E6A5D}"/>
     <dgm:cxn modelId="{099D99FB-52B2-434C-BA10-1675505A420B}" type="presOf" srcId="{92249E20-58D4-4E75-BB12-FE5FBD54F135}" destId="{EA5BC1ED-EB03-45BA-BC56-621EEE9BEBD1}" srcOrd="0" destOrd="0" presId="urn:microsoft.com/office/officeart/2005/8/layout/process1"/>
     <dgm:cxn modelId="{DA8115C2-D2F4-4CCB-9D90-0A509018B8F1}" type="presParOf" srcId="{9EA8A120-7984-4A2B-9532-24393BA5D7A2}" destId="{4D4E5D9B-DE30-46F3-864F-B20CBCB47B81}" srcOrd="0" destOrd="0" presId="urn:microsoft.com/office/officeart/2005/8/layout/process1"/>
     <dgm:cxn modelId="{0C3F32CC-6A85-4291-B66A-941971627454}" type="presParOf" srcId="{9EA8A120-7984-4A2B-9532-24393BA5D7A2}" destId="{4B5D39CA-8147-4B81-8770-5E31FC6D1CFB}" srcOrd="1" destOrd="0" presId="urn:microsoft.com/office/officeart/2005/8/layout/process1"/>
@@ -1241,7 +1311,7 @@
         </a:bodyPr>
         <a:lstStyle/>
         <a:p>
-          <a:pPr marL="0" lvl="0" indent="0" algn="ctr" defTabSz="844550">
+          <a:pPr lvl="0" algn="ctr" defTabSz="844550">
             <a:lnSpc>
               <a:spcPct val="90000"/>
             </a:lnSpc>
@@ -1251,7 +1321,6 @@
             <a:spcAft>
               <a:spcPct val="35000"/>
             </a:spcAft>
-            <a:buNone/>
           </a:pPr>
           <a:r>
             <a:rPr lang="en-US" sz="1900" kern="1200"/>
@@ -1314,7 +1383,7 @@
         </a:bodyPr>
         <a:lstStyle/>
         <a:p>
-          <a:pPr marL="0" lvl="0" indent="0" algn="ctr" defTabSz="666750">
+          <a:pPr lvl="0" algn="ctr" defTabSz="666750">
             <a:lnSpc>
               <a:spcPct val="90000"/>
             </a:lnSpc>
@@ -1324,7 +1393,6 @@
             <a:spcAft>
               <a:spcPct val="35000"/>
             </a:spcAft>
-            <a:buNone/>
           </a:pPr>
           <a:endParaRPr lang="en-US" sz="1500" kern="1200"/>
         </a:p>
@@ -1386,7 +1454,7 @@
         </a:bodyPr>
         <a:lstStyle/>
         <a:p>
-          <a:pPr marL="0" lvl="0" indent="0" algn="ctr" defTabSz="844550">
+          <a:pPr lvl="0" algn="ctr" defTabSz="844550">
             <a:lnSpc>
               <a:spcPct val="90000"/>
             </a:lnSpc>
@@ -1396,7 +1464,6 @@
             <a:spcAft>
               <a:spcPct val="35000"/>
             </a:spcAft>
-            <a:buNone/>
           </a:pPr>
           <a:r>
             <a:rPr lang="en-US" sz="1900" kern="1200"/>
@@ -1459,7 +1526,7 @@
         </a:bodyPr>
         <a:lstStyle/>
         <a:p>
-          <a:pPr marL="0" lvl="0" indent="0" algn="ctr" defTabSz="666750">
+          <a:pPr lvl="0" algn="ctr" defTabSz="666750">
             <a:lnSpc>
               <a:spcPct val="90000"/>
             </a:lnSpc>
@@ -1469,7 +1536,6 @@
             <a:spcAft>
               <a:spcPct val="35000"/>
             </a:spcAft>
-            <a:buNone/>
           </a:pPr>
           <a:endParaRPr lang="en-US" sz="1500" kern="1200"/>
         </a:p>
@@ -1531,7 +1597,7 @@
         </a:bodyPr>
         <a:lstStyle/>
         <a:p>
-          <a:pPr marL="0" lvl="0" indent="0" algn="ctr" defTabSz="844550">
+          <a:pPr lvl="0" algn="ctr" defTabSz="844550">
             <a:lnSpc>
               <a:spcPct val="90000"/>
             </a:lnSpc>
@@ -1541,7 +1607,6 @@
             <a:spcAft>
               <a:spcPct val="35000"/>
             </a:spcAft>
-            <a:buNone/>
           </a:pPr>
           <a:r>
             <a:rPr lang="en-US" sz="1900" kern="1200"/>
@@ -1604,7 +1669,7 @@
         </a:bodyPr>
         <a:lstStyle/>
         <a:p>
-          <a:pPr marL="0" lvl="0" indent="0" algn="ctr" defTabSz="666750">
+          <a:pPr lvl="0" algn="ctr" defTabSz="666750">
             <a:lnSpc>
               <a:spcPct val="90000"/>
             </a:lnSpc>
@@ -1614,7 +1679,6 @@
             <a:spcAft>
               <a:spcPct val="35000"/>
             </a:spcAft>
-            <a:buNone/>
           </a:pPr>
           <a:endParaRPr lang="en-US" sz="1500" kern="1200"/>
         </a:p>
@@ -1681,7 +1745,7 @@
         </a:bodyPr>
         <a:lstStyle/>
         <a:p>
-          <a:pPr marL="0" lvl="0" indent="0" algn="ctr" defTabSz="844550">
+          <a:pPr lvl="0" algn="ctr" defTabSz="844550">
             <a:lnSpc>
               <a:spcPct val="90000"/>
             </a:lnSpc>
@@ -1691,7 +1755,6 @@
             <a:spcAft>
               <a:spcPct val="35000"/>
             </a:spcAft>
-            <a:buNone/>
           </a:pPr>
           <a:r>
             <a:rPr lang="en-US" sz="1900" kern="1200"/>
@@ -3135,7 +3198,7 @@
           <a:p>
             <a:fld id="{EA4960E5-F060-4C88-B1C5-5A6F5890BEF6}" type="datetimeFigureOut">
               <a:rPr lang="en-SG" smtClean="0"/>
-              <a:t>1/11/2020</a:t>
+              <a:t>11/1/2020</a:t>
             </a:fld>
             <a:endParaRPr lang="en-SG" dirty="0"/>
           </a:p>
@@ -10079,7 +10142,7 @@
           <a:graphicData uri="http://schemas.openxmlformats.org/presentationml/2006/ole">
             <mc:AlternateContent xmlns:mc="http://schemas.openxmlformats.org/markup-compatibility/2006">
               <mc:Choice xmlns:v="urn:schemas-microsoft-com:vml" Requires="v">
-                <p:oleObj spid="_x0000_s2090" name="Bitmap Image" r:id="rId3" imgW="5014395" imgH="4572396" progId="Paint.Picture">
+                <p:oleObj spid="_x0000_s2091" name="Bitmap Image" r:id="rId3" imgW="5014395" imgH="4572396" progId="Paint.Picture">
                   <p:embed/>
                 </p:oleObj>
               </mc:Choice>
@@ -10460,7 +10523,7 @@
           <a:graphicData uri="http://schemas.openxmlformats.org/presentationml/2006/ole">
             <mc:AlternateContent xmlns:mc="http://schemas.openxmlformats.org/markup-compatibility/2006">
               <mc:Choice xmlns:v="urn:schemas-microsoft-com:vml" Requires="v">
-                <p:oleObj spid="_x0000_s6172" name="Bitmap Image" r:id="rId3" imgW="4915326" imgH="3505504" progId="Paint.Picture">
+                <p:oleObj spid="_x0000_s6173" name="Bitmap Image" r:id="rId3" imgW="4915326" imgH="3505504" progId="Paint.Picture">
                   <p:embed/>
                 </p:oleObj>
               </mc:Choice>
@@ -12378,8 +12441,12 @@
           <a:lstStyle/>
           <a:p>
             <a:r>
+              <a:rPr lang="en-US" dirty="0" smtClean="0"/>
+              <a:t>System Design </a:t>
+            </a:r>
+            <a:r>
               <a:rPr lang="en-US" dirty="0"/>
-              <a:t>System Design -</a:t>
+              <a:t>-</a:t>
             </a:r>
             <a:br>
               <a:rPr lang="en-US" dirty="0"/>
@@ -12763,13 +12830,18 @@
               <a:buChar char="Ø"/>
             </a:pPr>
             <a:r>
-              <a:rPr lang="en-US" dirty="0">
+              <a:rPr lang="en-US" dirty="0" smtClean="0">
                 <a:solidFill>
                   <a:schemeClr val="tx1"/>
                 </a:solidFill>
               </a:rPr>
-              <a:t>Contain</a:t>
-            </a:r>
+              <a:t>Parameters</a:t>
+            </a:r>
+            <a:endParaRPr lang="en-US" dirty="0">
+              <a:solidFill>
+                <a:schemeClr val="tx1"/>
+              </a:solidFill>
+            </a:endParaRPr>
           </a:p>
           <a:p>
             <a:pPr lvl="2"/>
@@ -12785,18 +12857,13 @@
           <a:p>
             <a:pPr lvl="2"/>
             <a:r>
-              <a:rPr lang="en-US">
+              <a:rPr lang="en-US" dirty="0">
                 <a:solidFill>
                   <a:schemeClr val="tx1"/>
                 </a:solidFill>
               </a:rPr>
               <a:t>Orientation</a:t>
             </a:r>
-            <a:endParaRPr lang="en-US" dirty="0">
-              <a:solidFill>
-                <a:schemeClr val="tx1"/>
-              </a:solidFill>
-            </a:endParaRPr>
           </a:p>
           <a:p>
             <a:r>
@@ -12814,13 +12881,18 @@
               <a:buChar char="Ø"/>
             </a:pPr>
             <a:r>
-              <a:rPr lang="en-US" dirty="0">
+              <a:rPr lang="en-US" dirty="0" smtClean="0">
                 <a:solidFill>
                   <a:schemeClr val="tx1"/>
                 </a:solidFill>
               </a:rPr>
-              <a:t>2D Map</a:t>
-            </a:r>
+              <a:t>Map View</a:t>
+            </a:r>
+            <a:endParaRPr lang="en-US" dirty="0">
+              <a:solidFill>
+                <a:schemeClr val="tx1"/>
+              </a:solidFill>
+            </a:endParaRPr>
           </a:p>
           <a:p>
             <a:pPr lvl="1">
@@ -13278,23 +13350,7 @@
                   <a:schemeClr val="tx1"/>
                 </a:solidFill>
               </a:rPr>
-              <a:t>Edge noises due </a:t>
-            </a:r>
-            <a:r>
-              <a:rPr lang="en-SG">
-                <a:solidFill>
-                  <a:schemeClr val="tx1"/>
-                </a:solidFill>
-              </a:rPr>
-              <a:t>to 1024 </a:t>
-            </a:r>
-            <a:r>
-              <a:rPr lang="en-SG" dirty="0">
-                <a:solidFill>
-                  <a:schemeClr val="tx1"/>
-                </a:solidFill>
-              </a:rPr>
-              <a:t>x 1024 grid</a:t>
+              <a:t>Edge noises due to 1024 x 1024 grid</a:t>
             </a:r>
           </a:p>
           <a:p>
